--- a/google-fs/google-fs.pptx
+++ b/google-fs/google-fs.pptx
@@ -22,10 +22,17 @@
     <p:sldId id="273" r:id="rId16"/>
     <p:sldId id="275" r:id="rId17"/>
     <p:sldId id="272" r:id="rId18"/>
-    <p:sldId id="267" r:id="rId19"/>
-    <p:sldId id="259" r:id="rId20"/>
-    <p:sldId id="277" r:id="rId21"/>
-    <p:sldId id="276" r:id="rId22"/>
+    <p:sldId id="278" r:id="rId19"/>
+    <p:sldId id="267" r:id="rId20"/>
+    <p:sldId id="282" r:id="rId21"/>
+    <p:sldId id="281" r:id="rId22"/>
+    <p:sldId id="280" r:id="rId23"/>
+    <p:sldId id="283" r:id="rId24"/>
+    <p:sldId id="284" r:id="rId25"/>
+    <p:sldId id="276" r:id="rId26"/>
+    <p:sldId id="277" r:id="rId27"/>
+    <p:sldId id="259" r:id="rId28"/>
+    <p:sldId id="279" r:id="rId29"/>
   </p:sldIdLst>
   <p:sldSz cx="9144000" cy="6858000" type="screen4x3"/>
   <p:notesSz cx="6858000" cy="9144000"/>
@@ -125,6 +132,7156 @@
     </a:lvl9pPr>
   </p:defaultTextStyle>
 </p:presentation>
+</file>
+
+<file path=ppt/diagrams/colors1.xml><?xml version="1.0" encoding="utf-8"?>
+<dgm:colorsDef xmlns:dgm="http://schemas.openxmlformats.org/drawingml/2006/diagram" xmlns:a="http://schemas.openxmlformats.org/drawingml/2006/main" uniqueId="urn:microsoft.com/office/officeart/2005/8/colors/accent1_2">
+  <dgm:title val=""/>
+  <dgm:desc val=""/>
+  <dgm:catLst>
+    <dgm:cat type="accent1" pri="11200"/>
+  </dgm:catLst>
+  <dgm:styleLbl name="node0">
+    <dgm:fillClrLst meth="repeat">
+      <a:schemeClr val="accent1"/>
+    </dgm:fillClrLst>
+    <dgm:linClrLst meth="repeat">
+      <a:schemeClr val="lt1"/>
+    </dgm:linClrLst>
+    <dgm:effectClrLst/>
+    <dgm:txLinClrLst/>
+    <dgm:txFillClrLst/>
+    <dgm:txEffectClrLst/>
+  </dgm:styleLbl>
+  <dgm:styleLbl name="alignNode1">
+    <dgm:fillClrLst meth="repeat">
+      <a:schemeClr val="accent1"/>
+    </dgm:fillClrLst>
+    <dgm:linClrLst meth="repeat">
+      <a:schemeClr val="accent1"/>
+    </dgm:linClrLst>
+    <dgm:effectClrLst/>
+    <dgm:txLinClrLst/>
+    <dgm:txFillClrLst/>
+    <dgm:txEffectClrLst/>
+  </dgm:styleLbl>
+  <dgm:styleLbl name="node1">
+    <dgm:fillClrLst meth="repeat">
+      <a:schemeClr val="accent1"/>
+    </dgm:fillClrLst>
+    <dgm:linClrLst meth="repeat">
+      <a:schemeClr val="lt1"/>
+    </dgm:linClrLst>
+    <dgm:effectClrLst/>
+    <dgm:txLinClrLst/>
+    <dgm:txFillClrLst/>
+    <dgm:txEffectClrLst/>
+  </dgm:styleLbl>
+  <dgm:styleLbl name="lnNode1">
+    <dgm:fillClrLst meth="repeat">
+      <a:schemeClr val="accent1"/>
+    </dgm:fillClrLst>
+    <dgm:linClrLst meth="repeat">
+      <a:schemeClr val="lt1"/>
+    </dgm:linClrLst>
+    <dgm:effectClrLst/>
+    <dgm:txLinClrLst/>
+    <dgm:txFillClrLst/>
+    <dgm:txEffectClrLst/>
+  </dgm:styleLbl>
+  <dgm:styleLbl name="vennNode1">
+    <dgm:fillClrLst meth="repeat">
+      <a:schemeClr val="accent1">
+        <a:alpha val="50000"/>
+      </a:schemeClr>
+    </dgm:fillClrLst>
+    <dgm:linClrLst meth="repeat">
+      <a:schemeClr val="lt1"/>
+    </dgm:linClrLst>
+    <dgm:effectClrLst/>
+    <dgm:txLinClrLst/>
+    <dgm:txFillClrLst/>
+    <dgm:txEffectClrLst/>
+  </dgm:styleLbl>
+  <dgm:styleLbl name="node2">
+    <dgm:fillClrLst meth="repeat">
+      <a:schemeClr val="accent1"/>
+    </dgm:fillClrLst>
+    <dgm:linClrLst meth="repeat">
+      <a:schemeClr val="lt1"/>
+    </dgm:linClrLst>
+    <dgm:effectClrLst/>
+    <dgm:txLinClrLst/>
+    <dgm:txFillClrLst/>
+    <dgm:txEffectClrLst/>
+  </dgm:styleLbl>
+  <dgm:styleLbl name="node3">
+    <dgm:fillClrLst meth="repeat">
+      <a:schemeClr val="accent1"/>
+    </dgm:fillClrLst>
+    <dgm:linClrLst meth="repeat">
+      <a:schemeClr val="lt1"/>
+    </dgm:linClrLst>
+    <dgm:effectClrLst/>
+    <dgm:txLinClrLst/>
+    <dgm:txFillClrLst/>
+    <dgm:txEffectClrLst/>
+  </dgm:styleLbl>
+  <dgm:styleLbl name="node4">
+    <dgm:fillClrLst meth="repeat">
+      <a:schemeClr val="accent1"/>
+    </dgm:fillClrLst>
+    <dgm:linClrLst meth="repeat">
+      <a:schemeClr val="lt1"/>
+    </dgm:linClrLst>
+    <dgm:effectClrLst/>
+    <dgm:txLinClrLst/>
+    <dgm:txFillClrLst/>
+    <dgm:txEffectClrLst/>
+  </dgm:styleLbl>
+  <dgm:styleLbl name="fgImgPlace1">
+    <dgm:fillClrLst meth="repeat">
+      <a:schemeClr val="accent1">
+        <a:tint val="50000"/>
+      </a:schemeClr>
+    </dgm:fillClrLst>
+    <dgm:linClrLst meth="repeat">
+      <a:schemeClr val="lt1"/>
+    </dgm:linClrLst>
+    <dgm:effectClrLst/>
+    <dgm:txLinClrLst/>
+    <dgm:txFillClrLst meth="repeat">
+      <a:schemeClr val="lt1"/>
+    </dgm:txFillClrLst>
+    <dgm:txEffectClrLst/>
+  </dgm:styleLbl>
+  <dgm:styleLbl name="alignImgPlace1">
+    <dgm:fillClrLst meth="repeat">
+      <a:schemeClr val="accent1">
+        <a:tint val="50000"/>
+      </a:schemeClr>
+    </dgm:fillClrLst>
+    <dgm:linClrLst meth="repeat">
+      <a:schemeClr val="lt1"/>
+    </dgm:linClrLst>
+    <dgm:effectClrLst/>
+    <dgm:txLinClrLst/>
+    <dgm:txFillClrLst meth="repeat">
+      <a:schemeClr val="lt1"/>
+    </dgm:txFillClrLst>
+    <dgm:txEffectClrLst/>
+  </dgm:styleLbl>
+  <dgm:styleLbl name="bgImgPlace1">
+    <dgm:fillClrLst meth="repeat">
+      <a:schemeClr val="accent1">
+        <a:tint val="50000"/>
+      </a:schemeClr>
+    </dgm:fillClrLst>
+    <dgm:linClrLst meth="repeat">
+      <a:schemeClr val="lt1"/>
+    </dgm:linClrLst>
+    <dgm:effectClrLst/>
+    <dgm:txLinClrLst/>
+    <dgm:txFillClrLst meth="repeat">
+      <a:schemeClr val="lt1"/>
+    </dgm:txFillClrLst>
+    <dgm:txEffectClrLst/>
+  </dgm:styleLbl>
+  <dgm:styleLbl name="sibTrans2D1">
+    <dgm:fillClrLst meth="repeat">
+      <a:schemeClr val="accent1">
+        <a:tint val="60000"/>
+      </a:schemeClr>
+    </dgm:fillClrLst>
+    <dgm:linClrLst meth="repeat">
+      <a:schemeClr val="accent1">
+        <a:tint val="60000"/>
+      </a:schemeClr>
+    </dgm:linClrLst>
+    <dgm:effectClrLst/>
+    <dgm:txLinClrLst/>
+    <dgm:txFillClrLst/>
+    <dgm:txEffectClrLst/>
+  </dgm:styleLbl>
+  <dgm:styleLbl name="fgSibTrans2D1">
+    <dgm:fillClrLst meth="repeat">
+      <a:schemeClr val="accent1">
+        <a:tint val="60000"/>
+      </a:schemeClr>
+    </dgm:fillClrLst>
+    <dgm:linClrLst meth="repeat">
+      <a:schemeClr val="accent1">
+        <a:tint val="60000"/>
+      </a:schemeClr>
+    </dgm:linClrLst>
+    <dgm:effectClrLst/>
+    <dgm:txLinClrLst/>
+    <dgm:txFillClrLst/>
+    <dgm:txEffectClrLst/>
+  </dgm:styleLbl>
+  <dgm:styleLbl name="bgSibTrans2D1">
+    <dgm:fillClrLst meth="repeat">
+      <a:schemeClr val="accent1">
+        <a:tint val="60000"/>
+      </a:schemeClr>
+    </dgm:fillClrLst>
+    <dgm:linClrLst meth="repeat">
+      <a:schemeClr val="accent1">
+        <a:tint val="60000"/>
+      </a:schemeClr>
+    </dgm:linClrLst>
+    <dgm:effectClrLst/>
+    <dgm:txLinClrLst/>
+    <dgm:txFillClrLst/>
+    <dgm:txEffectClrLst/>
+  </dgm:styleLbl>
+  <dgm:styleLbl name="sibTrans1D1">
+    <dgm:fillClrLst meth="repeat">
+      <a:schemeClr val="accent1"/>
+    </dgm:fillClrLst>
+    <dgm:linClrLst meth="repeat">
+      <a:schemeClr val="accent1"/>
+    </dgm:linClrLst>
+    <dgm:effectClrLst/>
+    <dgm:txLinClrLst/>
+    <dgm:txFillClrLst meth="repeat">
+      <a:schemeClr val="tx1"/>
+    </dgm:txFillClrLst>
+    <dgm:txEffectClrLst/>
+  </dgm:styleLbl>
+  <dgm:styleLbl name="callout">
+    <dgm:fillClrLst meth="repeat">
+      <a:schemeClr val="accent1"/>
+    </dgm:fillClrLst>
+    <dgm:linClrLst meth="repeat">
+      <a:schemeClr val="accent1">
+        <a:tint val="50000"/>
+      </a:schemeClr>
+    </dgm:linClrLst>
+    <dgm:effectClrLst/>
+    <dgm:txLinClrLst/>
+    <dgm:txFillClrLst meth="repeat">
+      <a:schemeClr val="tx1"/>
+    </dgm:txFillClrLst>
+    <dgm:txEffectClrLst/>
+  </dgm:styleLbl>
+  <dgm:styleLbl name="asst0">
+    <dgm:fillClrLst meth="repeat">
+      <a:schemeClr val="accent1"/>
+    </dgm:fillClrLst>
+    <dgm:linClrLst meth="repeat">
+      <a:schemeClr val="lt1"/>
+    </dgm:linClrLst>
+    <dgm:effectClrLst/>
+    <dgm:txLinClrLst/>
+    <dgm:txFillClrLst/>
+    <dgm:txEffectClrLst/>
+  </dgm:styleLbl>
+  <dgm:styleLbl name="asst1">
+    <dgm:fillClrLst meth="repeat">
+      <a:schemeClr val="accent1"/>
+    </dgm:fillClrLst>
+    <dgm:linClrLst meth="repeat">
+      <a:schemeClr val="lt1"/>
+    </dgm:linClrLst>
+    <dgm:effectClrLst/>
+    <dgm:txLinClrLst/>
+    <dgm:txFillClrLst/>
+    <dgm:txEffectClrLst/>
+  </dgm:styleLbl>
+  <dgm:styleLbl name="asst2">
+    <dgm:fillClrLst meth="repeat">
+      <a:schemeClr val="accent1"/>
+    </dgm:fillClrLst>
+    <dgm:linClrLst meth="repeat">
+      <a:schemeClr val="lt1"/>
+    </dgm:linClrLst>
+    <dgm:effectClrLst/>
+    <dgm:txLinClrLst/>
+    <dgm:txFillClrLst/>
+    <dgm:txEffectClrLst/>
+  </dgm:styleLbl>
+  <dgm:styleLbl name="asst3">
+    <dgm:fillClrLst meth="repeat">
+      <a:schemeClr val="accent1"/>
+    </dgm:fillClrLst>
+    <dgm:linClrLst meth="repeat">
+      <a:schemeClr val="lt1"/>
+    </dgm:linClrLst>
+    <dgm:effectClrLst/>
+    <dgm:txLinClrLst/>
+    <dgm:txFillClrLst/>
+    <dgm:txEffectClrLst/>
+  </dgm:styleLbl>
+  <dgm:styleLbl name="asst4">
+    <dgm:fillClrLst meth="repeat">
+      <a:schemeClr val="accent1"/>
+    </dgm:fillClrLst>
+    <dgm:linClrLst meth="repeat">
+      <a:schemeClr val="lt1"/>
+    </dgm:linClrLst>
+    <dgm:effectClrLst/>
+    <dgm:txLinClrLst/>
+    <dgm:txFillClrLst/>
+    <dgm:txEffectClrLst/>
+  </dgm:styleLbl>
+  <dgm:styleLbl name="parChTrans2D1">
+    <dgm:fillClrLst meth="repeat">
+      <a:schemeClr val="accent1">
+        <a:tint val="60000"/>
+      </a:schemeClr>
+    </dgm:fillClrLst>
+    <dgm:linClrLst meth="repeat">
+      <a:schemeClr val="accent1">
+        <a:tint val="60000"/>
+      </a:schemeClr>
+    </dgm:linClrLst>
+    <dgm:effectClrLst/>
+    <dgm:txLinClrLst/>
+    <dgm:txFillClrLst meth="repeat">
+      <a:schemeClr val="lt1"/>
+    </dgm:txFillClrLst>
+    <dgm:txEffectClrLst/>
+  </dgm:styleLbl>
+  <dgm:styleLbl name="parChTrans2D2">
+    <dgm:fillClrLst meth="repeat">
+      <a:schemeClr val="accent1"/>
+    </dgm:fillClrLst>
+    <dgm:linClrLst meth="repeat">
+      <a:schemeClr val="accent1"/>
+    </dgm:linClrLst>
+    <dgm:effectClrLst/>
+    <dgm:txLinClrLst/>
+    <dgm:txFillClrLst meth="repeat">
+      <a:schemeClr val="lt1"/>
+    </dgm:txFillClrLst>
+    <dgm:txEffectClrLst/>
+  </dgm:styleLbl>
+  <dgm:styleLbl name="parChTrans2D3">
+    <dgm:fillClrLst meth="repeat">
+      <a:schemeClr val="accent1"/>
+    </dgm:fillClrLst>
+    <dgm:linClrLst meth="repeat">
+      <a:schemeClr val="accent1"/>
+    </dgm:linClrLst>
+    <dgm:effectClrLst/>
+    <dgm:txLinClrLst/>
+    <dgm:txFillClrLst meth="repeat">
+      <a:schemeClr val="lt1"/>
+    </dgm:txFillClrLst>
+    <dgm:txEffectClrLst/>
+  </dgm:styleLbl>
+  <dgm:styleLbl name="parChTrans2D4">
+    <dgm:fillClrLst meth="repeat">
+      <a:schemeClr val="accent1"/>
+    </dgm:fillClrLst>
+    <dgm:linClrLst meth="repeat">
+      <a:schemeClr val="accent1"/>
+    </dgm:linClrLst>
+    <dgm:effectClrLst/>
+    <dgm:txLinClrLst/>
+    <dgm:txFillClrLst meth="repeat">
+      <a:schemeClr val="lt1"/>
+    </dgm:txFillClrLst>
+    <dgm:txEffectClrLst/>
+  </dgm:styleLbl>
+  <dgm:styleLbl name="parChTrans1D1">
+    <dgm:fillClrLst meth="repeat">
+      <a:schemeClr val="accent1"/>
+    </dgm:fillClrLst>
+    <dgm:linClrLst meth="repeat">
+      <a:schemeClr val="accent1">
+        <a:shade val="60000"/>
+      </a:schemeClr>
+    </dgm:linClrLst>
+    <dgm:effectClrLst/>
+    <dgm:txLinClrLst/>
+    <dgm:txFillClrLst meth="repeat">
+      <a:schemeClr val="tx1"/>
+    </dgm:txFillClrLst>
+    <dgm:txEffectClrLst/>
+  </dgm:styleLbl>
+  <dgm:styleLbl name="parChTrans1D2">
+    <dgm:fillClrLst meth="repeat">
+      <a:schemeClr val="accent1"/>
+    </dgm:fillClrLst>
+    <dgm:linClrLst meth="repeat">
+      <a:schemeClr val="accent1">
+        <a:shade val="60000"/>
+      </a:schemeClr>
+    </dgm:linClrLst>
+    <dgm:effectClrLst/>
+    <dgm:txLinClrLst/>
+    <dgm:txFillClrLst meth="repeat">
+      <a:schemeClr val="tx1"/>
+    </dgm:txFillClrLst>
+    <dgm:txEffectClrLst/>
+  </dgm:styleLbl>
+  <dgm:styleLbl name="parChTrans1D3">
+    <dgm:fillClrLst meth="repeat">
+      <a:schemeClr val="accent1"/>
+    </dgm:fillClrLst>
+    <dgm:linClrLst meth="repeat">
+      <a:schemeClr val="accent1">
+        <a:shade val="80000"/>
+      </a:schemeClr>
+    </dgm:linClrLst>
+    <dgm:effectClrLst/>
+    <dgm:txLinClrLst/>
+    <dgm:txFillClrLst meth="repeat">
+      <a:schemeClr val="tx1"/>
+    </dgm:txFillClrLst>
+    <dgm:txEffectClrLst/>
+  </dgm:styleLbl>
+  <dgm:styleLbl name="parChTrans1D4">
+    <dgm:fillClrLst meth="repeat">
+      <a:schemeClr val="accent1"/>
+    </dgm:fillClrLst>
+    <dgm:linClrLst meth="repeat">
+      <a:schemeClr val="accent1">
+        <a:shade val="80000"/>
+      </a:schemeClr>
+    </dgm:linClrLst>
+    <dgm:effectClrLst/>
+    <dgm:txLinClrLst/>
+    <dgm:txFillClrLst meth="repeat">
+      <a:schemeClr val="tx1"/>
+    </dgm:txFillClrLst>
+    <dgm:txEffectClrLst/>
+  </dgm:styleLbl>
+  <dgm:styleLbl name="fgAcc1">
+    <dgm:fillClrLst meth="repeat">
+      <a:schemeClr val="lt1">
+        <a:alpha val="90000"/>
+      </a:schemeClr>
+    </dgm:fillClrLst>
+    <dgm:linClrLst meth="repeat">
+      <a:schemeClr val="accent1"/>
+    </dgm:linClrLst>
+    <dgm:effectClrLst/>
+    <dgm:txLinClrLst/>
+    <dgm:txFillClrLst meth="repeat">
+      <a:schemeClr val="dk1"/>
+    </dgm:txFillClrLst>
+    <dgm:txEffectClrLst/>
+  </dgm:styleLbl>
+  <dgm:styleLbl name="conFgAcc1">
+    <dgm:fillClrLst meth="repeat">
+      <a:schemeClr val="lt1">
+        <a:alpha val="90000"/>
+      </a:schemeClr>
+    </dgm:fillClrLst>
+    <dgm:linClrLst meth="repeat">
+      <a:schemeClr val="accent1"/>
+    </dgm:linClrLst>
+    <dgm:effectClrLst/>
+    <dgm:txLinClrLst/>
+    <dgm:txFillClrLst meth="repeat">
+      <a:schemeClr val="dk1"/>
+    </dgm:txFillClrLst>
+    <dgm:txEffectClrLst/>
+  </dgm:styleLbl>
+  <dgm:styleLbl name="alignAcc1">
+    <dgm:fillClrLst meth="repeat">
+      <a:schemeClr val="lt1">
+        <a:alpha val="90000"/>
+      </a:schemeClr>
+    </dgm:fillClrLst>
+    <dgm:linClrLst meth="repeat">
+      <a:schemeClr val="accent1"/>
+    </dgm:linClrLst>
+    <dgm:effectClrLst/>
+    <dgm:txLinClrLst/>
+    <dgm:txFillClrLst meth="repeat">
+      <a:schemeClr val="dk1"/>
+    </dgm:txFillClrLst>
+    <dgm:txEffectClrLst/>
+  </dgm:styleLbl>
+  <dgm:styleLbl name="trAlignAcc1">
+    <dgm:fillClrLst meth="repeat">
+      <a:schemeClr val="lt1">
+        <a:alpha val="40000"/>
+      </a:schemeClr>
+    </dgm:fillClrLst>
+    <dgm:linClrLst meth="repeat">
+      <a:schemeClr val="accent1"/>
+    </dgm:linClrLst>
+    <dgm:effectClrLst/>
+    <dgm:txLinClrLst/>
+    <dgm:txFillClrLst meth="repeat">
+      <a:schemeClr val="dk1"/>
+    </dgm:txFillClrLst>
+    <dgm:txEffectClrLst/>
+  </dgm:styleLbl>
+  <dgm:styleLbl name="bgAcc1">
+    <dgm:fillClrLst meth="repeat">
+      <a:schemeClr val="lt1">
+        <a:alpha val="90000"/>
+      </a:schemeClr>
+    </dgm:fillClrLst>
+    <dgm:linClrLst meth="repeat">
+      <a:schemeClr val="accent1"/>
+    </dgm:linClrLst>
+    <dgm:effectClrLst/>
+    <dgm:txLinClrLst/>
+    <dgm:txFillClrLst meth="repeat">
+      <a:schemeClr val="dk1"/>
+    </dgm:txFillClrLst>
+    <dgm:txEffectClrLst/>
+  </dgm:styleLbl>
+  <dgm:styleLbl name="solidFgAcc1">
+    <dgm:fillClrLst meth="repeat">
+      <a:schemeClr val="lt1"/>
+    </dgm:fillClrLst>
+    <dgm:linClrLst meth="repeat">
+      <a:schemeClr val="accent1"/>
+    </dgm:linClrLst>
+    <dgm:effectClrLst/>
+    <dgm:txLinClrLst/>
+    <dgm:txFillClrLst meth="repeat">
+      <a:schemeClr val="dk1"/>
+    </dgm:txFillClrLst>
+    <dgm:txEffectClrLst/>
+  </dgm:styleLbl>
+  <dgm:styleLbl name="solidAlignAcc1">
+    <dgm:fillClrLst meth="repeat">
+      <a:schemeClr val="lt1"/>
+    </dgm:fillClrLst>
+    <dgm:linClrLst meth="repeat">
+      <a:schemeClr val="accent1"/>
+    </dgm:linClrLst>
+    <dgm:effectClrLst/>
+    <dgm:txLinClrLst/>
+    <dgm:txFillClrLst meth="repeat">
+      <a:schemeClr val="dk1"/>
+    </dgm:txFillClrLst>
+    <dgm:txEffectClrLst/>
+  </dgm:styleLbl>
+  <dgm:styleLbl name="solidBgAcc1">
+    <dgm:fillClrLst meth="repeat">
+      <a:schemeClr val="lt1"/>
+    </dgm:fillClrLst>
+    <dgm:linClrLst meth="repeat">
+      <a:schemeClr val="accent1"/>
+    </dgm:linClrLst>
+    <dgm:effectClrLst/>
+    <dgm:txLinClrLst/>
+    <dgm:txFillClrLst meth="repeat">
+      <a:schemeClr val="dk1"/>
+    </dgm:txFillClrLst>
+    <dgm:txEffectClrLst/>
+  </dgm:styleLbl>
+  <dgm:styleLbl name="fgAccFollowNode1">
+    <dgm:fillClrLst meth="repeat">
+      <a:schemeClr val="accent1">
+        <a:alpha val="90000"/>
+        <a:tint val="40000"/>
+      </a:schemeClr>
+    </dgm:fillClrLst>
+    <dgm:linClrLst meth="repeat">
+      <a:schemeClr val="accent1">
+        <a:alpha val="90000"/>
+        <a:tint val="40000"/>
+      </a:schemeClr>
+    </dgm:linClrLst>
+    <dgm:effectClrLst/>
+    <dgm:txLinClrLst/>
+    <dgm:txFillClrLst meth="repeat">
+      <a:schemeClr val="dk1"/>
+    </dgm:txFillClrLst>
+    <dgm:txEffectClrLst/>
+  </dgm:styleLbl>
+  <dgm:styleLbl name="alignAccFollowNode1">
+    <dgm:fillClrLst meth="repeat">
+      <a:schemeClr val="accent1">
+        <a:alpha val="90000"/>
+        <a:tint val="40000"/>
+      </a:schemeClr>
+    </dgm:fillClrLst>
+    <dgm:linClrLst meth="repeat">
+      <a:schemeClr val="accent1">
+        <a:alpha val="90000"/>
+        <a:tint val="40000"/>
+      </a:schemeClr>
+    </dgm:linClrLst>
+    <dgm:effectClrLst/>
+    <dgm:txLinClrLst/>
+    <dgm:txFillClrLst meth="repeat">
+      <a:schemeClr val="dk1"/>
+    </dgm:txFillClrLst>
+    <dgm:txEffectClrLst/>
+  </dgm:styleLbl>
+  <dgm:styleLbl name="bgAccFollowNode1">
+    <dgm:fillClrLst meth="repeat">
+      <a:schemeClr val="accent1">
+        <a:alpha val="90000"/>
+        <a:tint val="40000"/>
+      </a:schemeClr>
+    </dgm:fillClrLst>
+    <dgm:linClrLst meth="repeat">
+      <a:schemeClr val="accent1">
+        <a:alpha val="90000"/>
+        <a:tint val="40000"/>
+      </a:schemeClr>
+    </dgm:linClrLst>
+    <dgm:effectClrLst/>
+    <dgm:txLinClrLst/>
+    <dgm:txFillClrLst meth="repeat">
+      <a:schemeClr val="dk1"/>
+    </dgm:txFillClrLst>
+    <dgm:txEffectClrLst/>
+  </dgm:styleLbl>
+  <dgm:styleLbl name="fgAcc0">
+    <dgm:fillClrLst meth="repeat">
+      <a:schemeClr val="lt1">
+        <a:alpha val="90000"/>
+      </a:schemeClr>
+    </dgm:fillClrLst>
+    <dgm:linClrLst meth="repeat">
+      <a:schemeClr val="accent1"/>
+    </dgm:linClrLst>
+    <dgm:effectClrLst/>
+    <dgm:txLinClrLst/>
+    <dgm:txFillClrLst meth="repeat">
+      <a:schemeClr val="dk1"/>
+    </dgm:txFillClrLst>
+    <dgm:txEffectClrLst/>
+  </dgm:styleLbl>
+  <dgm:styleLbl name="fgAcc2">
+    <dgm:fillClrLst meth="repeat">
+      <a:schemeClr val="lt1">
+        <a:alpha val="90000"/>
+      </a:schemeClr>
+    </dgm:fillClrLst>
+    <dgm:linClrLst meth="repeat">
+      <a:schemeClr val="accent1"/>
+    </dgm:linClrLst>
+    <dgm:effectClrLst/>
+    <dgm:txLinClrLst/>
+    <dgm:txFillClrLst meth="repeat">
+      <a:schemeClr val="dk1"/>
+    </dgm:txFillClrLst>
+    <dgm:txEffectClrLst/>
+  </dgm:styleLbl>
+  <dgm:styleLbl name="fgAcc3">
+    <dgm:fillClrLst meth="repeat">
+      <a:schemeClr val="lt1">
+        <a:alpha val="90000"/>
+      </a:schemeClr>
+    </dgm:fillClrLst>
+    <dgm:linClrLst meth="repeat">
+      <a:schemeClr val="accent1"/>
+    </dgm:linClrLst>
+    <dgm:effectClrLst/>
+    <dgm:txLinClrLst/>
+    <dgm:txFillClrLst meth="repeat">
+      <a:schemeClr val="dk1"/>
+    </dgm:txFillClrLst>
+    <dgm:txEffectClrLst/>
+  </dgm:styleLbl>
+  <dgm:styleLbl name="fgAcc4">
+    <dgm:fillClrLst meth="repeat">
+      <a:schemeClr val="lt1">
+        <a:alpha val="90000"/>
+      </a:schemeClr>
+    </dgm:fillClrLst>
+    <dgm:linClrLst meth="repeat">
+      <a:schemeClr val="accent1"/>
+    </dgm:linClrLst>
+    <dgm:effectClrLst/>
+    <dgm:txLinClrLst/>
+    <dgm:txFillClrLst meth="repeat">
+      <a:schemeClr val="dk1"/>
+    </dgm:txFillClrLst>
+    <dgm:txEffectClrLst/>
+  </dgm:styleLbl>
+  <dgm:styleLbl name="bgShp">
+    <dgm:fillClrLst meth="repeat">
+      <a:schemeClr val="accent1">
+        <a:tint val="40000"/>
+      </a:schemeClr>
+    </dgm:fillClrLst>
+    <dgm:linClrLst meth="repeat">
+      <a:schemeClr val="accent1"/>
+    </dgm:linClrLst>
+    <dgm:effectClrLst/>
+    <dgm:txLinClrLst/>
+    <dgm:txFillClrLst meth="repeat">
+      <a:schemeClr val="dk1"/>
+    </dgm:txFillClrLst>
+    <dgm:txEffectClrLst/>
+  </dgm:styleLbl>
+  <dgm:styleLbl name="dkBgShp">
+    <dgm:fillClrLst meth="repeat">
+      <a:schemeClr val="accent1">
+        <a:shade val="80000"/>
+      </a:schemeClr>
+    </dgm:fillClrLst>
+    <dgm:linClrLst meth="repeat">
+      <a:schemeClr val="accent1"/>
+    </dgm:linClrLst>
+    <dgm:effectClrLst/>
+    <dgm:txLinClrLst/>
+    <dgm:txFillClrLst meth="repeat">
+      <a:schemeClr val="lt1"/>
+    </dgm:txFillClrLst>
+    <dgm:txEffectClrLst/>
+  </dgm:styleLbl>
+  <dgm:styleLbl name="trBgShp">
+    <dgm:fillClrLst meth="repeat">
+      <a:schemeClr val="accent1">
+        <a:tint val="50000"/>
+        <a:alpha val="40000"/>
+      </a:schemeClr>
+    </dgm:fillClrLst>
+    <dgm:linClrLst meth="repeat">
+      <a:schemeClr val="accent1"/>
+    </dgm:linClrLst>
+    <dgm:effectClrLst/>
+    <dgm:txLinClrLst/>
+    <dgm:txFillClrLst meth="repeat">
+      <a:schemeClr val="lt1"/>
+    </dgm:txFillClrLst>
+    <dgm:txEffectClrLst/>
+  </dgm:styleLbl>
+  <dgm:styleLbl name="fgShp">
+    <dgm:fillClrLst meth="repeat">
+      <a:schemeClr val="accent1">
+        <a:tint val="60000"/>
+      </a:schemeClr>
+    </dgm:fillClrLst>
+    <dgm:linClrLst meth="repeat">
+      <a:schemeClr val="lt1"/>
+    </dgm:linClrLst>
+    <dgm:effectClrLst/>
+    <dgm:txLinClrLst/>
+    <dgm:txFillClrLst meth="repeat">
+      <a:schemeClr val="dk1"/>
+    </dgm:txFillClrLst>
+    <dgm:txEffectClrLst/>
+  </dgm:styleLbl>
+  <dgm:styleLbl name="revTx">
+    <dgm:fillClrLst meth="repeat">
+      <a:schemeClr val="lt1">
+        <a:alpha val="0"/>
+      </a:schemeClr>
+    </dgm:fillClrLst>
+    <dgm:linClrLst meth="repeat">
+      <a:schemeClr val="dk1">
+        <a:alpha val="0"/>
+      </a:schemeClr>
+    </dgm:linClrLst>
+    <dgm:effectClrLst/>
+    <dgm:txLinClrLst/>
+    <dgm:txFillClrLst meth="repeat">
+      <a:schemeClr val="tx1"/>
+    </dgm:txFillClrLst>
+    <dgm:txEffectClrLst/>
+  </dgm:styleLbl>
+</dgm:colorsDef>
+</file>
+
+<file path=ppt/diagrams/colors2.xml><?xml version="1.0" encoding="utf-8"?>
+<dgm:colorsDef xmlns:dgm="http://schemas.openxmlformats.org/drawingml/2006/diagram" xmlns:a="http://schemas.openxmlformats.org/drawingml/2006/main" uniqueId="urn:microsoft.com/office/officeart/2005/8/colors/accent1_2">
+  <dgm:title val=""/>
+  <dgm:desc val=""/>
+  <dgm:catLst>
+    <dgm:cat type="accent1" pri="11200"/>
+  </dgm:catLst>
+  <dgm:styleLbl name="node0">
+    <dgm:fillClrLst meth="repeat">
+      <a:schemeClr val="accent1"/>
+    </dgm:fillClrLst>
+    <dgm:linClrLst meth="repeat">
+      <a:schemeClr val="lt1"/>
+    </dgm:linClrLst>
+    <dgm:effectClrLst/>
+    <dgm:txLinClrLst/>
+    <dgm:txFillClrLst/>
+    <dgm:txEffectClrLst/>
+  </dgm:styleLbl>
+  <dgm:styleLbl name="alignNode1">
+    <dgm:fillClrLst meth="repeat">
+      <a:schemeClr val="accent1"/>
+    </dgm:fillClrLst>
+    <dgm:linClrLst meth="repeat">
+      <a:schemeClr val="accent1"/>
+    </dgm:linClrLst>
+    <dgm:effectClrLst/>
+    <dgm:txLinClrLst/>
+    <dgm:txFillClrLst/>
+    <dgm:txEffectClrLst/>
+  </dgm:styleLbl>
+  <dgm:styleLbl name="node1">
+    <dgm:fillClrLst meth="repeat">
+      <a:schemeClr val="accent1"/>
+    </dgm:fillClrLst>
+    <dgm:linClrLst meth="repeat">
+      <a:schemeClr val="lt1"/>
+    </dgm:linClrLst>
+    <dgm:effectClrLst/>
+    <dgm:txLinClrLst/>
+    <dgm:txFillClrLst/>
+    <dgm:txEffectClrLst/>
+  </dgm:styleLbl>
+  <dgm:styleLbl name="lnNode1">
+    <dgm:fillClrLst meth="repeat">
+      <a:schemeClr val="accent1"/>
+    </dgm:fillClrLst>
+    <dgm:linClrLst meth="repeat">
+      <a:schemeClr val="lt1"/>
+    </dgm:linClrLst>
+    <dgm:effectClrLst/>
+    <dgm:txLinClrLst/>
+    <dgm:txFillClrLst/>
+    <dgm:txEffectClrLst/>
+  </dgm:styleLbl>
+  <dgm:styleLbl name="vennNode1">
+    <dgm:fillClrLst meth="repeat">
+      <a:schemeClr val="accent1">
+        <a:alpha val="50000"/>
+      </a:schemeClr>
+    </dgm:fillClrLst>
+    <dgm:linClrLst meth="repeat">
+      <a:schemeClr val="lt1"/>
+    </dgm:linClrLst>
+    <dgm:effectClrLst/>
+    <dgm:txLinClrLst/>
+    <dgm:txFillClrLst/>
+    <dgm:txEffectClrLst/>
+  </dgm:styleLbl>
+  <dgm:styleLbl name="node2">
+    <dgm:fillClrLst meth="repeat">
+      <a:schemeClr val="accent1"/>
+    </dgm:fillClrLst>
+    <dgm:linClrLst meth="repeat">
+      <a:schemeClr val="lt1"/>
+    </dgm:linClrLst>
+    <dgm:effectClrLst/>
+    <dgm:txLinClrLst/>
+    <dgm:txFillClrLst/>
+    <dgm:txEffectClrLst/>
+  </dgm:styleLbl>
+  <dgm:styleLbl name="node3">
+    <dgm:fillClrLst meth="repeat">
+      <a:schemeClr val="accent1"/>
+    </dgm:fillClrLst>
+    <dgm:linClrLst meth="repeat">
+      <a:schemeClr val="lt1"/>
+    </dgm:linClrLst>
+    <dgm:effectClrLst/>
+    <dgm:txLinClrLst/>
+    <dgm:txFillClrLst/>
+    <dgm:txEffectClrLst/>
+  </dgm:styleLbl>
+  <dgm:styleLbl name="node4">
+    <dgm:fillClrLst meth="repeat">
+      <a:schemeClr val="accent1"/>
+    </dgm:fillClrLst>
+    <dgm:linClrLst meth="repeat">
+      <a:schemeClr val="lt1"/>
+    </dgm:linClrLst>
+    <dgm:effectClrLst/>
+    <dgm:txLinClrLst/>
+    <dgm:txFillClrLst/>
+    <dgm:txEffectClrLst/>
+  </dgm:styleLbl>
+  <dgm:styleLbl name="fgImgPlace1">
+    <dgm:fillClrLst meth="repeat">
+      <a:schemeClr val="accent1">
+        <a:tint val="50000"/>
+      </a:schemeClr>
+    </dgm:fillClrLst>
+    <dgm:linClrLst meth="repeat">
+      <a:schemeClr val="lt1"/>
+    </dgm:linClrLst>
+    <dgm:effectClrLst/>
+    <dgm:txLinClrLst/>
+    <dgm:txFillClrLst meth="repeat">
+      <a:schemeClr val="lt1"/>
+    </dgm:txFillClrLst>
+    <dgm:txEffectClrLst/>
+  </dgm:styleLbl>
+  <dgm:styleLbl name="alignImgPlace1">
+    <dgm:fillClrLst meth="repeat">
+      <a:schemeClr val="accent1">
+        <a:tint val="50000"/>
+      </a:schemeClr>
+    </dgm:fillClrLst>
+    <dgm:linClrLst meth="repeat">
+      <a:schemeClr val="lt1"/>
+    </dgm:linClrLst>
+    <dgm:effectClrLst/>
+    <dgm:txLinClrLst/>
+    <dgm:txFillClrLst meth="repeat">
+      <a:schemeClr val="lt1"/>
+    </dgm:txFillClrLst>
+    <dgm:txEffectClrLst/>
+  </dgm:styleLbl>
+  <dgm:styleLbl name="bgImgPlace1">
+    <dgm:fillClrLst meth="repeat">
+      <a:schemeClr val="accent1">
+        <a:tint val="50000"/>
+      </a:schemeClr>
+    </dgm:fillClrLst>
+    <dgm:linClrLst meth="repeat">
+      <a:schemeClr val="lt1"/>
+    </dgm:linClrLst>
+    <dgm:effectClrLst/>
+    <dgm:txLinClrLst/>
+    <dgm:txFillClrLst meth="repeat">
+      <a:schemeClr val="lt1"/>
+    </dgm:txFillClrLst>
+    <dgm:txEffectClrLst/>
+  </dgm:styleLbl>
+  <dgm:styleLbl name="sibTrans2D1">
+    <dgm:fillClrLst meth="repeat">
+      <a:schemeClr val="accent1">
+        <a:tint val="60000"/>
+      </a:schemeClr>
+    </dgm:fillClrLst>
+    <dgm:linClrLst meth="repeat">
+      <a:schemeClr val="accent1">
+        <a:tint val="60000"/>
+      </a:schemeClr>
+    </dgm:linClrLst>
+    <dgm:effectClrLst/>
+    <dgm:txLinClrLst/>
+    <dgm:txFillClrLst/>
+    <dgm:txEffectClrLst/>
+  </dgm:styleLbl>
+  <dgm:styleLbl name="fgSibTrans2D1">
+    <dgm:fillClrLst meth="repeat">
+      <a:schemeClr val="accent1">
+        <a:tint val="60000"/>
+      </a:schemeClr>
+    </dgm:fillClrLst>
+    <dgm:linClrLst meth="repeat">
+      <a:schemeClr val="accent1">
+        <a:tint val="60000"/>
+      </a:schemeClr>
+    </dgm:linClrLst>
+    <dgm:effectClrLst/>
+    <dgm:txLinClrLst/>
+    <dgm:txFillClrLst/>
+    <dgm:txEffectClrLst/>
+  </dgm:styleLbl>
+  <dgm:styleLbl name="bgSibTrans2D1">
+    <dgm:fillClrLst meth="repeat">
+      <a:schemeClr val="accent1">
+        <a:tint val="60000"/>
+      </a:schemeClr>
+    </dgm:fillClrLst>
+    <dgm:linClrLst meth="repeat">
+      <a:schemeClr val="accent1">
+        <a:tint val="60000"/>
+      </a:schemeClr>
+    </dgm:linClrLst>
+    <dgm:effectClrLst/>
+    <dgm:txLinClrLst/>
+    <dgm:txFillClrLst/>
+    <dgm:txEffectClrLst/>
+  </dgm:styleLbl>
+  <dgm:styleLbl name="sibTrans1D1">
+    <dgm:fillClrLst meth="repeat">
+      <a:schemeClr val="accent1"/>
+    </dgm:fillClrLst>
+    <dgm:linClrLst meth="repeat">
+      <a:schemeClr val="accent1"/>
+    </dgm:linClrLst>
+    <dgm:effectClrLst/>
+    <dgm:txLinClrLst/>
+    <dgm:txFillClrLst meth="repeat">
+      <a:schemeClr val="tx1"/>
+    </dgm:txFillClrLst>
+    <dgm:txEffectClrLst/>
+  </dgm:styleLbl>
+  <dgm:styleLbl name="callout">
+    <dgm:fillClrLst meth="repeat">
+      <a:schemeClr val="accent1"/>
+    </dgm:fillClrLst>
+    <dgm:linClrLst meth="repeat">
+      <a:schemeClr val="accent1">
+        <a:tint val="50000"/>
+      </a:schemeClr>
+    </dgm:linClrLst>
+    <dgm:effectClrLst/>
+    <dgm:txLinClrLst/>
+    <dgm:txFillClrLst meth="repeat">
+      <a:schemeClr val="tx1"/>
+    </dgm:txFillClrLst>
+    <dgm:txEffectClrLst/>
+  </dgm:styleLbl>
+  <dgm:styleLbl name="asst0">
+    <dgm:fillClrLst meth="repeat">
+      <a:schemeClr val="accent1"/>
+    </dgm:fillClrLst>
+    <dgm:linClrLst meth="repeat">
+      <a:schemeClr val="lt1"/>
+    </dgm:linClrLst>
+    <dgm:effectClrLst/>
+    <dgm:txLinClrLst/>
+    <dgm:txFillClrLst/>
+    <dgm:txEffectClrLst/>
+  </dgm:styleLbl>
+  <dgm:styleLbl name="asst1">
+    <dgm:fillClrLst meth="repeat">
+      <a:schemeClr val="accent1"/>
+    </dgm:fillClrLst>
+    <dgm:linClrLst meth="repeat">
+      <a:schemeClr val="lt1"/>
+    </dgm:linClrLst>
+    <dgm:effectClrLst/>
+    <dgm:txLinClrLst/>
+    <dgm:txFillClrLst/>
+    <dgm:txEffectClrLst/>
+  </dgm:styleLbl>
+  <dgm:styleLbl name="asst2">
+    <dgm:fillClrLst meth="repeat">
+      <a:schemeClr val="accent1"/>
+    </dgm:fillClrLst>
+    <dgm:linClrLst meth="repeat">
+      <a:schemeClr val="lt1"/>
+    </dgm:linClrLst>
+    <dgm:effectClrLst/>
+    <dgm:txLinClrLst/>
+    <dgm:txFillClrLst/>
+    <dgm:txEffectClrLst/>
+  </dgm:styleLbl>
+  <dgm:styleLbl name="asst3">
+    <dgm:fillClrLst meth="repeat">
+      <a:schemeClr val="accent1"/>
+    </dgm:fillClrLst>
+    <dgm:linClrLst meth="repeat">
+      <a:schemeClr val="lt1"/>
+    </dgm:linClrLst>
+    <dgm:effectClrLst/>
+    <dgm:txLinClrLst/>
+    <dgm:txFillClrLst/>
+    <dgm:txEffectClrLst/>
+  </dgm:styleLbl>
+  <dgm:styleLbl name="asst4">
+    <dgm:fillClrLst meth="repeat">
+      <a:schemeClr val="accent1"/>
+    </dgm:fillClrLst>
+    <dgm:linClrLst meth="repeat">
+      <a:schemeClr val="lt1"/>
+    </dgm:linClrLst>
+    <dgm:effectClrLst/>
+    <dgm:txLinClrLst/>
+    <dgm:txFillClrLst/>
+    <dgm:txEffectClrLst/>
+  </dgm:styleLbl>
+  <dgm:styleLbl name="parChTrans2D1">
+    <dgm:fillClrLst meth="repeat">
+      <a:schemeClr val="accent1">
+        <a:tint val="60000"/>
+      </a:schemeClr>
+    </dgm:fillClrLst>
+    <dgm:linClrLst meth="repeat">
+      <a:schemeClr val="accent1">
+        <a:tint val="60000"/>
+      </a:schemeClr>
+    </dgm:linClrLst>
+    <dgm:effectClrLst/>
+    <dgm:txLinClrLst/>
+    <dgm:txFillClrLst meth="repeat">
+      <a:schemeClr val="lt1"/>
+    </dgm:txFillClrLst>
+    <dgm:txEffectClrLst/>
+  </dgm:styleLbl>
+  <dgm:styleLbl name="parChTrans2D2">
+    <dgm:fillClrLst meth="repeat">
+      <a:schemeClr val="accent1"/>
+    </dgm:fillClrLst>
+    <dgm:linClrLst meth="repeat">
+      <a:schemeClr val="accent1"/>
+    </dgm:linClrLst>
+    <dgm:effectClrLst/>
+    <dgm:txLinClrLst/>
+    <dgm:txFillClrLst meth="repeat">
+      <a:schemeClr val="lt1"/>
+    </dgm:txFillClrLst>
+    <dgm:txEffectClrLst/>
+  </dgm:styleLbl>
+  <dgm:styleLbl name="parChTrans2D3">
+    <dgm:fillClrLst meth="repeat">
+      <a:schemeClr val="accent1"/>
+    </dgm:fillClrLst>
+    <dgm:linClrLst meth="repeat">
+      <a:schemeClr val="accent1"/>
+    </dgm:linClrLst>
+    <dgm:effectClrLst/>
+    <dgm:txLinClrLst/>
+    <dgm:txFillClrLst meth="repeat">
+      <a:schemeClr val="lt1"/>
+    </dgm:txFillClrLst>
+    <dgm:txEffectClrLst/>
+  </dgm:styleLbl>
+  <dgm:styleLbl name="parChTrans2D4">
+    <dgm:fillClrLst meth="repeat">
+      <a:schemeClr val="accent1"/>
+    </dgm:fillClrLst>
+    <dgm:linClrLst meth="repeat">
+      <a:schemeClr val="accent1"/>
+    </dgm:linClrLst>
+    <dgm:effectClrLst/>
+    <dgm:txLinClrLst/>
+    <dgm:txFillClrLst meth="repeat">
+      <a:schemeClr val="lt1"/>
+    </dgm:txFillClrLst>
+    <dgm:txEffectClrLst/>
+  </dgm:styleLbl>
+  <dgm:styleLbl name="parChTrans1D1">
+    <dgm:fillClrLst meth="repeat">
+      <a:schemeClr val="accent1"/>
+    </dgm:fillClrLst>
+    <dgm:linClrLst meth="repeat">
+      <a:schemeClr val="accent1">
+        <a:shade val="60000"/>
+      </a:schemeClr>
+    </dgm:linClrLst>
+    <dgm:effectClrLst/>
+    <dgm:txLinClrLst/>
+    <dgm:txFillClrLst meth="repeat">
+      <a:schemeClr val="tx1"/>
+    </dgm:txFillClrLst>
+    <dgm:txEffectClrLst/>
+  </dgm:styleLbl>
+  <dgm:styleLbl name="parChTrans1D2">
+    <dgm:fillClrLst meth="repeat">
+      <a:schemeClr val="accent1"/>
+    </dgm:fillClrLst>
+    <dgm:linClrLst meth="repeat">
+      <a:schemeClr val="accent1">
+        <a:shade val="60000"/>
+      </a:schemeClr>
+    </dgm:linClrLst>
+    <dgm:effectClrLst/>
+    <dgm:txLinClrLst/>
+    <dgm:txFillClrLst meth="repeat">
+      <a:schemeClr val="tx1"/>
+    </dgm:txFillClrLst>
+    <dgm:txEffectClrLst/>
+  </dgm:styleLbl>
+  <dgm:styleLbl name="parChTrans1D3">
+    <dgm:fillClrLst meth="repeat">
+      <a:schemeClr val="accent1"/>
+    </dgm:fillClrLst>
+    <dgm:linClrLst meth="repeat">
+      <a:schemeClr val="accent1">
+        <a:shade val="80000"/>
+      </a:schemeClr>
+    </dgm:linClrLst>
+    <dgm:effectClrLst/>
+    <dgm:txLinClrLst/>
+    <dgm:txFillClrLst meth="repeat">
+      <a:schemeClr val="tx1"/>
+    </dgm:txFillClrLst>
+    <dgm:txEffectClrLst/>
+  </dgm:styleLbl>
+  <dgm:styleLbl name="parChTrans1D4">
+    <dgm:fillClrLst meth="repeat">
+      <a:schemeClr val="accent1"/>
+    </dgm:fillClrLst>
+    <dgm:linClrLst meth="repeat">
+      <a:schemeClr val="accent1">
+        <a:shade val="80000"/>
+      </a:schemeClr>
+    </dgm:linClrLst>
+    <dgm:effectClrLst/>
+    <dgm:txLinClrLst/>
+    <dgm:txFillClrLst meth="repeat">
+      <a:schemeClr val="tx1"/>
+    </dgm:txFillClrLst>
+    <dgm:txEffectClrLst/>
+  </dgm:styleLbl>
+  <dgm:styleLbl name="fgAcc1">
+    <dgm:fillClrLst meth="repeat">
+      <a:schemeClr val="lt1">
+        <a:alpha val="90000"/>
+      </a:schemeClr>
+    </dgm:fillClrLst>
+    <dgm:linClrLst meth="repeat">
+      <a:schemeClr val="accent1"/>
+    </dgm:linClrLst>
+    <dgm:effectClrLst/>
+    <dgm:txLinClrLst/>
+    <dgm:txFillClrLst meth="repeat">
+      <a:schemeClr val="dk1"/>
+    </dgm:txFillClrLst>
+    <dgm:txEffectClrLst/>
+  </dgm:styleLbl>
+  <dgm:styleLbl name="conFgAcc1">
+    <dgm:fillClrLst meth="repeat">
+      <a:schemeClr val="lt1">
+        <a:alpha val="90000"/>
+      </a:schemeClr>
+    </dgm:fillClrLst>
+    <dgm:linClrLst meth="repeat">
+      <a:schemeClr val="accent1"/>
+    </dgm:linClrLst>
+    <dgm:effectClrLst/>
+    <dgm:txLinClrLst/>
+    <dgm:txFillClrLst meth="repeat">
+      <a:schemeClr val="dk1"/>
+    </dgm:txFillClrLst>
+    <dgm:txEffectClrLst/>
+  </dgm:styleLbl>
+  <dgm:styleLbl name="alignAcc1">
+    <dgm:fillClrLst meth="repeat">
+      <a:schemeClr val="lt1">
+        <a:alpha val="90000"/>
+      </a:schemeClr>
+    </dgm:fillClrLst>
+    <dgm:linClrLst meth="repeat">
+      <a:schemeClr val="accent1"/>
+    </dgm:linClrLst>
+    <dgm:effectClrLst/>
+    <dgm:txLinClrLst/>
+    <dgm:txFillClrLst meth="repeat">
+      <a:schemeClr val="dk1"/>
+    </dgm:txFillClrLst>
+    <dgm:txEffectClrLst/>
+  </dgm:styleLbl>
+  <dgm:styleLbl name="trAlignAcc1">
+    <dgm:fillClrLst meth="repeat">
+      <a:schemeClr val="lt1">
+        <a:alpha val="40000"/>
+      </a:schemeClr>
+    </dgm:fillClrLst>
+    <dgm:linClrLst meth="repeat">
+      <a:schemeClr val="accent1"/>
+    </dgm:linClrLst>
+    <dgm:effectClrLst/>
+    <dgm:txLinClrLst/>
+    <dgm:txFillClrLst meth="repeat">
+      <a:schemeClr val="dk1"/>
+    </dgm:txFillClrLst>
+    <dgm:txEffectClrLst/>
+  </dgm:styleLbl>
+  <dgm:styleLbl name="bgAcc1">
+    <dgm:fillClrLst meth="repeat">
+      <a:schemeClr val="lt1">
+        <a:alpha val="90000"/>
+      </a:schemeClr>
+    </dgm:fillClrLst>
+    <dgm:linClrLst meth="repeat">
+      <a:schemeClr val="accent1"/>
+    </dgm:linClrLst>
+    <dgm:effectClrLst/>
+    <dgm:txLinClrLst/>
+    <dgm:txFillClrLst meth="repeat">
+      <a:schemeClr val="dk1"/>
+    </dgm:txFillClrLst>
+    <dgm:txEffectClrLst/>
+  </dgm:styleLbl>
+  <dgm:styleLbl name="solidFgAcc1">
+    <dgm:fillClrLst meth="repeat">
+      <a:schemeClr val="lt1"/>
+    </dgm:fillClrLst>
+    <dgm:linClrLst meth="repeat">
+      <a:schemeClr val="accent1"/>
+    </dgm:linClrLst>
+    <dgm:effectClrLst/>
+    <dgm:txLinClrLst/>
+    <dgm:txFillClrLst meth="repeat">
+      <a:schemeClr val="dk1"/>
+    </dgm:txFillClrLst>
+    <dgm:txEffectClrLst/>
+  </dgm:styleLbl>
+  <dgm:styleLbl name="solidAlignAcc1">
+    <dgm:fillClrLst meth="repeat">
+      <a:schemeClr val="lt1"/>
+    </dgm:fillClrLst>
+    <dgm:linClrLst meth="repeat">
+      <a:schemeClr val="accent1"/>
+    </dgm:linClrLst>
+    <dgm:effectClrLst/>
+    <dgm:txLinClrLst/>
+    <dgm:txFillClrLst meth="repeat">
+      <a:schemeClr val="dk1"/>
+    </dgm:txFillClrLst>
+    <dgm:txEffectClrLst/>
+  </dgm:styleLbl>
+  <dgm:styleLbl name="solidBgAcc1">
+    <dgm:fillClrLst meth="repeat">
+      <a:schemeClr val="lt1"/>
+    </dgm:fillClrLst>
+    <dgm:linClrLst meth="repeat">
+      <a:schemeClr val="accent1"/>
+    </dgm:linClrLst>
+    <dgm:effectClrLst/>
+    <dgm:txLinClrLst/>
+    <dgm:txFillClrLst meth="repeat">
+      <a:schemeClr val="dk1"/>
+    </dgm:txFillClrLst>
+    <dgm:txEffectClrLst/>
+  </dgm:styleLbl>
+  <dgm:styleLbl name="fgAccFollowNode1">
+    <dgm:fillClrLst meth="repeat">
+      <a:schemeClr val="accent1">
+        <a:alpha val="90000"/>
+        <a:tint val="40000"/>
+      </a:schemeClr>
+    </dgm:fillClrLst>
+    <dgm:linClrLst meth="repeat">
+      <a:schemeClr val="accent1">
+        <a:alpha val="90000"/>
+        <a:tint val="40000"/>
+      </a:schemeClr>
+    </dgm:linClrLst>
+    <dgm:effectClrLst/>
+    <dgm:txLinClrLst/>
+    <dgm:txFillClrLst meth="repeat">
+      <a:schemeClr val="dk1"/>
+    </dgm:txFillClrLst>
+    <dgm:txEffectClrLst/>
+  </dgm:styleLbl>
+  <dgm:styleLbl name="alignAccFollowNode1">
+    <dgm:fillClrLst meth="repeat">
+      <a:schemeClr val="accent1">
+        <a:alpha val="90000"/>
+        <a:tint val="40000"/>
+      </a:schemeClr>
+    </dgm:fillClrLst>
+    <dgm:linClrLst meth="repeat">
+      <a:schemeClr val="accent1">
+        <a:alpha val="90000"/>
+        <a:tint val="40000"/>
+      </a:schemeClr>
+    </dgm:linClrLst>
+    <dgm:effectClrLst/>
+    <dgm:txLinClrLst/>
+    <dgm:txFillClrLst meth="repeat">
+      <a:schemeClr val="dk1"/>
+    </dgm:txFillClrLst>
+    <dgm:txEffectClrLst/>
+  </dgm:styleLbl>
+  <dgm:styleLbl name="bgAccFollowNode1">
+    <dgm:fillClrLst meth="repeat">
+      <a:schemeClr val="accent1">
+        <a:alpha val="90000"/>
+        <a:tint val="40000"/>
+      </a:schemeClr>
+    </dgm:fillClrLst>
+    <dgm:linClrLst meth="repeat">
+      <a:schemeClr val="accent1">
+        <a:alpha val="90000"/>
+        <a:tint val="40000"/>
+      </a:schemeClr>
+    </dgm:linClrLst>
+    <dgm:effectClrLst/>
+    <dgm:txLinClrLst/>
+    <dgm:txFillClrLst meth="repeat">
+      <a:schemeClr val="dk1"/>
+    </dgm:txFillClrLst>
+    <dgm:txEffectClrLst/>
+  </dgm:styleLbl>
+  <dgm:styleLbl name="fgAcc0">
+    <dgm:fillClrLst meth="repeat">
+      <a:schemeClr val="lt1">
+        <a:alpha val="90000"/>
+      </a:schemeClr>
+    </dgm:fillClrLst>
+    <dgm:linClrLst meth="repeat">
+      <a:schemeClr val="accent1"/>
+    </dgm:linClrLst>
+    <dgm:effectClrLst/>
+    <dgm:txLinClrLst/>
+    <dgm:txFillClrLst meth="repeat">
+      <a:schemeClr val="dk1"/>
+    </dgm:txFillClrLst>
+    <dgm:txEffectClrLst/>
+  </dgm:styleLbl>
+  <dgm:styleLbl name="fgAcc2">
+    <dgm:fillClrLst meth="repeat">
+      <a:schemeClr val="lt1">
+        <a:alpha val="90000"/>
+      </a:schemeClr>
+    </dgm:fillClrLst>
+    <dgm:linClrLst meth="repeat">
+      <a:schemeClr val="accent1"/>
+    </dgm:linClrLst>
+    <dgm:effectClrLst/>
+    <dgm:txLinClrLst/>
+    <dgm:txFillClrLst meth="repeat">
+      <a:schemeClr val="dk1"/>
+    </dgm:txFillClrLst>
+    <dgm:txEffectClrLst/>
+  </dgm:styleLbl>
+  <dgm:styleLbl name="fgAcc3">
+    <dgm:fillClrLst meth="repeat">
+      <a:schemeClr val="lt1">
+        <a:alpha val="90000"/>
+      </a:schemeClr>
+    </dgm:fillClrLst>
+    <dgm:linClrLst meth="repeat">
+      <a:schemeClr val="accent1"/>
+    </dgm:linClrLst>
+    <dgm:effectClrLst/>
+    <dgm:txLinClrLst/>
+    <dgm:txFillClrLst meth="repeat">
+      <a:schemeClr val="dk1"/>
+    </dgm:txFillClrLst>
+    <dgm:txEffectClrLst/>
+  </dgm:styleLbl>
+  <dgm:styleLbl name="fgAcc4">
+    <dgm:fillClrLst meth="repeat">
+      <a:schemeClr val="lt1">
+        <a:alpha val="90000"/>
+      </a:schemeClr>
+    </dgm:fillClrLst>
+    <dgm:linClrLst meth="repeat">
+      <a:schemeClr val="accent1"/>
+    </dgm:linClrLst>
+    <dgm:effectClrLst/>
+    <dgm:txLinClrLst/>
+    <dgm:txFillClrLst meth="repeat">
+      <a:schemeClr val="dk1"/>
+    </dgm:txFillClrLst>
+    <dgm:txEffectClrLst/>
+  </dgm:styleLbl>
+  <dgm:styleLbl name="bgShp">
+    <dgm:fillClrLst meth="repeat">
+      <a:schemeClr val="accent1">
+        <a:tint val="40000"/>
+      </a:schemeClr>
+    </dgm:fillClrLst>
+    <dgm:linClrLst meth="repeat">
+      <a:schemeClr val="accent1"/>
+    </dgm:linClrLst>
+    <dgm:effectClrLst/>
+    <dgm:txLinClrLst/>
+    <dgm:txFillClrLst meth="repeat">
+      <a:schemeClr val="dk1"/>
+    </dgm:txFillClrLst>
+    <dgm:txEffectClrLst/>
+  </dgm:styleLbl>
+  <dgm:styleLbl name="dkBgShp">
+    <dgm:fillClrLst meth="repeat">
+      <a:schemeClr val="accent1">
+        <a:shade val="80000"/>
+      </a:schemeClr>
+    </dgm:fillClrLst>
+    <dgm:linClrLst meth="repeat">
+      <a:schemeClr val="accent1"/>
+    </dgm:linClrLst>
+    <dgm:effectClrLst/>
+    <dgm:txLinClrLst/>
+    <dgm:txFillClrLst meth="repeat">
+      <a:schemeClr val="lt1"/>
+    </dgm:txFillClrLst>
+    <dgm:txEffectClrLst/>
+  </dgm:styleLbl>
+  <dgm:styleLbl name="trBgShp">
+    <dgm:fillClrLst meth="repeat">
+      <a:schemeClr val="accent1">
+        <a:tint val="50000"/>
+        <a:alpha val="40000"/>
+      </a:schemeClr>
+    </dgm:fillClrLst>
+    <dgm:linClrLst meth="repeat">
+      <a:schemeClr val="accent1"/>
+    </dgm:linClrLst>
+    <dgm:effectClrLst/>
+    <dgm:txLinClrLst/>
+    <dgm:txFillClrLst meth="repeat">
+      <a:schemeClr val="lt1"/>
+    </dgm:txFillClrLst>
+    <dgm:txEffectClrLst/>
+  </dgm:styleLbl>
+  <dgm:styleLbl name="fgShp">
+    <dgm:fillClrLst meth="repeat">
+      <a:schemeClr val="accent1">
+        <a:tint val="60000"/>
+      </a:schemeClr>
+    </dgm:fillClrLst>
+    <dgm:linClrLst meth="repeat">
+      <a:schemeClr val="lt1"/>
+    </dgm:linClrLst>
+    <dgm:effectClrLst/>
+    <dgm:txLinClrLst/>
+    <dgm:txFillClrLst meth="repeat">
+      <a:schemeClr val="dk1"/>
+    </dgm:txFillClrLst>
+    <dgm:txEffectClrLst/>
+  </dgm:styleLbl>
+  <dgm:styleLbl name="revTx">
+    <dgm:fillClrLst meth="repeat">
+      <a:schemeClr val="lt1">
+        <a:alpha val="0"/>
+      </a:schemeClr>
+    </dgm:fillClrLst>
+    <dgm:linClrLst meth="repeat">
+      <a:schemeClr val="dk1">
+        <a:alpha val="0"/>
+      </a:schemeClr>
+    </dgm:linClrLst>
+    <dgm:effectClrLst/>
+    <dgm:txLinClrLst/>
+    <dgm:txFillClrLst meth="repeat">
+      <a:schemeClr val="tx1"/>
+    </dgm:txFillClrLst>
+    <dgm:txEffectClrLst/>
+  </dgm:styleLbl>
+</dgm:colorsDef>
+</file>
+
+<file path=ppt/diagrams/colors3.xml><?xml version="1.0" encoding="utf-8"?>
+<dgm:colorsDef xmlns:dgm="http://schemas.openxmlformats.org/drawingml/2006/diagram" xmlns:a="http://schemas.openxmlformats.org/drawingml/2006/main" uniqueId="urn:microsoft.com/office/officeart/2005/8/colors/accent1_2">
+  <dgm:title val=""/>
+  <dgm:desc val=""/>
+  <dgm:catLst>
+    <dgm:cat type="accent1" pri="11200"/>
+  </dgm:catLst>
+  <dgm:styleLbl name="node0">
+    <dgm:fillClrLst meth="repeat">
+      <a:schemeClr val="accent1"/>
+    </dgm:fillClrLst>
+    <dgm:linClrLst meth="repeat">
+      <a:schemeClr val="lt1"/>
+    </dgm:linClrLst>
+    <dgm:effectClrLst/>
+    <dgm:txLinClrLst/>
+    <dgm:txFillClrLst/>
+    <dgm:txEffectClrLst/>
+  </dgm:styleLbl>
+  <dgm:styleLbl name="alignNode1">
+    <dgm:fillClrLst meth="repeat">
+      <a:schemeClr val="accent1"/>
+    </dgm:fillClrLst>
+    <dgm:linClrLst meth="repeat">
+      <a:schemeClr val="accent1"/>
+    </dgm:linClrLst>
+    <dgm:effectClrLst/>
+    <dgm:txLinClrLst/>
+    <dgm:txFillClrLst/>
+    <dgm:txEffectClrLst/>
+  </dgm:styleLbl>
+  <dgm:styleLbl name="node1">
+    <dgm:fillClrLst meth="repeat">
+      <a:schemeClr val="accent1"/>
+    </dgm:fillClrLst>
+    <dgm:linClrLst meth="repeat">
+      <a:schemeClr val="lt1"/>
+    </dgm:linClrLst>
+    <dgm:effectClrLst/>
+    <dgm:txLinClrLst/>
+    <dgm:txFillClrLst/>
+    <dgm:txEffectClrLst/>
+  </dgm:styleLbl>
+  <dgm:styleLbl name="lnNode1">
+    <dgm:fillClrLst meth="repeat">
+      <a:schemeClr val="accent1"/>
+    </dgm:fillClrLst>
+    <dgm:linClrLst meth="repeat">
+      <a:schemeClr val="lt1"/>
+    </dgm:linClrLst>
+    <dgm:effectClrLst/>
+    <dgm:txLinClrLst/>
+    <dgm:txFillClrLst/>
+    <dgm:txEffectClrLst/>
+  </dgm:styleLbl>
+  <dgm:styleLbl name="vennNode1">
+    <dgm:fillClrLst meth="repeat">
+      <a:schemeClr val="accent1">
+        <a:alpha val="50000"/>
+      </a:schemeClr>
+    </dgm:fillClrLst>
+    <dgm:linClrLst meth="repeat">
+      <a:schemeClr val="lt1"/>
+    </dgm:linClrLst>
+    <dgm:effectClrLst/>
+    <dgm:txLinClrLst/>
+    <dgm:txFillClrLst/>
+    <dgm:txEffectClrLst/>
+  </dgm:styleLbl>
+  <dgm:styleLbl name="node2">
+    <dgm:fillClrLst meth="repeat">
+      <a:schemeClr val="accent1"/>
+    </dgm:fillClrLst>
+    <dgm:linClrLst meth="repeat">
+      <a:schemeClr val="lt1"/>
+    </dgm:linClrLst>
+    <dgm:effectClrLst/>
+    <dgm:txLinClrLst/>
+    <dgm:txFillClrLst/>
+    <dgm:txEffectClrLst/>
+  </dgm:styleLbl>
+  <dgm:styleLbl name="node3">
+    <dgm:fillClrLst meth="repeat">
+      <a:schemeClr val="accent1"/>
+    </dgm:fillClrLst>
+    <dgm:linClrLst meth="repeat">
+      <a:schemeClr val="lt1"/>
+    </dgm:linClrLst>
+    <dgm:effectClrLst/>
+    <dgm:txLinClrLst/>
+    <dgm:txFillClrLst/>
+    <dgm:txEffectClrLst/>
+  </dgm:styleLbl>
+  <dgm:styleLbl name="node4">
+    <dgm:fillClrLst meth="repeat">
+      <a:schemeClr val="accent1"/>
+    </dgm:fillClrLst>
+    <dgm:linClrLst meth="repeat">
+      <a:schemeClr val="lt1"/>
+    </dgm:linClrLst>
+    <dgm:effectClrLst/>
+    <dgm:txLinClrLst/>
+    <dgm:txFillClrLst/>
+    <dgm:txEffectClrLst/>
+  </dgm:styleLbl>
+  <dgm:styleLbl name="fgImgPlace1">
+    <dgm:fillClrLst meth="repeat">
+      <a:schemeClr val="accent1">
+        <a:tint val="50000"/>
+      </a:schemeClr>
+    </dgm:fillClrLst>
+    <dgm:linClrLst meth="repeat">
+      <a:schemeClr val="lt1"/>
+    </dgm:linClrLst>
+    <dgm:effectClrLst/>
+    <dgm:txLinClrLst/>
+    <dgm:txFillClrLst meth="repeat">
+      <a:schemeClr val="lt1"/>
+    </dgm:txFillClrLst>
+    <dgm:txEffectClrLst/>
+  </dgm:styleLbl>
+  <dgm:styleLbl name="alignImgPlace1">
+    <dgm:fillClrLst meth="repeat">
+      <a:schemeClr val="accent1">
+        <a:tint val="50000"/>
+      </a:schemeClr>
+    </dgm:fillClrLst>
+    <dgm:linClrLst meth="repeat">
+      <a:schemeClr val="lt1"/>
+    </dgm:linClrLst>
+    <dgm:effectClrLst/>
+    <dgm:txLinClrLst/>
+    <dgm:txFillClrLst meth="repeat">
+      <a:schemeClr val="lt1"/>
+    </dgm:txFillClrLst>
+    <dgm:txEffectClrLst/>
+  </dgm:styleLbl>
+  <dgm:styleLbl name="bgImgPlace1">
+    <dgm:fillClrLst meth="repeat">
+      <a:schemeClr val="accent1">
+        <a:tint val="50000"/>
+      </a:schemeClr>
+    </dgm:fillClrLst>
+    <dgm:linClrLst meth="repeat">
+      <a:schemeClr val="lt1"/>
+    </dgm:linClrLst>
+    <dgm:effectClrLst/>
+    <dgm:txLinClrLst/>
+    <dgm:txFillClrLst meth="repeat">
+      <a:schemeClr val="lt1"/>
+    </dgm:txFillClrLst>
+    <dgm:txEffectClrLst/>
+  </dgm:styleLbl>
+  <dgm:styleLbl name="sibTrans2D1">
+    <dgm:fillClrLst meth="repeat">
+      <a:schemeClr val="accent1">
+        <a:tint val="60000"/>
+      </a:schemeClr>
+    </dgm:fillClrLst>
+    <dgm:linClrLst meth="repeat">
+      <a:schemeClr val="accent1">
+        <a:tint val="60000"/>
+      </a:schemeClr>
+    </dgm:linClrLst>
+    <dgm:effectClrLst/>
+    <dgm:txLinClrLst/>
+    <dgm:txFillClrLst/>
+    <dgm:txEffectClrLst/>
+  </dgm:styleLbl>
+  <dgm:styleLbl name="fgSibTrans2D1">
+    <dgm:fillClrLst meth="repeat">
+      <a:schemeClr val="accent1">
+        <a:tint val="60000"/>
+      </a:schemeClr>
+    </dgm:fillClrLst>
+    <dgm:linClrLst meth="repeat">
+      <a:schemeClr val="accent1">
+        <a:tint val="60000"/>
+      </a:schemeClr>
+    </dgm:linClrLst>
+    <dgm:effectClrLst/>
+    <dgm:txLinClrLst/>
+    <dgm:txFillClrLst/>
+    <dgm:txEffectClrLst/>
+  </dgm:styleLbl>
+  <dgm:styleLbl name="bgSibTrans2D1">
+    <dgm:fillClrLst meth="repeat">
+      <a:schemeClr val="accent1">
+        <a:tint val="60000"/>
+      </a:schemeClr>
+    </dgm:fillClrLst>
+    <dgm:linClrLst meth="repeat">
+      <a:schemeClr val="accent1">
+        <a:tint val="60000"/>
+      </a:schemeClr>
+    </dgm:linClrLst>
+    <dgm:effectClrLst/>
+    <dgm:txLinClrLst/>
+    <dgm:txFillClrLst/>
+    <dgm:txEffectClrLst/>
+  </dgm:styleLbl>
+  <dgm:styleLbl name="sibTrans1D1">
+    <dgm:fillClrLst meth="repeat">
+      <a:schemeClr val="accent1"/>
+    </dgm:fillClrLst>
+    <dgm:linClrLst meth="repeat">
+      <a:schemeClr val="accent1"/>
+    </dgm:linClrLst>
+    <dgm:effectClrLst/>
+    <dgm:txLinClrLst/>
+    <dgm:txFillClrLst meth="repeat">
+      <a:schemeClr val="tx1"/>
+    </dgm:txFillClrLst>
+    <dgm:txEffectClrLst/>
+  </dgm:styleLbl>
+  <dgm:styleLbl name="callout">
+    <dgm:fillClrLst meth="repeat">
+      <a:schemeClr val="accent1"/>
+    </dgm:fillClrLst>
+    <dgm:linClrLst meth="repeat">
+      <a:schemeClr val="accent1">
+        <a:tint val="50000"/>
+      </a:schemeClr>
+    </dgm:linClrLst>
+    <dgm:effectClrLst/>
+    <dgm:txLinClrLst/>
+    <dgm:txFillClrLst meth="repeat">
+      <a:schemeClr val="tx1"/>
+    </dgm:txFillClrLst>
+    <dgm:txEffectClrLst/>
+  </dgm:styleLbl>
+  <dgm:styleLbl name="asst0">
+    <dgm:fillClrLst meth="repeat">
+      <a:schemeClr val="accent1"/>
+    </dgm:fillClrLst>
+    <dgm:linClrLst meth="repeat">
+      <a:schemeClr val="lt1"/>
+    </dgm:linClrLst>
+    <dgm:effectClrLst/>
+    <dgm:txLinClrLst/>
+    <dgm:txFillClrLst/>
+    <dgm:txEffectClrLst/>
+  </dgm:styleLbl>
+  <dgm:styleLbl name="asst1">
+    <dgm:fillClrLst meth="repeat">
+      <a:schemeClr val="accent1"/>
+    </dgm:fillClrLst>
+    <dgm:linClrLst meth="repeat">
+      <a:schemeClr val="lt1"/>
+    </dgm:linClrLst>
+    <dgm:effectClrLst/>
+    <dgm:txLinClrLst/>
+    <dgm:txFillClrLst/>
+    <dgm:txEffectClrLst/>
+  </dgm:styleLbl>
+  <dgm:styleLbl name="asst2">
+    <dgm:fillClrLst meth="repeat">
+      <a:schemeClr val="accent1"/>
+    </dgm:fillClrLst>
+    <dgm:linClrLst meth="repeat">
+      <a:schemeClr val="lt1"/>
+    </dgm:linClrLst>
+    <dgm:effectClrLst/>
+    <dgm:txLinClrLst/>
+    <dgm:txFillClrLst/>
+    <dgm:txEffectClrLst/>
+  </dgm:styleLbl>
+  <dgm:styleLbl name="asst3">
+    <dgm:fillClrLst meth="repeat">
+      <a:schemeClr val="accent1"/>
+    </dgm:fillClrLst>
+    <dgm:linClrLst meth="repeat">
+      <a:schemeClr val="lt1"/>
+    </dgm:linClrLst>
+    <dgm:effectClrLst/>
+    <dgm:txLinClrLst/>
+    <dgm:txFillClrLst/>
+    <dgm:txEffectClrLst/>
+  </dgm:styleLbl>
+  <dgm:styleLbl name="asst4">
+    <dgm:fillClrLst meth="repeat">
+      <a:schemeClr val="accent1"/>
+    </dgm:fillClrLst>
+    <dgm:linClrLst meth="repeat">
+      <a:schemeClr val="lt1"/>
+    </dgm:linClrLst>
+    <dgm:effectClrLst/>
+    <dgm:txLinClrLst/>
+    <dgm:txFillClrLst/>
+    <dgm:txEffectClrLst/>
+  </dgm:styleLbl>
+  <dgm:styleLbl name="parChTrans2D1">
+    <dgm:fillClrLst meth="repeat">
+      <a:schemeClr val="accent1">
+        <a:tint val="60000"/>
+      </a:schemeClr>
+    </dgm:fillClrLst>
+    <dgm:linClrLst meth="repeat">
+      <a:schemeClr val="accent1">
+        <a:tint val="60000"/>
+      </a:schemeClr>
+    </dgm:linClrLst>
+    <dgm:effectClrLst/>
+    <dgm:txLinClrLst/>
+    <dgm:txFillClrLst meth="repeat">
+      <a:schemeClr val="lt1"/>
+    </dgm:txFillClrLst>
+    <dgm:txEffectClrLst/>
+  </dgm:styleLbl>
+  <dgm:styleLbl name="parChTrans2D2">
+    <dgm:fillClrLst meth="repeat">
+      <a:schemeClr val="accent1"/>
+    </dgm:fillClrLst>
+    <dgm:linClrLst meth="repeat">
+      <a:schemeClr val="accent1"/>
+    </dgm:linClrLst>
+    <dgm:effectClrLst/>
+    <dgm:txLinClrLst/>
+    <dgm:txFillClrLst meth="repeat">
+      <a:schemeClr val="lt1"/>
+    </dgm:txFillClrLst>
+    <dgm:txEffectClrLst/>
+  </dgm:styleLbl>
+  <dgm:styleLbl name="parChTrans2D3">
+    <dgm:fillClrLst meth="repeat">
+      <a:schemeClr val="accent1"/>
+    </dgm:fillClrLst>
+    <dgm:linClrLst meth="repeat">
+      <a:schemeClr val="accent1"/>
+    </dgm:linClrLst>
+    <dgm:effectClrLst/>
+    <dgm:txLinClrLst/>
+    <dgm:txFillClrLst meth="repeat">
+      <a:schemeClr val="lt1"/>
+    </dgm:txFillClrLst>
+    <dgm:txEffectClrLst/>
+  </dgm:styleLbl>
+  <dgm:styleLbl name="parChTrans2D4">
+    <dgm:fillClrLst meth="repeat">
+      <a:schemeClr val="accent1"/>
+    </dgm:fillClrLst>
+    <dgm:linClrLst meth="repeat">
+      <a:schemeClr val="accent1"/>
+    </dgm:linClrLst>
+    <dgm:effectClrLst/>
+    <dgm:txLinClrLst/>
+    <dgm:txFillClrLst meth="repeat">
+      <a:schemeClr val="lt1"/>
+    </dgm:txFillClrLst>
+    <dgm:txEffectClrLst/>
+  </dgm:styleLbl>
+  <dgm:styleLbl name="parChTrans1D1">
+    <dgm:fillClrLst meth="repeat">
+      <a:schemeClr val="accent1"/>
+    </dgm:fillClrLst>
+    <dgm:linClrLst meth="repeat">
+      <a:schemeClr val="accent1">
+        <a:shade val="60000"/>
+      </a:schemeClr>
+    </dgm:linClrLst>
+    <dgm:effectClrLst/>
+    <dgm:txLinClrLst/>
+    <dgm:txFillClrLst meth="repeat">
+      <a:schemeClr val="tx1"/>
+    </dgm:txFillClrLst>
+    <dgm:txEffectClrLst/>
+  </dgm:styleLbl>
+  <dgm:styleLbl name="parChTrans1D2">
+    <dgm:fillClrLst meth="repeat">
+      <a:schemeClr val="accent1"/>
+    </dgm:fillClrLst>
+    <dgm:linClrLst meth="repeat">
+      <a:schemeClr val="accent1">
+        <a:shade val="60000"/>
+      </a:schemeClr>
+    </dgm:linClrLst>
+    <dgm:effectClrLst/>
+    <dgm:txLinClrLst/>
+    <dgm:txFillClrLst meth="repeat">
+      <a:schemeClr val="tx1"/>
+    </dgm:txFillClrLst>
+    <dgm:txEffectClrLst/>
+  </dgm:styleLbl>
+  <dgm:styleLbl name="parChTrans1D3">
+    <dgm:fillClrLst meth="repeat">
+      <a:schemeClr val="accent1"/>
+    </dgm:fillClrLst>
+    <dgm:linClrLst meth="repeat">
+      <a:schemeClr val="accent1">
+        <a:shade val="80000"/>
+      </a:schemeClr>
+    </dgm:linClrLst>
+    <dgm:effectClrLst/>
+    <dgm:txLinClrLst/>
+    <dgm:txFillClrLst meth="repeat">
+      <a:schemeClr val="tx1"/>
+    </dgm:txFillClrLst>
+    <dgm:txEffectClrLst/>
+  </dgm:styleLbl>
+  <dgm:styleLbl name="parChTrans1D4">
+    <dgm:fillClrLst meth="repeat">
+      <a:schemeClr val="accent1"/>
+    </dgm:fillClrLst>
+    <dgm:linClrLst meth="repeat">
+      <a:schemeClr val="accent1">
+        <a:shade val="80000"/>
+      </a:schemeClr>
+    </dgm:linClrLst>
+    <dgm:effectClrLst/>
+    <dgm:txLinClrLst/>
+    <dgm:txFillClrLst meth="repeat">
+      <a:schemeClr val="tx1"/>
+    </dgm:txFillClrLst>
+    <dgm:txEffectClrLst/>
+  </dgm:styleLbl>
+  <dgm:styleLbl name="fgAcc1">
+    <dgm:fillClrLst meth="repeat">
+      <a:schemeClr val="lt1">
+        <a:alpha val="90000"/>
+      </a:schemeClr>
+    </dgm:fillClrLst>
+    <dgm:linClrLst meth="repeat">
+      <a:schemeClr val="accent1"/>
+    </dgm:linClrLst>
+    <dgm:effectClrLst/>
+    <dgm:txLinClrLst/>
+    <dgm:txFillClrLst meth="repeat">
+      <a:schemeClr val="dk1"/>
+    </dgm:txFillClrLst>
+    <dgm:txEffectClrLst/>
+  </dgm:styleLbl>
+  <dgm:styleLbl name="conFgAcc1">
+    <dgm:fillClrLst meth="repeat">
+      <a:schemeClr val="lt1">
+        <a:alpha val="90000"/>
+      </a:schemeClr>
+    </dgm:fillClrLst>
+    <dgm:linClrLst meth="repeat">
+      <a:schemeClr val="accent1"/>
+    </dgm:linClrLst>
+    <dgm:effectClrLst/>
+    <dgm:txLinClrLst/>
+    <dgm:txFillClrLst meth="repeat">
+      <a:schemeClr val="dk1"/>
+    </dgm:txFillClrLst>
+    <dgm:txEffectClrLst/>
+  </dgm:styleLbl>
+  <dgm:styleLbl name="alignAcc1">
+    <dgm:fillClrLst meth="repeat">
+      <a:schemeClr val="lt1">
+        <a:alpha val="90000"/>
+      </a:schemeClr>
+    </dgm:fillClrLst>
+    <dgm:linClrLst meth="repeat">
+      <a:schemeClr val="accent1"/>
+    </dgm:linClrLst>
+    <dgm:effectClrLst/>
+    <dgm:txLinClrLst/>
+    <dgm:txFillClrLst meth="repeat">
+      <a:schemeClr val="dk1"/>
+    </dgm:txFillClrLst>
+    <dgm:txEffectClrLst/>
+  </dgm:styleLbl>
+  <dgm:styleLbl name="trAlignAcc1">
+    <dgm:fillClrLst meth="repeat">
+      <a:schemeClr val="lt1">
+        <a:alpha val="40000"/>
+      </a:schemeClr>
+    </dgm:fillClrLst>
+    <dgm:linClrLst meth="repeat">
+      <a:schemeClr val="accent1"/>
+    </dgm:linClrLst>
+    <dgm:effectClrLst/>
+    <dgm:txLinClrLst/>
+    <dgm:txFillClrLst meth="repeat">
+      <a:schemeClr val="dk1"/>
+    </dgm:txFillClrLst>
+    <dgm:txEffectClrLst/>
+  </dgm:styleLbl>
+  <dgm:styleLbl name="bgAcc1">
+    <dgm:fillClrLst meth="repeat">
+      <a:schemeClr val="lt1">
+        <a:alpha val="90000"/>
+      </a:schemeClr>
+    </dgm:fillClrLst>
+    <dgm:linClrLst meth="repeat">
+      <a:schemeClr val="accent1"/>
+    </dgm:linClrLst>
+    <dgm:effectClrLst/>
+    <dgm:txLinClrLst/>
+    <dgm:txFillClrLst meth="repeat">
+      <a:schemeClr val="dk1"/>
+    </dgm:txFillClrLst>
+    <dgm:txEffectClrLst/>
+  </dgm:styleLbl>
+  <dgm:styleLbl name="solidFgAcc1">
+    <dgm:fillClrLst meth="repeat">
+      <a:schemeClr val="lt1"/>
+    </dgm:fillClrLst>
+    <dgm:linClrLst meth="repeat">
+      <a:schemeClr val="accent1"/>
+    </dgm:linClrLst>
+    <dgm:effectClrLst/>
+    <dgm:txLinClrLst/>
+    <dgm:txFillClrLst meth="repeat">
+      <a:schemeClr val="dk1"/>
+    </dgm:txFillClrLst>
+    <dgm:txEffectClrLst/>
+  </dgm:styleLbl>
+  <dgm:styleLbl name="solidAlignAcc1">
+    <dgm:fillClrLst meth="repeat">
+      <a:schemeClr val="lt1"/>
+    </dgm:fillClrLst>
+    <dgm:linClrLst meth="repeat">
+      <a:schemeClr val="accent1"/>
+    </dgm:linClrLst>
+    <dgm:effectClrLst/>
+    <dgm:txLinClrLst/>
+    <dgm:txFillClrLst meth="repeat">
+      <a:schemeClr val="dk1"/>
+    </dgm:txFillClrLst>
+    <dgm:txEffectClrLst/>
+  </dgm:styleLbl>
+  <dgm:styleLbl name="solidBgAcc1">
+    <dgm:fillClrLst meth="repeat">
+      <a:schemeClr val="lt1"/>
+    </dgm:fillClrLst>
+    <dgm:linClrLst meth="repeat">
+      <a:schemeClr val="accent1"/>
+    </dgm:linClrLst>
+    <dgm:effectClrLst/>
+    <dgm:txLinClrLst/>
+    <dgm:txFillClrLst meth="repeat">
+      <a:schemeClr val="dk1"/>
+    </dgm:txFillClrLst>
+    <dgm:txEffectClrLst/>
+  </dgm:styleLbl>
+  <dgm:styleLbl name="fgAccFollowNode1">
+    <dgm:fillClrLst meth="repeat">
+      <a:schemeClr val="accent1">
+        <a:alpha val="90000"/>
+        <a:tint val="40000"/>
+      </a:schemeClr>
+    </dgm:fillClrLst>
+    <dgm:linClrLst meth="repeat">
+      <a:schemeClr val="accent1">
+        <a:alpha val="90000"/>
+        <a:tint val="40000"/>
+      </a:schemeClr>
+    </dgm:linClrLst>
+    <dgm:effectClrLst/>
+    <dgm:txLinClrLst/>
+    <dgm:txFillClrLst meth="repeat">
+      <a:schemeClr val="dk1"/>
+    </dgm:txFillClrLst>
+    <dgm:txEffectClrLst/>
+  </dgm:styleLbl>
+  <dgm:styleLbl name="alignAccFollowNode1">
+    <dgm:fillClrLst meth="repeat">
+      <a:schemeClr val="accent1">
+        <a:alpha val="90000"/>
+        <a:tint val="40000"/>
+      </a:schemeClr>
+    </dgm:fillClrLst>
+    <dgm:linClrLst meth="repeat">
+      <a:schemeClr val="accent1">
+        <a:alpha val="90000"/>
+        <a:tint val="40000"/>
+      </a:schemeClr>
+    </dgm:linClrLst>
+    <dgm:effectClrLst/>
+    <dgm:txLinClrLst/>
+    <dgm:txFillClrLst meth="repeat">
+      <a:schemeClr val="dk1"/>
+    </dgm:txFillClrLst>
+    <dgm:txEffectClrLst/>
+  </dgm:styleLbl>
+  <dgm:styleLbl name="bgAccFollowNode1">
+    <dgm:fillClrLst meth="repeat">
+      <a:schemeClr val="accent1">
+        <a:alpha val="90000"/>
+        <a:tint val="40000"/>
+      </a:schemeClr>
+    </dgm:fillClrLst>
+    <dgm:linClrLst meth="repeat">
+      <a:schemeClr val="accent1">
+        <a:alpha val="90000"/>
+        <a:tint val="40000"/>
+      </a:schemeClr>
+    </dgm:linClrLst>
+    <dgm:effectClrLst/>
+    <dgm:txLinClrLst/>
+    <dgm:txFillClrLst meth="repeat">
+      <a:schemeClr val="dk1"/>
+    </dgm:txFillClrLst>
+    <dgm:txEffectClrLst/>
+  </dgm:styleLbl>
+  <dgm:styleLbl name="fgAcc0">
+    <dgm:fillClrLst meth="repeat">
+      <a:schemeClr val="lt1">
+        <a:alpha val="90000"/>
+      </a:schemeClr>
+    </dgm:fillClrLst>
+    <dgm:linClrLst meth="repeat">
+      <a:schemeClr val="accent1"/>
+    </dgm:linClrLst>
+    <dgm:effectClrLst/>
+    <dgm:txLinClrLst/>
+    <dgm:txFillClrLst meth="repeat">
+      <a:schemeClr val="dk1"/>
+    </dgm:txFillClrLst>
+    <dgm:txEffectClrLst/>
+  </dgm:styleLbl>
+  <dgm:styleLbl name="fgAcc2">
+    <dgm:fillClrLst meth="repeat">
+      <a:schemeClr val="lt1">
+        <a:alpha val="90000"/>
+      </a:schemeClr>
+    </dgm:fillClrLst>
+    <dgm:linClrLst meth="repeat">
+      <a:schemeClr val="accent1"/>
+    </dgm:linClrLst>
+    <dgm:effectClrLst/>
+    <dgm:txLinClrLst/>
+    <dgm:txFillClrLst meth="repeat">
+      <a:schemeClr val="dk1"/>
+    </dgm:txFillClrLst>
+    <dgm:txEffectClrLst/>
+  </dgm:styleLbl>
+  <dgm:styleLbl name="fgAcc3">
+    <dgm:fillClrLst meth="repeat">
+      <a:schemeClr val="lt1">
+        <a:alpha val="90000"/>
+      </a:schemeClr>
+    </dgm:fillClrLst>
+    <dgm:linClrLst meth="repeat">
+      <a:schemeClr val="accent1"/>
+    </dgm:linClrLst>
+    <dgm:effectClrLst/>
+    <dgm:txLinClrLst/>
+    <dgm:txFillClrLst meth="repeat">
+      <a:schemeClr val="dk1"/>
+    </dgm:txFillClrLst>
+    <dgm:txEffectClrLst/>
+  </dgm:styleLbl>
+  <dgm:styleLbl name="fgAcc4">
+    <dgm:fillClrLst meth="repeat">
+      <a:schemeClr val="lt1">
+        <a:alpha val="90000"/>
+      </a:schemeClr>
+    </dgm:fillClrLst>
+    <dgm:linClrLst meth="repeat">
+      <a:schemeClr val="accent1"/>
+    </dgm:linClrLst>
+    <dgm:effectClrLst/>
+    <dgm:txLinClrLst/>
+    <dgm:txFillClrLst meth="repeat">
+      <a:schemeClr val="dk1"/>
+    </dgm:txFillClrLst>
+    <dgm:txEffectClrLst/>
+  </dgm:styleLbl>
+  <dgm:styleLbl name="bgShp">
+    <dgm:fillClrLst meth="repeat">
+      <a:schemeClr val="accent1">
+        <a:tint val="40000"/>
+      </a:schemeClr>
+    </dgm:fillClrLst>
+    <dgm:linClrLst meth="repeat">
+      <a:schemeClr val="accent1"/>
+    </dgm:linClrLst>
+    <dgm:effectClrLst/>
+    <dgm:txLinClrLst/>
+    <dgm:txFillClrLst meth="repeat">
+      <a:schemeClr val="dk1"/>
+    </dgm:txFillClrLst>
+    <dgm:txEffectClrLst/>
+  </dgm:styleLbl>
+  <dgm:styleLbl name="dkBgShp">
+    <dgm:fillClrLst meth="repeat">
+      <a:schemeClr val="accent1">
+        <a:shade val="80000"/>
+      </a:schemeClr>
+    </dgm:fillClrLst>
+    <dgm:linClrLst meth="repeat">
+      <a:schemeClr val="accent1"/>
+    </dgm:linClrLst>
+    <dgm:effectClrLst/>
+    <dgm:txLinClrLst/>
+    <dgm:txFillClrLst meth="repeat">
+      <a:schemeClr val="lt1"/>
+    </dgm:txFillClrLst>
+    <dgm:txEffectClrLst/>
+  </dgm:styleLbl>
+  <dgm:styleLbl name="trBgShp">
+    <dgm:fillClrLst meth="repeat">
+      <a:schemeClr val="accent1">
+        <a:tint val="50000"/>
+        <a:alpha val="40000"/>
+      </a:schemeClr>
+    </dgm:fillClrLst>
+    <dgm:linClrLst meth="repeat">
+      <a:schemeClr val="accent1"/>
+    </dgm:linClrLst>
+    <dgm:effectClrLst/>
+    <dgm:txLinClrLst/>
+    <dgm:txFillClrLst meth="repeat">
+      <a:schemeClr val="lt1"/>
+    </dgm:txFillClrLst>
+    <dgm:txEffectClrLst/>
+  </dgm:styleLbl>
+  <dgm:styleLbl name="fgShp">
+    <dgm:fillClrLst meth="repeat">
+      <a:schemeClr val="accent1">
+        <a:tint val="60000"/>
+      </a:schemeClr>
+    </dgm:fillClrLst>
+    <dgm:linClrLst meth="repeat">
+      <a:schemeClr val="lt1"/>
+    </dgm:linClrLst>
+    <dgm:effectClrLst/>
+    <dgm:txLinClrLst/>
+    <dgm:txFillClrLst meth="repeat">
+      <a:schemeClr val="dk1"/>
+    </dgm:txFillClrLst>
+    <dgm:txEffectClrLst/>
+  </dgm:styleLbl>
+  <dgm:styleLbl name="revTx">
+    <dgm:fillClrLst meth="repeat">
+      <a:schemeClr val="lt1">
+        <a:alpha val="0"/>
+      </a:schemeClr>
+    </dgm:fillClrLst>
+    <dgm:linClrLst meth="repeat">
+      <a:schemeClr val="dk1">
+        <a:alpha val="0"/>
+      </a:schemeClr>
+    </dgm:linClrLst>
+    <dgm:effectClrLst/>
+    <dgm:txLinClrLst/>
+    <dgm:txFillClrLst meth="repeat">
+      <a:schemeClr val="tx1"/>
+    </dgm:txFillClrLst>
+    <dgm:txEffectClrLst/>
+  </dgm:styleLbl>
+</dgm:colorsDef>
+</file>
+
+<file path=ppt/diagrams/data1.xml><?xml version="1.0" encoding="utf-8"?>
+<dgm:dataModel xmlns:dgm="http://schemas.openxmlformats.org/drawingml/2006/diagram" xmlns:a="http://schemas.openxmlformats.org/drawingml/2006/main">
+  <dgm:ptLst>
+    <dgm:pt modelId="{161BCDB9-A3B2-4662-8D52-A0F8D5C4BB61}" type="doc">
+      <dgm:prSet loTypeId="urn:microsoft.com/office/officeart/2005/8/layout/chevron2" loCatId="process" qsTypeId="urn:microsoft.com/office/officeart/2005/8/quickstyle/simple1" qsCatId="simple" csTypeId="urn:microsoft.com/office/officeart/2005/8/colors/accent1_2" csCatId="accent1" phldr="1"/>
+      <dgm:spPr/>
+      <dgm:t>
+        <a:bodyPr/>
+        <a:lstStyle/>
+        <a:p>
+          <a:endParaRPr lang="en-US"/>
+        </a:p>
+      </dgm:t>
+    </dgm:pt>
+    <dgm:pt modelId="{8A95D96A-1210-4330-B56C-A5C1E4F5D00D}">
+      <dgm:prSet/>
+      <dgm:spPr/>
+      <dgm:t>
+        <a:bodyPr/>
+        <a:lstStyle/>
+        <a:p>
+          <a:pPr rtl="0"/>
+          <a:r>
+            <a:rPr lang="en-US" dirty="0" smtClean="0"/>
+            <a:t>1</a:t>
+          </a:r>
+          <a:endParaRPr lang="en-US" dirty="0"/>
+        </a:p>
+      </dgm:t>
+    </dgm:pt>
+    <dgm:pt modelId="{84FC9F18-53BA-461C-8C8D-CFA809E96E12}" type="parTrans" cxnId="{6E31405D-E17D-4DAD-BC13-055B88D65947}">
+      <dgm:prSet/>
+      <dgm:spPr/>
+      <dgm:t>
+        <a:bodyPr/>
+        <a:lstStyle/>
+        <a:p>
+          <a:endParaRPr lang="en-US"/>
+        </a:p>
+      </dgm:t>
+    </dgm:pt>
+    <dgm:pt modelId="{EEE2A707-9AB5-4F42-94DE-97B5D826DDC0}" type="sibTrans" cxnId="{6E31405D-E17D-4DAD-BC13-055B88D65947}">
+      <dgm:prSet/>
+      <dgm:spPr/>
+      <dgm:t>
+        <a:bodyPr/>
+        <a:lstStyle/>
+        <a:p>
+          <a:endParaRPr lang="en-US"/>
+        </a:p>
+      </dgm:t>
+    </dgm:pt>
+    <dgm:pt modelId="{2C91F8FA-E2AD-4FF2-A1A2-B95A9BE94EA0}">
+      <dgm:prSet/>
+      <dgm:spPr/>
+      <dgm:t>
+        <a:bodyPr/>
+        <a:lstStyle/>
+        <a:p>
+          <a:pPr rtl="0"/>
+          <a:r>
+            <a:rPr lang="en-US" dirty="0" smtClean="0"/>
+            <a:t>2</a:t>
+          </a:r>
+          <a:endParaRPr lang="en-US" dirty="0"/>
+        </a:p>
+      </dgm:t>
+    </dgm:pt>
+    <dgm:pt modelId="{FEFB92A1-D56F-4261-B7F6-D5DE7D5B36ED}" type="parTrans" cxnId="{C147586B-6C68-4BD5-B8D9-3740C4B64A16}">
+      <dgm:prSet/>
+      <dgm:spPr/>
+      <dgm:t>
+        <a:bodyPr/>
+        <a:lstStyle/>
+        <a:p>
+          <a:endParaRPr lang="en-US"/>
+        </a:p>
+      </dgm:t>
+    </dgm:pt>
+    <dgm:pt modelId="{C16D2F78-AC99-416B-AF0D-52AE34FF9A8D}" type="sibTrans" cxnId="{C147586B-6C68-4BD5-B8D9-3740C4B64A16}">
+      <dgm:prSet/>
+      <dgm:spPr/>
+      <dgm:t>
+        <a:bodyPr/>
+        <a:lstStyle/>
+        <a:p>
+          <a:endParaRPr lang="en-US"/>
+        </a:p>
+      </dgm:t>
+    </dgm:pt>
+    <dgm:pt modelId="{AF6A27DC-2876-4B54-B53C-C16AC8FCC972}">
+      <dgm:prSet/>
+      <dgm:spPr/>
+      <dgm:t>
+        <a:bodyPr/>
+        <a:lstStyle/>
+        <a:p>
+          <a:pPr rtl="0"/>
+          <a:r>
+            <a:rPr lang="en-US" dirty="0" smtClean="0"/>
+            <a:t>3</a:t>
+          </a:r>
+          <a:endParaRPr lang="en-US" dirty="0"/>
+        </a:p>
+      </dgm:t>
+    </dgm:pt>
+    <dgm:pt modelId="{9A68909E-DF3D-4BBF-8AC4-B38ADFBA4FC6}" type="parTrans" cxnId="{DB43E2E0-A9F6-4C8F-82A4-7838DB936479}">
+      <dgm:prSet/>
+      <dgm:spPr/>
+      <dgm:t>
+        <a:bodyPr/>
+        <a:lstStyle/>
+        <a:p>
+          <a:endParaRPr lang="en-US"/>
+        </a:p>
+      </dgm:t>
+    </dgm:pt>
+    <dgm:pt modelId="{2DBEA16D-D8E6-4AC2-B201-B6D1E03BAE60}" type="sibTrans" cxnId="{DB43E2E0-A9F6-4C8F-82A4-7838DB936479}">
+      <dgm:prSet/>
+      <dgm:spPr/>
+      <dgm:t>
+        <a:bodyPr/>
+        <a:lstStyle/>
+        <a:p>
+          <a:endParaRPr lang="en-US"/>
+        </a:p>
+      </dgm:t>
+    </dgm:pt>
+    <dgm:pt modelId="{9395F9CE-6B4E-498B-9EC4-754D1DDC02A7}">
+      <dgm:prSet/>
+      <dgm:spPr/>
+      <dgm:t>
+        <a:bodyPr/>
+        <a:lstStyle/>
+        <a:p>
+          <a:pPr rtl="0"/>
+          <a:r>
+            <a:rPr lang="en-US" smtClean="0"/>
+            <a:t>The client asks the master which chunkserver holds the current lease for the chunk and the locations of the other replicas. </a:t>
+          </a:r>
+          <a:endParaRPr lang="en-US"/>
+        </a:p>
+      </dgm:t>
+    </dgm:pt>
+    <dgm:pt modelId="{3ACF3066-D46F-4A73-9026-20FC7593EFA3}" type="parTrans" cxnId="{63B2A542-E7F0-4AC0-B09A-CDEF71E84806}">
+      <dgm:prSet/>
+      <dgm:spPr/>
+      <dgm:t>
+        <a:bodyPr/>
+        <a:lstStyle/>
+        <a:p>
+          <a:endParaRPr lang="en-US"/>
+        </a:p>
+      </dgm:t>
+    </dgm:pt>
+    <dgm:pt modelId="{0D817B85-E949-4E64-A3C4-3A4C2976F1F4}" type="sibTrans" cxnId="{63B2A542-E7F0-4AC0-B09A-CDEF71E84806}">
+      <dgm:prSet/>
+      <dgm:spPr/>
+      <dgm:t>
+        <a:bodyPr/>
+        <a:lstStyle/>
+        <a:p>
+          <a:endParaRPr lang="en-US"/>
+        </a:p>
+      </dgm:t>
+    </dgm:pt>
+    <dgm:pt modelId="{B6FB98C5-B9B7-4C64-8004-A6E983950030}">
+      <dgm:prSet/>
+      <dgm:spPr/>
+      <dgm:t>
+        <a:bodyPr/>
+        <a:lstStyle/>
+        <a:p>
+          <a:pPr rtl="0"/>
+          <a:r>
+            <a:rPr lang="en-US" dirty="0" smtClean="0"/>
+            <a:t>The master replies with the identity of the primary and the locations of the other (secondary) replicas. </a:t>
+          </a:r>
+          <a:endParaRPr lang="en-US" dirty="0"/>
+        </a:p>
+      </dgm:t>
+    </dgm:pt>
+    <dgm:pt modelId="{8C2DEA58-6003-4916-AEEB-36D574235A88}" type="parTrans" cxnId="{704DB33D-35BB-4FF2-B118-3E323BC7AC86}">
+      <dgm:prSet/>
+      <dgm:spPr/>
+      <dgm:t>
+        <a:bodyPr/>
+        <a:lstStyle/>
+        <a:p>
+          <a:endParaRPr lang="en-US"/>
+        </a:p>
+      </dgm:t>
+    </dgm:pt>
+    <dgm:pt modelId="{3CA72D70-6A42-4EF1-A833-F6EDFC87ABF0}" type="sibTrans" cxnId="{704DB33D-35BB-4FF2-B118-3E323BC7AC86}">
+      <dgm:prSet/>
+      <dgm:spPr/>
+      <dgm:t>
+        <a:bodyPr/>
+        <a:lstStyle/>
+        <a:p>
+          <a:endParaRPr lang="en-US"/>
+        </a:p>
+      </dgm:t>
+    </dgm:pt>
+    <dgm:pt modelId="{56E53BA8-6DD3-43C4-B4C1-70784362AE0F}">
+      <dgm:prSet/>
+      <dgm:spPr/>
+      <dgm:t>
+        <a:bodyPr/>
+        <a:lstStyle/>
+        <a:p>
+          <a:pPr rtl="0"/>
+          <a:r>
+            <a:rPr lang="en-US" smtClean="0"/>
+            <a:t>The client pushes the data to all the replicas. A client can do so in any order. Each chunkserver will store the data</a:t>
+          </a:r>
+          <a:endParaRPr lang="en-US"/>
+        </a:p>
+      </dgm:t>
+    </dgm:pt>
+    <dgm:pt modelId="{7355BFAB-A8E5-4024-B602-C649F39D12A7}" type="parTrans" cxnId="{6B6900BE-0390-4E31-8354-1AE75B807B4C}">
+      <dgm:prSet/>
+      <dgm:spPr/>
+      <dgm:t>
+        <a:bodyPr/>
+        <a:lstStyle/>
+        <a:p>
+          <a:endParaRPr lang="en-US"/>
+        </a:p>
+      </dgm:t>
+    </dgm:pt>
+    <dgm:pt modelId="{99C995A7-AAFE-423D-BE8D-820751DB0B3F}" type="sibTrans" cxnId="{6B6900BE-0390-4E31-8354-1AE75B807B4C}">
+      <dgm:prSet/>
+      <dgm:spPr/>
+      <dgm:t>
+        <a:bodyPr/>
+        <a:lstStyle/>
+        <a:p>
+          <a:endParaRPr lang="en-US"/>
+        </a:p>
+      </dgm:t>
+    </dgm:pt>
+    <dgm:pt modelId="{587E0AB2-F884-4033-8FA0-42964835754B}">
+      <dgm:prSet/>
+      <dgm:spPr/>
+      <dgm:t>
+        <a:bodyPr/>
+        <a:lstStyle/>
+        <a:p>
+          <a:pPr rtl="0"/>
+          <a:r>
+            <a:rPr lang="en-US" dirty="0" smtClean="0"/>
+            <a:t>The client caches this data for future mutations. It needs to contact the master again only when the primary becomes unreachable or replies that it no longer holds a lease.</a:t>
+          </a:r>
+          <a:endParaRPr lang="en-US" dirty="0"/>
+        </a:p>
+      </dgm:t>
+    </dgm:pt>
+    <dgm:pt modelId="{60042E69-F4F3-403B-A331-4F01B797E4CE}" type="parTrans" cxnId="{96A07A7D-B70B-470F-95B0-0D9D005B8B0C}">
+      <dgm:prSet/>
+      <dgm:spPr/>
+    </dgm:pt>
+    <dgm:pt modelId="{D3A64ADB-FE20-4787-BD49-AAD4FC89CE41}" type="sibTrans" cxnId="{96A07A7D-B70B-470F-95B0-0D9D005B8B0C}">
+      <dgm:prSet/>
+      <dgm:spPr/>
+    </dgm:pt>
+    <dgm:pt modelId="{BA912AD7-480D-4CFA-910E-D2EB80BB2D9F}" type="pres">
+      <dgm:prSet presAssocID="{161BCDB9-A3B2-4662-8D52-A0F8D5C4BB61}" presName="linearFlow" presStyleCnt="0">
+        <dgm:presLayoutVars>
+          <dgm:dir/>
+          <dgm:animLvl val="lvl"/>
+          <dgm:resizeHandles val="exact"/>
+        </dgm:presLayoutVars>
+      </dgm:prSet>
+      <dgm:spPr/>
+    </dgm:pt>
+    <dgm:pt modelId="{434F12B1-C90A-429A-B277-1E0D4822D46E}" type="pres">
+      <dgm:prSet presAssocID="{8A95D96A-1210-4330-B56C-A5C1E4F5D00D}" presName="composite" presStyleCnt="0"/>
+      <dgm:spPr/>
+    </dgm:pt>
+    <dgm:pt modelId="{BF9FEF60-89E4-4FFF-9145-470381F4BC30}" type="pres">
+      <dgm:prSet presAssocID="{8A95D96A-1210-4330-B56C-A5C1E4F5D00D}" presName="parentText" presStyleLbl="alignNode1" presStyleIdx="0" presStyleCnt="3">
+        <dgm:presLayoutVars>
+          <dgm:chMax val="1"/>
+          <dgm:bulletEnabled val="1"/>
+        </dgm:presLayoutVars>
+      </dgm:prSet>
+      <dgm:spPr/>
+      <dgm:t>
+        <a:bodyPr/>
+        <a:lstStyle/>
+        <a:p>
+          <a:endParaRPr lang="en-US"/>
+        </a:p>
+      </dgm:t>
+    </dgm:pt>
+    <dgm:pt modelId="{1E93AFC4-F8AA-4022-AFF9-95B183B75DAE}" type="pres">
+      <dgm:prSet presAssocID="{8A95D96A-1210-4330-B56C-A5C1E4F5D00D}" presName="descendantText" presStyleLbl="alignAcc1" presStyleIdx="0" presStyleCnt="3" custScaleY="100000">
+        <dgm:presLayoutVars>
+          <dgm:bulletEnabled val="1"/>
+        </dgm:presLayoutVars>
+      </dgm:prSet>
+      <dgm:spPr/>
+    </dgm:pt>
+    <dgm:pt modelId="{BDBBBDBB-E347-4414-9C91-031397397C45}" type="pres">
+      <dgm:prSet presAssocID="{EEE2A707-9AB5-4F42-94DE-97B5D826DDC0}" presName="sp" presStyleCnt="0"/>
+      <dgm:spPr/>
+    </dgm:pt>
+    <dgm:pt modelId="{DD1D9A5C-77DD-4BC8-935A-C4CC55E12B6A}" type="pres">
+      <dgm:prSet presAssocID="{2C91F8FA-E2AD-4FF2-A1A2-B95A9BE94EA0}" presName="composite" presStyleCnt="0"/>
+      <dgm:spPr/>
+    </dgm:pt>
+    <dgm:pt modelId="{8B0048E2-2923-4A06-8D1C-635DCCCF7D5E}" type="pres">
+      <dgm:prSet presAssocID="{2C91F8FA-E2AD-4FF2-A1A2-B95A9BE94EA0}" presName="parentText" presStyleLbl="alignNode1" presStyleIdx="1" presStyleCnt="3">
+        <dgm:presLayoutVars>
+          <dgm:chMax val="1"/>
+          <dgm:bulletEnabled val="1"/>
+        </dgm:presLayoutVars>
+      </dgm:prSet>
+      <dgm:spPr/>
+      <dgm:t>
+        <a:bodyPr/>
+        <a:lstStyle/>
+        <a:p>
+          <a:endParaRPr lang="en-US"/>
+        </a:p>
+      </dgm:t>
+    </dgm:pt>
+    <dgm:pt modelId="{E8E3384C-9753-4763-946B-B5D79BE93250}" type="pres">
+      <dgm:prSet presAssocID="{2C91F8FA-E2AD-4FF2-A1A2-B95A9BE94EA0}" presName="descendantText" presStyleLbl="alignAcc1" presStyleIdx="1" presStyleCnt="3" custScaleY="233704">
+        <dgm:presLayoutVars>
+          <dgm:bulletEnabled val="1"/>
+        </dgm:presLayoutVars>
+      </dgm:prSet>
+      <dgm:spPr/>
+    </dgm:pt>
+    <dgm:pt modelId="{059CB578-23D3-4907-8D3A-D56167F6FE87}" type="pres">
+      <dgm:prSet presAssocID="{C16D2F78-AC99-416B-AF0D-52AE34FF9A8D}" presName="sp" presStyleCnt="0"/>
+      <dgm:spPr/>
+    </dgm:pt>
+    <dgm:pt modelId="{DCCF0A62-FDEB-46E8-97B3-3F8DD3FF3767}" type="pres">
+      <dgm:prSet presAssocID="{AF6A27DC-2876-4B54-B53C-C16AC8FCC972}" presName="composite" presStyleCnt="0"/>
+      <dgm:spPr/>
+    </dgm:pt>
+    <dgm:pt modelId="{C83D893C-8722-4A9E-B7A8-719D4D17F8F2}" type="pres">
+      <dgm:prSet presAssocID="{AF6A27DC-2876-4B54-B53C-C16AC8FCC972}" presName="parentText" presStyleLbl="alignNode1" presStyleIdx="2" presStyleCnt="3">
+        <dgm:presLayoutVars>
+          <dgm:chMax val="1"/>
+          <dgm:bulletEnabled val="1"/>
+        </dgm:presLayoutVars>
+      </dgm:prSet>
+      <dgm:spPr/>
+      <dgm:t>
+        <a:bodyPr/>
+        <a:lstStyle/>
+        <a:p>
+          <a:endParaRPr lang="en-US"/>
+        </a:p>
+      </dgm:t>
+    </dgm:pt>
+    <dgm:pt modelId="{2435C460-4D73-46C7-8BCC-ED3165BBFC05}" type="pres">
+      <dgm:prSet presAssocID="{AF6A27DC-2876-4B54-B53C-C16AC8FCC972}" presName="descendantText" presStyleLbl="alignAcc1" presStyleIdx="2" presStyleCnt="3" custScaleY="133232">
+        <dgm:presLayoutVars>
+          <dgm:bulletEnabled val="1"/>
+        </dgm:presLayoutVars>
+      </dgm:prSet>
+      <dgm:spPr/>
+    </dgm:pt>
+  </dgm:ptLst>
+  <dgm:cxnLst>
+    <dgm:cxn modelId="{E718F785-9C60-4A1C-A157-49D2CF17A3AE}" type="presOf" srcId="{56E53BA8-6DD3-43C4-B4C1-70784362AE0F}" destId="{2435C460-4D73-46C7-8BCC-ED3165BBFC05}" srcOrd="0" destOrd="0" presId="urn:microsoft.com/office/officeart/2005/8/layout/chevron2"/>
+    <dgm:cxn modelId="{6E31405D-E17D-4DAD-BC13-055B88D65947}" srcId="{161BCDB9-A3B2-4662-8D52-A0F8D5C4BB61}" destId="{8A95D96A-1210-4330-B56C-A5C1E4F5D00D}" srcOrd="0" destOrd="0" parTransId="{84FC9F18-53BA-461C-8C8D-CFA809E96E12}" sibTransId="{EEE2A707-9AB5-4F42-94DE-97B5D826DDC0}"/>
+    <dgm:cxn modelId="{D73037F0-1C03-4805-9E12-50774C5EA574}" type="presOf" srcId="{587E0AB2-F884-4033-8FA0-42964835754B}" destId="{E8E3384C-9753-4763-946B-B5D79BE93250}" srcOrd="0" destOrd="1" presId="urn:microsoft.com/office/officeart/2005/8/layout/chevron2"/>
+    <dgm:cxn modelId="{C039461F-AD31-43A1-AF54-7288476EE51A}" type="presOf" srcId="{161BCDB9-A3B2-4662-8D52-A0F8D5C4BB61}" destId="{BA912AD7-480D-4CFA-910E-D2EB80BB2D9F}" srcOrd="0" destOrd="0" presId="urn:microsoft.com/office/officeart/2005/8/layout/chevron2"/>
+    <dgm:cxn modelId="{63B2A542-E7F0-4AC0-B09A-CDEF71E84806}" srcId="{8A95D96A-1210-4330-B56C-A5C1E4F5D00D}" destId="{9395F9CE-6B4E-498B-9EC4-754D1DDC02A7}" srcOrd="0" destOrd="0" parTransId="{3ACF3066-D46F-4A73-9026-20FC7593EFA3}" sibTransId="{0D817B85-E949-4E64-A3C4-3A4C2976F1F4}"/>
+    <dgm:cxn modelId="{DB43E2E0-A9F6-4C8F-82A4-7838DB936479}" srcId="{161BCDB9-A3B2-4662-8D52-A0F8D5C4BB61}" destId="{AF6A27DC-2876-4B54-B53C-C16AC8FCC972}" srcOrd="2" destOrd="0" parTransId="{9A68909E-DF3D-4BBF-8AC4-B38ADFBA4FC6}" sibTransId="{2DBEA16D-D8E6-4AC2-B201-B6D1E03BAE60}"/>
+    <dgm:cxn modelId="{6496EB34-3A15-4D68-9811-B5F240F281AA}" type="presOf" srcId="{2C91F8FA-E2AD-4FF2-A1A2-B95A9BE94EA0}" destId="{8B0048E2-2923-4A06-8D1C-635DCCCF7D5E}" srcOrd="0" destOrd="0" presId="urn:microsoft.com/office/officeart/2005/8/layout/chevron2"/>
+    <dgm:cxn modelId="{96A07A7D-B70B-470F-95B0-0D9D005B8B0C}" srcId="{2C91F8FA-E2AD-4FF2-A1A2-B95A9BE94EA0}" destId="{587E0AB2-F884-4033-8FA0-42964835754B}" srcOrd="1" destOrd="0" parTransId="{60042E69-F4F3-403B-A331-4F01B797E4CE}" sibTransId="{D3A64ADB-FE20-4787-BD49-AAD4FC89CE41}"/>
+    <dgm:cxn modelId="{E92B0415-9F31-48BC-8264-8DEE102C287D}" type="presOf" srcId="{B6FB98C5-B9B7-4C64-8004-A6E983950030}" destId="{E8E3384C-9753-4763-946B-B5D79BE93250}" srcOrd="0" destOrd="0" presId="urn:microsoft.com/office/officeart/2005/8/layout/chevron2"/>
+    <dgm:cxn modelId="{C147586B-6C68-4BD5-B8D9-3740C4B64A16}" srcId="{161BCDB9-A3B2-4662-8D52-A0F8D5C4BB61}" destId="{2C91F8FA-E2AD-4FF2-A1A2-B95A9BE94EA0}" srcOrd="1" destOrd="0" parTransId="{FEFB92A1-D56F-4261-B7F6-D5DE7D5B36ED}" sibTransId="{C16D2F78-AC99-416B-AF0D-52AE34FF9A8D}"/>
+    <dgm:cxn modelId="{B8298340-6BA1-4958-8BC5-65D8244D72A6}" type="presOf" srcId="{AF6A27DC-2876-4B54-B53C-C16AC8FCC972}" destId="{C83D893C-8722-4A9E-B7A8-719D4D17F8F2}" srcOrd="0" destOrd="0" presId="urn:microsoft.com/office/officeart/2005/8/layout/chevron2"/>
+    <dgm:cxn modelId="{704DB33D-35BB-4FF2-B118-3E323BC7AC86}" srcId="{2C91F8FA-E2AD-4FF2-A1A2-B95A9BE94EA0}" destId="{B6FB98C5-B9B7-4C64-8004-A6E983950030}" srcOrd="0" destOrd="0" parTransId="{8C2DEA58-6003-4916-AEEB-36D574235A88}" sibTransId="{3CA72D70-6A42-4EF1-A833-F6EDFC87ABF0}"/>
+    <dgm:cxn modelId="{6B6900BE-0390-4E31-8354-1AE75B807B4C}" srcId="{AF6A27DC-2876-4B54-B53C-C16AC8FCC972}" destId="{56E53BA8-6DD3-43C4-B4C1-70784362AE0F}" srcOrd="0" destOrd="0" parTransId="{7355BFAB-A8E5-4024-B602-C649F39D12A7}" sibTransId="{99C995A7-AAFE-423D-BE8D-820751DB0B3F}"/>
+    <dgm:cxn modelId="{77F92F08-AE57-43FC-9846-17C0D9982D8F}" type="presOf" srcId="{8A95D96A-1210-4330-B56C-A5C1E4F5D00D}" destId="{BF9FEF60-89E4-4FFF-9145-470381F4BC30}" srcOrd="0" destOrd="0" presId="urn:microsoft.com/office/officeart/2005/8/layout/chevron2"/>
+    <dgm:cxn modelId="{94686877-65BB-49C8-8B41-C024878583DE}" type="presOf" srcId="{9395F9CE-6B4E-498B-9EC4-754D1DDC02A7}" destId="{1E93AFC4-F8AA-4022-AFF9-95B183B75DAE}" srcOrd="0" destOrd="0" presId="urn:microsoft.com/office/officeart/2005/8/layout/chevron2"/>
+    <dgm:cxn modelId="{CA25A0CD-8D82-4253-BF0B-4C645C8CF12C}" type="presParOf" srcId="{BA912AD7-480D-4CFA-910E-D2EB80BB2D9F}" destId="{434F12B1-C90A-429A-B277-1E0D4822D46E}" srcOrd="0" destOrd="0" presId="urn:microsoft.com/office/officeart/2005/8/layout/chevron2"/>
+    <dgm:cxn modelId="{A90946D4-5D66-45A5-B972-770D81B066E3}" type="presParOf" srcId="{434F12B1-C90A-429A-B277-1E0D4822D46E}" destId="{BF9FEF60-89E4-4FFF-9145-470381F4BC30}" srcOrd="0" destOrd="0" presId="urn:microsoft.com/office/officeart/2005/8/layout/chevron2"/>
+    <dgm:cxn modelId="{6C546BFE-65C5-4EFB-BBD8-9FE09CF89E74}" type="presParOf" srcId="{434F12B1-C90A-429A-B277-1E0D4822D46E}" destId="{1E93AFC4-F8AA-4022-AFF9-95B183B75DAE}" srcOrd="1" destOrd="0" presId="urn:microsoft.com/office/officeart/2005/8/layout/chevron2"/>
+    <dgm:cxn modelId="{99604998-ED86-4278-A4CF-25B6EAFB8A04}" type="presParOf" srcId="{BA912AD7-480D-4CFA-910E-D2EB80BB2D9F}" destId="{BDBBBDBB-E347-4414-9C91-031397397C45}" srcOrd="1" destOrd="0" presId="urn:microsoft.com/office/officeart/2005/8/layout/chevron2"/>
+    <dgm:cxn modelId="{BA8AFD05-F18B-45C3-8037-379C164C154B}" type="presParOf" srcId="{BA912AD7-480D-4CFA-910E-D2EB80BB2D9F}" destId="{DD1D9A5C-77DD-4BC8-935A-C4CC55E12B6A}" srcOrd="2" destOrd="0" presId="urn:microsoft.com/office/officeart/2005/8/layout/chevron2"/>
+    <dgm:cxn modelId="{7ECA07E1-C5E0-4E5E-8AB3-08178DCDC110}" type="presParOf" srcId="{DD1D9A5C-77DD-4BC8-935A-C4CC55E12B6A}" destId="{8B0048E2-2923-4A06-8D1C-635DCCCF7D5E}" srcOrd="0" destOrd="0" presId="urn:microsoft.com/office/officeart/2005/8/layout/chevron2"/>
+    <dgm:cxn modelId="{D249222C-39D3-430E-897B-2711100D9B8D}" type="presParOf" srcId="{DD1D9A5C-77DD-4BC8-935A-C4CC55E12B6A}" destId="{E8E3384C-9753-4763-946B-B5D79BE93250}" srcOrd="1" destOrd="0" presId="urn:microsoft.com/office/officeart/2005/8/layout/chevron2"/>
+    <dgm:cxn modelId="{1F8556C4-F354-44E4-9CFA-E9FDA4463C56}" type="presParOf" srcId="{BA912AD7-480D-4CFA-910E-D2EB80BB2D9F}" destId="{059CB578-23D3-4907-8D3A-D56167F6FE87}" srcOrd="3" destOrd="0" presId="urn:microsoft.com/office/officeart/2005/8/layout/chevron2"/>
+    <dgm:cxn modelId="{63C16377-87E2-47ED-A52A-90320A728692}" type="presParOf" srcId="{BA912AD7-480D-4CFA-910E-D2EB80BB2D9F}" destId="{DCCF0A62-FDEB-46E8-97B3-3F8DD3FF3767}" srcOrd="4" destOrd="0" presId="urn:microsoft.com/office/officeart/2005/8/layout/chevron2"/>
+    <dgm:cxn modelId="{5A0AF19C-FD1C-4B87-8A4C-4870DAD775E8}" type="presParOf" srcId="{DCCF0A62-FDEB-46E8-97B3-3F8DD3FF3767}" destId="{C83D893C-8722-4A9E-B7A8-719D4D17F8F2}" srcOrd="0" destOrd="0" presId="urn:microsoft.com/office/officeart/2005/8/layout/chevron2"/>
+    <dgm:cxn modelId="{6F53F24E-3BEB-4751-ACD3-37F23E3E7161}" type="presParOf" srcId="{DCCF0A62-FDEB-46E8-97B3-3F8DD3FF3767}" destId="{2435C460-4D73-46C7-8BCC-ED3165BBFC05}" srcOrd="1" destOrd="0" presId="urn:microsoft.com/office/officeart/2005/8/layout/chevron2"/>
+  </dgm:cxnLst>
+  <dgm:bg/>
+  <dgm:whole/>
+</dgm:dataModel>
+</file>
+
+<file path=ppt/diagrams/data2.xml><?xml version="1.0" encoding="utf-8"?>
+<dgm:dataModel xmlns:dgm="http://schemas.openxmlformats.org/drawingml/2006/diagram" xmlns:a="http://schemas.openxmlformats.org/drawingml/2006/main">
+  <dgm:ptLst>
+    <dgm:pt modelId="{68002A07-3A33-4651-B899-F0E322EC4F15}" type="doc">
+      <dgm:prSet loTypeId="urn:microsoft.com/office/officeart/2005/8/layout/chevron2" loCatId="process" qsTypeId="urn:microsoft.com/office/officeart/2005/8/quickstyle/simple1" qsCatId="simple" csTypeId="urn:microsoft.com/office/officeart/2005/8/colors/accent1_2" csCatId="accent1" phldr="1"/>
+      <dgm:spPr/>
+      <dgm:t>
+        <a:bodyPr/>
+        <a:lstStyle/>
+        <a:p>
+          <a:endParaRPr lang="en-US"/>
+        </a:p>
+      </dgm:t>
+    </dgm:pt>
+    <dgm:pt modelId="{916195D0-6D59-4350-8F37-665A2EE9A3F1}">
+      <dgm:prSet/>
+      <dgm:spPr/>
+      <dgm:t>
+        <a:bodyPr/>
+        <a:lstStyle/>
+        <a:p>
+          <a:pPr rtl="0"/>
+          <a:r>
+            <a:rPr lang="en-US" dirty="0" smtClean="0"/>
+            <a:t>4</a:t>
+          </a:r>
+          <a:endParaRPr lang="en-US" dirty="0"/>
+        </a:p>
+      </dgm:t>
+    </dgm:pt>
+    <dgm:pt modelId="{CB9DC643-0806-4F84-B1D0-68DFF577ACB6}" type="parTrans" cxnId="{A43BEB23-290B-4B67-9EAF-5E3F2C70D962}">
+      <dgm:prSet/>
+      <dgm:spPr/>
+      <dgm:t>
+        <a:bodyPr/>
+        <a:lstStyle/>
+        <a:p>
+          <a:endParaRPr lang="en-US"/>
+        </a:p>
+      </dgm:t>
+    </dgm:pt>
+    <dgm:pt modelId="{FC1AAD59-5D5A-43F1-B5D8-64B12393C05F}" type="sibTrans" cxnId="{A43BEB23-290B-4B67-9EAF-5E3F2C70D962}">
+      <dgm:prSet/>
+      <dgm:spPr/>
+      <dgm:t>
+        <a:bodyPr/>
+        <a:lstStyle/>
+        <a:p>
+          <a:endParaRPr lang="en-US"/>
+        </a:p>
+      </dgm:t>
+    </dgm:pt>
+    <dgm:pt modelId="{B863339E-1F9A-4B2F-BA0B-E25CCF3C7BCB}">
+      <dgm:prSet/>
+      <dgm:spPr/>
+      <dgm:t>
+        <a:bodyPr/>
+        <a:lstStyle/>
+        <a:p>
+          <a:pPr rtl="0"/>
+          <a:r>
+            <a:rPr lang="en-US" u="none" dirty="0" smtClean="0"/>
+            <a:t>Specifies the order of how the data needs to be written.</a:t>
+          </a:r>
+          <a:endParaRPr lang="en-US" u="none" dirty="0"/>
+        </a:p>
+      </dgm:t>
+    </dgm:pt>
+    <dgm:pt modelId="{5466396E-C376-4794-B9CC-3E39B67A0F7A}" type="parTrans" cxnId="{82A0CEAD-D942-40C7-974D-6CB9322DC8AB}">
+      <dgm:prSet/>
+      <dgm:spPr/>
+      <dgm:t>
+        <a:bodyPr/>
+        <a:lstStyle/>
+        <a:p>
+          <a:endParaRPr lang="en-US"/>
+        </a:p>
+      </dgm:t>
+    </dgm:pt>
+    <dgm:pt modelId="{D3F293C4-9B14-4562-B5B9-97CEC754DB8D}" type="sibTrans" cxnId="{82A0CEAD-D942-40C7-974D-6CB9322DC8AB}">
+      <dgm:prSet/>
+      <dgm:spPr/>
+      <dgm:t>
+        <a:bodyPr/>
+        <a:lstStyle/>
+        <a:p>
+          <a:endParaRPr lang="en-US"/>
+        </a:p>
+      </dgm:t>
+    </dgm:pt>
+    <dgm:pt modelId="{9807FAC7-FF62-4A30-A15A-D8FD3C494543}">
+      <dgm:prSet/>
+      <dgm:spPr/>
+      <dgm:t>
+        <a:bodyPr/>
+        <a:lstStyle/>
+        <a:p>
+          <a:pPr rtl="0"/>
+          <a:r>
+            <a:rPr lang="en-US" u="none" dirty="0" smtClean="0"/>
+            <a:t>The primary assigns a consecutive serial number to all the mutations it receives.</a:t>
+          </a:r>
+          <a:endParaRPr lang="en-US" u="none" dirty="0"/>
+        </a:p>
+      </dgm:t>
+    </dgm:pt>
+    <dgm:pt modelId="{541E6593-0381-4FE1-B3F7-FC4EB8834F1C}" type="parTrans" cxnId="{4BEABCB6-DC96-4530-8868-BA671767ABCB}">
+      <dgm:prSet/>
+      <dgm:spPr/>
+      <dgm:t>
+        <a:bodyPr/>
+        <a:lstStyle/>
+        <a:p>
+          <a:endParaRPr lang="en-US"/>
+        </a:p>
+      </dgm:t>
+    </dgm:pt>
+    <dgm:pt modelId="{691333CA-CB5E-44C0-9E19-C0A1EF5383B0}" type="sibTrans" cxnId="{4BEABCB6-DC96-4530-8868-BA671767ABCB}">
+      <dgm:prSet/>
+      <dgm:spPr/>
+      <dgm:t>
+        <a:bodyPr/>
+        <a:lstStyle/>
+        <a:p>
+          <a:endParaRPr lang="en-US"/>
+        </a:p>
+      </dgm:t>
+    </dgm:pt>
+    <dgm:pt modelId="{77A7D588-7278-4F2B-9429-B36ADEA20CB3}">
+      <dgm:prSet/>
+      <dgm:spPr/>
+      <dgm:t>
+        <a:bodyPr/>
+        <a:lstStyle/>
+        <a:p>
+          <a:pPr rtl="0"/>
+          <a:r>
+            <a:rPr lang="en-US" u="none" dirty="0" smtClean="0"/>
+            <a:t>Applies the mutation to its own local state in serial number order.</a:t>
+          </a:r>
+          <a:endParaRPr lang="en-US" u="none" dirty="0"/>
+        </a:p>
+      </dgm:t>
+    </dgm:pt>
+    <dgm:pt modelId="{8F87F8B9-326E-4D73-A108-FE5B58C0CC69}" type="parTrans" cxnId="{19CD398B-F882-405F-ADF5-BDB513778785}">
+      <dgm:prSet/>
+      <dgm:spPr/>
+      <dgm:t>
+        <a:bodyPr/>
+        <a:lstStyle/>
+        <a:p>
+          <a:endParaRPr lang="en-US"/>
+        </a:p>
+      </dgm:t>
+    </dgm:pt>
+    <dgm:pt modelId="{10A28AC7-3F8A-49C5-AE1F-91307F861ABE}" type="sibTrans" cxnId="{19CD398B-F882-405F-ADF5-BDB513778785}">
+      <dgm:prSet/>
+      <dgm:spPr/>
+      <dgm:t>
+        <a:bodyPr/>
+        <a:lstStyle/>
+        <a:p>
+          <a:endParaRPr lang="en-US"/>
+        </a:p>
+      </dgm:t>
+    </dgm:pt>
+    <dgm:pt modelId="{F70112DB-3C80-47F2-B641-9AB0D25F230D}">
+      <dgm:prSet/>
+      <dgm:spPr/>
+      <dgm:t>
+        <a:bodyPr/>
+        <a:lstStyle/>
+        <a:p>
+          <a:pPr rtl="0"/>
+          <a:r>
+            <a:rPr lang="en-US" dirty="0" smtClean="0"/>
+            <a:t>5</a:t>
+          </a:r>
+          <a:endParaRPr lang="en-US" dirty="0"/>
+        </a:p>
+      </dgm:t>
+    </dgm:pt>
+    <dgm:pt modelId="{E636CA7E-8418-4E51-AFCD-3711FAF6CECC}" type="parTrans" cxnId="{DF52A2B3-52F0-414B-8E83-AEB2C09967CC}">
+      <dgm:prSet/>
+      <dgm:spPr/>
+      <dgm:t>
+        <a:bodyPr/>
+        <a:lstStyle/>
+        <a:p>
+          <a:endParaRPr lang="en-US"/>
+        </a:p>
+      </dgm:t>
+    </dgm:pt>
+    <dgm:pt modelId="{F06F367B-7543-43C9-BADF-96DB11B7ECC3}" type="sibTrans" cxnId="{DF52A2B3-52F0-414B-8E83-AEB2C09967CC}">
+      <dgm:prSet/>
+      <dgm:spPr/>
+      <dgm:t>
+        <a:bodyPr/>
+        <a:lstStyle/>
+        <a:p>
+          <a:endParaRPr lang="en-US"/>
+        </a:p>
+      </dgm:t>
+    </dgm:pt>
+    <dgm:pt modelId="{1959D8FF-96E9-4F92-81F6-83408C1C931D}">
+      <dgm:prSet/>
+      <dgm:spPr/>
+      <dgm:t>
+        <a:bodyPr/>
+        <a:lstStyle/>
+        <a:p>
+          <a:pPr rtl="0"/>
+          <a:r>
+            <a:rPr lang="en-US" dirty="0" smtClean="0"/>
+            <a:t>Once all the replicas have acknowledged receiving the data the client sends a write request to the primary. </a:t>
+          </a:r>
+          <a:endParaRPr lang="en-US" dirty="0"/>
+        </a:p>
+      </dgm:t>
+    </dgm:pt>
+    <dgm:pt modelId="{3F8A3A4F-D4F3-4E27-BCFE-6F24DD2ACA13}" type="parTrans" cxnId="{8F384E12-1717-4165-84C8-8AF5FBE62764}">
+      <dgm:prSet/>
+      <dgm:spPr/>
+    </dgm:pt>
+    <dgm:pt modelId="{0ABC1548-8AEB-4C49-B900-D23096F3A4A3}" type="sibTrans" cxnId="{8F384E12-1717-4165-84C8-8AF5FBE62764}">
+      <dgm:prSet/>
+      <dgm:spPr/>
+    </dgm:pt>
+    <dgm:pt modelId="{78BE387E-E645-4A55-BCBD-D5ACD3BA469C}">
+      <dgm:prSet/>
+      <dgm:spPr/>
+      <dgm:t>
+        <a:bodyPr/>
+        <a:lstStyle/>
+        <a:p>
+          <a:pPr rtl="0"/>
+          <a:r>
+            <a:rPr lang="en-US" smtClean="0"/>
+            <a:t>The primary forwards the write request to all the secondary replicas, and each replica applies the mutations the same way.</a:t>
+          </a:r>
+          <a:endParaRPr lang="en-US"/>
+        </a:p>
+      </dgm:t>
+    </dgm:pt>
+    <dgm:pt modelId="{0BA8D15F-062B-4993-9F41-DE7C1DE784CB}" type="parTrans" cxnId="{74924DAF-A1A0-4E61-A83C-2A35F9560B9A}">
+      <dgm:prSet/>
+      <dgm:spPr/>
+    </dgm:pt>
+    <dgm:pt modelId="{43527FB4-E99B-4D99-ADB6-86E1CB8EC4F1}" type="sibTrans" cxnId="{74924DAF-A1A0-4E61-A83C-2A35F9560B9A}">
+      <dgm:prSet/>
+      <dgm:spPr/>
+    </dgm:pt>
+    <dgm:pt modelId="{EED33C97-2A12-4CAA-93A9-219A231057F2}" type="pres">
+      <dgm:prSet presAssocID="{68002A07-3A33-4651-B899-F0E322EC4F15}" presName="linearFlow" presStyleCnt="0">
+        <dgm:presLayoutVars>
+          <dgm:dir/>
+          <dgm:animLvl val="lvl"/>
+          <dgm:resizeHandles val="exact"/>
+        </dgm:presLayoutVars>
+      </dgm:prSet>
+      <dgm:spPr/>
+    </dgm:pt>
+    <dgm:pt modelId="{79A8CE15-993B-4259-9454-6FAAE30F55F0}" type="pres">
+      <dgm:prSet presAssocID="{916195D0-6D59-4350-8F37-665A2EE9A3F1}" presName="composite" presStyleCnt="0"/>
+      <dgm:spPr/>
+    </dgm:pt>
+    <dgm:pt modelId="{90111F89-8FC0-4A76-A6B7-7EC5ED95E4E3}" type="pres">
+      <dgm:prSet presAssocID="{916195D0-6D59-4350-8F37-665A2EE9A3F1}" presName="parentText" presStyleLbl="alignNode1" presStyleIdx="0" presStyleCnt="2">
+        <dgm:presLayoutVars>
+          <dgm:chMax val="1"/>
+          <dgm:bulletEnabled val="1"/>
+        </dgm:presLayoutVars>
+      </dgm:prSet>
+      <dgm:spPr/>
+      <dgm:t>
+        <a:bodyPr/>
+        <a:lstStyle/>
+        <a:p>
+          <a:endParaRPr lang="en-US"/>
+        </a:p>
+      </dgm:t>
+    </dgm:pt>
+    <dgm:pt modelId="{9C3270B8-505C-4DFD-A3B5-6D55E98CC81C}" type="pres">
+      <dgm:prSet presAssocID="{916195D0-6D59-4350-8F37-665A2EE9A3F1}" presName="descendantText" presStyleLbl="alignAcc1" presStyleIdx="0" presStyleCnt="2" custScaleY="246204">
+        <dgm:presLayoutVars>
+          <dgm:bulletEnabled val="1"/>
+        </dgm:presLayoutVars>
+      </dgm:prSet>
+      <dgm:spPr/>
+      <dgm:t>
+        <a:bodyPr/>
+        <a:lstStyle/>
+        <a:p>
+          <a:endParaRPr lang="en-US"/>
+        </a:p>
+      </dgm:t>
+    </dgm:pt>
+    <dgm:pt modelId="{42A40527-CB60-4539-92C8-1F46C86C3EB2}" type="pres">
+      <dgm:prSet presAssocID="{FC1AAD59-5D5A-43F1-B5D8-64B12393C05F}" presName="sp" presStyleCnt="0"/>
+      <dgm:spPr/>
+    </dgm:pt>
+    <dgm:pt modelId="{3B4435F5-3AAF-473B-91EA-1F54195A4685}" type="pres">
+      <dgm:prSet presAssocID="{F70112DB-3C80-47F2-B641-9AB0D25F230D}" presName="composite" presStyleCnt="0"/>
+      <dgm:spPr/>
+    </dgm:pt>
+    <dgm:pt modelId="{43A3AF58-A353-4418-8601-DA6B0EE120D7}" type="pres">
+      <dgm:prSet presAssocID="{F70112DB-3C80-47F2-B641-9AB0D25F230D}" presName="parentText" presStyleLbl="alignNode1" presStyleIdx="1" presStyleCnt="2">
+        <dgm:presLayoutVars>
+          <dgm:chMax val="1"/>
+          <dgm:bulletEnabled val="1"/>
+        </dgm:presLayoutVars>
+      </dgm:prSet>
+      <dgm:spPr/>
+      <dgm:t>
+        <a:bodyPr/>
+        <a:lstStyle/>
+        <a:p>
+          <a:endParaRPr lang="en-US"/>
+        </a:p>
+      </dgm:t>
+    </dgm:pt>
+    <dgm:pt modelId="{89235FE0-1E78-427F-BBDA-54281793B07B}" type="pres">
+      <dgm:prSet presAssocID="{F70112DB-3C80-47F2-B641-9AB0D25F230D}" presName="descendantText" presStyleLbl="alignAcc1" presStyleIdx="1" presStyleCnt="2">
+        <dgm:presLayoutVars>
+          <dgm:bulletEnabled val="1"/>
+        </dgm:presLayoutVars>
+      </dgm:prSet>
+      <dgm:spPr/>
+    </dgm:pt>
+  </dgm:ptLst>
+  <dgm:cxnLst>
+    <dgm:cxn modelId="{BC8F53D6-06F9-4EF8-AD3D-9902948FD5D0}" type="presOf" srcId="{68002A07-3A33-4651-B899-F0E322EC4F15}" destId="{EED33C97-2A12-4CAA-93A9-219A231057F2}" srcOrd="0" destOrd="0" presId="urn:microsoft.com/office/officeart/2005/8/layout/chevron2"/>
+    <dgm:cxn modelId="{24490C0A-0C3E-4AFD-A50A-C3E5AFBFA4CC}" type="presOf" srcId="{916195D0-6D59-4350-8F37-665A2EE9A3F1}" destId="{90111F89-8FC0-4A76-A6B7-7EC5ED95E4E3}" srcOrd="0" destOrd="0" presId="urn:microsoft.com/office/officeart/2005/8/layout/chevron2"/>
+    <dgm:cxn modelId="{82A0CEAD-D942-40C7-974D-6CB9322DC8AB}" srcId="{1959D8FF-96E9-4F92-81F6-83408C1C931D}" destId="{B863339E-1F9A-4B2F-BA0B-E25CCF3C7BCB}" srcOrd="0" destOrd="0" parTransId="{5466396E-C376-4794-B9CC-3E39B67A0F7A}" sibTransId="{D3F293C4-9B14-4562-B5B9-97CEC754DB8D}"/>
+    <dgm:cxn modelId="{8F384E12-1717-4165-84C8-8AF5FBE62764}" srcId="{916195D0-6D59-4350-8F37-665A2EE9A3F1}" destId="{1959D8FF-96E9-4F92-81F6-83408C1C931D}" srcOrd="0" destOrd="0" parTransId="{3F8A3A4F-D4F3-4E27-BCFE-6F24DD2ACA13}" sibTransId="{0ABC1548-8AEB-4C49-B900-D23096F3A4A3}"/>
+    <dgm:cxn modelId="{2788CA70-987A-4AB8-A31E-049652FAC6B6}" type="presOf" srcId="{B863339E-1F9A-4B2F-BA0B-E25CCF3C7BCB}" destId="{9C3270B8-505C-4DFD-A3B5-6D55E98CC81C}" srcOrd="0" destOrd="1" presId="urn:microsoft.com/office/officeart/2005/8/layout/chevron2"/>
+    <dgm:cxn modelId="{DB63A066-A48F-4893-9AD9-10D62C4EA9D7}" type="presOf" srcId="{F70112DB-3C80-47F2-B641-9AB0D25F230D}" destId="{43A3AF58-A353-4418-8601-DA6B0EE120D7}" srcOrd="0" destOrd="0" presId="urn:microsoft.com/office/officeart/2005/8/layout/chevron2"/>
+    <dgm:cxn modelId="{4BEABCB6-DC96-4530-8868-BA671767ABCB}" srcId="{1959D8FF-96E9-4F92-81F6-83408C1C931D}" destId="{9807FAC7-FF62-4A30-A15A-D8FD3C494543}" srcOrd="1" destOrd="0" parTransId="{541E6593-0381-4FE1-B3F7-FC4EB8834F1C}" sibTransId="{691333CA-CB5E-44C0-9E19-C0A1EF5383B0}"/>
+    <dgm:cxn modelId="{B2426BEC-E506-4371-A6A6-CF3EF7EF1C87}" type="presOf" srcId="{78BE387E-E645-4A55-BCBD-D5ACD3BA469C}" destId="{89235FE0-1E78-427F-BBDA-54281793B07B}" srcOrd="0" destOrd="0" presId="urn:microsoft.com/office/officeart/2005/8/layout/chevron2"/>
+    <dgm:cxn modelId="{93873F65-21DA-4E27-BBC8-D364375D4CF8}" type="presOf" srcId="{9807FAC7-FF62-4A30-A15A-D8FD3C494543}" destId="{9C3270B8-505C-4DFD-A3B5-6D55E98CC81C}" srcOrd="0" destOrd="2" presId="urn:microsoft.com/office/officeart/2005/8/layout/chevron2"/>
+    <dgm:cxn modelId="{74924DAF-A1A0-4E61-A83C-2A35F9560B9A}" srcId="{F70112DB-3C80-47F2-B641-9AB0D25F230D}" destId="{78BE387E-E645-4A55-BCBD-D5ACD3BA469C}" srcOrd="0" destOrd="0" parTransId="{0BA8D15F-062B-4993-9F41-DE7C1DE784CB}" sibTransId="{43527FB4-E99B-4D99-ADB6-86E1CB8EC4F1}"/>
+    <dgm:cxn modelId="{A43BEB23-290B-4B67-9EAF-5E3F2C70D962}" srcId="{68002A07-3A33-4651-B899-F0E322EC4F15}" destId="{916195D0-6D59-4350-8F37-665A2EE9A3F1}" srcOrd="0" destOrd="0" parTransId="{CB9DC643-0806-4F84-B1D0-68DFF577ACB6}" sibTransId="{FC1AAD59-5D5A-43F1-B5D8-64B12393C05F}"/>
+    <dgm:cxn modelId="{DF52A2B3-52F0-414B-8E83-AEB2C09967CC}" srcId="{68002A07-3A33-4651-B899-F0E322EC4F15}" destId="{F70112DB-3C80-47F2-B641-9AB0D25F230D}" srcOrd="1" destOrd="0" parTransId="{E636CA7E-8418-4E51-AFCD-3711FAF6CECC}" sibTransId="{F06F367B-7543-43C9-BADF-96DB11B7ECC3}"/>
+    <dgm:cxn modelId="{742CA787-5D58-40AC-80DD-ED37016E1A32}" type="presOf" srcId="{1959D8FF-96E9-4F92-81F6-83408C1C931D}" destId="{9C3270B8-505C-4DFD-A3B5-6D55E98CC81C}" srcOrd="0" destOrd="0" presId="urn:microsoft.com/office/officeart/2005/8/layout/chevron2"/>
+    <dgm:cxn modelId="{14ECEB59-349F-4250-88B9-EFA5D3C87A53}" type="presOf" srcId="{77A7D588-7278-4F2B-9429-B36ADEA20CB3}" destId="{9C3270B8-505C-4DFD-A3B5-6D55E98CC81C}" srcOrd="0" destOrd="3" presId="urn:microsoft.com/office/officeart/2005/8/layout/chevron2"/>
+    <dgm:cxn modelId="{19CD398B-F882-405F-ADF5-BDB513778785}" srcId="{1959D8FF-96E9-4F92-81F6-83408C1C931D}" destId="{77A7D588-7278-4F2B-9429-B36ADEA20CB3}" srcOrd="2" destOrd="0" parTransId="{8F87F8B9-326E-4D73-A108-FE5B58C0CC69}" sibTransId="{10A28AC7-3F8A-49C5-AE1F-91307F861ABE}"/>
+    <dgm:cxn modelId="{97C5D135-FBCA-4B5A-9439-C5B79119D3D0}" type="presParOf" srcId="{EED33C97-2A12-4CAA-93A9-219A231057F2}" destId="{79A8CE15-993B-4259-9454-6FAAE30F55F0}" srcOrd="0" destOrd="0" presId="urn:microsoft.com/office/officeart/2005/8/layout/chevron2"/>
+    <dgm:cxn modelId="{EBBC0131-4658-4CA6-A7F0-7C86F8D69990}" type="presParOf" srcId="{79A8CE15-993B-4259-9454-6FAAE30F55F0}" destId="{90111F89-8FC0-4A76-A6B7-7EC5ED95E4E3}" srcOrd="0" destOrd="0" presId="urn:microsoft.com/office/officeart/2005/8/layout/chevron2"/>
+    <dgm:cxn modelId="{F5618897-8394-4638-8BB8-428BB704F81C}" type="presParOf" srcId="{79A8CE15-993B-4259-9454-6FAAE30F55F0}" destId="{9C3270B8-505C-4DFD-A3B5-6D55E98CC81C}" srcOrd="1" destOrd="0" presId="urn:microsoft.com/office/officeart/2005/8/layout/chevron2"/>
+    <dgm:cxn modelId="{FDEE3FB8-DA56-4678-B042-D49B004CCE66}" type="presParOf" srcId="{EED33C97-2A12-4CAA-93A9-219A231057F2}" destId="{42A40527-CB60-4539-92C8-1F46C86C3EB2}" srcOrd="1" destOrd="0" presId="urn:microsoft.com/office/officeart/2005/8/layout/chevron2"/>
+    <dgm:cxn modelId="{3C9FC430-6CF8-4631-95F3-89BDC50BAE0F}" type="presParOf" srcId="{EED33C97-2A12-4CAA-93A9-219A231057F2}" destId="{3B4435F5-3AAF-473B-91EA-1F54195A4685}" srcOrd="2" destOrd="0" presId="urn:microsoft.com/office/officeart/2005/8/layout/chevron2"/>
+    <dgm:cxn modelId="{E90F22F1-B277-4708-932A-2195739A090D}" type="presParOf" srcId="{3B4435F5-3AAF-473B-91EA-1F54195A4685}" destId="{43A3AF58-A353-4418-8601-DA6B0EE120D7}" srcOrd="0" destOrd="0" presId="urn:microsoft.com/office/officeart/2005/8/layout/chevron2"/>
+    <dgm:cxn modelId="{BFC24284-5A3F-4FAB-B441-903CB07C04A0}" type="presParOf" srcId="{3B4435F5-3AAF-473B-91EA-1F54195A4685}" destId="{89235FE0-1E78-427F-BBDA-54281793B07B}" srcOrd="1" destOrd="0" presId="urn:microsoft.com/office/officeart/2005/8/layout/chevron2"/>
+  </dgm:cxnLst>
+  <dgm:bg/>
+  <dgm:whole/>
+</dgm:dataModel>
+</file>
+
+<file path=ppt/diagrams/data3.xml><?xml version="1.0" encoding="utf-8"?>
+<dgm:dataModel xmlns:dgm="http://schemas.openxmlformats.org/drawingml/2006/diagram" xmlns:a="http://schemas.openxmlformats.org/drawingml/2006/main">
+  <dgm:ptLst>
+    <dgm:pt modelId="{A0408C12-A105-4A77-A47B-DFE81F7C73B0}" type="doc">
+      <dgm:prSet loTypeId="urn:microsoft.com/office/officeart/2005/8/layout/chevron2" loCatId="process" qsTypeId="urn:microsoft.com/office/officeart/2005/8/quickstyle/simple1" qsCatId="simple" csTypeId="urn:microsoft.com/office/officeart/2005/8/colors/accent1_2" csCatId="accent1" phldr="1"/>
+      <dgm:spPr/>
+      <dgm:t>
+        <a:bodyPr/>
+        <a:lstStyle/>
+        <a:p>
+          <a:endParaRPr lang="en-US"/>
+        </a:p>
+      </dgm:t>
+    </dgm:pt>
+    <dgm:pt modelId="{8624C49D-3019-46B2-B139-898544EC2C48}">
+      <dgm:prSet/>
+      <dgm:spPr/>
+      <dgm:t>
+        <a:bodyPr/>
+        <a:lstStyle/>
+        <a:p>
+          <a:pPr rtl="0"/>
+          <a:r>
+            <a:rPr lang="en-US" dirty="0" smtClean="0"/>
+            <a:t>7</a:t>
+          </a:r>
+          <a:endParaRPr lang="en-US" dirty="0"/>
+        </a:p>
+      </dgm:t>
+    </dgm:pt>
+    <dgm:pt modelId="{06949632-3C69-445D-A67D-50D56C9E9C50}" type="parTrans" cxnId="{C5485B1A-861D-4BBB-8BBB-514EDCB216BE}">
+      <dgm:prSet/>
+      <dgm:spPr/>
+      <dgm:t>
+        <a:bodyPr/>
+        <a:lstStyle/>
+        <a:p>
+          <a:endParaRPr lang="en-US"/>
+        </a:p>
+      </dgm:t>
+    </dgm:pt>
+    <dgm:pt modelId="{D05A378E-B9E0-497E-A66A-B0D0B9AFA1CC}" type="sibTrans" cxnId="{C5485B1A-861D-4BBB-8BBB-514EDCB216BE}">
+      <dgm:prSet/>
+      <dgm:spPr/>
+      <dgm:t>
+        <a:bodyPr/>
+        <a:lstStyle/>
+        <a:p>
+          <a:endParaRPr lang="en-US"/>
+        </a:p>
+      </dgm:t>
+    </dgm:pt>
+    <dgm:pt modelId="{317163FE-CB3D-4774-88C6-323BF81220D8}">
+      <dgm:prSet/>
+      <dgm:spPr/>
+      <dgm:t>
+        <a:bodyPr/>
+        <a:lstStyle/>
+        <a:p>
+          <a:pPr rtl="0"/>
+          <a:r>
+            <a:rPr lang="en-US" dirty="0" smtClean="0"/>
+            <a:t>6</a:t>
+          </a:r>
+          <a:endParaRPr lang="en-US" dirty="0"/>
+        </a:p>
+      </dgm:t>
+    </dgm:pt>
+    <dgm:pt modelId="{2524BE2D-E4A0-4A4D-8D5F-B8D0047421D0}" type="sibTrans" cxnId="{4207D217-8419-41B2-9632-4E774FD50ACE}">
+      <dgm:prSet/>
+      <dgm:spPr/>
+      <dgm:t>
+        <a:bodyPr/>
+        <a:lstStyle/>
+        <a:p>
+          <a:endParaRPr lang="en-US"/>
+        </a:p>
+      </dgm:t>
+    </dgm:pt>
+    <dgm:pt modelId="{78A11FE8-CDB7-496E-853B-8DF107D09A23}" type="parTrans" cxnId="{4207D217-8419-41B2-9632-4E774FD50ACE}">
+      <dgm:prSet/>
+      <dgm:spPr/>
+      <dgm:t>
+        <a:bodyPr/>
+        <a:lstStyle/>
+        <a:p>
+          <a:endParaRPr lang="en-US"/>
+        </a:p>
+      </dgm:t>
+    </dgm:pt>
+    <dgm:pt modelId="{9946042B-7D27-42FE-91CF-6F436D58EC02}">
+      <dgm:prSet/>
+      <dgm:spPr/>
+      <dgm:t>
+        <a:bodyPr/>
+        <a:lstStyle/>
+        <a:p>
+          <a:pPr rtl="0"/>
+          <a:r>
+            <a:rPr lang="en-US" dirty="0" smtClean="0"/>
+            <a:t>The </a:t>
+          </a:r>
+          <a:r>
+            <a:rPr lang="en-US" dirty="0" err="1" smtClean="0"/>
+            <a:t>secondaries</a:t>
+          </a:r>
+          <a:r>
+            <a:rPr lang="en-US" dirty="0" smtClean="0"/>
+            <a:t> all reply to the primary indicating that they have completed the operation.</a:t>
+          </a:r>
+          <a:endParaRPr lang="en-US" dirty="0"/>
+        </a:p>
+      </dgm:t>
+    </dgm:pt>
+    <dgm:pt modelId="{2534151A-4A1D-4565-A2A1-E2A5A0754EE3}" type="parTrans" cxnId="{D9BAF431-3ACA-4A05-B215-968445E069CA}">
+      <dgm:prSet/>
+      <dgm:spPr/>
+      <dgm:t>
+        <a:bodyPr/>
+        <a:lstStyle/>
+        <a:p>
+          <a:endParaRPr lang="en-US"/>
+        </a:p>
+      </dgm:t>
+    </dgm:pt>
+    <dgm:pt modelId="{75FFD790-665C-4198-8DA8-20540A720080}" type="sibTrans" cxnId="{D9BAF431-3ACA-4A05-B215-968445E069CA}">
+      <dgm:prSet/>
+      <dgm:spPr/>
+      <dgm:t>
+        <a:bodyPr/>
+        <a:lstStyle/>
+        <a:p>
+          <a:endParaRPr lang="en-US"/>
+        </a:p>
+      </dgm:t>
+    </dgm:pt>
+    <dgm:pt modelId="{59BFF09F-3DA7-443A-918B-B9BE623654C0}">
+      <dgm:prSet/>
+      <dgm:spPr/>
+      <dgm:t>
+        <a:bodyPr/>
+        <a:lstStyle/>
+        <a:p>
+          <a:r>
+            <a:rPr lang="en-US" dirty="0" smtClean="0"/>
+            <a:t>The primary replies to the client. Any errors encountered at any of the replicas are reported to the client. In case of errors, the write may have succeeded at the primary and an arbitrary subset of the secondary replicas. </a:t>
+          </a:r>
+          <a:endParaRPr lang="en-US" dirty="0"/>
+        </a:p>
+      </dgm:t>
+    </dgm:pt>
+    <dgm:pt modelId="{F4C50064-29C8-4D38-8F83-EB12DF0BFB4A}" type="parTrans" cxnId="{69F57421-4662-4DCC-AA9E-ECE31EA8A286}">
+      <dgm:prSet/>
+      <dgm:spPr/>
+    </dgm:pt>
+    <dgm:pt modelId="{BAF65957-2264-4148-A4D6-481860039ACA}" type="sibTrans" cxnId="{69F57421-4662-4DCC-AA9E-ECE31EA8A286}">
+      <dgm:prSet/>
+      <dgm:spPr/>
+    </dgm:pt>
+    <dgm:pt modelId="{070E763F-64B7-49DD-BBD6-48E8FEC8F9F6}">
+      <dgm:prSet/>
+      <dgm:spPr/>
+      <dgm:t>
+        <a:bodyPr/>
+        <a:lstStyle/>
+        <a:p>
+          <a:r>
+            <a:rPr lang="en-US" dirty="0" smtClean="0"/>
+            <a:t>If it had failed at the primary, it would not have been assigned a serial number and forwarded.</a:t>
+          </a:r>
+          <a:endParaRPr lang="en-US" dirty="0"/>
+        </a:p>
+      </dgm:t>
+    </dgm:pt>
+    <dgm:pt modelId="{268D0A33-1DFC-4257-810E-BBF3138A4988}" type="parTrans" cxnId="{FA3DD555-745E-4AD3-9772-172B5C2FDB15}">
+      <dgm:prSet/>
+      <dgm:spPr/>
+    </dgm:pt>
+    <dgm:pt modelId="{1A2439D1-FE95-403B-ABBE-9481D2A153A5}" type="sibTrans" cxnId="{FA3DD555-745E-4AD3-9772-172B5C2FDB15}">
+      <dgm:prSet/>
+      <dgm:spPr/>
+    </dgm:pt>
+    <dgm:pt modelId="{CF37E359-F75F-46DC-87FB-D76C64370EDE}" type="pres">
+      <dgm:prSet presAssocID="{A0408C12-A105-4A77-A47B-DFE81F7C73B0}" presName="linearFlow" presStyleCnt="0">
+        <dgm:presLayoutVars>
+          <dgm:dir/>
+          <dgm:animLvl val="lvl"/>
+          <dgm:resizeHandles val="exact"/>
+        </dgm:presLayoutVars>
+      </dgm:prSet>
+      <dgm:spPr/>
+    </dgm:pt>
+    <dgm:pt modelId="{D92A49F6-0622-4BF2-BCCC-D1B9D8C660A1}" type="pres">
+      <dgm:prSet presAssocID="{317163FE-CB3D-4774-88C6-323BF81220D8}" presName="composite" presStyleCnt="0"/>
+      <dgm:spPr/>
+    </dgm:pt>
+    <dgm:pt modelId="{8AB51CF9-71CB-4303-9A30-9E7780FDA13D}" type="pres">
+      <dgm:prSet presAssocID="{317163FE-CB3D-4774-88C6-323BF81220D8}" presName="parentText" presStyleLbl="alignNode1" presStyleIdx="0" presStyleCnt="2">
+        <dgm:presLayoutVars>
+          <dgm:chMax val="1"/>
+          <dgm:bulletEnabled val="1"/>
+        </dgm:presLayoutVars>
+      </dgm:prSet>
+      <dgm:spPr/>
+      <dgm:t>
+        <a:bodyPr/>
+        <a:lstStyle/>
+        <a:p>
+          <a:endParaRPr lang="en-US"/>
+        </a:p>
+      </dgm:t>
+    </dgm:pt>
+    <dgm:pt modelId="{A47F39E1-8849-440A-886F-E6FC80DA93B4}" type="pres">
+      <dgm:prSet presAssocID="{317163FE-CB3D-4774-88C6-323BF81220D8}" presName="descendantText" presStyleLbl="alignAcc1" presStyleIdx="0" presStyleCnt="2">
+        <dgm:presLayoutVars>
+          <dgm:bulletEnabled val="1"/>
+        </dgm:presLayoutVars>
+      </dgm:prSet>
+      <dgm:spPr/>
+    </dgm:pt>
+    <dgm:pt modelId="{ED9A6123-6C5F-43E8-9764-70244207E263}" type="pres">
+      <dgm:prSet presAssocID="{2524BE2D-E4A0-4A4D-8D5F-B8D0047421D0}" presName="sp" presStyleCnt="0"/>
+      <dgm:spPr/>
+    </dgm:pt>
+    <dgm:pt modelId="{2665E306-1850-4E48-B774-4575E7398A95}" type="pres">
+      <dgm:prSet presAssocID="{8624C49D-3019-46B2-B139-898544EC2C48}" presName="composite" presStyleCnt="0"/>
+      <dgm:spPr/>
+    </dgm:pt>
+    <dgm:pt modelId="{700BBB59-BC4E-4A31-8B9F-41C5352C0AC4}" type="pres">
+      <dgm:prSet presAssocID="{8624C49D-3019-46B2-B139-898544EC2C48}" presName="parentText" presStyleLbl="alignNode1" presStyleIdx="1" presStyleCnt="2">
+        <dgm:presLayoutVars>
+          <dgm:chMax val="1"/>
+          <dgm:bulletEnabled val="1"/>
+        </dgm:presLayoutVars>
+      </dgm:prSet>
+      <dgm:spPr/>
+    </dgm:pt>
+    <dgm:pt modelId="{BF1E275C-0245-4A82-B963-0775E3135EEB}" type="pres">
+      <dgm:prSet presAssocID="{8624C49D-3019-46B2-B139-898544EC2C48}" presName="descendantText" presStyleLbl="alignAcc1" presStyleIdx="1" presStyleCnt="2" custScaleY="179189">
+        <dgm:presLayoutVars>
+          <dgm:bulletEnabled val="1"/>
+        </dgm:presLayoutVars>
+      </dgm:prSet>
+      <dgm:spPr/>
+      <dgm:t>
+        <a:bodyPr/>
+        <a:lstStyle/>
+        <a:p>
+          <a:endParaRPr lang="en-US"/>
+        </a:p>
+      </dgm:t>
+    </dgm:pt>
+  </dgm:ptLst>
+  <dgm:cxnLst>
+    <dgm:cxn modelId="{1AA82CE7-552F-433A-8D22-DFE43F1474B1}" type="presOf" srcId="{070E763F-64B7-49DD-BBD6-48E8FEC8F9F6}" destId="{BF1E275C-0245-4A82-B963-0775E3135EEB}" srcOrd="0" destOrd="1" presId="urn:microsoft.com/office/officeart/2005/8/layout/chevron2"/>
+    <dgm:cxn modelId="{CF712296-AAFF-4F55-91C3-983721DB7B5E}" type="presOf" srcId="{9946042B-7D27-42FE-91CF-6F436D58EC02}" destId="{A47F39E1-8849-440A-886F-E6FC80DA93B4}" srcOrd="0" destOrd="0" presId="urn:microsoft.com/office/officeart/2005/8/layout/chevron2"/>
+    <dgm:cxn modelId="{2F077ADA-2A3B-4487-80DB-2197A40854D3}" type="presOf" srcId="{317163FE-CB3D-4774-88C6-323BF81220D8}" destId="{8AB51CF9-71CB-4303-9A30-9E7780FDA13D}" srcOrd="0" destOrd="0" presId="urn:microsoft.com/office/officeart/2005/8/layout/chevron2"/>
+    <dgm:cxn modelId="{C5485B1A-861D-4BBB-8BBB-514EDCB216BE}" srcId="{A0408C12-A105-4A77-A47B-DFE81F7C73B0}" destId="{8624C49D-3019-46B2-B139-898544EC2C48}" srcOrd="1" destOrd="0" parTransId="{06949632-3C69-445D-A67D-50D56C9E9C50}" sibTransId="{D05A378E-B9E0-497E-A66A-B0D0B9AFA1CC}"/>
+    <dgm:cxn modelId="{D9BAF431-3ACA-4A05-B215-968445E069CA}" srcId="{317163FE-CB3D-4774-88C6-323BF81220D8}" destId="{9946042B-7D27-42FE-91CF-6F436D58EC02}" srcOrd="0" destOrd="0" parTransId="{2534151A-4A1D-4565-A2A1-E2A5A0754EE3}" sibTransId="{75FFD790-665C-4198-8DA8-20540A720080}"/>
+    <dgm:cxn modelId="{5588B137-8C01-4480-BC80-93910C36E489}" type="presOf" srcId="{A0408C12-A105-4A77-A47B-DFE81F7C73B0}" destId="{CF37E359-F75F-46DC-87FB-D76C64370EDE}" srcOrd="0" destOrd="0" presId="urn:microsoft.com/office/officeart/2005/8/layout/chevron2"/>
+    <dgm:cxn modelId="{36A9047E-470C-4D24-A147-5C9D41B45533}" type="presOf" srcId="{8624C49D-3019-46B2-B139-898544EC2C48}" destId="{700BBB59-BC4E-4A31-8B9F-41C5352C0AC4}" srcOrd="0" destOrd="0" presId="urn:microsoft.com/office/officeart/2005/8/layout/chevron2"/>
+    <dgm:cxn modelId="{4207D217-8419-41B2-9632-4E774FD50ACE}" srcId="{A0408C12-A105-4A77-A47B-DFE81F7C73B0}" destId="{317163FE-CB3D-4774-88C6-323BF81220D8}" srcOrd="0" destOrd="0" parTransId="{78A11FE8-CDB7-496E-853B-8DF107D09A23}" sibTransId="{2524BE2D-E4A0-4A4D-8D5F-B8D0047421D0}"/>
+    <dgm:cxn modelId="{714B052D-AB89-4538-B16D-D9A667B71859}" type="presOf" srcId="{59BFF09F-3DA7-443A-918B-B9BE623654C0}" destId="{BF1E275C-0245-4A82-B963-0775E3135EEB}" srcOrd="0" destOrd="0" presId="urn:microsoft.com/office/officeart/2005/8/layout/chevron2"/>
+    <dgm:cxn modelId="{69F57421-4662-4DCC-AA9E-ECE31EA8A286}" srcId="{8624C49D-3019-46B2-B139-898544EC2C48}" destId="{59BFF09F-3DA7-443A-918B-B9BE623654C0}" srcOrd="0" destOrd="0" parTransId="{F4C50064-29C8-4D38-8F83-EB12DF0BFB4A}" sibTransId="{BAF65957-2264-4148-A4D6-481860039ACA}"/>
+    <dgm:cxn modelId="{FA3DD555-745E-4AD3-9772-172B5C2FDB15}" srcId="{8624C49D-3019-46B2-B139-898544EC2C48}" destId="{070E763F-64B7-49DD-BBD6-48E8FEC8F9F6}" srcOrd="1" destOrd="0" parTransId="{268D0A33-1DFC-4257-810E-BBF3138A4988}" sibTransId="{1A2439D1-FE95-403B-ABBE-9481D2A153A5}"/>
+    <dgm:cxn modelId="{6573767C-B06E-469C-BC2A-6C0E5075CE67}" type="presParOf" srcId="{CF37E359-F75F-46DC-87FB-D76C64370EDE}" destId="{D92A49F6-0622-4BF2-BCCC-D1B9D8C660A1}" srcOrd="0" destOrd="0" presId="urn:microsoft.com/office/officeart/2005/8/layout/chevron2"/>
+    <dgm:cxn modelId="{CAD0325E-B47A-41E7-B882-85A5CB018FF8}" type="presParOf" srcId="{D92A49F6-0622-4BF2-BCCC-D1B9D8C660A1}" destId="{8AB51CF9-71CB-4303-9A30-9E7780FDA13D}" srcOrd="0" destOrd="0" presId="urn:microsoft.com/office/officeart/2005/8/layout/chevron2"/>
+    <dgm:cxn modelId="{630AC286-8A3F-4569-AC6E-4E330DBD3FF3}" type="presParOf" srcId="{D92A49F6-0622-4BF2-BCCC-D1B9D8C660A1}" destId="{A47F39E1-8849-440A-886F-E6FC80DA93B4}" srcOrd="1" destOrd="0" presId="urn:microsoft.com/office/officeart/2005/8/layout/chevron2"/>
+    <dgm:cxn modelId="{798B9EB2-68E5-452A-B349-62712BEFCCB6}" type="presParOf" srcId="{CF37E359-F75F-46DC-87FB-D76C64370EDE}" destId="{ED9A6123-6C5F-43E8-9764-70244207E263}" srcOrd="1" destOrd="0" presId="urn:microsoft.com/office/officeart/2005/8/layout/chevron2"/>
+    <dgm:cxn modelId="{09BC2D39-C44A-4961-AC9D-897D41D56265}" type="presParOf" srcId="{CF37E359-F75F-46DC-87FB-D76C64370EDE}" destId="{2665E306-1850-4E48-B774-4575E7398A95}" srcOrd="2" destOrd="0" presId="urn:microsoft.com/office/officeart/2005/8/layout/chevron2"/>
+    <dgm:cxn modelId="{82F4FB56-C91C-4014-A7B1-C68E5951AB8F}" type="presParOf" srcId="{2665E306-1850-4E48-B774-4575E7398A95}" destId="{700BBB59-BC4E-4A31-8B9F-41C5352C0AC4}" srcOrd="0" destOrd="0" presId="urn:microsoft.com/office/officeart/2005/8/layout/chevron2"/>
+    <dgm:cxn modelId="{BE42A092-EEA5-4FDE-AB1B-BDD6492BCE7D}" type="presParOf" srcId="{2665E306-1850-4E48-B774-4575E7398A95}" destId="{BF1E275C-0245-4A82-B963-0775E3135EEB}" srcOrd="1" destOrd="0" presId="urn:microsoft.com/office/officeart/2005/8/layout/chevron2"/>
+  </dgm:cxnLst>
+  <dgm:bg/>
+  <dgm:whole/>
+</dgm:dataModel>
+</file>
+
+<file path=ppt/diagrams/layout1.xml><?xml version="1.0" encoding="utf-8"?>
+<dgm:layoutDef xmlns:dgm="http://schemas.openxmlformats.org/drawingml/2006/diagram" xmlns:a="http://schemas.openxmlformats.org/drawingml/2006/main" uniqueId="urn:microsoft.com/office/officeart/2005/8/layout/chevron2">
+  <dgm:title val=""/>
+  <dgm:desc val=""/>
+  <dgm:catLst>
+    <dgm:cat type="process" pri="12000"/>
+    <dgm:cat type="list" pri="16000"/>
+    <dgm:cat type="convert" pri="11000"/>
+  </dgm:catLst>
+  <dgm:sampData>
+    <dgm:dataModel>
+      <dgm:ptLst>
+        <dgm:pt modelId="0" type="doc"/>
+        <dgm:pt modelId="1">
+          <dgm:prSet phldr="1"/>
+        </dgm:pt>
+        <dgm:pt modelId="11">
+          <dgm:prSet phldr="1"/>
+        </dgm:pt>
+        <dgm:pt modelId="12">
+          <dgm:prSet phldr="1"/>
+        </dgm:pt>
+        <dgm:pt modelId="2">
+          <dgm:prSet phldr="1"/>
+        </dgm:pt>
+        <dgm:pt modelId="21">
+          <dgm:prSet phldr="1"/>
+        </dgm:pt>
+        <dgm:pt modelId="22">
+          <dgm:prSet phldr="1"/>
+        </dgm:pt>
+        <dgm:pt modelId="3">
+          <dgm:prSet phldr="1"/>
+        </dgm:pt>
+        <dgm:pt modelId="31">
+          <dgm:prSet phldr="1"/>
+        </dgm:pt>
+        <dgm:pt modelId="32">
+          <dgm:prSet phldr="1"/>
+        </dgm:pt>
+      </dgm:ptLst>
+      <dgm:cxnLst>
+        <dgm:cxn modelId="4" srcId="0" destId="1" srcOrd="0" destOrd="0"/>
+        <dgm:cxn modelId="5" srcId="0" destId="2" srcOrd="1" destOrd="0"/>
+        <dgm:cxn modelId="6" srcId="0" destId="3" srcOrd="2" destOrd="0"/>
+        <dgm:cxn modelId="13" srcId="1" destId="11" srcOrd="0" destOrd="0"/>
+        <dgm:cxn modelId="14" srcId="1" destId="12" srcOrd="1" destOrd="0"/>
+        <dgm:cxn modelId="23" srcId="2" destId="21" srcOrd="0" destOrd="0"/>
+        <dgm:cxn modelId="24" srcId="2" destId="22" srcOrd="1" destOrd="0"/>
+        <dgm:cxn modelId="33" srcId="3" destId="31" srcOrd="0" destOrd="0"/>
+        <dgm:cxn modelId="34" srcId="3" destId="32" srcOrd="1" destOrd="0"/>
+      </dgm:cxnLst>
+      <dgm:bg/>
+      <dgm:whole/>
+    </dgm:dataModel>
+  </dgm:sampData>
+  <dgm:styleData>
+    <dgm:dataModel>
+      <dgm:ptLst>
+        <dgm:pt modelId="0" type="doc"/>
+        <dgm:pt modelId="1"/>
+      </dgm:ptLst>
+      <dgm:cxnLst>
+        <dgm:cxn modelId="4" srcId="0" destId="1" srcOrd="0" destOrd="0"/>
+      </dgm:cxnLst>
+      <dgm:bg/>
+      <dgm:whole/>
+    </dgm:dataModel>
+  </dgm:styleData>
+  <dgm:clrData>
+    <dgm:dataModel>
+      <dgm:ptLst>
+        <dgm:pt modelId="0" type="doc"/>
+        <dgm:pt modelId="1"/>
+        <dgm:pt modelId="11"/>
+        <dgm:pt modelId="2"/>
+        <dgm:pt modelId="21"/>
+        <dgm:pt modelId="3"/>
+        <dgm:pt modelId="31"/>
+        <dgm:pt modelId="4"/>
+        <dgm:pt modelId="41"/>
+      </dgm:ptLst>
+      <dgm:cxnLst>
+        <dgm:cxn modelId="5" srcId="0" destId="1" srcOrd="0" destOrd="0"/>
+        <dgm:cxn modelId="6" srcId="0" destId="2" srcOrd="1" destOrd="0"/>
+        <dgm:cxn modelId="7" srcId="0" destId="3" srcOrd="2" destOrd="0"/>
+        <dgm:cxn modelId="8" srcId="0" destId="4" srcOrd="3" destOrd="0"/>
+        <dgm:cxn modelId="13" srcId="1" destId="11" srcOrd="0" destOrd="0"/>
+        <dgm:cxn modelId="23" srcId="2" destId="21" srcOrd="0" destOrd="0"/>
+        <dgm:cxn modelId="33" srcId="3" destId="31" srcOrd="0" destOrd="0"/>
+        <dgm:cxn modelId="43" srcId="4" destId="41" srcOrd="0" destOrd="0"/>
+      </dgm:cxnLst>
+      <dgm:bg/>
+      <dgm:whole/>
+    </dgm:dataModel>
+  </dgm:clrData>
+  <dgm:layoutNode name="linearFlow">
+    <dgm:varLst>
+      <dgm:dir/>
+      <dgm:animLvl val="lvl"/>
+      <dgm:resizeHandles val="exact"/>
+    </dgm:varLst>
+    <dgm:alg type="lin">
+      <dgm:param type="linDir" val="fromT"/>
+      <dgm:param type="nodeHorzAlign" val="l"/>
+    </dgm:alg>
+    <dgm:shape xmlns:r="http://schemas.openxmlformats.org/officeDocument/2006/relationships" r:blip="">
+      <dgm:adjLst/>
+    </dgm:shape>
+    <dgm:presOf/>
+    <dgm:constrLst>
+      <dgm:constr type="h" for="ch" forName="composite" refType="h"/>
+      <dgm:constr type="w" for="ch" forName="composite" refType="w"/>
+      <dgm:constr type="h" for="des" forName="parentText" op="equ"/>
+      <dgm:constr type="h" for="ch" forName="sp" val="-14.88"/>
+      <dgm:constr type="h" for="ch" forName="sp" refType="w" refFor="des" refForName="parentText" op="gte" fact="-0.3"/>
+      <dgm:constr type="primFontSz" for="des" forName="parentText" op="equ" val="65"/>
+      <dgm:constr type="primFontSz" for="des" forName="descendantText" op="equ" val="65"/>
+    </dgm:constrLst>
+    <dgm:ruleLst/>
+    <dgm:forEach name="Name0" axis="ch" ptType="node">
+      <dgm:layoutNode name="composite">
+        <dgm:alg type="composite"/>
+        <dgm:shape xmlns:r="http://schemas.openxmlformats.org/officeDocument/2006/relationships" r:blip="">
+          <dgm:adjLst/>
+        </dgm:shape>
+        <dgm:presOf/>
+        <dgm:choose name="Name1">
+          <dgm:if name="Name2" func="var" arg="dir" op="equ" val="norm">
+            <dgm:constrLst>
+              <dgm:constr type="t" for="ch" forName="parentText"/>
+              <dgm:constr type="l" for="ch" forName="parentText"/>
+              <dgm:constr type="w" for="ch" forName="parentText" refType="w" fact="0.4"/>
+              <dgm:constr type="h" for="ch" forName="parentText" refType="h"/>
+              <dgm:constr type="w" for="ch" forName="parentText" refType="w" op="lte" fact="0.5"/>
+              <dgm:constr type="w" for="ch" forName="parentText" refType="h" refFor="ch" refForName="parentText" op="lte" fact="0.7"/>
+              <dgm:constr type="h" for="ch" forName="parentText" refType="w" refFor="ch" refForName="parentText" op="lte" fact="3"/>
+              <dgm:constr type="l" for="ch" forName="descendantText" refType="w" refFor="ch" refForName="parentText"/>
+              <dgm:constr type="w" for="ch" forName="descendantText" refType="w"/>
+              <dgm:constr type="wOff" for="ch" forName="descendantText" refType="w" refFor="ch" refForName="parentText" fact="-1"/>
+              <dgm:constr type="t" for="ch" forName="descendantText"/>
+              <dgm:constr type="b" for="ch" forName="descendantText" refType="h" refFor="ch" refForName="parentText"/>
+              <dgm:constr type="bOff" for="ch" forName="descendantText" refType="w" refFor="ch" refForName="parentText" fact="-0.5"/>
+            </dgm:constrLst>
+          </dgm:if>
+          <dgm:else name="Name3">
+            <dgm:constrLst>
+              <dgm:constr type="t" for="ch" forName="parentText"/>
+              <dgm:constr type="r" for="ch" forName="parentText" refType="w"/>
+              <dgm:constr type="w" for="ch" forName="parentText" refType="w" fact="0.4"/>
+              <dgm:constr type="h" for="ch" forName="parentText" refType="h"/>
+              <dgm:constr type="w" for="ch" forName="parentText" refType="w" op="lte" fact="0.5"/>
+              <dgm:constr type="w" for="ch" forName="parentText" refType="h" refFor="ch" refForName="parentText" op="lte" fact="0.7"/>
+              <dgm:constr type="h" for="ch" forName="parentText" refType="w" refFor="ch" refForName="parentText" op="lte" fact="3"/>
+              <dgm:constr type="l" for="ch" forName="descendantText"/>
+              <dgm:constr type="w" for="ch" forName="descendantText" refType="w"/>
+              <dgm:constr type="wOff" for="ch" forName="descendantText" refType="w" refFor="ch" refForName="parentText" fact="-1"/>
+              <dgm:constr type="t" for="ch" forName="descendantText"/>
+              <dgm:constr type="b" for="ch" forName="descendantText" refType="h" refFor="ch" refForName="parentText"/>
+              <dgm:constr type="bOff" for="ch" forName="descendantText" refType="w" refFor="ch" refForName="parentText" fact="-0.5"/>
+            </dgm:constrLst>
+          </dgm:else>
+        </dgm:choose>
+        <dgm:ruleLst/>
+        <dgm:layoutNode name="parentText" styleLbl="alignNode1">
+          <dgm:varLst>
+            <dgm:chMax val="1"/>
+            <dgm:bulletEnabled val="1"/>
+          </dgm:varLst>
+          <dgm:alg type="tx"/>
+          <dgm:shape xmlns:r="http://schemas.openxmlformats.org/officeDocument/2006/relationships" rot="90" type="chevron" r:blip="">
+            <dgm:adjLst/>
+          </dgm:shape>
+          <dgm:presOf axis="self" ptType="node"/>
+          <dgm:constrLst>
+            <dgm:constr type="lMarg" refType="primFontSz" fact="0.05"/>
+            <dgm:constr type="rMarg" refType="primFontSz" fact="0.05"/>
+            <dgm:constr type="tMarg" refType="primFontSz" fact="0.05"/>
+            <dgm:constr type="bMarg" refType="primFontSz" fact="0.05"/>
+          </dgm:constrLst>
+          <dgm:ruleLst>
+            <dgm:rule type="h" val="100" fact="NaN" max="NaN"/>
+            <dgm:rule type="primFontSz" val="24" fact="NaN" max="NaN"/>
+            <dgm:rule type="h" val="110" fact="NaN" max="NaN"/>
+            <dgm:rule type="primFontSz" val="18" fact="NaN" max="NaN"/>
+            <dgm:rule type="h" val="INF" fact="NaN" max="NaN"/>
+            <dgm:rule type="primFontSz" val="5" fact="NaN" max="NaN"/>
+          </dgm:ruleLst>
+        </dgm:layoutNode>
+        <dgm:layoutNode name="descendantText" styleLbl="alignAcc1">
+          <dgm:varLst>
+            <dgm:bulletEnabled val="1"/>
+          </dgm:varLst>
+          <dgm:choose name="Name4">
+            <dgm:if name="Name5" func="var" arg="dir" op="equ" val="norm">
+              <dgm:alg type="tx">
+                <dgm:param type="stBulletLvl" val="1"/>
+                <dgm:param type="txAnchorVertCh" val="mid"/>
+              </dgm:alg>
+              <dgm:shape xmlns:r="http://schemas.openxmlformats.org/officeDocument/2006/relationships" rot="90" type="round2SameRect" r:blip="">
+                <dgm:adjLst/>
+              </dgm:shape>
+            </dgm:if>
+            <dgm:else name="Name6">
+              <dgm:alg type="tx">
+                <dgm:param type="stBulletLvl" val="1"/>
+                <dgm:param type="txAnchorVertCh" val="mid"/>
+              </dgm:alg>
+              <dgm:shape xmlns:r="http://schemas.openxmlformats.org/officeDocument/2006/relationships" rot="-90" type="round2SameRect" r:blip="">
+                <dgm:adjLst/>
+              </dgm:shape>
+            </dgm:else>
+          </dgm:choose>
+          <dgm:presOf axis="des" ptType="node"/>
+          <dgm:choose name="Name7">
+            <dgm:if name="Name8" func="var" arg="dir" op="equ" val="norm">
+              <dgm:constrLst>
+                <dgm:constr type="secFontSz" refType="primFontSz"/>
+                <dgm:constr type="tMarg" refType="primFontSz" fact="0.05"/>
+                <dgm:constr type="bMarg" refType="primFontSz" fact="0.05"/>
+                <dgm:constr type="rMarg" refType="primFontSz" fact="0.05"/>
+              </dgm:constrLst>
+            </dgm:if>
+            <dgm:else name="Name9">
+              <dgm:constrLst>
+                <dgm:constr type="secFontSz" refType="primFontSz"/>
+                <dgm:constr type="tMarg" refType="primFontSz" fact="0.05"/>
+                <dgm:constr type="bMarg" refType="primFontSz" fact="0.05"/>
+                <dgm:constr type="lMarg" refType="primFontSz" fact="0.05"/>
+              </dgm:constrLst>
+            </dgm:else>
+          </dgm:choose>
+          <dgm:ruleLst>
+            <dgm:rule type="primFontSz" val="5" fact="NaN" max="NaN"/>
+          </dgm:ruleLst>
+        </dgm:layoutNode>
+      </dgm:layoutNode>
+      <dgm:forEach name="Name10" axis="followSib" ptType="sibTrans" cnt="1">
+        <dgm:layoutNode name="sp">
+          <dgm:alg type="sp"/>
+          <dgm:shape xmlns:r="http://schemas.openxmlformats.org/officeDocument/2006/relationships" r:blip="">
+            <dgm:adjLst/>
+          </dgm:shape>
+          <dgm:presOf axis="self"/>
+          <dgm:constrLst>
+            <dgm:constr type="w" val="1"/>
+            <dgm:constr type="h" val="37.5"/>
+          </dgm:constrLst>
+          <dgm:ruleLst/>
+        </dgm:layoutNode>
+      </dgm:forEach>
+    </dgm:forEach>
+  </dgm:layoutNode>
+</dgm:layoutDef>
+</file>
+
+<file path=ppt/diagrams/layout2.xml><?xml version="1.0" encoding="utf-8"?>
+<dgm:layoutDef xmlns:dgm="http://schemas.openxmlformats.org/drawingml/2006/diagram" xmlns:a="http://schemas.openxmlformats.org/drawingml/2006/main" uniqueId="urn:microsoft.com/office/officeart/2005/8/layout/chevron2">
+  <dgm:title val=""/>
+  <dgm:desc val=""/>
+  <dgm:catLst>
+    <dgm:cat type="process" pri="12000"/>
+    <dgm:cat type="list" pri="16000"/>
+    <dgm:cat type="convert" pri="11000"/>
+  </dgm:catLst>
+  <dgm:sampData>
+    <dgm:dataModel>
+      <dgm:ptLst>
+        <dgm:pt modelId="0" type="doc"/>
+        <dgm:pt modelId="1">
+          <dgm:prSet phldr="1"/>
+        </dgm:pt>
+        <dgm:pt modelId="11">
+          <dgm:prSet phldr="1"/>
+        </dgm:pt>
+        <dgm:pt modelId="12">
+          <dgm:prSet phldr="1"/>
+        </dgm:pt>
+        <dgm:pt modelId="2">
+          <dgm:prSet phldr="1"/>
+        </dgm:pt>
+        <dgm:pt modelId="21">
+          <dgm:prSet phldr="1"/>
+        </dgm:pt>
+        <dgm:pt modelId="22">
+          <dgm:prSet phldr="1"/>
+        </dgm:pt>
+        <dgm:pt modelId="3">
+          <dgm:prSet phldr="1"/>
+        </dgm:pt>
+        <dgm:pt modelId="31">
+          <dgm:prSet phldr="1"/>
+        </dgm:pt>
+        <dgm:pt modelId="32">
+          <dgm:prSet phldr="1"/>
+        </dgm:pt>
+      </dgm:ptLst>
+      <dgm:cxnLst>
+        <dgm:cxn modelId="4" srcId="0" destId="1" srcOrd="0" destOrd="0"/>
+        <dgm:cxn modelId="5" srcId="0" destId="2" srcOrd="1" destOrd="0"/>
+        <dgm:cxn modelId="6" srcId="0" destId="3" srcOrd="2" destOrd="0"/>
+        <dgm:cxn modelId="13" srcId="1" destId="11" srcOrd="0" destOrd="0"/>
+        <dgm:cxn modelId="14" srcId="1" destId="12" srcOrd="1" destOrd="0"/>
+        <dgm:cxn modelId="23" srcId="2" destId="21" srcOrd="0" destOrd="0"/>
+        <dgm:cxn modelId="24" srcId="2" destId="22" srcOrd="1" destOrd="0"/>
+        <dgm:cxn modelId="33" srcId="3" destId="31" srcOrd="0" destOrd="0"/>
+        <dgm:cxn modelId="34" srcId="3" destId="32" srcOrd="1" destOrd="0"/>
+      </dgm:cxnLst>
+      <dgm:bg/>
+      <dgm:whole/>
+    </dgm:dataModel>
+  </dgm:sampData>
+  <dgm:styleData>
+    <dgm:dataModel>
+      <dgm:ptLst>
+        <dgm:pt modelId="0" type="doc"/>
+        <dgm:pt modelId="1"/>
+      </dgm:ptLst>
+      <dgm:cxnLst>
+        <dgm:cxn modelId="4" srcId="0" destId="1" srcOrd="0" destOrd="0"/>
+      </dgm:cxnLst>
+      <dgm:bg/>
+      <dgm:whole/>
+    </dgm:dataModel>
+  </dgm:styleData>
+  <dgm:clrData>
+    <dgm:dataModel>
+      <dgm:ptLst>
+        <dgm:pt modelId="0" type="doc"/>
+        <dgm:pt modelId="1"/>
+        <dgm:pt modelId="11"/>
+        <dgm:pt modelId="2"/>
+        <dgm:pt modelId="21"/>
+        <dgm:pt modelId="3"/>
+        <dgm:pt modelId="31"/>
+        <dgm:pt modelId="4"/>
+        <dgm:pt modelId="41"/>
+      </dgm:ptLst>
+      <dgm:cxnLst>
+        <dgm:cxn modelId="5" srcId="0" destId="1" srcOrd="0" destOrd="0"/>
+        <dgm:cxn modelId="6" srcId="0" destId="2" srcOrd="1" destOrd="0"/>
+        <dgm:cxn modelId="7" srcId="0" destId="3" srcOrd="2" destOrd="0"/>
+        <dgm:cxn modelId="8" srcId="0" destId="4" srcOrd="3" destOrd="0"/>
+        <dgm:cxn modelId="13" srcId="1" destId="11" srcOrd="0" destOrd="0"/>
+        <dgm:cxn modelId="23" srcId="2" destId="21" srcOrd="0" destOrd="0"/>
+        <dgm:cxn modelId="33" srcId="3" destId="31" srcOrd="0" destOrd="0"/>
+        <dgm:cxn modelId="43" srcId="4" destId="41" srcOrd="0" destOrd="0"/>
+      </dgm:cxnLst>
+      <dgm:bg/>
+      <dgm:whole/>
+    </dgm:dataModel>
+  </dgm:clrData>
+  <dgm:layoutNode name="linearFlow">
+    <dgm:varLst>
+      <dgm:dir/>
+      <dgm:animLvl val="lvl"/>
+      <dgm:resizeHandles val="exact"/>
+    </dgm:varLst>
+    <dgm:alg type="lin">
+      <dgm:param type="linDir" val="fromT"/>
+      <dgm:param type="nodeHorzAlign" val="l"/>
+    </dgm:alg>
+    <dgm:shape xmlns:r="http://schemas.openxmlformats.org/officeDocument/2006/relationships" r:blip="">
+      <dgm:adjLst/>
+    </dgm:shape>
+    <dgm:presOf/>
+    <dgm:constrLst>
+      <dgm:constr type="h" for="ch" forName="composite" refType="h"/>
+      <dgm:constr type="w" for="ch" forName="composite" refType="w"/>
+      <dgm:constr type="h" for="des" forName="parentText" op="equ"/>
+      <dgm:constr type="h" for="ch" forName="sp" val="-14.88"/>
+      <dgm:constr type="h" for="ch" forName="sp" refType="w" refFor="des" refForName="parentText" op="gte" fact="-0.3"/>
+      <dgm:constr type="primFontSz" for="des" forName="parentText" op="equ" val="65"/>
+      <dgm:constr type="primFontSz" for="des" forName="descendantText" op="equ" val="65"/>
+    </dgm:constrLst>
+    <dgm:ruleLst/>
+    <dgm:forEach name="Name0" axis="ch" ptType="node">
+      <dgm:layoutNode name="composite">
+        <dgm:alg type="composite"/>
+        <dgm:shape xmlns:r="http://schemas.openxmlformats.org/officeDocument/2006/relationships" r:blip="">
+          <dgm:adjLst/>
+        </dgm:shape>
+        <dgm:presOf/>
+        <dgm:choose name="Name1">
+          <dgm:if name="Name2" func="var" arg="dir" op="equ" val="norm">
+            <dgm:constrLst>
+              <dgm:constr type="t" for="ch" forName="parentText"/>
+              <dgm:constr type="l" for="ch" forName="parentText"/>
+              <dgm:constr type="w" for="ch" forName="parentText" refType="w" fact="0.4"/>
+              <dgm:constr type="h" for="ch" forName="parentText" refType="h"/>
+              <dgm:constr type="w" for="ch" forName="parentText" refType="w" op="lte" fact="0.5"/>
+              <dgm:constr type="w" for="ch" forName="parentText" refType="h" refFor="ch" refForName="parentText" op="lte" fact="0.7"/>
+              <dgm:constr type="h" for="ch" forName="parentText" refType="w" refFor="ch" refForName="parentText" op="lte" fact="3"/>
+              <dgm:constr type="l" for="ch" forName="descendantText" refType="w" refFor="ch" refForName="parentText"/>
+              <dgm:constr type="w" for="ch" forName="descendantText" refType="w"/>
+              <dgm:constr type="wOff" for="ch" forName="descendantText" refType="w" refFor="ch" refForName="parentText" fact="-1"/>
+              <dgm:constr type="t" for="ch" forName="descendantText"/>
+              <dgm:constr type="b" for="ch" forName="descendantText" refType="h" refFor="ch" refForName="parentText"/>
+              <dgm:constr type="bOff" for="ch" forName="descendantText" refType="w" refFor="ch" refForName="parentText" fact="-0.5"/>
+            </dgm:constrLst>
+          </dgm:if>
+          <dgm:else name="Name3">
+            <dgm:constrLst>
+              <dgm:constr type="t" for="ch" forName="parentText"/>
+              <dgm:constr type="r" for="ch" forName="parentText" refType="w"/>
+              <dgm:constr type="w" for="ch" forName="parentText" refType="w" fact="0.4"/>
+              <dgm:constr type="h" for="ch" forName="parentText" refType="h"/>
+              <dgm:constr type="w" for="ch" forName="parentText" refType="w" op="lte" fact="0.5"/>
+              <dgm:constr type="w" for="ch" forName="parentText" refType="h" refFor="ch" refForName="parentText" op="lte" fact="0.7"/>
+              <dgm:constr type="h" for="ch" forName="parentText" refType="w" refFor="ch" refForName="parentText" op="lte" fact="3"/>
+              <dgm:constr type="l" for="ch" forName="descendantText"/>
+              <dgm:constr type="w" for="ch" forName="descendantText" refType="w"/>
+              <dgm:constr type="wOff" for="ch" forName="descendantText" refType="w" refFor="ch" refForName="parentText" fact="-1"/>
+              <dgm:constr type="t" for="ch" forName="descendantText"/>
+              <dgm:constr type="b" for="ch" forName="descendantText" refType="h" refFor="ch" refForName="parentText"/>
+              <dgm:constr type="bOff" for="ch" forName="descendantText" refType="w" refFor="ch" refForName="parentText" fact="-0.5"/>
+            </dgm:constrLst>
+          </dgm:else>
+        </dgm:choose>
+        <dgm:ruleLst/>
+        <dgm:layoutNode name="parentText" styleLbl="alignNode1">
+          <dgm:varLst>
+            <dgm:chMax val="1"/>
+            <dgm:bulletEnabled val="1"/>
+          </dgm:varLst>
+          <dgm:alg type="tx"/>
+          <dgm:shape xmlns:r="http://schemas.openxmlformats.org/officeDocument/2006/relationships" rot="90" type="chevron" r:blip="">
+            <dgm:adjLst/>
+          </dgm:shape>
+          <dgm:presOf axis="self" ptType="node"/>
+          <dgm:constrLst>
+            <dgm:constr type="lMarg" refType="primFontSz" fact="0.05"/>
+            <dgm:constr type="rMarg" refType="primFontSz" fact="0.05"/>
+            <dgm:constr type="tMarg" refType="primFontSz" fact="0.05"/>
+            <dgm:constr type="bMarg" refType="primFontSz" fact="0.05"/>
+          </dgm:constrLst>
+          <dgm:ruleLst>
+            <dgm:rule type="h" val="100" fact="NaN" max="NaN"/>
+            <dgm:rule type="primFontSz" val="24" fact="NaN" max="NaN"/>
+            <dgm:rule type="h" val="110" fact="NaN" max="NaN"/>
+            <dgm:rule type="primFontSz" val="18" fact="NaN" max="NaN"/>
+            <dgm:rule type="h" val="INF" fact="NaN" max="NaN"/>
+            <dgm:rule type="primFontSz" val="5" fact="NaN" max="NaN"/>
+          </dgm:ruleLst>
+        </dgm:layoutNode>
+        <dgm:layoutNode name="descendantText" styleLbl="alignAcc1">
+          <dgm:varLst>
+            <dgm:bulletEnabled val="1"/>
+          </dgm:varLst>
+          <dgm:choose name="Name4">
+            <dgm:if name="Name5" func="var" arg="dir" op="equ" val="norm">
+              <dgm:alg type="tx">
+                <dgm:param type="stBulletLvl" val="1"/>
+                <dgm:param type="txAnchorVertCh" val="mid"/>
+              </dgm:alg>
+              <dgm:shape xmlns:r="http://schemas.openxmlformats.org/officeDocument/2006/relationships" rot="90" type="round2SameRect" r:blip="">
+                <dgm:adjLst/>
+              </dgm:shape>
+            </dgm:if>
+            <dgm:else name="Name6">
+              <dgm:alg type="tx">
+                <dgm:param type="stBulletLvl" val="1"/>
+                <dgm:param type="txAnchorVertCh" val="mid"/>
+              </dgm:alg>
+              <dgm:shape xmlns:r="http://schemas.openxmlformats.org/officeDocument/2006/relationships" rot="-90" type="round2SameRect" r:blip="">
+                <dgm:adjLst/>
+              </dgm:shape>
+            </dgm:else>
+          </dgm:choose>
+          <dgm:presOf axis="des" ptType="node"/>
+          <dgm:choose name="Name7">
+            <dgm:if name="Name8" func="var" arg="dir" op="equ" val="norm">
+              <dgm:constrLst>
+                <dgm:constr type="secFontSz" refType="primFontSz"/>
+                <dgm:constr type="tMarg" refType="primFontSz" fact="0.05"/>
+                <dgm:constr type="bMarg" refType="primFontSz" fact="0.05"/>
+                <dgm:constr type="rMarg" refType="primFontSz" fact="0.05"/>
+              </dgm:constrLst>
+            </dgm:if>
+            <dgm:else name="Name9">
+              <dgm:constrLst>
+                <dgm:constr type="secFontSz" refType="primFontSz"/>
+                <dgm:constr type="tMarg" refType="primFontSz" fact="0.05"/>
+                <dgm:constr type="bMarg" refType="primFontSz" fact="0.05"/>
+                <dgm:constr type="lMarg" refType="primFontSz" fact="0.05"/>
+              </dgm:constrLst>
+            </dgm:else>
+          </dgm:choose>
+          <dgm:ruleLst>
+            <dgm:rule type="primFontSz" val="5" fact="NaN" max="NaN"/>
+          </dgm:ruleLst>
+        </dgm:layoutNode>
+      </dgm:layoutNode>
+      <dgm:forEach name="Name10" axis="followSib" ptType="sibTrans" cnt="1">
+        <dgm:layoutNode name="sp">
+          <dgm:alg type="sp"/>
+          <dgm:shape xmlns:r="http://schemas.openxmlformats.org/officeDocument/2006/relationships" r:blip="">
+            <dgm:adjLst/>
+          </dgm:shape>
+          <dgm:presOf axis="self"/>
+          <dgm:constrLst>
+            <dgm:constr type="w" val="1"/>
+            <dgm:constr type="h" val="37.5"/>
+          </dgm:constrLst>
+          <dgm:ruleLst/>
+        </dgm:layoutNode>
+      </dgm:forEach>
+    </dgm:forEach>
+  </dgm:layoutNode>
+</dgm:layoutDef>
+</file>
+
+<file path=ppt/diagrams/layout3.xml><?xml version="1.0" encoding="utf-8"?>
+<dgm:layoutDef xmlns:dgm="http://schemas.openxmlformats.org/drawingml/2006/diagram" xmlns:a="http://schemas.openxmlformats.org/drawingml/2006/main" uniqueId="urn:microsoft.com/office/officeart/2005/8/layout/chevron2">
+  <dgm:title val=""/>
+  <dgm:desc val=""/>
+  <dgm:catLst>
+    <dgm:cat type="process" pri="12000"/>
+    <dgm:cat type="list" pri="16000"/>
+    <dgm:cat type="convert" pri="11000"/>
+  </dgm:catLst>
+  <dgm:sampData>
+    <dgm:dataModel>
+      <dgm:ptLst>
+        <dgm:pt modelId="0" type="doc"/>
+        <dgm:pt modelId="1">
+          <dgm:prSet phldr="1"/>
+        </dgm:pt>
+        <dgm:pt modelId="11">
+          <dgm:prSet phldr="1"/>
+        </dgm:pt>
+        <dgm:pt modelId="12">
+          <dgm:prSet phldr="1"/>
+        </dgm:pt>
+        <dgm:pt modelId="2">
+          <dgm:prSet phldr="1"/>
+        </dgm:pt>
+        <dgm:pt modelId="21">
+          <dgm:prSet phldr="1"/>
+        </dgm:pt>
+        <dgm:pt modelId="22">
+          <dgm:prSet phldr="1"/>
+        </dgm:pt>
+        <dgm:pt modelId="3">
+          <dgm:prSet phldr="1"/>
+        </dgm:pt>
+        <dgm:pt modelId="31">
+          <dgm:prSet phldr="1"/>
+        </dgm:pt>
+        <dgm:pt modelId="32">
+          <dgm:prSet phldr="1"/>
+        </dgm:pt>
+      </dgm:ptLst>
+      <dgm:cxnLst>
+        <dgm:cxn modelId="4" srcId="0" destId="1" srcOrd="0" destOrd="0"/>
+        <dgm:cxn modelId="5" srcId="0" destId="2" srcOrd="1" destOrd="0"/>
+        <dgm:cxn modelId="6" srcId="0" destId="3" srcOrd="2" destOrd="0"/>
+        <dgm:cxn modelId="13" srcId="1" destId="11" srcOrd="0" destOrd="0"/>
+        <dgm:cxn modelId="14" srcId="1" destId="12" srcOrd="1" destOrd="0"/>
+        <dgm:cxn modelId="23" srcId="2" destId="21" srcOrd="0" destOrd="0"/>
+        <dgm:cxn modelId="24" srcId="2" destId="22" srcOrd="1" destOrd="0"/>
+        <dgm:cxn modelId="33" srcId="3" destId="31" srcOrd="0" destOrd="0"/>
+        <dgm:cxn modelId="34" srcId="3" destId="32" srcOrd="1" destOrd="0"/>
+      </dgm:cxnLst>
+      <dgm:bg/>
+      <dgm:whole/>
+    </dgm:dataModel>
+  </dgm:sampData>
+  <dgm:styleData>
+    <dgm:dataModel>
+      <dgm:ptLst>
+        <dgm:pt modelId="0" type="doc"/>
+        <dgm:pt modelId="1"/>
+      </dgm:ptLst>
+      <dgm:cxnLst>
+        <dgm:cxn modelId="4" srcId="0" destId="1" srcOrd="0" destOrd="0"/>
+      </dgm:cxnLst>
+      <dgm:bg/>
+      <dgm:whole/>
+    </dgm:dataModel>
+  </dgm:styleData>
+  <dgm:clrData>
+    <dgm:dataModel>
+      <dgm:ptLst>
+        <dgm:pt modelId="0" type="doc"/>
+        <dgm:pt modelId="1"/>
+        <dgm:pt modelId="11"/>
+        <dgm:pt modelId="2"/>
+        <dgm:pt modelId="21"/>
+        <dgm:pt modelId="3"/>
+        <dgm:pt modelId="31"/>
+        <dgm:pt modelId="4"/>
+        <dgm:pt modelId="41"/>
+      </dgm:ptLst>
+      <dgm:cxnLst>
+        <dgm:cxn modelId="5" srcId="0" destId="1" srcOrd="0" destOrd="0"/>
+        <dgm:cxn modelId="6" srcId="0" destId="2" srcOrd="1" destOrd="0"/>
+        <dgm:cxn modelId="7" srcId="0" destId="3" srcOrd="2" destOrd="0"/>
+        <dgm:cxn modelId="8" srcId="0" destId="4" srcOrd="3" destOrd="0"/>
+        <dgm:cxn modelId="13" srcId="1" destId="11" srcOrd="0" destOrd="0"/>
+        <dgm:cxn modelId="23" srcId="2" destId="21" srcOrd="0" destOrd="0"/>
+        <dgm:cxn modelId="33" srcId="3" destId="31" srcOrd="0" destOrd="0"/>
+        <dgm:cxn modelId="43" srcId="4" destId="41" srcOrd="0" destOrd="0"/>
+      </dgm:cxnLst>
+      <dgm:bg/>
+      <dgm:whole/>
+    </dgm:dataModel>
+  </dgm:clrData>
+  <dgm:layoutNode name="linearFlow">
+    <dgm:varLst>
+      <dgm:dir/>
+      <dgm:animLvl val="lvl"/>
+      <dgm:resizeHandles val="exact"/>
+    </dgm:varLst>
+    <dgm:alg type="lin">
+      <dgm:param type="linDir" val="fromT"/>
+      <dgm:param type="nodeHorzAlign" val="l"/>
+    </dgm:alg>
+    <dgm:shape xmlns:r="http://schemas.openxmlformats.org/officeDocument/2006/relationships" r:blip="">
+      <dgm:adjLst/>
+    </dgm:shape>
+    <dgm:presOf/>
+    <dgm:constrLst>
+      <dgm:constr type="h" for="ch" forName="composite" refType="h"/>
+      <dgm:constr type="w" for="ch" forName="composite" refType="w"/>
+      <dgm:constr type="h" for="des" forName="parentText" op="equ"/>
+      <dgm:constr type="h" for="ch" forName="sp" val="-14.88"/>
+      <dgm:constr type="h" for="ch" forName="sp" refType="w" refFor="des" refForName="parentText" op="gte" fact="-0.3"/>
+      <dgm:constr type="primFontSz" for="des" forName="parentText" op="equ" val="65"/>
+      <dgm:constr type="primFontSz" for="des" forName="descendantText" op="equ" val="65"/>
+    </dgm:constrLst>
+    <dgm:ruleLst/>
+    <dgm:forEach name="Name0" axis="ch" ptType="node">
+      <dgm:layoutNode name="composite">
+        <dgm:alg type="composite"/>
+        <dgm:shape xmlns:r="http://schemas.openxmlformats.org/officeDocument/2006/relationships" r:blip="">
+          <dgm:adjLst/>
+        </dgm:shape>
+        <dgm:presOf/>
+        <dgm:choose name="Name1">
+          <dgm:if name="Name2" func="var" arg="dir" op="equ" val="norm">
+            <dgm:constrLst>
+              <dgm:constr type="t" for="ch" forName="parentText"/>
+              <dgm:constr type="l" for="ch" forName="parentText"/>
+              <dgm:constr type="w" for="ch" forName="parentText" refType="w" fact="0.4"/>
+              <dgm:constr type="h" for="ch" forName="parentText" refType="h"/>
+              <dgm:constr type="w" for="ch" forName="parentText" refType="w" op="lte" fact="0.5"/>
+              <dgm:constr type="w" for="ch" forName="parentText" refType="h" refFor="ch" refForName="parentText" op="lte" fact="0.7"/>
+              <dgm:constr type="h" for="ch" forName="parentText" refType="w" refFor="ch" refForName="parentText" op="lte" fact="3"/>
+              <dgm:constr type="l" for="ch" forName="descendantText" refType="w" refFor="ch" refForName="parentText"/>
+              <dgm:constr type="w" for="ch" forName="descendantText" refType="w"/>
+              <dgm:constr type="wOff" for="ch" forName="descendantText" refType="w" refFor="ch" refForName="parentText" fact="-1"/>
+              <dgm:constr type="t" for="ch" forName="descendantText"/>
+              <dgm:constr type="b" for="ch" forName="descendantText" refType="h" refFor="ch" refForName="parentText"/>
+              <dgm:constr type="bOff" for="ch" forName="descendantText" refType="w" refFor="ch" refForName="parentText" fact="-0.5"/>
+            </dgm:constrLst>
+          </dgm:if>
+          <dgm:else name="Name3">
+            <dgm:constrLst>
+              <dgm:constr type="t" for="ch" forName="parentText"/>
+              <dgm:constr type="r" for="ch" forName="parentText" refType="w"/>
+              <dgm:constr type="w" for="ch" forName="parentText" refType="w" fact="0.4"/>
+              <dgm:constr type="h" for="ch" forName="parentText" refType="h"/>
+              <dgm:constr type="w" for="ch" forName="parentText" refType="w" op="lte" fact="0.5"/>
+              <dgm:constr type="w" for="ch" forName="parentText" refType="h" refFor="ch" refForName="parentText" op="lte" fact="0.7"/>
+              <dgm:constr type="h" for="ch" forName="parentText" refType="w" refFor="ch" refForName="parentText" op="lte" fact="3"/>
+              <dgm:constr type="l" for="ch" forName="descendantText"/>
+              <dgm:constr type="w" for="ch" forName="descendantText" refType="w"/>
+              <dgm:constr type="wOff" for="ch" forName="descendantText" refType="w" refFor="ch" refForName="parentText" fact="-1"/>
+              <dgm:constr type="t" for="ch" forName="descendantText"/>
+              <dgm:constr type="b" for="ch" forName="descendantText" refType="h" refFor="ch" refForName="parentText"/>
+              <dgm:constr type="bOff" for="ch" forName="descendantText" refType="w" refFor="ch" refForName="parentText" fact="-0.5"/>
+            </dgm:constrLst>
+          </dgm:else>
+        </dgm:choose>
+        <dgm:ruleLst/>
+        <dgm:layoutNode name="parentText" styleLbl="alignNode1">
+          <dgm:varLst>
+            <dgm:chMax val="1"/>
+            <dgm:bulletEnabled val="1"/>
+          </dgm:varLst>
+          <dgm:alg type="tx"/>
+          <dgm:shape xmlns:r="http://schemas.openxmlformats.org/officeDocument/2006/relationships" rot="90" type="chevron" r:blip="">
+            <dgm:adjLst/>
+          </dgm:shape>
+          <dgm:presOf axis="self" ptType="node"/>
+          <dgm:constrLst>
+            <dgm:constr type="lMarg" refType="primFontSz" fact="0.05"/>
+            <dgm:constr type="rMarg" refType="primFontSz" fact="0.05"/>
+            <dgm:constr type="tMarg" refType="primFontSz" fact="0.05"/>
+            <dgm:constr type="bMarg" refType="primFontSz" fact="0.05"/>
+          </dgm:constrLst>
+          <dgm:ruleLst>
+            <dgm:rule type="h" val="100" fact="NaN" max="NaN"/>
+            <dgm:rule type="primFontSz" val="24" fact="NaN" max="NaN"/>
+            <dgm:rule type="h" val="110" fact="NaN" max="NaN"/>
+            <dgm:rule type="primFontSz" val="18" fact="NaN" max="NaN"/>
+            <dgm:rule type="h" val="INF" fact="NaN" max="NaN"/>
+            <dgm:rule type="primFontSz" val="5" fact="NaN" max="NaN"/>
+          </dgm:ruleLst>
+        </dgm:layoutNode>
+        <dgm:layoutNode name="descendantText" styleLbl="alignAcc1">
+          <dgm:varLst>
+            <dgm:bulletEnabled val="1"/>
+          </dgm:varLst>
+          <dgm:choose name="Name4">
+            <dgm:if name="Name5" func="var" arg="dir" op="equ" val="norm">
+              <dgm:alg type="tx">
+                <dgm:param type="stBulletLvl" val="1"/>
+                <dgm:param type="txAnchorVertCh" val="mid"/>
+              </dgm:alg>
+              <dgm:shape xmlns:r="http://schemas.openxmlformats.org/officeDocument/2006/relationships" rot="90" type="round2SameRect" r:blip="">
+                <dgm:adjLst/>
+              </dgm:shape>
+            </dgm:if>
+            <dgm:else name="Name6">
+              <dgm:alg type="tx">
+                <dgm:param type="stBulletLvl" val="1"/>
+                <dgm:param type="txAnchorVertCh" val="mid"/>
+              </dgm:alg>
+              <dgm:shape xmlns:r="http://schemas.openxmlformats.org/officeDocument/2006/relationships" rot="-90" type="round2SameRect" r:blip="">
+                <dgm:adjLst/>
+              </dgm:shape>
+            </dgm:else>
+          </dgm:choose>
+          <dgm:presOf axis="des" ptType="node"/>
+          <dgm:choose name="Name7">
+            <dgm:if name="Name8" func="var" arg="dir" op="equ" val="norm">
+              <dgm:constrLst>
+                <dgm:constr type="secFontSz" refType="primFontSz"/>
+                <dgm:constr type="tMarg" refType="primFontSz" fact="0.05"/>
+                <dgm:constr type="bMarg" refType="primFontSz" fact="0.05"/>
+                <dgm:constr type="rMarg" refType="primFontSz" fact="0.05"/>
+              </dgm:constrLst>
+            </dgm:if>
+            <dgm:else name="Name9">
+              <dgm:constrLst>
+                <dgm:constr type="secFontSz" refType="primFontSz"/>
+                <dgm:constr type="tMarg" refType="primFontSz" fact="0.05"/>
+                <dgm:constr type="bMarg" refType="primFontSz" fact="0.05"/>
+                <dgm:constr type="lMarg" refType="primFontSz" fact="0.05"/>
+              </dgm:constrLst>
+            </dgm:else>
+          </dgm:choose>
+          <dgm:ruleLst>
+            <dgm:rule type="primFontSz" val="5" fact="NaN" max="NaN"/>
+          </dgm:ruleLst>
+        </dgm:layoutNode>
+      </dgm:layoutNode>
+      <dgm:forEach name="Name10" axis="followSib" ptType="sibTrans" cnt="1">
+        <dgm:layoutNode name="sp">
+          <dgm:alg type="sp"/>
+          <dgm:shape xmlns:r="http://schemas.openxmlformats.org/officeDocument/2006/relationships" r:blip="">
+            <dgm:adjLst/>
+          </dgm:shape>
+          <dgm:presOf axis="self"/>
+          <dgm:constrLst>
+            <dgm:constr type="w" val="1"/>
+            <dgm:constr type="h" val="37.5"/>
+          </dgm:constrLst>
+          <dgm:ruleLst/>
+        </dgm:layoutNode>
+      </dgm:forEach>
+    </dgm:forEach>
+  </dgm:layoutNode>
+</dgm:layoutDef>
+</file>
+
+<file path=ppt/diagrams/quickStyle1.xml><?xml version="1.0" encoding="utf-8"?>
+<dgm:styleDef xmlns:dgm="http://schemas.openxmlformats.org/drawingml/2006/diagram" xmlns:a="http://schemas.openxmlformats.org/drawingml/2006/main" uniqueId="urn:microsoft.com/office/officeart/2005/8/quickstyle/simple1">
+  <dgm:title val=""/>
+  <dgm:desc val=""/>
+  <dgm:catLst>
+    <dgm:cat type="simple" pri="10100"/>
+  </dgm:catLst>
+  <dgm:scene3d>
+    <a:camera prst="orthographicFront"/>
+    <a:lightRig rig="threePt" dir="t"/>
+  </dgm:scene3d>
+  <dgm:styleLbl name="node0">
+    <dgm:scene3d>
+      <a:camera prst="orthographicFront"/>
+      <a:lightRig rig="threePt" dir="t"/>
+    </dgm:scene3d>
+    <dgm:sp3d/>
+    <dgm:txPr/>
+    <dgm:style>
+      <a:lnRef idx="2">
+        <a:scrgbClr r="0" g="0" b="0"/>
+      </a:lnRef>
+      <a:fillRef idx="1">
+        <a:scrgbClr r="0" g="0" b="0"/>
+      </a:fillRef>
+      <a:effectRef idx="0">
+        <a:scrgbClr r="0" g="0" b="0"/>
+      </a:effectRef>
+      <a:fontRef idx="minor">
+        <a:schemeClr val="lt1"/>
+      </a:fontRef>
+    </dgm:style>
+  </dgm:styleLbl>
+  <dgm:styleLbl name="lnNode1">
+    <dgm:scene3d>
+      <a:camera prst="orthographicFront"/>
+      <a:lightRig rig="threePt" dir="t"/>
+    </dgm:scene3d>
+    <dgm:sp3d/>
+    <dgm:txPr/>
+    <dgm:style>
+      <a:lnRef idx="2">
+        <a:scrgbClr r="0" g="0" b="0"/>
+      </a:lnRef>
+      <a:fillRef idx="1">
+        <a:scrgbClr r="0" g="0" b="0"/>
+      </a:fillRef>
+      <a:effectRef idx="0">
+        <a:scrgbClr r="0" g="0" b="0"/>
+      </a:effectRef>
+      <a:fontRef idx="minor">
+        <a:schemeClr val="lt1"/>
+      </a:fontRef>
+    </dgm:style>
+  </dgm:styleLbl>
+  <dgm:styleLbl name="vennNode1">
+    <dgm:scene3d>
+      <a:camera prst="orthographicFront"/>
+      <a:lightRig rig="threePt" dir="t"/>
+    </dgm:scene3d>
+    <dgm:sp3d/>
+    <dgm:txPr/>
+    <dgm:style>
+      <a:lnRef idx="2">
+        <a:scrgbClr r="0" g="0" b="0"/>
+      </a:lnRef>
+      <a:fillRef idx="1">
+        <a:scrgbClr r="0" g="0" b="0"/>
+      </a:fillRef>
+      <a:effectRef idx="0">
+        <a:scrgbClr r="0" g="0" b="0"/>
+      </a:effectRef>
+      <a:fontRef idx="minor">
+        <a:schemeClr val="tx1"/>
+      </a:fontRef>
+    </dgm:style>
+  </dgm:styleLbl>
+  <dgm:styleLbl name="alignNode1">
+    <dgm:scene3d>
+      <a:camera prst="orthographicFront"/>
+      <a:lightRig rig="threePt" dir="t"/>
+    </dgm:scene3d>
+    <dgm:sp3d/>
+    <dgm:txPr/>
+    <dgm:style>
+      <a:lnRef idx="2">
+        <a:scrgbClr r="0" g="0" b="0"/>
+      </a:lnRef>
+      <a:fillRef idx="1">
+        <a:scrgbClr r="0" g="0" b="0"/>
+      </a:fillRef>
+      <a:effectRef idx="0">
+        <a:scrgbClr r="0" g="0" b="0"/>
+      </a:effectRef>
+      <a:fontRef idx="minor">
+        <a:schemeClr val="lt1"/>
+      </a:fontRef>
+    </dgm:style>
+  </dgm:styleLbl>
+  <dgm:styleLbl name="node1">
+    <dgm:scene3d>
+      <a:camera prst="orthographicFront"/>
+      <a:lightRig rig="threePt" dir="t"/>
+    </dgm:scene3d>
+    <dgm:sp3d/>
+    <dgm:txPr/>
+    <dgm:style>
+      <a:lnRef idx="2">
+        <a:scrgbClr r="0" g="0" b="0"/>
+      </a:lnRef>
+      <a:fillRef idx="1">
+        <a:scrgbClr r="0" g="0" b="0"/>
+      </a:fillRef>
+      <a:effectRef idx="0">
+        <a:scrgbClr r="0" g="0" b="0"/>
+      </a:effectRef>
+      <a:fontRef idx="minor">
+        <a:schemeClr val="lt1"/>
+      </a:fontRef>
+    </dgm:style>
+  </dgm:styleLbl>
+  <dgm:styleLbl name="node2">
+    <dgm:scene3d>
+      <a:camera prst="orthographicFront"/>
+      <a:lightRig rig="threePt" dir="t"/>
+    </dgm:scene3d>
+    <dgm:sp3d/>
+    <dgm:txPr/>
+    <dgm:style>
+      <a:lnRef idx="2">
+        <a:scrgbClr r="0" g="0" b="0"/>
+      </a:lnRef>
+      <a:fillRef idx="1">
+        <a:scrgbClr r="0" g="0" b="0"/>
+      </a:fillRef>
+      <a:effectRef idx="0">
+        <a:scrgbClr r="0" g="0" b="0"/>
+      </a:effectRef>
+      <a:fontRef idx="minor">
+        <a:schemeClr val="lt1"/>
+      </a:fontRef>
+    </dgm:style>
+  </dgm:styleLbl>
+  <dgm:styleLbl name="node3">
+    <dgm:scene3d>
+      <a:camera prst="orthographicFront"/>
+      <a:lightRig rig="threePt" dir="t"/>
+    </dgm:scene3d>
+    <dgm:sp3d/>
+    <dgm:txPr/>
+    <dgm:style>
+      <a:lnRef idx="2">
+        <a:scrgbClr r="0" g="0" b="0"/>
+      </a:lnRef>
+      <a:fillRef idx="1">
+        <a:scrgbClr r="0" g="0" b="0"/>
+      </a:fillRef>
+      <a:effectRef idx="0">
+        <a:scrgbClr r="0" g="0" b="0"/>
+      </a:effectRef>
+      <a:fontRef idx="minor">
+        <a:schemeClr val="lt1"/>
+      </a:fontRef>
+    </dgm:style>
+  </dgm:styleLbl>
+  <dgm:styleLbl name="node4">
+    <dgm:scene3d>
+      <a:camera prst="orthographicFront"/>
+      <a:lightRig rig="threePt" dir="t"/>
+    </dgm:scene3d>
+    <dgm:sp3d/>
+    <dgm:txPr/>
+    <dgm:style>
+      <a:lnRef idx="2">
+        <a:scrgbClr r="0" g="0" b="0"/>
+      </a:lnRef>
+      <a:fillRef idx="1">
+        <a:scrgbClr r="0" g="0" b="0"/>
+      </a:fillRef>
+      <a:effectRef idx="0">
+        <a:scrgbClr r="0" g="0" b="0"/>
+      </a:effectRef>
+      <a:fontRef idx="minor">
+        <a:schemeClr val="lt1"/>
+      </a:fontRef>
+    </dgm:style>
+  </dgm:styleLbl>
+  <dgm:styleLbl name="fgImgPlace1">
+    <dgm:scene3d>
+      <a:camera prst="orthographicFront"/>
+      <a:lightRig rig="threePt" dir="t"/>
+    </dgm:scene3d>
+    <dgm:sp3d/>
+    <dgm:txPr/>
+    <dgm:style>
+      <a:lnRef idx="2">
+        <a:scrgbClr r="0" g="0" b="0"/>
+      </a:lnRef>
+      <a:fillRef idx="1">
+        <a:scrgbClr r="0" g="0" b="0"/>
+      </a:fillRef>
+      <a:effectRef idx="0">
+        <a:scrgbClr r="0" g="0" b="0"/>
+      </a:effectRef>
+      <a:fontRef idx="minor"/>
+    </dgm:style>
+  </dgm:styleLbl>
+  <dgm:styleLbl name="alignImgPlace1">
+    <dgm:scene3d>
+      <a:camera prst="orthographicFront"/>
+      <a:lightRig rig="threePt" dir="t"/>
+    </dgm:scene3d>
+    <dgm:sp3d/>
+    <dgm:txPr/>
+    <dgm:style>
+      <a:lnRef idx="2">
+        <a:scrgbClr r="0" g="0" b="0"/>
+      </a:lnRef>
+      <a:fillRef idx="1">
+        <a:scrgbClr r="0" g="0" b="0"/>
+      </a:fillRef>
+      <a:effectRef idx="0">
+        <a:scrgbClr r="0" g="0" b="0"/>
+      </a:effectRef>
+      <a:fontRef idx="minor"/>
+    </dgm:style>
+  </dgm:styleLbl>
+  <dgm:styleLbl name="bgImgPlace1">
+    <dgm:scene3d>
+      <a:camera prst="orthographicFront"/>
+      <a:lightRig rig="threePt" dir="t"/>
+    </dgm:scene3d>
+    <dgm:sp3d/>
+    <dgm:txPr/>
+    <dgm:style>
+      <a:lnRef idx="2">
+        <a:scrgbClr r="0" g="0" b="0"/>
+      </a:lnRef>
+      <a:fillRef idx="1">
+        <a:scrgbClr r="0" g="0" b="0"/>
+      </a:fillRef>
+      <a:effectRef idx="0">
+        <a:scrgbClr r="0" g="0" b="0"/>
+      </a:effectRef>
+      <a:fontRef idx="minor"/>
+    </dgm:style>
+  </dgm:styleLbl>
+  <dgm:styleLbl name="sibTrans2D1">
+    <dgm:scene3d>
+      <a:camera prst="orthographicFront"/>
+      <a:lightRig rig="threePt" dir="t"/>
+    </dgm:scene3d>
+    <dgm:sp3d/>
+    <dgm:txPr/>
+    <dgm:style>
+      <a:lnRef idx="0">
+        <a:scrgbClr r="0" g="0" b="0"/>
+      </a:lnRef>
+      <a:fillRef idx="1">
+        <a:scrgbClr r="0" g="0" b="0"/>
+      </a:fillRef>
+      <a:effectRef idx="0">
+        <a:scrgbClr r="0" g="0" b="0"/>
+      </a:effectRef>
+      <a:fontRef idx="minor">
+        <a:schemeClr val="lt1"/>
+      </a:fontRef>
+    </dgm:style>
+  </dgm:styleLbl>
+  <dgm:styleLbl name="fgSibTrans2D1">
+    <dgm:scene3d>
+      <a:camera prst="orthographicFront"/>
+      <a:lightRig rig="threePt" dir="t"/>
+    </dgm:scene3d>
+    <dgm:sp3d/>
+    <dgm:txPr/>
+    <dgm:style>
+      <a:lnRef idx="0">
+        <a:scrgbClr r="0" g="0" b="0"/>
+      </a:lnRef>
+      <a:fillRef idx="1">
+        <a:scrgbClr r="0" g="0" b="0"/>
+      </a:fillRef>
+      <a:effectRef idx="0">
+        <a:scrgbClr r="0" g="0" b="0"/>
+      </a:effectRef>
+      <a:fontRef idx="minor">
+        <a:schemeClr val="lt1"/>
+      </a:fontRef>
+    </dgm:style>
+  </dgm:styleLbl>
+  <dgm:styleLbl name="bgSibTrans2D1">
+    <dgm:scene3d>
+      <a:camera prst="orthographicFront"/>
+      <a:lightRig rig="threePt" dir="t"/>
+    </dgm:scene3d>
+    <dgm:sp3d/>
+    <dgm:txPr/>
+    <dgm:style>
+      <a:lnRef idx="0">
+        <a:scrgbClr r="0" g="0" b="0"/>
+      </a:lnRef>
+      <a:fillRef idx="1">
+        <a:scrgbClr r="0" g="0" b="0"/>
+      </a:fillRef>
+      <a:effectRef idx="0">
+        <a:scrgbClr r="0" g="0" b="0"/>
+      </a:effectRef>
+      <a:fontRef idx="minor">
+        <a:schemeClr val="lt1"/>
+      </a:fontRef>
+    </dgm:style>
+  </dgm:styleLbl>
+  <dgm:styleLbl name="sibTrans1D1">
+    <dgm:scene3d>
+      <a:camera prst="orthographicFront"/>
+      <a:lightRig rig="threePt" dir="t"/>
+    </dgm:scene3d>
+    <dgm:sp3d/>
+    <dgm:txPr/>
+    <dgm:style>
+      <a:lnRef idx="1">
+        <a:scrgbClr r="0" g="0" b="0"/>
+      </a:lnRef>
+      <a:fillRef idx="0">
+        <a:scrgbClr r="0" g="0" b="0"/>
+      </a:fillRef>
+      <a:effectRef idx="0">
+        <a:scrgbClr r="0" g="0" b="0"/>
+      </a:effectRef>
+      <a:fontRef idx="minor"/>
+    </dgm:style>
+  </dgm:styleLbl>
+  <dgm:styleLbl name="callout">
+    <dgm:scene3d>
+      <a:camera prst="orthographicFront"/>
+      <a:lightRig rig="threePt" dir="t"/>
+    </dgm:scene3d>
+    <dgm:sp3d/>
+    <dgm:txPr/>
+    <dgm:style>
+      <a:lnRef idx="2">
+        <a:scrgbClr r="0" g="0" b="0"/>
+      </a:lnRef>
+      <a:fillRef idx="1">
+        <a:scrgbClr r="0" g="0" b="0"/>
+      </a:fillRef>
+      <a:effectRef idx="0">
+        <a:scrgbClr r="0" g="0" b="0"/>
+      </a:effectRef>
+      <a:fontRef idx="minor"/>
+    </dgm:style>
+  </dgm:styleLbl>
+  <dgm:styleLbl name="asst0">
+    <dgm:scene3d>
+      <a:camera prst="orthographicFront"/>
+      <a:lightRig rig="threePt" dir="t"/>
+    </dgm:scene3d>
+    <dgm:sp3d/>
+    <dgm:txPr/>
+    <dgm:style>
+      <a:lnRef idx="2">
+        <a:scrgbClr r="0" g="0" b="0"/>
+      </a:lnRef>
+      <a:fillRef idx="1">
+        <a:scrgbClr r="0" g="0" b="0"/>
+      </a:fillRef>
+      <a:effectRef idx="0">
+        <a:scrgbClr r="0" g="0" b="0"/>
+      </a:effectRef>
+      <a:fontRef idx="minor">
+        <a:schemeClr val="lt1"/>
+      </a:fontRef>
+    </dgm:style>
+  </dgm:styleLbl>
+  <dgm:styleLbl name="asst1">
+    <dgm:scene3d>
+      <a:camera prst="orthographicFront"/>
+      <a:lightRig rig="threePt" dir="t"/>
+    </dgm:scene3d>
+    <dgm:sp3d/>
+    <dgm:txPr/>
+    <dgm:style>
+      <a:lnRef idx="2">
+        <a:scrgbClr r="0" g="0" b="0"/>
+      </a:lnRef>
+      <a:fillRef idx="1">
+        <a:scrgbClr r="0" g="0" b="0"/>
+      </a:fillRef>
+      <a:effectRef idx="0">
+        <a:scrgbClr r="0" g="0" b="0"/>
+      </a:effectRef>
+      <a:fontRef idx="minor">
+        <a:schemeClr val="lt1"/>
+      </a:fontRef>
+    </dgm:style>
+  </dgm:styleLbl>
+  <dgm:styleLbl name="asst2">
+    <dgm:scene3d>
+      <a:camera prst="orthographicFront"/>
+      <a:lightRig rig="threePt" dir="t"/>
+    </dgm:scene3d>
+    <dgm:sp3d/>
+    <dgm:txPr/>
+    <dgm:style>
+      <a:lnRef idx="2">
+        <a:scrgbClr r="0" g="0" b="0"/>
+      </a:lnRef>
+      <a:fillRef idx="1">
+        <a:scrgbClr r="0" g="0" b="0"/>
+      </a:fillRef>
+      <a:effectRef idx="0">
+        <a:scrgbClr r="0" g="0" b="0"/>
+      </a:effectRef>
+      <a:fontRef idx="minor">
+        <a:schemeClr val="lt1"/>
+      </a:fontRef>
+    </dgm:style>
+  </dgm:styleLbl>
+  <dgm:styleLbl name="asst3">
+    <dgm:scene3d>
+      <a:camera prst="orthographicFront"/>
+      <a:lightRig rig="threePt" dir="t"/>
+    </dgm:scene3d>
+    <dgm:sp3d/>
+    <dgm:txPr/>
+    <dgm:style>
+      <a:lnRef idx="2">
+        <a:scrgbClr r="0" g="0" b="0"/>
+      </a:lnRef>
+      <a:fillRef idx="1">
+        <a:scrgbClr r="0" g="0" b="0"/>
+      </a:fillRef>
+      <a:effectRef idx="0">
+        <a:scrgbClr r="0" g="0" b="0"/>
+      </a:effectRef>
+      <a:fontRef idx="minor">
+        <a:schemeClr val="lt1"/>
+      </a:fontRef>
+    </dgm:style>
+  </dgm:styleLbl>
+  <dgm:styleLbl name="asst4">
+    <dgm:scene3d>
+      <a:camera prst="orthographicFront"/>
+      <a:lightRig rig="threePt" dir="t"/>
+    </dgm:scene3d>
+    <dgm:sp3d/>
+    <dgm:txPr/>
+    <dgm:style>
+      <a:lnRef idx="2">
+        <a:scrgbClr r="0" g="0" b="0"/>
+      </a:lnRef>
+      <a:fillRef idx="1">
+        <a:scrgbClr r="0" g="0" b="0"/>
+      </a:fillRef>
+      <a:effectRef idx="0">
+        <a:scrgbClr r="0" g="0" b="0"/>
+      </a:effectRef>
+      <a:fontRef idx="minor">
+        <a:schemeClr val="lt1"/>
+      </a:fontRef>
+    </dgm:style>
+  </dgm:styleLbl>
+  <dgm:styleLbl name="parChTrans2D1">
+    <dgm:scene3d>
+      <a:camera prst="orthographicFront"/>
+      <a:lightRig rig="threePt" dir="t"/>
+    </dgm:scene3d>
+    <dgm:sp3d/>
+    <dgm:txPr/>
+    <dgm:style>
+      <a:lnRef idx="2">
+        <a:scrgbClr r="0" g="0" b="0"/>
+      </a:lnRef>
+      <a:fillRef idx="1">
+        <a:scrgbClr r="0" g="0" b="0"/>
+      </a:fillRef>
+      <a:effectRef idx="0">
+        <a:scrgbClr r="0" g="0" b="0"/>
+      </a:effectRef>
+      <a:fontRef idx="minor">
+        <a:schemeClr val="lt1"/>
+      </a:fontRef>
+    </dgm:style>
+  </dgm:styleLbl>
+  <dgm:styleLbl name="parChTrans2D2">
+    <dgm:scene3d>
+      <a:camera prst="orthographicFront"/>
+      <a:lightRig rig="threePt" dir="t"/>
+    </dgm:scene3d>
+    <dgm:sp3d/>
+    <dgm:txPr/>
+    <dgm:style>
+      <a:lnRef idx="2">
+        <a:scrgbClr r="0" g="0" b="0"/>
+      </a:lnRef>
+      <a:fillRef idx="1">
+        <a:scrgbClr r="0" g="0" b="0"/>
+      </a:fillRef>
+      <a:effectRef idx="0">
+        <a:scrgbClr r="0" g="0" b="0"/>
+      </a:effectRef>
+      <a:fontRef idx="minor">
+        <a:schemeClr val="lt1"/>
+      </a:fontRef>
+    </dgm:style>
+  </dgm:styleLbl>
+  <dgm:styleLbl name="parChTrans2D3">
+    <dgm:scene3d>
+      <a:camera prst="orthographicFront"/>
+      <a:lightRig rig="threePt" dir="t"/>
+    </dgm:scene3d>
+    <dgm:sp3d/>
+    <dgm:txPr/>
+    <dgm:style>
+      <a:lnRef idx="2">
+        <a:scrgbClr r="0" g="0" b="0"/>
+      </a:lnRef>
+      <a:fillRef idx="1">
+        <a:scrgbClr r="0" g="0" b="0"/>
+      </a:fillRef>
+      <a:effectRef idx="0">
+        <a:scrgbClr r="0" g="0" b="0"/>
+      </a:effectRef>
+      <a:fontRef idx="minor">
+        <a:schemeClr val="lt1"/>
+      </a:fontRef>
+    </dgm:style>
+  </dgm:styleLbl>
+  <dgm:styleLbl name="parChTrans2D4">
+    <dgm:scene3d>
+      <a:camera prst="orthographicFront"/>
+      <a:lightRig rig="threePt" dir="t"/>
+    </dgm:scene3d>
+    <dgm:sp3d/>
+    <dgm:txPr/>
+    <dgm:style>
+      <a:lnRef idx="2">
+        <a:scrgbClr r="0" g="0" b="0"/>
+      </a:lnRef>
+      <a:fillRef idx="1">
+        <a:scrgbClr r="0" g="0" b="0"/>
+      </a:fillRef>
+      <a:effectRef idx="0">
+        <a:scrgbClr r="0" g="0" b="0"/>
+      </a:effectRef>
+      <a:fontRef idx="minor">
+        <a:schemeClr val="lt1"/>
+      </a:fontRef>
+    </dgm:style>
+  </dgm:styleLbl>
+  <dgm:styleLbl name="parChTrans1D1">
+    <dgm:scene3d>
+      <a:camera prst="orthographicFront"/>
+      <a:lightRig rig="threePt" dir="t"/>
+    </dgm:scene3d>
+    <dgm:sp3d/>
+    <dgm:txPr/>
+    <dgm:style>
+      <a:lnRef idx="2">
+        <a:scrgbClr r="0" g="0" b="0"/>
+      </a:lnRef>
+      <a:fillRef idx="0">
+        <a:scrgbClr r="0" g="0" b="0"/>
+      </a:fillRef>
+      <a:effectRef idx="0">
+        <a:scrgbClr r="0" g="0" b="0"/>
+      </a:effectRef>
+      <a:fontRef idx="minor"/>
+    </dgm:style>
+  </dgm:styleLbl>
+  <dgm:styleLbl name="parChTrans1D2">
+    <dgm:scene3d>
+      <a:camera prst="orthographicFront"/>
+      <a:lightRig rig="threePt" dir="t"/>
+    </dgm:scene3d>
+    <dgm:sp3d/>
+    <dgm:txPr/>
+    <dgm:style>
+      <a:lnRef idx="2">
+        <a:scrgbClr r="0" g="0" b="0"/>
+      </a:lnRef>
+      <a:fillRef idx="0">
+        <a:scrgbClr r="0" g="0" b="0"/>
+      </a:fillRef>
+      <a:effectRef idx="0">
+        <a:scrgbClr r="0" g="0" b="0"/>
+      </a:effectRef>
+      <a:fontRef idx="minor"/>
+    </dgm:style>
+  </dgm:styleLbl>
+  <dgm:styleLbl name="parChTrans1D3">
+    <dgm:scene3d>
+      <a:camera prst="orthographicFront"/>
+      <a:lightRig rig="threePt" dir="t"/>
+    </dgm:scene3d>
+    <dgm:sp3d/>
+    <dgm:txPr/>
+    <dgm:style>
+      <a:lnRef idx="2">
+        <a:scrgbClr r="0" g="0" b="0"/>
+      </a:lnRef>
+      <a:fillRef idx="0">
+        <a:scrgbClr r="0" g="0" b="0"/>
+      </a:fillRef>
+      <a:effectRef idx="0">
+        <a:scrgbClr r="0" g="0" b="0"/>
+      </a:effectRef>
+      <a:fontRef idx="minor"/>
+    </dgm:style>
+  </dgm:styleLbl>
+  <dgm:styleLbl name="parChTrans1D4">
+    <dgm:scene3d>
+      <a:camera prst="orthographicFront"/>
+      <a:lightRig rig="threePt" dir="t"/>
+    </dgm:scene3d>
+    <dgm:sp3d/>
+    <dgm:txPr/>
+    <dgm:style>
+      <a:lnRef idx="2">
+        <a:scrgbClr r="0" g="0" b="0"/>
+      </a:lnRef>
+      <a:fillRef idx="0">
+        <a:scrgbClr r="0" g="0" b="0"/>
+      </a:fillRef>
+      <a:effectRef idx="0">
+        <a:scrgbClr r="0" g="0" b="0"/>
+      </a:effectRef>
+      <a:fontRef idx="minor"/>
+    </dgm:style>
+  </dgm:styleLbl>
+  <dgm:styleLbl name="fgAcc1">
+    <dgm:scene3d>
+      <a:camera prst="orthographicFront"/>
+      <a:lightRig rig="threePt" dir="t"/>
+    </dgm:scene3d>
+    <dgm:sp3d/>
+    <dgm:txPr/>
+    <dgm:style>
+      <a:lnRef idx="2">
+        <a:scrgbClr r="0" g="0" b="0"/>
+      </a:lnRef>
+      <a:fillRef idx="1">
+        <a:scrgbClr r="0" g="0" b="0"/>
+      </a:fillRef>
+      <a:effectRef idx="0">
+        <a:scrgbClr r="0" g="0" b="0"/>
+      </a:effectRef>
+      <a:fontRef idx="minor"/>
+    </dgm:style>
+  </dgm:styleLbl>
+  <dgm:styleLbl name="conFgAcc1">
+    <dgm:scene3d>
+      <a:camera prst="orthographicFront"/>
+      <a:lightRig rig="threePt" dir="t"/>
+    </dgm:scene3d>
+    <dgm:sp3d/>
+    <dgm:txPr/>
+    <dgm:style>
+      <a:lnRef idx="2">
+        <a:scrgbClr r="0" g="0" b="0"/>
+      </a:lnRef>
+      <a:fillRef idx="1">
+        <a:scrgbClr r="0" g="0" b="0"/>
+      </a:fillRef>
+      <a:effectRef idx="0">
+        <a:scrgbClr r="0" g="0" b="0"/>
+      </a:effectRef>
+      <a:fontRef idx="minor"/>
+    </dgm:style>
+  </dgm:styleLbl>
+  <dgm:styleLbl name="alignAcc1">
+    <dgm:scene3d>
+      <a:camera prst="orthographicFront"/>
+      <a:lightRig rig="threePt" dir="t"/>
+    </dgm:scene3d>
+    <dgm:sp3d/>
+    <dgm:txPr/>
+    <dgm:style>
+      <a:lnRef idx="2">
+        <a:scrgbClr r="0" g="0" b="0"/>
+      </a:lnRef>
+      <a:fillRef idx="1">
+        <a:scrgbClr r="0" g="0" b="0"/>
+      </a:fillRef>
+      <a:effectRef idx="0">
+        <a:scrgbClr r="0" g="0" b="0"/>
+      </a:effectRef>
+      <a:fontRef idx="minor"/>
+    </dgm:style>
+  </dgm:styleLbl>
+  <dgm:styleLbl name="trAlignAcc1">
+    <dgm:scene3d>
+      <a:camera prst="orthographicFront"/>
+      <a:lightRig rig="threePt" dir="t"/>
+    </dgm:scene3d>
+    <dgm:sp3d/>
+    <dgm:txPr/>
+    <dgm:style>
+      <a:lnRef idx="1">
+        <a:scrgbClr r="0" g="0" b="0"/>
+      </a:lnRef>
+      <a:fillRef idx="1">
+        <a:scrgbClr r="0" g="0" b="0"/>
+      </a:fillRef>
+      <a:effectRef idx="0">
+        <a:scrgbClr r="0" g="0" b="0"/>
+      </a:effectRef>
+      <a:fontRef idx="minor"/>
+    </dgm:style>
+  </dgm:styleLbl>
+  <dgm:styleLbl name="bgAcc1">
+    <dgm:scene3d>
+      <a:camera prst="orthographicFront"/>
+      <a:lightRig rig="threePt" dir="t"/>
+    </dgm:scene3d>
+    <dgm:sp3d/>
+    <dgm:txPr/>
+    <dgm:style>
+      <a:lnRef idx="2">
+        <a:scrgbClr r="0" g="0" b="0"/>
+      </a:lnRef>
+      <a:fillRef idx="1">
+        <a:scrgbClr r="0" g="0" b="0"/>
+      </a:fillRef>
+      <a:effectRef idx="0">
+        <a:scrgbClr r="0" g="0" b="0"/>
+      </a:effectRef>
+      <a:fontRef idx="minor"/>
+    </dgm:style>
+  </dgm:styleLbl>
+  <dgm:styleLbl name="solidFgAcc1">
+    <dgm:scene3d>
+      <a:camera prst="orthographicFront"/>
+      <a:lightRig rig="threePt" dir="t"/>
+    </dgm:scene3d>
+    <dgm:sp3d/>
+    <dgm:txPr/>
+    <dgm:style>
+      <a:lnRef idx="2">
+        <a:scrgbClr r="0" g="0" b="0"/>
+      </a:lnRef>
+      <a:fillRef idx="1">
+        <a:scrgbClr r="0" g="0" b="0"/>
+      </a:fillRef>
+      <a:effectRef idx="0">
+        <a:scrgbClr r="0" g="0" b="0"/>
+      </a:effectRef>
+      <a:fontRef idx="minor"/>
+    </dgm:style>
+  </dgm:styleLbl>
+  <dgm:styleLbl name="solidAlignAcc1">
+    <dgm:scene3d>
+      <a:camera prst="orthographicFront"/>
+      <a:lightRig rig="threePt" dir="t"/>
+    </dgm:scene3d>
+    <dgm:sp3d/>
+    <dgm:txPr/>
+    <dgm:style>
+      <a:lnRef idx="2">
+        <a:scrgbClr r="0" g="0" b="0"/>
+      </a:lnRef>
+      <a:fillRef idx="1">
+        <a:scrgbClr r="0" g="0" b="0"/>
+      </a:fillRef>
+      <a:effectRef idx="0">
+        <a:scrgbClr r="0" g="0" b="0"/>
+      </a:effectRef>
+      <a:fontRef idx="minor"/>
+    </dgm:style>
+  </dgm:styleLbl>
+  <dgm:styleLbl name="solidBgAcc1">
+    <dgm:scene3d>
+      <a:camera prst="orthographicFront"/>
+      <a:lightRig rig="threePt" dir="t"/>
+    </dgm:scene3d>
+    <dgm:sp3d/>
+    <dgm:txPr/>
+    <dgm:style>
+      <a:lnRef idx="2">
+        <a:scrgbClr r="0" g="0" b="0"/>
+      </a:lnRef>
+      <a:fillRef idx="1">
+        <a:scrgbClr r="0" g="0" b="0"/>
+      </a:fillRef>
+      <a:effectRef idx="0">
+        <a:scrgbClr r="0" g="0" b="0"/>
+      </a:effectRef>
+      <a:fontRef idx="minor"/>
+    </dgm:style>
+  </dgm:styleLbl>
+  <dgm:styleLbl name="fgAccFollowNode1">
+    <dgm:scene3d>
+      <a:camera prst="orthographicFront"/>
+      <a:lightRig rig="threePt" dir="t"/>
+    </dgm:scene3d>
+    <dgm:sp3d/>
+    <dgm:txPr/>
+    <dgm:style>
+      <a:lnRef idx="2">
+        <a:scrgbClr r="0" g="0" b="0"/>
+      </a:lnRef>
+      <a:fillRef idx="1">
+        <a:scrgbClr r="0" g="0" b="0"/>
+      </a:fillRef>
+      <a:effectRef idx="0">
+        <a:scrgbClr r="0" g="0" b="0"/>
+      </a:effectRef>
+      <a:fontRef idx="minor"/>
+    </dgm:style>
+  </dgm:styleLbl>
+  <dgm:styleLbl name="alignAccFollowNode1">
+    <dgm:scene3d>
+      <a:camera prst="orthographicFront"/>
+      <a:lightRig rig="threePt" dir="t"/>
+    </dgm:scene3d>
+    <dgm:sp3d/>
+    <dgm:txPr/>
+    <dgm:style>
+      <a:lnRef idx="2">
+        <a:scrgbClr r="0" g="0" b="0"/>
+      </a:lnRef>
+      <a:fillRef idx="1">
+        <a:scrgbClr r="0" g="0" b="0"/>
+      </a:fillRef>
+      <a:effectRef idx="0">
+        <a:scrgbClr r="0" g="0" b="0"/>
+      </a:effectRef>
+      <a:fontRef idx="minor"/>
+    </dgm:style>
+  </dgm:styleLbl>
+  <dgm:styleLbl name="bgAccFollowNode1">
+    <dgm:scene3d>
+      <a:camera prst="orthographicFront"/>
+      <a:lightRig rig="threePt" dir="t"/>
+    </dgm:scene3d>
+    <dgm:sp3d/>
+    <dgm:txPr/>
+    <dgm:style>
+      <a:lnRef idx="2">
+        <a:scrgbClr r="0" g="0" b="0"/>
+      </a:lnRef>
+      <a:fillRef idx="1">
+        <a:scrgbClr r="0" g="0" b="0"/>
+      </a:fillRef>
+      <a:effectRef idx="0">
+        <a:scrgbClr r="0" g="0" b="0"/>
+      </a:effectRef>
+      <a:fontRef idx="minor"/>
+    </dgm:style>
+  </dgm:styleLbl>
+  <dgm:styleLbl name="fgAcc0">
+    <dgm:scene3d>
+      <a:camera prst="orthographicFront"/>
+      <a:lightRig rig="threePt" dir="t"/>
+    </dgm:scene3d>
+    <dgm:sp3d/>
+    <dgm:txPr/>
+    <dgm:style>
+      <a:lnRef idx="2">
+        <a:scrgbClr r="0" g="0" b="0"/>
+      </a:lnRef>
+      <a:fillRef idx="1">
+        <a:scrgbClr r="0" g="0" b="0"/>
+      </a:fillRef>
+      <a:effectRef idx="0">
+        <a:scrgbClr r="0" g="0" b="0"/>
+      </a:effectRef>
+      <a:fontRef idx="minor"/>
+    </dgm:style>
+  </dgm:styleLbl>
+  <dgm:styleLbl name="fgAcc2">
+    <dgm:scene3d>
+      <a:camera prst="orthographicFront"/>
+      <a:lightRig rig="threePt" dir="t"/>
+    </dgm:scene3d>
+    <dgm:sp3d/>
+    <dgm:txPr/>
+    <dgm:style>
+      <a:lnRef idx="2">
+        <a:scrgbClr r="0" g="0" b="0"/>
+      </a:lnRef>
+      <a:fillRef idx="1">
+        <a:scrgbClr r="0" g="0" b="0"/>
+      </a:fillRef>
+      <a:effectRef idx="0">
+        <a:scrgbClr r="0" g="0" b="0"/>
+      </a:effectRef>
+      <a:fontRef idx="minor"/>
+    </dgm:style>
+  </dgm:styleLbl>
+  <dgm:styleLbl name="fgAcc3">
+    <dgm:scene3d>
+      <a:camera prst="orthographicFront"/>
+      <a:lightRig rig="threePt" dir="t"/>
+    </dgm:scene3d>
+    <dgm:sp3d/>
+    <dgm:txPr/>
+    <dgm:style>
+      <a:lnRef idx="2">
+        <a:scrgbClr r="0" g="0" b="0"/>
+      </a:lnRef>
+      <a:fillRef idx="1">
+        <a:scrgbClr r="0" g="0" b="0"/>
+      </a:fillRef>
+      <a:effectRef idx="0">
+        <a:scrgbClr r="0" g="0" b="0"/>
+      </a:effectRef>
+      <a:fontRef idx="minor"/>
+    </dgm:style>
+  </dgm:styleLbl>
+  <dgm:styleLbl name="fgAcc4">
+    <dgm:scene3d>
+      <a:camera prst="orthographicFront"/>
+      <a:lightRig rig="threePt" dir="t"/>
+    </dgm:scene3d>
+    <dgm:sp3d/>
+    <dgm:txPr/>
+    <dgm:style>
+      <a:lnRef idx="2">
+        <a:scrgbClr r="0" g="0" b="0"/>
+      </a:lnRef>
+      <a:fillRef idx="1">
+        <a:scrgbClr r="0" g="0" b="0"/>
+      </a:fillRef>
+      <a:effectRef idx="0">
+        <a:scrgbClr r="0" g="0" b="0"/>
+      </a:effectRef>
+      <a:fontRef idx="minor"/>
+    </dgm:style>
+  </dgm:styleLbl>
+  <dgm:styleLbl name="bgShp">
+    <dgm:scene3d>
+      <a:camera prst="orthographicFront"/>
+      <a:lightRig rig="threePt" dir="t"/>
+    </dgm:scene3d>
+    <dgm:sp3d/>
+    <dgm:txPr/>
+    <dgm:style>
+      <a:lnRef idx="0">
+        <a:scrgbClr r="0" g="0" b="0"/>
+      </a:lnRef>
+      <a:fillRef idx="1">
+        <a:scrgbClr r="0" g="0" b="0"/>
+      </a:fillRef>
+      <a:effectRef idx="0">
+        <a:scrgbClr r="0" g="0" b="0"/>
+      </a:effectRef>
+      <a:fontRef idx="minor"/>
+    </dgm:style>
+  </dgm:styleLbl>
+  <dgm:styleLbl name="dkBgShp">
+    <dgm:scene3d>
+      <a:camera prst="orthographicFront"/>
+      <a:lightRig rig="threePt" dir="t"/>
+    </dgm:scene3d>
+    <dgm:sp3d/>
+    <dgm:txPr/>
+    <dgm:style>
+      <a:lnRef idx="0">
+        <a:scrgbClr r="0" g="0" b="0"/>
+      </a:lnRef>
+      <a:fillRef idx="1">
+        <a:scrgbClr r="0" g="0" b="0"/>
+      </a:fillRef>
+      <a:effectRef idx="0">
+        <a:scrgbClr r="0" g="0" b="0"/>
+      </a:effectRef>
+      <a:fontRef idx="minor"/>
+    </dgm:style>
+  </dgm:styleLbl>
+  <dgm:styleLbl name="trBgShp">
+    <dgm:scene3d>
+      <a:camera prst="orthographicFront"/>
+      <a:lightRig rig="threePt" dir="t"/>
+    </dgm:scene3d>
+    <dgm:sp3d/>
+    <dgm:txPr/>
+    <dgm:style>
+      <a:lnRef idx="0">
+        <a:scrgbClr r="0" g="0" b="0"/>
+      </a:lnRef>
+      <a:fillRef idx="1">
+        <a:scrgbClr r="0" g="0" b="0"/>
+      </a:fillRef>
+      <a:effectRef idx="0">
+        <a:scrgbClr r="0" g="0" b="0"/>
+      </a:effectRef>
+      <a:fontRef idx="minor"/>
+    </dgm:style>
+  </dgm:styleLbl>
+  <dgm:styleLbl name="fgShp">
+    <dgm:scene3d>
+      <a:camera prst="orthographicFront"/>
+      <a:lightRig rig="threePt" dir="t"/>
+    </dgm:scene3d>
+    <dgm:sp3d/>
+    <dgm:txPr/>
+    <dgm:style>
+      <a:lnRef idx="2">
+        <a:scrgbClr r="0" g="0" b="0"/>
+      </a:lnRef>
+      <a:fillRef idx="1">
+        <a:scrgbClr r="0" g="0" b="0"/>
+      </a:fillRef>
+      <a:effectRef idx="0">
+        <a:scrgbClr r="0" g="0" b="0"/>
+      </a:effectRef>
+      <a:fontRef idx="minor"/>
+    </dgm:style>
+  </dgm:styleLbl>
+  <dgm:styleLbl name="revTx">
+    <dgm:scene3d>
+      <a:camera prst="orthographicFront"/>
+      <a:lightRig rig="threePt" dir="t"/>
+    </dgm:scene3d>
+    <dgm:sp3d/>
+    <dgm:txPr/>
+    <dgm:style>
+      <a:lnRef idx="0">
+        <a:scrgbClr r="0" g="0" b="0"/>
+      </a:lnRef>
+      <a:fillRef idx="0">
+        <a:scrgbClr r="0" g="0" b="0"/>
+      </a:fillRef>
+      <a:effectRef idx="0">
+        <a:scrgbClr r="0" g="0" b="0"/>
+      </a:effectRef>
+      <a:fontRef idx="minor"/>
+    </dgm:style>
+  </dgm:styleLbl>
+</dgm:styleDef>
+</file>
+
+<file path=ppt/diagrams/quickStyle2.xml><?xml version="1.0" encoding="utf-8"?>
+<dgm:styleDef xmlns:dgm="http://schemas.openxmlformats.org/drawingml/2006/diagram" xmlns:a="http://schemas.openxmlformats.org/drawingml/2006/main" uniqueId="urn:microsoft.com/office/officeart/2005/8/quickstyle/simple1">
+  <dgm:title val=""/>
+  <dgm:desc val=""/>
+  <dgm:catLst>
+    <dgm:cat type="simple" pri="10100"/>
+  </dgm:catLst>
+  <dgm:scene3d>
+    <a:camera prst="orthographicFront"/>
+    <a:lightRig rig="threePt" dir="t"/>
+  </dgm:scene3d>
+  <dgm:styleLbl name="node0">
+    <dgm:scene3d>
+      <a:camera prst="orthographicFront"/>
+      <a:lightRig rig="threePt" dir="t"/>
+    </dgm:scene3d>
+    <dgm:sp3d/>
+    <dgm:txPr/>
+    <dgm:style>
+      <a:lnRef idx="2">
+        <a:scrgbClr r="0" g="0" b="0"/>
+      </a:lnRef>
+      <a:fillRef idx="1">
+        <a:scrgbClr r="0" g="0" b="0"/>
+      </a:fillRef>
+      <a:effectRef idx="0">
+        <a:scrgbClr r="0" g="0" b="0"/>
+      </a:effectRef>
+      <a:fontRef idx="minor">
+        <a:schemeClr val="lt1"/>
+      </a:fontRef>
+    </dgm:style>
+  </dgm:styleLbl>
+  <dgm:styleLbl name="lnNode1">
+    <dgm:scene3d>
+      <a:camera prst="orthographicFront"/>
+      <a:lightRig rig="threePt" dir="t"/>
+    </dgm:scene3d>
+    <dgm:sp3d/>
+    <dgm:txPr/>
+    <dgm:style>
+      <a:lnRef idx="2">
+        <a:scrgbClr r="0" g="0" b="0"/>
+      </a:lnRef>
+      <a:fillRef idx="1">
+        <a:scrgbClr r="0" g="0" b="0"/>
+      </a:fillRef>
+      <a:effectRef idx="0">
+        <a:scrgbClr r="0" g="0" b="0"/>
+      </a:effectRef>
+      <a:fontRef idx="minor">
+        <a:schemeClr val="lt1"/>
+      </a:fontRef>
+    </dgm:style>
+  </dgm:styleLbl>
+  <dgm:styleLbl name="vennNode1">
+    <dgm:scene3d>
+      <a:camera prst="orthographicFront"/>
+      <a:lightRig rig="threePt" dir="t"/>
+    </dgm:scene3d>
+    <dgm:sp3d/>
+    <dgm:txPr/>
+    <dgm:style>
+      <a:lnRef idx="2">
+        <a:scrgbClr r="0" g="0" b="0"/>
+      </a:lnRef>
+      <a:fillRef idx="1">
+        <a:scrgbClr r="0" g="0" b="0"/>
+      </a:fillRef>
+      <a:effectRef idx="0">
+        <a:scrgbClr r="0" g="0" b="0"/>
+      </a:effectRef>
+      <a:fontRef idx="minor">
+        <a:schemeClr val="tx1"/>
+      </a:fontRef>
+    </dgm:style>
+  </dgm:styleLbl>
+  <dgm:styleLbl name="alignNode1">
+    <dgm:scene3d>
+      <a:camera prst="orthographicFront"/>
+      <a:lightRig rig="threePt" dir="t"/>
+    </dgm:scene3d>
+    <dgm:sp3d/>
+    <dgm:txPr/>
+    <dgm:style>
+      <a:lnRef idx="2">
+        <a:scrgbClr r="0" g="0" b="0"/>
+      </a:lnRef>
+      <a:fillRef idx="1">
+        <a:scrgbClr r="0" g="0" b="0"/>
+      </a:fillRef>
+      <a:effectRef idx="0">
+        <a:scrgbClr r="0" g="0" b="0"/>
+      </a:effectRef>
+      <a:fontRef idx="minor">
+        <a:schemeClr val="lt1"/>
+      </a:fontRef>
+    </dgm:style>
+  </dgm:styleLbl>
+  <dgm:styleLbl name="node1">
+    <dgm:scene3d>
+      <a:camera prst="orthographicFront"/>
+      <a:lightRig rig="threePt" dir="t"/>
+    </dgm:scene3d>
+    <dgm:sp3d/>
+    <dgm:txPr/>
+    <dgm:style>
+      <a:lnRef idx="2">
+        <a:scrgbClr r="0" g="0" b="0"/>
+      </a:lnRef>
+      <a:fillRef idx="1">
+        <a:scrgbClr r="0" g="0" b="0"/>
+      </a:fillRef>
+      <a:effectRef idx="0">
+        <a:scrgbClr r="0" g="0" b="0"/>
+      </a:effectRef>
+      <a:fontRef idx="minor">
+        <a:schemeClr val="lt1"/>
+      </a:fontRef>
+    </dgm:style>
+  </dgm:styleLbl>
+  <dgm:styleLbl name="node2">
+    <dgm:scene3d>
+      <a:camera prst="orthographicFront"/>
+      <a:lightRig rig="threePt" dir="t"/>
+    </dgm:scene3d>
+    <dgm:sp3d/>
+    <dgm:txPr/>
+    <dgm:style>
+      <a:lnRef idx="2">
+        <a:scrgbClr r="0" g="0" b="0"/>
+      </a:lnRef>
+      <a:fillRef idx="1">
+        <a:scrgbClr r="0" g="0" b="0"/>
+      </a:fillRef>
+      <a:effectRef idx="0">
+        <a:scrgbClr r="0" g="0" b="0"/>
+      </a:effectRef>
+      <a:fontRef idx="minor">
+        <a:schemeClr val="lt1"/>
+      </a:fontRef>
+    </dgm:style>
+  </dgm:styleLbl>
+  <dgm:styleLbl name="node3">
+    <dgm:scene3d>
+      <a:camera prst="orthographicFront"/>
+      <a:lightRig rig="threePt" dir="t"/>
+    </dgm:scene3d>
+    <dgm:sp3d/>
+    <dgm:txPr/>
+    <dgm:style>
+      <a:lnRef idx="2">
+        <a:scrgbClr r="0" g="0" b="0"/>
+      </a:lnRef>
+      <a:fillRef idx="1">
+        <a:scrgbClr r="0" g="0" b="0"/>
+      </a:fillRef>
+      <a:effectRef idx="0">
+        <a:scrgbClr r="0" g="0" b="0"/>
+      </a:effectRef>
+      <a:fontRef idx="minor">
+        <a:schemeClr val="lt1"/>
+      </a:fontRef>
+    </dgm:style>
+  </dgm:styleLbl>
+  <dgm:styleLbl name="node4">
+    <dgm:scene3d>
+      <a:camera prst="orthographicFront"/>
+      <a:lightRig rig="threePt" dir="t"/>
+    </dgm:scene3d>
+    <dgm:sp3d/>
+    <dgm:txPr/>
+    <dgm:style>
+      <a:lnRef idx="2">
+        <a:scrgbClr r="0" g="0" b="0"/>
+      </a:lnRef>
+      <a:fillRef idx="1">
+        <a:scrgbClr r="0" g="0" b="0"/>
+      </a:fillRef>
+      <a:effectRef idx="0">
+        <a:scrgbClr r="0" g="0" b="0"/>
+      </a:effectRef>
+      <a:fontRef idx="minor">
+        <a:schemeClr val="lt1"/>
+      </a:fontRef>
+    </dgm:style>
+  </dgm:styleLbl>
+  <dgm:styleLbl name="fgImgPlace1">
+    <dgm:scene3d>
+      <a:camera prst="orthographicFront"/>
+      <a:lightRig rig="threePt" dir="t"/>
+    </dgm:scene3d>
+    <dgm:sp3d/>
+    <dgm:txPr/>
+    <dgm:style>
+      <a:lnRef idx="2">
+        <a:scrgbClr r="0" g="0" b="0"/>
+      </a:lnRef>
+      <a:fillRef idx="1">
+        <a:scrgbClr r="0" g="0" b="0"/>
+      </a:fillRef>
+      <a:effectRef idx="0">
+        <a:scrgbClr r="0" g="0" b="0"/>
+      </a:effectRef>
+      <a:fontRef idx="minor"/>
+    </dgm:style>
+  </dgm:styleLbl>
+  <dgm:styleLbl name="alignImgPlace1">
+    <dgm:scene3d>
+      <a:camera prst="orthographicFront"/>
+      <a:lightRig rig="threePt" dir="t"/>
+    </dgm:scene3d>
+    <dgm:sp3d/>
+    <dgm:txPr/>
+    <dgm:style>
+      <a:lnRef idx="2">
+        <a:scrgbClr r="0" g="0" b="0"/>
+      </a:lnRef>
+      <a:fillRef idx="1">
+        <a:scrgbClr r="0" g="0" b="0"/>
+      </a:fillRef>
+      <a:effectRef idx="0">
+        <a:scrgbClr r="0" g="0" b="0"/>
+      </a:effectRef>
+      <a:fontRef idx="minor"/>
+    </dgm:style>
+  </dgm:styleLbl>
+  <dgm:styleLbl name="bgImgPlace1">
+    <dgm:scene3d>
+      <a:camera prst="orthographicFront"/>
+      <a:lightRig rig="threePt" dir="t"/>
+    </dgm:scene3d>
+    <dgm:sp3d/>
+    <dgm:txPr/>
+    <dgm:style>
+      <a:lnRef idx="2">
+        <a:scrgbClr r="0" g="0" b="0"/>
+      </a:lnRef>
+      <a:fillRef idx="1">
+        <a:scrgbClr r="0" g="0" b="0"/>
+      </a:fillRef>
+      <a:effectRef idx="0">
+        <a:scrgbClr r="0" g="0" b="0"/>
+      </a:effectRef>
+      <a:fontRef idx="minor"/>
+    </dgm:style>
+  </dgm:styleLbl>
+  <dgm:styleLbl name="sibTrans2D1">
+    <dgm:scene3d>
+      <a:camera prst="orthographicFront"/>
+      <a:lightRig rig="threePt" dir="t"/>
+    </dgm:scene3d>
+    <dgm:sp3d/>
+    <dgm:txPr/>
+    <dgm:style>
+      <a:lnRef idx="0">
+        <a:scrgbClr r="0" g="0" b="0"/>
+      </a:lnRef>
+      <a:fillRef idx="1">
+        <a:scrgbClr r="0" g="0" b="0"/>
+      </a:fillRef>
+      <a:effectRef idx="0">
+        <a:scrgbClr r="0" g="0" b="0"/>
+      </a:effectRef>
+      <a:fontRef idx="minor">
+        <a:schemeClr val="lt1"/>
+      </a:fontRef>
+    </dgm:style>
+  </dgm:styleLbl>
+  <dgm:styleLbl name="fgSibTrans2D1">
+    <dgm:scene3d>
+      <a:camera prst="orthographicFront"/>
+      <a:lightRig rig="threePt" dir="t"/>
+    </dgm:scene3d>
+    <dgm:sp3d/>
+    <dgm:txPr/>
+    <dgm:style>
+      <a:lnRef idx="0">
+        <a:scrgbClr r="0" g="0" b="0"/>
+      </a:lnRef>
+      <a:fillRef idx="1">
+        <a:scrgbClr r="0" g="0" b="0"/>
+      </a:fillRef>
+      <a:effectRef idx="0">
+        <a:scrgbClr r="0" g="0" b="0"/>
+      </a:effectRef>
+      <a:fontRef idx="minor">
+        <a:schemeClr val="lt1"/>
+      </a:fontRef>
+    </dgm:style>
+  </dgm:styleLbl>
+  <dgm:styleLbl name="bgSibTrans2D1">
+    <dgm:scene3d>
+      <a:camera prst="orthographicFront"/>
+      <a:lightRig rig="threePt" dir="t"/>
+    </dgm:scene3d>
+    <dgm:sp3d/>
+    <dgm:txPr/>
+    <dgm:style>
+      <a:lnRef idx="0">
+        <a:scrgbClr r="0" g="0" b="0"/>
+      </a:lnRef>
+      <a:fillRef idx="1">
+        <a:scrgbClr r="0" g="0" b="0"/>
+      </a:fillRef>
+      <a:effectRef idx="0">
+        <a:scrgbClr r="0" g="0" b="0"/>
+      </a:effectRef>
+      <a:fontRef idx="minor">
+        <a:schemeClr val="lt1"/>
+      </a:fontRef>
+    </dgm:style>
+  </dgm:styleLbl>
+  <dgm:styleLbl name="sibTrans1D1">
+    <dgm:scene3d>
+      <a:camera prst="orthographicFront"/>
+      <a:lightRig rig="threePt" dir="t"/>
+    </dgm:scene3d>
+    <dgm:sp3d/>
+    <dgm:txPr/>
+    <dgm:style>
+      <a:lnRef idx="1">
+        <a:scrgbClr r="0" g="0" b="0"/>
+      </a:lnRef>
+      <a:fillRef idx="0">
+        <a:scrgbClr r="0" g="0" b="0"/>
+      </a:fillRef>
+      <a:effectRef idx="0">
+        <a:scrgbClr r="0" g="0" b="0"/>
+      </a:effectRef>
+      <a:fontRef idx="minor"/>
+    </dgm:style>
+  </dgm:styleLbl>
+  <dgm:styleLbl name="callout">
+    <dgm:scene3d>
+      <a:camera prst="orthographicFront"/>
+      <a:lightRig rig="threePt" dir="t"/>
+    </dgm:scene3d>
+    <dgm:sp3d/>
+    <dgm:txPr/>
+    <dgm:style>
+      <a:lnRef idx="2">
+        <a:scrgbClr r="0" g="0" b="0"/>
+      </a:lnRef>
+      <a:fillRef idx="1">
+        <a:scrgbClr r="0" g="0" b="0"/>
+      </a:fillRef>
+      <a:effectRef idx="0">
+        <a:scrgbClr r="0" g="0" b="0"/>
+      </a:effectRef>
+      <a:fontRef idx="minor"/>
+    </dgm:style>
+  </dgm:styleLbl>
+  <dgm:styleLbl name="asst0">
+    <dgm:scene3d>
+      <a:camera prst="orthographicFront"/>
+      <a:lightRig rig="threePt" dir="t"/>
+    </dgm:scene3d>
+    <dgm:sp3d/>
+    <dgm:txPr/>
+    <dgm:style>
+      <a:lnRef idx="2">
+        <a:scrgbClr r="0" g="0" b="0"/>
+      </a:lnRef>
+      <a:fillRef idx="1">
+        <a:scrgbClr r="0" g="0" b="0"/>
+      </a:fillRef>
+      <a:effectRef idx="0">
+        <a:scrgbClr r="0" g="0" b="0"/>
+      </a:effectRef>
+      <a:fontRef idx="minor">
+        <a:schemeClr val="lt1"/>
+      </a:fontRef>
+    </dgm:style>
+  </dgm:styleLbl>
+  <dgm:styleLbl name="asst1">
+    <dgm:scene3d>
+      <a:camera prst="orthographicFront"/>
+      <a:lightRig rig="threePt" dir="t"/>
+    </dgm:scene3d>
+    <dgm:sp3d/>
+    <dgm:txPr/>
+    <dgm:style>
+      <a:lnRef idx="2">
+        <a:scrgbClr r="0" g="0" b="0"/>
+      </a:lnRef>
+      <a:fillRef idx="1">
+        <a:scrgbClr r="0" g="0" b="0"/>
+      </a:fillRef>
+      <a:effectRef idx="0">
+        <a:scrgbClr r="0" g="0" b="0"/>
+      </a:effectRef>
+      <a:fontRef idx="minor">
+        <a:schemeClr val="lt1"/>
+      </a:fontRef>
+    </dgm:style>
+  </dgm:styleLbl>
+  <dgm:styleLbl name="asst2">
+    <dgm:scene3d>
+      <a:camera prst="orthographicFront"/>
+      <a:lightRig rig="threePt" dir="t"/>
+    </dgm:scene3d>
+    <dgm:sp3d/>
+    <dgm:txPr/>
+    <dgm:style>
+      <a:lnRef idx="2">
+        <a:scrgbClr r="0" g="0" b="0"/>
+      </a:lnRef>
+      <a:fillRef idx="1">
+        <a:scrgbClr r="0" g="0" b="0"/>
+      </a:fillRef>
+      <a:effectRef idx="0">
+        <a:scrgbClr r="0" g="0" b="0"/>
+      </a:effectRef>
+      <a:fontRef idx="minor">
+        <a:schemeClr val="lt1"/>
+      </a:fontRef>
+    </dgm:style>
+  </dgm:styleLbl>
+  <dgm:styleLbl name="asst3">
+    <dgm:scene3d>
+      <a:camera prst="orthographicFront"/>
+      <a:lightRig rig="threePt" dir="t"/>
+    </dgm:scene3d>
+    <dgm:sp3d/>
+    <dgm:txPr/>
+    <dgm:style>
+      <a:lnRef idx="2">
+        <a:scrgbClr r="0" g="0" b="0"/>
+      </a:lnRef>
+      <a:fillRef idx="1">
+        <a:scrgbClr r="0" g="0" b="0"/>
+      </a:fillRef>
+      <a:effectRef idx="0">
+        <a:scrgbClr r="0" g="0" b="0"/>
+      </a:effectRef>
+      <a:fontRef idx="minor">
+        <a:schemeClr val="lt1"/>
+      </a:fontRef>
+    </dgm:style>
+  </dgm:styleLbl>
+  <dgm:styleLbl name="asst4">
+    <dgm:scene3d>
+      <a:camera prst="orthographicFront"/>
+      <a:lightRig rig="threePt" dir="t"/>
+    </dgm:scene3d>
+    <dgm:sp3d/>
+    <dgm:txPr/>
+    <dgm:style>
+      <a:lnRef idx="2">
+        <a:scrgbClr r="0" g="0" b="0"/>
+      </a:lnRef>
+      <a:fillRef idx="1">
+        <a:scrgbClr r="0" g="0" b="0"/>
+      </a:fillRef>
+      <a:effectRef idx="0">
+        <a:scrgbClr r="0" g="0" b="0"/>
+      </a:effectRef>
+      <a:fontRef idx="minor">
+        <a:schemeClr val="lt1"/>
+      </a:fontRef>
+    </dgm:style>
+  </dgm:styleLbl>
+  <dgm:styleLbl name="parChTrans2D1">
+    <dgm:scene3d>
+      <a:camera prst="orthographicFront"/>
+      <a:lightRig rig="threePt" dir="t"/>
+    </dgm:scene3d>
+    <dgm:sp3d/>
+    <dgm:txPr/>
+    <dgm:style>
+      <a:lnRef idx="2">
+        <a:scrgbClr r="0" g="0" b="0"/>
+      </a:lnRef>
+      <a:fillRef idx="1">
+        <a:scrgbClr r="0" g="0" b="0"/>
+      </a:fillRef>
+      <a:effectRef idx="0">
+        <a:scrgbClr r="0" g="0" b="0"/>
+      </a:effectRef>
+      <a:fontRef idx="minor">
+        <a:schemeClr val="lt1"/>
+      </a:fontRef>
+    </dgm:style>
+  </dgm:styleLbl>
+  <dgm:styleLbl name="parChTrans2D2">
+    <dgm:scene3d>
+      <a:camera prst="orthographicFront"/>
+      <a:lightRig rig="threePt" dir="t"/>
+    </dgm:scene3d>
+    <dgm:sp3d/>
+    <dgm:txPr/>
+    <dgm:style>
+      <a:lnRef idx="2">
+        <a:scrgbClr r="0" g="0" b="0"/>
+      </a:lnRef>
+      <a:fillRef idx="1">
+        <a:scrgbClr r="0" g="0" b="0"/>
+      </a:fillRef>
+      <a:effectRef idx="0">
+        <a:scrgbClr r="0" g="0" b="0"/>
+      </a:effectRef>
+      <a:fontRef idx="minor">
+        <a:schemeClr val="lt1"/>
+      </a:fontRef>
+    </dgm:style>
+  </dgm:styleLbl>
+  <dgm:styleLbl name="parChTrans2D3">
+    <dgm:scene3d>
+      <a:camera prst="orthographicFront"/>
+      <a:lightRig rig="threePt" dir="t"/>
+    </dgm:scene3d>
+    <dgm:sp3d/>
+    <dgm:txPr/>
+    <dgm:style>
+      <a:lnRef idx="2">
+        <a:scrgbClr r="0" g="0" b="0"/>
+      </a:lnRef>
+      <a:fillRef idx="1">
+        <a:scrgbClr r="0" g="0" b="0"/>
+      </a:fillRef>
+      <a:effectRef idx="0">
+        <a:scrgbClr r="0" g="0" b="0"/>
+      </a:effectRef>
+      <a:fontRef idx="minor">
+        <a:schemeClr val="lt1"/>
+      </a:fontRef>
+    </dgm:style>
+  </dgm:styleLbl>
+  <dgm:styleLbl name="parChTrans2D4">
+    <dgm:scene3d>
+      <a:camera prst="orthographicFront"/>
+      <a:lightRig rig="threePt" dir="t"/>
+    </dgm:scene3d>
+    <dgm:sp3d/>
+    <dgm:txPr/>
+    <dgm:style>
+      <a:lnRef idx="2">
+        <a:scrgbClr r="0" g="0" b="0"/>
+      </a:lnRef>
+      <a:fillRef idx="1">
+        <a:scrgbClr r="0" g="0" b="0"/>
+      </a:fillRef>
+      <a:effectRef idx="0">
+        <a:scrgbClr r="0" g="0" b="0"/>
+      </a:effectRef>
+      <a:fontRef idx="minor">
+        <a:schemeClr val="lt1"/>
+      </a:fontRef>
+    </dgm:style>
+  </dgm:styleLbl>
+  <dgm:styleLbl name="parChTrans1D1">
+    <dgm:scene3d>
+      <a:camera prst="orthographicFront"/>
+      <a:lightRig rig="threePt" dir="t"/>
+    </dgm:scene3d>
+    <dgm:sp3d/>
+    <dgm:txPr/>
+    <dgm:style>
+      <a:lnRef idx="2">
+        <a:scrgbClr r="0" g="0" b="0"/>
+      </a:lnRef>
+      <a:fillRef idx="0">
+        <a:scrgbClr r="0" g="0" b="0"/>
+      </a:fillRef>
+      <a:effectRef idx="0">
+        <a:scrgbClr r="0" g="0" b="0"/>
+      </a:effectRef>
+      <a:fontRef idx="minor"/>
+    </dgm:style>
+  </dgm:styleLbl>
+  <dgm:styleLbl name="parChTrans1D2">
+    <dgm:scene3d>
+      <a:camera prst="orthographicFront"/>
+      <a:lightRig rig="threePt" dir="t"/>
+    </dgm:scene3d>
+    <dgm:sp3d/>
+    <dgm:txPr/>
+    <dgm:style>
+      <a:lnRef idx="2">
+        <a:scrgbClr r="0" g="0" b="0"/>
+      </a:lnRef>
+      <a:fillRef idx="0">
+        <a:scrgbClr r="0" g="0" b="0"/>
+      </a:fillRef>
+      <a:effectRef idx="0">
+        <a:scrgbClr r="0" g="0" b="0"/>
+      </a:effectRef>
+      <a:fontRef idx="minor"/>
+    </dgm:style>
+  </dgm:styleLbl>
+  <dgm:styleLbl name="parChTrans1D3">
+    <dgm:scene3d>
+      <a:camera prst="orthographicFront"/>
+      <a:lightRig rig="threePt" dir="t"/>
+    </dgm:scene3d>
+    <dgm:sp3d/>
+    <dgm:txPr/>
+    <dgm:style>
+      <a:lnRef idx="2">
+        <a:scrgbClr r="0" g="0" b="0"/>
+      </a:lnRef>
+      <a:fillRef idx="0">
+        <a:scrgbClr r="0" g="0" b="0"/>
+      </a:fillRef>
+      <a:effectRef idx="0">
+        <a:scrgbClr r="0" g="0" b="0"/>
+      </a:effectRef>
+      <a:fontRef idx="minor"/>
+    </dgm:style>
+  </dgm:styleLbl>
+  <dgm:styleLbl name="parChTrans1D4">
+    <dgm:scene3d>
+      <a:camera prst="orthographicFront"/>
+      <a:lightRig rig="threePt" dir="t"/>
+    </dgm:scene3d>
+    <dgm:sp3d/>
+    <dgm:txPr/>
+    <dgm:style>
+      <a:lnRef idx="2">
+        <a:scrgbClr r="0" g="0" b="0"/>
+      </a:lnRef>
+      <a:fillRef idx="0">
+        <a:scrgbClr r="0" g="0" b="0"/>
+      </a:fillRef>
+      <a:effectRef idx="0">
+        <a:scrgbClr r="0" g="0" b="0"/>
+      </a:effectRef>
+      <a:fontRef idx="minor"/>
+    </dgm:style>
+  </dgm:styleLbl>
+  <dgm:styleLbl name="fgAcc1">
+    <dgm:scene3d>
+      <a:camera prst="orthographicFront"/>
+      <a:lightRig rig="threePt" dir="t"/>
+    </dgm:scene3d>
+    <dgm:sp3d/>
+    <dgm:txPr/>
+    <dgm:style>
+      <a:lnRef idx="2">
+        <a:scrgbClr r="0" g="0" b="0"/>
+      </a:lnRef>
+      <a:fillRef idx="1">
+        <a:scrgbClr r="0" g="0" b="0"/>
+      </a:fillRef>
+      <a:effectRef idx="0">
+        <a:scrgbClr r="0" g="0" b="0"/>
+      </a:effectRef>
+      <a:fontRef idx="minor"/>
+    </dgm:style>
+  </dgm:styleLbl>
+  <dgm:styleLbl name="conFgAcc1">
+    <dgm:scene3d>
+      <a:camera prst="orthographicFront"/>
+      <a:lightRig rig="threePt" dir="t"/>
+    </dgm:scene3d>
+    <dgm:sp3d/>
+    <dgm:txPr/>
+    <dgm:style>
+      <a:lnRef idx="2">
+        <a:scrgbClr r="0" g="0" b="0"/>
+      </a:lnRef>
+      <a:fillRef idx="1">
+        <a:scrgbClr r="0" g="0" b="0"/>
+      </a:fillRef>
+      <a:effectRef idx="0">
+        <a:scrgbClr r="0" g="0" b="0"/>
+      </a:effectRef>
+      <a:fontRef idx="minor"/>
+    </dgm:style>
+  </dgm:styleLbl>
+  <dgm:styleLbl name="alignAcc1">
+    <dgm:scene3d>
+      <a:camera prst="orthographicFront"/>
+      <a:lightRig rig="threePt" dir="t"/>
+    </dgm:scene3d>
+    <dgm:sp3d/>
+    <dgm:txPr/>
+    <dgm:style>
+      <a:lnRef idx="2">
+        <a:scrgbClr r="0" g="0" b="0"/>
+      </a:lnRef>
+      <a:fillRef idx="1">
+        <a:scrgbClr r="0" g="0" b="0"/>
+      </a:fillRef>
+      <a:effectRef idx="0">
+        <a:scrgbClr r="0" g="0" b="0"/>
+      </a:effectRef>
+      <a:fontRef idx="minor"/>
+    </dgm:style>
+  </dgm:styleLbl>
+  <dgm:styleLbl name="trAlignAcc1">
+    <dgm:scene3d>
+      <a:camera prst="orthographicFront"/>
+      <a:lightRig rig="threePt" dir="t"/>
+    </dgm:scene3d>
+    <dgm:sp3d/>
+    <dgm:txPr/>
+    <dgm:style>
+      <a:lnRef idx="1">
+        <a:scrgbClr r="0" g="0" b="0"/>
+      </a:lnRef>
+      <a:fillRef idx="1">
+        <a:scrgbClr r="0" g="0" b="0"/>
+      </a:fillRef>
+      <a:effectRef idx="0">
+        <a:scrgbClr r="0" g="0" b="0"/>
+      </a:effectRef>
+      <a:fontRef idx="minor"/>
+    </dgm:style>
+  </dgm:styleLbl>
+  <dgm:styleLbl name="bgAcc1">
+    <dgm:scene3d>
+      <a:camera prst="orthographicFront"/>
+      <a:lightRig rig="threePt" dir="t"/>
+    </dgm:scene3d>
+    <dgm:sp3d/>
+    <dgm:txPr/>
+    <dgm:style>
+      <a:lnRef idx="2">
+        <a:scrgbClr r="0" g="0" b="0"/>
+      </a:lnRef>
+      <a:fillRef idx="1">
+        <a:scrgbClr r="0" g="0" b="0"/>
+      </a:fillRef>
+      <a:effectRef idx="0">
+        <a:scrgbClr r="0" g="0" b="0"/>
+      </a:effectRef>
+      <a:fontRef idx="minor"/>
+    </dgm:style>
+  </dgm:styleLbl>
+  <dgm:styleLbl name="solidFgAcc1">
+    <dgm:scene3d>
+      <a:camera prst="orthographicFront"/>
+      <a:lightRig rig="threePt" dir="t"/>
+    </dgm:scene3d>
+    <dgm:sp3d/>
+    <dgm:txPr/>
+    <dgm:style>
+      <a:lnRef idx="2">
+        <a:scrgbClr r="0" g="0" b="0"/>
+      </a:lnRef>
+      <a:fillRef idx="1">
+        <a:scrgbClr r="0" g="0" b="0"/>
+      </a:fillRef>
+      <a:effectRef idx="0">
+        <a:scrgbClr r="0" g="0" b="0"/>
+      </a:effectRef>
+      <a:fontRef idx="minor"/>
+    </dgm:style>
+  </dgm:styleLbl>
+  <dgm:styleLbl name="solidAlignAcc1">
+    <dgm:scene3d>
+      <a:camera prst="orthographicFront"/>
+      <a:lightRig rig="threePt" dir="t"/>
+    </dgm:scene3d>
+    <dgm:sp3d/>
+    <dgm:txPr/>
+    <dgm:style>
+      <a:lnRef idx="2">
+        <a:scrgbClr r="0" g="0" b="0"/>
+      </a:lnRef>
+      <a:fillRef idx="1">
+        <a:scrgbClr r="0" g="0" b="0"/>
+      </a:fillRef>
+      <a:effectRef idx="0">
+        <a:scrgbClr r="0" g="0" b="0"/>
+      </a:effectRef>
+      <a:fontRef idx="minor"/>
+    </dgm:style>
+  </dgm:styleLbl>
+  <dgm:styleLbl name="solidBgAcc1">
+    <dgm:scene3d>
+      <a:camera prst="orthographicFront"/>
+      <a:lightRig rig="threePt" dir="t"/>
+    </dgm:scene3d>
+    <dgm:sp3d/>
+    <dgm:txPr/>
+    <dgm:style>
+      <a:lnRef idx="2">
+        <a:scrgbClr r="0" g="0" b="0"/>
+      </a:lnRef>
+      <a:fillRef idx="1">
+        <a:scrgbClr r="0" g="0" b="0"/>
+      </a:fillRef>
+      <a:effectRef idx="0">
+        <a:scrgbClr r="0" g="0" b="0"/>
+      </a:effectRef>
+      <a:fontRef idx="minor"/>
+    </dgm:style>
+  </dgm:styleLbl>
+  <dgm:styleLbl name="fgAccFollowNode1">
+    <dgm:scene3d>
+      <a:camera prst="orthographicFront"/>
+      <a:lightRig rig="threePt" dir="t"/>
+    </dgm:scene3d>
+    <dgm:sp3d/>
+    <dgm:txPr/>
+    <dgm:style>
+      <a:lnRef idx="2">
+        <a:scrgbClr r="0" g="0" b="0"/>
+      </a:lnRef>
+      <a:fillRef idx="1">
+        <a:scrgbClr r="0" g="0" b="0"/>
+      </a:fillRef>
+      <a:effectRef idx="0">
+        <a:scrgbClr r="0" g="0" b="0"/>
+      </a:effectRef>
+      <a:fontRef idx="minor"/>
+    </dgm:style>
+  </dgm:styleLbl>
+  <dgm:styleLbl name="alignAccFollowNode1">
+    <dgm:scene3d>
+      <a:camera prst="orthographicFront"/>
+      <a:lightRig rig="threePt" dir="t"/>
+    </dgm:scene3d>
+    <dgm:sp3d/>
+    <dgm:txPr/>
+    <dgm:style>
+      <a:lnRef idx="2">
+        <a:scrgbClr r="0" g="0" b="0"/>
+      </a:lnRef>
+      <a:fillRef idx="1">
+        <a:scrgbClr r="0" g="0" b="0"/>
+      </a:fillRef>
+      <a:effectRef idx="0">
+        <a:scrgbClr r="0" g="0" b="0"/>
+      </a:effectRef>
+      <a:fontRef idx="minor"/>
+    </dgm:style>
+  </dgm:styleLbl>
+  <dgm:styleLbl name="bgAccFollowNode1">
+    <dgm:scene3d>
+      <a:camera prst="orthographicFront"/>
+      <a:lightRig rig="threePt" dir="t"/>
+    </dgm:scene3d>
+    <dgm:sp3d/>
+    <dgm:txPr/>
+    <dgm:style>
+      <a:lnRef idx="2">
+        <a:scrgbClr r="0" g="0" b="0"/>
+      </a:lnRef>
+      <a:fillRef idx="1">
+        <a:scrgbClr r="0" g="0" b="0"/>
+      </a:fillRef>
+      <a:effectRef idx="0">
+        <a:scrgbClr r="0" g="0" b="0"/>
+      </a:effectRef>
+      <a:fontRef idx="minor"/>
+    </dgm:style>
+  </dgm:styleLbl>
+  <dgm:styleLbl name="fgAcc0">
+    <dgm:scene3d>
+      <a:camera prst="orthographicFront"/>
+      <a:lightRig rig="threePt" dir="t"/>
+    </dgm:scene3d>
+    <dgm:sp3d/>
+    <dgm:txPr/>
+    <dgm:style>
+      <a:lnRef idx="2">
+        <a:scrgbClr r="0" g="0" b="0"/>
+      </a:lnRef>
+      <a:fillRef idx="1">
+        <a:scrgbClr r="0" g="0" b="0"/>
+      </a:fillRef>
+      <a:effectRef idx="0">
+        <a:scrgbClr r="0" g="0" b="0"/>
+      </a:effectRef>
+      <a:fontRef idx="minor"/>
+    </dgm:style>
+  </dgm:styleLbl>
+  <dgm:styleLbl name="fgAcc2">
+    <dgm:scene3d>
+      <a:camera prst="orthographicFront"/>
+      <a:lightRig rig="threePt" dir="t"/>
+    </dgm:scene3d>
+    <dgm:sp3d/>
+    <dgm:txPr/>
+    <dgm:style>
+      <a:lnRef idx="2">
+        <a:scrgbClr r="0" g="0" b="0"/>
+      </a:lnRef>
+      <a:fillRef idx="1">
+        <a:scrgbClr r="0" g="0" b="0"/>
+      </a:fillRef>
+      <a:effectRef idx="0">
+        <a:scrgbClr r="0" g="0" b="0"/>
+      </a:effectRef>
+      <a:fontRef idx="minor"/>
+    </dgm:style>
+  </dgm:styleLbl>
+  <dgm:styleLbl name="fgAcc3">
+    <dgm:scene3d>
+      <a:camera prst="orthographicFront"/>
+      <a:lightRig rig="threePt" dir="t"/>
+    </dgm:scene3d>
+    <dgm:sp3d/>
+    <dgm:txPr/>
+    <dgm:style>
+      <a:lnRef idx="2">
+        <a:scrgbClr r="0" g="0" b="0"/>
+      </a:lnRef>
+      <a:fillRef idx="1">
+        <a:scrgbClr r="0" g="0" b="0"/>
+      </a:fillRef>
+      <a:effectRef idx="0">
+        <a:scrgbClr r="0" g="0" b="0"/>
+      </a:effectRef>
+      <a:fontRef idx="minor"/>
+    </dgm:style>
+  </dgm:styleLbl>
+  <dgm:styleLbl name="fgAcc4">
+    <dgm:scene3d>
+      <a:camera prst="orthographicFront"/>
+      <a:lightRig rig="threePt" dir="t"/>
+    </dgm:scene3d>
+    <dgm:sp3d/>
+    <dgm:txPr/>
+    <dgm:style>
+      <a:lnRef idx="2">
+        <a:scrgbClr r="0" g="0" b="0"/>
+      </a:lnRef>
+      <a:fillRef idx="1">
+        <a:scrgbClr r="0" g="0" b="0"/>
+      </a:fillRef>
+      <a:effectRef idx="0">
+        <a:scrgbClr r="0" g="0" b="0"/>
+      </a:effectRef>
+      <a:fontRef idx="minor"/>
+    </dgm:style>
+  </dgm:styleLbl>
+  <dgm:styleLbl name="bgShp">
+    <dgm:scene3d>
+      <a:camera prst="orthographicFront"/>
+      <a:lightRig rig="threePt" dir="t"/>
+    </dgm:scene3d>
+    <dgm:sp3d/>
+    <dgm:txPr/>
+    <dgm:style>
+      <a:lnRef idx="0">
+        <a:scrgbClr r="0" g="0" b="0"/>
+      </a:lnRef>
+      <a:fillRef idx="1">
+        <a:scrgbClr r="0" g="0" b="0"/>
+      </a:fillRef>
+      <a:effectRef idx="0">
+        <a:scrgbClr r="0" g="0" b="0"/>
+      </a:effectRef>
+      <a:fontRef idx="minor"/>
+    </dgm:style>
+  </dgm:styleLbl>
+  <dgm:styleLbl name="dkBgShp">
+    <dgm:scene3d>
+      <a:camera prst="orthographicFront"/>
+      <a:lightRig rig="threePt" dir="t"/>
+    </dgm:scene3d>
+    <dgm:sp3d/>
+    <dgm:txPr/>
+    <dgm:style>
+      <a:lnRef idx="0">
+        <a:scrgbClr r="0" g="0" b="0"/>
+      </a:lnRef>
+      <a:fillRef idx="1">
+        <a:scrgbClr r="0" g="0" b="0"/>
+      </a:fillRef>
+      <a:effectRef idx="0">
+        <a:scrgbClr r="0" g="0" b="0"/>
+      </a:effectRef>
+      <a:fontRef idx="minor"/>
+    </dgm:style>
+  </dgm:styleLbl>
+  <dgm:styleLbl name="trBgShp">
+    <dgm:scene3d>
+      <a:camera prst="orthographicFront"/>
+      <a:lightRig rig="threePt" dir="t"/>
+    </dgm:scene3d>
+    <dgm:sp3d/>
+    <dgm:txPr/>
+    <dgm:style>
+      <a:lnRef idx="0">
+        <a:scrgbClr r="0" g="0" b="0"/>
+      </a:lnRef>
+      <a:fillRef idx="1">
+        <a:scrgbClr r="0" g="0" b="0"/>
+      </a:fillRef>
+      <a:effectRef idx="0">
+        <a:scrgbClr r="0" g="0" b="0"/>
+      </a:effectRef>
+      <a:fontRef idx="minor"/>
+    </dgm:style>
+  </dgm:styleLbl>
+  <dgm:styleLbl name="fgShp">
+    <dgm:scene3d>
+      <a:camera prst="orthographicFront"/>
+      <a:lightRig rig="threePt" dir="t"/>
+    </dgm:scene3d>
+    <dgm:sp3d/>
+    <dgm:txPr/>
+    <dgm:style>
+      <a:lnRef idx="2">
+        <a:scrgbClr r="0" g="0" b="0"/>
+      </a:lnRef>
+      <a:fillRef idx="1">
+        <a:scrgbClr r="0" g="0" b="0"/>
+      </a:fillRef>
+      <a:effectRef idx="0">
+        <a:scrgbClr r="0" g="0" b="0"/>
+      </a:effectRef>
+      <a:fontRef idx="minor"/>
+    </dgm:style>
+  </dgm:styleLbl>
+  <dgm:styleLbl name="revTx">
+    <dgm:scene3d>
+      <a:camera prst="orthographicFront"/>
+      <a:lightRig rig="threePt" dir="t"/>
+    </dgm:scene3d>
+    <dgm:sp3d/>
+    <dgm:txPr/>
+    <dgm:style>
+      <a:lnRef idx="0">
+        <a:scrgbClr r="0" g="0" b="0"/>
+      </a:lnRef>
+      <a:fillRef idx="0">
+        <a:scrgbClr r="0" g="0" b="0"/>
+      </a:fillRef>
+      <a:effectRef idx="0">
+        <a:scrgbClr r="0" g="0" b="0"/>
+      </a:effectRef>
+      <a:fontRef idx="minor"/>
+    </dgm:style>
+  </dgm:styleLbl>
+</dgm:styleDef>
+</file>
+
+<file path=ppt/diagrams/quickStyle3.xml><?xml version="1.0" encoding="utf-8"?>
+<dgm:styleDef xmlns:dgm="http://schemas.openxmlformats.org/drawingml/2006/diagram" xmlns:a="http://schemas.openxmlformats.org/drawingml/2006/main" uniqueId="urn:microsoft.com/office/officeart/2005/8/quickstyle/simple1">
+  <dgm:title val=""/>
+  <dgm:desc val=""/>
+  <dgm:catLst>
+    <dgm:cat type="simple" pri="10100"/>
+  </dgm:catLst>
+  <dgm:scene3d>
+    <a:camera prst="orthographicFront"/>
+    <a:lightRig rig="threePt" dir="t"/>
+  </dgm:scene3d>
+  <dgm:styleLbl name="node0">
+    <dgm:scene3d>
+      <a:camera prst="orthographicFront"/>
+      <a:lightRig rig="threePt" dir="t"/>
+    </dgm:scene3d>
+    <dgm:sp3d/>
+    <dgm:txPr/>
+    <dgm:style>
+      <a:lnRef idx="2">
+        <a:scrgbClr r="0" g="0" b="0"/>
+      </a:lnRef>
+      <a:fillRef idx="1">
+        <a:scrgbClr r="0" g="0" b="0"/>
+      </a:fillRef>
+      <a:effectRef idx="0">
+        <a:scrgbClr r="0" g="0" b="0"/>
+      </a:effectRef>
+      <a:fontRef idx="minor">
+        <a:schemeClr val="lt1"/>
+      </a:fontRef>
+    </dgm:style>
+  </dgm:styleLbl>
+  <dgm:styleLbl name="lnNode1">
+    <dgm:scene3d>
+      <a:camera prst="orthographicFront"/>
+      <a:lightRig rig="threePt" dir="t"/>
+    </dgm:scene3d>
+    <dgm:sp3d/>
+    <dgm:txPr/>
+    <dgm:style>
+      <a:lnRef idx="2">
+        <a:scrgbClr r="0" g="0" b="0"/>
+      </a:lnRef>
+      <a:fillRef idx="1">
+        <a:scrgbClr r="0" g="0" b="0"/>
+      </a:fillRef>
+      <a:effectRef idx="0">
+        <a:scrgbClr r="0" g="0" b="0"/>
+      </a:effectRef>
+      <a:fontRef idx="minor">
+        <a:schemeClr val="lt1"/>
+      </a:fontRef>
+    </dgm:style>
+  </dgm:styleLbl>
+  <dgm:styleLbl name="vennNode1">
+    <dgm:scene3d>
+      <a:camera prst="orthographicFront"/>
+      <a:lightRig rig="threePt" dir="t"/>
+    </dgm:scene3d>
+    <dgm:sp3d/>
+    <dgm:txPr/>
+    <dgm:style>
+      <a:lnRef idx="2">
+        <a:scrgbClr r="0" g="0" b="0"/>
+      </a:lnRef>
+      <a:fillRef idx="1">
+        <a:scrgbClr r="0" g="0" b="0"/>
+      </a:fillRef>
+      <a:effectRef idx="0">
+        <a:scrgbClr r="0" g="0" b="0"/>
+      </a:effectRef>
+      <a:fontRef idx="minor">
+        <a:schemeClr val="tx1"/>
+      </a:fontRef>
+    </dgm:style>
+  </dgm:styleLbl>
+  <dgm:styleLbl name="alignNode1">
+    <dgm:scene3d>
+      <a:camera prst="orthographicFront"/>
+      <a:lightRig rig="threePt" dir="t"/>
+    </dgm:scene3d>
+    <dgm:sp3d/>
+    <dgm:txPr/>
+    <dgm:style>
+      <a:lnRef idx="2">
+        <a:scrgbClr r="0" g="0" b="0"/>
+      </a:lnRef>
+      <a:fillRef idx="1">
+        <a:scrgbClr r="0" g="0" b="0"/>
+      </a:fillRef>
+      <a:effectRef idx="0">
+        <a:scrgbClr r="0" g="0" b="0"/>
+      </a:effectRef>
+      <a:fontRef idx="minor">
+        <a:schemeClr val="lt1"/>
+      </a:fontRef>
+    </dgm:style>
+  </dgm:styleLbl>
+  <dgm:styleLbl name="node1">
+    <dgm:scene3d>
+      <a:camera prst="orthographicFront"/>
+      <a:lightRig rig="threePt" dir="t"/>
+    </dgm:scene3d>
+    <dgm:sp3d/>
+    <dgm:txPr/>
+    <dgm:style>
+      <a:lnRef idx="2">
+        <a:scrgbClr r="0" g="0" b="0"/>
+      </a:lnRef>
+      <a:fillRef idx="1">
+        <a:scrgbClr r="0" g="0" b="0"/>
+      </a:fillRef>
+      <a:effectRef idx="0">
+        <a:scrgbClr r="0" g="0" b="0"/>
+      </a:effectRef>
+      <a:fontRef idx="minor">
+        <a:schemeClr val="lt1"/>
+      </a:fontRef>
+    </dgm:style>
+  </dgm:styleLbl>
+  <dgm:styleLbl name="node2">
+    <dgm:scene3d>
+      <a:camera prst="orthographicFront"/>
+      <a:lightRig rig="threePt" dir="t"/>
+    </dgm:scene3d>
+    <dgm:sp3d/>
+    <dgm:txPr/>
+    <dgm:style>
+      <a:lnRef idx="2">
+        <a:scrgbClr r="0" g="0" b="0"/>
+      </a:lnRef>
+      <a:fillRef idx="1">
+        <a:scrgbClr r="0" g="0" b="0"/>
+      </a:fillRef>
+      <a:effectRef idx="0">
+        <a:scrgbClr r="0" g="0" b="0"/>
+      </a:effectRef>
+      <a:fontRef idx="minor">
+        <a:schemeClr val="lt1"/>
+      </a:fontRef>
+    </dgm:style>
+  </dgm:styleLbl>
+  <dgm:styleLbl name="node3">
+    <dgm:scene3d>
+      <a:camera prst="orthographicFront"/>
+      <a:lightRig rig="threePt" dir="t"/>
+    </dgm:scene3d>
+    <dgm:sp3d/>
+    <dgm:txPr/>
+    <dgm:style>
+      <a:lnRef idx="2">
+        <a:scrgbClr r="0" g="0" b="0"/>
+      </a:lnRef>
+      <a:fillRef idx="1">
+        <a:scrgbClr r="0" g="0" b="0"/>
+      </a:fillRef>
+      <a:effectRef idx="0">
+        <a:scrgbClr r="0" g="0" b="0"/>
+      </a:effectRef>
+      <a:fontRef idx="minor">
+        <a:schemeClr val="lt1"/>
+      </a:fontRef>
+    </dgm:style>
+  </dgm:styleLbl>
+  <dgm:styleLbl name="node4">
+    <dgm:scene3d>
+      <a:camera prst="orthographicFront"/>
+      <a:lightRig rig="threePt" dir="t"/>
+    </dgm:scene3d>
+    <dgm:sp3d/>
+    <dgm:txPr/>
+    <dgm:style>
+      <a:lnRef idx="2">
+        <a:scrgbClr r="0" g="0" b="0"/>
+      </a:lnRef>
+      <a:fillRef idx="1">
+        <a:scrgbClr r="0" g="0" b="0"/>
+      </a:fillRef>
+      <a:effectRef idx="0">
+        <a:scrgbClr r="0" g="0" b="0"/>
+      </a:effectRef>
+      <a:fontRef idx="minor">
+        <a:schemeClr val="lt1"/>
+      </a:fontRef>
+    </dgm:style>
+  </dgm:styleLbl>
+  <dgm:styleLbl name="fgImgPlace1">
+    <dgm:scene3d>
+      <a:camera prst="orthographicFront"/>
+      <a:lightRig rig="threePt" dir="t"/>
+    </dgm:scene3d>
+    <dgm:sp3d/>
+    <dgm:txPr/>
+    <dgm:style>
+      <a:lnRef idx="2">
+        <a:scrgbClr r="0" g="0" b="0"/>
+      </a:lnRef>
+      <a:fillRef idx="1">
+        <a:scrgbClr r="0" g="0" b="0"/>
+      </a:fillRef>
+      <a:effectRef idx="0">
+        <a:scrgbClr r="0" g="0" b="0"/>
+      </a:effectRef>
+      <a:fontRef idx="minor"/>
+    </dgm:style>
+  </dgm:styleLbl>
+  <dgm:styleLbl name="alignImgPlace1">
+    <dgm:scene3d>
+      <a:camera prst="orthographicFront"/>
+      <a:lightRig rig="threePt" dir="t"/>
+    </dgm:scene3d>
+    <dgm:sp3d/>
+    <dgm:txPr/>
+    <dgm:style>
+      <a:lnRef idx="2">
+        <a:scrgbClr r="0" g="0" b="0"/>
+      </a:lnRef>
+      <a:fillRef idx="1">
+        <a:scrgbClr r="0" g="0" b="0"/>
+      </a:fillRef>
+      <a:effectRef idx="0">
+        <a:scrgbClr r="0" g="0" b="0"/>
+      </a:effectRef>
+      <a:fontRef idx="minor"/>
+    </dgm:style>
+  </dgm:styleLbl>
+  <dgm:styleLbl name="bgImgPlace1">
+    <dgm:scene3d>
+      <a:camera prst="orthographicFront"/>
+      <a:lightRig rig="threePt" dir="t"/>
+    </dgm:scene3d>
+    <dgm:sp3d/>
+    <dgm:txPr/>
+    <dgm:style>
+      <a:lnRef idx="2">
+        <a:scrgbClr r="0" g="0" b="0"/>
+      </a:lnRef>
+      <a:fillRef idx="1">
+        <a:scrgbClr r="0" g="0" b="0"/>
+      </a:fillRef>
+      <a:effectRef idx="0">
+        <a:scrgbClr r="0" g="0" b="0"/>
+      </a:effectRef>
+      <a:fontRef idx="minor"/>
+    </dgm:style>
+  </dgm:styleLbl>
+  <dgm:styleLbl name="sibTrans2D1">
+    <dgm:scene3d>
+      <a:camera prst="orthographicFront"/>
+      <a:lightRig rig="threePt" dir="t"/>
+    </dgm:scene3d>
+    <dgm:sp3d/>
+    <dgm:txPr/>
+    <dgm:style>
+      <a:lnRef idx="0">
+        <a:scrgbClr r="0" g="0" b="0"/>
+      </a:lnRef>
+      <a:fillRef idx="1">
+        <a:scrgbClr r="0" g="0" b="0"/>
+      </a:fillRef>
+      <a:effectRef idx="0">
+        <a:scrgbClr r="0" g="0" b="0"/>
+      </a:effectRef>
+      <a:fontRef idx="minor">
+        <a:schemeClr val="lt1"/>
+      </a:fontRef>
+    </dgm:style>
+  </dgm:styleLbl>
+  <dgm:styleLbl name="fgSibTrans2D1">
+    <dgm:scene3d>
+      <a:camera prst="orthographicFront"/>
+      <a:lightRig rig="threePt" dir="t"/>
+    </dgm:scene3d>
+    <dgm:sp3d/>
+    <dgm:txPr/>
+    <dgm:style>
+      <a:lnRef idx="0">
+        <a:scrgbClr r="0" g="0" b="0"/>
+      </a:lnRef>
+      <a:fillRef idx="1">
+        <a:scrgbClr r="0" g="0" b="0"/>
+      </a:fillRef>
+      <a:effectRef idx="0">
+        <a:scrgbClr r="0" g="0" b="0"/>
+      </a:effectRef>
+      <a:fontRef idx="minor">
+        <a:schemeClr val="lt1"/>
+      </a:fontRef>
+    </dgm:style>
+  </dgm:styleLbl>
+  <dgm:styleLbl name="bgSibTrans2D1">
+    <dgm:scene3d>
+      <a:camera prst="orthographicFront"/>
+      <a:lightRig rig="threePt" dir="t"/>
+    </dgm:scene3d>
+    <dgm:sp3d/>
+    <dgm:txPr/>
+    <dgm:style>
+      <a:lnRef idx="0">
+        <a:scrgbClr r="0" g="0" b="0"/>
+      </a:lnRef>
+      <a:fillRef idx="1">
+        <a:scrgbClr r="0" g="0" b="0"/>
+      </a:fillRef>
+      <a:effectRef idx="0">
+        <a:scrgbClr r="0" g="0" b="0"/>
+      </a:effectRef>
+      <a:fontRef idx="minor">
+        <a:schemeClr val="lt1"/>
+      </a:fontRef>
+    </dgm:style>
+  </dgm:styleLbl>
+  <dgm:styleLbl name="sibTrans1D1">
+    <dgm:scene3d>
+      <a:camera prst="orthographicFront"/>
+      <a:lightRig rig="threePt" dir="t"/>
+    </dgm:scene3d>
+    <dgm:sp3d/>
+    <dgm:txPr/>
+    <dgm:style>
+      <a:lnRef idx="1">
+        <a:scrgbClr r="0" g="0" b="0"/>
+      </a:lnRef>
+      <a:fillRef idx="0">
+        <a:scrgbClr r="0" g="0" b="0"/>
+      </a:fillRef>
+      <a:effectRef idx="0">
+        <a:scrgbClr r="0" g="0" b="0"/>
+      </a:effectRef>
+      <a:fontRef idx="minor"/>
+    </dgm:style>
+  </dgm:styleLbl>
+  <dgm:styleLbl name="callout">
+    <dgm:scene3d>
+      <a:camera prst="orthographicFront"/>
+      <a:lightRig rig="threePt" dir="t"/>
+    </dgm:scene3d>
+    <dgm:sp3d/>
+    <dgm:txPr/>
+    <dgm:style>
+      <a:lnRef idx="2">
+        <a:scrgbClr r="0" g="0" b="0"/>
+      </a:lnRef>
+      <a:fillRef idx="1">
+        <a:scrgbClr r="0" g="0" b="0"/>
+      </a:fillRef>
+      <a:effectRef idx="0">
+        <a:scrgbClr r="0" g="0" b="0"/>
+      </a:effectRef>
+      <a:fontRef idx="minor"/>
+    </dgm:style>
+  </dgm:styleLbl>
+  <dgm:styleLbl name="asst0">
+    <dgm:scene3d>
+      <a:camera prst="orthographicFront"/>
+      <a:lightRig rig="threePt" dir="t"/>
+    </dgm:scene3d>
+    <dgm:sp3d/>
+    <dgm:txPr/>
+    <dgm:style>
+      <a:lnRef idx="2">
+        <a:scrgbClr r="0" g="0" b="0"/>
+      </a:lnRef>
+      <a:fillRef idx="1">
+        <a:scrgbClr r="0" g="0" b="0"/>
+      </a:fillRef>
+      <a:effectRef idx="0">
+        <a:scrgbClr r="0" g="0" b="0"/>
+      </a:effectRef>
+      <a:fontRef idx="minor">
+        <a:schemeClr val="lt1"/>
+      </a:fontRef>
+    </dgm:style>
+  </dgm:styleLbl>
+  <dgm:styleLbl name="asst1">
+    <dgm:scene3d>
+      <a:camera prst="orthographicFront"/>
+      <a:lightRig rig="threePt" dir="t"/>
+    </dgm:scene3d>
+    <dgm:sp3d/>
+    <dgm:txPr/>
+    <dgm:style>
+      <a:lnRef idx="2">
+        <a:scrgbClr r="0" g="0" b="0"/>
+      </a:lnRef>
+      <a:fillRef idx="1">
+        <a:scrgbClr r="0" g="0" b="0"/>
+      </a:fillRef>
+      <a:effectRef idx="0">
+        <a:scrgbClr r="0" g="0" b="0"/>
+      </a:effectRef>
+      <a:fontRef idx="minor">
+        <a:schemeClr val="lt1"/>
+      </a:fontRef>
+    </dgm:style>
+  </dgm:styleLbl>
+  <dgm:styleLbl name="asst2">
+    <dgm:scene3d>
+      <a:camera prst="orthographicFront"/>
+      <a:lightRig rig="threePt" dir="t"/>
+    </dgm:scene3d>
+    <dgm:sp3d/>
+    <dgm:txPr/>
+    <dgm:style>
+      <a:lnRef idx="2">
+        <a:scrgbClr r="0" g="0" b="0"/>
+      </a:lnRef>
+      <a:fillRef idx="1">
+        <a:scrgbClr r="0" g="0" b="0"/>
+      </a:fillRef>
+      <a:effectRef idx="0">
+        <a:scrgbClr r="0" g="0" b="0"/>
+      </a:effectRef>
+      <a:fontRef idx="minor">
+        <a:schemeClr val="lt1"/>
+      </a:fontRef>
+    </dgm:style>
+  </dgm:styleLbl>
+  <dgm:styleLbl name="asst3">
+    <dgm:scene3d>
+      <a:camera prst="orthographicFront"/>
+      <a:lightRig rig="threePt" dir="t"/>
+    </dgm:scene3d>
+    <dgm:sp3d/>
+    <dgm:txPr/>
+    <dgm:style>
+      <a:lnRef idx="2">
+        <a:scrgbClr r="0" g="0" b="0"/>
+      </a:lnRef>
+      <a:fillRef idx="1">
+        <a:scrgbClr r="0" g="0" b="0"/>
+      </a:fillRef>
+      <a:effectRef idx="0">
+        <a:scrgbClr r="0" g="0" b="0"/>
+      </a:effectRef>
+      <a:fontRef idx="minor">
+        <a:schemeClr val="lt1"/>
+      </a:fontRef>
+    </dgm:style>
+  </dgm:styleLbl>
+  <dgm:styleLbl name="asst4">
+    <dgm:scene3d>
+      <a:camera prst="orthographicFront"/>
+      <a:lightRig rig="threePt" dir="t"/>
+    </dgm:scene3d>
+    <dgm:sp3d/>
+    <dgm:txPr/>
+    <dgm:style>
+      <a:lnRef idx="2">
+        <a:scrgbClr r="0" g="0" b="0"/>
+      </a:lnRef>
+      <a:fillRef idx="1">
+        <a:scrgbClr r="0" g="0" b="0"/>
+      </a:fillRef>
+      <a:effectRef idx="0">
+        <a:scrgbClr r="0" g="0" b="0"/>
+      </a:effectRef>
+      <a:fontRef idx="minor">
+        <a:schemeClr val="lt1"/>
+      </a:fontRef>
+    </dgm:style>
+  </dgm:styleLbl>
+  <dgm:styleLbl name="parChTrans2D1">
+    <dgm:scene3d>
+      <a:camera prst="orthographicFront"/>
+      <a:lightRig rig="threePt" dir="t"/>
+    </dgm:scene3d>
+    <dgm:sp3d/>
+    <dgm:txPr/>
+    <dgm:style>
+      <a:lnRef idx="2">
+        <a:scrgbClr r="0" g="0" b="0"/>
+      </a:lnRef>
+      <a:fillRef idx="1">
+        <a:scrgbClr r="0" g="0" b="0"/>
+      </a:fillRef>
+      <a:effectRef idx="0">
+        <a:scrgbClr r="0" g="0" b="0"/>
+      </a:effectRef>
+      <a:fontRef idx="minor">
+        <a:schemeClr val="lt1"/>
+      </a:fontRef>
+    </dgm:style>
+  </dgm:styleLbl>
+  <dgm:styleLbl name="parChTrans2D2">
+    <dgm:scene3d>
+      <a:camera prst="orthographicFront"/>
+      <a:lightRig rig="threePt" dir="t"/>
+    </dgm:scene3d>
+    <dgm:sp3d/>
+    <dgm:txPr/>
+    <dgm:style>
+      <a:lnRef idx="2">
+        <a:scrgbClr r="0" g="0" b="0"/>
+      </a:lnRef>
+      <a:fillRef idx="1">
+        <a:scrgbClr r="0" g="0" b="0"/>
+      </a:fillRef>
+      <a:effectRef idx="0">
+        <a:scrgbClr r="0" g="0" b="0"/>
+      </a:effectRef>
+      <a:fontRef idx="minor">
+        <a:schemeClr val="lt1"/>
+      </a:fontRef>
+    </dgm:style>
+  </dgm:styleLbl>
+  <dgm:styleLbl name="parChTrans2D3">
+    <dgm:scene3d>
+      <a:camera prst="orthographicFront"/>
+      <a:lightRig rig="threePt" dir="t"/>
+    </dgm:scene3d>
+    <dgm:sp3d/>
+    <dgm:txPr/>
+    <dgm:style>
+      <a:lnRef idx="2">
+        <a:scrgbClr r="0" g="0" b="0"/>
+      </a:lnRef>
+      <a:fillRef idx="1">
+        <a:scrgbClr r="0" g="0" b="0"/>
+      </a:fillRef>
+      <a:effectRef idx="0">
+        <a:scrgbClr r="0" g="0" b="0"/>
+      </a:effectRef>
+      <a:fontRef idx="minor">
+        <a:schemeClr val="lt1"/>
+      </a:fontRef>
+    </dgm:style>
+  </dgm:styleLbl>
+  <dgm:styleLbl name="parChTrans2D4">
+    <dgm:scene3d>
+      <a:camera prst="orthographicFront"/>
+      <a:lightRig rig="threePt" dir="t"/>
+    </dgm:scene3d>
+    <dgm:sp3d/>
+    <dgm:txPr/>
+    <dgm:style>
+      <a:lnRef idx="2">
+        <a:scrgbClr r="0" g="0" b="0"/>
+      </a:lnRef>
+      <a:fillRef idx="1">
+        <a:scrgbClr r="0" g="0" b="0"/>
+      </a:fillRef>
+      <a:effectRef idx="0">
+        <a:scrgbClr r="0" g="0" b="0"/>
+      </a:effectRef>
+      <a:fontRef idx="minor">
+        <a:schemeClr val="lt1"/>
+      </a:fontRef>
+    </dgm:style>
+  </dgm:styleLbl>
+  <dgm:styleLbl name="parChTrans1D1">
+    <dgm:scene3d>
+      <a:camera prst="orthographicFront"/>
+      <a:lightRig rig="threePt" dir="t"/>
+    </dgm:scene3d>
+    <dgm:sp3d/>
+    <dgm:txPr/>
+    <dgm:style>
+      <a:lnRef idx="2">
+        <a:scrgbClr r="0" g="0" b="0"/>
+      </a:lnRef>
+      <a:fillRef idx="0">
+        <a:scrgbClr r="0" g="0" b="0"/>
+      </a:fillRef>
+      <a:effectRef idx="0">
+        <a:scrgbClr r="0" g="0" b="0"/>
+      </a:effectRef>
+      <a:fontRef idx="minor"/>
+    </dgm:style>
+  </dgm:styleLbl>
+  <dgm:styleLbl name="parChTrans1D2">
+    <dgm:scene3d>
+      <a:camera prst="orthographicFront"/>
+      <a:lightRig rig="threePt" dir="t"/>
+    </dgm:scene3d>
+    <dgm:sp3d/>
+    <dgm:txPr/>
+    <dgm:style>
+      <a:lnRef idx="2">
+        <a:scrgbClr r="0" g="0" b="0"/>
+      </a:lnRef>
+      <a:fillRef idx="0">
+        <a:scrgbClr r="0" g="0" b="0"/>
+      </a:fillRef>
+      <a:effectRef idx="0">
+        <a:scrgbClr r="0" g="0" b="0"/>
+      </a:effectRef>
+      <a:fontRef idx="minor"/>
+    </dgm:style>
+  </dgm:styleLbl>
+  <dgm:styleLbl name="parChTrans1D3">
+    <dgm:scene3d>
+      <a:camera prst="orthographicFront"/>
+      <a:lightRig rig="threePt" dir="t"/>
+    </dgm:scene3d>
+    <dgm:sp3d/>
+    <dgm:txPr/>
+    <dgm:style>
+      <a:lnRef idx="2">
+        <a:scrgbClr r="0" g="0" b="0"/>
+      </a:lnRef>
+      <a:fillRef idx="0">
+        <a:scrgbClr r="0" g="0" b="0"/>
+      </a:fillRef>
+      <a:effectRef idx="0">
+        <a:scrgbClr r="0" g="0" b="0"/>
+      </a:effectRef>
+      <a:fontRef idx="minor"/>
+    </dgm:style>
+  </dgm:styleLbl>
+  <dgm:styleLbl name="parChTrans1D4">
+    <dgm:scene3d>
+      <a:camera prst="orthographicFront"/>
+      <a:lightRig rig="threePt" dir="t"/>
+    </dgm:scene3d>
+    <dgm:sp3d/>
+    <dgm:txPr/>
+    <dgm:style>
+      <a:lnRef idx="2">
+        <a:scrgbClr r="0" g="0" b="0"/>
+      </a:lnRef>
+      <a:fillRef idx="0">
+        <a:scrgbClr r="0" g="0" b="0"/>
+      </a:fillRef>
+      <a:effectRef idx="0">
+        <a:scrgbClr r="0" g="0" b="0"/>
+      </a:effectRef>
+      <a:fontRef idx="minor"/>
+    </dgm:style>
+  </dgm:styleLbl>
+  <dgm:styleLbl name="fgAcc1">
+    <dgm:scene3d>
+      <a:camera prst="orthographicFront"/>
+      <a:lightRig rig="threePt" dir="t"/>
+    </dgm:scene3d>
+    <dgm:sp3d/>
+    <dgm:txPr/>
+    <dgm:style>
+      <a:lnRef idx="2">
+        <a:scrgbClr r="0" g="0" b="0"/>
+      </a:lnRef>
+      <a:fillRef idx="1">
+        <a:scrgbClr r="0" g="0" b="0"/>
+      </a:fillRef>
+      <a:effectRef idx="0">
+        <a:scrgbClr r="0" g="0" b="0"/>
+      </a:effectRef>
+      <a:fontRef idx="minor"/>
+    </dgm:style>
+  </dgm:styleLbl>
+  <dgm:styleLbl name="conFgAcc1">
+    <dgm:scene3d>
+      <a:camera prst="orthographicFront"/>
+      <a:lightRig rig="threePt" dir="t"/>
+    </dgm:scene3d>
+    <dgm:sp3d/>
+    <dgm:txPr/>
+    <dgm:style>
+      <a:lnRef idx="2">
+        <a:scrgbClr r="0" g="0" b="0"/>
+      </a:lnRef>
+      <a:fillRef idx="1">
+        <a:scrgbClr r="0" g="0" b="0"/>
+      </a:fillRef>
+      <a:effectRef idx="0">
+        <a:scrgbClr r="0" g="0" b="0"/>
+      </a:effectRef>
+      <a:fontRef idx="minor"/>
+    </dgm:style>
+  </dgm:styleLbl>
+  <dgm:styleLbl name="alignAcc1">
+    <dgm:scene3d>
+      <a:camera prst="orthographicFront"/>
+      <a:lightRig rig="threePt" dir="t"/>
+    </dgm:scene3d>
+    <dgm:sp3d/>
+    <dgm:txPr/>
+    <dgm:style>
+      <a:lnRef idx="2">
+        <a:scrgbClr r="0" g="0" b="0"/>
+      </a:lnRef>
+      <a:fillRef idx="1">
+        <a:scrgbClr r="0" g="0" b="0"/>
+      </a:fillRef>
+      <a:effectRef idx="0">
+        <a:scrgbClr r="0" g="0" b="0"/>
+      </a:effectRef>
+      <a:fontRef idx="minor"/>
+    </dgm:style>
+  </dgm:styleLbl>
+  <dgm:styleLbl name="trAlignAcc1">
+    <dgm:scene3d>
+      <a:camera prst="orthographicFront"/>
+      <a:lightRig rig="threePt" dir="t"/>
+    </dgm:scene3d>
+    <dgm:sp3d/>
+    <dgm:txPr/>
+    <dgm:style>
+      <a:lnRef idx="1">
+        <a:scrgbClr r="0" g="0" b="0"/>
+      </a:lnRef>
+      <a:fillRef idx="1">
+        <a:scrgbClr r="0" g="0" b="0"/>
+      </a:fillRef>
+      <a:effectRef idx="0">
+        <a:scrgbClr r="0" g="0" b="0"/>
+      </a:effectRef>
+      <a:fontRef idx="minor"/>
+    </dgm:style>
+  </dgm:styleLbl>
+  <dgm:styleLbl name="bgAcc1">
+    <dgm:scene3d>
+      <a:camera prst="orthographicFront"/>
+      <a:lightRig rig="threePt" dir="t"/>
+    </dgm:scene3d>
+    <dgm:sp3d/>
+    <dgm:txPr/>
+    <dgm:style>
+      <a:lnRef idx="2">
+        <a:scrgbClr r="0" g="0" b="0"/>
+      </a:lnRef>
+      <a:fillRef idx="1">
+        <a:scrgbClr r="0" g="0" b="0"/>
+      </a:fillRef>
+      <a:effectRef idx="0">
+        <a:scrgbClr r="0" g="0" b="0"/>
+      </a:effectRef>
+      <a:fontRef idx="minor"/>
+    </dgm:style>
+  </dgm:styleLbl>
+  <dgm:styleLbl name="solidFgAcc1">
+    <dgm:scene3d>
+      <a:camera prst="orthographicFront"/>
+      <a:lightRig rig="threePt" dir="t"/>
+    </dgm:scene3d>
+    <dgm:sp3d/>
+    <dgm:txPr/>
+    <dgm:style>
+      <a:lnRef idx="2">
+        <a:scrgbClr r="0" g="0" b="0"/>
+      </a:lnRef>
+      <a:fillRef idx="1">
+        <a:scrgbClr r="0" g="0" b="0"/>
+      </a:fillRef>
+      <a:effectRef idx="0">
+        <a:scrgbClr r="0" g="0" b="0"/>
+      </a:effectRef>
+      <a:fontRef idx="minor"/>
+    </dgm:style>
+  </dgm:styleLbl>
+  <dgm:styleLbl name="solidAlignAcc1">
+    <dgm:scene3d>
+      <a:camera prst="orthographicFront"/>
+      <a:lightRig rig="threePt" dir="t"/>
+    </dgm:scene3d>
+    <dgm:sp3d/>
+    <dgm:txPr/>
+    <dgm:style>
+      <a:lnRef idx="2">
+        <a:scrgbClr r="0" g="0" b="0"/>
+      </a:lnRef>
+      <a:fillRef idx="1">
+        <a:scrgbClr r="0" g="0" b="0"/>
+      </a:fillRef>
+      <a:effectRef idx="0">
+        <a:scrgbClr r="0" g="0" b="0"/>
+      </a:effectRef>
+      <a:fontRef idx="minor"/>
+    </dgm:style>
+  </dgm:styleLbl>
+  <dgm:styleLbl name="solidBgAcc1">
+    <dgm:scene3d>
+      <a:camera prst="orthographicFront"/>
+      <a:lightRig rig="threePt" dir="t"/>
+    </dgm:scene3d>
+    <dgm:sp3d/>
+    <dgm:txPr/>
+    <dgm:style>
+      <a:lnRef idx="2">
+        <a:scrgbClr r="0" g="0" b="0"/>
+      </a:lnRef>
+      <a:fillRef idx="1">
+        <a:scrgbClr r="0" g="0" b="0"/>
+      </a:fillRef>
+      <a:effectRef idx="0">
+        <a:scrgbClr r="0" g="0" b="0"/>
+      </a:effectRef>
+      <a:fontRef idx="minor"/>
+    </dgm:style>
+  </dgm:styleLbl>
+  <dgm:styleLbl name="fgAccFollowNode1">
+    <dgm:scene3d>
+      <a:camera prst="orthographicFront"/>
+      <a:lightRig rig="threePt" dir="t"/>
+    </dgm:scene3d>
+    <dgm:sp3d/>
+    <dgm:txPr/>
+    <dgm:style>
+      <a:lnRef idx="2">
+        <a:scrgbClr r="0" g="0" b="0"/>
+      </a:lnRef>
+      <a:fillRef idx="1">
+        <a:scrgbClr r="0" g="0" b="0"/>
+      </a:fillRef>
+      <a:effectRef idx="0">
+        <a:scrgbClr r="0" g="0" b="0"/>
+      </a:effectRef>
+      <a:fontRef idx="minor"/>
+    </dgm:style>
+  </dgm:styleLbl>
+  <dgm:styleLbl name="alignAccFollowNode1">
+    <dgm:scene3d>
+      <a:camera prst="orthographicFront"/>
+      <a:lightRig rig="threePt" dir="t"/>
+    </dgm:scene3d>
+    <dgm:sp3d/>
+    <dgm:txPr/>
+    <dgm:style>
+      <a:lnRef idx="2">
+        <a:scrgbClr r="0" g="0" b="0"/>
+      </a:lnRef>
+      <a:fillRef idx="1">
+        <a:scrgbClr r="0" g="0" b="0"/>
+      </a:fillRef>
+      <a:effectRef idx="0">
+        <a:scrgbClr r="0" g="0" b="0"/>
+      </a:effectRef>
+      <a:fontRef idx="minor"/>
+    </dgm:style>
+  </dgm:styleLbl>
+  <dgm:styleLbl name="bgAccFollowNode1">
+    <dgm:scene3d>
+      <a:camera prst="orthographicFront"/>
+      <a:lightRig rig="threePt" dir="t"/>
+    </dgm:scene3d>
+    <dgm:sp3d/>
+    <dgm:txPr/>
+    <dgm:style>
+      <a:lnRef idx="2">
+        <a:scrgbClr r="0" g="0" b="0"/>
+      </a:lnRef>
+      <a:fillRef idx="1">
+        <a:scrgbClr r="0" g="0" b="0"/>
+      </a:fillRef>
+      <a:effectRef idx="0">
+        <a:scrgbClr r="0" g="0" b="0"/>
+      </a:effectRef>
+      <a:fontRef idx="minor"/>
+    </dgm:style>
+  </dgm:styleLbl>
+  <dgm:styleLbl name="fgAcc0">
+    <dgm:scene3d>
+      <a:camera prst="orthographicFront"/>
+      <a:lightRig rig="threePt" dir="t"/>
+    </dgm:scene3d>
+    <dgm:sp3d/>
+    <dgm:txPr/>
+    <dgm:style>
+      <a:lnRef idx="2">
+        <a:scrgbClr r="0" g="0" b="0"/>
+      </a:lnRef>
+      <a:fillRef idx="1">
+        <a:scrgbClr r="0" g="0" b="0"/>
+      </a:fillRef>
+      <a:effectRef idx="0">
+        <a:scrgbClr r="0" g="0" b="0"/>
+      </a:effectRef>
+      <a:fontRef idx="minor"/>
+    </dgm:style>
+  </dgm:styleLbl>
+  <dgm:styleLbl name="fgAcc2">
+    <dgm:scene3d>
+      <a:camera prst="orthographicFront"/>
+      <a:lightRig rig="threePt" dir="t"/>
+    </dgm:scene3d>
+    <dgm:sp3d/>
+    <dgm:txPr/>
+    <dgm:style>
+      <a:lnRef idx="2">
+        <a:scrgbClr r="0" g="0" b="0"/>
+      </a:lnRef>
+      <a:fillRef idx="1">
+        <a:scrgbClr r="0" g="0" b="0"/>
+      </a:fillRef>
+      <a:effectRef idx="0">
+        <a:scrgbClr r="0" g="0" b="0"/>
+      </a:effectRef>
+      <a:fontRef idx="minor"/>
+    </dgm:style>
+  </dgm:styleLbl>
+  <dgm:styleLbl name="fgAcc3">
+    <dgm:scene3d>
+      <a:camera prst="orthographicFront"/>
+      <a:lightRig rig="threePt" dir="t"/>
+    </dgm:scene3d>
+    <dgm:sp3d/>
+    <dgm:txPr/>
+    <dgm:style>
+      <a:lnRef idx="2">
+        <a:scrgbClr r="0" g="0" b="0"/>
+      </a:lnRef>
+      <a:fillRef idx="1">
+        <a:scrgbClr r="0" g="0" b="0"/>
+      </a:fillRef>
+      <a:effectRef idx="0">
+        <a:scrgbClr r="0" g="0" b="0"/>
+      </a:effectRef>
+      <a:fontRef idx="minor"/>
+    </dgm:style>
+  </dgm:styleLbl>
+  <dgm:styleLbl name="fgAcc4">
+    <dgm:scene3d>
+      <a:camera prst="orthographicFront"/>
+      <a:lightRig rig="threePt" dir="t"/>
+    </dgm:scene3d>
+    <dgm:sp3d/>
+    <dgm:txPr/>
+    <dgm:style>
+      <a:lnRef idx="2">
+        <a:scrgbClr r="0" g="0" b="0"/>
+      </a:lnRef>
+      <a:fillRef idx="1">
+        <a:scrgbClr r="0" g="0" b="0"/>
+      </a:fillRef>
+      <a:effectRef idx="0">
+        <a:scrgbClr r="0" g="0" b="0"/>
+      </a:effectRef>
+      <a:fontRef idx="minor"/>
+    </dgm:style>
+  </dgm:styleLbl>
+  <dgm:styleLbl name="bgShp">
+    <dgm:scene3d>
+      <a:camera prst="orthographicFront"/>
+      <a:lightRig rig="threePt" dir="t"/>
+    </dgm:scene3d>
+    <dgm:sp3d/>
+    <dgm:txPr/>
+    <dgm:style>
+      <a:lnRef idx="0">
+        <a:scrgbClr r="0" g="0" b="0"/>
+      </a:lnRef>
+      <a:fillRef idx="1">
+        <a:scrgbClr r="0" g="0" b="0"/>
+      </a:fillRef>
+      <a:effectRef idx="0">
+        <a:scrgbClr r="0" g="0" b="0"/>
+      </a:effectRef>
+      <a:fontRef idx="minor"/>
+    </dgm:style>
+  </dgm:styleLbl>
+  <dgm:styleLbl name="dkBgShp">
+    <dgm:scene3d>
+      <a:camera prst="orthographicFront"/>
+      <a:lightRig rig="threePt" dir="t"/>
+    </dgm:scene3d>
+    <dgm:sp3d/>
+    <dgm:txPr/>
+    <dgm:style>
+      <a:lnRef idx="0">
+        <a:scrgbClr r="0" g="0" b="0"/>
+      </a:lnRef>
+      <a:fillRef idx="1">
+        <a:scrgbClr r="0" g="0" b="0"/>
+      </a:fillRef>
+      <a:effectRef idx="0">
+        <a:scrgbClr r="0" g="0" b="0"/>
+      </a:effectRef>
+      <a:fontRef idx="minor"/>
+    </dgm:style>
+  </dgm:styleLbl>
+  <dgm:styleLbl name="trBgShp">
+    <dgm:scene3d>
+      <a:camera prst="orthographicFront"/>
+      <a:lightRig rig="threePt" dir="t"/>
+    </dgm:scene3d>
+    <dgm:sp3d/>
+    <dgm:txPr/>
+    <dgm:style>
+      <a:lnRef idx="0">
+        <a:scrgbClr r="0" g="0" b="0"/>
+      </a:lnRef>
+      <a:fillRef idx="1">
+        <a:scrgbClr r="0" g="0" b="0"/>
+      </a:fillRef>
+      <a:effectRef idx="0">
+        <a:scrgbClr r="0" g="0" b="0"/>
+      </a:effectRef>
+      <a:fontRef idx="minor"/>
+    </dgm:style>
+  </dgm:styleLbl>
+  <dgm:styleLbl name="fgShp">
+    <dgm:scene3d>
+      <a:camera prst="orthographicFront"/>
+      <a:lightRig rig="threePt" dir="t"/>
+    </dgm:scene3d>
+    <dgm:sp3d/>
+    <dgm:txPr/>
+    <dgm:style>
+      <a:lnRef idx="2">
+        <a:scrgbClr r="0" g="0" b="0"/>
+      </a:lnRef>
+      <a:fillRef idx="1">
+        <a:scrgbClr r="0" g="0" b="0"/>
+      </a:fillRef>
+      <a:effectRef idx="0">
+        <a:scrgbClr r="0" g="0" b="0"/>
+      </a:effectRef>
+      <a:fontRef idx="minor"/>
+    </dgm:style>
+  </dgm:styleLbl>
+  <dgm:styleLbl name="revTx">
+    <dgm:scene3d>
+      <a:camera prst="orthographicFront"/>
+      <a:lightRig rig="threePt" dir="t"/>
+    </dgm:scene3d>
+    <dgm:sp3d/>
+    <dgm:txPr/>
+    <dgm:style>
+      <a:lnRef idx="0">
+        <a:scrgbClr r="0" g="0" b="0"/>
+      </a:lnRef>
+      <a:fillRef idx="0">
+        <a:scrgbClr r="0" g="0" b="0"/>
+      </a:fillRef>
+      <a:effectRef idx="0">
+        <a:scrgbClr r="0" g="0" b="0"/>
+      </a:effectRef>
+      <a:fontRef idx="minor"/>
+    </dgm:style>
+  </dgm:styleLbl>
+</dgm:styleDef>
 </file>
 
 <file path=ppt/slideLayouts/slideLayout1.xml><?xml version="1.0" encoding="utf-8"?>
@@ -4244,7 +11401,6 @@
                   <a:rPr lang="en-US" dirty="0" smtClean="0"/>
                   <a:t>Start</a:t>
                 </a:r>
-                <a:endParaRPr lang="en-US" dirty="0" smtClean="0"/>
               </a:p>
               <a:p>
                 <a:r>
@@ -5628,38 +12784,13 @@
           <a:p>
             <a:r>
               <a:rPr lang="en-US" dirty="0" smtClean="0"/>
-              <a:t>GFS applications can accommodate the relaxed </a:t>
-            </a:r>
+              <a:t>GFS applications can accommodate the relaxed consistency model with a few simple techniques already needed for other purposes: </a:t>
+            </a:r>
+          </a:p>
+          <a:p>
             <a:r>
               <a:rPr lang="en-US" dirty="0" smtClean="0"/>
-              <a:t>consistency model </a:t>
-            </a:r>
-            <a:r>
-              <a:rPr lang="en-US" dirty="0" smtClean="0"/>
-              <a:t>with a few simple techniques already needed </a:t>
-            </a:r>
-            <a:r>
-              <a:rPr lang="en-US" dirty="0" smtClean="0"/>
-              <a:t>for other </a:t>
-            </a:r>
-            <a:r>
-              <a:rPr lang="en-US" dirty="0" smtClean="0"/>
-              <a:t>purposes: </a:t>
-            </a:r>
-            <a:endParaRPr lang="en-US" dirty="0" smtClean="0"/>
-          </a:p>
-          <a:p>
-            <a:r>
-              <a:rPr lang="en-US" dirty="0" smtClean="0"/>
-              <a:t>Relying </a:t>
-            </a:r>
-            <a:r>
-              <a:rPr lang="en-US" dirty="0" smtClean="0"/>
-              <a:t>on appends rather than </a:t>
-            </a:r>
-            <a:r>
-              <a:rPr lang="en-US" dirty="0" smtClean="0"/>
-              <a:t>overwrites</a:t>
+              <a:t>Relying on appends rather than overwrites</a:t>
             </a:r>
           </a:p>
           <a:p>
@@ -5727,12 +12858,14 @@
         </p:nvSpPr>
         <p:spPr/>
         <p:txBody>
-          <a:bodyPr/>
+          <a:bodyPr>
+            <a:normAutofit/>
+          </a:bodyPr>
           <a:lstStyle/>
           <a:p>
             <a:r>
               <a:rPr lang="en-US" dirty="0" smtClean="0"/>
-              <a:t>File Region Mutations.</a:t>
+              <a:t>Leases and Mutation Order</a:t>
             </a:r>
             <a:endParaRPr lang="en-US" dirty="0"/>
           </a:p>
@@ -5740,7 +12873,7 @@
       </p:sp>
       <p:sp>
         <p:nvSpPr>
-          <p:cNvPr id="5" name="Content Placeholder 4"/>
+          <p:cNvPr id="4" name="Content Placeholder 3"/>
           <p:cNvSpPr>
             <a:spLocks noGrp="1"/>
           </p:cNvSpPr>
@@ -5748,16 +12881,33 @@
             <p:ph idx="1"/>
           </p:nvPr>
         </p:nvSpPr>
-        <p:spPr>
-          <a:xfrm>
-            <a:off x="457200" y="1935480"/>
-            <a:ext cx="8229600" cy="2407920"/>
-          </a:xfrm>
-        </p:spPr>
+        <p:spPr/>
         <p:txBody>
           <a:bodyPr/>
           <a:lstStyle/>
           <a:p>
+            <a:r>
+              <a:rPr lang="en-US" dirty="0" smtClean="0"/>
+              <a:t>Mutation is an operation that changes the contents or metadata of a chunk. </a:t>
+            </a:r>
+          </a:p>
+          <a:p>
+            <a:r>
+              <a:rPr lang="en-US" dirty="0" smtClean="0"/>
+              <a:t>Write operations must be performed at all the chunk’s replicas.</a:t>
+            </a:r>
+          </a:p>
+          <a:p>
+            <a:r>
+              <a:rPr lang="en-US" dirty="0" smtClean="0"/>
+              <a:t>The master grants lease to one of the replicas, which is promoted as primary copy.</a:t>
+            </a:r>
+          </a:p>
+          <a:p>
+            <a:r>
+              <a:rPr lang="en-US" dirty="0" smtClean="0"/>
+              <a:t>The primary picks a serial order for all mutations</a:t>
+            </a:r>
             <a:endParaRPr lang="en-US" dirty="0"/>
           </a:p>
         </p:txBody>
@@ -5778,6 +12928,81 @@
 </file>
 
 <file path=ppt/slides/slide18.xml><?xml version="1.0" encoding="utf-8"?>
+<p:sld xmlns:a="http://schemas.openxmlformats.org/drawingml/2006/main" xmlns:r="http://schemas.openxmlformats.org/officeDocument/2006/relationships" xmlns:p="http://schemas.openxmlformats.org/presentationml/2006/main">
+  <p:cSld>
+    <p:spTree>
+      <p:nvGrpSpPr>
+        <p:cNvPr id="1" name=""/>
+        <p:cNvGrpSpPr/>
+        <p:nvPr/>
+      </p:nvGrpSpPr>
+      <p:grpSpPr>
+        <a:xfrm>
+          <a:off x="0" y="0"/>
+          <a:ext cx="0" cy="0"/>
+          <a:chOff x="0" y="0"/>
+          <a:chExt cx="0" cy="0"/>
+        </a:xfrm>
+      </p:grpSpPr>
+      <p:sp>
+        <p:nvSpPr>
+          <p:cNvPr id="2" name="Title 1"/>
+          <p:cNvSpPr>
+            <a:spLocks noGrp="1"/>
+          </p:cNvSpPr>
+          <p:nvPr>
+            <p:ph type="title"/>
+          </p:nvPr>
+        </p:nvSpPr>
+        <p:spPr/>
+        <p:txBody>
+          <a:bodyPr/>
+          <a:lstStyle/>
+          <a:p>
+            <a:r>
+              <a:rPr lang="en-US" dirty="0" smtClean="0"/>
+              <a:t>Steps to perform a mutation.</a:t>
+            </a:r>
+            <a:endParaRPr lang="en-US" dirty="0"/>
+          </a:p>
+        </p:txBody>
+      </p:sp>
+      <p:graphicFrame>
+        <p:nvGraphicFramePr>
+          <p:cNvPr id="4" name="Content Placeholder 3"/>
+          <p:cNvGraphicFramePr>
+            <a:graphicFrameLocks noGrp="1"/>
+          </p:cNvGraphicFramePr>
+          <p:nvPr>
+            <p:ph idx="1"/>
+          </p:nvPr>
+        </p:nvGraphicFramePr>
+        <p:xfrm>
+          <a:off x="457200" y="1935480"/>
+          <a:ext cx="8229600" cy="4389120"/>
+        </p:xfrm>
+        <a:graphic>
+          <a:graphicData uri="http://schemas.openxmlformats.org/drawingml/2006/diagram">
+            <dgm:relIds xmlns:dgm="http://schemas.openxmlformats.org/drawingml/2006/diagram" xmlns:r="http://schemas.openxmlformats.org/officeDocument/2006/relationships" r:dm="rId2" r:lo="rId3" r:qs="rId4" r:cs="rId5"/>
+          </a:graphicData>
+        </a:graphic>
+      </p:graphicFrame>
+    </p:spTree>
+  </p:cSld>
+  <p:clrMapOvr>
+    <a:masterClrMapping/>
+  </p:clrMapOvr>
+  <p:timing>
+    <p:tnLst>
+      <p:par>
+        <p:cTn id="1" dur="indefinite" restart="never" nodeType="tmRoot"/>
+      </p:par>
+    </p:tnLst>
+  </p:timing>
+</p:sld>
+</file>
+
+<file path=ppt/slides/slide19.xml><?xml version="1.0" encoding="utf-8"?>
 <p:sld xmlns:a="http://schemas.openxmlformats.org/drawingml/2006/main" xmlns:r="http://schemas.openxmlformats.org/officeDocument/2006/relationships" xmlns:p="http://schemas.openxmlformats.org/presentationml/2006/main">
   <p:cSld>
     <p:spTree>
@@ -5867,96 +13092,6 @@
 </p:sld>
 </file>
 
-<file path=ppt/slides/slide19.xml><?xml version="1.0" encoding="utf-8"?>
-<p:sld xmlns:a="http://schemas.openxmlformats.org/drawingml/2006/main" xmlns:r="http://schemas.openxmlformats.org/officeDocument/2006/relationships" xmlns:p="http://schemas.openxmlformats.org/presentationml/2006/main">
-  <p:cSld>
-    <p:spTree>
-      <p:nvGrpSpPr>
-        <p:cNvPr id="1" name=""/>
-        <p:cNvGrpSpPr/>
-        <p:nvPr/>
-      </p:nvGrpSpPr>
-      <p:grpSpPr>
-        <a:xfrm>
-          <a:off x="0" y="0"/>
-          <a:ext cx="0" cy="0"/>
-          <a:chOff x="0" y="0"/>
-          <a:chExt cx="0" cy="0"/>
-        </a:xfrm>
-      </p:grpSpPr>
-      <p:sp>
-        <p:nvSpPr>
-          <p:cNvPr id="2" name="Title 1"/>
-          <p:cNvSpPr>
-            <a:spLocks noGrp="1"/>
-          </p:cNvSpPr>
-          <p:nvPr>
-            <p:ph type="title"/>
-          </p:nvPr>
-        </p:nvSpPr>
-        <p:spPr/>
-        <p:txBody>
-          <a:bodyPr/>
-          <a:lstStyle/>
-          <a:p>
-            <a:endParaRPr lang="en-US" dirty="0"/>
-          </a:p>
-        </p:txBody>
-      </p:sp>
-      <p:sp>
-        <p:nvSpPr>
-          <p:cNvPr id="3" name="Content Placeholder 2"/>
-          <p:cNvSpPr>
-            <a:spLocks noGrp="1"/>
-          </p:cNvSpPr>
-          <p:nvPr>
-            <p:ph idx="1"/>
-          </p:nvPr>
-        </p:nvSpPr>
-        <p:spPr/>
-        <p:txBody>
-          <a:bodyPr/>
-          <a:lstStyle/>
-          <a:p>
-            <a:r>
-              <a:rPr lang="en-US" dirty="0" smtClean="0"/>
-              <a:t>Distributed FS, they don’t deal with how the actual data is being stored.</a:t>
-            </a:r>
-          </a:p>
-          <a:p>
-            <a:r>
-              <a:rPr lang="en-US" dirty="0" smtClean="0"/>
-              <a:t>Concurrency </a:t>
-            </a:r>
-            <a:r>
-              <a:rPr lang="en-US" dirty="0" smtClean="0"/>
-              <a:t>– locks.. Etc.</a:t>
-            </a:r>
-          </a:p>
-          <a:p>
-            <a:r>
-              <a:rPr lang="en-US" dirty="0" smtClean="0"/>
-              <a:t>Replication data</a:t>
-            </a:r>
-            <a:endParaRPr lang="en-US" dirty="0"/>
-          </a:p>
-        </p:txBody>
-      </p:sp>
-    </p:spTree>
-  </p:cSld>
-  <p:clrMapOvr>
-    <a:masterClrMapping/>
-  </p:clrMapOvr>
-  <p:timing>
-    <p:tnLst>
-      <p:par>
-        <p:cTn id="1" dur="indefinite" restart="never" nodeType="tmRoot"/>
-      </p:par>
-    </p:tnLst>
-  </p:timing>
-</p:sld>
-</file>
-
 <file path=ppt/slides/slide2.xml><?xml version="1.0" encoding="utf-8"?>
 <p:sld xmlns:a="http://schemas.openxmlformats.org/drawingml/2006/main" xmlns:r="http://schemas.openxmlformats.org/officeDocument/2006/relationships" xmlns:p="http://schemas.openxmlformats.org/presentationml/2006/main">
   <p:cSld>
@@ -6086,6 +13221,539 @@
       </p:grpSpPr>
       <p:sp>
         <p:nvSpPr>
+          <p:cNvPr id="2" name="Title 1"/>
+          <p:cNvSpPr>
+            <a:spLocks noGrp="1"/>
+          </p:cNvSpPr>
+          <p:nvPr>
+            <p:ph type="title"/>
+          </p:nvPr>
+        </p:nvSpPr>
+        <p:spPr/>
+        <p:txBody>
+          <a:bodyPr/>
+          <a:lstStyle/>
+          <a:p>
+            <a:r>
+              <a:rPr lang="en-US" dirty="0" smtClean="0"/>
+              <a:t>Steps to perform a mutation.</a:t>
+            </a:r>
+            <a:endParaRPr lang="en-US" dirty="0"/>
+          </a:p>
+        </p:txBody>
+      </p:sp>
+      <p:graphicFrame>
+        <p:nvGraphicFramePr>
+          <p:cNvPr id="4" name="Content Placeholder 3"/>
+          <p:cNvGraphicFramePr>
+            <a:graphicFrameLocks noGrp="1"/>
+          </p:cNvGraphicFramePr>
+          <p:nvPr>
+            <p:ph idx="1"/>
+          </p:nvPr>
+        </p:nvGraphicFramePr>
+        <p:xfrm>
+          <a:off x="457200" y="1935480"/>
+          <a:ext cx="8229600" cy="4389120"/>
+        </p:xfrm>
+        <a:graphic>
+          <a:graphicData uri="http://schemas.openxmlformats.org/drawingml/2006/diagram">
+            <dgm:relIds xmlns:dgm="http://schemas.openxmlformats.org/drawingml/2006/diagram" xmlns:r="http://schemas.openxmlformats.org/officeDocument/2006/relationships" r:dm="rId2" r:lo="rId3" r:qs="rId4" r:cs="rId5"/>
+          </a:graphicData>
+        </a:graphic>
+      </p:graphicFrame>
+    </p:spTree>
+  </p:cSld>
+  <p:clrMapOvr>
+    <a:masterClrMapping/>
+  </p:clrMapOvr>
+  <p:timing>
+    <p:tnLst>
+      <p:par>
+        <p:cTn id="1" dur="indefinite" restart="never" nodeType="tmRoot"/>
+      </p:par>
+    </p:tnLst>
+  </p:timing>
+</p:sld>
+</file>
+
+<file path=ppt/slides/slide21.xml><?xml version="1.0" encoding="utf-8"?>
+<p:sld xmlns:a="http://schemas.openxmlformats.org/drawingml/2006/main" xmlns:r="http://schemas.openxmlformats.org/officeDocument/2006/relationships" xmlns:p="http://schemas.openxmlformats.org/presentationml/2006/main">
+  <p:cSld>
+    <p:spTree>
+      <p:nvGrpSpPr>
+        <p:cNvPr id="1" name=""/>
+        <p:cNvGrpSpPr/>
+        <p:nvPr/>
+      </p:nvGrpSpPr>
+      <p:grpSpPr>
+        <a:xfrm>
+          <a:off x="0" y="0"/>
+          <a:ext cx="0" cy="0"/>
+          <a:chOff x="0" y="0"/>
+          <a:chExt cx="0" cy="0"/>
+        </a:xfrm>
+      </p:grpSpPr>
+      <p:sp>
+        <p:nvSpPr>
+          <p:cNvPr id="2" name="Title 1"/>
+          <p:cNvSpPr>
+            <a:spLocks noGrp="1"/>
+          </p:cNvSpPr>
+          <p:nvPr>
+            <p:ph type="title"/>
+          </p:nvPr>
+        </p:nvSpPr>
+        <p:spPr/>
+        <p:txBody>
+          <a:bodyPr/>
+          <a:lstStyle/>
+          <a:p>
+            <a:r>
+              <a:rPr lang="en-US" dirty="0" smtClean="0"/>
+              <a:t>Leases and Mutation Order</a:t>
+            </a:r>
+            <a:endParaRPr lang="en-US" dirty="0"/>
+          </a:p>
+        </p:txBody>
+      </p:sp>
+      <p:pic>
+        <p:nvPicPr>
+          <p:cNvPr id="2050" name="Picture 2"/>
+          <p:cNvPicPr>
+            <a:picLocks noGrp="1" noChangeAspect="1" noChangeArrowheads="1"/>
+          </p:cNvPicPr>
+          <p:nvPr>
+            <p:ph idx="1"/>
+          </p:nvPr>
+        </p:nvPicPr>
+        <p:blipFill>
+          <a:blip r:embed="rId2"/>
+          <a:srcRect/>
+          <a:stretch>
+            <a:fillRect/>
+          </a:stretch>
+        </p:blipFill>
+        <p:spPr bwMode="auto">
+          <a:xfrm>
+            <a:off x="2237193" y="1935163"/>
+            <a:ext cx="4669614" cy="4389437"/>
+          </a:xfrm>
+          <a:prstGeom prst="rect">
+            <a:avLst/>
+          </a:prstGeom>
+          <a:noFill/>
+          <a:ln w="9525">
+            <a:noFill/>
+            <a:miter lim="800000"/>
+            <a:headEnd/>
+            <a:tailEnd/>
+          </a:ln>
+          <a:effectLst/>
+        </p:spPr>
+      </p:pic>
+    </p:spTree>
+  </p:cSld>
+  <p:clrMapOvr>
+    <a:masterClrMapping/>
+  </p:clrMapOvr>
+  <p:timing>
+    <p:tnLst>
+      <p:par>
+        <p:cTn id="1" dur="indefinite" restart="never" nodeType="tmRoot"/>
+      </p:par>
+    </p:tnLst>
+  </p:timing>
+</p:sld>
+</file>
+
+<file path=ppt/slides/slide22.xml><?xml version="1.0" encoding="utf-8"?>
+<p:sld xmlns:a="http://schemas.openxmlformats.org/drawingml/2006/main" xmlns:r="http://schemas.openxmlformats.org/officeDocument/2006/relationships" xmlns:p="http://schemas.openxmlformats.org/presentationml/2006/main">
+  <p:cSld>
+    <p:spTree>
+      <p:nvGrpSpPr>
+        <p:cNvPr id="1" name=""/>
+        <p:cNvGrpSpPr/>
+        <p:nvPr/>
+      </p:nvGrpSpPr>
+      <p:grpSpPr>
+        <a:xfrm>
+          <a:off x="0" y="0"/>
+          <a:ext cx="0" cy="0"/>
+          <a:chOff x="0" y="0"/>
+          <a:chExt cx="0" cy="0"/>
+        </a:xfrm>
+      </p:grpSpPr>
+      <p:sp>
+        <p:nvSpPr>
+          <p:cNvPr id="2" name="Title 1"/>
+          <p:cNvSpPr>
+            <a:spLocks noGrp="1"/>
+          </p:cNvSpPr>
+          <p:nvPr>
+            <p:ph type="title"/>
+          </p:nvPr>
+        </p:nvSpPr>
+        <p:spPr/>
+        <p:txBody>
+          <a:bodyPr/>
+          <a:lstStyle/>
+          <a:p>
+            <a:r>
+              <a:rPr lang="en-US" dirty="0" smtClean="0"/>
+              <a:t>Steps to perform a mutation.</a:t>
+            </a:r>
+            <a:endParaRPr lang="en-US" dirty="0"/>
+          </a:p>
+        </p:txBody>
+      </p:sp>
+      <p:graphicFrame>
+        <p:nvGraphicFramePr>
+          <p:cNvPr id="5" name="Content Placeholder 4"/>
+          <p:cNvGraphicFramePr>
+            <a:graphicFrameLocks noGrp="1"/>
+          </p:cNvGraphicFramePr>
+          <p:nvPr>
+            <p:ph idx="1"/>
+          </p:nvPr>
+        </p:nvGraphicFramePr>
+        <p:xfrm>
+          <a:off x="457200" y="1935480"/>
+          <a:ext cx="8229600" cy="4389120"/>
+        </p:xfrm>
+        <a:graphic>
+          <a:graphicData uri="http://schemas.openxmlformats.org/drawingml/2006/diagram">
+            <dgm:relIds xmlns:dgm="http://schemas.openxmlformats.org/drawingml/2006/diagram" xmlns:r="http://schemas.openxmlformats.org/officeDocument/2006/relationships" r:dm="rId2" r:lo="rId3" r:qs="rId4" r:cs="rId5"/>
+          </a:graphicData>
+        </a:graphic>
+      </p:graphicFrame>
+    </p:spTree>
+  </p:cSld>
+  <p:clrMapOvr>
+    <a:masterClrMapping/>
+  </p:clrMapOvr>
+  <p:timing>
+    <p:tnLst>
+      <p:par>
+        <p:cTn id="1" dur="indefinite" restart="never" nodeType="tmRoot"/>
+      </p:par>
+    </p:tnLst>
+  </p:timing>
+</p:sld>
+</file>
+
+<file path=ppt/slides/slide23.xml><?xml version="1.0" encoding="utf-8"?>
+<p:sld xmlns:a="http://schemas.openxmlformats.org/drawingml/2006/main" xmlns:r="http://schemas.openxmlformats.org/officeDocument/2006/relationships" xmlns:p="http://schemas.openxmlformats.org/presentationml/2006/main">
+  <p:cSld>
+    <p:spTree>
+      <p:nvGrpSpPr>
+        <p:cNvPr id="1" name=""/>
+        <p:cNvGrpSpPr/>
+        <p:nvPr/>
+      </p:nvGrpSpPr>
+      <p:grpSpPr>
+        <a:xfrm>
+          <a:off x="0" y="0"/>
+          <a:ext cx="0" cy="0"/>
+          <a:chOff x="0" y="0"/>
+          <a:chExt cx="0" cy="0"/>
+        </a:xfrm>
+      </p:grpSpPr>
+      <p:sp>
+        <p:nvSpPr>
+          <p:cNvPr id="2" name="Title 1"/>
+          <p:cNvSpPr>
+            <a:spLocks noGrp="1"/>
+          </p:cNvSpPr>
+          <p:nvPr>
+            <p:ph type="title"/>
+          </p:nvPr>
+        </p:nvSpPr>
+        <p:spPr/>
+        <p:txBody>
+          <a:bodyPr/>
+          <a:lstStyle/>
+          <a:p>
+            <a:r>
+              <a:rPr lang="en-US" dirty="0" smtClean="0"/>
+              <a:t>Leases and Mutation Order</a:t>
+            </a:r>
+            <a:endParaRPr lang="en-US" dirty="0"/>
+          </a:p>
+        </p:txBody>
+      </p:sp>
+      <p:pic>
+        <p:nvPicPr>
+          <p:cNvPr id="2050" name="Picture 2"/>
+          <p:cNvPicPr>
+            <a:picLocks noGrp="1" noChangeAspect="1" noChangeArrowheads="1"/>
+          </p:cNvPicPr>
+          <p:nvPr>
+            <p:ph idx="1"/>
+          </p:nvPr>
+        </p:nvPicPr>
+        <p:blipFill>
+          <a:blip r:embed="rId2"/>
+          <a:srcRect/>
+          <a:stretch>
+            <a:fillRect/>
+          </a:stretch>
+        </p:blipFill>
+        <p:spPr bwMode="auto">
+          <a:xfrm>
+            <a:off x="2237193" y="1935163"/>
+            <a:ext cx="4669614" cy="4389437"/>
+          </a:xfrm>
+          <a:prstGeom prst="rect">
+            <a:avLst/>
+          </a:prstGeom>
+          <a:noFill/>
+          <a:ln w="9525">
+            <a:noFill/>
+            <a:miter lim="800000"/>
+            <a:headEnd/>
+            <a:tailEnd/>
+          </a:ln>
+          <a:effectLst/>
+        </p:spPr>
+      </p:pic>
+    </p:spTree>
+  </p:cSld>
+  <p:clrMapOvr>
+    <a:masterClrMapping/>
+  </p:clrMapOvr>
+  <p:timing>
+    <p:tnLst>
+      <p:par>
+        <p:cTn id="1" dur="indefinite" restart="never" nodeType="tmRoot"/>
+      </p:par>
+    </p:tnLst>
+  </p:timing>
+</p:sld>
+</file>
+
+<file path=ppt/slides/slide24.xml><?xml version="1.0" encoding="utf-8"?>
+<p:sld xmlns:a="http://schemas.openxmlformats.org/drawingml/2006/main" xmlns:r="http://schemas.openxmlformats.org/officeDocument/2006/relationships" xmlns:p="http://schemas.openxmlformats.org/presentationml/2006/main">
+  <p:cSld>
+    <p:spTree>
+      <p:nvGrpSpPr>
+        <p:cNvPr id="1" name=""/>
+        <p:cNvGrpSpPr/>
+        <p:nvPr/>
+      </p:nvGrpSpPr>
+      <p:grpSpPr>
+        <a:xfrm>
+          <a:off x="0" y="0"/>
+          <a:ext cx="0" cy="0"/>
+          <a:chOff x="0" y="0"/>
+          <a:chExt cx="0" cy="0"/>
+        </a:xfrm>
+      </p:grpSpPr>
+      <p:sp>
+        <p:nvSpPr>
+          <p:cNvPr id="2" name="Title 1"/>
+          <p:cNvSpPr>
+            <a:spLocks noGrp="1"/>
+          </p:cNvSpPr>
+          <p:nvPr>
+            <p:ph type="title"/>
+          </p:nvPr>
+        </p:nvSpPr>
+        <p:spPr/>
+        <p:txBody>
+          <a:bodyPr/>
+          <a:lstStyle/>
+          <a:p>
+            <a:r>
+              <a:rPr lang="en-US" dirty="0" smtClean="0"/>
+              <a:t>Real World Clusters</a:t>
+            </a:r>
+            <a:endParaRPr lang="en-US" dirty="0"/>
+          </a:p>
+        </p:txBody>
+      </p:sp>
+      <p:pic>
+        <p:nvPicPr>
+          <p:cNvPr id="1026" name="Picture 2"/>
+          <p:cNvPicPr>
+            <a:picLocks noGrp="1" noChangeAspect="1" noChangeArrowheads="1"/>
+          </p:cNvPicPr>
+          <p:nvPr>
+            <p:ph idx="1"/>
+          </p:nvPr>
+        </p:nvPicPr>
+        <p:blipFill>
+          <a:blip r:embed="rId2"/>
+          <a:srcRect/>
+          <a:stretch>
+            <a:fillRect/>
+          </a:stretch>
+        </p:blipFill>
+        <p:spPr bwMode="auto">
+          <a:xfrm>
+            <a:off x="1219200" y="2174748"/>
+            <a:ext cx="6629400" cy="3845052"/>
+          </a:xfrm>
+          <a:prstGeom prst="rect">
+            <a:avLst/>
+          </a:prstGeom>
+          <a:noFill/>
+          <a:ln w="9525">
+            <a:noFill/>
+            <a:miter lim="800000"/>
+            <a:headEnd/>
+            <a:tailEnd/>
+          </a:ln>
+          <a:effectLst/>
+        </p:spPr>
+      </p:pic>
+    </p:spTree>
+  </p:cSld>
+  <p:clrMapOvr>
+    <a:masterClrMapping/>
+  </p:clrMapOvr>
+</p:sld>
+</file>
+
+<file path=ppt/slides/slide25.xml><?xml version="1.0" encoding="utf-8"?>
+<p:sld xmlns:a="http://schemas.openxmlformats.org/drawingml/2006/main" xmlns:r="http://schemas.openxmlformats.org/officeDocument/2006/relationships" xmlns:p="http://schemas.openxmlformats.org/presentationml/2006/main">
+  <p:cSld>
+    <p:spTree>
+      <p:nvGrpSpPr>
+        <p:cNvPr id="1" name=""/>
+        <p:cNvGrpSpPr/>
+        <p:nvPr/>
+      </p:nvGrpSpPr>
+      <p:grpSpPr>
+        <a:xfrm>
+          <a:off x="0" y="0"/>
+          <a:ext cx="0" cy="0"/>
+          <a:chOff x="0" y="0"/>
+          <a:chExt cx="0" cy="0"/>
+        </a:xfrm>
+      </p:grpSpPr>
+      <p:sp>
+        <p:nvSpPr>
+          <p:cNvPr id="2" name="Title 1"/>
+          <p:cNvSpPr>
+            <a:spLocks noGrp="1"/>
+          </p:cNvSpPr>
+          <p:nvPr>
+            <p:ph type="title"/>
+          </p:nvPr>
+        </p:nvSpPr>
+        <p:spPr/>
+        <p:txBody>
+          <a:bodyPr/>
+          <a:lstStyle/>
+          <a:p>
+            <a:r>
+              <a:rPr lang="en-US" dirty="0" smtClean="0"/>
+              <a:t>References</a:t>
+            </a:r>
+            <a:endParaRPr lang="en-US" dirty="0"/>
+          </a:p>
+        </p:txBody>
+      </p:sp>
+      <p:sp>
+        <p:nvSpPr>
+          <p:cNvPr id="3" name="Content Placeholder 2"/>
+          <p:cNvSpPr>
+            <a:spLocks noGrp="1"/>
+          </p:cNvSpPr>
+          <p:nvPr>
+            <p:ph idx="1"/>
+          </p:nvPr>
+        </p:nvSpPr>
+        <p:spPr/>
+        <p:txBody>
+          <a:bodyPr/>
+          <a:lstStyle/>
+          <a:p>
+            <a:r>
+              <a:rPr lang="en-US" dirty="0" smtClean="0"/>
+              <a:t>Sanjay </a:t>
+            </a:r>
+            <a:r>
+              <a:rPr lang="en-US" dirty="0" err="1" smtClean="0"/>
+              <a:t>Ghemawat</a:t>
+            </a:r>
+            <a:r>
+              <a:rPr lang="en-US" dirty="0" smtClean="0"/>
+              <a:t>, Howard </a:t>
+            </a:r>
+            <a:r>
+              <a:rPr lang="en-US" dirty="0" err="1" smtClean="0"/>
+              <a:t>Gobioff</a:t>
+            </a:r>
+            <a:r>
+              <a:rPr lang="en-US" dirty="0" smtClean="0"/>
+              <a:t>, and Shun-</a:t>
+            </a:r>
+            <a:r>
+              <a:rPr lang="en-US" dirty="0" err="1" smtClean="0"/>
+              <a:t>Tak</a:t>
+            </a:r>
+            <a:r>
+              <a:rPr lang="en-US" dirty="0" smtClean="0"/>
+              <a:t> Leung. </a:t>
+            </a:r>
+            <a:r>
+              <a:rPr lang="en-US" dirty="0" smtClean="0">
+                <a:hlinkClick r:id="rId2"/>
+              </a:rPr>
+              <a:t>The Google file system</a:t>
+            </a:r>
+            <a:r>
+              <a:rPr lang="en-US" dirty="0" smtClean="0"/>
+              <a:t>. In </a:t>
+            </a:r>
+            <a:r>
+              <a:rPr lang="en-US" i="1" dirty="0" smtClean="0"/>
+              <a:t>19th Symposium on Operating Systems Principles</a:t>
+            </a:r>
+            <a:r>
+              <a:rPr lang="en-US" dirty="0" smtClean="0"/>
+              <a:t>, pages 29-43, Lake George, New York, 2003.</a:t>
+            </a:r>
+            <a:endParaRPr lang="en-US" dirty="0"/>
+          </a:p>
+        </p:txBody>
+      </p:sp>
+    </p:spTree>
+  </p:cSld>
+  <p:clrMapOvr>
+    <a:masterClrMapping/>
+  </p:clrMapOvr>
+  <p:timing>
+    <p:tnLst>
+      <p:par>
+        <p:cTn id="1" dur="indefinite" restart="never" nodeType="tmRoot"/>
+      </p:par>
+    </p:tnLst>
+  </p:timing>
+</p:sld>
+</file>
+
+<file path=ppt/slides/slide26.xml><?xml version="1.0" encoding="utf-8"?>
+<p:sld xmlns:a="http://schemas.openxmlformats.org/drawingml/2006/main" xmlns:r="http://schemas.openxmlformats.org/officeDocument/2006/relationships" xmlns:p="http://schemas.openxmlformats.org/presentationml/2006/main">
+  <p:cSld>
+    <p:spTree>
+      <p:nvGrpSpPr>
+        <p:cNvPr id="1" name=""/>
+        <p:cNvGrpSpPr/>
+        <p:nvPr/>
+      </p:nvGrpSpPr>
+      <p:grpSpPr>
+        <a:xfrm>
+          <a:off x="0" y="0"/>
+          <a:ext cx="0" cy="0"/>
+          <a:chOff x="0" y="0"/>
+          <a:chExt cx="0" cy="0"/>
+        </a:xfrm>
+      </p:grpSpPr>
+      <p:sp>
+        <p:nvSpPr>
           <p:cNvPr id="4" name="Title 3"/>
           <p:cNvSpPr>
             <a:spLocks noGrp="1"/>
@@ -6219,7 +13887,7 @@
 </p:sld>
 </file>
 
-<file path=ppt/slides/slide21.xml><?xml version="1.0" encoding="utf-8"?>
+<file path=ppt/slides/slide27.xml><?xml version="1.0" encoding="utf-8"?>
 <p:sld xmlns:a="http://schemas.openxmlformats.org/drawingml/2006/main" xmlns:r="http://schemas.openxmlformats.org/officeDocument/2006/relationships" xmlns:p="http://schemas.openxmlformats.org/presentationml/2006/main">
   <p:cSld>
     <p:spTree>
@@ -6251,10 +13919,6 @@
           <a:bodyPr/>
           <a:lstStyle/>
           <a:p>
-            <a:r>
-              <a:rPr lang="en-US" dirty="0" smtClean="0"/>
-              <a:t>References</a:t>
-            </a:r>
             <a:endParaRPr lang="en-US" dirty="0"/>
           </a:p>
         </p:txBody>
@@ -6276,59 +13940,19 @@
           <a:p>
             <a:r>
               <a:rPr lang="en-US" dirty="0" smtClean="0"/>
-              <a:t>Sanjay </a:t>
-            </a:r>
-            <a:r>
-              <a:rPr lang="en-US" dirty="0" err="1" smtClean="0"/>
-              <a:t>Ghemawat</a:t>
-            </a:r>
+              <a:t>Distributed FS, they don’t deal with how the actual data is being stored.</a:t>
+            </a:r>
+          </a:p>
+          <a:p>
             <a:r>
               <a:rPr lang="en-US" dirty="0" smtClean="0"/>
-              <a:t>, Howard </a:t>
-            </a:r>
-            <a:r>
-              <a:rPr lang="en-US" dirty="0" err="1" smtClean="0"/>
-              <a:t>Gobioff</a:t>
-            </a:r>
+              <a:t>Concurrency – locks.. Etc.</a:t>
+            </a:r>
+          </a:p>
+          <a:p>
             <a:r>
               <a:rPr lang="en-US" dirty="0" smtClean="0"/>
-              <a:t>, and Shun-</a:t>
-            </a:r>
-            <a:r>
-              <a:rPr lang="en-US" dirty="0" err="1" smtClean="0"/>
-              <a:t>Tak</a:t>
-            </a:r>
-            <a:r>
-              <a:rPr lang="en-US" dirty="0" smtClean="0"/>
-              <a:t> Leung. </a:t>
-            </a:r>
-            <a:r>
-              <a:rPr lang="en-US" dirty="0" smtClean="0">
-                <a:hlinkClick r:id="rId2"/>
-              </a:rPr>
-              <a:t>The </a:t>
-            </a:r>
-            <a:r>
-              <a:rPr lang="en-US" dirty="0" smtClean="0">
-                <a:hlinkClick r:id="rId2"/>
-              </a:rPr>
-              <a:t>Google file system</a:t>
-            </a:r>
-            <a:r>
-              <a:rPr lang="en-US" dirty="0" smtClean="0"/>
-              <a:t>. </a:t>
-            </a:r>
-            <a:r>
-              <a:rPr lang="en-US" dirty="0" smtClean="0"/>
-              <a:t>In </a:t>
-            </a:r>
-            <a:r>
-              <a:rPr lang="en-US" i="1" dirty="0" smtClean="0"/>
-              <a:t>19th Symposium on Operating Systems Principles</a:t>
-            </a:r>
-            <a:r>
-              <a:rPr lang="en-US" dirty="0" smtClean="0"/>
-              <a:t>, pages 29-43, Lake George, New York, 2003.</a:t>
+              <a:t>Replication data</a:t>
             </a:r>
             <a:endParaRPr lang="en-US" dirty="0"/>
           </a:p>
@@ -6346,6 +13970,116 @@
       </p:par>
     </p:tnLst>
   </p:timing>
+</p:sld>
+</file>
+
+<file path=ppt/slides/slide28.xml><?xml version="1.0" encoding="utf-8"?>
+<p:sld xmlns:a="http://schemas.openxmlformats.org/drawingml/2006/main" xmlns:r="http://schemas.openxmlformats.org/officeDocument/2006/relationships" xmlns:p="http://schemas.openxmlformats.org/presentationml/2006/main">
+  <p:cSld>
+    <p:spTree>
+      <p:nvGrpSpPr>
+        <p:cNvPr id="1" name=""/>
+        <p:cNvGrpSpPr/>
+        <p:nvPr/>
+      </p:nvGrpSpPr>
+      <p:grpSpPr>
+        <a:xfrm>
+          <a:off x="0" y="0"/>
+          <a:ext cx="0" cy="0"/>
+          <a:chOff x="0" y="0"/>
+          <a:chExt cx="0" cy="0"/>
+        </a:xfrm>
+      </p:grpSpPr>
+      <p:sp>
+        <p:nvSpPr>
+          <p:cNvPr id="2" name="Title 1"/>
+          <p:cNvSpPr>
+            <a:spLocks noGrp="1"/>
+          </p:cNvSpPr>
+          <p:nvPr>
+            <p:ph type="title"/>
+          </p:nvPr>
+        </p:nvSpPr>
+        <p:spPr/>
+        <p:txBody>
+          <a:bodyPr/>
+          <a:lstStyle/>
+          <a:p>
+            <a:r>
+              <a:rPr lang="en-US" dirty="0" smtClean="0"/>
+              <a:t>Steps to perform a mutation.</a:t>
+            </a:r>
+            <a:endParaRPr lang="en-US" dirty="0"/>
+          </a:p>
+        </p:txBody>
+      </p:sp>
+      <p:sp>
+        <p:nvSpPr>
+          <p:cNvPr id="3" name="Content Placeholder 2"/>
+          <p:cNvSpPr>
+            <a:spLocks noGrp="1"/>
+          </p:cNvSpPr>
+          <p:nvPr>
+            <p:ph idx="1"/>
+          </p:nvPr>
+        </p:nvSpPr>
+        <p:spPr/>
+        <p:txBody>
+          <a:bodyPr>
+            <a:normAutofit fontScale="92500"/>
+          </a:bodyPr>
+          <a:lstStyle/>
+          <a:p>
+            <a:pPr marL="514350" indent="-514350">
+              <a:buFont typeface="+mj-lt"/>
+              <a:buAutoNum type="arabicPeriod" startAt="4"/>
+            </a:pPr>
+            <a:r>
+              <a:rPr lang="en-US" dirty="0" smtClean="0"/>
+              <a:t>Once all the replicas have acknowledged receiving the data the client sends a write request to the primary. </a:t>
+            </a:r>
+          </a:p>
+          <a:p>
+            <a:pPr marL="880110" lvl="1" indent="-514350"/>
+            <a:r>
+              <a:rPr lang="en-US" dirty="0" smtClean="0"/>
+              <a:t>Specifies the order of how the data needs to be written.</a:t>
+            </a:r>
+          </a:p>
+          <a:p>
+            <a:pPr marL="880110" lvl="1" indent="-514350"/>
+            <a:r>
+              <a:rPr lang="en-US" dirty="0" smtClean="0"/>
+              <a:t>The primary assigns a consecutive serial number to all the mutations it receives.</a:t>
+            </a:r>
+          </a:p>
+          <a:p>
+            <a:pPr marL="880110" lvl="1" indent="-514350"/>
+            <a:r>
+              <a:rPr lang="en-US" dirty="0" smtClean="0"/>
+              <a:t>Applies the mutation to its own local state in serial number order.</a:t>
+            </a:r>
+          </a:p>
+          <a:p>
+            <a:pPr marL="514350" indent="-514350">
+              <a:buFont typeface="+mj-lt"/>
+              <a:buAutoNum type="arabicPeriod" startAt="4"/>
+            </a:pPr>
+            <a:r>
+              <a:rPr lang="en-US" dirty="0" smtClean="0"/>
+              <a:t>The primary forwards the write request to all the secondary replicas, and each replica applies the mutations the same way.</a:t>
+            </a:r>
+          </a:p>
+          <a:p>
+            <a:endParaRPr lang="en-US" dirty="0"/>
+          </a:p>
+        </p:txBody>
+      </p:sp>
+    </p:spTree>
+  </p:cSld>
+  <p:clrMapOvr>
+    <a:masterClrMapping/>
+  </p:clrMapOvr>
 </p:sld>
 </file>
 
@@ -6420,21 +14154,13 @@
           <a:p>
             <a:r>
               <a:rPr lang="en-US" dirty="0" smtClean="0"/>
-              <a:t>Provides an API that allows it to be accessible over the network</a:t>
-            </a:r>
+              <a:t>Provides an API that allows it to be accessible over the network.</a:t>
+            </a:r>
+          </a:p>
+          <a:p>
             <a:r>
               <a:rPr lang="en-US" dirty="0" smtClean="0"/>
-              <a:t>.</a:t>
-            </a:r>
-          </a:p>
-          <a:p>
-            <a:r>
-              <a:rPr lang="en-US" dirty="0" smtClean="0"/>
-              <a:t>They are layered on top of other filesystems</a:t>
-            </a:r>
-            <a:r>
-              <a:rPr lang="en-US" dirty="0" smtClean="0"/>
-              <a:t>.</a:t>
+              <a:t>They are layered on top of other filesystems.</a:t>
             </a:r>
           </a:p>
           <a:p>
@@ -7112,7 +14838,6 @@
               <a:rPr lang="en-US" dirty="0" smtClean="0"/>
               <a:t>A machine can act both as a client of the filesystem architecture, and as a chunkserver.</a:t>
             </a:r>
-            <a:endParaRPr lang="en-US" dirty="0" smtClean="0"/>
           </a:p>
           <a:p>
             <a:endParaRPr lang="en-US" dirty="0"/>
@@ -7282,15 +15007,7 @@
           <a:p>
             <a:r>
               <a:rPr lang="en-US" dirty="0" smtClean="0"/>
-              <a:t>A chunkserver is typically a commodity </a:t>
-            </a:r>
-            <a:r>
-              <a:rPr lang="en-US" dirty="0" smtClean="0"/>
-              <a:t>Linux </a:t>
-            </a:r>
-            <a:r>
-              <a:rPr lang="en-US" dirty="0" smtClean="0"/>
-              <a:t>machine </a:t>
+              <a:t>A chunkserver is typically a commodity Linux machine </a:t>
             </a:r>
           </a:p>
           <a:p>
@@ -7308,11 +15025,7 @@
           <a:p>
             <a:r>
               <a:rPr lang="en-US" dirty="0" smtClean="0"/>
-              <a:t>For reliability the chunks are replicated in multiple chunkservers. Each chunk is stored at least 3 times by default, but users may specify a higher number of replicas</a:t>
-            </a:r>
-            <a:r>
-              <a:rPr lang="en-US" dirty="0" smtClean="0"/>
-              <a:t>.</a:t>
+              <a:t>For reliability the chunks are replicated in multiple chunkservers. Each chunk is stored at least 3 times by default, but users may specify a higher number of replicas.</a:t>
             </a:r>
           </a:p>
           <a:p>
@@ -7328,17 +15041,12 @@
             </a:r>
             <a:r>
               <a:rPr lang="en-US" dirty="0" err="1" smtClean="0"/>
-              <a:t>L</a:t>
-            </a:r>
-            <a:r>
-              <a:rPr lang="en-US" dirty="0" err="1" smtClean="0"/>
-              <a:t>inux’s</a:t>
+              <a:t>Linux’s</a:t>
             </a:r>
             <a:r>
               <a:rPr lang="en-US" dirty="0" smtClean="0"/>
               <a:t> buffer cache which keeps the frequently accessed data in memory.</a:t>
             </a:r>
-            <a:endParaRPr lang="en-US" dirty="0" smtClean="0"/>
           </a:p>
           <a:p>
             <a:endParaRPr lang="en-US" dirty="0"/>
@@ -7488,13 +15196,8 @@
             <a:pPr lvl="1"/>
             <a:r>
               <a:rPr lang="en-US" dirty="0" smtClean="0"/>
-              <a:t>Communicates with each chunkserver to </a:t>
-            </a:r>
-            <a:r>
-              <a:rPr lang="en-US" dirty="0" smtClean="0"/>
-              <a:t>collect its state.</a:t>
-            </a:r>
-            <a:endParaRPr lang="en-US" dirty="0" smtClean="0"/>
+              <a:t>Communicates with each chunkserver to collect its state.</a:t>
+            </a:r>
           </a:p>
           <a:p>
             <a:pPr lvl="1"/>

--- a/google-fs/google-fs.pptx
+++ b/google-fs/google-fs.pptx
@@ -14,18 +14,18 @@
     <p:sldId id="300" r:id="rId8"/>
     <p:sldId id="265" r:id="rId9"/>
     <p:sldId id="260" r:id="rId10"/>
-    <p:sldId id="301" r:id="rId11"/>
-    <p:sldId id="268" r:id="rId12"/>
-    <p:sldId id="302" r:id="rId13"/>
-    <p:sldId id="266" r:id="rId14"/>
-    <p:sldId id="295" r:id="rId15"/>
-    <p:sldId id="269" r:id="rId16"/>
-    <p:sldId id="261" r:id="rId17"/>
-    <p:sldId id="271" r:id="rId18"/>
-    <p:sldId id="298" r:id="rId19"/>
-    <p:sldId id="303" r:id="rId20"/>
-    <p:sldId id="304" r:id="rId21"/>
-    <p:sldId id="305" r:id="rId22"/>
+    <p:sldId id="268" r:id="rId11"/>
+    <p:sldId id="266" r:id="rId12"/>
+    <p:sldId id="295" r:id="rId13"/>
+    <p:sldId id="269" r:id="rId14"/>
+    <p:sldId id="261" r:id="rId15"/>
+    <p:sldId id="271" r:id="rId16"/>
+    <p:sldId id="298" r:id="rId17"/>
+    <p:sldId id="308" r:id="rId18"/>
+    <p:sldId id="314" r:id="rId19"/>
+    <p:sldId id="304" r:id="rId20"/>
+    <p:sldId id="305" r:id="rId21"/>
+    <p:sldId id="310" r:id="rId22"/>
     <p:sldId id="272" r:id="rId23"/>
     <p:sldId id="278" r:id="rId24"/>
     <p:sldId id="267" r:id="rId25"/>
@@ -34,17 +34,15 @@
     <p:sldId id="280" r:id="rId28"/>
     <p:sldId id="283" r:id="rId29"/>
     <p:sldId id="285" r:id="rId30"/>
-    <p:sldId id="287" r:id="rId31"/>
-    <p:sldId id="288" r:id="rId32"/>
-    <p:sldId id="289" r:id="rId33"/>
-    <p:sldId id="290" r:id="rId34"/>
-    <p:sldId id="276" r:id="rId35"/>
-    <p:sldId id="277" r:id="rId36"/>
-    <p:sldId id="259" r:id="rId37"/>
-    <p:sldId id="284" r:id="rId38"/>
-    <p:sldId id="279" r:id="rId39"/>
-    <p:sldId id="297" r:id="rId40"/>
-    <p:sldId id="286" r:id="rId41"/>
+    <p:sldId id="311" r:id="rId31"/>
+    <p:sldId id="307" r:id="rId32"/>
+    <p:sldId id="313" r:id="rId33"/>
+    <p:sldId id="287" r:id="rId34"/>
+    <p:sldId id="288" r:id="rId35"/>
+    <p:sldId id="306" r:id="rId36"/>
+    <p:sldId id="276" r:id="rId37"/>
+    <p:sldId id="277" r:id="rId38"/>
+    <p:sldId id="297" r:id="rId39"/>
   </p:sldIdLst>
   <p:sldSz cx="9144000" cy="6858000" type="screen4x3"/>
   <p:notesSz cx="6858000" cy="9144000"/>
@@ -3508,6 +3506,13 @@
         </dgm:presLayoutVars>
       </dgm:prSet>
       <dgm:spPr/>
+      <dgm:t>
+        <a:bodyPr/>
+        <a:lstStyle/>
+        <a:p>
+          <a:endParaRPr lang="en-US"/>
+        </a:p>
+      </dgm:t>
     </dgm:pt>
     <dgm:pt modelId="{104A215C-5570-42DC-98A3-660B0024EEBB}" type="pres">
       <dgm:prSet presAssocID="{C838CE90-635F-45F0-8FA5-3C9A73CC0B3B}" presName="linNode" presStyleCnt="0"/>
@@ -3521,6 +3526,13 @@
         </dgm:presLayoutVars>
       </dgm:prSet>
       <dgm:spPr/>
+      <dgm:t>
+        <a:bodyPr/>
+        <a:lstStyle/>
+        <a:p>
+          <a:endParaRPr lang="en-US"/>
+        </a:p>
+      </dgm:t>
     </dgm:pt>
     <dgm:pt modelId="{C01FA01D-3A1D-4BFF-AAA6-58C4DB43BD32}" type="pres">
       <dgm:prSet presAssocID="{C838CE90-635F-45F0-8FA5-3C9A73CC0B3B}" presName="descendantText" presStyleLbl="alignAccFollowNode1" presStyleIdx="0" presStyleCnt="3" custScaleX="132055">
@@ -3568,6 +3580,13 @@
         </dgm:presLayoutVars>
       </dgm:prSet>
       <dgm:spPr/>
+      <dgm:t>
+        <a:bodyPr/>
+        <a:lstStyle/>
+        <a:p>
+          <a:endParaRPr lang="en-US"/>
+        </a:p>
+      </dgm:t>
     </dgm:pt>
     <dgm:pt modelId="{617FFCE3-173F-4C21-A7E6-8415A978683A}" type="pres">
       <dgm:prSet presAssocID="{B75F894E-B82D-43EC-A56C-B802971BCDA9}" presName="sp" presStyleCnt="0"/>
@@ -3585,6 +3604,13 @@
         </dgm:presLayoutVars>
       </dgm:prSet>
       <dgm:spPr/>
+      <dgm:t>
+        <a:bodyPr/>
+        <a:lstStyle/>
+        <a:p>
+          <a:endParaRPr lang="en-US"/>
+        </a:p>
+      </dgm:t>
     </dgm:pt>
     <dgm:pt modelId="{8223147D-F4D4-4C8A-9D6B-DC45EBFC0377}" type="pres">
       <dgm:prSet presAssocID="{95A806F0-5CB5-485B-952F-B541FC8FF554}" presName="descendantText" presStyleLbl="alignAccFollowNode1" presStyleIdx="2" presStyleCnt="3" custScaleX="132055">
@@ -3593,39 +3619,46 @@
         </dgm:presLayoutVars>
       </dgm:prSet>
       <dgm:spPr/>
+      <dgm:t>
+        <a:bodyPr/>
+        <a:lstStyle/>
+        <a:p>
+          <a:endParaRPr lang="en-US"/>
+        </a:p>
+      </dgm:t>
     </dgm:pt>
   </dgm:ptLst>
   <dgm:cxnLst>
+    <dgm:cxn modelId="{0D8C35BB-9710-4E3A-B55F-4EC6C6A255FB}" type="presOf" srcId="{15978CC3-AC39-4B1A-97B9-0470994C654F}" destId="{C7F2A48B-BED9-44C5-AC52-84D0A7F96090}" srcOrd="0" destOrd="1" presId="urn:microsoft.com/office/officeart/2005/8/layout/vList5"/>
+    <dgm:cxn modelId="{D85E2727-3050-4166-AE02-58A7AAD5B3FA}" type="presOf" srcId="{9781EB4F-83C8-4C2C-951E-231E97CAB0A5}" destId="{C01FA01D-3A1D-4BFF-AAA6-58C4DB43BD32}" srcOrd="0" destOrd="1" presId="urn:microsoft.com/office/officeart/2005/8/layout/vList5"/>
     <dgm:cxn modelId="{5C5D0DD3-CFCB-4B06-A16E-E41EE4681E93}" srcId="{C838CE90-635F-45F0-8FA5-3C9A73CC0B3B}" destId="{9781EB4F-83C8-4C2C-951E-231E97CAB0A5}" srcOrd="1" destOrd="0" parTransId="{18D2F691-65AF-47DF-9A5C-BDE2DCE6684F}" sibTransId="{33048334-8599-4E9C-A401-C118E19490B0}"/>
     <dgm:cxn modelId="{7A072136-C911-4813-ACF1-0A262177CA95}" srcId="{7466B57F-405E-4190-9A69-68FD39D3BAF4}" destId="{95A806F0-5CB5-485B-952F-B541FC8FF554}" srcOrd="2" destOrd="0" parTransId="{17CF5E13-98A4-4B9E-9344-4B7B740BF032}" sibTransId="{F6E4B5C9-63BF-44EC-B8BA-C5E09B9DB4FC}"/>
+    <dgm:cxn modelId="{62D73C4C-C196-477E-B02A-6027507F6591}" type="presOf" srcId="{61ABD4DE-CA92-42F9-BE10-6ED8A15C1ED5}" destId="{1840B11D-C610-4CB3-9F98-51EC76399694}" srcOrd="0" destOrd="0" presId="urn:microsoft.com/office/officeart/2005/8/layout/vList5"/>
+    <dgm:cxn modelId="{0608A034-1580-4E57-8538-2A783A367FA5}" type="presOf" srcId="{A5A2D184-96A1-48FA-A4F8-E4C66852E6B3}" destId="{8223147D-F4D4-4C8A-9D6B-DC45EBFC0377}" srcOrd="0" destOrd="0" presId="urn:microsoft.com/office/officeart/2005/8/layout/vList5"/>
     <dgm:cxn modelId="{D5F7F2BC-500F-4B35-810A-28722B98F773}" srcId="{95A806F0-5CB5-485B-952F-B541FC8FF554}" destId="{6B96E390-3BBD-416B-AB08-850915289A69}" srcOrd="1" destOrd="0" parTransId="{84D1C929-E165-40D3-B69C-DB7EF4A755DE}" sibTransId="{1251A477-DF29-47C3-BA88-51ECDCB7E4C3}"/>
-    <dgm:cxn modelId="{9A5AFE95-FB1C-4E53-832A-CE27AEF902A5}" type="presOf" srcId="{6B96E390-3BBD-416B-AB08-850915289A69}" destId="{8223147D-F4D4-4C8A-9D6B-DC45EBFC0377}" srcOrd="0" destOrd="1" presId="urn:microsoft.com/office/officeart/2005/8/layout/vList5"/>
-    <dgm:cxn modelId="{18E7D3F5-B23A-468D-BFC4-1F20E4143624}" type="presOf" srcId="{C838CE90-635F-45F0-8FA5-3C9A73CC0B3B}" destId="{DFEA350E-00CC-49CD-A96F-08393F5A94AE}" srcOrd="0" destOrd="0" presId="urn:microsoft.com/office/officeart/2005/8/layout/vList5"/>
+    <dgm:cxn modelId="{11C6FFB7-08A4-4B05-BE3D-75C372F8BF73}" type="presOf" srcId="{95A806F0-5CB5-485B-952F-B541FC8FF554}" destId="{5B08EB7D-589F-444A-8B04-10DB7B5149ED}" srcOrd="0" destOrd="0" presId="urn:microsoft.com/office/officeart/2005/8/layout/vList5"/>
     <dgm:cxn modelId="{8064E302-2E9A-49B4-92DF-5EADFEA7982B}" srcId="{95A806F0-5CB5-485B-952F-B541FC8FF554}" destId="{A5A2D184-96A1-48FA-A4F8-E4C66852E6B3}" srcOrd="0" destOrd="0" parTransId="{C8A63064-A403-4C6D-9C95-8FD7E0D1D50C}" sibTransId="{AC28CAFC-D015-4D76-BC78-16D23444A33B}"/>
     <dgm:cxn modelId="{E3673CC6-496E-4C1F-86F7-EB8B4FBF168A}" srcId="{61ABD4DE-CA92-42F9-BE10-6ED8A15C1ED5}" destId="{15978CC3-AC39-4B1A-97B9-0470994C654F}" srcOrd="1" destOrd="0" parTransId="{8E05F1DC-DF01-411A-B537-10A320F325F1}" sibTransId="{743539D0-B0E2-491C-B1BF-46C37AA469B7}"/>
-    <dgm:cxn modelId="{27164F06-5AEA-4BCA-886B-1BB5B58D6EA7}" type="presOf" srcId="{9781EB4F-83C8-4C2C-951E-231E97CAB0A5}" destId="{C01FA01D-3A1D-4BFF-AAA6-58C4DB43BD32}" srcOrd="0" destOrd="1" presId="urn:microsoft.com/office/officeart/2005/8/layout/vList5"/>
+    <dgm:cxn modelId="{A88D801D-034A-4823-8E8E-AEDEE5CAADDA}" type="presOf" srcId="{C838CE90-635F-45F0-8FA5-3C9A73CC0B3B}" destId="{DFEA350E-00CC-49CD-A96F-08393F5A94AE}" srcOrd="0" destOrd="0" presId="urn:microsoft.com/office/officeart/2005/8/layout/vList5"/>
+    <dgm:cxn modelId="{2833A982-7918-4129-9872-F471A6FBD02D}" type="presOf" srcId="{7466B57F-405E-4190-9A69-68FD39D3BAF4}" destId="{407C3A8E-EAA9-434E-AE55-98C36EDD55FE}" srcOrd="0" destOrd="0" presId="urn:microsoft.com/office/officeart/2005/8/layout/vList5"/>
     <dgm:cxn modelId="{8F1A40BC-9DD1-4AC4-A52A-6F0419B69E9A}" srcId="{7466B57F-405E-4190-9A69-68FD39D3BAF4}" destId="{C838CE90-635F-45F0-8FA5-3C9A73CC0B3B}" srcOrd="0" destOrd="0" parTransId="{C1A5D790-39C2-4804-964C-101E58C2AAB8}" sibTransId="{F52D5D45-474A-4FE9-A854-B7DC32619C5C}"/>
-    <dgm:cxn modelId="{790D07C4-4358-4781-A267-101BF97CCC2F}" type="presOf" srcId="{7466B57F-405E-4190-9A69-68FD39D3BAF4}" destId="{407C3A8E-EAA9-434E-AE55-98C36EDD55FE}" srcOrd="0" destOrd="0" presId="urn:microsoft.com/office/officeart/2005/8/layout/vList5"/>
-    <dgm:cxn modelId="{68A0A7CE-8CEF-4BD4-84D4-2AB09EF1358F}" type="presOf" srcId="{61ABD4DE-CA92-42F9-BE10-6ED8A15C1ED5}" destId="{1840B11D-C610-4CB3-9F98-51EC76399694}" srcOrd="0" destOrd="0" presId="urn:microsoft.com/office/officeart/2005/8/layout/vList5"/>
     <dgm:cxn modelId="{FE9995CC-321A-4892-8B3B-AAF2E6548C70}" srcId="{61ABD4DE-CA92-42F9-BE10-6ED8A15C1ED5}" destId="{93E70391-06A7-47F2-ACA6-69BD182762CF}" srcOrd="0" destOrd="0" parTransId="{A76EE32C-F8CB-4ACC-A707-B8687E4A9C10}" sibTransId="{6F426578-9775-4671-96F0-1BC1DCA1A793}"/>
-    <dgm:cxn modelId="{459B5C32-A3C8-4EA7-A866-6F6C8FCD89FC}" type="presOf" srcId="{1483939A-FEFF-4E31-B6FE-136659321441}" destId="{C01FA01D-3A1D-4BFF-AAA6-58C4DB43BD32}" srcOrd="0" destOrd="0" presId="urn:microsoft.com/office/officeart/2005/8/layout/vList5"/>
-    <dgm:cxn modelId="{D610D36F-F5B8-484A-8218-D8629BBEF68A}" type="presOf" srcId="{93E70391-06A7-47F2-ACA6-69BD182762CF}" destId="{C7F2A48B-BED9-44C5-AC52-84D0A7F96090}" srcOrd="0" destOrd="0" presId="urn:microsoft.com/office/officeart/2005/8/layout/vList5"/>
-    <dgm:cxn modelId="{7556C5D7-453D-41F0-979D-93A3B5A5AA35}" type="presOf" srcId="{A5A2D184-96A1-48FA-A4F8-E4C66852E6B3}" destId="{8223147D-F4D4-4C8A-9D6B-DC45EBFC0377}" srcOrd="0" destOrd="0" presId="urn:microsoft.com/office/officeart/2005/8/layout/vList5"/>
-    <dgm:cxn modelId="{184B05AC-226D-4ED5-966F-1D0409369D5A}" type="presOf" srcId="{95A806F0-5CB5-485B-952F-B541FC8FF554}" destId="{5B08EB7D-589F-444A-8B04-10DB7B5149ED}" srcOrd="0" destOrd="0" presId="urn:microsoft.com/office/officeart/2005/8/layout/vList5"/>
-    <dgm:cxn modelId="{2AAC0CCA-A4A3-4BAA-B462-40E8CBB94A14}" type="presOf" srcId="{15978CC3-AC39-4B1A-97B9-0470994C654F}" destId="{C7F2A48B-BED9-44C5-AC52-84D0A7F96090}" srcOrd="0" destOrd="1" presId="urn:microsoft.com/office/officeart/2005/8/layout/vList5"/>
+    <dgm:cxn modelId="{D3DF980F-2071-4CF0-ADA5-0B3E658FFE20}" type="presOf" srcId="{6B96E390-3BBD-416B-AB08-850915289A69}" destId="{8223147D-F4D4-4C8A-9D6B-DC45EBFC0377}" srcOrd="0" destOrd="1" presId="urn:microsoft.com/office/officeart/2005/8/layout/vList5"/>
     <dgm:cxn modelId="{A1EF8020-5F88-46C3-8C33-6E8EDFE9F671}" srcId="{7466B57F-405E-4190-9A69-68FD39D3BAF4}" destId="{61ABD4DE-CA92-42F9-BE10-6ED8A15C1ED5}" srcOrd="1" destOrd="0" parTransId="{EC437AB4-D64B-4555-BA76-86A77464EC1E}" sibTransId="{B75F894E-B82D-43EC-A56C-B802971BCDA9}"/>
+    <dgm:cxn modelId="{C976D168-C104-4F6C-9574-E9621F5FC6E3}" type="presOf" srcId="{93E70391-06A7-47F2-ACA6-69BD182762CF}" destId="{C7F2A48B-BED9-44C5-AC52-84D0A7F96090}" srcOrd="0" destOrd="0" presId="urn:microsoft.com/office/officeart/2005/8/layout/vList5"/>
+    <dgm:cxn modelId="{8A55220E-F7D3-4CD1-855B-B6A3E003E463}" type="presOf" srcId="{1483939A-FEFF-4E31-B6FE-136659321441}" destId="{C01FA01D-3A1D-4BFF-AAA6-58C4DB43BD32}" srcOrd="0" destOrd="0" presId="urn:microsoft.com/office/officeart/2005/8/layout/vList5"/>
     <dgm:cxn modelId="{8B254B04-889C-4042-AB01-2A95EF699A95}" srcId="{C838CE90-635F-45F0-8FA5-3C9A73CC0B3B}" destId="{1483939A-FEFF-4E31-B6FE-136659321441}" srcOrd="0" destOrd="0" parTransId="{F8EE70B6-5E81-489B-837F-AB983914281C}" sibTransId="{E45AAFDA-E077-4733-BD7B-E4F5602A2A48}"/>
-    <dgm:cxn modelId="{E82153CC-5A92-4A33-A0FB-C3E0FC10B86F}" type="presParOf" srcId="{407C3A8E-EAA9-434E-AE55-98C36EDD55FE}" destId="{104A215C-5570-42DC-98A3-660B0024EEBB}" srcOrd="0" destOrd="0" presId="urn:microsoft.com/office/officeart/2005/8/layout/vList5"/>
-    <dgm:cxn modelId="{F259890C-E48B-4FD0-8CA9-2084CE6EA5E4}" type="presParOf" srcId="{104A215C-5570-42DC-98A3-660B0024EEBB}" destId="{DFEA350E-00CC-49CD-A96F-08393F5A94AE}" srcOrd="0" destOrd="0" presId="urn:microsoft.com/office/officeart/2005/8/layout/vList5"/>
-    <dgm:cxn modelId="{75A7DF6D-D2F3-439B-B550-0EF3E79E536E}" type="presParOf" srcId="{104A215C-5570-42DC-98A3-660B0024EEBB}" destId="{C01FA01D-3A1D-4BFF-AAA6-58C4DB43BD32}" srcOrd="1" destOrd="0" presId="urn:microsoft.com/office/officeart/2005/8/layout/vList5"/>
-    <dgm:cxn modelId="{06B40E7A-0CB6-4500-ADB0-04C2AB060EB2}" type="presParOf" srcId="{407C3A8E-EAA9-434E-AE55-98C36EDD55FE}" destId="{6E31B4D0-419C-4903-8186-04A8CC280C39}" srcOrd="1" destOrd="0" presId="urn:microsoft.com/office/officeart/2005/8/layout/vList5"/>
-    <dgm:cxn modelId="{4785DB03-5336-46E4-A712-A5ACFA6B7883}" type="presParOf" srcId="{407C3A8E-EAA9-434E-AE55-98C36EDD55FE}" destId="{809DCC80-6DA6-4F79-9BB9-662DA971E9BA}" srcOrd="2" destOrd="0" presId="urn:microsoft.com/office/officeart/2005/8/layout/vList5"/>
-    <dgm:cxn modelId="{9EAF881D-E987-42DE-AE93-8B3A9C871AEE}" type="presParOf" srcId="{809DCC80-6DA6-4F79-9BB9-662DA971E9BA}" destId="{1840B11D-C610-4CB3-9F98-51EC76399694}" srcOrd="0" destOrd="0" presId="urn:microsoft.com/office/officeart/2005/8/layout/vList5"/>
-    <dgm:cxn modelId="{DADEF573-255B-4D6D-8380-BEB78435D50E}" type="presParOf" srcId="{809DCC80-6DA6-4F79-9BB9-662DA971E9BA}" destId="{C7F2A48B-BED9-44C5-AC52-84D0A7F96090}" srcOrd="1" destOrd="0" presId="urn:microsoft.com/office/officeart/2005/8/layout/vList5"/>
-    <dgm:cxn modelId="{1BED22C5-D00C-4139-81E0-DA0BD0788B0A}" type="presParOf" srcId="{407C3A8E-EAA9-434E-AE55-98C36EDD55FE}" destId="{617FFCE3-173F-4C21-A7E6-8415A978683A}" srcOrd="3" destOrd="0" presId="urn:microsoft.com/office/officeart/2005/8/layout/vList5"/>
-    <dgm:cxn modelId="{EFFADD73-2A6D-437E-95E2-8142B9176D88}" type="presParOf" srcId="{407C3A8E-EAA9-434E-AE55-98C36EDD55FE}" destId="{3A288637-440B-45F8-B83E-DE58E743C2A8}" srcOrd="4" destOrd="0" presId="urn:microsoft.com/office/officeart/2005/8/layout/vList5"/>
-    <dgm:cxn modelId="{9210EDE1-EE73-45B1-B2B5-BEB08D17F926}" type="presParOf" srcId="{3A288637-440B-45F8-B83E-DE58E743C2A8}" destId="{5B08EB7D-589F-444A-8B04-10DB7B5149ED}" srcOrd="0" destOrd="0" presId="urn:microsoft.com/office/officeart/2005/8/layout/vList5"/>
-    <dgm:cxn modelId="{1022B00B-175D-43C9-9D09-BFBF7E49DBDC}" type="presParOf" srcId="{3A288637-440B-45F8-B83E-DE58E743C2A8}" destId="{8223147D-F4D4-4C8A-9D6B-DC45EBFC0377}" srcOrd="1" destOrd="0" presId="urn:microsoft.com/office/officeart/2005/8/layout/vList5"/>
+    <dgm:cxn modelId="{FE5BAA60-F892-4E43-89E9-8EEF2D180D97}" type="presParOf" srcId="{407C3A8E-EAA9-434E-AE55-98C36EDD55FE}" destId="{104A215C-5570-42DC-98A3-660B0024EEBB}" srcOrd="0" destOrd="0" presId="urn:microsoft.com/office/officeart/2005/8/layout/vList5"/>
+    <dgm:cxn modelId="{99A7995A-2640-4ADF-A499-5673567787CF}" type="presParOf" srcId="{104A215C-5570-42DC-98A3-660B0024EEBB}" destId="{DFEA350E-00CC-49CD-A96F-08393F5A94AE}" srcOrd="0" destOrd="0" presId="urn:microsoft.com/office/officeart/2005/8/layout/vList5"/>
+    <dgm:cxn modelId="{419B0483-7DAC-41AB-8C3B-539C8AEFD88E}" type="presParOf" srcId="{104A215C-5570-42DC-98A3-660B0024EEBB}" destId="{C01FA01D-3A1D-4BFF-AAA6-58C4DB43BD32}" srcOrd="1" destOrd="0" presId="urn:microsoft.com/office/officeart/2005/8/layout/vList5"/>
+    <dgm:cxn modelId="{24C2F2E4-DE1F-4555-B5CD-70D512DB614D}" type="presParOf" srcId="{407C3A8E-EAA9-434E-AE55-98C36EDD55FE}" destId="{6E31B4D0-419C-4903-8186-04A8CC280C39}" srcOrd="1" destOrd="0" presId="urn:microsoft.com/office/officeart/2005/8/layout/vList5"/>
+    <dgm:cxn modelId="{006ED336-811F-41FF-B80B-9338E97012AC}" type="presParOf" srcId="{407C3A8E-EAA9-434E-AE55-98C36EDD55FE}" destId="{809DCC80-6DA6-4F79-9BB9-662DA971E9BA}" srcOrd="2" destOrd="0" presId="urn:microsoft.com/office/officeart/2005/8/layout/vList5"/>
+    <dgm:cxn modelId="{66BF2472-2D75-45D0-915B-174D0A531F11}" type="presParOf" srcId="{809DCC80-6DA6-4F79-9BB9-662DA971E9BA}" destId="{1840B11D-C610-4CB3-9F98-51EC76399694}" srcOrd="0" destOrd="0" presId="urn:microsoft.com/office/officeart/2005/8/layout/vList5"/>
+    <dgm:cxn modelId="{E7F5370E-219C-4A76-B59B-6E3290B9F1E9}" type="presParOf" srcId="{809DCC80-6DA6-4F79-9BB9-662DA971E9BA}" destId="{C7F2A48B-BED9-44C5-AC52-84D0A7F96090}" srcOrd="1" destOrd="0" presId="urn:microsoft.com/office/officeart/2005/8/layout/vList5"/>
+    <dgm:cxn modelId="{E8AB1F2D-7CF5-4A92-AF25-7278B825677F}" type="presParOf" srcId="{407C3A8E-EAA9-434E-AE55-98C36EDD55FE}" destId="{617FFCE3-173F-4C21-A7E6-8415A978683A}" srcOrd="3" destOrd="0" presId="urn:microsoft.com/office/officeart/2005/8/layout/vList5"/>
+    <dgm:cxn modelId="{21093116-F26F-4930-90CF-2D12B12A25B4}" type="presParOf" srcId="{407C3A8E-EAA9-434E-AE55-98C36EDD55FE}" destId="{3A288637-440B-45F8-B83E-DE58E743C2A8}" srcOrd="4" destOrd="0" presId="urn:microsoft.com/office/officeart/2005/8/layout/vList5"/>
+    <dgm:cxn modelId="{5DDDF417-34B4-480F-BD40-AB7A7374028E}" type="presParOf" srcId="{3A288637-440B-45F8-B83E-DE58E743C2A8}" destId="{5B08EB7D-589F-444A-8B04-10DB7B5149ED}" srcOrd="0" destOrd="0" presId="urn:microsoft.com/office/officeart/2005/8/layout/vList5"/>
+    <dgm:cxn modelId="{1EA97A05-EF6E-4EAF-B289-A27A55E32996}" type="presParOf" srcId="{3A288637-440B-45F8-B83E-DE58E743C2A8}" destId="{8223147D-F4D4-4C8A-9D6B-DC45EBFC0377}" srcOrd="1" destOrd="0" presId="urn:microsoft.com/office/officeart/2005/8/layout/vList5"/>
   </dgm:cxnLst>
   <dgm:bg/>
   <dgm:whole/>
@@ -4410,16 +4443,16 @@
     <dgm:cxn modelId="{93873F65-21DA-4E27-BBC8-D364375D4CF8}" type="presOf" srcId="{9807FAC7-FF62-4A30-A15A-D8FD3C494543}" destId="{9C3270B8-505C-4DFD-A3B5-6D55E98CC81C}" srcOrd="0" destOrd="2" presId="urn:microsoft.com/office/officeart/2005/8/layout/chevron2"/>
     <dgm:cxn modelId="{B2426BEC-E506-4371-A6A6-CF3EF7EF1C87}" type="presOf" srcId="{78BE387E-E645-4A55-BCBD-D5ACD3BA469C}" destId="{89235FE0-1E78-427F-BBDA-54281793B07B}" srcOrd="0" destOrd="0" presId="urn:microsoft.com/office/officeart/2005/8/layout/chevron2"/>
     <dgm:cxn modelId="{4BEABCB6-DC96-4530-8868-BA671767ABCB}" srcId="{1959D8FF-96E9-4F92-81F6-83408C1C931D}" destId="{9807FAC7-FF62-4A30-A15A-D8FD3C494543}" srcOrd="1" destOrd="0" parTransId="{541E6593-0381-4FE1-B3F7-FC4EB8834F1C}" sibTransId="{691333CA-CB5E-44C0-9E19-C0A1EF5383B0}"/>
+    <dgm:cxn modelId="{742CA787-5D58-40AC-80DD-ED37016E1A32}" type="presOf" srcId="{1959D8FF-96E9-4F92-81F6-83408C1C931D}" destId="{9C3270B8-505C-4DFD-A3B5-6D55E98CC81C}" srcOrd="0" destOrd="0" presId="urn:microsoft.com/office/officeart/2005/8/layout/chevron2"/>
     <dgm:cxn modelId="{19CD398B-F882-405F-ADF5-BDB513778785}" srcId="{1959D8FF-96E9-4F92-81F6-83408C1C931D}" destId="{77A7D588-7278-4F2B-9429-B36ADEA20CB3}" srcOrd="2" destOrd="0" parTransId="{8F87F8B9-326E-4D73-A108-FE5B58C0CC69}" sibTransId="{10A28AC7-3F8A-49C5-AE1F-91307F861ABE}"/>
-    <dgm:cxn modelId="{742CA787-5D58-40AC-80DD-ED37016E1A32}" type="presOf" srcId="{1959D8FF-96E9-4F92-81F6-83408C1C931D}" destId="{9C3270B8-505C-4DFD-A3B5-6D55E98CC81C}" srcOrd="0" destOrd="0" presId="urn:microsoft.com/office/officeart/2005/8/layout/chevron2"/>
     <dgm:cxn modelId="{DB63A066-A48F-4893-9AD9-10D62C4EA9D7}" type="presOf" srcId="{F70112DB-3C80-47F2-B641-9AB0D25F230D}" destId="{43A3AF58-A353-4418-8601-DA6B0EE120D7}" srcOrd="0" destOrd="0" presId="urn:microsoft.com/office/officeart/2005/8/layout/chevron2"/>
     <dgm:cxn modelId="{2788CA70-987A-4AB8-A31E-049652FAC6B6}" type="presOf" srcId="{B863339E-1F9A-4B2F-BA0B-E25CCF3C7BCB}" destId="{9C3270B8-505C-4DFD-A3B5-6D55E98CC81C}" srcOrd="0" destOrd="1" presId="urn:microsoft.com/office/officeart/2005/8/layout/chevron2"/>
     <dgm:cxn modelId="{14ECEB59-349F-4250-88B9-EFA5D3C87A53}" type="presOf" srcId="{77A7D588-7278-4F2B-9429-B36ADEA20CB3}" destId="{9C3270B8-505C-4DFD-A3B5-6D55E98CC81C}" srcOrd="0" destOrd="3" presId="urn:microsoft.com/office/officeart/2005/8/layout/chevron2"/>
     <dgm:cxn modelId="{82A0CEAD-D942-40C7-974D-6CB9322DC8AB}" srcId="{1959D8FF-96E9-4F92-81F6-83408C1C931D}" destId="{B863339E-1F9A-4B2F-BA0B-E25CCF3C7BCB}" srcOrd="0" destOrd="0" parTransId="{5466396E-C376-4794-B9CC-3E39B67A0F7A}" sibTransId="{D3F293C4-9B14-4562-B5B9-97CEC754DB8D}"/>
     <dgm:cxn modelId="{8F384E12-1717-4165-84C8-8AF5FBE62764}" srcId="{916195D0-6D59-4350-8F37-665A2EE9A3F1}" destId="{1959D8FF-96E9-4F92-81F6-83408C1C931D}" srcOrd="0" destOrd="0" parTransId="{3F8A3A4F-D4F3-4E27-BCFE-6F24DD2ACA13}" sibTransId="{0ABC1548-8AEB-4C49-B900-D23096F3A4A3}"/>
     <dgm:cxn modelId="{BC8F53D6-06F9-4EF8-AD3D-9902948FD5D0}" type="presOf" srcId="{68002A07-3A33-4651-B899-F0E322EC4F15}" destId="{EED33C97-2A12-4CAA-93A9-219A231057F2}" srcOrd="0" destOrd="0" presId="urn:microsoft.com/office/officeart/2005/8/layout/chevron2"/>
+    <dgm:cxn modelId="{A43BEB23-290B-4B67-9EAF-5E3F2C70D962}" srcId="{68002A07-3A33-4651-B899-F0E322EC4F15}" destId="{916195D0-6D59-4350-8F37-665A2EE9A3F1}" srcOrd="0" destOrd="0" parTransId="{CB9DC643-0806-4F84-B1D0-68DFF577ACB6}" sibTransId="{FC1AAD59-5D5A-43F1-B5D8-64B12393C05F}"/>
     <dgm:cxn modelId="{DF52A2B3-52F0-414B-8E83-AEB2C09967CC}" srcId="{68002A07-3A33-4651-B899-F0E322EC4F15}" destId="{F70112DB-3C80-47F2-B641-9AB0D25F230D}" srcOrd="1" destOrd="0" parTransId="{E636CA7E-8418-4E51-AFCD-3711FAF6CECC}" sibTransId="{F06F367B-7543-43C9-BADF-96DB11B7ECC3}"/>
-    <dgm:cxn modelId="{A43BEB23-290B-4B67-9EAF-5E3F2C70D962}" srcId="{68002A07-3A33-4651-B899-F0E322EC4F15}" destId="{916195D0-6D59-4350-8F37-665A2EE9A3F1}" srcOrd="0" destOrd="0" parTransId="{CB9DC643-0806-4F84-B1D0-68DFF577ACB6}" sibTransId="{FC1AAD59-5D5A-43F1-B5D8-64B12393C05F}"/>
     <dgm:cxn modelId="{24490C0A-0C3E-4AFD-A50A-C3E5AFBFA4CC}" type="presOf" srcId="{916195D0-6D59-4350-8F37-665A2EE9A3F1}" destId="{90111F89-8FC0-4A76-A6B7-7EC5ED95E4E3}" srcOrd="0" destOrd="0" presId="urn:microsoft.com/office/officeart/2005/8/layout/chevron2"/>
     <dgm:cxn modelId="{74924DAF-A1A0-4E61-A83C-2A35F9560B9A}" srcId="{F70112DB-3C80-47F2-B641-9AB0D25F230D}" destId="{78BE387E-E645-4A55-BCBD-D5ACD3BA469C}" srcOrd="0" destOrd="0" parTransId="{0BA8D15F-062B-4993-9F41-DE7C1DE784CB}" sibTransId="{43527FB4-E99B-4D99-ADB6-86E1CB8EC4F1}"/>
     <dgm:cxn modelId="{97C5D135-FBCA-4B5A-9439-C5B79119D3D0}" type="presParOf" srcId="{EED33C97-2A12-4CAA-93A9-219A231057F2}" destId="{79A8CE15-993B-4259-9454-6FAAE30F55F0}" srcOrd="0" destOrd="0" presId="urn:microsoft.com/office/officeart/2005/8/layout/chevron2"/>
@@ -10045,7 +10078,7 @@
             <a:fld id="{28A3117F-9CA9-4F73-BDBF-A7DA5D1291E3}" type="datetimeFigureOut">
               <a:rPr lang="en-US" smtClean="0"/>
               <a:pPr/>
-              <a:t>3/17/2010</a:t>
+              <a:t>3/18/2010</a:t>
             </a:fld>
             <a:endParaRPr lang="en-US"/>
           </a:p>
@@ -10212,7 +10245,7 @@
             <a:fld id="{28A3117F-9CA9-4F73-BDBF-A7DA5D1291E3}" type="datetimeFigureOut">
               <a:rPr lang="en-US" smtClean="0"/>
               <a:pPr/>
-              <a:t>3/17/2010</a:t>
+              <a:t>3/18/2010</a:t>
             </a:fld>
             <a:endParaRPr lang="en-US"/>
           </a:p>
@@ -10389,7 +10422,7 @@
             <a:fld id="{28A3117F-9CA9-4F73-BDBF-A7DA5D1291E3}" type="datetimeFigureOut">
               <a:rPr lang="en-US" smtClean="0"/>
               <a:pPr/>
-              <a:t>3/17/2010</a:t>
+              <a:t>3/18/2010</a:t>
             </a:fld>
             <a:endParaRPr lang="en-US"/>
           </a:p>
@@ -10556,7 +10589,7 @@
             <a:fld id="{28A3117F-9CA9-4F73-BDBF-A7DA5D1291E3}" type="datetimeFigureOut">
               <a:rPr lang="en-US" smtClean="0"/>
               <a:pPr/>
-              <a:t>3/17/2010</a:t>
+              <a:t>3/18/2010</a:t>
             </a:fld>
             <a:endParaRPr lang="en-US"/>
           </a:p>
@@ -10800,7 +10833,7 @@
             <a:fld id="{28A3117F-9CA9-4F73-BDBF-A7DA5D1291E3}" type="datetimeFigureOut">
               <a:rPr lang="en-US" smtClean="0"/>
               <a:pPr/>
-              <a:t>3/17/2010</a:t>
+              <a:t>3/18/2010</a:t>
             </a:fld>
             <a:endParaRPr lang="en-US"/>
           </a:p>
@@ -11066,7 +11099,7 @@
             <a:fld id="{28A3117F-9CA9-4F73-BDBF-A7DA5D1291E3}" type="datetimeFigureOut">
               <a:rPr lang="en-US" smtClean="0"/>
               <a:pPr/>
-              <a:t>3/17/2010</a:t>
+              <a:t>3/18/2010</a:t>
             </a:fld>
             <a:endParaRPr lang="en-US"/>
           </a:p>
@@ -11446,7 +11479,7 @@
             <a:fld id="{28A3117F-9CA9-4F73-BDBF-A7DA5D1291E3}" type="datetimeFigureOut">
               <a:rPr lang="en-US" smtClean="0"/>
               <a:pPr/>
-              <a:t>3/17/2010</a:t>
+              <a:t>3/18/2010</a:t>
             </a:fld>
             <a:endParaRPr lang="en-US"/>
           </a:p>
@@ -11598,7 +11631,7 @@
             <a:fld id="{28A3117F-9CA9-4F73-BDBF-A7DA5D1291E3}" type="datetimeFigureOut">
               <a:rPr lang="en-US" smtClean="0"/>
               <a:pPr/>
-              <a:t>3/17/2010</a:t>
+              <a:t>3/18/2010</a:t>
             </a:fld>
             <a:endParaRPr lang="en-US"/>
           </a:p>
@@ -11690,7 +11723,7 @@
             <a:fld id="{28A3117F-9CA9-4F73-BDBF-A7DA5D1291E3}" type="datetimeFigureOut">
               <a:rPr lang="en-US" smtClean="0"/>
               <a:pPr/>
-              <a:t>3/17/2010</a:t>
+              <a:t>3/18/2010</a:t>
             </a:fld>
             <a:endParaRPr lang="en-US"/>
           </a:p>
@@ -11953,7 +11986,7 @@
             <a:fld id="{28A3117F-9CA9-4F73-BDBF-A7DA5D1291E3}" type="datetimeFigureOut">
               <a:rPr lang="en-US" smtClean="0"/>
               <a:pPr/>
-              <a:t>3/17/2010</a:t>
+              <a:t>3/18/2010</a:t>
             </a:fld>
             <a:endParaRPr lang="en-US"/>
           </a:p>
@@ -12243,7 +12276,7 @@
             <a:fld id="{28A3117F-9CA9-4F73-BDBF-A7DA5D1291E3}" type="datetimeFigureOut">
               <a:rPr lang="en-US" smtClean="0"/>
               <a:pPr/>
-              <a:t>3/17/2010</a:t>
+              <a:t>3/18/2010</a:t>
             </a:fld>
             <a:endParaRPr lang="en-US"/>
           </a:p>
@@ -13016,7 +13049,7 @@
             <a:fld id="{28A3117F-9CA9-4F73-BDBF-A7DA5D1291E3}" type="datetimeFigureOut">
               <a:rPr lang="en-US" smtClean="0"/>
               <a:pPr/>
-              <a:t>3/17/2010</a:t>
+              <a:t>3/18/2010</a:t>
             </a:fld>
             <a:endParaRPr lang="en-US"/>
           </a:p>
@@ -13730,7 +13763,7 @@
           <a:p>
             <a:r>
               <a:rPr lang="en-US" dirty="0" smtClean="0"/>
-              <a:t>Outline</a:t>
+              <a:t>Chunkservers</a:t>
             </a:r>
             <a:endParaRPr lang="en-US" dirty="0"/>
           </a:p>
@@ -13755,92 +13788,46 @@
           <a:p>
             <a:r>
               <a:rPr lang="en-US" dirty="0" smtClean="0"/>
-              <a:t>Distributed Filesystems</a:t>
+              <a:t>A chunkserver is typically a commodity Linux machine </a:t>
             </a:r>
           </a:p>
           <a:p>
             <a:r>
               <a:rPr lang="en-US" dirty="0" smtClean="0"/>
-              <a:t>Motivation</a:t>
-            </a:r>
-          </a:p>
-          <a:p>
-            <a:r>
-              <a:rPr lang="en-US" dirty="0" smtClean="0">
-                <a:solidFill>
-                  <a:srgbClr val="FF0000"/>
-                </a:solidFill>
-              </a:rPr>
-              <a:t>Google Filesystem </a:t>
-            </a:r>
-            <a:r>
-              <a:rPr lang="en-US" dirty="0" smtClean="0">
-                <a:solidFill>
-                  <a:srgbClr val="FF0000"/>
-                </a:solidFill>
-              </a:rPr>
-              <a:t>Architecture</a:t>
-            </a:r>
-          </a:p>
-          <a:p>
-            <a:pPr lvl="1"/>
-            <a:r>
-              <a:rPr lang="en-US" dirty="0" smtClean="0">
-                <a:solidFill>
-                  <a:srgbClr val="FF0000"/>
-                </a:solidFill>
-              </a:rPr>
-              <a:t>Chunkservers</a:t>
-            </a:r>
-          </a:p>
-          <a:p>
-            <a:pPr lvl="1"/>
+              <a:t>Files are divided into fixed size chunks.  (64 MB).</a:t>
+            </a:r>
+          </a:p>
+          <a:p>
             <a:r>
               <a:rPr lang="en-US" dirty="0" smtClean="0"/>
-              <a:t>Master</a:t>
-            </a:r>
-          </a:p>
-          <a:p>
-            <a:pPr lvl="2"/>
+              <a:t>Chunks are stored on local disks as Linux files.</a:t>
+            </a:r>
+          </a:p>
+          <a:p>
             <a:r>
               <a:rPr lang="en-US" dirty="0" smtClean="0"/>
-              <a:t>Metadata</a:t>
-            </a:r>
-          </a:p>
-          <a:p>
-            <a:pPr lvl="2"/>
+              <a:t>For reliability the chunks are replicated in multiple chunkservers. Each chunk is stored at least 3 times by default, but users may specify a higher number of replicas.</a:t>
+            </a:r>
+          </a:p>
+          <a:p>
             <a:r>
               <a:rPr lang="en-US" dirty="0" smtClean="0"/>
-              <a:t>System-Wide Operations</a:t>
-            </a:r>
-            <a:endParaRPr lang="en-US" dirty="0" smtClean="0"/>
+              <a:t>Neither Chunkservers nor clients cache file data.</a:t>
+            </a:r>
           </a:p>
           <a:p>
             <a:r>
               <a:rPr lang="en-US" dirty="0" smtClean="0"/>
-              <a:t>Consistency </a:t>
+              <a:t>Chunkservers rely on the </a:t>
+            </a:r>
+            <a:r>
+              <a:rPr lang="en-US" dirty="0" err="1" smtClean="0"/>
+              <a:t>Linux’s</a:t>
             </a:r>
             <a:r>
               <a:rPr lang="en-US" dirty="0" smtClean="0"/>
-              <a:t>Model</a:t>
-            </a:r>
-          </a:p>
-          <a:p>
-            <a:r>
-              <a:rPr lang="en-US" dirty="0" smtClean="0"/>
-              <a:t>File </a:t>
-            </a:r>
-            <a:r>
-              <a:rPr lang="en-US" dirty="0" smtClean="0"/>
-              <a:t>Mutation</a:t>
-            </a:r>
-          </a:p>
-          <a:p>
-            <a:r>
-              <a:rPr lang="en-US" dirty="0" smtClean="0"/>
-              <a:t>Real World Benchmarks</a:t>
-            </a:r>
-            <a:endParaRPr lang="en-US" dirty="0" smtClean="0"/>
+              <a:t> buffer cache which keeps the frequently accessed data in memory.</a:t>
+            </a:r>
           </a:p>
           <a:p>
             <a:endParaRPr lang="en-US" dirty="0"/>
@@ -13896,281 +13883,6 @@
           <a:p>
             <a:r>
               <a:rPr lang="en-US" dirty="0" smtClean="0"/>
-              <a:t>Chunkservers</a:t>
-            </a:r>
-            <a:endParaRPr lang="en-US" dirty="0"/>
-          </a:p>
-        </p:txBody>
-      </p:sp>
-      <p:sp>
-        <p:nvSpPr>
-          <p:cNvPr id="3" name="Content Placeholder 2"/>
-          <p:cNvSpPr>
-            <a:spLocks noGrp="1"/>
-          </p:cNvSpPr>
-          <p:nvPr>
-            <p:ph idx="1"/>
-          </p:nvPr>
-        </p:nvSpPr>
-        <p:spPr/>
-        <p:txBody>
-          <a:bodyPr>
-            <a:normAutofit lnSpcReduction="10000"/>
-          </a:bodyPr>
-          <a:lstStyle/>
-          <a:p>
-            <a:r>
-              <a:rPr lang="en-US" dirty="0" smtClean="0"/>
-              <a:t>A chunkserver is typically a commodity Linux machine </a:t>
-            </a:r>
-          </a:p>
-          <a:p>
-            <a:r>
-              <a:rPr lang="en-US" dirty="0" smtClean="0"/>
-              <a:t>Files are divided into fixed size chunks.  (64 MB).</a:t>
-            </a:r>
-          </a:p>
-          <a:p>
-            <a:r>
-              <a:rPr lang="en-US" dirty="0" smtClean="0"/>
-              <a:t>Chunks are stored on local disks as Linux files.</a:t>
-            </a:r>
-          </a:p>
-          <a:p>
-            <a:r>
-              <a:rPr lang="en-US" dirty="0" smtClean="0"/>
-              <a:t>For reliability the chunks are replicated in multiple chunkservers. Each chunk is stored at least 3 times by default, but users may specify a higher number of replicas.</a:t>
-            </a:r>
-          </a:p>
-          <a:p>
-            <a:r>
-              <a:rPr lang="en-US" dirty="0" smtClean="0"/>
-              <a:t>Chunkservers don’t cache file data.</a:t>
-            </a:r>
-          </a:p>
-          <a:p>
-            <a:r>
-              <a:rPr lang="en-US" dirty="0" smtClean="0"/>
-              <a:t>Chunkservers </a:t>
-            </a:r>
-            <a:r>
-              <a:rPr lang="en-US" dirty="0" smtClean="0"/>
-              <a:t>rely on the </a:t>
-            </a:r>
-            <a:r>
-              <a:rPr lang="en-US" dirty="0" err="1" smtClean="0"/>
-              <a:t>Linux’s</a:t>
-            </a:r>
-            <a:r>
-              <a:rPr lang="en-US" dirty="0" smtClean="0"/>
-              <a:t> buffer cache which keeps the frequently accessed data in memory.</a:t>
-            </a:r>
-          </a:p>
-          <a:p>
-            <a:endParaRPr lang="en-US" dirty="0"/>
-          </a:p>
-        </p:txBody>
-      </p:sp>
-    </p:spTree>
-  </p:cSld>
-  <p:clrMapOvr>
-    <a:masterClrMapping/>
-  </p:clrMapOvr>
-  <p:timing>
-    <p:tnLst>
-      <p:par>
-        <p:cTn id="1" dur="indefinite" restart="never" nodeType="tmRoot"/>
-      </p:par>
-    </p:tnLst>
-  </p:timing>
-</p:sld>
-</file>
-
-<file path=ppt/slides/slide12.xml><?xml version="1.0" encoding="utf-8"?>
-<p:sld xmlns:a="http://schemas.openxmlformats.org/drawingml/2006/main" xmlns:r="http://schemas.openxmlformats.org/officeDocument/2006/relationships" xmlns:p="http://schemas.openxmlformats.org/presentationml/2006/main">
-  <p:cSld>
-    <p:spTree>
-      <p:nvGrpSpPr>
-        <p:cNvPr id="1" name=""/>
-        <p:cNvGrpSpPr/>
-        <p:nvPr/>
-      </p:nvGrpSpPr>
-      <p:grpSpPr>
-        <a:xfrm>
-          <a:off x="0" y="0"/>
-          <a:ext cx="0" cy="0"/>
-          <a:chOff x="0" y="0"/>
-          <a:chExt cx="0" cy="0"/>
-        </a:xfrm>
-      </p:grpSpPr>
-      <p:sp>
-        <p:nvSpPr>
-          <p:cNvPr id="2" name="Title 1"/>
-          <p:cNvSpPr>
-            <a:spLocks noGrp="1"/>
-          </p:cNvSpPr>
-          <p:nvPr>
-            <p:ph type="title"/>
-          </p:nvPr>
-        </p:nvSpPr>
-        <p:spPr/>
-        <p:txBody>
-          <a:bodyPr/>
-          <a:lstStyle/>
-          <a:p>
-            <a:r>
-              <a:rPr lang="en-US" dirty="0" smtClean="0"/>
-              <a:t>Outline</a:t>
-            </a:r>
-            <a:endParaRPr lang="en-US" dirty="0"/>
-          </a:p>
-        </p:txBody>
-      </p:sp>
-      <p:sp>
-        <p:nvSpPr>
-          <p:cNvPr id="3" name="Content Placeholder 2"/>
-          <p:cNvSpPr>
-            <a:spLocks noGrp="1"/>
-          </p:cNvSpPr>
-          <p:nvPr>
-            <p:ph idx="1"/>
-          </p:nvPr>
-        </p:nvSpPr>
-        <p:spPr/>
-        <p:txBody>
-          <a:bodyPr>
-            <a:normAutofit/>
-          </a:bodyPr>
-          <a:lstStyle/>
-          <a:p>
-            <a:r>
-              <a:rPr lang="en-US" dirty="0" smtClean="0"/>
-              <a:t>Distributed Filesystems</a:t>
-            </a:r>
-          </a:p>
-          <a:p>
-            <a:r>
-              <a:rPr lang="en-US" dirty="0" smtClean="0"/>
-              <a:t>Motivation</a:t>
-            </a:r>
-          </a:p>
-          <a:p>
-            <a:r>
-              <a:rPr lang="en-US" dirty="0" smtClean="0">
-                <a:solidFill>
-                  <a:srgbClr val="FF0000"/>
-                </a:solidFill>
-              </a:rPr>
-              <a:t>Google Filesystem </a:t>
-            </a:r>
-            <a:r>
-              <a:rPr lang="en-US" dirty="0" smtClean="0">
-                <a:solidFill>
-                  <a:srgbClr val="FF0000"/>
-                </a:solidFill>
-              </a:rPr>
-              <a:t>Architecture</a:t>
-            </a:r>
-          </a:p>
-          <a:p>
-            <a:pPr lvl="1"/>
-            <a:r>
-              <a:rPr lang="en-US" dirty="0" smtClean="0"/>
-              <a:t>Chunkservers</a:t>
-            </a:r>
-          </a:p>
-          <a:p>
-            <a:pPr lvl="1"/>
-            <a:r>
-              <a:rPr lang="en-US" dirty="0" smtClean="0">
-                <a:solidFill>
-                  <a:srgbClr val="FF0000"/>
-                </a:solidFill>
-              </a:rPr>
-              <a:t>Master</a:t>
-            </a:r>
-          </a:p>
-          <a:p>
-            <a:r>
-              <a:rPr lang="en-US" dirty="0" smtClean="0"/>
-              <a:t>Consistency </a:t>
-            </a:r>
-            <a:r>
-              <a:rPr lang="en-US" dirty="0" smtClean="0"/>
-              <a:t>Model</a:t>
-            </a:r>
-          </a:p>
-          <a:p>
-            <a:r>
-              <a:rPr lang="en-US" dirty="0" smtClean="0"/>
-              <a:t>File </a:t>
-            </a:r>
-            <a:r>
-              <a:rPr lang="en-US" dirty="0" smtClean="0"/>
-              <a:t>Mutation</a:t>
-            </a:r>
-          </a:p>
-          <a:p>
-            <a:r>
-              <a:rPr lang="en-US" dirty="0" smtClean="0"/>
-              <a:t>Real World Benchmarks</a:t>
-            </a:r>
-            <a:endParaRPr lang="en-US" dirty="0" smtClean="0"/>
-          </a:p>
-          <a:p>
-            <a:endParaRPr lang="en-US" dirty="0"/>
-          </a:p>
-        </p:txBody>
-      </p:sp>
-    </p:spTree>
-  </p:cSld>
-  <p:clrMapOvr>
-    <a:masterClrMapping/>
-  </p:clrMapOvr>
-  <p:timing>
-    <p:tnLst>
-      <p:par>
-        <p:cTn id="1" dur="indefinite" restart="never" nodeType="tmRoot"/>
-      </p:par>
-    </p:tnLst>
-  </p:timing>
-</p:sld>
-</file>
-
-<file path=ppt/slides/slide13.xml><?xml version="1.0" encoding="utf-8"?>
-<p:sld xmlns:a="http://schemas.openxmlformats.org/drawingml/2006/main" xmlns:r="http://schemas.openxmlformats.org/officeDocument/2006/relationships" xmlns:p="http://schemas.openxmlformats.org/presentationml/2006/main">
-  <p:cSld>
-    <p:spTree>
-      <p:nvGrpSpPr>
-        <p:cNvPr id="1" name=""/>
-        <p:cNvGrpSpPr/>
-        <p:nvPr/>
-      </p:nvGrpSpPr>
-      <p:grpSpPr>
-        <a:xfrm>
-          <a:off x="0" y="0"/>
-          <a:ext cx="0" cy="0"/>
-          <a:chOff x="0" y="0"/>
-          <a:chExt cx="0" cy="0"/>
-        </a:xfrm>
-      </p:grpSpPr>
-      <p:sp>
-        <p:nvSpPr>
-          <p:cNvPr id="2" name="Title 1"/>
-          <p:cNvSpPr>
-            <a:spLocks noGrp="1"/>
-          </p:cNvSpPr>
-          <p:nvPr>
-            <p:ph type="title"/>
-          </p:nvPr>
-        </p:nvSpPr>
-        <p:spPr/>
-        <p:txBody>
-          <a:bodyPr/>
-          <a:lstStyle/>
-          <a:p>
-            <a:r>
-              <a:rPr lang="en-US" dirty="0" smtClean="0"/>
               <a:t>GFS Master</a:t>
             </a:r>
             <a:endParaRPr lang="en-US" dirty="0"/>
@@ -14215,13 +13927,8 @@
             <a:pPr lvl="1"/>
             <a:r>
               <a:rPr lang="en-US" dirty="0" smtClean="0"/>
-              <a:t>Access Control Information </a:t>
-            </a:r>
-            <a:r>
-              <a:rPr lang="en-US" dirty="0" smtClean="0"/>
-              <a:t>(Read-write)</a:t>
-            </a:r>
-            <a:endParaRPr lang="en-US" dirty="0" smtClean="0"/>
+              <a:t>Access Control Information (Read-write)</a:t>
+            </a:r>
           </a:p>
           <a:p>
             <a:pPr lvl="1"/>
@@ -14621,7 +14328,7 @@
 </p:sld>
 </file>
 
-<file path=ppt/slides/slide14.xml><?xml version="1.0" encoding="utf-8"?>
+<file path=ppt/slides/slide12.xml><?xml version="1.0" encoding="utf-8"?>
 <p:sld xmlns:a="http://schemas.openxmlformats.org/drawingml/2006/main" xmlns:r="http://schemas.openxmlformats.org/officeDocument/2006/relationships" xmlns:p="http://schemas.openxmlformats.org/presentationml/2006/main">
   <p:cSld>
     <p:spTree>
@@ -14710,7 +14417,7 @@
 </p:sld>
 </file>
 
-<file path=ppt/slides/slide15.xml><?xml version="1.0" encoding="utf-8"?>
+<file path=ppt/slides/slide13.xml><?xml version="1.0" encoding="utf-8"?>
 <p:sld xmlns:a="http://schemas.openxmlformats.org/drawingml/2006/main" xmlns:r="http://schemas.openxmlformats.org/officeDocument/2006/relationships" xmlns:p="http://schemas.openxmlformats.org/presentationml/2006/main">
   <p:cSld>
     <p:spTree>
@@ -14775,107 +14482,34 @@
           <a:p>
             <a:r>
               <a:rPr lang="en-US" dirty="0" smtClean="0"/>
-              <a:t>Metadata is also </a:t>
-            </a:r>
+              <a:t>Metadata is also kept minimal so that the number of chunks, does not affect to much the amount of memory the master has to use.</a:t>
+            </a:r>
+          </a:p>
+          <a:p>
             <a:r>
               <a:rPr lang="en-US" dirty="0" smtClean="0"/>
-              <a:t>kept minimal so that the number of chunks, does not </a:t>
-            </a:r>
+              <a:t>File namespace data and filenames are kept compressed using prefix compression. (64 bytes per file).</a:t>
+            </a:r>
+          </a:p>
+          <a:p>
+            <a:pPr algn="just"/>
             <a:r>
               <a:rPr lang="en-US" dirty="0" smtClean="0"/>
-              <a:t>affect to much the amount of memory </a:t>
-            </a:r>
+              <a:t>Namespaces, and  mapping from files to chunks are also kept persistent.</a:t>
+            </a:r>
+          </a:p>
+          <a:p>
+            <a:pPr algn="just"/>
             <a:r>
               <a:rPr lang="en-US" dirty="0" smtClean="0"/>
-              <a:t>the master </a:t>
-            </a:r>
+              <a:t>Modifications to these are written in an operations log which is stored in the master’s local disk.</a:t>
+            </a:r>
+          </a:p>
+          <a:p>
+            <a:pPr algn="just"/>
             <a:r>
               <a:rPr lang="en-US" dirty="0" smtClean="0"/>
-              <a:t>has</a:t>
-            </a:r>
-            <a:r>
-              <a:rPr lang="en-US" dirty="0" smtClean="0"/>
-              <a:t> </a:t>
-            </a:r>
-            <a:r>
-              <a:rPr lang="en-US" dirty="0" smtClean="0"/>
-              <a:t>to use.</a:t>
-            </a:r>
-          </a:p>
-          <a:p>
-            <a:r>
-              <a:rPr lang="en-US" dirty="0" smtClean="0"/>
-              <a:t>File namespace data and filenames are kept compressed using prefix compression. (64 bytes per file</a:t>
-            </a:r>
-            <a:r>
-              <a:rPr lang="en-US" dirty="0" smtClean="0"/>
-              <a:t>).</a:t>
-            </a:r>
-            <a:endParaRPr lang="en-US" dirty="0" smtClean="0"/>
-          </a:p>
-          <a:p>
-            <a:pPr algn="just"/>
-            <a:r>
-              <a:rPr lang="en-US" dirty="0" smtClean="0"/>
-              <a:t>Namespaces, and  mapping </a:t>
-            </a:r>
-            <a:r>
-              <a:rPr lang="en-US" dirty="0" smtClean="0"/>
-              <a:t>from files to </a:t>
-            </a:r>
-            <a:r>
-              <a:rPr lang="en-US" dirty="0" smtClean="0"/>
-              <a:t>chunks </a:t>
-            </a:r>
-            <a:r>
-              <a:rPr lang="en-US" dirty="0" smtClean="0"/>
-              <a:t>are </a:t>
-            </a:r>
-            <a:r>
-              <a:rPr lang="en-US" dirty="0" smtClean="0"/>
-              <a:t>also kept </a:t>
-            </a:r>
-            <a:r>
-              <a:rPr lang="en-US" dirty="0" smtClean="0"/>
-              <a:t>persistent.</a:t>
-            </a:r>
-          </a:p>
-          <a:p>
-            <a:pPr algn="just"/>
-            <a:r>
-              <a:rPr lang="en-US" dirty="0" smtClean="0"/>
-              <a:t>Modifications to these are written in </a:t>
-            </a:r>
-            <a:r>
-              <a:rPr lang="en-US" dirty="0" smtClean="0"/>
-              <a:t>an </a:t>
-            </a:r>
-            <a:r>
-              <a:rPr lang="en-US" dirty="0" smtClean="0"/>
-              <a:t>operations </a:t>
-            </a:r>
-            <a:r>
-              <a:rPr lang="en-US" dirty="0" smtClean="0"/>
-              <a:t>log which is stored in the master’s local </a:t>
-            </a:r>
-            <a:r>
-              <a:rPr lang="en-US" dirty="0" smtClean="0"/>
-              <a:t>disk.</a:t>
-            </a:r>
-          </a:p>
-          <a:p>
-            <a:pPr algn="just"/>
-            <a:r>
-              <a:rPr lang="en-US" dirty="0" smtClean="0"/>
-              <a:t>These changes are also replicated through the log on </a:t>
-            </a:r>
-            <a:r>
-              <a:rPr lang="en-US" dirty="0" smtClean="0"/>
-              <a:t>remote </a:t>
-            </a:r>
-            <a:r>
-              <a:rPr lang="en-US" dirty="0" smtClean="0"/>
-              <a:t>machines called </a:t>
+              <a:t>These changes are also replicated through the log on remote machines called </a:t>
             </a:r>
             <a:r>
               <a:rPr lang="en-US" u="sng" dirty="0" smtClean="0"/>
@@ -14907,7 +14541,7 @@
 </p:sld>
 </file>
 
-<file path=ppt/slides/slide16.xml><?xml version="1.0" encoding="utf-8"?>
+<file path=ppt/slides/slide14.xml><?xml version="1.0" encoding="utf-8"?>
 <p:sld xmlns:a="http://schemas.openxmlformats.org/drawingml/2006/main" xmlns:r="http://schemas.openxmlformats.org/officeDocument/2006/relationships" xmlns:p="http://schemas.openxmlformats.org/presentationml/2006/main">
   <p:cSld>
     <p:spTree>
@@ -15380,6 +15014,232 @@
 </p:sld>
 </file>
 
+<file path=ppt/slides/slide15.xml><?xml version="1.0" encoding="utf-8"?>
+<p:sld xmlns:a="http://schemas.openxmlformats.org/drawingml/2006/main" xmlns:r="http://schemas.openxmlformats.org/officeDocument/2006/relationships" xmlns:p="http://schemas.openxmlformats.org/presentationml/2006/main">
+  <p:cSld>
+    <p:spTree>
+      <p:nvGrpSpPr>
+        <p:cNvPr id="1" name=""/>
+        <p:cNvGrpSpPr/>
+        <p:nvPr/>
+      </p:nvGrpSpPr>
+      <p:grpSpPr>
+        <a:xfrm>
+          <a:off x="0" y="0"/>
+          <a:ext cx="0" cy="0"/>
+          <a:chOff x="0" y="0"/>
+          <a:chExt cx="0" cy="0"/>
+        </a:xfrm>
+      </p:grpSpPr>
+      <p:sp>
+        <p:nvSpPr>
+          <p:cNvPr id="2" name="Title 1"/>
+          <p:cNvSpPr>
+            <a:spLocks noGrp="1"/>
+          </p:cNvSpPr>
+          <p:nvPr>
+            <p:ph type="title"/>
+          </p:nvPr>
+        </p:nvSpPr>
+        <p:spPr/>
+        <p:txBody>
+          <a:bodyPr/>
+          <a:lstStyle/>
+          <a:p>
+            <a:r>
+              <a:rPr lang="en-US" dirty="0" smtClean="0"/>
+              <a:t>Chunk Locations.</a:t>
+            </a:r>
+            <a:endParaRPr lang="en-US" dirty="0"/>
+          </a:p>
+        </p:txBody>
+      </p:sp>
+      <p:sp>
+        <p:nvSpPr>
+          <p:cNvPr id="3" name="Content Placeholder 2"/>
+          <p:cNvSpPr>
+            <a:spLocks noGrp="1"/>
+          </p:cNvSpPr>
+          <p:nvPr>
+            <p:ph idx="1"/>
+          </p:nvPr>
+        </p:nvSpPr>
+        <p:spPr/>
+        <p:txBody>
+          <a:bodyPr/>
+          <a:lstStyle/>
+          <a:p>
+            <a:r>
+              <a:rPr lang="en-US" dirty="0" smtClean="0"/>
+              <a:t>Master does not keep a persistent record of what chunkservers have a replica of a given chunk.</a:t>
+            </a:r>
+          </a:p>
+          <a:p>
+            <a:r>
+              <a:rPr lang="en-US" dirty="0" smtClean="0"/>
+              <a:t>Instead they always poll this information at startup</a:t>
+            </a:r>
+          </a:p>
+          <a:p>
+            <a:r>
+              <a:rPr lang="en-US" dirty="0" smtClean="0"/>
+              <a:t>The information is kept updated by periodically polling for this information.</a:t>
+            </a:r>
+          </a:p>
+          <a:p>
+            <a:r>
+              <a:rPr lang="en-US" dirty="0" smtClean="0"/>
+              <a:t>Why? Easier to maintain the information this way. Chunkservers will often join, leave, change names, fail restart , etc…</a:t>
+            </a:r>
+          </a:p>
+        </p:txBody>
+      </p:sp>
+    </p:spTree>
+  </p:cSld>
+  <p:clrMapOvr>
+    <a:masterClrMapping/>
+  </p:clrMapOvr>
+  <p:timing>
+    <p:tnLst>
+      <p:par>
+        <p:cTn id="1" dur="indefinite" restart="never" nodeType="tmRoot"/>
+      </p:par>
+    </p:tnLst>
+  </p:timing>
+</p:sld>
+</file>
+
+<file path=ppt/slides/slide16.xml><?xml version="1.0" encoding="utf-8"?>
+<p:sld xmlns:a="http://schemas.openxmlformats.org/drawingml/2006/main" xmlns:r="http://schemas.openxmlformats.org/officeDocument/2006/relationships" xmlns:p="http://schemas.openxmlformats.org/presentationml/2006/main">
+  <p:cSld>
+    <p:spTree>
+      <p:nvGrpSpPr>
+        <p:cNvPr id="1" name=""/>
+        <p:cNvGrpSpPr/>
+        <p:nvPr/>
+      </p:nvGrpSpPr>
+      <p:grpSpPr>
+        <a:xfrm>
+          <a:off x="0" y="0"/>
+          <a:ext cx="0" cy="0"/>
+          <a:chOff x="0" y="0"/>
+          <a:chExt cx="0" cy="0"/>
+        </a:xfrm>
+      </p:grpSpPr>
+      <p:sp>
+        <p:nvSpPr>
+          <p:cNvPr id="2" name="Title 1"/>
+          <p:cNvSpPr>
+            <a:spLocks noGrp="1"/>
+          </p:cNvSpPr>
+          <p:nvPr>
+            <p:ph type="title"/>
+          </p:nvPr>
+        </p:nvSpPr>
+        <p:spPr/>
+        <p:txBody>
+          <a:bodyPr/>
+          <a:lstStyle/>
+          <a:p>
+            <a:r>
+              <a:rPr lang="en-US" dirty="0" smtClean="0"/>
+              <a:t>GFS Master</a:t>
+            </a:r>
+            <a:endParaRPr lang="en-US" dirty="0"/>
+          </a:p>
+        </p:txBody>
+      </p:sp>
+      <p:sp>
+        <p:nvSpPr>
+          <p:cNvPr id="3" name="Content Placeholder 2"/>
+          <p:cNvSpPr>
+            <a:spLocks noGrp="1"/>
+          </p:cNvSpPr>
+          <p:nvPr>
+            <p:ph idx="1"/>
+          </p:nvPr>
+        </p:nvSpPr>
+        <p:spPr/>
+        <p:txBody>
+          <a:bodyPr>
+            <a:normAutofit/>
+          </a:bodyPr>
+          <a:lstStyle/>
+          <a:p>
+            <a:r>
+              <a:rPr lang="en-US" dirty="0" smtClean="0"/>
+              <a:t>Periodic scans in the background are made in order to keep the information up to date</a:t>
+            </a:r>
+          </a:p>
+          <a:p>
+            <a:r>
+              <a:rPr lang="en-US" dirty="0" smtClean="0"/>
+              <a:t>Controls System-Wide activities. </a:t>
+            </a:r>
+          </a:p>
+          <a:p>
+            <a:pPr lvl="1"/>
+            <a:r>
+              <a:rPr lang="en-US" u="sng" dirty="0" smtClean="0"/>
+              <a:t>Chunk lease management</a:t>
+            </a:r>
+            <a:r>
+              <a:rPr lang="en-US" dirty="0" smtClean="0"/>
+              <a:t> -- Writing to files.</a:t>
+            </a:r>
+          </a:p>
+          <a:p>
+            <a:pPr lvl="1"/>
+            <a:r>
+              <a:rPr lang="en-US" u="sng" dirty="0" smtClean="0"/>
+              <a:t>Chunk garbage collection</a:t>
+            </a:r>
+            <a:r>
+              <a:rPr lang="en-US" dirty="0" smtClean="0"/>
+              <a:t> -- Deleting files</a:t>
+            </a:r>
+          </a:p>
+          <a:p>
+            <a:pPr lvl="1"/>
+            <a:r>
+              <a:rPr lang="en-US" dirty="0" smtClean="0"/>
+              <a:t>Re-replication in the presence of chunkserver failures.</a:t>
+            </a:r>
+          </a:p>
+          <a:p>
+            <a:pPr lvl="1"/>
+            <a:r>
+              <a:rPr lang="en-US" dirty="0" smtClean="0"/>
+              <a:t>Chunk migration to balance load and disk space.</a:t>
+            </a:r>
+          </a:p>
+          <a:p>
+            <a:pPr lvl="1"/>
+            <a:r>
+              <a:rPr lang="en-US" dirty="0" smtClean="0"/>
+              <a:t>Finding Stale Replica -- Collecting chunkservers’ state</a:t>
+            </a:r>
+          </a:p>
+          <a:p>
+            <a:endParaRPr lang="en-US" dirty="0"/>
+          </a:p>
+        </p:txBody>
+      </p:sp>
+    </p:spTree>
+  </p:cSld>
+  <p:clrMapOvr>
+    <a:masterClrMapping/>
+  </p:clrMapOvr>
+  <p:timing>
+    <p:tnLst>
+      <p:par>
+        <p:cTn id="1" dur="indefinite" restart="never" nodeType="tmRoot"/>
+      </p:par>
+    </p:tnLst>
+  </p:timing>
+</p:sld>
+</file>
+
 <file path=ppt/slides/slide17.xml><?xml version="1.0" encoding="utf-8"?>
 <p:sld xmlns:a="http://schemas.openxmlformats.org/drawingml/2006/main" xmlns:r="http://schemas.openxmlformats.org/officeDocument/2006/relationships" xmlns:p="http://schemas.openxmlformats.org/presentationml/2006/main">
   <p:cSld>
@@ -15414,7 +15274,7 @@
           <a:p>
             <a:r>
               <a:rPr lang="en-US" dirty="0" smtClean="0"/>
-              <a:t>Chunk Locations.</a:t>
+              <a:t>Outline</a:t>
             </a:r>
             <a:endParaRPr lang="en-US" dirty="0"/>
           </a:p>
@@ -15432,31 +15292,68 @@
         </p:nvSpPr>
         <p:spPr/>
         <p:txBody>
-          <a:bodyPr/>
+          <a:bodyPr>
+            <a:normAutofit/>
+          </a:bodyPr>
           <a:lstStyle/>
           <a:p>
             <a:r>
               <a:rPr lang="en-US" dirty="0" smtClean="0"/>
-              <a:t>Master does not keep a persistent record of what chunkservers have a replica of a given chunk.</a:t>
+              <a:t>Distributed Filesystems</a:t>
             </a:r>
           </a:p>
           <a:p>
             <a:r>
               <a:rPr lang="en-US" dirty="0" smtClean="0"/>
-              <a:t>Instead they always poll this information at startup</a:t>
+              <a:t>Motivation</a:t>
             </a:r>
           </a:p>
           <a:p>
             <a:r>
               <a:rPr lang="en-US" dirty="0" smtClean="0"/>
-              <a:t>The information is kept updated by periodically polling for this information.</a:t>
-            </a:r>
-          </a:p>
-          <a:p>
+              <a:t>Google Filesystem Architecture</a:t>
+            </a:r>
+          </a:p>
+          <a:p>
+            <a:pPr lvl="1"/>
             <a:r>
               <a:rPr lang="en-US" dirty="0" smtClean="0"/>
-              <a:t>Why? Easier to maintain the information this way. Chunkservers will often join, leave, change names, fail restart , etc…</a:t>
-            </a:r>
+              <a:t>Chunkservers</a:t>
+            </a:r>
+          </a:p>
+          <a:p>
+            <a:pPr lvl="1"/>
+            <a:r>
+              <a:rPr lang="en-US" dirty="0" smtClean="0"/>
+              <a:t>Master</a:t>
+            </a:r>
+          </a:p>
+          <a:p>
+            <a:r>
+              <a:rPr lang="en-US" dirty="0" smtClean="0">
+                <a:solidFill>
+                  <a:srgbClr val="FF0000"/>
+                </a:solidFill>
+              </a:rPr>
+              <a:t>Consistency Model</a:t>
+            </a:r>
+          </a:p>
+          <a:p>
+            <a:r>
+              <a:rPr lang="en-US" dirty="0" smtClean="0"/>
+              <a:t>File Mutation</a:t>
+            </a:r>
+          </a:p>
+          <a:p>
+            <a:r>
+              <a:rPr lang="en-US" dirty="0" smtClean="0"/>
+              <a:t>Garbage </a:t>
+            </a:r>
+            <a:r>
+              <a:rPr lang="en-US" dirty="0" smtClean="0"/>
+              <a:t>Collection</a:t>
+            </a:r>
+            <a:endParaRPr lang="en-US" b="1" dirty="0" smtClean="0"/>
           </a:p>
         </p:txBody>
       </p:sp>
@@ -15504,165 +15401,6 @@
         </p:nvSpPr>
         <p:spPr/>
         <p:txBody>
-          <a:bodyPr/>
-          <a:lstStyle/>
-          <a:p>
-            <a:r>
-              <a:rPr lang="en-US" dirty="0" smtClean="0"/>
-              <a:t>GFS Master</a:t>
-            </a:r>
-            <a:endParaRPr lang="en-US" dirty="0"/>
-          </a:p>
-        </p:txBody>
-      </p:sp>
-      <p:sp>
-        <p:nvSpPr>
-          <p:cNvPr id="3" name="Content Placeholder 2"/>
-          <p:cNvSpPr>
-            <a:spLocks noGrp="1"/>
-          </p:cNvSpPr>
-          <p:nvPr>
-            <p:ph idx="1"/>
-          </p:nvPr>
-        </p:nvSpPr>
-        <p:spPr/>
-        <p:txBody>
-          <a:bodyPr>
-            <a:normAutofit lnSpcReduction="10000"/>
-          </a:bodyPr>
-          <a:lstStyle/>
-          <a:p>
-            <a:r>
-              <a:rPr lang="en-US" dirty="0" smtClean="0"/>
-              <a:t>In-Memory Data Structures are kept to allow the master operations to be fast.</a:t>
-            </a:r>
-          </a:p>
-          <a:p>
-            <a:r>
-              <a:rPr lang="en-US" dirty="0" smtClean="0"/>
-              <a:t>Periodic scans in the background are made in order to keep the information up to date</a:t>
-            </a:r>
-          </a:p>
-          <a:p>
-            <a:r>
-              <a:rPr lang="en-US" dirty="0" smtClean="0"/>
-              <a:t>Controls </a:t>
-            </a:r>
-            <a:r>
-              <a:rPr lang="en-US" dirty="0" smtClean="0"/>
-              <a:t>System-Wide activities. </a:t>
-            </a:r>
-          </a:p>
-          <a:p>
-            <a:pPr lvl="1"/>
-            <a:r>
-              <a:rPr lang="en-US" dirty="0" smtClean="0"/>
-              <a:t>Chunk </a:t>
-            </a:r>
-            <a:r>
-              <a:rPr lang="en-US" dirty="0" smtClean="0"/>
-              <a:t>lease </a:t>
-            </a:r>
-            <a:r>
-              <a:rPr lang="en-US" dirty="0" smtClean="0"/>
-              <a:t>management -- Writing </a:t>
-            </a:r>
-            <a:r>
-              <a:rPr lang="en-US" dirty="0" smtClean="0"/>
-              <a:t>to files</a:t>
-            </a:r>
-            <a:r>
-              <a:rPr lang="en-US" dirty="0" smtClean="0"/>
-              <a:t>.</a:t>
-            </a:r>
-            <a:endParaRPr lang="en-US" dirty="0" smtClean="0"/>
-          </a:p>
-          <a:p>
-            <a:pPr lvl="1"/>
-            <a:r>
-              <a:rPr lang="en-US" dirty="0" smtClean="0"/>
-              <a:t>Chunk garbage </a:t>
-            </a:r>
-            <a:r>
-              <a:rPr lang="en-US" dirty="0" smtClean="0"/>
-              <a:t>collection -- Deleting files</a:t>
-            </a:r>
-            <a:endParaRPr lang="en-US" dirty="0" smtClean="0"/>
-          </a:p>
-          <a:p>
-            <a:pPr lvl="1"/>
-            <a:r>
-              <a:rPr lang="en-US" dirty="0" smtClean="0"/>
-              <a:t>Re-replication in the presence of chunk server failures.</a:t>
-            </a:r>
-          </a:p>
-          <a:p>
-            <a:pPr lvl="1"/>
-            <a:r>
-              <a:rPr lang="en-US" dirty="0" smtClean="0"/>
-              <a:t>Chunk migration to balance load and disk space.</a:t>
-            </a:r>
-          </a:p>
-          <a:p>
-            <a:pPr lvl="1"/>
-            <a:r>
-              <a:rPr lang="en-US" dirty="0" smtClean="0"/>
-              <a:t>Finding </a:t>
-            </a:r>
-            <a:r>
-              <a:rPr lang="en-US" dirty="0" smtClean="0"/>
-              <a:t>Stale Replica -- Collecting chunkservers’ state</a:t>
-            </a:r>
-          </a:p>
-          <a:p>
-            <a:endParaRPr lang="en-US" dirty="0"/>
-          </a:p>
-        </p:txBody>
-      </p:sp>
-    </p:spTree>
-  </p:cSld>
-  <p:clrMapOvr>
-    <a:masterClrMapping/>
-  </p:clrMapOvr>
-  <p:timing>
-    <p:tnLst>
-      <p:par>
-        <p:cTn id="1" dur="indefinite" restart="never" nodeType="tmRoot"/>
-      </p:par>
-    </p:tnLst>
-  </p:timing>
-</p:sld>
-</file>
-
-<file path=ppt/slides/slide19.xml><?xml version="1.0" encoding="utf-8"?>
-<p:sld xmlns:a="http://schemas.openxmlformats.org/drawingml/2006/main" xmlns:r="http://schemas.openxmlformats.org/officeDocument/2006/relationships" xmlns:p="http://schemas.openxmlformats.org/presentationml/2006/main">
-  <p:cSld>
-    <p:spTree>
-      <p:nvGrpSpPr>
-        <p:cNvPr id="1" name=""/>
-        <p:cNvGrpSpPr/>
-        <p:nvPr/>
-      </p:nvGrpSpPr>
-      <p:grpSpPr>
-        <a:xfrm>
-          <a:off x="0" y="0"/>
-          <a:ext cx="0" cy="0"/>
-          <a:chOff x="0" y="0"/>
-          <a:chExt cx="0" cy="0"/>
-        </a:xfrm>
-      </p:grpSpPr>
-      <p:sp>
-        <p:nvSpPr>
-          <p:cNvPr id="2" name="Title 1"/>
-          <p:cNvSpPr>
-            <a:spLocks noGrp="1"/>
-          </p:cNvSpPr>
-          <p:nvPr>
-            <p:ph type="title"/>
-          </p:nvPr>
-        </p:nvSpPr>
-        <p:spPr/>
-        <p:txBody>
           <a:bodyPr>
             <a:normAutofit fontScale="90000"/>
           </a:bodyPr>
@@ -15670,11 +15408,7 @@
           <a:p>
             <a:r>
               <a:rPr lang="en-US" dirty="0" smtClean="0"/>
-              <a:t>Consistency </a:t>
-            </a:r>
-            <a:r>
-              <a:rPr lang="en-US" dirty="0" smtClean="0"/>
-              <a:t>Model .:.</a:t>
+              <a:t>Consistency Model .:.</a:t>
             </a:r>
             <a:br>
               <a:rPr lang="en-US" dirty="0" smtClean="0"/>
@@ -15793,7 +15527,7 @@
 </p:sld>
 </file>
 
-<file path=ppt/slides/slide2.xml><?xml version="1.0" encoding="utf-8"?>
+<file path=ppt/slides/slide19.xml><?xml version="1.0" encoding="utf-8"?>
 <p:sld xmlns:a="http://schemas.openxmlformats.org/drawingml/2006/main" xmlns:r="http://schemas.openxmlformats.org/officeDocument/2006/relationships" xmlns:p="http://schemas.openxmlformats.org/presentationml/2006/main">
   <p:cSld>
     <p:spTree>
@@ -15827,180 +15561,6 @@
           <a:p>
             <a:r>
               <a:rPr lang="en-US" dirty="0" smtClean="0"/>
-              <a:t>Outline</a:t>
-            </a:r>
-            <a:endParaRPr lang="en-US" dirty="0"/>
-          </a:p>
-        </p:txBody>
-      </p:sp>
-      <p:sp>
-        <p:nvSpPr>
-          <p:cNvPr id="3" name="Content Placeholder 2"/>
-          <p:cNvSpPr>
-            <a:spLocks noGrp="1"/>
-          </p:cNvSpPr>
-          <p:nvPr>
-            <p:ph idx="1"/>
-          </p:nvPr>
-        </p:nvSpPr>
-        <p:spPr/>
-        <p:txBody>
-          <a:bodyPr>
-            <a:normAutofit fontScale="92500" lnSpcReduction="20000"/>
-          </a:bodyPr>
-          <a:lstStyle/>
-          <a:p>
-            <a:r>
-              <a:rPr lang="en-US" dirty="0" smtClean="0">
-                <a:solidFill>
-                  <a:srgbClr val="FF0000"/>
-                </a:solidFill>
-              </a:rPr>
-              <a:t>Distributed Filesystems</a:t>
-            </a:r>
-          </a:p>
-          <a:p>
-            <a:r>
-              <a:rPr lang="en-US" dirty="0" smtClean="0"/>
-              <a:t>Motivation</a:t>
-            </a:r>
-          </a:p>
-          <a:p>
-            <a:r>
-              <a:rPr lang="en-US" dirty="0" smtClean="0"/>
-              <a:t>Google Filesystem </a:t>
-            </a:r>
-            <a:r>
-              <a:rPr lang="en-US" dirty="0" smtClean="0"/>
-              <a:t>Architecture</a:t>
-            </a:r>
-          </a:p>
-          <a:p>
-            <a:pPr lvl="1"/>
-            <a:r>
-              <a:rPr lang="en-US" dirty="0" smtClean="0"/>
-              <a:t>Chunkservers</a:t>
-            </a:r>
-          </a:p>
-          <a:p>
-            <a:pPr lvl="1"/>
-            <a:r>
-              <a:rPr lang="en-US" dirty="0" smtClean="0"/>
-              <a:t>Master</a:t>
-            </a:r>
-          </a:p>
-          <a:p>
-            <a:pPr lvl="2"/>
-            <a:r>
-              <a:rPr lang="en-US" dirty="0" smtClean="0"/>
-              <a:t>Metadata</a:t>
-            </a:r>
-          </a:p>
-          <a:p>
-            <a:pPr lvl="2"/>
-            <a:r>
-              <a:rPr lang="en-US" dirty="0" smtClean="0"/>
-              <a:t>System-Wide Operations</a:t>
-            </a:r>
-            <a:endParaRPr lang="en-US" dirty="0" smtClean="0"/>
-          </a:p>
-          <a:p>
-            <a:r>
-              <a:rPr lang="en-US" dirty="0" smtClean="0"/>
-              <a:t>Writing to a file</a:t>
-            </a:r>
-          </a:p>
-          <a:p>
-            <a:pPr lvl="1"/>
-            <a:r>
-              <a:rPr lang="en-US" dirty="0" smtClean="0"/>
-              <a:t>Consistency </a:t>
-            </a:r>
-            <a:r>
-              <a:rPr lang="en-US" dirty="0" smtClean="0"/>
-              <a:t>Model</a:t>
-            </a:r>
-          </a:p>
-          <a:p>
-            <a:pPr lvl="1"/>
-            <a:r>
-              <a:rPr lang="en-US" dirty="0" smtClean="0"/>
-              <a:t>File </a:t>
-            </a:r>
-            <a:r>
-              <a:rPr lang="en-US" dirty="0" smtClean="0"/>
-              <a:t>Mutation</a:t>
-            </a:r>
-          </a:p>
-          <a:p>
-            <a:pPr lvl="1"/>
-            <a:r>
-              <a:rPr lang="en-US" dirty="0" smtClean="0"/>
-              <a:t>Atomic Record Append</a:t>
-            </a:r>
-            <a:endParaRPr lang="en-US" dirty="0" smtClean="0"/>
-          </a:p>
-          <a:p>
-            <a:r>
-              <a:rPr lang="en-US" dirty="0" smtClean="0"/>
-              <a:t>Master Operations</a:t>
-            </a:r>
-            <a:endParaRPr lang="en-US" dirty="0" smtClean="0"/>
-          </a:p>
-          <a:p>
-            <a:endParaRPr lang="en-US" dirty="0"/>
-          </a:p>
-        </p:txBody>
-      </p:sp>
-    </p:spTree>
-  </p:cSld>
-  <p:clrMapOvr>
-    <a:masterClrMapping/>
-  </p:clrMapOvr>
-  <p:timing>
-    <p:tnLst>
-      <p:par>
-        <p:cTn id="1" dur="indefinite" restart="never" nodeType="tmRoot"/>
-      </p:par>
-    </p:tnLst>
-  </p:timing>
-</p:sld>
-</file>
-
-<file path=ppt/slides/slide20.xml><?xml version="1.0" encoding="utf-8"?>
-<p:sld xmlns:a="http://schemas.openxmlformats.org/drawingml/2006/main" xmlns:r="http://schemas.openxmlformats.org/officeDocument/2006/relationships" xmlns:p="http://schemas.openxmlformats.org/presentationml/2006/main">
-  <p:cSld>
-    <p:spTree>
-      <p:nvGrpSpPr>
-        <p:cNvPr id="1" name=""/>
-        <p:cNvGrpSpPr/>
-        <p:nvPr/>
-      </p:nvGrpSpPr>
-      <p:grpSpPr>
-        <a:xfrm>
-          <a:off x="0" y="0"/>
-          <a:ext cx="0" cy="0"/>
-          <a:chOff x="0" y="0"/>
-          <a:chExt cx="0" cy="0"/>
-        </a:xfrm>
-      </p:grpSpPr>
-      <p:sp>
-        <p:nvSpPr>
-          <p:cNvPr id="2" name="Title 1"/>
-          <p:cNvSpPr>
-            <a:spLocks noGrp="1"/>
-          </p:cNvSpPr>
-          <p:nvPr>
-            <p:ph type="title"/>
-          </p:nvPr>
-        </p:nvSpPr>
-        <p:spPr/>
-        <p:txBody>
-          <a:bodyPr/>
-          <a:lstStyle/>
-          <a:p>
-            <a:r>
-              <a:rPr lang="en-US" dirty="0" smtClean="0"/>
               <a:t>Consistency Model</a:t>
             </a:r>
             <a:endParaRPr lang="en-US" dirty="0"/>
@@ -16030,15 +15590,7 @@
           <a:p>
             <a:r>
               <a:rPr lang="en-US" dirty="0" smtClean="0"/>
-              <a:t>Data operations in the chunkservers </a:t>
-            </a:r>
-            <a:r>
-              <a:rPr lang="en-US" dirty="0" smtClean="0"/>
-              <a:t>can have the 3 different region states after </a:t>
-            </a:r>
-            <a:r>
-              <a:rPr lang="en-US" dirty="0" smtClean="0"/>
-              <a:t>a file region is modified.</a:t>
+              <a:t>Data operations in the chunkservers can have the 3 different region states after a file region is modified.</a:t>
             </a:r>
           </a:p>
           <a:p>
@@ -16094,7 +15646,139 @@
 </p:sld>
 </file>
 
-<file path=ppt/slides/slide21.xml><?xml version="1.0" encoding="utf-8"?>
+<file path=ppt/slides/slide2.xml><?xml version="1.0" encoding="utf-8"?>
+<p:sld xmlns:a="http://schemas.openxmlformats.org/drawingml/2006/main" xmlns:r="http://schemas.openxmlformats.org/officeDocument/2006/relationships" xmlns:p="http://schemas.openxmlformats.org/presentationml/2006/main">
+  <p:cSld>
+    <p:spTree>
+      <p:nvGrpSpPr>
+        <p:cNvPr id="1" name=""/>
+        <p:cNvGrpSpPr/>
+        <p:nvPr/>
+      </p:nvGrpSpPr>
+      <p:grpSpPr>
+        <a:xfrm>
+          <a:off x="0" y="0"/>
+          <a:ext cx="0" cy="0"/>
+          <a:chOff x="0" y="0"/>
+          <a:chExt cx="0" cy="0"/>
+        </a:xfrm>
+      </p:grpSpPr>
+      <p:sp>
+        <p:nvSpPr>
+          <p:cNvPr id="2" name="Title 1"/>
+          <p:cNvSpPr>
+            <a:spLocks noGrp="1"/>
+          </p:cNvSpPr>
+          <p:nvPr>
+            <p:ph type="title"/>
+          </p:nvPr>
+        </p:nvSpPr>
+        <p:spPr/>
+        <p:txBody>
+          <a:bodyPr/>
+          <a:lstStyle/>
+          <a:p>
+            <a:r>
+              <a:rPr lang="en-US" dirty="0" smtClean="0"/>
+              <a:t>Outline</a:t>
+            </a:r>
+            <a:endParaRPr lang="en-US" dirty="0"/>
+          </a:p>
+        </p:txBody>
+      </p:sp>
+      <p:sp>
+        <p:nvSpPr>
+          <p:cNvPr id="3" name="Content Placeholder 2"/>
+          <p:cNvSpPr>
+            <a:spLocks noGrp="1"/>
+          </p:cNvSpPr>
+          <p:nvPr>
+            <p:ph idx="1"/>
+          </p:nvPr>
+        </p:nvSpPr>
+        <p:spPr/>
+        <p:txBody>
+          <a:bodyPr>
+            <a:normAutofit/>
+          </a:bodyPr>
+          <a:lstStyle/>
+          <a:p>
+            <a:r>
+              <a:rPr lang="en-US" dirty="0" smtClean="0">
+                <a:solidFill>
+                  <a:srgbClr val="FF0000"/>
+                </a:solidFill>
+              </a:rPr>
+              <a:t>Distributed Filesystems</a:t>
+            </a:r>
+          </a:p>
+          <a:p>
+            <a:r>
+              <a:rPr lang="en-US" dirty="0" smtClean="0"/>
+              <a:t>Motivation</a:t>
+            </a:r>
+          </a:p>
+          <a:p>
+            <a:r>
+              <a:rPr lang="en-US" dirty="0" smtClean="0"/>
+              <a:t>Google Filesystem Architecture</a:t>
+            </a:r>
+          </a:p>
+          <a:p>
+            <a:pPr lvl="1"/>
+            <a:r>
+              <a:rPr lang="en-US" dirty="0" smtClean="0"/>
+              <a:t>Chunkservers</a:t>
+            </a:r>
+          </a:p>
+          <a:p>
+            <a:pPr lvl="1"/>
+            <a:r>
+              <a:rPr lang="en-US" dirty="0" smtClean="0"/>
+              <a:t>Master</a:t>
+            </a:r>
+          </a:p>
+          <a:p>
+            <a:r>
+              <a:rPr lang="en-US" dirty="0" smtClean="0"/>
+              <a:t>Consistency Model</a:t>
+            </a:r>
+          </a:p>
+          <a:p>
+            <a:r>
+              <a:rPr lang="en-US" dirty="0" smtClean="0"/>
+              <a:t>File Mutation</a:t>
+            </a:r>
+          </a:p>
+          <a:p>
+            <a:r>
+              <a:rPr lang="en-US" dirty="0" smtClean="0"/>
+              <a:t>Garbage </a:t>
+            </a:r>
+            <a:r>
+              <a:rPr lang="en-US" dirty="0" smtClean="0"/>
+              <a:t>Collection</a:t>
+            </a:r>
+            <a:endParaRPr lang="en-US" dirty="0" smtClean="0"/>
+          </a:p>
+        </p:txBody>
+      </p:sp>
+    </p:spTree>
+  </p:cSld>
+  <p:clrMapOvr>
+    <a:masterClrMapping/>
+  </p:clrMapOvr>
+  <p:timing>
+    <p:tnLst>
+      <p:par>
+        <p:cTn id="1" dur="indefinite" restart="never" nodeType="tmRoot"/>
+      </p:par>
+    </p:tnLst>
+  </p:timing>
+</p:sld>
+</file>
+
+<file path=ppt/slides/slide20.xml><?xml version="1.0" encoding="utf-8"?>
 <p:sld xmlns:a="http://schemas.openxmlformats.org/drawingml/2006/main" xmlns:r="http://schemas.openxmlformats.org/officeDocument/2006/relationships" xmlns:p="http://schemas.openxmlformats.org/presentationml/2006/main">
   <p:cSld>
     <p:spTree>
@@ -16159,33 +15843,155 @@
           <a:p>
             <a:r>
               <a:rPr lang="en-US" dirty="0" smtClean="0"/>
+              <a:t>Self-validating (checksums)</a:t>
+            </a:r>
+          </a:p>
+          <a:p>
+            <a:r>
+              <a:rPr lang="en-US" dirty="0" smtClean="0"/>
+              <a:t>Self-identifying records (for duplicates).</a:t>
+            </a:r>
+          </a:p>
+          <a:p>
+            <a:r>
+              <a:rPr lang="en-US" dirty="0" smtClean="0"/>
               <a:t>Relying on appends rather than overwrites</a:t>
             </a:r>
           </a:p>
           <a:p>
+            <a:endParaRPr lang="en-US" dirty="0"/>
+          </a:p>
+        </p:txBody>
+      </p:sp>
+    </p:spTree>
+  </p:cSld>
+  <p:clrMapOvr>
+    <a:masterClrMapping/>
+  </p:clrMapOvr>
+  <p:timing>
+    <p:tnLst>
+      <p:par>
+        <p:cTn id="1" dur="indefinite" restart="never" nodeType="tmRoot"/>
+      </p:par>
+    </p:tnLst>
+  </p:timing>
+</p:sld>
+</file>
+
+<file path=ppt/slides/slide21.xml><?xml version="1.0" encoding="utf-8"?>
+<p:sld xmlns:a="http://schemas.openxmlformats.org/drawingml/2006/main" xmlns:r="http://schemas.openxmlformats.org/officeDocument/2006/relationships" xmlns:p="http://schemas.openxmlformats.org/presentationml/2006/main">
+  <p:cSld>
+    <p:spTree>
+      <p:nvGrpSpPr>
+        <p:cNvPr id="1" name=""/>
+        <p:cNvGrpSpPr/>
+        <p:nvPr/>
+      </p:nvGrpSpPr>
+      <p:grpSpPr>
+        <a:xfrm>
+          <a:off x="0" y="0"/>
+          <a:ext cx="0" cy="0"/>
+          <a:chOff x="0" y="0"/>
+          <a:chExt cx="0" cy="0"/>
+        </a:xfrm>
+      </p:grpSpPr>
+      <p:sp>
+        <p:nvSpPr>
+          <p:cNvPr id="2" name="Title 1"/>
+          <p:cNvSpPr>
+            <a:spLocks noGrp="1"/>
+          </p:cNvSpPr>
+          <p:nvPr>
+            <p:ph type="title"/>
+          </p:nvPr>
+        </p:nvSpPr>
+        <p:spPr/>
+        <p:txBody>
+          <a:bodyPr/>
+          <a:lstStyle/>
+          <a:p>
             <a:r>
               <a:rPr lang="en-US" dirty="0" smtClean="0"/>
-              <a:t>Self-validating </a:t>
-            </a:r>
+              <a:t>Outline</a:t>
+            </a:r>
+            <a:endParaRPr lang="en-US" dirty="0"/>
+          </a:p>
+        </p:txBody>
+      </p:sp>
+      <p:sp>
+        <p:nvSpPr>
+          <p:cNvPr id="3" name="Content Placeholder 2"/>
+          <p:cNvSpPr>
+            <a:spLocks noGrp="1"/>
+          </p:cNvSpPr>
+          <p:nvPr>
+            <p:ph idx="1"/>
+          </p:nvPr>
+        </p:nvSpPr>
+        <p:spPr/>
+        <p:txBody>
+          <a:bodyPr>
+            <a:normAutofit/>
+          </a:bodyPr>
+          <a:lstStyle/>
+          <a:p>
             <a:r>
               <a:rPr lang="en-US" dirty="0" smtClean="0"/>
-              <a:t>(checksums)</a:t>
+              <a:t>Distributed Filesystems</a:t>
             </a:r>
           </a:p>
           <a:p>
             <a:r>
               <a:rPr lang="en-US" dirty="0" smtClean="0"/>
-              <a:t> </a:t>
-            </a:r>
+              <a:t>Motivation</a:t>
+            </a:r>
+          </a:p>
+          <a:p>
             <a:r>
               <a:rPr lang="en-US" dirty="0" smtClean="0"/>
-              <a:t>Self-identifying </a:t>
-            </a:r>
+              <a:t>Google Filesystem Architecture</a:t>
+            </a:r>
+          </a:p>
+          <a:p>
+            <a:pPr lvl="1"/>
             <a:r>
               <a:rPr lang="en-US" dirty="0" smtClean="0"/>
-              <a:t>records (for duplicates).</a:t>
-            </a:r>
-            <a:endParaRPr lang="en-US" dirty="0"/>
+              <a:t>Chunkservers</a:t>
+            </a:r>
+          </a:p>
+          <a:p>
+            <a:pPr lvl="1"/>
+            <a:r>
+              <a:rPr lang="en-US" dirty="0" smtClean="0"/>
+              <a:t>Master</a:t>
+            </a:r>
+          </a:p>
+          <a:p>
+            <a:r>
+              <a:rPr lang="en-US" dirty="0" smtClean="0"/>
+              <a:t>Consistency Model</a:t>
+            </a:r>
+          </a:p>
+          <a:p>
+            <a:r>
+              <a:rPr lang="en-US" dirty="0" smtClean="0">
+                <a:solidFill>
+                  <a:srgbClr val="FF0000"/>
+                </a:solidFill>
+              </a:rPr>
+              <a:t>File Mutation</a:t>
+            </a:r>
+          </a:p>
+          <a:p>
+            <a:r>
+              <a:rPr lang="en-US" dirty="0" smtClean="0"/>
+              <a:t>Garbage </a:t>
+            </a:r>
+            <a:r>
+              <a:rPr lang="en-US" dirty="0" smtClean="0"/>
+              <a:t>Collection</a:t>
+            </a:r>
+            <a:endParaRPr lang="en-US" b="1" dirty="0" smtClean="0"/>
           </a:p>
         </p:txBody>
       </p:sp>
@@ -16854,12 +16660,6 @@
           <a:p>
             <a:r>
               <a:rPr lang="en-US" dirty="0" smtClean="0"/>
-              <a:t>GFS provides an atomic append operation called record append.</a:t>
-            </a:r>
-          </a:p>
-          <a:p>
-            <a:r>
-              <a:rPr lang="en-US" dirty="0" smtClean="0"/>
               <a:t>In write operations the client specifies the offset</a:t>
             </a:r>
           </a:p>
@@ -16878,25 +16678,8 @@
           <a:p>
             <a:r>
               <a:rPr lang="en-US" dirty="0" smtClean="0"/>
-              <a:t>It does the same function as O_APPEND mode in </a:t>
-            </a:r>
-            <a:r>
-              <a:rPr lang="en-US" dirty="0" err="1" smtClean="0"/>
-              <a:t>unix</a:t>
-            </a:r>
-            <a:r>
-              <a:rPr lang="en-US" dirty="0" smtClean="0"/>
-              <a:t> except it handles the race conditions when there are multiple writers.</a:t>
-            </a:r>
-          </a:p>
-          <a:p>
-            <a:r>
-              <a:rPr lang="en-US" dirty="0" smtClean="0"/>
-              <a:t>Serves as multiple-producer/single-consumer queues.</a:t>
-            </a:r>
-          </a:p>
-          <a:p>
-            <a:endParaRPr lang="en-US" dirty="0" smtClean="0"/>
+              <a:t>It does the same function as O_APPEND mode in Unix except it handles the race conditions when there are multiple writers.</a:t>
+            </a:r>
           </a:p>
           <a:p>
             <a:endParaRPr lang="en-US" dirty="0"/>
@@ -16995,41 +16778,36 @@
           <a:p>
             <a:r>
               <a:rPr lang="en-US" dirty="0" smtClean="0"/>
-              <a:t>They are layered on top of other filesystems.</a:t>
-            </a:r>
-          </a:p>
-          <a:p>
+              <a:t>They are layered on top of other </a:t>
+            </a:r>
+            <a:r>
+              <a:rPr lang="en-US" dirty="0" err="1" smtClean="0"/>
+              <a:t>filesystems</a:t>
+            </a:r>
             <a:r>
               <a:rPr lang="en-US" dirty="0" smtClean="0"/>
-              <a:t>Distributed filesystems are not concerned with how the data is actually stored.</a:t>
+              <a:t>.</a:t>
             </a:r>
           </a:p>
           <a:p>
             <a:r>
               <a:rPr lang="en-US" dirty="0" smtClean="0"/>
-              <a:t>They are more concerned with things </a:t>
+              <a:t>Distributed </a:t>
+            </a:r>
+            <a:r>
+              <a:rPr lang="en-US" dirty="0" err="1" smtClean="0"/>
+              <a:t>filesystems</a:t>
             </a:r>
             <a:r>
               <a:rPr lang="en-US" dirty="0" smtClean="0"/>
-              <a:t>such as </a:t>
-            </a:r>
+              <a:t> are not concerned with how the data is actually stored.</a:t>
+            </a:r>
+          </a:p>
+          <a:p>
             <a:r>
               <a:rPr lang="en-US" dirty="0" smtClean="0"/>
-              <a:t>concurrent access to </a:t>
-            </a:r>
-            <a:r>
-              <a:rPr lang="en-US" dirty="0" smtClean="0"/>
-              <a:t>files and replication </a:t>
-            </a:r>
-            <a:r>
-              <a:rPr lang="en-US" dirty="0" smtClean="0"/>
-              <a:t>of </a:t>
-            </a:r>
-            <a:r>
-              <a:rPr lang="en-US" dirty="0" smtClean="0"/>
-              <a:t>data.</a:t>
-            </a:r>
-            <a:endParaRPr lang="en-US" dirty="0" smtClean="0"/>
+              <a:t>They are more concerned with things such as concurrent access to files and replication of data.</a:t>
+            </a:r>
           </a:p>
           <a:p>
             <a:endParaRPr lang="en-US" dirty="0"/>
@@ -17085,7 +16863,7 @@
           <a:p>
             <a:r>
               <a:rPr lang="en-US" dirty="0" smtClean="0"/>
-              <a:t>Master Operation</a:t>
+              <a:t>Outline</a:t>
             </a:r>
             <a:endParaRPr lang="en-US" dirty="0"/>
           </a:p>
@@ -17104,125 +16882,75 @@
         <p:spPr/>
         <p:txBody>
           <a:bodyPr>
-            <a:normAutofit fontScale="92500" lnSpcReduction="10000"/>
+            <a:normAutofit/>
           </a:bodyPr>
           <a:lstStyle/>
           <a:p>
             <a:r>
               <a:rPr lang="en-US" dirty="0" smtClean="0"/>
-              <a:t>Namespace Management</a:t>
+              <a:t>Distributed Filesystems</a:t>
+            </a:r>
+          </a:p>
+          <a:p>
+            <a:r>
+              <a:rPr lang="en-US" dirty="0" smtClean="0"/>
+              <a:t>Motivation</a:t>
+            </a:r>
+          </a:p>
+          <a:p>
+            <a:r>
+              <a:rPr lang="en-US" dirty="0" smtClean="0"/>
+              <a:t>Google Filesystem Architecture</a:t>
             </a:r>
           </a:p>
           <a:p>
             <a:pPr lvl="1"/>
             <a:r>
               <a:rPr lang="en-US" dirty="0" smtClean="0"/>
-              <a:t>Unlike </a:t>
-            </a:r>
+              <a:t>Chunkservers</a:t>
+            </a:r>
+          </a:p>
+          <a:p>
+            <a:pPr lvl="1"/>
             <a:r>
               <a:rPr lang="en-US" dirty="0" smtClean="0"/>
-              <a:t>many traditional file systems, GFS does not </a:t>
-            </a:r>
+              <a:t>Master</a:t>
+            </a:r>
+          </a:p>
+          <a:p>
             <a:r>
               <a:rPr lang="en-US" dirty="0" smtClean="0"/>
-              <a:t>have a </a:t>
-            </a:r>
+              <a:t>Consistency Model</a:t>
+            </a:r>
+          </a:p>
+          <a:p>
             <a:r>
               <a:rPr lang="en-US" dirty="0" smtClean="0"/>
-              <a:t>per-directory data structure that lists all the files in </a:t>
-            </a:r>
-            <a:r>
-              <a:rPr lang="en-US" dirty="0" smtClean="0"/>
-              <a:t>that directory</a:t>
-            </a:r>
-            <a:r>
-              <a:rPr lang="en-US" dirty="0" smtClean="0"/>
-              <a:t>. </a:t>
-            </a:r>
-            <a:endParaRPr lang="en-US" dirty="0" smtClean="0"/>
-          </a:p>
-          <a:p>
-            <a:pPr lvl="1"/>
-            <a:r>
-              <a:rPr lang="en-US" dirty="0" smtClean="0"/>
-              <a:t>It logically </a:t>
-            </a:r>
-            <a:r>
-              <a:rPr lang="en-US" dirty="0" smtClean="0"/>
-              <a:t>represents its namespace as a lookup table </a:t>
-            </a:r>
-            <a:r>
-              <a:rPr lang="en-US" dirty="0" smtClean="0"/>
-              <a:t>mapping full </a:t>
-            </a:r>
-            <a:r>
-              <a:rPr lang="en-US" dirty="0" smtClean="0"/>
-              <a:t>pathnames to </a:t>
-            </a:r>
-            <a:r>
-              <a:rPr lang="en-US" dirty="0" smtClean="0"/>
-              <a:t>metadata.</a:t>
-            </a:r>
-          </a:p>
-          <a:p>
-            <a:pPr lvl="1"/>
-            <a:r>
-              <a:rPr lang="en-US" dirty="0" smtClean="0"/>
-              <a:t>Uses prefix Compression.</a:t>
-            </a:r>
-            <a:endParaRPr lang="en-US" dirty="0" smtClean="0"/>
-          </a:p>
-          <a:p>
-            <a:r>
-              <a:rPr lang="en-US" dirty="0" smtClean="0"/>
-              <a:t>Locking</a:t>
-            </a:r>
-          </a:p>
-          <a:p>
-            <a:pPr lvl="1"/>
-            <a:r>
-              <a:rPr lang="en-US" dirty="0" smtClean="0"/>
-              <a:t>Each </a:t>
-            </a:r>
-            <a:r>
-              <a:rPr lang="en-US" dirty="0" smtClean="0"/>
-              <a:t>node in </a:t>
-            </a:r>
-            <a:r>
-              <a:rPr lang="en-US" dirty="0" smtClean="0"/>
-              <a:t>the namespace tree (either an absolute file name or </a:t>
-            </a:r>
-            <a:r>
-              <a:rPr lang="en-US" dirty="0" smtClean="0"/>
-              <a:t>an absolute </a:t>
-            </a:r>
-            <a:r>
-              <a:rPr lang="en-US" dirty="0" smtClean="0"/>
-              <a:t>directory name) has an associated read-write </a:t>
-            </a:r>
-            <a:r>
-              <a:rPr lang="en-US" dirty="0" smtClean="0"/>
-              <a:t>lock</a:t>
-            </a:r>
-          </a:p>
-          <a:p>
-            <a:pPr lvl="1"/>
-            <a:r>
-              <a:rPr lang="en-US" dirty="0" smtClean="0"/>
-              <a:t>File creation does not require a write </a:t>
-            </a:r>
-            <a:r>
-              <a:rPr lang="en-US" dirty="0" smtClean="0"/>
-              <a:t>lock on </a:t>
-            </a:r>
-            <a:r>
-              <a:rPr lang="en-US" dirty="0" smtClean="0"/>
-              <a:t>the parent directory because there is no “directory</a:t>
-            </a:r>
-            <a:r>
-              <a:rPr lang="en-US" dirty="0" smtClean="0"/>
-              <a:t>”.</a:t>
-            </a:r>
+              <a:t>File Mutation</a:t>
+            </a:r>
+          </a:p>
+          <a:p>
+            <a:r>
+              <a:rPr lang="en-US" dirty="0" smtClean="0">
+                <a:solidFill>
+                  <a:srgbClr val="FF0000"/>
+                </a:solidFill>
+              </a:rPr>
+              <a:t>Garbage </a:t>
+            </a:r>
+            <a:r>
+              <a:rPr lang="en-US" dirty="0" smtClean="0">
+                <a:solidFill>
+                  <a:srgbClr val="FF0000"/>
+                </a:solidFill>
+              </a:rPr>
+              <a:t>Collection</a:t>
+            </a:r>
+            <a:endParaRPr lang="en-US" b="1" dirty="0" smtClean="0">
+              <a:solidFill>
+                <a:srgbClr val="FF0000"/>
+              </a:solidFill>
+            </a:endParaRPr>
           </a:p>
         </p:txBody>
       </p:sp>
@@ -17275,7 +17003,7 @@
           <a:p>
             <a:r>
               <a:rPr lang="en-US" dirty="0" smtClean="0"/>
-              <a:t>A short example.</a:t>
+              <a:t>Garbage collection</a:t>
             </a:r>
             <a:endParaRPr lang="en-US" dirty="0"/>
           </a:p>
@@ -17291,101 +17019,46 @@
             <p:ph idx="1"/>
           </p:nvPr>
         </p:nvSpPr>
-        <p:spPr/>
+        <p:spPr>
+          <a:xfrm>
+            <a:off x="457200" y="1935480"/>
+            <a:ext cx="8229600" cy="4389120"/>
+          </a:xfrm>
+        </p:spPr>
         <p:txBody>
-          <a:bodyPr/>
+          <a:bodyPr>
+            <a:normAutofit fontScale="92500" lnSpcReduction="10000"/>
+          </a:bodyPr>
           <a:lstStyle/>
           <a:p>
             <a:r>
               <a:rPr lang="en-US" dirty="0" smtClean="0"/>
-              <a:t>/home/user/</a:t>
-            </a:r>
-            <a:r>
-              <a:rPr lang="en-US" dirty="0" err="1" smtClean="0"/>
-              <a:t>foo</a:t>
-            </a:r>
-            <a:endParaRPr lang="en-US" dirty="0" smtClean="0"/>
+              <a:t>When a file is deleted GFS does not remove it from the filesystem immediately, it renames it to a hidden name and gives it a timestamp.</a:t>
+            </a:r>
           </a:p>
           <a:p>
             <a:r>
               <a:rPr lang="en-US" dirty="0" smtClean="0"/>
-              <a:t>/home/user/</a:t>
-            </a:r>
-            <a:r>
-              <a:rPr lang="en-US" dirty="0" err="1" smtClean="0"/>
-              <a:t>baz</a:t>
-            </a:r>
+              <a:t>During the master’s scan of the filesystem namespace, it removes files that have been renamed and are at least 3 days old (interval is configurable).</a:t>
+            </a:r>
+          </a:p>
+          <a:p>
             <a:r>
               <a:rPr lang="en-US" dirty="0" smtClean="0"/>
-              <a:t>.</a:t>
-            </a:r>
-          </a:p>
-          <a:p>
-            <a:pPr lvl="1"/>
+              <a:t>This erases the metadata associated to those chunks, and the chunks become orphaned.</a:t>
+            </a:r>
+          </a:p>
+          <a:p>
             <a:r>
               <a:rPr lang="en-US" dirty="0" smtClean="0"/>
-              <a:t>Acquire read lock on /home</a:t>
-            </a:r>
-          </a:p>
-          <a:p>
-            <a:pPr lvl="1"/>
+              <a:t>To identify this chunks the master server sends a requests a list of chunks from a chunkserver, and responds with a list of chunks that are not associated to any file.</a:t>
+            </a:r>
+          </a:p>
+          <a:p>
             <a:r>
               <a:rPr lang="en-US" dirty="0" smtClean="0"/>
-              <a:t>Acquire read lock on /</a:t>
-            </a:r>
-            <a:r>
-              <a:rPr lang="en-US" dirty="0" smtClean="0"/>
-              <a:t>home/user</a:t>
-            </a:r>
-          </a:p>
-          <a:p>
-            <a:pPr lvl="1"/>
-            <a:r>
-              <a:rPr lang="en-US" dirty="0" smtClean="0"/>
-              <a:t>Acquire </a:t>
-            </a:r>
-            <a:r>
-              <a:rPr lang="en-US" dirty="0" smtClean="0"/>
-              <a:t>write lock </a:t>
-            </a:r>
-            <a:r>
-              <a:rPr lang="en-US" dirty="0" smtClean="0"/>
-              <a:t>on /</a:t>
-            </a:r>
-            <a:r>
-              <a:rPr lang="en-US" dirty="0" smtClean="0"/>
-              <a:t>home/user/</a:t>
-            </a:r>
-            <a:r>
-              <a:rPr lang="en-US" dirty="0" err="1" smtClean="0"/>
-              <a:t>foo</a:t>
-            </a:r>
-            <a:endParaRPr lang="en-US" dirty="0" smtClean="0"/>
-          </a:p>
-          <a:p>
-            <a:pPr lvl="1"/>
-            <a:r>
-              <a:rPr lang="en-US" dirty="0" smtClean="0"/>
-              <a:t>Acquire write lock on /</a:t>
-            </a:r>
-            <a:r>
-              <a:rPr lang="en-US" dirty="0" smtClean="0"/>
-              <a:t>home/user/</a:t>
-            </a:r>
-            <a:r>
-              <a:rPr lang="en-US" dirty="0" err="1" smtClean="0"/>
-              <a:t>baz</a:t>
-            </a:r>
-            <a:endParaRPr lang="en-US" dirty="0" smtClean="0"/>
-          </a:p>
-          <a:p>
-            <a:endParaRPr lang="en-US" dirty="0" smtClean="0"/>
-          </a:p>
-          <a:p>
-            <a:endParaRPr lang="en-US" dirty="0" smtClean="0"/>
-          </a:p>
-          <a:p>
-            <a:endParaRPr lang="en-US" dirty="0"/>
+              <a:t>The chunkserver then is free to delete those chunks.</a:t>
+            </a:r>
           </a:p>
         </p:txBody>
       </p:sp>
@@ -17433,18 +17106,13 @@
         </p:nvSpPr>
         <p:spPr/>
         <p:txBody>
-          <a:bodyPr>
-            <a:normAutofit fontScale="90000"/>
-          </a:bodyPr>
+          <a:bodyPr/>
           <a:lstStyle/>
           <a:p>
             <a:r>
               <a:rPr lang="en-US" dirty="0" smtClean="0"/>
-              <a:t>Master Operation</a:t>
-            </a:r>
-            <a:br>
-              <a:rPr lang="en-US" dirty="0" smtClean="0"/>
-            </a:br>
+              <a:t>Outline</a:t>
+            </a:r>
             <a:endParaRPr lang="en-US" dirty="0"/>
           </a:p>
         </p:txBody>
@@ -17459,134 +17127,66 @@
             <p:ph idx="1"/>
           </p:nvPr>
         </p:nvSpPr>
-        <p:spPr>
-          <a:xfrm>
-            <a:off x="457200" y="1447800"/>
-            <a:ext cx="8229600" cy="4876800"/>
-          </a:xfrm>
-        </p:spPr>
+        <p:spPr/>
         <p:txBody>
           <a:bodyPr>
-            <a:normAutofit fontScale="92500" lnSpcReduction="10000"/>
+            <a:normAutofit/>
           </a:bodyPr>
           <a:lstStyle/>
           <a:p>
             <a:r>
-              <a:rPr lang="en-US" u="sng" dirty="0" smtClean="0"/>
-              <a:t>Creation:</a:t>
-            </a:r>
-            <a:r>
               <a:rPr lang="en-US" dirty="0" smtClean="0"/>
-              <a:t> When the master machine creates a new chunk it chooses where to place the initially empty replicas. It takes 3 things into consideration:</a:t>
+              <a:t>Distributed Filesystems</a:t>
+            </a:r>
+          </a:p>
+          <a:p>
+            <a:r>
+              <a:rPr lang="en-US" dirty="0" smtClean="0"/>
+              <a:t>Motivation</a:t>
+            </a:r>
+          </a:p>
+          <a:p>
+            <a:r>
+              <a:rPr lang="en-US" dirty="0" smtClean="0"/>
+              <a:t>Google Filesystem Architecture</a:t>
             </a:r>
           </a:p>
           <a:p>
             <a:pPr lvl="1"/>
             <a:r>
               <a:rPr lang="en-US" dirty="0" smtClean="0"/>
-              <a:t>Chunkservers with below-average disk space </a:t>
-            </a:r>
+              <a:t>Chunkservers</a:t>
+            </a:r>
+          </a:p>
+          <a:p>
+            <a:pPr lvl="1"/>
             <a:r>
               <a:rPr lang="en-US" dirty="0" smtClean="0"/>
-              <a:t>utilization</a:t>
-            </a:r>
-            <a:endParaRPr lang="en-US" dirty="0" smtClean="0"/>
-          </a:p>
-          <a:p>
-            <a:pPr lvl="1"/>
+              <a:t>Master</a:t>
+            </a:r>
+          </a:p>
+          <a:p>
             <a:r>
               <a:rPr lang="en-US" dirty="0" smtClean="0"/>
-              <a:t>We want </a:t>
-            </a:r>
+              <a:t>Consistency Model</a:t>
+            </a:r>
+          </a:p>
+          <a:p>
             <a:r>
               <a:rPr lang="en-US" dirty="0" smtClean="0"/>
-              <a:t>to limit </a:t>
-            </a:r>
+              <a:t>File Mutation</a:t>
+            </a:r>
+          </a:p>
+          <a:p>
             <a:r>
               <a:rPr lang="en-US" dirty="0" smtClean="0"/>
-              <a:t>the number of “recent” creations on each chunkserver</a:t>
+              <a:t>Garbage </a:t>
             </a:r>
             <a:r>
               <a:rPr lang="en-US" dirty="0" smtClean="0"/>
-              <a:t>.</a:t>
-            </a:r>
-          </a:p>
-          <a:p>
-            <a:pPr lvl="1"/>
-            <a:r>
-              <a:rPr lang="en-US" dirty="0" smtClean="0"/>
-              <a:t>Spread </a:t>
-            </a:r>
-            <a:r>
-              <a:rPr lang="en-US" dirty="0" smtClean="0"/>
-              <a:t>replicas of a </a:t>
-            </a:r>
-            <a:r>
-              <a:rPr lang="en-US" dirty="0" smtClean="0"/>
-              <a:t>chunk across </a:t>
-            </a:r>
-            <a:r>
-              <a:rPr lang="en-US" dirty="0" smtClean="0"/>
-              <a:t>racks</a:t>
-            </a:r>
-            <a:r>
-              <a:rPr lang="en-US" dirty="0" smtClean="0"/>
-              <a:t>.</a:t>
-            </a:r>
-          </a:p>
-          <a:p>
-            <a:r>
-              <a:rPr lang="en-US" u="sng" dirty="0" smtClean="0"/>
-              <a:t>Re-replication</a:t>
-            </a:r>
-            <a:r>
-              <a:rPr lang="en-US" dirty="0" smtClean="0"/>
-              <a:t>: </a:t>
-            </a:r>
-            <a:r>
-              <a:rPr lang="en-US" dirty="0" smtClean="0"/>
-              <a:t>This is done when </a:t>
-            </a:r>
-            <a:r>
-              <a:rPr lang="en-US" dirty="0" smtClean="0"/>
-              <a:t>the </a:t>
-            </a:r>
-            <a:r>
-              <a:rPr lang="en-US" dirty="0" smtClean="0"/>
-              <a:t>number of </a:t>
-            </a:r>
-            <a:r>
-              <a:rPr lang="en-US" dirty="0" smtClean="0"/>
-              <a:t>available replicas falls below a user-specified </a:t>
-            </a:r>
-            <a:r>
-              <a:rPr lang="en-US" dirty="0" smtClean="0"/>
-              <a:t>goal.</a:t>
-            </a:r>
-          </a:p>
-          <a:p>
-            <a:pPr lvl="1"/>
-            <a:r>
-              <a:rPr lang="en-US" dirty="0" smtClean="0"/>
-              <a:t>Highest priority given to chunks blocking client progress</a:t>
-            </a:r>
-          </a:p>
-          <a:p>
-            <a:r>
-              <a:rPr lang="en-US" u="sng" dirty="0" smtClean="0"/>
-              <a:t>Rebalancing:</a:t>
-            </a:r>
-            <a:r>
-              <a:rPr lang="en-US" dirty="0" smtClean="0"/>
-              <a:t> The master rebalances replicas periodically: it examines the current replica distribution and moves replicas for better disks pace and load balancing.</a:t>
-            </a:r>
-          </a:p>
-          <a:p>
-            <a:endParaRPr lang="en-US" dirty="0" smtClean="0"/>
-          </a:p>
-          <a:p>
-            <a:pPr lvl="1"/>
-            <a:endParaRPr lang="en-US" dirty="0"/>
+              <a:t>Collection</a:t>
+            </a:r>
+            <a:endParaRPr lang="en-US" b="1" dirty="0" smtClean="0"/>
           </a:p>
         </p:txBody>
       </p:sp>
@@ -17606,7 +17206,7 @@
 </file>
 
 <file path=ppt/slides/slide33.xml><?xml version="1.0" encoding="utf-8"?>
-<p:sld xmlns:a="http://schemas.openxmlformats.org/drawingml/2006/main" xmlns:r="http://schemas.openxmlformats.org/officeDocument/2006/relationships" xmlns:p="http://schemas.openxmlformats.org/presentationml/2006/main">
+<p:sld xmlns:a="http://schemas.openxmlformats.org/drawingml/2006/main" xmlns:r="http://schemas.openxmlformats.org/officeDocument/2006/relationships" xmlns:p="http://schemas.openxmlformats.org/presentationml/2006/main" show="0">
   <p:cSld>
     <p:spTree>
       <p:nvGrpSpPr>
@@ -17639,7 +17239,7 @@
           <a:p>
             <a:r>
               <a:rPr lang="en-US" dirty="0" smtClean="0"/>
-              <a:t>Garbage collection</a:t>
+              <a:t>Master Operation</a:t>
             </a:r>
             <a:endParaRPr lang="en-US" dirty="0"/>
           </a:p>
@@ -17655,12 +17255,7 @@
             <p:ph idx="1"/>
           </p:nvPr>
         </p:nvSpPr>
-        <p:spPr>
-          <a:xfrm>
-            <a:off x="457200" y="1935480"/>
-            <a:ext cx="8229600" cy="4389120"/>
-          </a:xfrm>
-        </p:spPr>
+        <p:spPr/>
         <p:txBody>
           <a:bodyPr>
             <a:normAutofit fontScale="92500" lnSpcReduction="10000"/>
@@ -17669,31 +17264,48 @@
           <a:p>
             <a:r>
               <a:rPr lang="en-US" dirty="0" smtClean="0"/>
-              <a:t>When a file is deleted GFS does not remove it from the filesystem immediately, it renames it to a hidden name and gives it a timestamp.</a:t>
-            </a:r>
-          </a:p>
-          <a:p>
+              <a:t>Namespace Management</a:t>
+            </a:r>
+          </a:p>
+          <a:p>
+            <a:pPr lvl="1"/>
             <a:r>
               <a:rPr lang="en-US" dirty="0" smtClean="0"/>
-              <a:t>During the master’s scan of the filesystem namespace, it removes files that have been renamed and are at least 3 days old (interval is configurable).</a:t>
-            </a:r>
-          </a:p>
-          <a:p>
+              <a:t>Unlike many traditional file systems, GFS does not have a per-directory data structure that lists all the files in that directory. </a:t>
+            </a:r>
+          </a:p>
+          <a:p>
+            <a:pPr lvl="1"/>
             <a:r>
               <a:rPr lang="en-US" dirty="0" smtClean="0"/>
-              <a:t>This erases the metadata associated to those chunks, and the chunks become orphaned.</a:t>
-            </a:r>
-          </a:p>
-          <a:p>
+              <a:t>It logically represents its namespace as a lookup table mapping full pathnames to metadata.</a:t>
+            </a:r>
+          </a:p>
+          <a:p>
+            <a:pPr lvl="1"/>
             <a:r>
               <a:rPr lang="en-US" dirty="0" smtClean="0"/>
-              <a:t>To identify this chunks the master server sends a requests a list of chunks from a chunkserver, and responds with a list of chunks that are not associated to any file.</a:t>
+              <a:t>Uses prefix Compression.</a:t>
             </a:r>
           </a:p>
           <a:p>
             <a:r>
               <a:rPr lang="en-US" dirty="0" smtClean="0"/>
-              <a:t>The chunkserver then is free to delete those chunks.</a:t>
+              <a:t>Locking</a:t>
+            </a:r>
+          </a:p>
+          <a:p>
+            <a:pPr lvl="1"/>
+            <a:r>
+              <a:rPr lang="en-US" dirty="0" smtClean="0"/>
+              <a:t>Each node in the namespace tree (either an absolute file name or an absolute directory name) has an associated read-write lock</a:t>
+            </a:r>
+          </a:p>
+          <a:p>
+            <a:pPr lvl="1"/>
+            <a:r>
+              <a:rPr lang="en-US" dirty="0" smtClean="0"/>
+              <a:t>File creation does not require a write lock on the parent directory because there is no “directory”.</a:t>
             </a:r>
           </a:p>
         </p:txBody>
@@ -17703,6 +17315,7 @@
   <p:clrMapOvr>
     <a:masterClrMapping/>
   </p:clrMapOvr>
+  <p:transition/>
   <p:timing>
     <p:tnLst>
       <p:par>
@@ -17714,7 +17327,7 @@
 </file>
 
 <file path=ppt/slides/slide34.xml><?xml version="1.0" encoding="utf-8"?>
-<p:sld xmlns:a="http://schemas.openxmlformats.org/drawingml/2006/main" xmlns:r="http://schemas.openxmlformats.org/officeDocument/2006/relationships" xmlns:p="http://schemas.openxmlformats.org/presentationml/2006/main">
+<p:sld xmlns:a="http://schemas.openxmlformats.org/drawingml/2006/main" xmlns:r="http://schemas.openxmlformats.org/officeDocument/2006/relationships" xmlns:p="http://schemas.openxmlformats.org/presentationml/2006/main" show="0">
   <p:cSld>
     <p:spTree>
       <p:nvGrpSpPr>
@@ -17747,7 +17360,7 @@
           <a:p>
             <a:r>
               <a:rPr lang="en-US" dirty="0" smtClean="0"/>
-              <a:t>References</a:t>
+              <a:t>A short example.</a:t>
             </a:r>
             <a:endParaRPr lang="en-US" dirty="0"/>
           </a:p>
@@ -17770,50 +17383,73 @@
           <a:p>
             <a:r>
               <a:rPr lang="en-US" dirty="0" smtClean="0"/>
-              <a:t>Sanjay </a:t>
+              <a:t>Create file /home/user/</a:t>
             </a:r>
             <a:r>
               <a:rPr lang="en-US" dirty="0" err="1" smtClean="0"/>
-              <a:t>Ghemawat</a:t>
-            </a:r>
+              <a:t>foo</a:t>
+            </a:r>
+            <a:endParaRPr lang="en-US" dirty="0" smtClean="0"/>
+          </a:p>
+          <a:p>
             <a:r>
               <a:rPr lang="en-US" dirty="0" smtClean="0"/>
-              <a:t>, Howard </a:t>
+              <a:t>Create file /home/user/</a:t>
             </a:r>
             <a:r>
               <a:rPr lang="en-US" dirty="0" err="1" smtClean="0"/>
-              <a:t>Gobioff</a:t>
+              <a:t>baz</a:t>
             </a:r>
             <a:r>
               <a:rPr lang="en-US" dirty="0" smtClean="0"/>
-              <a:t>, and Shun-</a:t>
+              <a:t>.</a:t>
+            </a:r>
+          </a:p>
+          <a:p>
+            <a:pPr lvl="1"/>
+            <a:r>
+              <a:rPr lang="en-US" dirty="0" smtClean="0"/>
+              <a:t>Acquire read lock on /home</a:t>
+            </a:r>
+          </a:p>
+          <a:p>
+            <a:pPr lvl="1"/>
+            <a:r>
+              <a:rPr lang="en-US" dirty="0" smtClean="0"/>
+              <a:t>Acquire read lock on /home/user</a:t>
+            </a:r>
+          </a:p>
+          <a:p>
+            <a:pPr lvl="1"/>
+            <a:r>
+              <a:rPr lang="en-US" dirty="0" smtClean="0"/>
+              <a:t>Acquire write lock on /home/user/</a:t>
             </a:r>
             <a:r>
               <a:rPr lang="en-US" dirty="0" err="1" smtClean="0"/>
-              <a:t>Tak</a:t>
-            </a:r>
+              <a:t>foo</a:t>
+            </a:r>
+            <a:endParaRPr lang="en-US" dirty="0" smtClean="0"/>
+          </a:p>
+          <a:p>
+            <a:pPr lvl="1"/>
             <a:r>
               <a:rPr lang="en-US" dirty="0" smtClean="0"/>
-              <a:t> Leung. </a:t>
-            </a:r>
-            <a:r>
-              <a:rPr lang="en-US" dirty="0" smtClean="0">
-                <a:hlinkClick r:id="rId2"/>
-              </a:rPr>
-              <a:t>The Google file system</a:t>
-            </a:r>
-            <a:r>
-              <a:rPr lang="en-US" dirty="0" smtClean="0"/>
-              <a:t>. In </a:t>
-            </a:r>
-            <a:r>
-              <a:rPr lang="en-US" i="1" dirty="0" smtClean="0"/>
-              <a:t>19th Symposium on Operating Systems Principles</a:t>
-            </a:r>
-            <a:r>
-              <a:rPr lang="en-US" dirty="0" smtClean="0"/>
-              <a:t>, pages 29-43, Lake George, New York, 2003.</a:t>
-            </a:r>
+              <a:t>Acquire write lock on /home/user/</a:t>
+            </a:r>
+            <a:r>
+              <a:rPr lang="en-US" dirty="0" err="1" smtClean="0"/>
+              <a:t>baz</a:t>
+            </a:r>
+            <a:endParaRPr lang="en-US" dirty="0" smtClean="0"/>
+          </a:p>
+          <a:p>
+            <a:endParaRPr lang="en-US" dirty="0" smtClean="0"/>
+          </a:p>
+          <a:p>
+            <a:endParaRPr lang="en-US" dirty="0" smtClean="0"/>
+          </a:p>
+          <a:p>
             <a:endParaRPr lang="en-US" dirty="0"/>
           </a:p>
         </p:txBody>
@@ -17823,6 +17459,7 @@
   <p:clrMapOvr>
     <a:masterClrMapping/>
   </p:clrMapOvr>
+  <p:transition/>
   <p:timing>
     <p:tnLst>
       <p:par>
@@ -17834,7 +17471,7 @@
 </file>
 
 <file path=ppt/slides/slide35.xml><?xml version="1.0" encoding="utf-8"?>
-<p:sld xmlns:a="http://schemas.openxmlformats.org/drawingml/2006/main" xmlns:r="http://schemas.openxmlformats.org/officeDocument/2006/relationships" xmlns:p="http://schemas.openxmlformats.org/presentationml/2006/main">
+<p:sld xmlns:a="http://schemas.openxmlformats.org/drawingml/2006/main" xmlns:r="http://schemas.openxmlformats.org/officeDocument/2006/relationships" xmlns:p="http://schemas.openxmlformats.org/presentationml/2006/main" show="0">
   <p:cSld>
     <p:spTree>
       <p:nvGrpSpPr>
@@ -17852,7 +17489,7 @@
       </p:grpSpPr>
       <p:sp>
         <p:nvSpPr>
-          <p:cNvPr id="4" name="Title 3"/>
+          <p:cNvPr id="2" name="Title 1"/>
           <p:cNvSpPr>
             <a:spLocks noGrp="1"/>
           </p:cNvSpPr>
@@ -17862,118 +17499,107 @@
         </p:nvSpPr>
         <p:spPr/>
         <p:txBody>
-          <a:bodyPr/>
+          <a:bodyPr>
+            <a:normAutofit fontScale="90000"/>
+          </a:bodyPr>
           <a:lstStyle/>
           <a:p>
             <a:r>
-              <a:rPr smtClean="0"/>
-              <a:t>Thank You!</a:t>
-            </a:r>
+              <a:rPr lang="en-US" dirty="0" smtClean="0"/>
+              <a:t>Master Operation</a:t>
+            </a:r>
+            <a:br>
+              <a:rPr lang="en-US" dirty="0" smtClean="0"/>
+            </a:br>
             <a:endParaRPr lang="en-US" dirty="0"/>
           </a:p>
         </p:txBody>
       </p:sp>
       <p:sp>
         <p:nvSpPr>
-          <p:cNvPr id="6" name="Title 3"/>
-          <p:cNvSpPr txBox="1">
-            <a:spLocks/>
+          <p:cNvPr id="3" name="Content Placeholder 2"/>
+          <p:cNvSpPr>
+            <a:spLocks noGrp="1"/>
           </p:cNvSpPr>
-          <p:nvPr/>
+          <p:nvPr>
+            <p:ph idx="1"/>
+          </p:nvPr>
         </p:nvSpPr>
         <p:spPr>
           <a:xfrm>
-            <a:off x="533400" y="4038600"/>
-            <a:ext cx="7772400" cy="1362456"/>
+            <a:off x="457200" y="1447800"/>
+            <a:ext cx="8229600" cy="4876800"/>
           </a:xfrm>
-          <a:prstGeom prst="rect">
-            <a:avLst/>
-          </a:prstGeom>
-          <a:ln>
-            <a:noFill/>
-          </a:ln>
         </p:spPr>
         <p:txBody>
-          <a:bodyPr vert="horz" lIns="0" tIns="0" rIns="0" bIns="0" anchor="b">
-            <a:noAutofit/>
-            <a:scene3d>
-              <a:camera prst="orthographicFront"/>
-              <a:lightRig rig="freezing" dir="t">
-                <a:rot lat="0" lon="0" rev="5640000"/>
-              </a:lightRig>
-            </a:scene3d>
-            <a:sp3d prstMaterial="flat">
-              <a:bevelT w="38100" h="38100"/>
-            </a:sp3d>
+          <a:bodyPr>
+            <a:normAutofit fontScale="92500" lnSpcReduction="10000"/>
           </a:bodyPr>
           <a:lstStyle/>
           <a:p>
-            <a:pPr marL="0" marR="0" lvl="0" indent="0" algn="r" defTabSz="914400" rtl="0" eaLnBrk="1" fontAlgn="auto" latinLnBrk="0" hangingPunct="1">
-              <a:lnSpc>
-                <a:spcPct val="100000"/>
-              </a:lnSpc>
-              <a:spcBef>
-                <a:spcPct val="0"/>
-              </a:spcBef>
-              <a:spcAft>
-                <a:spcPts val="0"/>
-              </a:spcAft>
-              <a:buClrTx/>
-              <a:buSzTx/>
-              <a:buFontTx/>
-              <a:buNone/>
-              <a:tabLst/>
-              <a:defRPr/>
-            </a:pPr>
-            <a:r>
-              <a:rPr kumimoji="0" lang="en-US" sz="5600" b="1" i="0" u="none" strike="noStrike" kern="1200" cap="none" spc="0" normalizeH="0" baseline="0" noProof="0" dirty="0" smtClean="0">
-                <a:ln w="635">
-                  <a:noFill/>
-                </a:ln>
-                <a:solidFill>
-                  <a:schemeClr val="accent4">
-                    <a:tint val="90000"/>
-                    <a:satMod val="125000"/>
-                  </a:schemeClr>
-                </a:solidFill>
-                <a:effectLst>
-                  <a:outerShdw blurRad="38100" dist="25400" dir="5400000" algn="tl" rotWithShape="0">
-                    <a:srgbClr val="000000">
-                      <a:alpha val="43000"/>
-                    </a:srgbClr>
-                  </a:outerShdw>
-                </a:effectLst>
-                <a:uLnTx/>
-                <a:uFillTx/>
-                <a:latin typeface="+mj-lt"/>
-                <a:ea typeface="+mj-ea"/>
-                <a:cs typeface="+mj-cs"/>
-              </a:rPr>
-              <a:t>Questions?</a:t>
-            </a:r>
-            <a:endParaRPr kumimoji="0" lang="en-US" sz="5600" b="1" i="0" u="none" strike="noStrike" kern="1200" cap="none" spc="0" normalizeH="0" baseline="0" noProof="0" dirty="0">
-              <a:ln w="635">
-                <a:noFill/>
-              </a:ln>
-              <a:solidFill>
-                <a:schemeClr val="accent4">
-                  <a:tint val="90000"/>
-                  <a:satMod val="125000"/>
-                </a:schemeClr>
-              </a:solidFill>
-              <a:effectLst>
-                <a:outerShdw blurRad="38100" dist="25400" dir="5400000" algn="tl" rotWithShape="0">
-                  <a:srgbClr val="000000">
-                    <a:alpha val="43000"/>
-                  </a:srgbClr>
-                </a:outerShdw>
-              </a:effectLst>
-              <a:uLnTx/>
-              <a:uFillTx/>
-              <a:latin typeface="+mj-lt"/>
-              <a:ea typeface="+mj-ea"/>
-              <a:cs typeface="+mj-cs"/>
-            </a:endParaRPr>
+            <a:r>
+              <a:rPr lang="en-US" u="sng" dirty="0" smtClean="0"/>
+              <a:t>Creation:</a:t>
+            </a:r>
+            <a:r>
+              <a:rPr lang="en-US" dirty="0" smtClean="0"/>
+              <a:t> When the master machine creates a new chunk it chooses where to place the initially empty replicas. It takes 3 things into consideration:</a:t>
+            </a:r>
+          </a:p>
+          <a:p>
+            <a:pPr lvl="1"/>
+            <a:r>
+              <a:rPr lang="en-US" dirty="0" smtClean="0"/>
+              <a:t>Chunkservers with below-average disk space utilization</a:t>
+            </a:r>
+          </a:p>
+          <a:p>
+            <a:pPr lvl="1"/>
+            <a:r>
+              <a:rPr lang="en-US" dirty="0" smtClean="0"/>
+              <a:t>We want to limit the number of “recent” creations on each chunkserver.</a:t>
+            </a:r>
+          </a:p>
+          <a:p>
+            <a:pPr lvl="1"/>
+            <a:r>
+              <a:rPr lang="en-US" dirty="0" smtClean="0"/>
+              <a:t>Spread replicas of a chunk across racks.</a:t>
+            </a:r>
+          </a:p>
+          <a:p>
+            <a:r>
+              <a:rPr lang="en-US" u="sng" dirty="0" smtClean="0"/>
+              <a:t>Re-replication</a:t>
+            </a:r>
+            <a:r>
+              <a:rPr lang="en-US" dirty="0" smtClean="0"/>
+              <a:t>: This is done when the number of available replicas falls below a user-specified goal.</a:t>
+            </a:r>
+          </a:p>
+          <a:p>
+            <a:pPr lvl="1"/>
+            <a:r>
+              <a:rPr lang="en-US" dirty="0" smtClean="0"/>
+              <a:t>Highest priority given to chunks blocking client progress</a:t>
+            </a:r>
+          </a:p>
+          <a:p>
+            <a:r>
+              <a:rPr lang="en-US" u="sng" dirty="0" smtClean="0"/>
+              <a:t>Rebalancing:</a:t>
+            </a:r>
+            <a:r>
+              <a:rPr lang="en-US" dirty="0" smtClean="0"/>
+              <a:t> The master rebalances replicas periodically: it examines the current replica distribution and moves replicas for better disks pace and load balancing.</a:t>
+            </a:r>
+          </a:p>
+          <a:p>
+            <a:endParaRPr lang="en-US" dirty="0" smtClean="0"/>
+          </a:p>
+          <a:p>
+            <a:pPr lvl="1"/>
+            <a:endParaRPr lang="en-US" dirty="0"/>
           </a:p>
         </p:txBody>
       </p:sp>
@@ -17982,6 +17608,7 @@
   <p:clrMapOvr>
     <a:masterClrMapping/>
   </p:clrMapOvr>
+  <p:transition/>
   <p:timing>
     <p:tnLst>
       <p:par>
@@ -18024,6 +17651,10 @@
           <a:bodyPr/>
           <a:lstStyle/>
           <a:p>
+            <a:r>
+              <a:rPr lang="en-US" dirty="0" smtClean="0"/>
+              <a:t>References</a:t>
+            </a:r>
             <a:endParaRPr lang="en-US" dirty="0"/>
           </a:p>
         </p:txBody>
@@ -18045,19 +17676,49 @@
           <a:p>
             <a:r>
               <a:rPr lang="en-US" dirty="0" smtClean="0"/>
-              <a:t>Distributed FS, they don’t deal with how the actual data is being stored.</a:t>
-            </a:r>
-          </a:p>
-          <a:p>
+              <a:t>Sanjay </a:t>
+            </a:r>
+            <a:r>
+              <a:rPr lang="en-US" dirty="0" err="1" smtClean="0"/>
+              <a:t>Ghemawat</a:t>
+            </a:r>
             <a:r>
               <a:rPr lang="en-US" dirty="0" smtClean="0"/>
-              <a:t>Concurrency – locks.. Etc.</a:t>
-            </a:r>
-          </a:p>
-          <a:p>
+              <a:t>, Howard </a:t>
+            </a:r>
+            <a:r>
+              <a:rPr lang="en-US" dirty="0" err="1" smtClean="0"/>
+              <a:t>Gobioff</a:t>
+            </a:r>
             <a:r>
               <a:rPr lang="en-US" dirty="0" smtClean="0"/>
-              <a:t>Replication data</a:t>
+              <a:t>, and Shun-</a:t>
+            </a:r>
+            <a:r>
+              <a:rPr lang="en-US" dirty="0" err="1" smtClean="0"/>
+              <a:t>Tak</a:t>
+            </a:r>
+            <a:r>
+              <a:rPr lang="en-US" dirty="0" smtClean="0"/>
+              <a:t> Leung. </a:t>
+            </a:r>
+            <a:r>
+              <a:rPr lang="en-US" dirty="0" smtClean="0">
+                <a:hlinkClick r:id="rId2"/>
+              </a:rPr>
+              <a:t>The Google file system</a:t>
+            </a:r>
+            <a:r>
+              <a:rPr lang="en-US" dirty="0" smtClean="0"/>
+              <a:t>. In </a:t>
+            </a:r>
+            <a:r>
+              <a:rPr lang="en-US" i="1" dirty="0" smtClean="0"/>
+              <a:t>19th Symposium on Operating Systems Principles</a:t>
+            </a:r>
+            <a:r>
+              <a:rPr lang="en-US" dirty="0" smtClean="0"/>
+              <a:t>, pages 29-43, Lake George, New York, 2003.</a:t>
             </a:r>
             <a:endParaRPr lang="en-US" dirty="0"/>
           </a:p>
@@ -18097,7 +17758,7 @@
       </p:grpSpPr>
       <p:sp>
         <p:nvSpPr>
-          <p:cNvPr id="2" name="Title 1"/>
+          <p:cNvPr id="4" name="Title 3"/>
           <p:cNvSpPr>
             <a:spLocks noGrp="1"/>
           </p:cNvSpPr>
@@ -18111,52 +17772,117 @@
           <a:lstStyle/>
           <a:p>
             <a:r>
-              <a:rPr lang="en-US" dirty="0" smtClean="0"/>
-              <a:t>Real World </a:t>
-            </a:r>
-            <a:r>
-              <a:rPr lang="en-US" dirty="0" smtClean="0"/>
-              <a:t>Use</a:t>
+              <a:rPr smtClean="0"/>
+              <a:t>Thank You!</a:t>
             </a:r>
             <a:endParaRPr lang="en-US" dirty="0"/>
           </a:p>
         </p:txBody>
       </p:sp>
-      <p:pic>
-        <p:nvPicPr>
-          <p:cNvPr id="1026" name="Picture 2"/>
-          <p:cNvPicPr>
-            <a:picLocks noGrp="1" noChangeAspect="1" noChangeArrowheads="1"/>
-          </p:cNvPicPr>
-          <p:nvPr>
-            <p:ph idx="1"/>
-          </p:nvPr>
-        </p:nvPicPr>
-        <p:blipFill>
-          <a:blip r:embed="rId2"/>
-          <a:srcRect/>
-          <a:stretch>
-            <a:fillRect/>
-          </a:stretch>
-        </p:blipFill>
-        <p:spPr bwMode="auto">
+      <p:sp>
+        <p:nvSpPr>
+          <p:cNvPr id="6" name="Title 3"/>
+          <p:cNvSpPr txBox="1">
+            <a:spLocks/>
+          </p:cNvSpPr>
+          <p:nvPr/>
+        </p:nvSpPr>
+        <p:spPr>
           <a:xfrm>
-            <a:off x="1219200" y="2174748"/>
-            <a:ext cx="6629400" cy="3845052"/>
+            <a:off x="533400" y="4038600"/>
+            <a:ext cx="7772400" cy="1362456"/>
           </a:xfrm>
           <a:prstGeom prst="rect">
             <a:avLst/>
           </a:prstGeom>
-          <a:noFill/>
-          <a:ln w="9525">
+          <a:ln>
             <a:noFill/>
-            <a:miter lim="800000"/>
-            <a:headEnd/>
-            <a:tailEnd/>
           </a:ln>
-          <a:effectLst/>
         </p:spPr>
-      </p:pic>
+        <p:txBody>
+          <a:bodyPr vert="horz" lIns="0" tIns="0" rIns="0" bIns="0" anchor="b">
+            <a:noAutofit/>
+            <a:scene3d>
+              <a:camera prst="orthographicFront"/>
+              <a:lightRig rig="freezing" dir="t">
+                <a:rot lat="0" lon="0" rev="5640000"/>
+              </a:lightRig>
+            </a:scene3d>
+            <a:sp3d prstMaterial="flat">
+              <a:bevelT w="38100" h="38100"/>
+            </a:sp3d>
+          </a:bodyPr>
+          <a:lstStyle/>
+          <a:p>
+            <a:pPr marL="0" marR="0" lvl="0" indent="0" algn="r" defTabSz="914400" rtl="0" eaLnBrk="1" fontAlgn="auto" latinLnBrk="0" hangingPunct="1">
+              <a:lnSpc>
+                <a:spcPct val="100000"/>
+              </a:lnSpc>
+              <a:spcBef>
+                <a:spcPct val="0"/>
+              </a:spcBef>
+              <a:spcAft>
+                <a:spcPts val="0"/>
+              </a:spcAft>
+              <a:buClrTx/>
+              <a:buSzTx/>
+              <a:buFontTx/>
+              <a:buNone/>
+              <a:tabLst/>
+              <a:defRPr/>
+            </a:pPr>
+            <a:r>
+              <a:rPr kumimoji="0" lang="en-US" sz="5600" b="1" i="0" u="none" strike="noStrike" kern="1200" cap="none" spc="0" normalizeH="0" baseline="0" noProof="0" dirty="0" smtClean="0">
+                <a:ln w="635">
+                  <a:noFill/>
+                </a:ln>
+                <a:solidFill>
+                  <a:schemeClr val="accent4">
+                    <a:tint val="90000"/>
+                    <a:satMod val="125000"/>
+                  </a:schemeClr>
+                </a:solidFill>
+                <a:effectLst>
+                  <a:outerShdw blurRad="38100" dist="25400" dir="5400000" algn="tl" rotWithShape="0">
+                    <a:srgbClr val="000000">
+                      <a:alpha val="43000"/>
+                    </a:srgbClr>
+                  </a:outerShdw>
+                </a:effectLst>
+                <a:uLnTx/>
+                <a:uFillTx/>
+                <a:latin typeface="+mj-lt"/>
+                <a:ea typeface="+mj-ea"/>
+                <a:cs typeface="+mj-cs"/>
+              </a:rPr>
+              <a:t>Questions?</a:t>
+            </a:r>
+            <a:endParaRPr kumimoji="0" lang="en-US" sz="5600" b="1" i="0" u="none" strike="noStrike" kern="1200" cap="none" spc="0" normalizeH="0" baseline="0" noProof="0" dirty="0">
+              <a:ln w="635">
+                <a:noFill/>
+              </a:ln>
+              <a:solidFill>
+                <a:schemeClr val="accent4">
+                  <a:tint val="90000"/>
+                  <a:satMod val="125000"/>
+                </a:schemeClr>
+              </a:solidFill>
+              <a:effectLst>
+                <a:outerShdw blurRad="38100" dist="25400" dir="5400000" algn="tl" rotWithShape="0">
+                  <a:srgbClr val="000000">
+                    <a:alpha val="43000"/>
+                  </a:srgbClr>
+                </a:outerShdw>
+              </a:effectLst>
+              <a:uLnTx/>
+              <a:uFillTx/>
+              <a:latin typeface="+mj-lt"/>
+              <a:ea typeface="+mj-ea"/>
+              <a:cs typeface="+mj-cs"/>
+            </a:endParaRPr>
+          </a:p>
+        </p:txBody>
+      </p:sp>
     </p:spTree>
   </p:cSld>
   <p:clrMapOvr>
@@ -18173,116 +17899,6 @@
 </file>
 
 <file path=ppt/slides/slide38.xml><?xml version="1.0" encoding="utf-8"?>
-<p:sld xmlns:a="http://schemas.openxmlformats.org/drawingml/2006/main" xmlns:r="http://schemas.openxmlformats.org/officeDocument/2006/relationships" xmlns:p="http://schemas.openxmlformats.org/presentationml/2006/main">
-  <p:cSld>
-    <p:spTree>
-      <p:nvGrpSpPr>
-        <p:cNvPr id="1" name=""/>
-        <p:cNvGrpSpPr/>
-        <p:nvPr/>
-      </p:nvGrpSpPr>
-      <p:grpSpPr>
-        <a:xfrm>
-          <a:off x="0" y="0"/>
-          <a:ext cx="0" cy="0"/>
-          <a:chOff x="0" y="0"/>
-          <a:chExt cx="0" cy="0"/>
-        </a:xfrm>
-      </p:grpSpPr>
-      <p:sp>
-        <p:nvSpPr>
-          <p:cNvPr id="2" name="Title 1"/>
-          <p:cNvSpPr>
-            <a:spLocks noGrp="1"/>
-          </p:cNvSpPr>
-          <p:nvPr>
-            <p:ph type="title"/>
-          </p:nvPr>
-        </p:nvSpPr>
-        <p:spPr/>
-        <p:txBody>
-          <a:bodyPr/>
-          <a:lstStyle/>
-          <a:p>
-            <a:r>
-              <a:rPr lang="en-US" dirty="0" smtClean="0"/>
-              <a:t>Steps to perform a mutation.</a:t>
-            </a:r>
-            <a:endParaRPr lang="en-US" dirty="0"/>
-          </a:p>
-        </p:txBody>
-      </p:sp>
-      <p:sp>
-        <p:nvSpPr>
-          <p:cNvPr id="3" name="Content Placeholder 2"/>
-          <p:cNvSpPr>
-            <a:spLocks noGrp="1"/>
-          </p:cNvSpPr>
-          <p:nvPr>
-            <p:ph idx="1"/>
-          </p:nvPr>
-        </p:nvSpPr>
-        <p:spPr/>
-        <p:txBody>
-          <a:bodyPr>
-            <a:normAutofit fontScale="92500"/>
-          </a:bodyPr>
-          <a:lstStyle/>
-          <a:p>
-            <a:pPr marL="514350" indent="-514350">
-              <a:buFont typeface="+mj-lt"/>
-              <a:buAutoNum type="arabicPeriod" startAt="4"/>
-            </a:pPr>
-            <a:r>
-              <a:rPr lang="en-US" dirty="0" smtClean="0"/>
-              <a:t>Once all the replicas have acknowledged receiving the data the client sends a write request to the primary. </a:t>
-            </a:r>
-          </a:p>
-          <a:p>
-            <a:pPr marL="880110" lvl="1" indent="-514350"/>
-            <a:r>
-              <a:rPr lang="en-US" dirty="0" smtClean="0"/>
-              <a:t>Specifies the order of how the data needs to be written.</a:t>
-            </a:r>
-          </a:p>
-          <a:p>
-            <a:pPr marL="880110" lvl="1" indent="-514350"/>
-            <a:r>
-              <a:rPr lang="en-US" dirty="0" smtClean="0"/>
-              <a:t>The primary assigns a consecutive serial number to all the mutations it receives.</a:t>
-            </a:r>
-          </a:p>
-          <a:p>
-            <a:pPr marL="880110" lvl="1" indent="-514350"/>
-            <a:r>
-              <a:rPr lang="en-US" dirty="0" smtClean="0"/>
-              <a:t>Applies the mutation to its own local state in serial number order.</a:t>
-            </a:r>
-          </a:p>
-          <a:p>
-            <a:pPr marL="514350" indent="-514350">
-              <a:buFont typeface="+mj-lt"/>
-              <a:buAutoNum type="arabicPeriod" startAt="4"/>
-            </a:pPr>
-            <a:r>
-              <a:rPr lang="en-US" dirty="0" smtClean="0"/>
-              <a:t>The primary forwards the write request to all the secondary replicas, and each replica applies the mutations the same way.</a:t>
-            </a:r>
-          </a:p>
-          <a:p>
-            <a:endParaRPr lang="en-US" dirty="0"/>
-          </a:p>
-        </p:txBody>
-      </p:sp>
-    </p:spTree>
-  </p:cSld>
-  <p:clrMapOvr>
-    <a:masterClrMapping/>
-  </p:clrMapOvr>
-</p:sld>
-</file>
-
-<file path=ppt/slides/slide39.xml><?xml version="1.0" encoding="utf-8"?>
 <p:sld xmlns:a="http://schemas.openxmlformats.org/drawingml/2006/main" xmlns:r="http://schemas.openxmlformats.org/officeDocument/2006/relationships" xmlns:p="http://schemas.openxmlformats.org/presentationml/2006/main">
   <p:cSld>
     <p:spTree>
@@ -19977,6 +19593,13 @@
   <p:clrMapOvr>
     <a:masterClrMapping/>
   </p:clrMapOvr>
+  <p:timing>
+    <p:tnLst>
+      <p:par>
+        <p:cTn id="1" dur="indefinite" restart="never" nodeType="tmRoot"/>
+      </p:par>
+    </p:tnLst>
+  </p:timing>
 </p:sld>
 </file>
 
@@ -20446,124 +20069,6 @@
 </p:sld>
 </file>
 
-<file path=ppt/slides/slide40.xml><?xml version="1.0" encoding="utf-8"?>
-<p:sld xmlns:a="http://schemas.openxmlformats.org/drawingml/2006/main" xmlns:r="http://schemas.openxmlformats.org/officeDocument/2006/relationships" xmlns:p="http://schemas.openxmlformats.org/presentationml/2006/main" show="0">
-  <p:cSld>
-    <p:spTree>
-      <p:nvGrpSpPr>
-        <p:cNvPr id="1" name=""/>
-        <p:cNvGrpSpPr/>
-        <p:nvPr/>
-      </p:nvGrpSpPr>
-      <p:grpSpPr>
-        <a:xfrm>
-          <a:off x="0" y="0"/>
-          <a:ext cx="0" cy="0"/>
-          <a:chOff x="0" y="0"/>
-          <a:chExt cx="0" cy="0"/>
-        </a:xfrm>
-      </p:grpSpPr>
-      <p:sp>
-        <p:nvSpPr>
-          <p:cNvPr id="2" name="Title 1"/>
-          <p:cNvSpPr>
-            <a:spLocks noGrp="1"/>
-          </p:cNvSpPr>
-          <p:nvPr>
-            <p:ph type="title"/>
-          </p:nvPr>
-        </p:nvSpPr>
-        <p:spPr/>
-        <p:txBody>
-          <a:bodyPr/>
-          <a:lstStyle/>
-          <a:p>
-            <a:r>
-              <a:rPr lang="en-US" dirty="0" smtClean="0"/>
-              <a:t>Snapshot</a:t>
-            </a:r>
-            <a:endParaRPr lang="en-US" dirty="0"/>
-          </a:p>
-        </p:txBody>
-      </p:sp>
-      <p:sp>
-        <p:nvSpPr>
-          <p:cNvPr id="3" name="Content Placeholder 2"/>
-          <p:cNvSpPr>
-            <a:spLocks noGrp="1"/>
-          </p:cNvSpPr>
-          <p:nvPr>
-            <p:ph idx="1"/>
-          </p:nvPr>
-        </p:nvSpPr>
-        <p:spPr/>
-        <p:txBody>
-          <a:bodyPr/>
-          <a:lstStyle/>
-          <a:p>
-            <a:r>
-              <a:rPr lang="en-US" dirty="0" smtClean="0"/>
-              <a:t>A mechanism to create quickly branch copies or checkpoints.</a:t>
-            </a:r>
-          </a:p>
-          <a:p>
-            <a:pPr lvl="1"/>
-            <a:r>
-              <a:rPr lang="en-US" dirty="0" smtClean="0"/>
-              <a:t>Client tells Master that it wants to create a snapshot.</a:t>
-            </a:r>
-          </a:p>
-          <a:p>
-            <a:pPr lvl="1"/>
-            <a:r>
-              <a:rPr lang="en-US" dirty="0" smtClean="0"/>
-              <a:t>Revokes any outstanding leases on the files it wants to do a snapshot on.</a:t>
-            </a:r>
-          </a:p>
-          <a:p>
-            <a:pPr lvl="1"/>
-            <a:r>
-              <a:rPr lang="en-US" dirty="0" smtClean="0"/>
-              <a:t>Master logs the operation to disk, and then duplicates the metadata for source file or directory tree.</a:t>
-            </a:r>
-          </a:p>
-          <a:p>
-            <a:pPr lvl="1"/>
-            <a:r>
-              <a:rPr lang="en-US" dirty="0" smtClean="0"/>
-              <a:t>Master  asks each chunkserver that has the current replica of </a:t>
-            </a:r>
-            <a:r>
-              <a:rPr lang="en-US" dirty="0" err="1" smtClean="0"/>
-              <a:t>filehandle</a:t>
-            </a:r>
-            <a:r>
-              <a:rPr lang="en-US" dirty="0" smtClean="0"/>
-              <a:t> </a:t>
-            </a:r>
-          </a:p>
-          <a:p>
-            <a:pPr lvl="1"/>
-            <a:endParaRPr lang="en-US" dirty="0" smtClean="0"/>
-          </a:p>
-          <a:p>
-            <a:pPr lvl="1"/>
-            <a:endParaRPr lang="en-US" dirty="0" smtClean="0"/>
-          </a:p>
-          <a:p>
-            <a:endParaRPr lang="en-US" dirty="0"/>
-          </a:p>
-        </p:txBody>
-      </p:sp>
-    </p:spTree>
-  </p:cSld>
-  <p:clrMapOvr>
-    <a:masterClrMapping/>
-  </p:clrMapOvr>
-  <p:transition/>
-</p:sld>
-</file>
-
 <file path=ppt/slides/slide5.xml><?xml version="1.0" encoding="utf-8"?>
 <p:sld xmlns:a="http://schemas.openxmlformats.org/drawingml/2006/main" xmlns:r="http://schemas.openxmlformats.org/officeDocument/2006/relationships" xmlns:p="http://schemas.openxmlformats.org/presentationml/2006/main">
   <p:cSld>
@@ -20617,7 +20122,7 @@
         <p:spPr/>
         <p:txBody>
           <a:bodyPr>
-            <a:normAutofit lnSpcReduction="10000"/>
+            <a:normAutofit/>
           </a:bodyPr>
           <a:lstStyle/>
           <a:p>
@@ -20639,11 +20144,7 @@
           <a:p>
             <a:r>
               <a:rPr lang="en-US" dirty="0" smtClean="0"/>
-              <a:t>Google Filesystem </a:t>
-            </a:r>
-            <a:r>
-              <a:rPr lang="en-US" dirty="0" smtClean="0"/>
-              <a:t>Architecture</a:t>
+              <a:t>Google Filesystem Architecture</a:t>
             </a:r>
           </a:p>
           <a:p>
@@ -20661,49 +20162,27 @@
             </a:r>
           </a:p>
           <a:p>
-            <a:pPr lvl="2"/>
             <a:r>
               <a:rPr lang="en-US" dirty="0" smtClean="0"/>
-              <a:t>Metadata</a:t>
-            </a:r>
-          </a:p>
-          <a:p>
-            <a:pPr lvl="2"/>
+              <a:t>Consistency Model</a:t>
+            </a:r>
+          </a:p>
+          <a:p>
             <a:r>
               <a:rPr lang="en-US" dirty="0" smtClean="0"/>
-              <a:t>System-Wide Operations</a:t>
+              <a:t>File Mutation</a:t>
+            </a:r>
+          </a:p>
+          <a:p>
+            <a:r>
+              <a:rPr lang="en-US" smtClean="0"/>
+              <a:t>Garbage </a:t>
+            </a:r>
+            <a:r>
+              <a:rPr lang="en-US" smtClean="0"/>
+              <a:t>Collection</a:t>
             </a:r>
             <a:endParaRPr lang="en-US" dirty="0" smtClean="0"/>
-          </a:p>
-          <a:p>
-            <a:r>
-              <a:rPr lang="en-US" dirty="0" smtClean="0"/>
-              <a:t>Consistency </a:t>
-            </a:r>
-            <a:r>
-              <a:rPr lang="en-US" dirty="0" smtClean="0"/>
-              <a:t>Model</a:t>
-            </a:r>
-          </a:p>
-          <a:p>
-            <a:r>
-              <a:rPr lang="en-US" dirty="0" smtClean="0"/>
-              <a:t>File </a:t>
-            </a:r>
-            <a:r>
-              <a:rPr lang="en-US" dirty="0" smtClean="0"/>
-              <a:t>Mutation</a:t>
-            </a:r>
-          </a:p>
-          <a:p>
-            <a:r>
-              <a:rPr lang="en-US" dirty="0" smtClean="0"/>
-              <a:t>Real World Benchmarks</a:t>
-            </a:r>
-            <a:endParaRPr lang="en-US" dirty="0" smtClean="0"/>
-          </a:p>
-          <a:p>
-            <a:endParaRPr lang="en-US" dirty="0"/>
           </a:p>
         </p:txBody>
       </p:sp>
@@ -20799,13 +20278,8 @@
           <a:p>
             <a:r>
               <a:rPr lang="en-US" dirty="0" smtClean="0"/>
-              <a:t>Co-designing the applications and the filesystem API benefits the overall system. Primitives can be created specific to the Google applications</a:t>
-            </a:r>
-            <a:r>
-              <a:rPr lang="en-US" dirty="0" smtClean="0"/>
-              <a:t>.</a:t>
-            </a:r>
-            <a:endParaRPr lang="en-US" dirty="0" smtClean="0"/>
+              <a:t>Co-designing the applications and the filesystem API benefits the overall system. Primitives can be created specific to the Google applications.</a:t>
+            </a:r>
           </a:p>
         </p:txBody>
       </p:sp>
@@ -20877,7 +20351,7 @@
         <p:spPr/>
         <p:txBody>
           <a:bodyPr>
-            <a:normAutofit lnSpcReduction="10000"/>
+            <a:normAutofit/>
           </a:bodyPr>
           <a:lstStyle/>
           <a:p>
@@ -20899,15 +20373,7 @@
                   <a:srgbClr val="FF0000"/>
                 </a:solidFill>
               </a:rPr>
-              <a:t>Google Filesystem </a:t>
-            </a:r>
-            <a:r>
-              <a:rPr lang="en-US" dirty="0" smtClean="0">
-                <a:solidFill>
-                  <a:srgbClr val="FF0000"/>
-                </a:solidFill>
-              </a:rPr>
-              <a:t>Architecture</a:t>
+              <a:t>Google Filesystem Architecture</a:t>
             </a:r>
           </a:p>
           <a:p>
@@ -20925,49 +20391,29 @@
             </a:r>
           </a:p>
           <a:p>
-            <a:pPr lvl="2"/>
             <a:r>
               <a:rPr lang="en-US" dirty="0" smtClean="0"/>
-              <a:t>Metadata</a:t>
-            </a:r>
-          </a:p>
-          <a:p>
-            <a:pPr lvl="2"/>
+              <a:t>Consistency Model</a:t>
+            </a:r>
+          </a:p>
+          <a:p>
             <a:r>
               <a:rPr lang="en-US" dirty="0" smtClean="0"/>
-              <a:t>System-Wide Operations</a:t>
-            </a:r>
-            <a:endParaRPr lang="en-US" dirty="0" smtClean="0"/>
+              <a:t>File Mutation</a:t>
+            </a:r>
           </a:p>
           <a:p>
             <a:r>
               <a:rPr lang="en-US" dirty="0" smtClean="0"/>
-              <a:t>Consistency </a:t>
-            </a:r>
+              <a:t>Garbage Collection</a:t>
+            </a:r>
+            <a:endParaRPr lang="en-US" b="1" dirty="0" smtClean="0"/>
+          </a:p>
+          <a:p>
             <a:r>
               <a:rPr lang="en-US" dirty="0" smtClean="0"/>
-              <a:t>Model</a:t>
-            </a:r>
-          </a:p>
-          <a:p>
-            <a:r>
-              <a:rPr lang="en-US" dirty="0" smtClean="0"/>
-              <a:t>File </a:t>
-            </a:r>
-            <a:r>
-              <a:rPr lang="en-US" dirty="0" smtClean="0"/>
-              <a:t>Mutation</a:t>
-            </a:r>
-          </a:p>
-          <a:p>
-            <a:r>
-              <a:rPr lang="en-US" dirty="0" smtClean="0"/>
-              <a:t>Real World Benchmarks</a:t>
-            </a:r>
-            <a:endParaRPr lang="en-US" dirty="0" smtClean="0"/>
-          </a:p>
-          <a:p>
-            <a:endParaRPr lang="en-US" dirty="0"/>
+              <a:t>Conclusions</a:t>
+            </a:r>
           </a:p>
         </p:txBody>
       </p:sp>

--- a/google-fs/google-fs.pptx
+++ b/google-fs/google-fs.pptx
@@ -36,13 +36,12 @@
     <p:sldId id="285" r:id="rId30"/>
     <p:sldId id="311" r:id="rId31"/>
     <p:sldId id="307" r:id="rId32"/>
-    <p:sldId id="313" r:id="rId33"/>
-    <p:sldId id="287" r:id="rId34"/>
-    <p:sldId id="288" r:id="rId35"/>
-    <p:sldId id="306" r:id="rId36"/>
-    <p:sldId id="276" r:id="rId37"/>
-    <p:sldId id="277" r:id="rId38"/>
-    <p:sldId id="297" r:id="rId39"/>
+    <p:sldId id="287" r:id="rId33"/>
+    <p:sldId id="288" r:id="rId34"/>
+    <p:sldId id="306" r:id="rId35"/>
+    <p:sldId id="276" r:id="rId36"/>
+    <p:sldId id="277" r:id="rId37"/>
+    <p:sldId id="297" r:id="rId38"/>
   </p:sldIdLst>
   <p:sldSz cx="9144000" cy="6858000" type="screen4x3"/>
   <p:notesSz cx="6858000" cy="9144000"/>
@@ -4451,8 +4450,8 @@
     <dgm:cxn modelId="{82A0CEAD-D942-40C7-974D-6CB9322DC8AB}" srcId="{1959D8FF-96E9-4F92-81F6-83408C1C931D}" destId="{B863339E-1F9A-4B2F-BA0B-E25CCF3C7BCB}" srcOrd="0" destOrd="0" parTransId="{5466396E-C376-4794-B9CC-3E39B67A0F7A}" sibTransId="{D3F293C4-9B14-4562-B5B9-97CEC754DB8D}"/>
     <dgm:cxn modelId="{8F384E12-1717-4165-84C8-8AF5FBE62764}" srcId="{916195D0-6D59-4350-8F37-665A2EE9A3F1}" destId="{1959D8FF-96E9-4F92-81F6-83408C1C931D}" srcOrd="0" destOrd="0" parTransId="{3F8A3A4F-D4F3-4E27-BCFE-6F24DD2ACA13}" sibTransId="{0ABC1548-8AEB-4C49-B900-D23096F3A4A3}"/>
     <dgm:cxn modelId="{BC8F53D6-06F9-4EF8-AD3D-9902948FD5D0}" type="presOf" srcId="{68002A07-3A33-4651-B899-F0E322EC4F15}" destId="{EED33C97-2A12-4CAA-93A9-219A231057F2}" srcOrd="0" destOrd="0" presId="urn:microsoft.com/office/officeart/2005/8/layout/chevron2"/>
+    <dgm:cxn modelId="{DF52A2B3-52F0-414B-8E83-AEB2C09967CC}" srcId="{68002A07-3A33-4651-B899-F0E322EC4F15}" destId="{F70112DB-3C80-47F2-B641-9AB0D25F230D}" srcOrd="1" destOrd="0" parTransId="{E636CA7E-8418-4E51-AFCD-3711FAF6CECC}" sibTransId="{F06F367B-7543-43C9-BADF-96DB11B7ECC3}"/>
     <dgm:cxn modelId="{A43BEB23-290B-4B67-9EAF-5E3F2C70D962}" srcId="{68002A07-3A33-4651-B899-F0E322EC4F15}" destId="{916195D0-6D59-4350-8F37-665A2EE9A3F1}" srcOrd="0" destOrd="0" parTransId="{CB9DC643-0806-4F84-B1D0-68DFF577ACB6}" sibTransId="{FC1AAD59-5D5A-43F1-B5D8-64B12393C05F}"/>
-    <dgm:cxn modelId="{DF52A2B3-52F0-414B-8E83-AEB2C09967CC}" srcId="{68002A07-3A33-4651-B899-F0E322EC4F15}" destId="{F70112DB-3C80-47F2-B641-9AB0D25F230D}" srcOrd="1" destOrd="0" parTransId="{E636CA7E-8418-4E51-AFCD-3711FAF6CECC}" sibTransId="{F06F367B-7543-43C9-BADF-96DB11B7ECC3}"/>
     <dgm:cxn modelId="{24490C0A-0C3E-4AFD-A50A-C3E5AFBFA4CC}" type="presOf" srcId="{916195D0-6D59-4350-8F37-665A2EE9A3F1}" destId="{90111F89-8FC0-4A76-A6B7-7EC5ED95E4E3}" srcOrd="0" destOrd="0" presId="urn:microsoft.com/office/officeart/2005/8/layout/chevron2"/>
     <dgm:cxn modelId="{74924DAF-A1A0-4E61-A83C-2A35F9560B9A}" srcId="{F70112DB-3C80-47F2-B641-9AB0D25F230D}" destId="{78BE387E-E645-4A55-BCBD-D5ACD3BA469C}" srcOrd="0" destOrd="0" parTransId="{0BA8D15F-062B-4993-9F41-DE7C1DE784CB}" sibTransId="{43527FB4-E99B-4D99-ADB6-86E1CB8EC4F1}"/>
     <dgm:cxn modelId="{97C5D135-FBCA-4B5A-9439-C5B79119D3D0}" type="presParOf" srcId="{EED33C97-2A12-4CAA-93A9-219A231057F2}" destId="{79A8CE15-993B-4259-9454-6FAAE30F55F0}" srcOrd="0" destOrd="0" presId="urn:microsoft.com/office/officeart/2005/8/layout/chevron2"/>
@@ -15347,11 +15346,7 @@
           <a:p>
             <a:r>
               <a:rPr lang="en-US" dirty="0" smtClean="0"/>
-              <a:t>Garbage </a:t>
-            </a:r>
-            <a:r>
-              <a:rPr lang="en-US" dirty="0" smtClean="0"/>
-              <a:t>Collection</a:t>
+              <a:t>Garbage Collection</a:t>
             </a:r>
             <a:endParaRPr lang="en-US" b="1" dirty="0" smtClean="0"/>
           </a:p>
@@ -15753,13 +15748,8 @@
           <a:p>
             <a:r>
               <a:rPr lang="en-US" dirty="0" smtClean="0"/>
-              <a:t>Garbage </a:t>
-            </a:r>
-            <a:r>
-              <a:rPr lang="en-US" dirty="0" smtClean="0"/>
-              <a:t>Collection</a:t>
-            </a:r>
-            <a:endParaRPr lang="en-US" dirty="0" smtClean="0"/>
+              <a:t>Garbage Collection</a:t>
+            </a:r>
           </a:p>
         </p:txBody>
       </p:sp>
@@ -15985,11 +15975,7 @@
           <a:p>
             <a:r>
               <a:rPr lang="en-US" dirty="0" smtClean="0"/>
-              <a:t>Garbage </a:t>
-            </a:r>
-            <a:r>
-              <a:rPr lang="en-US" dirty="0" smtClean="0"/>
-              <a:t>Collection</a:t>
+              <a:t>Garbage Collection</a:t>
             </a:r>
             <a:endParaRPr lang="en-US" b="1" dirty="0" smtClean="0"/>
           </a:p>
@@ -16936,15 +16922,7 @@
                   <a:srgbClr val="FF0000"/>
                 </a:solidFill>
               </a:rPr>
-              <a:t>Garbage </a:t>
-            </a:r>
-            <a:r>
-              <a:rPr lang="en-US" dirty="0" smtClean="0">
-                <a:solidFill>
-                  <a:srgbClr val="FF0000"/>
-                </a:solidFill>
-              </a:rPr>
-              <a:t>Collection</a:t>
+              <a:t>Garbage Collection</a:t>
             </a:r>
             <a:endParaRPr lang="en-US" b="1" dirty="0" smtClean="0">
               <a:solidFill>
@@ -17078,7 +17056,7 @@
 </file>
 
 <file path=ppt/slides/slide32.xml><?xml version="1.0" encoding="utf-8"?>
-<p:sld xmlns:a="http://schemas.openxmlformats.org/drawingml/2006/main" xmlns:r="http://schemas.openxmlformats.org/officeDocument/2006/relationships" xmlns:p="http://schemas.openxmlformats.org/presentationml/2006/main">
+<p:sld xmlns:a="http://schemas.openxmlformats.org/drawingml/2006/main" xmlns:r="http://schemas.openxmlformats.org/officeDocument/2006/relationships" xmlns:p="http://schemas.openxmlformats.org/presentationml/2006/main" show="0">
   <p:cSld>
     <p:spTree>
       <p:nvGrpSpPr>
@@ -17111,7 +17089,7 @@
           <a:p>
             <a:r>
               <a:rPr lang="en-US" dirty="0" smtClean="0"/>
-              <a:t>Outline</a:t>
+              <a:t>Master Operation</a:t>
             </a:r>
             <a:endParaRPr lang="en-US" dirty="0"/>
           </a:p>
@@ -17130,63 +17108,55 @@
         <p:spPr/>
         <p:txBody>
           <a:bodyPr>
-            <a:normAutofit/>
+            <a:normAutofit fontScale="92500" lnSpcReduction="10000"/>
           </a:bodyPr>
           <a:lstStyle/>
           <a:p>
             <a:r>
               <a:rPr lang="en-US" dirty="0" smtClean="0"/>
-              <a:t>Distributed Filesystems</a:t>
-            </a:r>
-          </a:p>
-          <a:p>
+              <a:t>Namespace Management</a:t>
+            </a:r>
+          </a:p>
+          <a:p>
+            <a:pPr lvl="1"/>
             <a:r>
               <a:rPr lang="en-US" dirty="0" smtClean="0"/>
-              <a:t>Motivation</a:t>
-            </a:r>
-          </a:p>
-          <a:p>
+              <a:t>Unlike many traditional file systems, GFS does not have a per-directory data structure that lists all the files in that directory. </a:t>
+            </a:r>
+          </a:p>
+          <a:p>
+            <a:pPr lvl="1"/>
             <a:r>
               <a:rPr lang="en-US" dirty="0" smtClean="0"/>
-              <a:t>Google Filesystem Architecture</a:t>
+              <a:t>It logically represents its namespace as a lookup table mapping full pathnames to metadata.</a:t>
             </a:r>
           </a:p>
           <a:p>
             <a:pPr lvl="1"/>
             <a:r>
               <a:rPr lang="en-US" dirty="0" smtClean="0"/>
-              <a:t>Chunkservers</a:t>
+              <a:t>Uses prefix Compression.</a:t>
+            </a:r>
+          </a:p>
+          <a:p>
+            <a:r>
+              <a:rPr lang="en-US" dirty="0" smtClean="0"/>
+              <a:t>Locking</a:t>
             </a:r>
           </a:p>
           <a:p>
             <a:pPr lvl="1"/>
             <a:r>
               <a:rPr lang="en-US" dirty="0" smtClean="0"/>
-              <a:t>Master</a:t>
-            </a:r>
-          </a:p>
-          <a:p>
+              <a:t>Each node in the namespace tree (either an absolute file name or an absolute directory name) has an associated read-write lock</a:t>
+            </a:r>
+          </a:p>
+          <a:p>
+            <a:pPr lvl="1"/>
             <a:r>
               <a:rPr lang="en-US" dirty="0" smtClean="0"/>
-              <a:t>Consistency Model</a:t>
-            </a:r>
-          </a:p>
-          <a:p>
-            <a:r>
-              <a:rPr lang="en-US" dirty="0" smtClean="0"/>
-              <a:t>File Mutation</a:t>
-            </a:r>
-          </a:p>
-          <a:p>
-            <a:r>
-              <a:rPr lang="en-US" dirty="0" smtClean="0"/>
-              <a:t>Garbage </a:t>
-            </a:r>
-            <a:r>
-              <a:rPr lang="en-US" dirty="0" smtClean="0"/>
-              <a:t>Collection</a:t>
-            </a:r>
-            <a:endParaRPr lang="en-US" b="1" dirty="0" smtClean="0"/>
+              <a:t>File creation does not require a write lock on the parent directory because there is no “directory”.</a:t>
+            </a:r>
           </a:p>
         </p:txBody>
       </p:sp>
@@ -17195,6 +17165,7 @@
   <p:clrMapOvr>
     <a:masterClrMapping/>
   </p:clrMapOvr>
+  <p:transition/>
   <p:timing>
     <p:tnLst>
       <p:par>
@@ -17239,7 +17210,7 @@
           <a:p>
             <a:r>
               <a:rPr lang="en-US" dirty="0" smtClean="0"/>
-              <a:t>Master Operation</a:t>
+              <a:t>A short example.</a:t>
             </a:r>
             <a:endParaRPr lang="en-US" dirty="0"/>
           </a:p>
@@ -17257,56 +17228,79 @@
         </p:nvSpPr>
         <p:spPr/>
         <p:txBody>
-          <a:bodyPr>
-            <a:normAutofit fontScale="92500" lnSpcReduction="10000"/>
-          </a:bodyPr>
+          <a:bodyPr/>
           <a:lstStyle/>
           <a:p>
             <a:r>
               <a:rPr lang="en-US" dirty="0" smtClean="0"/>
-              <a:t>Namespace Management</a:t>
+              <a:t>Create file /home/user/</a:t>
+            </a:r>
+            <a:r>
+              <a:rPr lang="en-US" dirty="0" err="1" smtClean="0"/>
+              <a:t>foo</a:t>
+            </a:r>
+            <a:endParaRPr lang="en-US" dirty="0" smtClean="0"/>
+          </a:p>
+          <a:p>
+            <a:r>
+              <a:rPr lang="en-US" dirty="0" smtClean="0"/>
+              <a:t>Create file /home/user/</a:t>
+            </a:r>
+            <a:r>
+              <a:rPr lang="en-US" dirty="0" err="1" smtClean="0"/>
+              <a:t>baz</a:t>
+            </a:r>
+            <a:r>
+              <a:rPr lang="en-US" dirty="0" smtClean="0"/>
+              <a:t>.</a:t>
             </a:r>
           </a:p>
           <a:p>
             <a:pPr lvl="1"/>
             <a:r>
               <a:rPr lang="en-US" dirty="0" smtClean="0"/>
-              <a:t>Unlike many traditional file systems, GFS does not have a per-directory data structure that lists all the files in that directory. </a:t>
+              <a:t>Acquire read lock on /home</a:t>
             </a:r>
           </a:p>
           <a:p>
             <a:pPr lvl="1"/>
             <a:r>
               <a:rPr lang="en-US" dirty="0" smtClean="0"/>
-              <a:t>It logically represents its namespace as a lookup table mapping full pathnames to metadata.</a:t>
+              <a:t>Acquire read lock on /home/user</a:t>
             </a:r>
           </a:p>
           <a:p>
             <a:pPr lvl="1"/>
             <a:r>
               <a:rPr lang="en-US" dirty="0" smtClean="0"/>
-              <a:t>Uses prefix Compression.</a:t>
-            </a:r>
-          </a:p>
-          <a:p>
+              <a:t>Acquire write lock on /home/user/</a:t>
+            </a:r>
+            <a:r>
+              <a:rPr lang="en-US" dirty="0" err="1" smtClean="0"/>
+              <a:t>foo</a:t>
+            </a:r>
+            <a:endParaRPr lang="en-US" dirty="0" smtClean="0"/>
+          </a:p>
+          <a:p>
+            <a:pPr lvl="1"/>
             <a:r>
               <a:rPr lang="en-US" dirty="0" smtClean="0"/>
-              <a:t>Locking</a:t>
-            </a:r>
-          </a:p>
-          <a:p>
-            <a:pPr lvl="1"/>
-            <a:r>
-              <a:rPr lang="en-US" dirty="0" smtClean="0"/>
-              <a:t>Each node in the namespace tree (either an absolute file name or an absolute directory name) has an associated read-write lock</a:t>
-            </a:r>
-          </a:p>
-          <a:p>
-            <a:pPr lvl="1"/>
-            <a:r>
-              <a:rPr lang="en-US" dirty="0" smtClean="0"/>
-              <a:t>File creation does not require a write lock on the parent directory because there is no “directory”.</a:t>
-            </a:r>
+              <a:t>Acquire write lock on /home/user/</a:t>
+            </a:r>
+            <a:r>
+              <a:rPr lang="en-US" dirty="0" err="1" smtClean="0"/>
+              <a:t>baz</a:t>
+            </a:r>
+            <a:endParaRPr lang="en-US" dirty="0" smtClean="0"/>
+          </a:p>
+          <a:p>
+            <a:endParaRPr lang="en-US" dirty="0" smtClean="0"/>
+          </a:p>
+          <a:p>
+            <a:endParaRPr lang="en-US" dirty="0" smtClean="0"/>
+          </a:p>
+          <a:p>
+            <a:endParaRPr lang="en-US" dirty="0"/>
           </a:p>
         </p:txBody>
       </p:sp>
@@ -17355,150 +17349,6 @@
         </p:nvSpPr>
         <p:spPr/>
         <p:txBody>
-          <a:bodyPr/>
-          <a:lstStyle/>
-          <a:p>
-            <a:r>
-              <a:rPr lang="en-US" dirty="0" smtClean="0"/>
-              <a:t>A short example.</a:t>
-            </a:r>
-            <a:endParaRPr lang="en-US" dirty="0"/>
-          </a:p>
-        </p:txBody>
-      </p:sp>
-      <p:sp>
-        <p:nvSpPr>
-          <p:cNvPr id="3" name="Content Placeholder 2"/>
-          <p:cNvSpPr>
-            <a:spLocks noGrp="1"/>
-          </p:cNvSpPr>
-          <p:nvPr>
-            <p:ph idx="1"/>
-          </p:nvPr>
-        </p:nvSpPr>
-        <p:spPr/>
-        <p:txBody>
-          <a:bodyPr/>
-          <a:lstStyle/>
-          <a:p>
-            <a:r>
-              <a:rPr lang="en-US" dirty="0" smtClean="0"/>
-              <a:t>Create file /home/user/</a:t>
-            </a:r>
-            <a:r>
-              <a:rPr lang="en-US" dirty="0" err="1" smtClean="0"/>
-              <a:t>foo</a:t>
-            </a:r>
-            <a:endParaRPr lang="en-US" dirty="0" smtClean="0"/>
-          </a:p>
-          <a:p>
-            <a:r>
-              <a:rPr lang="en-US" dirty="0" smtClean="0"/>
-              <a:t>Create file /home/user/</a:t>
-            </a:r>
-            <a:r>
-              <a:rPr lang="en-US" dirty="0" err="1" smtClean="0"/>
-              <a:t>baz</a:t>
-            </a:r>
-            <a:r>
-              <a:rPr lang="en-US" dirty="0" smtClean="0"/>
-              <a:t>.</a:t>
-            </a:r>
-          </a:p>
-          <a:p>
-            <a:pPr lvl="1"/>
-            <a:r>
-              <a:rPr lang="en-US" dirty="0" smtClean="0"/>
-              <a:t>Acquire read lock on /home</a:t>
-            </a:r>
-          </a:p>
-          <a:p>
-            <a:pPr lvl="1"/>
-            <a:r>
-              <a:rPr lang="en-US" dirty="0" smtClean="0"/>
-              <a:t>Acquire read lock on /home/user</a:t>
-            </a:r>
-          </a:p>
-          <a:p>
-            <a:pPr lvl="1"/>
-            <a:r>
-              <a:rPr lang="en-US" dirty="0" smtClean="0"/>
-              <a:t>Acquire write lock on /home/user/</a:t>
-            </a:r>
-            <a:r>
-              <a:rPr lang="en-US" dirty="0" err="1" smtClean="0"/>
-              <a:t>foo</a:t>
-            </a:r>
-            <a:endParaRPr lang="en-US" dirty="0" smtClean="0"/>
-          </a:p>
-          <a:p>
-            <a:pPr lvl="1"/>
-            <a:r>
-              <a:rPr lang="en-US" dirty="0" smtClean="0"/>
-              <a:t>Acquire write lock on /home/user/</a:t>
-            </a:r>
-            <a:r>
-              <a:rPr lang="en-US" dirty="0" err="1" smtClean="0"/>
-              <a:t>baz</a:t>
-            </a:r>
-            <a:endParaRPr lang="en-US" dirty="0" smtClean="0"/>
-          </a:p>
-          <a:p>
-            <a:endParaRPr lang="en-US" dirty="0" smtClean="0"/>
-          </a:p>
-          <a:p>
-            <a:endParaRPr lang="en-US" dirty="0" smtClean="0"/>
-          </a:p>
-          <a:p>
-            <a:endParaRPr lang="en-US" dirty="0"/>
-          </a:p>
-        </p:txBody>
-      </p:sp>
-    </p:spTree>
-  </p:cSld>
-  <p:clrMapOvr>
-    <a:masterClrMapping/>
-  </p:clrMapOvr>
-  <p:transition/>
-  <p:timing>
-    <p:tnLst>
-      <p:par>
-        <p:cTn id="1" dur="indefinite" restart="never" nodeType="tmRoot"/>
-      </p:par>
-    </p:tnLst>
-  </p:timing>
-</p:sld>
-</file>
-
-<file path=ppt/slides/slide35.xml><?xml version="1.0" encoding="utf-8"?>
-<p:sld xmlns:a="http://schemas.openxmlformats.org/drawingml/2006/main" xmlns:r="http://schemas.openxmlformats.org/officeDocument/2006/relationships" xmlns:p="http://schemas.openxmlformats.org/presentationml/2006/main" show="0">
-  <p:cSld>
-    <p:spTree>
-      <p:nvGrpSpPr>
-        <p:cNvPr id="1" name=""/>
-        <p:cNvGrpSpPr/>
-        <p:nvPr/>
-      </p:nvGrpSpPr>
-      <p:grpSpPr>
-        <a:xfrm>
-          <a:off x="0" y="0"/>
-          <a:ext cx="0" cy="0"/>
-          <a:chOff x="0" y="0"/>
-          <a:chExt cx="0" cy="0"/>
-        </a:xfrm>
-      </p:grpSpPr>
-      <p:sp>
-        <p:nvSpPr>
-          <p:cNvPr id="2" name="Title 1"/>
-          <p:cNvSpPr>
-            <a:spLocks noGrp="1"/>
-          </p:cNvSpPr>
-          <p:nvPr>
-            <p:ph type="title"/>
-          </p:nvPr>
-        </p:nvSpPr>
-        <p:spPr/>
-        <p:txBody>
           <a:bodyPr>
             <a:normAutofit fontScale="90000"/>
           </a:bodyPr>
@@ -17619,7 +17469,7 @@
 </p:sld>
 </file>
 
-<file path=ppt/slides/slide36.xml><?xml version="1.0" encoding="utf-8"?>
+<file path=ppt/slides/slide35.xml><?xml version="1.0" encoding="utf-8"?>
 <p:sld xmlns:a="http://schemas.openxmlformats.org/drawingml/2006/main" xmlns:r="http://schemas.openxmlformats.org/officeDocument/2006/relationships" xmlns:p="http://schemas.openxmlformats.org/presentationml/2006/main">
   <p:cSld>
     <p:spTree>
@@ -17739,7 +17589,7 @@
 </p:sld>
 </file>
 
-<file path=ppt/slides/slide37.xml><?xml version="1.0" encoding="utf-8"?>
+<file path=ppt/slides/slide36.xml><?xml version="1.0" encoding="utf-8"?>
 <p:sld xmlns:a="http://schemas.openxmlformats.org/drawingml/2006/main" xmlns:r="http://schemas.openxmlformats.org/officeDocument/2006/relationships" xmlns:p="http://schemas.openxmlformats.org/presentationml/2006/main">
   <p:cSld>
     <p:spTree>
@@ -17898,8 +17748,8 @@
 </p:sld>
 </file>
 
-<file path=ppt/slides/slide38.xml><?xml version="1.0" encoding="utf-8"?>
-<p:sld xmlns:a="http://schemas.openxmlformats.org/drawingml/2006/main" xmlns:r="http://schemas.openxmlformats.org/officeDocument/2006/relationships" xmlns:p="http://schemas.openxmlformats.org/presentationml/2006/main">
+<file path=ppt/slides/slide37.xml><?xml version="1.0" encoding="utf-8"?>
+<p:sld xmlns:a="http://schemas.openxmlformats.org/drawingml/2006/main" xmlns:r="http://schemas.openxmlformats.org/officeDocument/2006/relationships" xmlns:p="http://schemas.openxmlformats.org/presentationml/2006/main" show="0">
   <p:cSld>
     <p:spTree>
       <p:nvGrpSpPr>
@@ -19593,6 +19443,7 @@
   <p:clrMapOvr>
     <a:masterClrMapping/>
   </p:clrMapOvr>
+  <p:transition/>
   <p:timing>
     <p:tnLst>
       <p:par>
@@ -20176,11 +20027,7 @@
           <a:p>
             <a:r>
               <a:rPr lang="en-US" smtClean="0"/>
-              <a:t>Garbage </a:t>
-            </a:r>
-            <a:r>
-              <a:rPr lang="en-US" smtClean="0"/>
-              <a:t>Collection</a:t>
+              <a:t>Garbage Collection</a:t>
             </a:r>
             <a:endParaRPr lang="en-US" dirty="0" smtClean="0"/>
           </a:p>

--- a/google-fs/google-fs.pptx
+++ b/google-fs/google-fs.pptx
@@ -4450,8 +4450,8 @@
     <dgm:cxn modelId="{82A0CEAD-D942-40C7-974D-6CB9322DC8AB}" srcId="{1959D8FF-96E9-4F92-81F6-83408C1C931D}" destId="{B863339E-1F9A-4B2F-BA0B-E25CCF3C7BCB}" srcOrd="0" destOrd="0" parTransId="{5466396E-C376-4794-B9CC-3E39B67A0F7A}" sibTransId="{D3F293C4-9B14-4562-B5B9-97CEC754DB8D}"/>
     <dgm:cxn modelId="{8F384E12-1717-4165-84C8-8AF5FBE62764}" srcId="{916195D0-6D59-4350-8F37-665A2EE9A3F1}" destId="{1959D8FF-96E9-4F92-81F6-83408C1C931D}" srcOrd="0" destOrd="0" parTransId="{3F8A3A4F-D4F3-4E27-BCFE-6F24DD2ACA13}" sibTransId="{0ABC1548-8AEB-4C49-B900-D23096F3A4A3}"/>
     <dgm:cxn modelId="{BC8F53D6-06F9-4EF8-AD3D-9902948FD5D0}" type="presOf" srcId="{68002A07-3A33-4651-B899-F0E322EC4F15}" destId="{EED33C97-2A12-4CAA-93A9-219A231057F2}" srcOrd="0" destOrd="0" presId="urn:microsoft.com/office/officeart/2005/8/layout/chevron2"/>
+    <dgm:cxn modelId="{A43BEB23-290B-4B67-9EAF-5E3F2C70D962}" srcId="{68002A07-3A33-4651-B899-F0E322EC4F15}" destId="{916195D0-6D59-4350-8F37-665A2EE9A3F1}" srcOrd="0" destOrd="0" parTransId="{CB9DC643-0806-4F84-B1D0-68DFF577ACB6}" sibTransId="{FC1AAD59-5D5A-43F1-B5D8-64B12393C05F}"/>
     <dgm:cxn modelId="{DF52A2B3-52F0-414B-8E83-AEB2C09967CC}" srcId="{68002A07-3A33-4651-B899-F0E322EC4F15}" destId="{F70112DB-3C80-47F2-B641-9AB0D25F230D}" srcOrd="1" destOrd="0" parTransId="{E636CA7E-8418-4E51-AFCD-3711FAF6CECC}" sibTransId="{F06F367B-7543-43C9-BADF-96DB11B7ECC3}"/>
-    <dgm:cxn modelId="{A43BEB23-290B-4B67-9EAF-5E3F2C70D962}" srcId="{68002A07-3A33-4651-B899-F0E322EC4F15}" destId="{916195D0-6D59-4350-8F37-665A2EE9A3F1}" srcOrd="0" destOrd="0" parTransId="{CB9DC643-0806-4F84-B1D0-68DFF577ACB6}" sibTransId="{FC1AAD59-5D5A-43F1-B5D8-64B12393C05F}"/>
     <dgm:cxn modelId="{24490C0A-0C3E-4AFD-A50A-C3E5AFBFA4CC}" type="presOf" srcId="{916195D0-6D59-4350-8F37-665A2EE9A3F1}" destId="{90111F89-8FC0-4A76-A6B7-7EC5ED95E4E3}" srcOrd="0" destOrd="0" presId="urn:microsoft.com/office/officeart/2005/8/layout/chevron2"/>
     <dgm:cxn modelId="{74924DAF-A1A0-4E61-A83C-2A35F9560B9A}" srcId="{F70112DB-3C80-47F2-B641-9AB0D25F230D}" destId="{78BE387E-E645-4A55-BCBD-D5ACD3BA469C}" srcOrd="0" destOrd="0" parTransId="{0BA8D15F-062B-4993-9F41-DE7C1DE784CB}" sibTransId="{43527FB4-E99B-4D99-ADB6-86E1CB8EC4F1}"/>
     <dgm:cxn modelId="{97C5D135-FBCA-4B5A-9439-C5B79119D3D0}" type="presParOf" srcId="{EED33C97-2A12-4CAA-93A9-219A231057F2}" destId="{79A8CE15-993B-4259-9454-6FAAE30F55F0}" srcOrd="0" destOrd="0" presId="urn:microsoft.com/office/officeart/2005/8/layout/chevron2"/>
@@ -14603,7 +14603,7 @@
         </p:spPr>
         <p:txBody>
           <a:bodyPr>
-            <a:normAutofit fontScale="92500" lnSpcReduction="20000"/>
+            <a:normAutofit fontScale="92500"/>
           </a:bodyPr>
           <a:lstStyle/>
           <a:p>
@@ -14615,13 +14615,11 @@
           <a:p>
             <a:r>
               <a:rPr lang="en-US" dirty="0" smtClean="0"/>
-              <a:t>The log is kept persistently.</a:t>
-            </a:r>
-          </a:p>
-          <a:p>
+              <a:t>If </a:t>
+            </a:r>
             <a:r>
               <a:rPr lang="en-US" dirty="0" smtClean="0"/>
-              <a:t> If it gets too large, a checkpoint is made and a new log is created.</a:t>
+              <a:t>it gets too large, a checkpoint is made and a new log is created.</a:t>
             </a:r>
             <a:endParaRPr lang="en-US" dirty="0"/>
           </a:p>
@@ -16055,27 +16053,37 @@
           <a:p>
             <a:r>
               <a:rPr lang="en-US" dirty="0" smtClean="0"/>
-              <a:t>Mutation is an operation that changes the contents or metadata of a chunk. </a:t>
-            </a:r>
-          </a:p>
-          <a:p>
+              <a:t>Mutation is an operation that changes the contents </a:t>
+            </a:r>
             <a:r>
               <a:rPr lang="en-US" dirty="0" smtClean="0"/>
-              <a:t>Write operations must be performed at all the chunk’s replicas.</a:t>
-            </a:r>
-          </a:p>
-          <a:p>
+              <a:t>of </a:t>
+            </a:r>
             <a:r>
               <a:rPr lang="en-US" dirty="0" smtClean="0"/>
-              <a:t>The master grants lease to one of the replicas, which is promoted as primary copy.</a:t>
+              <a:t>a chunk. </a:t>
             </a:r>
           </a:p>
           <a:p>
             <a:r>
               <a:rPr lang="en-US" dirty="0" smtClean="0"/>
-              <a:t>The primary picks a serial order for all mutations</a:t>
-            </a:r>
-            <a:endParaRPr lang="en-US" dirty="0"/>
+              <a:t>Mutation must </a:t>
+            </a:r>
+            <a:r>
+              <a:rPr lang="en-US" dirty="0" smtClean="0"/>
+              <a:t>be performed at all the chunk’s replicas.</a:t>
+            </a:r>
+          </a:p>
+          <a:p>
+            <a:r>
+              <a:rPr lang="en-US" dirty="0" smtClean="0"/>
+              <a:t>The master grants lease to one of the replicas, which is promoted as primary copy</a:t>
+            </a:r>
+            <a:r>
+              <a:rPr lang="en-US" dirty="0" smtClean="0"/>
+              <a:t>.</a:t>
+            </a:r>
+            <a:endParaRPr lang="en-US" dirty="0" smtClean="0"/>
           </a:p>
         </p:txBody>
       </p:sp>
@@ -16646,8 +16654,23 @@
           <a:p>
             <a:r>
               <a:rPr lang="en-US" dirty="0" smtClean="0"/>
-              <a:t>In write operations the client specifies the offset</a:t>
-            </a:r>
+              <a:t>In write operations the client specifies the </a:t>
+            </a:r>
+            <a:r>
+              <a:rPr lang="en-US" dirty="0" smtClean="0"/>
+              <a:t>offset</a:t>
+            </a:r>
+          </a:p>
+          <a:p>
+            <a:r>
+              <a:rPr lang="en-US" dirty="0" smtClean="0"/>
+              <a:t>It does the same function as O_APPEND mode in Unix except it handles the race conditions when there are multiple writers</a:t>
+            </a:r>
+            <a:r>
+              <a:rPr lang="en-US" dirty="0" smtClean="0"/>
+              <a:t>.</a:t>
+            </a:r>
+            <a:endParaRPr lang="en-US" dirty="0" smtClean="0"/>
           </a:p>
           <a:p>
             <a:r>
@@ -16659,12 +16682,6 @@
             <a:r>
               <a:rPr lang="en-US" dirty="0" smtClean="0"/>
               <a:t>GFS will append a record at least once atomically.</a:t>
-            </a:r>
-          </a:p>
-          <a:p>
-            <a:r>
-              <a:rPr lang="en-US" dirty="0" smtClean="0"/>
-              <a:t>It does the same function as O_APPEND mode in Unix except it handles the race conditions when there are multiple writers.</a:t>
             </a:r>
           </a:p>
           <a:p>
@@ -16740,18 +16757,12 @@
         <p:spPr/>
         <p:txBody>
           <a:bodyPr>
-            <a:normAutofit lnSpcReduction="10000"/>
+            <a:normAutofit/>
           </a:bodyPr>
           <a:lstStyle/>
           <a:p>
             <a:r>
               <a:rPr lang="en-US" dirty="0" smtClean="0"/>
-              <a:t>The Google Filesystem is a Distributed filesystem.</a:t>
-            </a:r>
-          </a:p>
-          <a:p>
-            <a:r>
-              <a:rPr lang="en-US" dirty="0" smtClean="0"/>
               <a:t>Allow access to files from multiple hosts shared via a computer network.</a:t>
             </a:r>
           </a:p>
@@ -16764,29 +16775,13 @@
           <a:p>
             <a:r>
               <a:rPr lang="en-US" dirty="0" smtClean="0"/>
-              <a:t>They are layered on top of other </a:t>
-            </a:r>
-            <a:r>
-              <a:rPr lang="en-US" dirty="0" err="1" smtClean="0"/>
-              <a:t>filesystems</a:t>
-            </a:r>
+              <a:t>They are layered on top of other filesystems.</a:t>
+            </a:r>
+          </a:p>
+          <a:p>
             <a:r>
               <a:rPr lang="en-US" dirty="0" smtClean="0"/>
-              <a:t>.</a:t>
-            </a:r>
-          </a:p>
-          <a:p>
-            <a:r>
-              <a:rPr lang="en-US" dirty="0" smtClean="0"/>
-              <a:t>Distributed </a:t>
-            </a:r>
-            <a:r>
-              <a:rPr lang="en-US" dirty="0" err="1" smtClean="0"/>
-              <a:t>filesystems</a:t>
-            </a:r>
-            <a:r>
-              <a:rPr lang="en-US" dirty="0" smtClean="0"/>
-              <a:t> are not concerned with how the data is actually stored.</a:t>
+              <a:t>Distributed filesystems are not concerned with how the data is actually stored.</a:t>
             </a:r>
           </a:p>
           <a:p>
@@ -18358,560 +18353,518 @@
           </p:sp>
         </p:grpSp>
       </p:grpSp>
+      <p:sp>
+        <p:nvSpPr>
+          <p:cNvPr id="35" name="Rectangle 20"/>
+          <p:cNvSpPr/>
+          <p:nvPr/>
+        </p:nvSpPr>
+        <p:spPr>
+          <a:xfrm>
+            <a:off x="2514600" y="2286000"/>
+            <a:ext cx="1143000" cy="228600"/>
+          </a:xfrm>
+          <a:prstGeom prst="rect">
+            <a:avLst/>
+          </a:prstGeom>
+        </p:spPr>
+        <p:style>
+          <a:lnRef idx="2">
+            <a:schemeClr val="accent1">
+              <a:shade val="50000"/>
+            </a:schemeClr>
+          </a:lnRef>
+          <a:fillRef idx="1">
+            <a:schemeClr val="accent1"/>
+          </a:fillRef>
+          <a:effectRef idx="0">
+            <a:schemeClr val="accent1"/>
+          </a:effectRef>
+          <a:fontRef idx="minor">
+            <a:schemeClr val="lt1"/>
+          </a:fontRef>
+        </p:style>
+        <p:txBody>
+          <a:bodyPr rtlCol="0" anchor="ctr"/>
+          <a:lstStyle/>
+          <a:p>
+            <a:pPr algn="ctr"/>
+            <a:endParaRPr lang="en-US"/>
+          </a:p>
+        </p:txBody>
+      </p:sp>
+      <p:sp>
+        <p:nvSpPr>
+          <p:cNvPr id="36" name="Rectangle 21"/>
+          <p:cNvSpPr/>
+          <p:nvPr/>
+        </p:nvSpPr>
+        <p:spPr>
+          <a:xfrm>
+            <a:off x="2514600" y="2514600"/>
+            <a:ext cx="1143000" cy="228600"/>
+          </a:xfrm>
+          <a:prstGeom prst="rect">
+            <a:avLst/>
+          </a:prstGeom>
+        </p:spPr>
+        <p:style>
+          <a:lnRef idx="2">
+            <a:schemeClr val="accent5">
+              <a:shade val="50000"/>
+            </a:schemeClr>
+          </a:lnRef>
+          <a:fillRef idx="1">
+            <a:schemeClr val="accent5"/>
+          </a:fillRef>
+          <a:effectRef idx="0">
+            <a:schemeClr val="accent5"/>
+          </a:effectRef>
+          <a:fontRef idx="minor">
+            <a:schemeClr val="lt1"/>
+          </a:fontRef>
+        </p:style>
+        <p:txBody>
+          <a:bodyPr rtlCol="0" anchor="ctr"/>
+          <a:lstStyle/>
+          <a:p>
+            <a:pPr algn="ctr"/>
+            <a:endParaRPr lang="en-US"/>
+          </a:p>
+        </p:txBody>
+      </p:sp>
+      <p:sp>
+        <p:nvSpPr>
+          <p:cNvPr id="37" name="Rectangle 22"/>
+          <p:cNvSpPr/>
+          <p:nvPr/>
+        </p:nvSpPr>
+        <p:spPr>
+          <a:xfrm>
+            <a:off x="2514600" y="2743200"/>
+            <a:ext cx="1143000" cy="228600"/>
+          </a:xfrm>
+          <a:prstGeom prst="rect">
+            <a:avLst/>
+          </a:prstGeom>
+          <a:solidFill>
+            <a:srgbClr val="FFFF00"/>
+          </a:solidFill>
+        </p:spPr>
+        <p:style>
+          <a:lnRef idx="2">
+            <a:schemeClr val="accent6">
+              <a:shade val="50000"/>
+            </a:schemeClr>
+          </a:lnRef>
+          <a:fillRef idx="1">
+            <a:schemeClr val="accent6"/>
+          </a:fillRef>
+          <a:effectRef idx="0">
+            <a:schemeClr val="accent6"/>
+          </a:effectRef>
+          <a:fontRef idx="minor">
+            <a:schemeClr val="lt1"/>
+          </a:fontRef>
+        </p:style>
+        <p:txBody>
+          <a:bodyPr rtlCol="0" anchor="ctr"/>
+          <a:lstStyle/>
+          <a:p>
+            <a:pPr algn="ctr"/>
+            <a:endParaRPr lang="en-US" b="1" dirty="0"/>
+          </a:p>
+        </p:txBody>
+      </p:sp>
+      <p:sp>
+        <p:nvSpPr>
+          <p:cNvPr id="32" name="Rectangle 31"/>
+          <p:cNvSpPr/>
+          <p:nvPr/>
+        </p:nvSpPr>
+        <p:spPr>
+          <a:xfrm>
+            <a:off x="4419600" y="2286000"/>
+            <a:ext cx="1143000" cy="228600"/>
+          </a:xfrm>
+          <a:prstGeom prst="rect">
+            <a:avLst/>
+          </a:prstGeom>
+        </p:spPr>
+        <p:style>
+          <a:lnRef idx="2">
+            <a:schemeClr val="accent1">
+              <a:shade val="50000"/>
+            </a:schemeClr>
+          </a:lnRef>
+          <a:fillRef idx="1">
+            <a:schemeClr val="accent1"/>
+          </a:fillRef>
+          <a:effectRef idx="0">
+            <a:schemeClr val="accent1"/>
+          </a:effectRef>
+          <a:fontRef idx="minor">
+            <a:schemeClr val="lt1"/>
+          </a:fontRef>
+        </p:style>
+        <p:txBody>
+          <a:bodyPr rtlCol="0" anchor="ctr"/>
+          <a:lstStyle/>
+          <a:p>
+            <a:pPr algn="ctr"/>
+            <a:endParaRPr lang="en-US"/>
+          </a:p>
+        </p:txBody>
+      </p:sp>
+      <p:sp>
+        <p:nvSpPr>
+          <p:cNvPr id="33" name="Rectangle 32"/>
+          <p:cNvSpPr/>
+          <p:nvPr/>
+        </p:nvSpPr>
+        <p:spPr>
+          <a:xfrm>
+            <a:off x="4419600" y="2514600"/>
+            <a:ext cx="1143000" cy="228600"/>
+          </a:xfrm>
+          <a:prstGeom prst="rect">
+            <a:avLst/>
+          </a:prstGeom>
+        </p:spPr>
+        <p:style>
+          <a:lnRef idx="2">
+            <a:schemeClr val="accent5">
+              <a:shade val="50000"/>
+            </a:schemeClr>
+          </a:lnRef>
+          <a:fillRef idx="1">
+            <a:schemeClr val="accent5"/>
+          </a:fillRef>
+          <a:effectRef idx="0">
+            <a:schemeClr val="accent5"/>
+          </a:effectRef>
+          <a:fontRef idx="minor">
+            <a:schemeClr val="lt1"/>
+          </a:fontRef>
+        </p:style>
+        <p:txBody>
+          <a:bodyPr rtlCol="0" anchor="ctr"/>
+          <a:lstStyle/>
+          <a:p>
+            <a:pPr algn="ctr"/>
+            <a:endParaRPr lang="en-US"/>
+          </a:p>
+        </p:txBody>
+      </p:sp>
+      <p:sp>
+        <p:nvSpPr>
+          <p:cNvPr id="34" name="Rectangle 33"/>
+          <p:cNvSpPr/>
+          <p:nvPr/>
+        </p:nvSpPr>
+        <p:spPr>
+          <a:xfrm>
+            <a:off x="4419600" y="2743200"/>
+            <a:ext cx="1143000" cy="228600"/>
+          </a:xfrm>
+          <a:prstGeom prst="rect">
+            <a:avLst/>
+          </a:prstGeom>
+        </p:spPr>
+        <p:style>
+          <a:lnRef idx="2">
+            <a:schemeClr val="accent6">
+              <a:shade val="50000"/>
+            </a:schemeClr>
+          </a:lnRef>
+          <a:fillRef idx="1">
+            <a:schemeClr val="accent6"/>
+          </a:fillRef>
+          <a:effectRef idx="0">
+            <a:schemeClr val="accent6"/>
+          </a:effectRef>
+          <a:fontRef idx="minor">
+            <a:schemeClr val="lt1"/>
+          </a:fontRef>
+        </p:style>
+        <p:txBody>
+          <a:bodyPr rtlCol="0" anchor="ctr"/>
+          <a:lstStyle/>
+          <a:p>
+            <a:pPr algn="ctr"/>
+            <a:endParaRPr lang="en-US" b="1" dirty="0"/>
+          </a:p>
+        </p:txBody>
+      </p:sp>
       <p:grpSp>
         <p:nvGrpSpPr>
-          <p:cNvPr id="21" name="Group 20"/>
+          <p:cNvPr id="24" name="Group 48"/>
           <p:cNvGrpSpPr/>
           <p:nvPr/>
         </p:nvGrpSpPr>
         <p:grpSpPr>
           <a:xfrm>
-            <a:off x="2514600" y="2286000"/>
-            <a:ext cx="5638800" cy="685800"/>
-            <a:chOff x="2514600" y="2286000"/>
-            <a:chExt cx="5638800" cy="685800"/>
+            <a:off x="5715000" y="2286000"/>
+            <a:ext cx="1143000" cy="685800"/>
+            <a:chOff x="2362200" y="2286000"/>
+            <a:chExt cx="1143000" cy="685800"/>
           </a:xfrm>
         </p:grpSpPr>
-        <p:grpSp>
-          <p:nvGrpSpPr>
-            <p:cNvPr id="22" name="Group 28"/>
-            <p:cNvGrpSpPr/>
+        <p:sp>
+          <p:nvSpPr>
+            <p:cNvPr id="29" name="Rectangle 28"/>
+            <p:cNvSpPr/>
             <p:nvPr/>
-          </p:nvGrpSpPr>
-          <p:grpSpPr>
+          </p:nvSpPr>
+          <p:spPr>
             <a:xfrm>
-              <a:off x="2514600" y="2286000"/>
-              <a:ext cx="1143000" cy="685800"/>
-              <a:chOff x="990600" y="2286000"/>
-              <a:chExt cx="1143000" cy="685800"/>
+              <a:off x="2362200" y="2286000"/>
+              <a:ext cx="1143000" cy="228600"/>
             </a:xfrm>
-          </p:grpSpPr>
-          <p:sp>
-            <p:nvSpPr>
-              <p:cNvPr id="35" name="Rectangle 20"/>
-              <p:cNvSpPr/>
-              <p:nvPr/>
-            </p:nvSpPr>
-            <p:spPr>
-              <a:xfrm>
-                <a:off x="990600" y="2286000"/>
-                <a:ext cx="1143000" cy="228600"/>
-              </a:xfrm>
-              <a:prstGeom prst="rect">
-                <a:avLst/>
-              </a:prstGeom>
-            </p:spPr>
-            <p:style>
-              <a:lnRef idx="2">
-                <a:schemeClr val="accent1">
-                  <a:shade val="50000"/>
-                </a:schemeClr>
-              </a:lnRef>
-              <a:fillRef idx="1">
-                <a:schemeClr val="accent1"/>
-              </a:fillRef>
-              <a:effectRef idx="0">
-                <a:schemeClr val="accent1"/>
-              </a:effectRef>
-              <a:fontRef idx="minor">
-                <a:schemeClr val="lt1"/>
-              </a:fontRef>
-            </p:style>
-            <p:txBody>
-              <a:bodyPr rtlCol="0" anchor="ctr"/>
-              <a:lstStyle/>
-              <a:p>
-                <a:pPr algn="ctr"/>
-                <a:endParaRPr lang="en-US"/>
-              </a:p>
-            </p:txBody>
-          </p:sp>
-          <p:sp>
-            <p:nvSpPr>
-              <p:cNvPr id="36" name="Rectangle 21"/>
-              <p:cNvSpPr/>
-              <p:nvPr/>
-            </p:nvSpPr>
-            <p:spPr>
-              <a:xfrm>
-                <a:off x="990600" y="2514600"/>
-                <a:ext cx="1143000" cy="228600"/>
-              </a:xfrm>
-              <a:prstGeom prst="rect">
-                <a:avLst/>
-              </a:prstGeom>
-            </p:spPr>
-            <p:style>
-              <a:lnRef idx="2">
-                <a:schemeClr val="accent5">
-                  <a:shade val="50000"/>
-                </a:schemeClr>
-              </a:lnRef>
-              <a:fillRef idx="1">
-                <a:schemeClr val="accent5"/>
-              </a:fillRef>
-              <a:effectRef idx="0">
-                <a:schemeClr val="accent5"/>
-              </a:effectRef>
-              <a:fontRef idx="minor">
-                <a:schemeClr val="lt1"/>
-              </a:fontRef>
-            </p:style>
-            <p:txBody>
-              <a:bodyPr rtlCol="0" anchor="ctr"/>
-              <a:lstStyle/>
-              <a:p>
-                <a:pPr algn="ctr"/>
-                <a:endParaRPr lang="en-US"/>
-              </a:p>
-            </p:txBody>
-          </p:sp>
-          <p:sp>
-            <p:nvSpPr>
-              <p:cNvPr id="37" name="Rectangle 22"/>
-              <p:cNvSpPr/>
-              <p:nvPr/>
-            </p:nvSpPr>
-            <p:spPr>
-              <a:xfrm>
-                <a:off x="990600" y="2743200"/>
-                <a:ext cx="1143000" cy="228600"/>
-              </a:xfrm>
-              <a:prstGeom prst="rect">
-                <a:avLst/>
-              </a:prstGeom>
-            </p:spPr>
-            <p:style>
-              <a:lnRef idx="2">
-                <a:schemeClr val="accent6">
-                  <a:shade val="50000"/>
-                </a:schemeClr>
-              </a:lnRef>
-              <a:fillRef idx="1">
-                <a:schemeClr val="accent6"/>
-              </a:fillRef>
-              <a:effectRef idx="0">
-                <a:schemeClr val="accent6"/>
-              </a:effectRef>
-              <a:fontRef idx="minor">
-                <a:schemeClr val="lt1"/>
-              </a:fontRef>
-            </p:style>
-            <p:txBody>
-              <a:bodyPr rtlCol="0" anchor="ctr"/>
-              <a:lstStyle/>
-              <a:p>
-                <a:pPr algn="ctr"/>
-                <a:endParaRPr lang="en-US" b="1" dirty="0"/>
-              </a:p>
-            </p:txBody>
-          </p:sp>
-        </p:grpSp>
-        <p:grpSp>
-          <p:nvGrpSpPr>
-            <p:cNvPr id="23" name="Group 29"/>
-            <p:cNvGrpSpPr/>
+            <a:prstGeom prst="rect">
+              <a:avLst/>
+            </a:prstGeom>
+          </p:spPr>
+          <p:style>
+            <a:lnRef idx="2">
+              <a:schemeClr val="accent1">
+                <a:shade val="50000"/>
+              </a:schemeClr>
+            </a:lnRef>
+            <a:fillRef idx="1">
+              <a:schemeClr val="accent1"/>
+            </a:fillRef>
+            <a:effectRef idx="0">
+              <a:schemeClr val="accent1"/>
+            </a:effectRef>
+            <a:fontRef idx="minor">
+              <a:schemeClr val="lt1"/>
+            </a:fontRef>
+          </p:style>
+          <p:txBody>
+            <a:bodyPr rtlCol="0" anchor="ctr"/>
+            <a:lstStyle/>
+            <a:p>
+              <a:pPr algn="ctr"/>
+              <a:endParaRPr lang="en-US"/>
+            </a:p>
+          </p:txBody>
+        </p:sp>
+        <p:sp>
+          <p:nvSpPr>
+            <p:cNvPr id="30" name="Rectangle 29"/>
+            <p:cNvSpPr/>
             <p:nvPr/>
-          </p:nvGrpSpPr>
-          <p:grpSpPr>
+          </p:nvSpPr>
+          <p:spPr>
             <a:xfrm>
-              <a:off x="4419600" y="2286000"/>
-              <a:ext cx="1143000" cy="685800"/>
-              <a:chOff x="2362200" y="2286000"/>
-              <a:chExt cx="1143000" cy="685800"/>
+              <a:off x="2362200" y="2514600"/>
+              <a:ext cx="1143000" cy="228600"/>
             </a:xfrm>
-          </p:grpSpPr>
-          <p:sp>
-            <p:nvSpPr>
-              <p:cNvPr id="32" name="Rectangle 31"/>
-              <p:cNvSpPr/>
-              <p:nvPr/>
-            </p:nvSpPr>
-            <p:spPr>
-              <a:xfrm>
-                <a:off x="2362200" y="2286000"/>
-                <a:ext cx="1143000" cy="228600"/>
-              </a:xfrm>
-              <a:prstGeom prst="rect">
-                <a:avLst/>
-              </a:prstGeom>
-            </p:spPr>
-            <p:style>
-              <a:lnRef idx="2">
-                <a:schemeClr val="accent1">
-                  <a:shade val="50000"/>
-                </a:schemeClr>
-              </a:lnRef>
-              <a:fillRef idx="1">
-                <a:schemeClr val="accent1"/>
-              </a:fillRef>
-              <a:effectRef idx="0">
-                <a:schemeClr val="accent1"/>
-              </a:effectRef>
-              <a:fontRef idx="minor">
-                <a:schemeClr val="lt1"/>
-              </a:fontRef>
-            </p:style>
-            <p:txBody>
-              <a:bodyPr rtlCol="0" anchor="ctr"/>
-              <a:lstStyle/>
-              <a:p>
-                <a:pPr algn="ctr"/>
-                <a:endParaRPr lang="en-US"/>
-              </a:p>
-            </p:txBody>
-          </p:sp>
-          <p:sp>
-            <p:nvSpPr>
-              <p:cNvPr id="33" name="Rectangle 32"/>
-              <p:cNvSpPr/>
-              <p:nvPr/>
-            </p:nvSpPr>
-            <p:spPr>
-              <a:xfrm>
-                <a:off x="2362200" y="2514600"/>
-                <a:ext cx="1143000" cy="228600"/>
-              </a:xfrm>
-              <a:prstGeom prst="rect">
-                <a:avLst/>
-              </a:prstGeom>
-            </p:spPr>
-            <p:style>
-              <a:lnRef idx="2">
-                <a:schemeClr val="accent5">
-                  <a:shade val="50000"/>
-                </a:schemeClr>
-              </a:lnRef>
-              <a:fillRef idx="1">
-                <a:schemeClr val="accent5"/>
-              </a:fillRef>
-              <a:effectRef idx="0">
-                <a:schemeClr val="accent5"/>
-              </a:effectRef>
-              <a:fontRef idx="minor">
-                <a:schemeClr val="lt1"/>
-              </a:fontRef>
-            </p:style>
-            <p:txBody>
-              <a:bodyPr rtlCol="0" anchor="ctr"/>
-              <a:lstStyle/>
-              <a:p>
-                <a:pPr algn="ctr"/>
-                <a:endParaRPr lang="en-US"/>
-              </a:p>
-            </p:txBody>
-          </p:sp>
-          <p:sp>
-            <p:nvSpPr>
-              <p:cNvPr id="34" name="Rectangle 33"/>
-              <p:cNvSpPr/>
-              <p:nvPr/>
-            </p:nvSpPr>
-            <p:spPr>
-              <a:xfrm>
-                <a:off x="2362200" y="2743200"/>
-                <a:ext cx="1143000" cy="228600"/>
-              </a:xfrm>
-              <a:prstGeom prst="rect">
-                <a:avLst/>
-              </a:prstGeom>
-            </p:spPr>
-            <p:style>
-              <a:lnRef idx="2">
-                <a:schemeClr val="accent6">
-                  <a:shade val="50000"/>
-                </a:schemeClr>
-              </a:lnRef>
-              <a:fillRef idx="1">
-                <a:schemeClr val="accent6"/>
-              </a:fillRef>
-              <a:effectRef idx="0">
-                <a:schemeClr val="accent6"/>
-              </a:effectRef>
-              <a:fontRef idx="minor">
-                <a:schemeClr val="lt1"/>
-              </a:fontRef>
-            </p:style>
-            <p:txBody>
-              <a:bodyPr rtlCol="0" anchor="ctr"/>
-              <a:lstStyle/>
-              <a:p>
-                <a:pPr algn="ctr"/>
-                <a:endParaRPr lang="en-US" b="1" dirty="0"/>
-              </a:p>
-            </p:txBody>
-          </p:sp>
-        </p:grpSp>
-        <p:grpSp>
-          <p:nvGrpSpPr>
-            <p:cNvPr id="24" name="Group 48"/>
-            <p:cNvGrpSpPr/>
+            <a:prstGeom prst="rect">
+              <a:avLst/>
+            </a:prstGeom>
+          </p:spPr>
+          <p:style>
+            <a:lnRef idx="2">
+              <a:schemeClr val="accent5">
+                <a:shade val="50000"/>
+              </a:schemeClr>
+            </a:lnRef>
+            <a:fillRef idx="1">
+              <a:schemeClr val="accent5"/>
+            </a:fillRef>
+            <a:effectRef idx="0">
+              <a:schemeClr val="accent5"/>
+            </a:effectRef>
+            <a:fontRef idx="minor">
+              <a:schemeClr val="lt1"/>
+            </a:fontRef>
+          </p:style>
+          <p:txBody>
+            <a:bodyPr rtlCol="0" anchor="ctr"/>
+            <a:lstStyle/>
+            <a:p>
+              <a:pPr algn="ctr"/>
+              <a:endParaRPr lang="en-US"/>
+            </a:p>
+          </p:txBody>
+        </p:sp>
+        <p:sp>
+          <p:nvSpPr>
+            <p:cNvPr id="31" name="Rectangle 30"/>
+            <p:cNvSpPr/>
             <p:nvPr/>
-          </p:nvGrpSpPr>
-          <p:grpSpPr>
+          </p:nvSpPr>
+          <p:spPr>
             <a:xfrm>
-              <a:off x="5715000" y="2286000"/>
-              <a:ext cx="1143000" cy="685800"/>
-              <a:chOff x="2362200" y="2286000"/>
-              <a:chExt cx="1143000" cy="685800"/>
+              <a:off x="2362200" y="2743200"/>
+              <a:ext cx="1143000" cy="228600"/>
             </a:xfrm>
-          </p:grpSpPr>
-          <p:sp>
-            <p:nvSpPr>
-              <p:cNvPr id="29" name="Rectangle 28"/>
-              <p:cNvSpPr/>
-              <p:nvPr/>
-            </p:nvSpPr>
-            <p:spPr>
-              <a:xfrm>
-                <a:off x="2362200" y="2286000"/>
-                <a:ext cx="1143000" cy="228600"/>
-              </a:xfrm>
-              <a:prstGeom prst="rect">
-                <a:avLst/>
-              </a:prstGeom>
-            </p:spPr>
-            <p:style>
-              <a:lnRef idx="2">
-                <a:schemeClr val="accent1">
-                  <a:shade val="50000"/>
-                </a:schemeClr>
-              </a:lnRef>
-              <a:fillRef idx="1">
-                <a:schemeClr val="accent1"/>
-              </a:fillRef>
-              <a:effectRef idx="0">
-                <a:schemeClr val="accent1"/>
-              </a:effectRef>
-              <a:fontRef idx="minor">
-                <a:schemeClr val="lt1"/>
-              </a:fontRef>
-            </p:style>
-            <p:txBody>
-              <a:bodyPr rtlCol="0" anchor="ctr"/>
-              <a:lstStyle/>
-              <a:p>
-                <a:pPr algn="ctr"/>
-                <a:endParaRPr lang="en-US"/>
-              </a:p>
-            </p:txBody>
-          </p:sp>
-          <p:sp>
-            <p:nvSpPr>
-              <p:cNvPr id="30" name="Rectangle 29"/>
-              <p:cNvSpPr/>
-              <p:nvPr/>
-            </p:nvSpPr>
-            <p:spPr>
-              <a:xfrm>
-                <a:off x="2362200" y="2514600"/>
-                <a:ext cx="1143000" cy="228600"/>
-              </a:xfrm>
-              <a:prstGeom prst="rect">
-                <a:avLst/>
-              </a:prstGeom>
-            </p:spPr>
-            <p:style>
-              <a:lnRef idx="2">
-                <a:schemeClr val="accent5">
-                  <a:shade val="50000"/>
-                </a:schemeClr>
-              </a:lnRef>
-              <a:fillRef idx="1">
-                <a:schemeClr val="accent5"/>
-              </a:fillRef>
-              <a:effectRef idx="0">
-                <a:schemeClr val="accent5"/>
-              </a:effectRef>
-              <a:fontRef idx="minor">
-                <a:schemeClr val="lt1"/>
-              </a:fontRef>
-            </p:style>
-            <p:txBody>
-              <a:bodyPr rtlCol="0" anchor="ctr"/>
-              <a:lstStyle/>
-              <a:p>
-                <a:pPr algn="ctr"/>
-                <a:endParaRPr lang="en-US"/>
-              </a:p>
-            </p:txBody>
-          </p:sp>
-          <p:sp>
-            <p:nvSpPr>
-              <p:cNvPr id="31" name="Rectangle 30"/>
-              <p:cNvSpPr/>
-              <p:nvPr/>
-            </p:nvSpPr>
-            <p:spPr>
-              <a:xfrm>
-                <a:off x="2362200" y="2743200"/>
-                <a:ext cx="1143000" cy="228600"/>
-              </a:xfrm>
-              <a:prstGeom prst="rect">
-                <a:avLst/>
-              </a:prstGeom>
-            </p:spPr>
-            <p:style>
-              <a:lnRef idx="2">
-                <a:schemeClr val="accent6">
-                  <a:shade val="50000"/>
-                </a:schemeClr>
-              </a:lnRef>
-              <a:fillRef idx="1">
-                <a:schemeClr val="accent6"/>
-              </a:fillRef>
-              <a:effectRef idx="0">
-                <a:schemeClr val="accent6"/>
-              </a:effectRef>
-              <a:fontRef idx="minor">
-                <a:schemeClr val="lt1"/>
-              </a:fontRef>
-            </p:style>
-            <p:txBody>
-              <a:bodyPr rtlCol="0" anchor="ctr"/>
-              <a:lstStyle/>
-              <a:p>
-                <a:pPr algn="ctr"/>
-                <a:endParaRPr lang="en-US" b="1" dirty="0"/>
-              </a:p>
-            </p:txBody>
-          </p:sp>
-        </p:grpSp>
-        <p:grpSp>
-          <p:nvGrpSpPr>
-            <p:cNvPr id="25" name="Group 52"/>
-            <p:cNvGrpSpPr/>
+            <a:prstGeom prst="rect">
+              <a:avLst/>
+            </a:prstGeom>
+          </p:spPr>
+          <p:style>
+            <a:lnRef idx="2">
+              <a:schemeClr val="accent6">
+                <a:shade val="50000"/>
+              </a:schemeClr>
+            </a:lnRef>
+            <a:fillRef idx="1">
+              <a:schemeClr val="accent6"/>
+            </a:fillRef>
+            <a:effectRef idx="0">
+              <a:schemeClr val="accent6"/>
+            </a:effectRef>
+            <a:fontRef idx="minor">
+              <a:schemeClr val="lt1"/>
+            </a:fontRef>
+          </p:style>
+          <p:txBody>
+            <a:bodyPr rtlCol="0" anchor="ctr"/>
+            <a:lstStyle/>
+            <a:p>
+              <a:pPr algn="ctr"/>
+              <a:endParaRPr lang="en-US" b="1" dirty="0"/>
+            </a:p>
+          </p:txBody>
+        </p:sp>
+      </p:grpSp>
+      <p:grpSp>
+        <p:nvGrpSpPr>
+          <p:cNvPr id="25" name="Group 52"/>
+          <p:cNvGrpSpPr/>
+          <p:nvPr/>
+        </p:nvGrpSpPr>
+        <p:grpSpPr>
+          <a:xfrm>
+            <a:off x="7010400" y="2286000"/>
+            <a:ext cx="1143000" cy="685800"/>
+            <a:chOff x="2362200" y="2286000"/>
+            <a:chExt cx="1143000" cy="685800"/>
+          </a:xfrm>
+        </p:grpSpPr>
+        <p:sp>
+          <p:nvSpPr>
+            <p:cNvPr id="26" name="Rectangle 25"/>
+            <p:cNvSpPr/>
             <p:nvPr/>
-          </p:nvGrpSpPr>
-          <p:grpSpPr>
+          </p:nvSpPr>
+          <p:spPr>
             <a:xfrm>
-              <a:off x="7010400" y="2286000"/>
-              <a:ext cx="1143000" cy="685800"/>
-              <a:chOff x="2362200" y="2286000"/>
-              <a:chExt cx="1143000" cy="685800"/>
+              <a:off x="2362200" y="2286000"/>
+              <a:ext cx="1143000" cy="228600"/>
             </a:xfrm>
-          </p:grpSpPr>
-          <p:sp>
-            <p:nvSpPr>
-              <p:cNvPr id="26" name="Rectangle 25"/>
-              <p:cNvSpPr/>
-              <p:nvPr/>
-            </p:nvSpPr>
-            <p:spPr>
-              <a:xfrm>
-                <a:off x="2362200" y="2286000"/>
-                <a:ext cx="1143000" cy="228600"/>
-              </a:xfrm>
-              <a:prstGeom prst="rect">
-                <a:avLst/>
-              </a:prstGeom>
-            </p:spPr>
-            <p:style>
-              <a:lnRef idx="2">
-                <a:schemeClr val="accent1">
-                  <a:shade val="50000"/>
-                </a:schemeClr>
-              </a:lnRef>
-              <a:fillRef idx="1">
-                <a:schemeClr val="accent1"/>
-              </a:fillRef>
-              <a:effectRef idx="0">
-                <a:schemeClr val="accent1"/>
-              </a:effectRef>
-              <a:fontRef idx="minor">
-                <a:schemeClr val="lt1"/>
-              </a:fontRef>
-            </p:style>
-            <p:txBody>
-              <a:bodyPr rtlCol="0" anchor="ctr"/>
-              <a:lstStyle/>
-              <a:p>
-                <a:pPr algn="ctr"/>
-                <a:endParaRPr lang="en-US"/>
-              </a:p>
-            </p:txBody>
-          </p:sp>
-          <p:sp>
-            <p:nvSpPr>
-              <p:cNvPr id="27" name="Rectangle 26"/>
-              <p:cNvSpPr/>
-              <p:nvPr/>
-            </p:nvSpPr>
-            <p:spPr>
-              <a:xfrm>
-                <a:off x="2362200" y="2514600"/>
-                <a:ext cx="1143000" cy="228600"/>
-              </a:xfrm>
-              <a:prstGeom prst="rect">
-                <a:avLst/>
-              </a:prstGeom>
-            </p:spPr>
-            <p:style>
-              <a:lnRef idx="2">
-                <a:schemeClr val="accent5">
-                  <a:shade val="50000"/>
-                </a:schemeClr>
-              </a:lnRef>
-              <a:fillRef idx="1">
-                <a:schemeClr val="accent5"/>
-              </a:fillRef>
-              <a:effectRef idx="0">
-                <a:schemeClr val="accent5"/>
-              </a:effectRef>
-              <a:fontRef idx="minor">
-                <a:schemeClr val="lt1"/>
-              </a:fontRef>
-            </p:style>
-            <p:txBody>
-              <a:bodyPr rtlCol="0" anchor="ctr"/>
-              <a:lstStyle/>
-              <a:p>
-                <a:pPr algn="ctr"/>
-                <a:endParaRPr lang="en-US"/>
-              </a:p>
-            </p:txBody>
-          </p:sp>
-          <p:sp>
-            <p:nvSpPr>
-              <p:cNvPr id="28" name="Rectangle 27"/>
-              <p:cNvSpPr/>
-              <p:nvPr/>
-            </p:nvSpPr>
-            <p:spPr>
-              <a:xfrm>
-                <a:off x="2362200" y="2743200"/>
-                <a:ext cx="1143000" cy="228600"/>
-              </a:xfrm>
-              <a:prstGeom prst="rect">
-                <a:avLst/>
-              </a:prstGeom>
-            </p:spPr>
-            <p:style>
-              <a:lnRef idx="2">
-                <a:schemeClr val="accent6">
-                  <a:shade val="50000"/>
-                </a:schemeClr>
-              </a:lnRef>
-              <a:fillRef idx="1">
-                <a:schemeClr val="accent6"/>
-              </a:fillRef>
-              <a:effectRef idx="0">
-                <a:schemeClr val="accent6"/>
-              </a:effectRef>
-              <a:fontRef idx="minor">
-                <a:schemeClr val="lt1"/>
-              </a:fontRef>
-            </p:style>
-            <p:txBody>
-              <a:bodyPr rtlCol="0" anchor="ctr"/>
-              <a:lstStyle/>
-              <a:p>
-                <a:pPr algn="ctr"/>
-                <a:endParaRPr lang="en-US" b="1" dirty="0"/>
-              </a:p>
-            </p:txBody>
-          </p:sp>
-        </p:grpSp>
+            <a:prstGeom prst="rect">
+              <a:avLst/>
+            </a:prstGeom>
+          </p:spPr>
+          <p:style>
+            <a:lnRef idx="2">
+              <a:schemeClr val="accent1">
+                <a:shade val="50000"/>
+              </a:schemeClr>
+            </a:lnRef>
+            <a:fillRef idx="1">
+              <a:schemeClr val="accent1"/>
+            </a:fillRef>
+            <a:effectRef idx="0">
+              <a:schemeClr val="accent1"/>
+            </a:effectRef>
+            <a:fontRef idx="minor">
+              <a:schemeClr val="lt1"/>
+            </a:fontRef>
+          </p:style>
+          <p:txBody>
+            <a:bodyPr rtlCol="0" anchor="ctr"/>
+            <a:lstStyle/>
+            <a:p>
+              <a:pPr algn="ctr"/>
+              <a:endParaRPr lang="en-US"/>
+            </a:p>
+          </p:txBody>
+        </p:sp>
+        <p:sp>
+          <p:nvSpPr>
+            <p:cNvPr id="27" name="Rectangle 26"/>
+            <p:cNvSpPr/>
+            <p:nvPr/>
+          </p:nvSpPr>
+          <p:spPr>
+            <a:xfrm>
+              <a:off x="2362200" y="2514600"/>
+              <a:ext cx="1143000" cy="228600"/>
+            </a:xfrm>
+            <a:prstGeom prst="rect">
+              <a:avLst/>
+            </a:prstGeom>
+          </p:spPr>
+          <p:style>
+            <a:lnRef idx="2">
+              <a:schemeClr val="accent5">
+                <a:shade val="50000"/>
+              </a:schemeClr>
+            </a:lnRef>
+            <a:fillRef idx="1">
+              <a:schemeClr val="accent5"/>
+            </a:fillRef>
+            <a:effectRef idx="0">
+              <a:schemeClr val="accent5"/>
+            </a:effectRef>
+            <a:fontRef idx="minor">
+              <a:schemeClr val="lt1"/>
+            </a:fontRef>
+          </p:style>
+          <p:txBody>
+            <a:bodyPr rtlCol="0" anchor="ctr"/>
+            <a:lstStyle/>
+            <a:p>
+              <a:pPr algn="ctr"/>
+              <a:endParaRPr lang="en-US"/>
+            </a:p>
+          </p:txBody>
+        </p:sp>
+        <p:sp>
+          <p:nvSpPr>
+            <p:cNvPr id="28" name="Rectangle 27"/>
+            <p:cNvSpPr/>
+            <p:nvPr/>
+          </p:nvSpPr>
+          <p:spPr>
+            <a:xfrm>
+              <a:off x="2362200" y="2743200"/>
+              <a:ext cx="1143000" cy="228600"/>
+            </a:xfrm>
+            <a:prstGeom prst="rect">
+              <a:avLst/>
+            </a:prstGeom>
+          </p:spPr>
+          <p:style>
+            <a:lnRef idx="2">
+              <a:schemeClr val="accent6">
+                <a:shade val="50000"/>
+              </a:schemeClr>
+            </a:lnRef>
+            <a:fillRef idx="1">
+              <a:schemeClr val="accent6"/>
+            </a:fillRef>
+            <a:effectRef idx="0">
+              <a:schemeClr val="accent6"/>
+            </a:effectRef>
+            <a:fontRef idx="minor">
+              <a:schemeClr val="lt1"/>
+            </a:fontRef>
+          </p:style>
+          <p:txBody>
+            <a:bodyPr rtlCol="0" anchor="ctr"/>
+            <a:lstStyle/>
+            <a:p>
+              <a:pPr algn="ctr"/>
+              <a:endParaRPr lang="en-US" b="1" dirty="0"/>
+            </a:p>
+          </p:txBody>
+        </p:sp>
       </p:grpSp>
       <p:grpSp>
         <p:nvGrpSpPr>
@@ -20026,10 +19979,9 @@
           </a:p>
           <a:p>
             <a:r>
-              <a:rPr lang="en-US" smtClean="0"/>
+              <a:rPr lang="en-US" dirty="0" smtClean="0"/>
               <a:t>Garbage Collection</a:t>
             </a:r>
-            <a:endParaRPr lang="en-US" dirty="0" smtClean="0"/>
           </a:p>
         </p:txBody>
       </p:sp>

--- a/google-fs/google-fs.pptx
+++ b/google-fs/google-fs.pptx
@@ -36,11 +36,11 @@
     <p:sldId id="285" r:id="rId30"/>
     <p:sldId id="311" r:id="rId31"/>
     <p:sldId id="307" r:id="rId32"/>
-    <p:sldId id="287" r:id="rId33"/>
-    <p:sldId id="288" r:id="rId34"/>
-    <p:sldId id="306" r:id="rId35"/>
-    <p:sldId id="276" r:id="rId36"/>
-    <p:sldId id="277" r:id="rId37"/>
+    <p:sldId id="276" r:id="rId33"/>
+    <p:sldId id="277" r:id="rId34"/>
+    <p:sldId id="287" r:id="rId35"/>
+    <p:sldId id="288" r:id="rId36"/>
+    <p:sldId id="306" r:id="rId37"/>
     <p:sldId id="297" r:id="rId38"/>
   </p:sldIdLst>
   <p:sldSz cx="9144000" cy="6858000" type="screen4x3"/>
@@ -49,94 +49,124 @@
     <a:defPPr>
       <a:defRPr lang="en-US"/>
     </a:defPPr>
-    <a:lvl1pPr marL="0" algn="l" defTabSz="914400" rtl="0" eaLnBrk="1" latinLnBrk="0" hangingPunct="1">
-      <a:defRPr sz="1800" kern="1200">
+    <a:lvl1pPr algn="l" rtl="0" fontAlgn="base">
+      <a:spcBef>
+        <a:spcPct val="0"/>
+      </a:spcBef>
+      <a:spcAft>
+        <a:spcPct val="0"/>
+      </a:spcAft>
+      <a:defRPr kern="1200">
         <a:solidFill>
           <a:schemeClr val="tx1"/>
         </a:solidFill>
-        <a:latin typeface="+mn-lt"/>
+        <a:latin typeface="Arial" charset="0"/>
         <a:ea typeface="+mn-ea"/>
-        <a:cs typeface="+mn-cs"/>
+        <a:cs typeface="Arial" charset="0"/>
       </a:defRPr>
     </a:lvl1pPr>
-    <a:lvl2pPr marL="457200" algn="l" defTabSz="914400" rtl="0" eaLnBrk="1" latinLnBrk="0" hangingPunct="1">
-      <a:defRPr sz="1800" kern="1200">
+    <a:lvl2pPr marL="457200" algn="l" rtl="0" fontAlgn="base">
+      <a:spcBef>
+        <a:spcPct val="0"/>
+      </a:spcBef>
+      <a:spcAft>
+        <a:spcPct val="0"/>
+      </a:spcAft>
+      <a:defRPr kern="1200">
         <a:solidFill>
           <a:schemeClr val="tx1"/>
         </a:solidFill>
-        <a:latin typeface="+mn-lt"/>
+        <a:latin typeface="Arial" charset="0"/>
         <a:ea typeface="+mn-ea"/>
-        <a:cs typeface="+mn-cs"/>
+        <a:cs typeface="Arial" charset="0"/>
       </a:defRPr>
     </a:lvl2pPr>
-    <a:lvl3pPr marL="914400" algn="l" defTabSz="914400" rtl="0" eaLnBrk="1" latinLnBrk="0" hangingPunct="1">
-      <a:defRPr sz="1800" kern="1200">
+    <a:lvl3pPr marL="914400" algn="l" rtl="0" fontAlgn="base">
+      <a:spcBef>
+        <a:spcPct val="0"/>
+      </a:spcBef>
+      <a:spcAft>
+        <a:spcPct val="0"/>
+      </a:spcAft>
+      <a:defRPr kern="1200">
         <a:solidFill>
           <a:schemeClr val="tx1"/>
         </a:solidFill>
-        <a:latin typeface="+mn-lt"/>
+        <a:latin typeface="Arial" charset="0"/>
         <a:ea typeface="+mn-ea"/>
-        <a:cs typeface="+mn-cs"/>
+        <a:cs typeface="Arial" charset="0"/>
       </a:defRPr>
     </a:lvl3pPr>
-    <a:lvl4pPr marL="1371600" algn="l" defTabSz="914400" rtl="0" eaLnBrk="1" latinLnBrk="0" hangingPunct="1">
-      <a:defRPr sz="1800" kern="1200">
+    <a:lvl4pPr marL="1371600" algn="l" rtl="0" fontAlgn="base">
+      <a:spcBef>
+        <a:spcPct val="0"/>
+      </a:spcBef>
+      <a:spcAft>
+        <a:spcPct val="0"/>
+      </a:spcAft>
+      <a:defRPr kern="1200">
         <a:solidFill>
           <a:schemeClr val="tx1"/>
         </a:solidFill>
-        <a:latin typeface="+mn-lt"/>
+        <a:latin typeface="Arial" charset="0"/>
         <a:ea typeface="+mn-ea"/>
-        <a:cs typeface="+mn-cs"/>
+        <a:cs typeface="Arial" charset="0"/>
       </a:defRPr>
     </a:lvl4pPr>
-    <a:lvl5pPr marL="1828800" algn="l" defTabSz="914400" rtl="0" eaLnBrk="1" latinLnBrk="0" hangingPunct="1">
-      <a:defRPr sz="1800" kern="1200">
+    <a:lvl5pPr marL="1828800" algn="l" rtl="0" fontAlgn="base">
+      <a:spcBef>
+        <a:spcPct val="0"/>
+      </a:spcBef>
+      <a:spcAft>
+        <a:spcPct val="0"/>
+      </a:spcAft>
+      <a:defRPr kern="1200">
         <a:solidFill>
           <a:schemeClr val="tx1"/>
         </a:solidFill>
-        <a:latin typeface="+mn-lt"/>
+        <a:latin typeface="Arial" charset="0"/>
         <a:ea typeface="+mn-ea"/>
-        <a:cs typeface="+mn-cs"/>
+        <a:cs typeface="Arial" charset="0"/>
       </a:defRPr>
     </a:lvl5pPr>
     <a:lvl6pPr marL="2286000" algn="l" defTabSz="914400" rtl="0" eaLnBrk="1" latinLnBrk="0" hangingPunct="1">
-      <a:defRPr sz="1800" kern="1200">
+      <a:defRPr kern="1200">
         <a:solidFill>
           <a:schemeClr val="tx1"/>
         </a:solidFill>
-        <a:latin typeface="+mn-lt"/>
+        <a:latin typeface="Arial" charset="0"/>
         <a:ea typeface="+mn-ea"/>
-        <a:cs typeface="+mn-cs"/>
+        <a:cs typeface="Arial" charset="0"/>
       </a:defRPr>
     </a:lvl6pPr>
     <a:lvl7pPr marL="2743200" algn="l" defTabSz="914400" rtl="0" eaLnBrk="1" latinLnBrk="0" hangingPunct="1">
-      <a:defRPr sz="1800" kern="1200">
+      <a:defRPr kern="1200">
         <a:solidFill>
           <a:schemeClr val="tx1"/>
         </a:solidFill>
-        <a:latin typeface="+mn-lt"/>
+        <a:latin typeface="Arial" charset="0"/>
         <a:ea typeface="+mn-ea"/>
-        <a:cs typeface="+mn-cs"/>
+        <a:cs typeface="Arial" charset="0"/>
       </a:defRPr>
     </a:lvl7pPr>
     <a:lvl8pPr marL="3200400" algn="l" defTabSz="914400" rtl="0" eaLnBrk="1" latinLnBrk="0" hangingPunct="1">
-      <a:defRPr sz="1800" kern="1200">
+      <a:defRPr kern="1200">
         <a:solidFill>
           <a:schemeClr val="tx1"/>
         </a:solidFill>
-        <a:latin typeface="+mn-lt"/>
+        <a:latin typeface="Arial" charset="0"/>
         <a:ea typeface="+mn-ea"/>
-        <a:cs typeface="+mn-cs"/>
+        <a:cs typeface="Arial" charset="0"/>
       </a:defRPr>
     </a:lvl8pPr>
     <a:lvl9pPr marL="3657600" algn="l" defTabSz="914400" rtl="0" eaLnBrk="1" latinLnBrk="0" hangingPunct="1">
-      <a:defRPr sz="1800" kern="1200">
+      <a:defRPr kern="1200">
         <a:solidFill>
           <a:schemeClr val="tx1"/>
         </a:solidFill>
-        <a:latin typeface="+mn-lt"/>
+        <a:latin typeface="Arial" charset="0"/>
         <a:ea typeface="+mn-ea"/>
-        <a:cs typeface="+mn-cs"/>
+        <a:cs typeface="Arial" charset="0"/>
       </a:defRPr>
     </a:lvl9pPr>
   </p:defaultTextStyle>
@@ -3628,36 +3658,36 @@
     </dgm:pt>
   </dgm:ptLst>
   <dgm:cxnLst>
-    <dgm:cxn modelId="{0D8C35BB-9710-4E3A-B55F-4EC6C6A255FB}" type="presOf" srcId="{15978CC3-AC39-4B1A-97B9-0470994C654F}" destId="{C7F2A48B-BED9-44C5-AC52-84D0A7F96090}" srcOrd="0" destOrd="1" presId="urn:microsoft.com/office/officeart/2005/8/layout/vList5"/>
-    <dgm:cxn modelId="{D85E2727-3050-4166-AE02-58A7AAD5B3FA}" type="presOf" srcId="{9781EB4F-83C8-4C2C-951E-231E97CAB0A5}" destId="{C01FA01D-3A1D-4BFF-AAA6-58C4DB43BD32}" srcOrd="0" destOrd="1" presId="urn:microsoft.com/office/officeart/2005/8/layout/vList5"/>
+    <dgm:cxn modelId="{823F3264-4947-452A-BDD9-8AD7D2E8F266}" type="presOf" srcId="{1483939A-FEFF-4E31-B6FE-136659321441}" destId="{C01FA01D-3A1D-4BFF-AAA6-58C4DB43BD32}" srcOrd="0" destOrd="0" presId="urn:microsoft.com/office/officeart/2005/8/layout/vList5"/>
     <dgm:cxn modelId="{5C5D0DD3-CFCB-4B06-A16E-E41EE4681E93}" srcId="{C838CE90-635F-45F0-8FA5-3C9A73CC0B3B}" destId="{9781EB4F-83C8-4C2C-951E-231E97CAB0A5}" srcOrd="1" destOrd="0" parTransId="{18D2F691-65AF-47DF-9A5C-BDE2DCE6684F}" sibTransId="{33048334-8599-4E9C-A401-C118E19490B0}"/>
     <dgm:cxn modelId="{7A072136-C911-4813-ACF1-0A262177CA95}" srcId="{7466B57F-405E-4190-9A69-68FD39D3BAF4}" destId="{95A806F0-5CB5-485B-952F-B541FC8FF554}" srcOrd="2" destOrd="0" parTransId="{17CF5E13-98A4-4B9E-9344-4B7B740BF032}" sibTransId="{F6E4B5C9-63BF-44EC-B8BA-C5E09B9DB4FC}"/>
-    <dgm:cxn modelId="{62D73C4C-C196-477E-B02A-6027507F6591}" type="presOf" srcId="{61ABD4DE-CA92-42F9-BE10-6ED8A15C1ED5}" destId="{1840B11D-C610-4CB3-9F98-51EC76399694}" srcOrd="0" destOrd="0" presId="urn:microsoft.com/office/officeart/2005/8/layout/vList5"/>
-    <dgm:cxn modelId="{0608A034-1580-4E57-8538-2A783A367FA5}" type="presOf" srcId="{A5A2D184-96A1-48FA-A4F8-E4C66852E6B3}" destId="{8223147D-F4D4-4C8A-9D6B-DC45EBFC0377}" srcOrd="0" destOrd="0" presId="urn:microsoft.com/office/officeart/2005/8/layout/vList5"/>
     <dgm:cxn modelId="{D5F7F2BC-500F-4B35-810A-28722B98F773}" srcId="{95A806F0-5CB5-485B-952F-B541FC8FF554}" destId="{6B96E390-3BBD-416B-AB08-850915289A69}" srcOrd="1" destOrd="0" parTransId="{84D1C929-E165-40D3-B69C-DB7EF4A755DE}" sibTransId="{1251A477-DF29-47C3-BA88-51ECDCB7E4C3}"/>
-    <dgm:cxn modelId="{11C6FFB7-08A4-4B05-BE3D-75C372F8BF73}" type="presOf" srcId="{95A806F0-5CB5-485B-952F-B541FC8FF554}" destId="{5B08EB7D-589F-444A-8B04-10DB7B5149ED}" srcOrd="0" destOrd="0" presId="urn:microsoft.com/office/officeart/2005/8/layout/vList5"/>
+    <dgm:cxn modelId="{AEBA9588-E3FE-421A-B6A8-D0EBE59DA0F4}" type="presOf" srcId="{15978CC3-AC39-4B1A-97B9-0470994C654F}" destId="{C7F2A48B-BED9-44C5-AC52-84D0A7F96090}" srcOrd="0" destOrd="1" presId="urn:microsoft.com/office/officeart/2005/8/layout/vList5"/>
+    <dgm:cxn modelId="{D9471B74-A7ED-44D2-B099-64045D71D998}" type="presOf" srcId="{9781EB4F-83C8-4C2C-951E-231E97CAB0A5}" destId="{C01FA01D-3A1D-4BFF-AAA6-58C4DB43BD32}" srcOrd="0" destOrd="1" presId="urn:microsoft.com/office/officeart/2005/8/layout/vList5"/>
+    <dgm:cxn modelId="{E3673CC6-496E-4C1F-86F7-EB8B4FBF168A}" srcId="{61ABD4DE-CA92-42F9-BE10-6ED8A15C1ED5}" destId="{15978CC3-AC39-4B1A-97B9-0470994C654F}" srcOrd="1" destOrd="0" parTransId="{8E05F1DC-DF01-411A-B537-10A320F325F1}" sibTransId="{743539D0-B0E2-491C-B1BF-46C37AA469B7}"/>
     <dgm:cxn modelId="{8064E302-2E9A-49B4-92DF-5EADFEA7982B}" srcId="{95A806F0-5CB5-485B-952F-B541FC8FF554}" destId="{A5A2D184-96A1-48FA-A4F8-E4C66852E6B3}" srcOrd="0" destOrd="0" parTransId="{C8A63064-A403-4C6D-9C95-8FD7E0D1D50C}" sibTransId="{AC28CAFC-D015-4D76-BC78-16D23444A33B}"/>
-    <dgm:cxn modelId="{E3673CC6-496E-4C1F-86F7-EB8B4FBF168A}" srcId="{61ABD4DE-CA92-42F9-BE10-6ED8A15C1ED5}" destId="{15978CC3-AC39-4B1A-97B9-0470994C654F}" srcOrd="1" destOrd="0" parTransId="{8E05F1DC-DF01-411A-B537-10A320F325F1}" sibTransId="{743539D0-B0E2-491C-B1BF-46C37AA469B7}"/>
-    <dgm:cxn modelId="{A88D801D-034A-4823-8E8E-AEDEE5CAADDA}" type="presOf" srcId="{C838CE90-635F-45F0-8FA5-3C9A73CC0B3B}" destId="{DFEA350E-00CC-49CD-A96F-08393F5A94AE}" srcOrd="0" destOrd="0" presId="urn:microsoft.com/office/officeart/2005/8/layout/vList5"/>
-    <dgm:cxn modelId="{2833A982-7918-4129-9872-F471A6FBD02D}" type="presOf" srcId="{7466B57F-405E-4190-9A69-68FD39D3BAF4}" destId="{407C3A8E-EAA9-434E-AE55-98C36EDD55FE}" srcOrd="0" destOrd="0" presId="urn:microsoft.com/office/officeart/2005/8/layout/vList5"/>
+    <dgm:cxn modelId="{EBCFD3D8-2AD8-4DCE-BECD-7E8D64039FD9}" type="presOf" srcId="{93E70391-06A7-47F2-ACA6-69BD182762CF}" destId="{C7F2A48B-BED9-44C5-AC52-84D0A7F96090}" srcOrd="0" destOrd="0" presId="urn:microsoft.com/office/officeart/2005/8/layout/vList5"/>
     <dgm:cxn modelId="{8F1A40BC-9DD1-4AC4-A52A-6F0419B69E9A}" srcId="{7466B57F-405E-4190-9A69-68FD39D3BAF4}" destId="{C838CE90-635F-45F0-8FA5-3C9A73CC0B3B}" srcOrd="0" destOrd="0" parTransId="{C1A5D790-39C2-4804-964C-101E58C2AAB8}" sibTransId="{F52D5D45-474A-4FE9-A854-B7DC32619C5C}"/>
+    <dgm:cxn modelId="{5BE12984-4E37-41DA-9AF5-9814A42F7FA5}" type="presOf" srcId="{7466B57F-405E-4190-9A69-68FD39D3BAF4}" destId="{407C3A8E-EAA9-434E-AE55-98C36EDD55FE}" srcOrd="0" destOrd="0" presId="urn:microsoft.com/office/officeart/2005/8/layout/vList5"/>
+    <dgm:cxn modelId="{3DECDD34-B284-4D8C-97E6-B4FECEE60B7D}" type="presOf" srcId="{6B96E390-3BBD-416B-AB08-850915289A69}" destId="{8223147D-F4D4-4C8A-9D6B-DC45EBFC0377}" srcOrd="0" destOrd="1" presId="urn:microsoft.com/office/officeart/2005/8/layout/vList5"/>
     <dgm:cxn modelId="{FE9995CC-321A-4892-8B3B-AAF2E6548C70}" srcId="{61ABD4DE-CA92-42F9-BE10-6ED8A15C1ED5}" destId="{93E70391-06A7-47F2-ACA6-69BD182762CF}" srcOrd="0" destOrd="0" parTransId="{A76EE32C-F8CB-4ACC-A707-B8687E4A9C10}" sibTransId="{6F426578-9775-4671-96F0-1BC1DCA1A793}"/>
-    <dgm:cxn modelId="{D3DF980F-2071-4CF0-ADA5-0B3E658FFE20}" type="presOf" srcId="{6B96E390-3BBD-416B-AB08-850915289A69}" destId="{8223147D-F4D4-4C8A-9D6B-DC45EBFC0377}" srcOrd="0" destOrd="1" presId="urn:microsoft.com/office/officeart/2005/8/layout/vList5"/>
+    <dgm:cxn modelId="{062E388E-D12D-4A80-ABE7-FE6916DD1A0B}" type="presOf" srcId="{61ABD4DE-CA92-42F9-BE10-6ED8A15C1ED5}" destId="{1840B11D-C610-4CB3-9F98-51EC76399694}" srcOrd="0" destOrd="0" presId="urn:microsoft.com/office/officeart/2005/8/layout/vList5"/>
     <dgm:cxn modelId="{A1EF8020-5F88-46C3-8C33-6E8EDFE9F671}" srcId="{7466B57F-405E-4190-9A69-68FD39D3BAF4}" destId="{61ABD4DE-CA92-42F9-BE10-6ED8A15C1ED5}" srcOrd="1" destOrd="0" parTransId="{EC437AB4-D64B-4555-BA76-86A77464EC1E}" sibTransId="{B75F894E-B82D-43EC-A56C-B802971BCDA9}"/>
-    <dgm:cxn modelId="{C976D168-C104-4F6C-9574-E9621F5FC6E3}" type="presOf" srcId="{93E70391-06A7-47F2-ACA6-69BD182762CF}" destId="{C7F2A48B-BED9-44C5-AC52-84D0A7F96090}" srcOrd="0" destOrd="0" presId="urn:microsoft.com/office/officeart/2005/8/layout/vList5"/>
-    <dgm:cxn modelId="{8A55220E-F7D3-4CD1-855B-B6A3E003E463}" type="presOf" srcId="{1483939A-FEFF-4E31-B6FE-136659321441}" destId="{C01FA01D-3A1D-4BFF-AAA6-58C4DB43BD32}" srcOrd="0" destOrd="0" presId="urn:microsoft.com/office/officeart/2005/8/layout/vList5"/>
     <dgm:cxn modelId="{8B254B04-889C-4042-AB01-2A95EF699A95}" srcId="{C838CE90-635F-45F0-8FA5-3C9A73CC0B3B}" destId="{1483939A-FEFF-4E31-B6FE-136659321441}" srcOrd="0" destOrd="0" parTransId="{F8EE70B6-5E81-489B-837F-AB983914281C}" sibTransId="{E45AAFDA-E077-4733-BD7B-E4F5602A2A48}"/>
-    <dgm:cxn modelId="{FE5BAA60-F892-4E43-89E9-8EEF2D180D97}" type="presParOf" srcId="{407C3A8E-EAA9-434E-AE55-98C36EDD55FE}" destId="{104A215C-5570-42DC-98A3-660B0024EEBB}" srcOrd="0" destOrd="0" presId="urn:microsoft.com/office/officeart/2005/8/layout/vList5"/>
-    <dgm:cxn modelId="{99A7995A-2640-4ADF-A499-5673567787CF}" type="presParOf" srcId="{104A215C-5570-42DC-98A3-660B0024EEBB}" destId="{DFEA350E-00CC-49CD-A96F-08393F5A94AE}" srcOrd="0" destOrd="0" presId="urn:microsoft.com/office/officeart/2005/8/layout/vList5"/>
-    <dgm:cxn modelId="{419B0483-7DAC-41AB-8C3B-539C8AEFD88E}" type="presParOf" srcId="{104A215C-5570-42DC-98A3-660B0024EEBB}" destId="{C01FA01D-3A1D-4BFF-AAA6-58C4DB43BD32}" srcOrd="1" destOrd="0" presId="urn:microsoft.com/office/officeart/2005/8/layout/vList5"/>
-    <dgm:cxn modelId="{24C2F2E4-DE1F-4555-B5CD-70D512DB614D}" type="presParOf" srcId="{407C3A8E-EAA9-434E-AE55-98C36EDD55FE}" destId="{6E31B4D0-419C-4903-8186-04A8CC280C39}" srcOrd="1" destOrd="0" presId="urn:microsoft.com/office/officeart/2005/8/layout/vList5"/>
-    <dgm:cxn modelId="{006ED336-811F-41FF-B80B-9338E97012AC}" type="presParOf" srcId="{407C3A8E-EAA9-434E-AE55-98C36EDD55FE}" destId="{809DCC80-6DA6-4F79-9BB9-662DA971E9BA}" srcOrd="2" destOrd="0" presId="urn:microsoft.com/office/officeart/2005/8/layout/vList5"/>
-    <dgm:cxn modelId="{66BF2472-2D75-45D0-915B-174D0A531F11}" type="presParOf" srcId="{809DCC80-6DA6-4F79-9BB9-662DA971E9BA}" destId="{1840B11D-C610-4CB3-9F98-51EC76399694}" srcOrd="0" destOrd="0" presId="urn:microsoft.com/office/officeart/2005/8/layout/vList5"/>
-    <dgm:cxn modelId="{E7F5370E-219C-4A76-B59B-6E3290B9F1E9}" type="presParOf" srcId="{809DCC80-6DA6-4F79-9BB9-662DA971E9BA}" destId="{C7F2A48B-BED9-44C5-AC52-84D0A7F96090}" srcOrd="1" destOrd="0" presId="urn:microsoft.com/office/officeart/2005/8/layout/vList5"/>
-    <dgm:cxn modelId="{E8AB1F2D-7CF5-4A92-AF25-7278B825677F}" type="presParOf" srcId="{407C3A8E-EAA9-434E-AE55-98C36EDD55FE}" destId="{617FFCE3-173F-4C21-A7E6-8415A978683A}" srcOrd="3" destOrd="0" presId="urn:microsoft.com/office/officeart/2005/8/layout/vList5"/>
-    <dgm:cxn modelId="{21093116-F26F-4930-90CF-2D12B12A25B4}" type="presParOf" srcId="{407C3A8E-EAA9-434E-AE55-98C36EDD55FE}" destId="{3A288637-440B-45F8-B83E-DE58E743C2A8}" srcOrd="4" destOrd="0" presId="urn:microsoft.com/office/officeart/2005/8/layout/vList5"/>
-    <dgm:cxn modelId="{5DDDF417-34B4-480F-BD40-AB7A7374028E}" type="presParOf" srcId="{3A288637-440B-45F8-B83E-DE58E743C2A8}" destId="{5B08EB7D-589F-444A-8B04-10DB7B5149ED}" srcOrd="0" destOrd="0" presId="urn:microsoft.com/office/officeart/2005/8/layout/vList5"/>
-    <dgm:cxn modelId="{1EA97A05-EF6E-4EAF-B289-A27A55E32996}" type="presParOf" srcId="{3A288637-440B-45F8-B83E-DE58E743C2A8}" destId="{8223147D-F4D4-4C8A-9D6B-DC45EBFC0377}" srcOrd="1" destOrd="0" presId="urn:microsoft.com/office/officeart/2005/8/layout/vList5"/>
+    <dgm:cxn modelId="{FA9CF36A-77B1-422B-B3E5-1287A04E7E40}" type="presOf" srcId="{A5A2D184-96A1-48FA-A4F8-E4C66852E6B3}" destId="{8223147D-F4D4-4C8A-9D6B-DC45EBFC0377}" srcOrd="0" destOrd="0" presId="urn:microsoft.com/office/officeart/2005/8/layout/vList5"/>
+    <dgm:cxn modelId="{B8B89314-BC1D-42B8-9507-91A54364A625}" type="presOf" srcId="{C838CE90-635F-45F0-8FA5-3C9A73CC0B3B}" destId="{DFEA350E-00CC-49CD-A96F-08393F5A94AE}" srcOrd="0" destOrd="0" presId="urn:microsoft.com/office/officeart/2005/8/layout/vList5"/>
+    <dgm:cxn modelId="{276574D0-B18B-41A3-884B-605A1A63474A}" type="presOf" srcId="{95A806F0-5CB5-485B-952F-B541FC8FF554}" destId="{5B08EB7D-589F-444A-8B04-10DB7B5149ED}" srcOrd="0" destOrd="0" presId="urn:microsoft.com/office/officeart/2005/8/layout/vList5"/>
+    <dgm:cxn modelId="{12937841-BD8C-4AD3-84B4-AFC0D1A70160}" type="presParOf" srcId="{407C3A8E-EAA9-434E-AE55-98C36EDD55FE}" destId="{104A215C-5570-42DC-98A3-660B0024EEBB}" srcOrd="0" destOrd="0" presId="urn:microsoft.com/office/officeart/2005/8/layout/vList5"/>
+    <dgm:cxn modelId="{76D90D37-017A-4F6F-AB7E-F6069FD4F142}" type="presParOf" srcId="{104A215C-5570-42DC-98A3-660B0024EEBB}" destId="{DFEA350E-00CC-49CD-A96F-08393F5A94AE}" srcOrd="0" destOrd="0" presId="urn:microsoft.com/office/officeart/2005/8/layout/vList5"/>
+    <dgm:cxn modelId="{9CFF899C-82E1-4AFE-8CC1-17D6CBA088AA}" type="presParOf" srcId="{104A215C-5570-42DC-98A3-660B0024EEBB}" destId="{C01FA01D-3A1D-4BFF-AAA6-58C4DB43BD32}" srcOrd="1" destOrd="0" presId="urn:microsoft.com/office/officeart/2005/8/layout/vList5"/>
+    <dgm:cxn modelId="{CD10F19E-1D9D-48C7-BA89-16039C2833AD}" type="presParOf" srcId="{407C3A8E-EAA9-434E-AE55-98C36EDD55FE}" destId="{6E31B4D0-419C-4903-8186-04A8CC280C39}" srcOrd="1" destOrd="0" presId="urn:microsoft.com/office/officeart/2005/8/layout/vList5"/>
+    <dgm:cxn modelId="{EB5DEF83-C071-4737-A8D7-ACE2F9E5F4AB}" type="presParOf" srcId="{407C3A8E-EAA9-434E-AE55-98C36EDD55FE}" destId="{809DCC80-6DA6-4F79-9BB9-662DA971E9BA}" srcOrd="2" destOrd="0" presId="urn:microsoft.com/office/officeart/2005/8/layout/vList5"/>
+    <dgm:cxn modelId="{FAB99D32-5A98-4BB1-8E43-0FEFF475C6E2}" type="presParOf" srcId="{809DCC80-6DA6-4F79-9BB9-662DA971E9BA}" destId="{1840B11D-C610-4CB3-9F98-51EC76399694}" srcOrd="0" destOrd="0" presId="urn:microsoft.com/office/officeart/2005/8/layout/vList5"/>
+    <dgm:cxn modelId="{1CCA1327-0613-48BF-92F2-3147251D1B60}" type="presParOf" srcId="{809DCC80-6DA6-4F79-9BB9-662DA971E9BA}" destId="{C7F2A48B-BED9-44C5-AC52-84D0A7F96090}" srcOrd="1" destOrd="0" presId="urn:microsoft.com/office/officeart/2005/8/layout/vList5"/>
+    <dgm:cxn modelId="{C77DEB2B-C058-47C8-BB09-ED87A0510D1F}" type="presParOf" srcId="{407C3A8E-EAA9-434E-AE55-98C36EDD55FE}" destId="{617FFCE3-173F-4C21-A7E6-8415A978683A}" srcOrd="3" destOrd="0" presId="urn:microsoft.com/office/officeart/2005/8/layout/vList5"/>
+    <dgm:cxn modelId="{CE7F05FF-9EF2-4524-A7E7-4A146C9714DA}" type="presParOf" srcId="{407C3A8E-EAA9-434E-AE55-98C36EDD55FE}" destId="{3A288637-440B-45F8-B83E-DE58E743C2A8}" srcOrd="4" destOrd="0" presId="urn:microsoft.com/office/officeart/2005/8/layout/vList5"/>
+    <dgm:cxn modelId="{6BDDD899-A953-49BD-BA49-C0007FAA4127}" type="presParOf" srcId="{3A288637-440B-45F8-B83E-DE58E743C2A8}" destId="{5B08EB7D-589F-444A-8B04-10DB7B5149ED}" srcOrd="0" destOrd="0" presId="urn:microsoft.com/office/officeart/2005/8/layout/vList5"/>
+    <dgm:cxn modelId="{AB150CB2-F102-46DA-91AF-D615D81E44F9}" type="presParOf" srcId="{3A288637-440B-45F8-B83E-DE58E743C2A8}" destId="{8223147D-F4D4-4C8A-9D6B-DC45EBFC0377}" srcOrd="1" destOrd="0" presId="urn:microsoft.com/office/officeart/2005/8/layout/vList5"/>
   </dgm:cxnLst>
   <dgm:bg/>
   <dgm:whole/>
@@ -4062,32 +4092,32 @@
     </dgm:pt>
   </dgm:ptLst>
   <dgm:cxnLst>
-    <dgm:cxn modelId="{6496EB34-3A15-4D68-9811-B5F240F281AA}" type="presOf" srcId="{2C91F8FA-E2AD-4FF2-A1A2-B95A9BE94EA0}" destId="{8B0048E2-2923-4A06-8D1C-635DCCCF7D5E}" srcOrd="0" destOrd="0" presId="urn:microsoft.com/office/officeart/2005/8/layout/chevron2"/>
     <dgm:cxn modelId="{96A07A7D-B70B-470F-95B0-0D9D005B8B0C}" srcId="{2C91F8FA-E2AD-4FF2-A1A2-B95A9BE94EA0}" destId="{587E0AB2-F884-4033-8FA0-42964835754B}" srcOrd="1" destOrd="0" parTransId="{60042E69-F4F3-403B-A331-4F01B797E4CE}" sibTransId="{D3A64ADB-FE20-4787-BD49-AAD4FC89CE41}"/>
-    <dgm:cxn modelId="{C039461F-AD31-43A1-AF54-7288476EE51A}" type="presOf" srcId="{161BCDB9-A3B2-4662-8D52-A0F8D5C4BB61}" destId="{BA912AD7-480D-4CFA-910E-D2EB80BB2D9F}" srcOrd="0" destOrd="0" presId="urn:microsoft.com/office/officeart/2005/8/layout/chevron2"/>
-    <dgm:cxn modelId="{94686877-65BB-49C8-8B41-C024878583DE}" type="presOf" srcId="{9395F9CE-6B4E-498B-9EC4-754D1DDC02A7}" destId="{1E93AFC4-F8AA-4022-AFF9-95B183B75DAE}" srcOrd="0" destOrd="0" presId="urn:microsoft.com/office/officeart/2005/8/layout/chevron2"/>
+    <dgm:cxn modelId="{35EDD4F0-05E9-4F93-87EF-0559E709688F}" type="presOf" srcId="{9395F9CE-6B4E-498B-9EC4-754D1DDC02A7}" destId="{1E93AFC4-F8AA-4022-AFF9-95B183B75DAE}" srcOrd="0" destOrd="0" presId="urn:microsoft.com/office/officeart/2005/8/layout/chevron2"/>
+    <dgm:cxn modelId="{78F74A45-E4F0-47BB-95F8-516056F68323}" type="presOf" srcId="{2C91F8FA-E2AD-4FF2-A1A2-B95A9BE94EA0}" destId="{8B0048E2-2923-4A06-8D1C-635DCCCF7D5E}" srcOrd="0" destOrd="0" presId="urn:microsoft.com/office/officeart/2005/8/layout/chevron2"/>
+    <dgm:cxn modelId="{372A987C-2873-4FCB-932B-1A59BCD04318}" type="presOf" srcId="{56E53BA8-6DD3-43C4-B4C1-70784362AE0F}" destId="{2435C460-4D73-46C7-8BCC-ED3165BBFC05}" srcOrd="0" destOrd="0" presId="urn:microsoft.com/office/officeart/2005/8/layout/chevron2"/>
     <dgm:cxn modelId="{63B2A542-E7F0-4AC0-B09A-CDEF71E84806}" srcId="{8A95D96A-1210-4330-B56C-A5C1E4F5D00D}" destId="{9395F9CE-6B4E-498B-9EC4-754D1DDC02A7}" srcOrd="0" destOrd="0" parTransId="{3ACF3066-D46F-4A73-9026-20FC7593EFA3}" sibTransId="{0D817B85-E949-4E64-A3C4-3A4C2976F1F4}"/>
     <dgm:cxn modelId="{C147586B-6C68-4BD5-B8D9-3740C4B64A16}" srcId="{161BCDB9-A3B2-4662-8D52-A0F8D5C4BB61}" destId="{2C91F8FA-E2AD-4FF2-A1A2-B95A9BE94EA0}" srcOrd="1" destOrd="0" parTransId="{FEFB92A1-D56F-4261-B7F6-D5DE7D5B36ED}" sibTransId="{C16D2F78-AC99-416B-AF0D-52AE34FF9A8D}"/>
+    <dgm:cxn modelId="{99091D97-700D-49E9-8F8A-8A1915D93B74}" type="presOf" srcId="{B6FB98C5-B9B7-4C64-8004-A6E983950030}" destId="{E8E3384C-9753-4763-946B-B5D79BE93250}" srcOrd="0" destOrd="0" presId="urn:microsoft.com/office/officeart/2005/8/layout/chevron2"/>
     <dgm:cxn modelId="{DB43E2E0-A9F6-4C8F-82A4-7838DB936479}" srcId="{161BCDB9-A3B2-4662-8D52-A0F8D5C4BB61}" destId="{AF6A27DC-2876-4B54-B53C-C16AC8FCC972}" srcOrd="2" destOrd="0" parTransId="{9A68909E-DF3D-4BBF-8AC4-B38ADFBA4FC6}" sibTransId="{2DBEA16D-D8E6-4AC2-B201-B6D1E03BAE60}"/>
-    <dgm:cxn modelId="{E718F785-9C60-4A1C-A157-49D2CF17A3AE}" type="presOf" srcId="{56E53BA8-6DD3-43C4-B4C1-70784362AE0F}" destId="{2435C460-4D73-46C7-8BCC-ED3165BBFC05}" srcOrd="0" destOrd="0" presId="urn:microsoft.com/office/officeart/2005/8/layout/chevron2"/>
+    <dgm:cxn modelId="{FC9920B0-7CB7-4641-9E58-22BF1F799287}" type="presOf" srcId="{587E0AB2-F884-4033-8FA0-42964835754B}" destId="{E8E3384C-9753-4763-946B-B5D79BE93250}" srcOrd="0" destOrd="1" presId="urn:microsoft.com/office/officeart/2005/8/layout/chevron2"/>
     <dgm:cxn modelId="{704DB33D-35BB-4FF2-B118-3E323BC7AC86}" srcId="{2C91F8FA-E2AD-4FF2-A1A2-B95A9BE94EA0}" destId="{B6FB98C5-B9B7-4C64-8004-A6E983950030}" srcOrd="0" destOrd="0" parTransId="{8C2DEA58-6003-4916-AEEB-36D574235A88}" sibTransId="{3CA72D70-6A42-4EF1-A833-F6EDFC87ABF0}"/>
-    <dgm:cxn modelId="{77F92F08-AE57-43FC-9846-17C0D9982D8F}" type="presOf" srcId="{8A95D96A-1210-4330-B56C-A5C1E4F5D00D}" destId="{BF9FEF60-89E4-4FFF-9145-470381F4BC30}" srcOrd="0" destOrd="0" presId="urn:microsoft.com/office/officeart/2005/8/layout/chevron2"/>
     <dgm:cxn modelId="{6E31405D-E17D-4DAD-BC13-055B88D65947}" srcId="{161BCDB9-A3B2-4662-8D52-A0F8D5C4BB61}" destId="{8A95D96A-1210-4330-B56C-A5C1E4F5D00D}" srcOrd="0" destOrd="0" parTransId="{84FC9F18-53BA-461C-8C8D-CFA809E96E12}" sibTransId="{EEE2A707-9AB5-4F42-94DE-97B5D826DDC0}"/>
-    <dgm:cxn modelId="{D73037F0-1C03-4805-9E12-50774C5EA574}" type="presOf" srcId="{587E0AB2-F884-4033-8FA0-42964835754B}" destId="{E8E3384C-9753-4763-946B-B5D79BE93250}" srcOrd="0" destOrd="1" presId="urn:microsoft.com/office/officeart/2005/8/layout/chevron2"/>
-    <dgm:cxn modelId="{E92B0415-9F31-48BC-8264-8DEE102C287D}" type="presOf" srcId="{B6FB98C5-B9B7-4C64-8004-A6E983950030}" destId="{E8E3384C-9753-4763-946B-B5D79BE93250}" srcOrd="0" destOrd="0" presId="urn:microsoft.com/office/officeart/2005/8/layout/chevron2"/>
-    <dgm:cxn modelId="{B8298340-6BA1-4958-8BC5-65D8244D72A6}" type="presOf" srcId="{AF6A27DC-2876-4B54-B53C-C16AC8FCC972}" destId="{C83D893C-8722-4A9E-B7A8-719D4D17F8F2}" srcOrd="0" destOrd="0" presId="urn:microsoft.com/office/officeart/2005/8/layout/chevron2"/>
+    <dgm:cxn modelId="{DE6FE00B-EE8C-440C-8539-EFBD2D3FBC89}" type="presOf" srcId="{161BCDB9-A3B2-4662-8D52-A0F8D5C4BB61}" destId="{BA912AD7-480D-4CFA-910E-D2EB80BB2D9F}" srcOrd="0" destOrd="0" presId="urn:microsoft.com/office/officeart/2005/8/layout/chevron2"/>
+    <dgm:cxn modelId="{0322C368-B2A4-4E57-8F95-4ACF39105DD9}" type="presOf" srcId="{AF6A27DC-2876-4B54-B53C-C16AC8FCC972}" destId="{C83D893C-8722-4A9E-B7A8-719D4D17F8F2}" srcOrd="0" destOrd="0" presId="urn:microsoft.com/office/officeart/2005/8/layout/chevron2"/>
+    <dgm:cxn modelId="{0CC3CA32-23FF-4BB9-88E9-A87B2AB39896}" type="presOf" srcId="{8A95D96A-1210-4330-B56C-A5C1E4F5D00D}" destId="{BF9FEF60-89E4-4FFF-9145-470381F4BC30}" srcOrd="0" destOrd="0" presId="urn:microsoft.com/office/officeart/2005/8/layout/chevron2"/>
     <dgm:cxn modelId="{6B6900BE-0390-4E31-8354-1AE75B807B4C}" srcId="{AF6A27DC-2876-4B54-B53C-C16AC8FCC972}" destId="{56E53BA8-6DD3-43C4-B4C1-70784362AE0F}" srcOrd="0" destOrd="0" parTransId="{7355BFAB-A8E5-4024-B602-C649F39D12A7}" sibTransId="{99C995A7-AAFE-423D-BE8D-820751DB0B3F}"/>
-    <dgm:cxn modelId="{CA25A0CD-8D82-4253-BF0B-4C645C8CF12C}" type="presParOf" srcId="{BA912AD7-480D-4CFA-910E-D2EB80BB2D9F}" destId="{434F12B1-C90A-429A-B277-1E0D4822D46E}" srcOrd="0" destOrd="0" presId="urn:microsoft.com/office/officeart/2005/8/layout/chevron2"/>
-    <dgm:cxn modelId="{A90946D4-5D66-45A5-B972-770D81B066E3}" type="presParOf" srcId="{434F12B1-C90A-429A-B277-1E0D4822D46E}" destId="{BF9FEF60-89E4-4FFF-9145-470381F4BC30}" srcOrd="0" destOrd="0" presId="urn:microsoft.com/office/officeart/2005/8/layout/chevron2"/>
-    <dgm:cxn modelId="{6C546BFE-65C5-4EFB-BBD8-9FE09CF89E74}" type="presParOf" srcId="{434F12B1-C90A-429A-B277-1E0D4822D46E}" destId="{1E93AFC4-F8AA-4022-AFF9-95B183B75DAE}" srcOrd="1" destOrd="0" presId="urn:microsoft.com/office/officeart/2005/8/layout/chevron2"/>
-    <dgm:cxn modelId="{99604998-ED86-4278-A4CF-25B6EAFB8A04}" type="presParOf" srcId="{BA912AD7-480D-4CFA-910E-D2EB80BB2D9F}" destId="{BDBBBDBB-E347-4414-9C91-031397397C45}" srcOrd="1" destOrd="0" presId="urn:microsoft.com/office/officeart/2005/8/layout/chevron2"/>
-    <dgm:cxn modelId="{BA8AFD05-F18B-45C3-8037-379C164C154B}" type="presParOf" srcId="{BA912AD7-480D-4CFA-910E-D2EB80BB2D9F}" destId="{DD1D9A5C-77DD-4BC8-935A-C4CC55E12B6A}" srcOrd="2" destOrd="0" presId="urn:microsoft.com/office/officeart/2005/8/layout/chevron2"/>
-    <dgm:cxn modelId="{7ECA07E1-C5E0-4E5E-8AB3-08178DCDC110}" type="presParOf" srcId="{DD1D9A5C-77DD-4BC8-935A-C4CC55E12B6A}" destId="{8B0048E2-2923-4A06-8D1C-635DCCCF7D5E}" srcOrd="0" destOrd="0" presId="urn:microsoft.com/office/officeart/2005/8/layout/chevron2"/>
-    <dgm:cxn modelId="{D249222C-39D3-430E-897B-2711100D9B8D}" type="presParOf" srcId="{DD1D9A5C-77DD-4BC8-935A-C4CC55E12B6A}" destId="{E8E3384C-9753-4763-946B-B5D79BE93250}" srcOrd="1" destOrd="0" presId="urn:microsoft.com/office/officeart/2005/8/layout/chevron2"/>
-    <dgm:cxn modelId="{1F8556C4-F354-44E4-9CFA-E9FDA4463C56}" type="presParOf" srcId="{BA912AD7-480D-4CFA-910E-D2EB80BB2D9F}" destId="{059CB578-23D3-4907-8D3A-D56167F6FE87}" srcOrd="3" destOrd="0" presId="urn:microsoft.com/office/officeart/2005/8/layout/chevron2"/>
-    <dgm:cxn modelId="{63C16377-87E2-47ED-A52A-90320A728692}" type="presParOf" srcId="{BA912AD7-480D-4CFA-910E-D2EB80BB2D9F}" destId="{DCCF0A62-FDEB-46E8-97B3-3F8DD3FF3767}" srcOrd="4" destOrd="0" presId="urn:microsoft.com/office/officeart/2005/8/layout/chevron2"/>
-    <dgm:cxn modelId="{5A0AF19C-FD1C-4B87-8A4C-4870DAD775E8}" type="presParOf" srcId="{DCCF0A62-FDEB-46E8-97B3-3F8DD3FF3767}" destId="{C83D893C-8722-4A9E-B7A8-719D4D17F8F2}" srcOrd="0" destOrd="0" presId="urn:microsoft.com/office/officeart/2005/8/layout/chevron2"/>
-    <dgm:cxn modelId="{6F53F24E-3BEB-4751-ACD3-37F23E3E7161}" type="presParOf" srcId="{DCCF0A62-FDEB-46E8-97B3-3F8DD3FF3767}" destId="{2435C460-4D73-46C7-8BCC-ED3165BBFC05}" srcOrd="1" destOrd="0" presId="urn:microsoft.com/office/officeart/2005/8/layout/chevron2"/>
+    <dgm:cxn modelId="{8A8FC5EF-D23E-4853-857D-6C8732A82127}" type="presParOf" srcId="{BA912AD7-480D-4CFA-910E-D2EB80BB2D9F}" destId="{434F12B1-C90A-429A-B277-1E0D4822D46E}" srcOrd="0" destOrd="0" presId="urn:microsoft.com/office/officeart/2005/8/layout/chevron2"/>
+    <dgm:cxn modelId="{9FF4629D-A278-4319-B07B-D54CBB047F12}" type="presParOf" srcId="{434F12B1-C90A-429A-B277-1E0D4822D46E}" destId="{BF9FEF60-89E4-4FFF-9145-470381F4BC30}" srcOrd="0" destOrd="0" presId="urn:microsoft.com/office/officeart/2005/8/layout/chevron2"/>
+    <dgm:cxn modelId="{7672D005-598A-48CE-82E1-01BD89B14E9E}" type="presParOf" srcId="{434F12B1-C90A-429A-B277-1E0D4822D46E}" destId="{1E93AFC4-F8AA-4022-AFF9-95B183B75DAE}" srcOrd="1" destOrd="0" presId="urn:microsoft.com/office/officeart/2005/8/layout/chevron2"/>
+    <dgm:cxn modelId="{E5601109-5CD5-4E75-979D-34B6D87C9FA7}" type="presParOf" srcId="{BA912AD7-480D-4CFA-910E-D2EB80BB2D9F}" destId="{BDBBBDBB-E347-4414-9C91-031397397C45}" srcOrd="1" destOrd="0" presId="urn:microsoft.com/office/officeart/2005/8/layout/chevron2"/>
+    <dgm:cxn modelId="{BB0450A4-4998-46F0-B8CC-C03F5F0463A6}" type="presParOf" srcId="{BA912AD7-480D-4CFA-910E-D2EB80BB2D9F}" destId="{DD1D9A5C-77DD-4BC8-935A-C4CC55E12B6A}" srcOrd="2" destOrd="0" presId="urn:microsoft.com/office/officeart/2005/8/layout/chevron2"/>
+    <dgm:cxn modelId="{CE2996E3-B619-4CD7-B388-6A7D885E24F2}" type="presParOf" srcId="{DD1D9A5C-77DD-4BC8-935A-C4CC55E12B6A}" destId="{8B0048E2-2923-4A06-8D1C-635DCCCF7D5E}" srcOrd="0" destOrd="0" presId="urn:microsoft.com/office/officeart/2005/8/layout/chevron2"/>
+    <dgm:cxn modelId="{28B070F0-5B94-4EAE-AE51-EE5DC81CFE5D}" type="presParOf" srcId="{DD1D9A5C-77DD-4BC8-935A-C4CC55E12B6A}" destId="{E8E3384C-9753-4763-946B-B5D79BE93250}" srcOrd="1" destOrd="0" presId="urn:microsoft.com/office/officeart/2005/8/layout/chevron2"/>
+    <dgm:cxn modelId="{94187B4C-30FB-4AA9-A38F-F7713864D83C}" type="presParOf" srcId="{BA912AD7-480D-4CFA-910E-D2EB80BB2D9F}" destId="{059CB578-23D3-4907-8D3A-D56167F6FE87}" srcOrd="3" destOrd="0" presId="urn:microsoft.com/office/officeart/2005/8/layout/chevron2"/>
+    <dgm:cxn modelId="{B252A2EA-5FB4-493B-AE77-261810A2A069}" type="presParOf" srcId="{BA912AD7-480D-4CFA-910E-D2EB80BB2D9F}" destId="{DCCF0A62-FDEB-46E8-97B3-3F8DD3FF3767}" srcOrd="4" destOrd="0" presId="urn:microsoft.com/office/officeart/2005/8/layout/chevron2"/>
+    <dgm:cxn modelId="{CFCF9B10-FB00-4AE7-ABE1-B4A4B9DAAC5A}" type="presParOf" srcId="{DCCF0A62-FDEB-46E8-97B3-3F8DD3FF3767}" destId="{C83D893C-8722-4A9E-B7A8-719D4D17F8F2}" srcOrd="0" destOrd="0" presId="urn:microsoft.com/office/officeart/2005/8/layout/chevron2"/>
+    <dgm:cxn modelId="{505F520B-B4EB-495E-9649-1A6960323B78}" type="presParOf" srcId="{DCCF0A62-FDEB-46E8-97B3-3F8DD3FF3767}" destId="{2435C460-4D73-46C7-8BCC-ED3165BBFC05}" srcOrd="1" destOrd="0" presId="urn:microsoft.com/office/officeart/2005/8/layout/chevron2"/>
   </dgm:cxnLst>
   <dgm:bg/>
   <dgm:whole/>
@@ -4439,28 +4469,28 @@
     </dgm:pt>
   </dgm:ptLst>
   <dgm:cxnLst>
-    <dgm:cxn modelId="{93873F65-21DA-4E27-BBC8-D364375D4CF8}" type="presOf" srcId="{9807FAC7-FF62-4A30-A15A-D8FD3C494543}" destId="{9C3270B8-505C-4DFD-A3B5-6D55E98CC81C}" srcOrd="0" destOrd="2" presId="urn:microsoft.com/office/officeart/2005/8/layout/chevron2"/>
-    <dgm:cxn modelId="{B2426BEC-E506-4371-A6A6-CF3EF7EF1C87}" type="presOf" srcId="{78BE387E-E645-4A55-BCBD-D5ACD3BA469C}" destId="{89235FE0-1E78-427F-BBDA-54281793B07B}" srcOrd="0" destOrd="0" presId="urn:microsoft.com/office/officeart/2005/8/layout/chevron2"/>
+    <dgm:cxn modelId="{6307C7FF-3FFD-4625-9EB6-1CE6C3500382}" type="presOf" srcId="{78BE387E-E645-4A55-BCBD-D5ACD3BA469C}" destId="{89235FE0-1E78-427F-BBDA-54281793B07B}" srcOrd="0" destOrd="0" presId="urn:microsoft.com/office/officeart/2005/8/layout/chevron2"/>
     <dgm:cxn modelId="{4BEABCB6-DC96-4530-8868-BA671767ABCB}" srcId="{1959D8FF-96E9-4F92-81F6-83408C1C931D}" destId="{9807FAC7-FF62-4A30-A15A-D8FD3C494543}" srcOrd="1" destOrd="0" parTransId="{541E6593-0381-4FE1-B3F7-FC4EB8834F1C}" sibTransId="{691333CA-CB5E-44C0-9E19-C0A1EF5383B0}"/>
-    <dgm:cxn modelId="{742CA787-5D58-40AC-80DD-ED37016E1A32}" type="presOf" srcId="{1959D8FF-96E9-4F92-81F6-83408C1C931D}" destId="{9C3270B8-505C-4DFD-A3B5-6D55E98CC81C}" srcOrd="0" destOrd="0" presId="urn:microsoft.com/office/officeart/2005/8/layout/chevron2"/>
     <dgm:cxn modelId="{19CD398B-F882-405F-ADF5-BDB513778785}" srcId="{1959D8FF-96E9-4F92-81F6-83408C1C931D}" destId="{77A7D588-7278-4F2B-9429-B36ADEA20CB3}" srcOrd="2" destOrd="0" parTransId="{8F87F8B9-326E-4D73-A108-FE5B58C0CC69}" sibTransId="{10A28AC7-3F8A-49C5-AE1F-91307F861ABE}"/>
-    <dgm:cxn modelId="{DB63A066-A48F-4893-9AD9-10D62C4EA9D7}" type="presOf" srcId="{F70112DB-3C80-47F2-B641-9AB0D25F230D}" destId="{43A3AF58-A353-4418-8601-DA6B0EE120D7}" srcOrd="0" destOrd="0" presId="urn:microsoft.com/office/officeart/2005/8/layout/chevron2"/>
-    <dgm:cxn modelId="{2788CA70-987A-4AB8-A31E-049652FAC6B6}" type="presOf" srcId="{B863339E-1F9A-4B2F-BA0B-E25CCF3C7BCB}" destId="{9C3270B8-505C-4DFD-A3B5-6D55E98CC81C}" srcOrd="0" destOrd="1" presId="urn:microsoft.com/office/officeart/2005/8/layout/chevron2"/>
-    <dgm:cxn modelId="{14ECEB59-349F-4250-88B9-EFA5D3C87A53}" type="presOf" srcId="{77A7D588-7278-4F2B-9429-B36ADEA20CB3}" destId="{9C3270B8-505C-4DFD-A3B5-6D55E98CC81C}" srcOrd="0" destOrd="3" presId="urn:microsoft.com/office/officeart/2005/8/layout/chevron2"/>
+    <dgm:cxn modelId="{33341C33-92FD-4D42-82DF-EB66D5EE3C0F}" type="presOf" srcId="{77A7D588-7278-4F2B-9429-B36ADEA20CB3}" destId="{9C3270B8-505C-4DFD-A3B5-6D55E98CC81C}" srcOrd="0" destOrd="3" presId="urn:microsoft.com/office/officeart/2005/8/layout/chevron2"/>
+    <dgm:cxn modelId="{4E3F1186-39AA-428C-AFD4-3ADCB4E9DDF8}" type="presOf" srcId="{68002A07-3A33-4651-B899-F0E322EC4F15}" destId="{EED33C97-2A12-4CAA-93A9-219A231057F2}" srcOrd="0" destOrd="0" presId="urn:microsoft.com/office/officeart/2005/8/layout/chevron2"/>
+    <dgm:cxn modelId="{16F31A8B-D2FB-49B6-8781-894255C01E64}" type="presOf" srcId="{1959D8FF-96E9-4F92-81F6-83408C1C931D}" destId="{9C3270B8-505C-4DFD-A3B5-6D55E98CC81C}" srcOrd="0" destOrd="0" presId="urn:microsoft.com/office/officeart/2005/8/layout/chevron2"/>
+    <dgm:cxn modelId="{408383E3-EBA1-4C9A-B419-7AF044F2879F}" type="presOf" srcId="{F70112DB-3C80-47F2-B641-9AB0D25F230D}" destId="{43A3AF58-A353-4418-8601-DA6B0EE120D7}" srcOrd="0" destOrd="0" presId="urn:microsoft.com/office/officeart/2005/8/layout/chevron2"/>
+    <dgm:cxn modelId="{AD2CEFFE-0454-48ED-AD53-11EE72EDF002}" type="presOf" srcId="{9807FAC7-FF62-4A30-A15A-D8FD3C494543}" destId="{9C3270B8-505C-4DFD-A3B5-6D55E98CC81C}" srcOrd="0" destOrd="2" presId="urn:microsoft.com/office/officeart/2005/8/layout/chevron2"/>
     <dgm:cxn modelId="{82A0CEAD-D942-40C7-974D-6CB9322DC8AB}" srcId="{1959D8FF-96E9-4F92-81F6-83408C1C931D}" destId="{B863339E-1F9A-4B2F-BA0B-E25CCF3C7BCB}" srcOrd="0" destOrd="0" parTransId="{5466396E-C376-4794-B9CC-3E39B67A0F7A}" sibTransId="{D3F293C4-9B14-4562-B5B9-97CEC754DB8D}"/>
+    <dgm:cxn modelId="{6CE89DB0-8C97-4D8E-9F2E-1C67929F67E0}" type="presOf" srcId="{B863339E-1F9A-4B2F-BA0B-E25CCF3C7BCB}" destId="{9C3270B8-505C-4DFD-A3B5-6D55E98CC81C}" srcOrd="0" destOrd="1" presId="urn:microsoft.com/office/officeart/2005/8/layout/chevron2"/>
     <dgm:cxn modelId="{8F384E12-1717-4165-84C8-8AF5FBE62764}" srcId="{916195D0-6D59-4350-8F37-665A2EE9A3F1}" destId="{1959D8FF-96E9-4F92-81F6-83408C1C931D}" srcOrd="0" destOrd="0" parTransId="{3F8A3A4F-D4F3-4E27-BCFE-6F24DD2ACA13}" sibTransId="{0ABC1548-8AEB-4C49-B900-D23096F3A4A3}"/>
-    <dgm:cxn modelId="{BC8F53D6-06F9-4EF8-AD3D-9902948FD5D0}" type="presOf" srcId="{68002A07-3A33-4651-B899-F0E322EC4F15}" destId="{EED33C97-2A12-4CAA-93A9-219A231057F2}" srcOrd="0" destOrd="0" presId="urn:microsoft.com/office/officeart/2005/8/layout/chevron2"/>
+    <dgm:cxn modelId="{DF52A2B3-52F0-414B-8E83-AEB2C09967CC}" srcId="{68002A07-3A33-4651-B899-F0E322EC4F15}" destId="{F70112DB-3C80-47F2-B641-9AB0D25F230D}" srcOrd="1" destOrd="0" parTransId="{E636CA7E-8418-4E51-AFCD-3711FAF6CECC}" sibTransId="{F06F367B-7543-43C9-BADF-96DB11B7ECC3}"/>
     <dgm:cxn modelId="{A43BEB23-290B-4B67-9EAF-5E3F2C70D962}" srcId="{68002A07-3A33-4651-B899-F0E322EC4F15}" destId="{916195D0-6D59-4350-8F37-665A2EE9A3F1}" srcOrd="0" destOrd="0" parTransId="{CB9DC643-0806-4F84-B1D0-68DFF577ACB6}" sibTransId="{FC1AAD59-5D5A-43F1-B5D8-64B12393C05F}"/>
-    <dgm:cxn modelId="{DF52A2B3-52F0-414B-8E83-AEB2C09967CC}" srcId="{68002A07-3A33-4651-B899-F0E322EC4F15}" destId="{F70112DB-3C80-47F2-B641-9AB0D25F230D}" srcOrd="1" destOrd="0" parTransId="{E636CA7E-8418-4E51-AFCD-3711FAF6CECC}" sibTransId="{F06F367B-7543-43C9-BADF-96DB11B7ECC3}"/>
-    <dgm:cxn modelId="{24490C0A-0C3E-4AFD-A50A-C3E5AFBFA4CC}" type="presOf" srcId="{916195D0-6D59-4350-8F37-665A2EE9A3F1}" destId="{90111F89-8FC0-4A76-A6B7-7EC5ED95E4E3}" srcOrd="0" destOrd="0" presId="urn:microsoft.com/office/officeart/2005/8/layout/chevron2"/>
+    <dgm:cxn modelId="{73E77D33-7C67-4843-8773-9204207601F1}" type="presOf" srcId="{916195D0-6D59-4350-8F37-665A2EE9A3F1}" destId="{90111F89-8FC0-4A76-A6B7-7EC5ED95E4E3}" srcOrd="0" destOrd="0" presId="urn:microsoft.com/office/officeart/2005/8/layout/chevron2"/>
     <dgm:cxn modelId="{74924DAF-A1A0-4E61-A83C-2A35F9560B9A}" srcId="{F70112DB-3C80-47F2-B641-9AB0D25F230D}" destId="{78BE387E-E645-4A55-BCBD-D5ACD3BA469C}" srcOrd="0" destOrd="0" parTransId="{0BA8D15F-062B-4993-9F41-DE7C1DE784CB}" sibTransId="{43527FB4-E99B-4D99-ADB6-86E1CB8EC4F1}"/>
-    <dgm:cxn modelId="{97C5D135-FBCA-4B5A-9439-C5B79119D3D0}" type="presParOf" srcId="{EED33C97-2A12-4CAA-93A9-219A231057F2}" destId="{79A8CE15-993B-4259-9454-6FAAE30F55F0}" srcOrd="0" destOrd="0" presId="urn:microsoft.com/office/officeart/2005/8/layout/chevron2"/>
-    <dgm:cxn modelId="{EBBC0131-4658-4CA6-A7F0-7C86F8D69990}" type="presParOf" srcId="{79A8CE15-993B-4259-9454-6FAAE30F55F0}" destId="{90111F89-8FC0-4A76-A6B7-7EC5ED95E4E3}" srcOrd="0" destOrd="0" presId="urn:microsoft.com/office/officeart/2005/8/layout/chevron2"/>
-    <dgm:cxn modelId="{F5618897-8394-4638-8BB8-428BB704F81C}" type="presParOf" srcId="{79A8CE15-993B-4259-9454-6FAAE30F55F0}" destId="{9C3270B8-505C-4DFD-A3B5-6D55E98CC81C}" srcOrd="1" destOrd="0" presId="urn:microsoft.com/office/officeart/2005/8/layout/chevron2"/>
-    <dgm:cxn modelId="{FDEE3FB8-DA56-4678-B042-D49B004CCE66}" type="presParOf" srcId="{EED33C97-2A12-4CAA-93A9-219A231057F2}" destId="{42A40527-CB60-4539-92C8-1F46C86C3EB2}" srcOrd="1" destOrd="0" presId="urn:microsoft.com/office/officeart/2005/8/layout/chevron2"/>
-    <dgm:cxn modelId="{3C9FC430-6CF8-4631-95F3-89BDC50BAE0F}" type="presParOf" srcId="{EED33C97-2A12-4CAA-93A9-219A231057F2}" destId="{3B4435F5-3AAF-473B-91EA-1F54195A4685}" srcOrd="2" destOrd="0" presId="urn:microsoft.com/office/officeart/2005/8/layout/chevron2"/>
-    <dgm:cxn modelId="{E90F22F1-B277-4708-932A-2195739A090D}" type="presParOf" srcId="{3B4435F5-3AAF-473B-91EA-1F54195A4685}" destId="{43A3AF58-A353-4418-8601-DA6B0EE120D7}" srcOrd="0" destOrd="0" presId="urn:microsoft.com/office/officeart/2005/8/layout/chevron2"/>
-    <dgm:cxn modelId="{BFC24284-5A3F-4FAB-B441-903CB07C04A0}" type="presParOf" srcId="{3B4435F5-3AAF-473B-91EA-1F54195A4685}" destId="{89235FE0-1E78-427F-BBDA-54281793B07B}" srcOrd="1" destOrd="0" presId="urn:microsoft.com/office/officeart/2005/8/layout/chevron2"/>
+    <dgm:cxn modelId="{A0D713CA-464E-4042-8618-F82AD95B5AA5}" type="presParOf" srcId="{EED33C97-2A12-4CAA-93A9-219A231057F2}" destId="{79A8CE15-993B-4259-9454-6FAAE30F55F0}" srcOrd="0" destOrd="0" presId="urn:microsoft.com/office/officeart/2005/8/layout/chevron2"/>
+    <dgm:cxn modelId="{ED280E2B-308D-436C-A71E-E235D80F597C}" type="presParOf" srcId="{79A8CE15-993B-4259-9454-6FAAE30F55F0}" destId="{90111F89-8FC0-4A76-A6B7-7EC5ED95E4E3}" srcOrd="0" destOrd="0" presId="urn:microsoft.com/office/officeart/2005/8/layout/chevron2"/>
+    <dgm:cxn modelId="{A6CA75ED-C9F2-4C0A-B115-EB6CA482C1EF}" type="presParOf" srcId="{79A8CE15-993B-4259-9454-6FAAE30F55F0}" destId="{9C3270B8-505C-4DFD-A3B5-6D55E98CC81C}" srcOrd="1" destOrd="0" presId="urn:microsoft.com/office/officeart/2005/8/layout/chevron2"/>
+    <dgm:cxn modelId="{A9C34C54-8364-4FD3-9048-6AFE9719D16B}" type="presParOf" srcId="{EED33C97-2A12-4CAA-93A9-219A231057F2}" destId="{42A40527-CB60-4539-92C8-1F46C86C3EB2}" srcOrd="1" destOrd="0" presId="urn:microsoft.com/office/officeart/2005/8/layout/chevron2"/>
+    <dgm:cxn modelId="{DA50027E-55A9-4B2B-AE5E-C50FEB371FC0}" type="presParOf" srcId="{EED33C97-2A12-4CAA-93A9-219A231057F2}" destId="{3B4435F5-3AAF-473B-91EA-1F54195A4685}" srcOrd="2" destOrd="0" presId="urn:microsoft.com/office/officeart/2005/8/layout/chevron2"/>
+    <dgm:cxn modelId="{FCBC45BB-ADBA-4D66-931C-EE53417CB1AE}" type="presParOf" srcId="{3B4435F5-3AAF-473B-91EA-1F54195A4685}" destId="{43A3AF58-A353-4418-8601-DA6B0EE120D7}" srcOrd="0" destOrd="0" presId="urn:microsoft.com/office/officeart/2005/8/layout/chevron2"/>
+    <dgm:cxn modelId="{956636FE-ADB8-4C3F-849E-1E8A55FDEF40}" type="presParOf" srcId="{3B4435F5-3AAF-473B-91EA-1F54195A4685}" destId="{89235FE0-1E78-427F-BBDA-54281793B07B}" srcOrd="1" destOrd="0" presId="urn:microsoft.com/office/officeart/2005/8/layout/chevron2"/>
   </dgm:cxnLst>
   <dgm:bg/>
   <dgm:whole/>
@@ -4742,24 +4772,24 @@
     </dgm:pt>
   </dgm:ptLst>
   <dgm:cxnLst>
-    <dgm:cxn modelId="{1AA82CE7-552F-433A-8D22-DFE43F1474B1}" type="presOf" srcId="{070E763F-64B7-49DD-BBD6-48E8FEC8F9F6}" destId="{BF1E275C-0245-4A82-B963-0775E3135EEB}" srcOrd="0" destOrd="1" presId="urn:microsoft.com/office/officeart/2005/8/layout/chevron2"/>
-    <dgm:cxn modelId="{CF712296-AAFF-4F55-91C3-983721DB7B5E}" type="presOf" srcId="{9946042B-7D27-42FE-91CF-6F436D58EC02}" destId="{A47F39E1-8849-440A-886F-E6FC80DA93B4}" srcOrd="0" destOrd="0" presId="urn:microsoft.com/office/officeart/2005/8/layout/chevron2"/>
-    <dgm:cxn modelId="{2F077ADA-2A3B-4487-80DB-2197A40854D3}" type="presOf" srcId="{317163FE-CB3D-4774-88C6-323BF81220D8}" destId="{8AB51CF9-71CB-4303-9A30-9E7780FDA13D}" srcOrd="0" destOrd="0" presId="urn:microsoft.com/office/officeart/2005/8/layout/chevron2"/>
+    <dgm:cxn modelId="{9F7253D0-2C00-4FC2-9843-241DD603E914}" type="presOf" srcId="{317163FE-CB3D-4774-88C6-323BF81220D8}" destId="{8AB51CF9-71CB-4303-9A30-9E7780FDA13D}" srcOrd="0" destOrd="0" presId="urn:microsoft.com/office/officeart/2005/8/layout/chevron2"/>
     <dgm:cxn modelId="{C5485B1A-861D-4BBB-8BBB-514EDCB216BE}" srcId="{A0408C12-A105-4A77-A47B-DFE81F7C73B0}" destId="{8624C49D-3019-46B2-B139-898544EC2C48}" srcOrd="1" destOrd="0" parTransId="{06949632-3C69-445D-A67D-50D56C9E9C50}" sibTransId="{D05A378E-B9E0-497E-A66A-B0D0B9AFA1CC}"/>
-    <dgm:cxn modelId="{5588B137-8C01-4480-BC80-93910C36E489}" type="presOf" srcId="{A0408C12-A105-4A77-A47B-DFE81F7C73B0}" destId="{CF37E359-F75F-46DC-87FB-D76C64370EDE}" srcOrd="0" destOrd="0" presId="urn:microsoft.com/office/officeart/2005/8/layout/chevron2"/>
+    <dgm:cxn modelId="{3B80015B-3594-4A6E-ACB2-8F0BF8508A3D}" type="presOf" srcId="{070E763F-64B7-49DD-BBD6-48E8FEC8F9F6}" destId="{BF1E275C-0245-4A82-B963-0775E3135EEB}" srcOrd="0" destOrd="1" presId="urn:microsoft.com/office/officeart/2005/8/layout/chevron2"/>
     <dgm:cxn modelId="{D9BAF431-3ACA-4A05-B215-968445E069CA}" srcId="{317163FE-CB3D-4774-88C6-323BF81220D8}" destId="{9946042B-7D27-42FE-91CF-6F436D58EC02}" srcOrd="0" destOrd="0" parTransId="{2534151A-4A1D-4565-A2A1-E2A5A0754EE3}" sibTransId="{75FFD790-665C-4198-8DA8-20540A720080}"/>
-    <dgm:cxn modelId="{36A9047E-470C-4D24-A147-5C9D41B45533}" type="presOf" srcId="{8624C49D-3019-46B2-B139-898544EC2C48}" destId="{700BBB59-BC4E-4A31-8B9F-41C5352C0AC4}" srcOrd="0" destOrd="0" presId="urn:microsoft.com/office/officeart/2005/8/layout/chevron2"/>
+    <dgm:cxn modelId="{6FE75DB3-A7F4-451B-9DCB-AD59F58CBCF3}" type="presOf" srcId="{59BFF09F-3DA7-443A-918B-B9BE623654C0}" destId="{BF1E275C-0245-4A82-B963-0775E3135EEB}" srcOrd="0" destOrd="0" presId="urn:microsoft.com/office/officeart/2005/8/layout/chevron2"/>
+    <dgm:cxn modelId="{EC0CE670-F965-45CD-8DF0-DF9FD001F051}" type="presOf" srcId="{9946042B-7D27-42FE-91CF-6F436D58EC02}" destId="{A47F39E1-8849-440A-886F-E6FC80DA93B4}" srcOrd="0" destOrd="0" presId="urn:microsoft.com/office/officeart/2005/8/layout/chevron2"/>
     <dgm:cxn modelId="{4207D217-8419-41B2-9632-4E774FD50ACE}" srcId="{A0408C12-A105-4A77-A47B-DFE81F7C73B0}" destId="{317163FE-CB3D-4774-88C6-323BF81220D8}" srcOrd="0" destOrd="0" parTransId="{78A11FE8-CDB7-496E-853B-8DF107D09A23}" sibTransId="{2524BE2D-E4A0-4A4D-8D5F-B8D0047421D0}"/>
-    <dgm:cxn modelId="{714B052D-AB89-4538-B16D-D9A667B71859}" type="presOf" srcId="{59BFF09F-3DA7-443A-918B-B9BE623654C0}" destId="{BF1E275C-0245-4A82-B963-0775E3135EEB}" srcOrd="0" destOrd="0" presId="urn:microsoft.com/office/officeart/2005/8/layout/chevron2"/>
     <dgm:cxn modelId="{69F57421-4662-4DCC-AA9E-ECE31EA8A286}" srcId="{8624C49D-3019-46B2-B139-898544EC2C48}" destId="{59BFF09F-3DA7-443A-918B-B9BE623654C0}" srcOrd="0" destOrd="0" parTransId="{F4C50064-29C8-4D38-8F83-EB12DF0BFB4A}" sibTransId="{BAF65957-2264-4148-A4D6-481860039ACA}"/>
+    <dgm:cxn modelId="{EEA8A20B-C3E0-4345-B98E-43D78D315172}" type="presOf" srcId="{8624C49D-3019-46B2-B139-898544EC2C48}" destId="{700BBB59-BC4E-4A31-8B9F-41C5352C0AC4}" srcOrd="0" destOrd="0" presId="urn:microsoft.com/office/officeart/2005/8/layout/chevron2"/>
     <dgm:cxn modelId="{FA3DD555-745E-4AD3-9772-172B5C2FDB15}" srcId="{8624C49D-3019-46B2-B139-898544EC2C48}" destId="{070E763F-64B7-49DD-BBD6-48E8FEC8F9F6}" srcOrd="1" destOrd="0" parTransId="{268D0A33-1DFC-4257-810E-BBF3138A4988}" sibTransId="{1A2439D1-FE95-403B-ABBE-9481D2A153A5}"/>
-    <dgm:cxn modelId="{6573767C-B06E-469C-BC2A-6C0E5075CE67}" type="presParOf" srcId="{CF37E359-F75F-46DC-87FB-D76C64370EDE}" destId="{D92A49F6-0622-4BF2-BCCC-D1B9D8C660A1}" srcOrd="0" destOrd="0" presId="urn:microsoft.com/office/officeart/2005/8/layout/chevron2"/>
-    <dgm:cxn modelId="{CAD0325E-B47A-41E7-B882-85A5CB018FF8}" type="presParOf" srcId="{D92A49F6-0622-4BF2-BCCC-D1B9D8C660A1}" destId="{8AB51CF9-71CB-4303-9A30-9E7780FDA13D}" srcOrd="0" destOrd="0" presId="urn:microsoft.com/office/officeart/2005/8/layout/chevron2"/>
-    <dgm:cxn modelId="{630AC286-8A3F-4569-AC6E-4E330DBD3FF3}" type="presParOf" srcId="{D92A49F6-0622-4BF2-BCCC-D1B9D8C660A1}" destId="{A47F39E1-8849-440A-886F-E6FC80DA93B4}" srcOrd="1" destOrd="0" presId="urn:microsoft.com/office/officeart/2005/8/layout/chevron2"/>
-    <dgm:cxn modelId="{798B9EB2-68E5-452A-B349-62712BEFCCB6}" type="presParOf" srcId="{CF37E359-F75F-46DC-87FB-D76C64370EDE}" destId="{ED9A6123-6C5F-43E8-9764-70244207E263}" srcOrd="1" destOrd="0" presId="urn:microsoft.com/office/officeart/2005/8/layout/chevron2"/>
-    <dgm:cxn modelId="{09BC2D39-C44A-4961-AC9D-897D41D56265}" type="presParOf" srcId="{CF37E359-F75F-46DC-87FB-D76C64370EDE}" destId="{2665E306-1850-4E48-B774-4575E7398A95}" srcOrd="2" destOrd="0" presId="urn:microsoft.com/office/officeart/2005/8/layout/chevron2"/>
-    <dgm:cxn modelId="{82F4FB56-C91C-4014-A7B1-C68E5951AB8F}" type="presParOf" srcId="{2665E306-1850-4E48-B774-4575E7398A95}" destId="{700BBB59-BC4E-4A31-8B9F-41C5352C0AC4}" srcOrd="0" destOrd="0" presId="urn:microsoft.com/office/officeart/2005/8/layout/chevron2"/>
-    <dgm:cxn modelId="{BE42A092-EEA5-4FDE-AB1B-BDD6492BCE7D}" type="presParOf" srcId="{2665E306-1850-4E48-B774-4575E7398A95}" destId="{BF1E275C-0245-4A82-B963-0775E3135EEB}" srcOrd="1" destOrd="0" presId="urn:microsoft.com/office/officeart/2005/8/layout/chevron2"/>
+    <dgm:cxn modelId="{04B66CCB-A0AD-4C54-9CC5-E12E20A79585}" type="presOf" srcId="{A0408C12-A105-4A77-A47B-DFE81F7C73B0}" destId="{CF37E359-F75F-46DC-87FB-D76C64370EDE}" srcOrd="0" destOrd="0" presId="urn:microsoft.com/office/officeart/2005/8/layout/chevron2"/>
+    <dgm:cxn modelId="{85B1C3E7-A7CE-41C0-ACC5-81E4C714AC71}" type="presParOf" srcId="{CF37E359-F75F-46DC-87FB-D76C64370EDE}" destId="{D92A49F6-0622-4BF2-BCCC-D1B9D8C660A1}" srcOrd="0" destOrd="0" presId="urn:microsoft.com/office/officeart/2005/8/layout/chevron2"/>
+    <dgm:cxn modelId="{2606EB28-10CA-40DF-8E5C-AC2608420960}" type="presParOf" srcId="{D92A49F6-0622-4BF2-BCCC-D1B9D8C660A1}" destId="{8AB51CF9-71CB-4303-9A30-9E7780FDA13D}" srcOrd="0" destOrd="0" presId="urn:microsoft.com/office/officeart/2005/8/layout/chevron2"/>
+    <dgm:cxn modelId="{C92F1FEF-E9ED-40B0-901D-DB6DD5A72540}" type="presParOf" srcId="{D92A49F6-0622-4BF2-BCCC-D1B9D8C660A1}" destId="{A47F39E1-8849-440A-886F-E6FC80DA93B4}" srcOrd="1" destOrd="0" presId="urn:microsoft.com/office/officeart/2005/8/layout/chevron2"/>
+    <dgm:cxn modelId="{52633D1A-BD20-4189-B925-C7EF364A15D7}" type="presParOf" srcId="{CF37E359-F75F-46DC-87FB-D76C64370EDE}" destId="{ED9A6123-6C5F-43E8-9764-70244207E263}" srcOrd="1" destOrd="0" presId="urn:microsoft.com/office/officeart/2005/8/layout/chevron2"/>
+    <dgm:cxn modelId="{8C578710-5BD7-4B03-B1A8-A6F4BCF00CE6}" type="presParOf" srcId="{CF37E359-F75F-46DC-87FB-D76C64370EDE}" destId="{2665E306-1850-4E48-B774-4575E7398A95}" srcOrd="2" destOrd="0" presId="urn:microsoft.com/office/officeart/2005/8/layout/chevron2"/>
+    <dgm:cxn modelId="{09D7470D-6460-4ED3-9CB0-6821CDA7F219}" type="presParOf" srcId="{2665E306-1850-4E48-B774-4575E7398A95}" destId="{700BBB59-BC4E-4A31-8B9F-41C5352C0AC4}" srcOrd="0" destOrd="0" presId="urn:microsoft.com/office/officeart/2005/8/layout/chevron2"/>
+    <dgm:cxn modelId="{0345A4B7-65B3-468B-83B3-9E37B90199D0}" type="presParOf" srcId="{2665E306-1850-4E48-B774-4575E7398A95}" destId="{BF1E275C-0245-4A82-B963-0775E3135EEB}" srcOrd="1" destOrd="0" presId="urn:microsoft.com/office/officeart/2005/8/layout/chevron2"/>
   </dgm:cxnLst>
   <dgm:bg/>
   <dgm:whole/>
@@ -9945,7 +9975,7 @@
           </a:ln>
         </p:spPr>
         <p:txBody>
-          <a:bodyPr vert="horz" tIns="0" rIns="18288" bIns="0" anchor="b">
+          <a:bodyPr tIns="0" rIns="18288">
             <a:normAutofit/>
             <a:scene3d>
               <a:camera prst="orthographicFront"/>
@@ -9991,10 +10021,10 @@
           </a:lstStyle>
           <a:p>
             <a:r>
-              <a:rPr kumimoji="0" lang="en-US" smtClean="0"/>
+              <a:rPr lang="en-US" smtClean="0"/>
               <a:t>Click to edit Master title style</a:t>
             </a:r>
-            <a:endParaRPr kumimoji="0" lang="en-US"/>
+            <a:endParaRPr lang="en-US"/>
           </a:p>
         </p:txBody>
       </p:sp>
@@ -10052,16 +10082,16 @@
           </a:lstStyle>
           <a:p>
             <a:r>
-              <a:rPr kumimoji="0" lang="en-US" smtClean="0"/>
+              <a:rPr lang="en-US" smtClean="0"/>
               <a:t>Click to edit Master subtitle style</a:t>
             </a:r>
-            <a:endParaRPr kumimoji="0" lang="en-US"/>
+            <a:endParaRPr lang="en-US"/>
           </a:p>
         </p:txBody>
       </p:sp>
       <p:sp>
         <p:nvSpPr>
-          <p:cNvPr id="30" name="Date Placeholder 29"/>
+          <p:cNvPr id="4" name="Date Placeholder 29"/>
           <p:cNvSpPr>
             <a:spLocks noGrp="1"/>
           </p:cNvSpPr>
@@ -10072,12 +10102,21 @@
         <p:spPr/>
         <p:txBody>
           <a:bodyPr/>
-          <a:lstStyle/>
-          <a:p>
-            <a:fld id="{28A3117F-9CA9-4F73-BDBF-A7DA5D1291E3}" type="datetimeFigureOut">
-              <a:rPr lang="en-US" smtClean="0"/>
-              <a:pPr/>
-              <a:t>3/18/2010</a:t>
+          <a:lstStyle>
+            <a:lvl1pPr>
+              <a:defRPr/>
+            </a:lvl1pPr>
+          </a:lstStyle>
+          <a:p>
+            <a:pPr>
+              <a:defRPr/>
+            </a:pPr>
+            <a:fld id="{5BB7E48B-3E4F-4886-A649-1DFC0798170F}" type="datetimeFigureOut">
+              <a:rPr lang="en-US"/>
+              <a:pPr>
+                <a:defRPr/>
+              </a:pPr>
+              <a:t>3/19/2010</a:t>
             </a:fld>
             <a:endParaRPr lang="en-US"/>
           </a:p>
@@ -10085,7 +10124,7 @@
       </p:sp>
       <p:sp>
         <p:nvSpPr>
-          <p:cNvPr id="19" name="Footer Placeholder 18"/>
+          <p:cNvPr id="5" name="Footer Placeholder 18"/>
           <p:cNvSpPr>
             <a:spLocks noGrp="1"/>
           </p:cNvSpPr>
@@ -10096,15 +10135,22 @@
         <p:spPr/>
         <p:txBody>
           <a:bodyPr/>
-          <a:lstStyle/>
-          <a:p>
+          <a:lstStyle>
+            <a:lvl1pPr>
+              <a:defRPr/>
+            </a:lvl1pPr>
+          </a:lstStyle>
+          <a:p>
+            <a:pPr>
+              <a:defRPr/>
+            </a:pPr>
             <a:endParaRPr lang="en-US"/>
           </a:p>
         </p:txBody>
       </p:sp>
       <p:sp>
         <p:nvSpPr>
-          <p:cNvPr id="27" name="Slide Number Placeholder 26"/>
+          <p:cNvPr id="6" name="Slide Number Placeholder 26"/>
           <p:cNvSpPr>
             <a:spLocks noGrp="1"/>
           </p:cNvSpPr>
@@ -10115,11 +10161,20 @@
         <p:spPr/>
         <p:txBody>
           <a:bodyPr/>
-          <a:lstStyle/>
-          <a:p>
-            <a:fld id="{343A6E3F-7721-4838-B3F2-C6DA6FD77AEE}" type="slidenum">
-              <a:rPr lang="en-US" smtClean="0"/>
-              <a:pPr/>
+          <a:lstStyle>
+            <a:lvl1pPr>
+              <a:defRPr/>
+            </a:lvl1pPr>
+          </a:lstStyle>
+          <a:p>
+            <a:pPr>
+              <a:defRPr/>
+            </a:pPr>
+            <a:fld id="{6BB35D0B-DFC2-4420-90AD-C4AEC5DF4C59}" type="slidenum">
+              <a:rPr lang="en-US"/>
+              <a:pPr>
+                <a:defRPr/>
+              </a:pPr>
               <a:t>‹#›</a:t>
             </a:fld>
             <a:endParaRPr lang="en-US"/>
@@ -10167,10 +10222,10 @@
           <a:lstStyle/>
           <a:p>
             <a:r>
-              <a:rPr kumimoji="0" lang="en-US" smtClean="0"/>
+              <a:rPr lang="en-US" smtClean="0"/>
               <a:t>Click to edit Master title style</a:t>
             </a:r>
-            <a:endParaRPr kumimoji="0" lang="en-US"/>
+            <a:endParaRPr lang="en-US"/>
           </a:p>
         </p:txBody>
       </p:sp>
@@ -10189,46 +10244,46 @@
           <a:bodyPr vert="eaVert"/>
           <a:lstStyle/>
           <a:p>
-            <a:pPr lvl="0" eaLnBrk="1" latinLnBrk="0" hangingPunct="1"/>
+            <a:pPr lvl="0"/>
             <a:r>
               <a:rPr lang="en-US" smtClean="0"/>
               <a:t>Click to edit Master text styles</a:t>
             </a:r>
           </a:p>
           <a:p>
-            <a:pPr lvl="1" eaLnBrk="1" latinLnBrk="0" hangingPunct="1"/>
+            <a:pPr lvl="1"/>
             <a:r>
               <a:rPr lang="en-US" smtClean="0"/>
               <a:t>Second level</a:t>
             </a:r>
           </a:p>
           <a:p>
-            <a:pPr lvl="2" eaLnBrk="1" latinLnBrk="0" hangingPunct="1"/>
+            <a:pPr lvl="2"/>
             <a:r>
               <a:rPr lang="en-US" smtClean="0"/>
               <a:t>Third level</a:t>
             </a:r>
           </a:p>
           <a:p>
-            <a:pPr lvl="3" eaLnBrk="1" latinLnBrk="0" hangingPunct="1"/>
+            <a:pPr lvl="3"/>
             <a:r>
               <a:rPr lang="en-US" smtClean="0"/>
               <a:t>Fourth level</a:t>
             </a:r>
           </a:p>
           <a:p>
-            <a:pPr lvl="4" eaLnBrk="1" latinLnBrk="0" hangingPunct="1"/>
+            <a:pPr lvl="4"/>
             <a:r>
               <a:rPr lang="en-US" smtClean="0"/>
               <a:t>Fifth level</a:t>
             </a:r>
-            <a:endParaRPr kumimoji="0" lang="en-US"/>
+            <a:endParaRPr lang="en-US"/>
           </a:p>
         </p:txBody>
       </p:sp>
       <p:sp>
         <p:nvSpPr>
-          <p:cNvPr id="4" name="Date Placeholder 3"/>
+          <p:cNvPr id="4" name="Date Placeholder 9"/>
           <p:cNvSpPr>
             <a:spLocks noGrp="1"/>
           </p:cNvSpPr>
@@ -10239,12 +10294,21 @@
         <p:spPr/>
         <p:txBody>
           <a:bodyPr/>
-          <a:lstStyle/>
-          <a:p>
-            <a:fld id="{28A3117F-9CA9-4F73-BDBF-A7DA5D1291E3}" type="datetimeFigureOut">
-              <a:rPr lang="en-US" smtClean="0"/>
-              <a:pPr/>
-              <a:t>3/18/2010</a:t>
+          <a:lstStyle>
+            <a:lvl1pPr>
+              <a:defRPr/>
+            </a:lvl1pPr>
+          </a:lstStyle>
+          <a:p>
+            <a:pPr>
+              <a:defRPr/>
+            </a:pPr>
+            <a:fld id="{DC00039B-F7A5-4DAA-ACE7-07001A680311}" type="datetimeFigureOut">
+              <a:rPr lang="en-US"/>
+              <a:pPr>
+                <a:defRPr/>
+              </a:pPr>
+              <a:t>3/19/2010</a:t>
             </a:fld>
             <a:endParaRPr lang="en-US"/>
           </a:p>
@@ -10252,7 +10316,7 @@
       </p:sp>
       <p:sp>
         <p:nvSpPr>
-          <p:cNvPr id="5" name="Footer Placeholder 4"/>
+          <p:cNvPr id="5" name="Footer Placeholder 21"/>
           <p:cNvSpPr>
             <a:spLocks noGrp="1"/>
           </p:cNvSpPr>
@@ -10263,15 +10327,22 @@
         <p:spPr/>
         <p:txBody>
           <a:bodyPr/>
-          <a:lstStyle/>
-          <a:p>
+          <a:lstStyle>
+            <a:lvl1pPr>
+              <a:defRPr/>
+            </a:lvl1pPr>
+          </a:lstStyle>
+          <a:p>
+            <a:pPr>
+              <a:defRPr/>
+            </a:pPr>
             <a:endParaRPr lang="en-US"/>
           </a:p>
         </p:txBody>
       </p:sp>
       <p:sp>
         <p:nvSpPr>
-          <p:cNvPr id="6" name="Slide Number Placeholder 5"/>
+          <p:cNvPr id="6" name="Slide Number Placeholder 17"/>
           <p:cNvSpPr>
             <a:spLocks noGrp="1"/>
           </p:cNvSpPr>
@@ -10282,11 +10353,20 @@
         <p:spPr/>
         <p:txBody>
           <a:bodyPr/>
-          <a:lstStyle/>
-          <a:p>
-            <a:fld id="{343A6E3F-7721-4838-B3F2-C6DA6FD77AEE}" type="slidenum">
-              <a:rPr lang="en-US" smtClean="0"/>
-              <a:pPr/>
+          <a:lstStyle>
+            <a:lvl1pPr>
+              <a:defRPr/>
+            </a:lvl1pPr>
+          </a:lstStyle>
+          <a:p>
+            <a:pPr>
+              <a:defRPr/>
+            </a:pPr>
+            <a:fld id="{08602FB1-9AAF-4326-9078-DE364A9C3969}" type="slidenum">
+              <a:rPr lang="en-US"/>
+              <a:pPr>
+                <a:defRPr/>
+              </a:pPr>
               <a:t>‹#›</a:t>
             </a:fld>
             <a:endParaRPr lang="en-US"/>
@@ -10339,10 +10419,10 @@
           <a:lstStyle/>
           <a:p>
             <a:r>
-              <a:rPr kumimoji="0" lang="en-US" smtClean="0"/>
+              <a:rPr lang="en-US" smtClean="0"/>
               <a:t>Click to edit Master title style</a:t>
             </a:r>
-            <a:endParaRPr kumimoji="0" lang="en-US"/>
+            <a:endParaRPr lang="en-US"/>
           </a:p>
         </p:txBody>
       </p:sp>
@@ -10366,46 +10446,46 @@
           <a:bodyPr vert="eaVert"/>
           <a:lstStyle/>
           <a:p>
-            <a:pPr lvl="0" eaLnBrk="1" latinLnBrk="0" hangingPunct="1"/>
+            <a:pPr lvl="0"/>
             <a:r>
               <a:rPr lang="en-US" smtClean="0"/>
               <a:t>Click to edit Master text styles</a:t>
             </a:r>
           </a:p>
           <a:p>
-            <a:pPr lvl="1" eaLnBrk="1" latinLnBrk="0" hangingPunct="1"/>
+            <a:pPr lvl="1"/>
             <a:r>
               <a:rPr lang="en-US" smtClean="0"/>
               <a:t>Second level</a:t>
             </a:r>
           </a:p>
           <a:p>
-            <a:pPr lvl="2" eaLnBrk="1" latinLnBrk="0" hangingPunct="1"/>
+            <a:pPr lvl="2"/>
             <a:r>
               <a:rPr lang="en-US" smtClean="0"/>
               <a:t>Third level</a:t>
             </a:r>
           </a:p>
           <a:p>
-            <a:pPr lvl="3" eaLnBrk="1" latinLnBrk="0" hangingPunct="1"/>
+            <a:pPr lvl="3"/>
             <a:r>
               <a:rPr lang="en-US" smtClean="0"/>
               <a:t>Fourth level</a:t>
             </a:r>
           </a:p>
           <a:p>
-            <a:pPr lvl="4" eaLnBrk="1" latinLnBrk="0" hangingPunct="1"/>
+            <a:pPr lvl="4"/>
             <a:r>
               <a:rPr lang="en-US" smtClean="0"/>
               <a:t>Fifth level</a:t>
             </a:r>
-            <a:endParaRPr kumimoji="0" lang="en-US"/>
+            <a:endParaRPr lang="en-US"/>
           </a:p>
         </p:txBody>
       </p:sp>
       <p:sp>
         <p:nvSpPr>
-          <p:cNvPr id="4" name="Date Placeholder 3"/>
+          <p:cNvPr id="4" name="Date Placeholder 9"/>
           <p:cNvSpPr>
             <a:spLocks noGrp="1"/>
           </p:cNvSpPr>
@@ -10416,12 +10496,21 @@
         <p:spPr/>
         <p:txBody>
           <a:bodyPr/>
-          <a:lstStyle/>
-          <a:p>
-            <a:fld id="{28A3117F-9CA9-4F73-BDBF-A7DA5D1291E3}" type="datetimeFigureOut">
-              <a:rPr lang="en-US" smtClean="0"/>
-              <a:pPr/>
-              <a:t>3/18/2010</a:t>
+          <a:lstStyle>
+            <a:lvl1pPr>
+              <a:defRPr/>
+            </a:lvl1pPr>
+          </a:lstStyle>
+          <a:p>
+            <a:pPr>
+              <a:defRPr/>
+            </a:pPr>
+            <a:fld id="{4B0393F9-CBC9-4084-B3C3-A6EAB831905B}" type="datetimeFigureOut">
+              <a:rPr lang="en-US"/>
+              <a:pPr>
+                <a:defRPr/>
+              </a:pPr>
+              <a:t>3/19/2010</a:t>
             </a:fld>
             <a:endParaRPr lang="en-US"/>
           </a:p>
@@ -10429,7 +10518,7 @@
       </p:sp>
       <p:sp>
         <p:nvSpPr>
-          <p:cNvPr id="5" name="Footer Placeholder 4"/>
+          <p:cNvPr id="5" name="Footer Placeholder 21"/>
           <p:cNvSpPr>
             <a:spLocks noGrp="1"/>
           </p:cNvSpPr>
@@ -10440,15 +10529,22 @@
         <p:spPr/>
         <p:txBody>
           <a:bodyPr/>
-          <a:lstStyle/>
-          <a:p>
+          <a:lstStyle>
+            <a:lvl1pPr>
+              <a:defRPr/>
+            </a:lvl1pPr>
+          </a:lstStyle>
+          <a:p>
+            <a:pPr>
+              <a:defRPr/>
+            </a:pPr>
             <a:endParaRPr lang="en-US"/>
           </a:p>
         </p:txBody>
       </p:sp>
       <p:sp>
         <p:nvSpPr>
-          <p:cNvPr id="6" name="Slide Number Placeholder 5"/>
+          <p:cNvPr id="6" name="Slide Number Placeholder 17"/>
           <p:cNvSpPr>
             <a:spLocks noGrp="1"/>
           </p:cNvSpPr>
@@ -10459,11 +10555,20 @@
         <p:spPr/>
         <p:txBody>
           <a:bodyPr/>
-          <a:lstStyle/>
-          <a:p>
-            <a:fld id="{343A6E3F-7721-4838-B3F2-C6DA6FD77AEE}" type="slidenum">
-              <a:rPr lang="en-US" smtClean="0"/>
-              <a:pPr/>
+          <a:lstStyle>
+            <a:lvl1pPr>
+              <a:defRPr/>
+            </a:lvl1pPr>
+          </a:lstStyle>
+          <a:p>
+            <a:pPr>
+              <a:defRPr/>
+            </a:pPr>
+            <a:fld id="{46FDD984-B3A3-435C-AE7C-B138D08C4A80}" type="slidenum">
+              <a:rPr lang="en-US"/>
+              <a:pPr>
+                <a:defRPr/>
+              </a:pPr>
               <a:t>‹#›</a:t>
             </a:fld>
             <a:endParaRPr lang="en-US"/>
@@ -10511,10 +10616,10 @@
           <a:lstStyle/>
           <a:p>
             <a:r>
-              <a:rPr kumimoji="0" lang="en-US" smtClean="0"/>
+              <a:rPr lang="en-US" smtClean="0"/>
               <a:t>Click to edit Master title style</a:t>
             </a:r>
-            <a:endParaRPr kumimoji="0" lang="en-US"/>
+            <a:endParaRPr lang="en-US"/>
           </a:p>
         </p:txBody>
       </p:sp>
@@ -10533,46 +10638,46 @@
           <a:bodyPr/>
           <a:lstStyle/>
           <a:p>
-            <a:pPr lvl="0" eaLnBrk="1" latinLnBrk="0" hangingPunct="1"/>
+            <a:pPr lvl="0"/>
             <a:r>
               <a:rPr lang="en-US" smtClean="0"/>
               <a:t>Click to edit Master text styles</a:t>
             </a:r>
           </a:p>
           <a:p>
-            <a:pPr lvl="1" eaLnBrk="1" latinLnBrk="0" hangingPunct="1"/>
+            <a:pPr lvl="1"/>
             <a:r>
               <a:rPr lang="en-US" smtClean="0"/>
               <a:t>Second level</a:t>
             </a:r>
           </a:p>
           <a:p>
-            <a:pPr lvl="2" eaLnBrk="1" latinLnBrk="0" hangingPunct="1"/>
+            <a:pPr lvl="2"/>
             <a:r>
               <a:rPr lang="en-US" smtClean="0"/>
               <a:t>Third level</a:t>
             </a:r>
           </a:p>
           <a:p>
-            <a:pPr lvl="3" eaLnBrk="1" latinLnBrk="0" hangingPunct="1"/>
+            <a:pPr lvl="3"/>
             <a:r>
               <a:rPr lang="en-US" smtClean="0"/>
               <a:t>Fourth level</a:t>
             </a:r>
           </a:p>
           <a:p>
-            <a:pPr lvl="4" eaLnBrk="1" latinLnBrk="0" hangingPunct="1"/>
+            <a:pPr lvl="4"/>
             <a:r>
               <a:rPr lang="en-US" smtClean="0"/>
               <a:t>Fifth level</a:t>
             </a:r>
-            <a:endParaRPr kumimoji="0" lang="en-US"/>
+            <a:endParaRPr lang="en-US"/>
           </a:p>
         </p:txBody>
       </p:sp>
       <p:sp>
         <p:nvSpPr>
-          <p:cNvPr id="4" name="Date Placeholder 3"/>
+          <p:cNvPr id="4" name="Date Placeholder 9"/>
           <p:cNvSpPr>
             <a:spLocks noGrp="1"/>
           </p:cNvSpPr>
@@ -10583,12 +10688,21 @@
         <p:spPr/>
         <p:txBody>
           <a:bodyPr/>
-          <a:lstStyle/>
-          <a:p>
-            <a:fld id="{28A3117F-9CA9-4F73-BDBF-A7DA5D1291E3}" type="datetimeFigureOut">
-              <a:rPr lang="en-US" smtClean="0"/>
-              <a:pPr/>
-              <a:t>3/18/2010</a:t>
+          <a:lstStyle>
+            <a:lvl1pPr>
+              <a:defRPr/>
+            </a:lvl1pPr>
+          </a:lstStyle>
+          <a:p>
+            <a:pPr>
+              <a:defRPr/>
+            </a:pPr>
+            <a:fld id="{B95E9BEC-8BA2-4A47-92A0-CF3570FBA7C4}" type="datetimeFigureOut">
+              <a:rPr lang="en-US"/>
+              <a:pPr>
+                <a:defRPr/>
+              </a:pPr>
+              <a:t>3/19/2010</a:t>
             </a:fld>
             <a:endParaRPr lang="en-US"/>
           </a:p>
@@ -10596,7 +10710,7 @@
       </p:sp>
       <p:sp>
         <p:nvSpPr>
-          <p:cNvPr id="5" name="Footer Placeholder 4"/>
+          <p:cNvPr id="5" name="Footer Placeholder 21"/>
           <p:cNvSpPr>
             <a:spLocks noGrp="1"/>
           </p:cNvSpPr>
@@ -10607,15 +10721,22 @@
         <p:spPr/>
         <p:txBody>
           <a:bodyPr/>
-          <a:lstStyle/>
-          <a:p>
+          <a:lstStyle>
+            <a:lvl1pPr>
+              <a:defRPr/>
+            </a:lvl1pPr>
+          </a:lstStyle>
+          <a:p>
+            <a:pPr>
+              <a:defRPr/>
+            </a:pPr>
             <a:endParaRPr lang="en-US"/>
           </a:p>
         </p:txBody>
       </p:sp>
       <p:sp>
         <p:nvSpPr>
-          <p:cNvPr id="6" name="Slide Number Placeholder 5"/>
+          <p:cNvPr id="6" name="Slide Number Placeholder 17"/>
           <p:cNvSpPr>
             <a:spLocks noGrp="1"/>
           </p:cNvSpPr>
@@ -10626,11 +10747,20 @@
         <p:spPr/>
         <p:txBody>
           <a:bodyPr/>
-          <a:lstStyle/>
-          <a:p>
-            <a:fld id="{343A6E3F-7721-4838-B3F2-C6DA6FD77AEE}" type="slidenum">
-              <a:rPr lang="en-US" smtClean="0"/>
-              <a:pPr/>
+          <a:lstStyle>
+            <a:lvl1pPr>
+              <a:defRPr/>
+            </a:lvl1pPr>
+          </a:lstStyle>
+          <a:p>
+            <a:pPr>
+              <a:defRPr/>
+            </a:pPr>
+            <a:fld id="{9912345E-4D73-4A65-A761-98DA3A95579C}" type="slidenum">
+              <a:rPr lang="en-US"/>
+              <a:pPr>
+                <a:defRPr/>
+              </a:pPr>
               <a:t>‹#›</a:t>
             </a:fld>
             <a:endParaRPr lang="en-US"/>
@@ -10687,7 +10817,7 @@
           </a:ln>
         </p:spPr>
         <p:txBody>
-          <a:bodyPr vert="horz" tIns="0" bIns="0" anchor="b">
+          <a:bodyPr tIns="0">
             <a:noAutofit/>
             <a:scene3d>
               <a:camera prst="orthographicFront"/>
@@ -10730,10 +10860,10 @@
           </a:lstStyle>
           <a:p>
             <a:r>
-              <a:rPr kumimoji="0" lang="en-US" smtClean="0"/>
+              <a:rPr lang="en-US" smtClean="0"/>
               <a:t>Click to edit Master title style</a:t>
             </a:r>
-            <a:endParaRPr kumimoji="0" lang="en-US"/>
+            <a:endParaRPr lang="en-US"/>
           </a:p>
         </p:txBody>
       </p:sp>
@@ -10754,7 +10884,7 @@
           </a:xfrm>
         </p:spPr>
         <p:txBody>
-          <a:bodyPr lIns="45720" rIns="45720" anchor="t"/>
+          <a:bodyPr lIns="45720" rIns="45720"/>
           <a:lstStyle>
             <a:lvl1pPr marL="0" indent="0">
               <a:buNone/>
@@ -10806,9 +10936,9 @@
             </a:lvl5pPr>
           </a:lstStyle>
           <a:p>
-            <a:pPr lvl="0" eaLnBrk="1" latinLnBrk="0" hangingPunct="1"/>
-            <a:r>
-              <a:rPr kumimoji="0" lang="en-US" smtClean="0"/>
+            <a:pPr lvl="0"/>
+            <a:r>
+              <a:rPr lang="en-US" smtClean="0"/>
               <a:t>Click to edit Master text styles</a:t>
             </a:r>
           </a:p>
@@ -10827,12 +10957,21 @@
         <p:spPr/>
         <p:txBody>
           <a:bodyPr/>
-          <a:lstStyle/>
-          <a:p>
-            <a:fld id="{28A3117F-9CA9-4F73-BDBF-A7DA5D1291E3}" type="datetimeFigureOut">
-              <a:rPr lang="en-US" smtClean="0"/>
-              <a:pPr/>
-              <a:t>3/18/2010</a:t>
+          <a:lstStyle>
+            <a:lvl1pPr>
+              <a:defRPr/>
+            </a:lvl1pPr>
+          </a:lstStyle>
+          <a:p>
+            <a:pPr>
+              <a:defRPr/>
+            </a:pPr>
+            <a:fld id="{C5B5B473-59DD-4BB2-B027-B3905B8C8ED9}" type="datetimeFigureOut">
+              <a:rPr lang="en-US"/>
+              <a:pPr>
+                <a:defRPr/>
+              </a:pPr>
+              <a:t>3/19/2010</a:t>
             </a:fld>
             <a:endParaRPr lang="en-US"/>
           </a:p>
@@ -10851,8 +10990,15 @@
         <p:spPr/>
         <p:txBody>
           <a:bodyPr/>
-          <a:lstStyle/>
-          <a:p>
+          <a:lstStyle>
+            <a:lvl1pPr>
+              <a:defRPr/>
+            </a:lvl1pPr>
+          </a:lstStyle>
+          <a:p>
+            <a:pPr>
+              <a:defRPr/>
+            </a:pPr>
             <a:endParaRPr lang="en-US"/>
           </a:p>
         </p:txBody>
@@ -10870,11 +11016,20 @@
         <p:spPr/>
         <p:txBody>
           <a:bodyPr/>
-          <a:lstStyle/>
-          <a:p>
-            <a:fld id="{343A6E3F-7721-4838-B3F2-C6DA6FD77AEE}" type="slidenum">
-              <a:rPr lang="en-US" smtClean="0"/>
-              <a:pPr/>
+          <a:lstStyle>
+            <a:lvl1pPr>
+              <a:defRPr/>
+            </a:lvl1pPr>
+          </a:lstStyle>
+          <a:p>
+            <a:pPr>
+              <a:defRPr/>
+            </a:pPr>
+            <a:fld id="{0E49C7F4-1994-41B5-93AC-2C288FFAAA65}" type="slidenum">
+              <a:rPr lang="en-US"/>
+              <a:pPr>
+                <a:defRPr/>
+              </a:pPr>
               <a:t>‹#›</a:t>
             </a:fld>
             <a:endParaRPr lang="en-US"/>
@@ -10927,10 +11082,10 @@
           <a:lstStyle/>
           <a:p>
             <a:r>
-              <a:rPr kumimoji="0" lang="en-US" smtClean="0"/>
+              <a:rPr lang="en-US" smtClean="0"/>
               <a:t>Click to edit Master title style</a:t>
             </a:r>
-            <a:endParaRPr kumimoji="0" lang="en-US"/>
+            <a:endParaRPr lang="en-US"/>
           </a:p>
         </p:txBody>
       </p:sp>
@@ -10970,40 +11125,40 @@
             </a:lvl5pPr>
           </a:lstStyle>
           <a:p>
-            <a:pPr lvl="0" eaLnBrk="1" latinLnBrk="0" hangingPunct="1"/>
+            <a:pPr lvl="0"/>
             <a:r>
               <a:rPr lang="en-US" smtClean="0"/>
               <a:t>Click to edit Master text styles</a:t>
             </a:r>
           </a:p>
           <a:p>
-            <a:pPr lvl="1" eaLnBrk="1" latinLnBrk="0" hangingPunct="1"/>
+            <a:pPr lvl="1"/>
             <a:r>
               <a:rPr lang="en-US" smtClean="0"/>
               <a:t>Second level</a:t>
             </a:r>
           </a:p>
           <a:p>
-            <a:pPr lvl="2" eaLnBrk="1" latinLnBrk="0" hangingPunct="1"/>
+            <a:pPr lvl="2"/>
             <a:r>
               <a:rPr lang="en-US" smtClean="0"/>
               <a:t>Third level</a:t>
             </a:r>
           </a:p>
           <a:p>
-            <a:pPr lvl="3" eaLnBrk="1" latinLnBrk="0" hangingPunct="1"/>
+            <a:pPr lvl="3"/>
             <a:r>
               <a:rPr lang="en-US" smtClean="0"/>
               <a:t>Fourth level</a:t>
             </a:r>
           </a:p>
           <a:p>
-            <a:pPr lvl="4" eaLnBrk="1" latinLnBrk="0" hangingPunct="1"/>
+            <a:pPr lvl="4"/>
             <a:r>
               <a:rPr lang="en-US" smtClean="0"/>
               <a:t>Fifth level</a:t>
             </a:r>
-            <a:endParaRPr kumimoji="0" lang="en-US"/>
+            <a:endParaRPr lang="en-US"/>
           </a:p>
         </p:txBody>
       </p:sp>
@@ -11043,46 +11198,46 @@
             </a:lvl5pPr>
           </a:lstStyle>
           <a:p>
-            <a:pPr lvl="0" eaLnBrk="1" latinLnBrk="0" hangingPunct="1"/>
+            <a:pPr lvl="0"/>
             <a:r>
               <a:rPr lang="en-US" smtClean="0"/>
               <a:t>Click to edit Master text styles</a:t>
             </a:r>
           </a:p>
           <a:p>
-            <a:pPr lvl="1" eaLnBrk="1" latinLnBrk="0" hangingPunct="1"/>
+            <a:pPr lvl="1"/>
             <a:r>
               <a:rPr lang="en-US" smtClean="0"/>
               <a:t>Second level</a:t>
             </a:r>
           </a:p>
           <a:p>
-            <a:pPr lvl="2" eaLnBrk="1" latinLnBrk="0" hangingPunct="1"/>
+            <a:pPr lvl="2"/>
             <a:r>
               <a:rPr lang="en-US" smtClean="0"/>
               <a:t>Third level</a:t>
             </a:r>
           </a:p>
           <a:p>
-            <a:pPr lvl="3" eaLnBrk="1" latinLnBrk="0" hangingPunct="1"/>
+            <a:pPr lvl="3"/>
             <a:r>
               <a:rPr lang="en-US" smtClean="0"/>
               <a:t>Fourth level</a:t>
             </a:r>
           </a:p>
           <a:p>
-            <a:pPr lvl="4" eaLnBrk="1" latinLnBrk="0" hangingPunct="1"/>
+            <a:pPr lvl="4"/>
             <a:r>
               <a:rPr lang="en-US" smtClean="0"/>
               <a:t>Fifth level</a:t>
             </a:r>
-            <a:endParaRPr kumimoji="0" lang="en-US"/>
+            <a:endParaRPr lang="en-US"/>
           </a:p>
         </p:txBody>
       </p:sp>
       <p:sp>
         <p:nvSpPr>
-          <p:cNvPr id="5" name="Date Placeholder 4"/>
+          <p:cNvPr id="5" name="Date Placeholder 9"/>
           <p:cNvSpPr>
             <a:spLocks noGrp="1"/>
           </p:cNvSpPr>
@@ -11093,12 +11248,21 @@
         <p:spPr/>
         <p:txBody>
           <a:bodyPr/>
-          <a:lstStyle/>
-          <a:p>
-            <a:fld id="{28A3117F-9CA9-4F73-BDBF-A7DA5D1291E3}" type="datetimeFigureOut">
-              <a:rPr lang="en-US" smtClean="0"/>
-              <a:pPr/>
-              <a:t>3/18/2010</a:t>
+          <a:lstStyle>
+            <a:lvl1pPr>
+              <a:defRPr/>
+            </a:lvl1pPr>
+          </a:lstStyle>
+          <a:p>
+            <a:pPr>
+              <a:defRPr/>
+            </a:pPr>
+            <a:fld id="{442BC867-976E-494D-8A3E-445AD932D84C}" type="datetimeFigureOut">
+              <a:rPr lang="en-US"/>
+              <a:pPr>
+                <a:defRPr/>
+              </a:pPr>
+              <a:t>3/19/2010</a:t>
             </a:fld>
             <a:endParaRPr lang="en-US"/>
           </a:p>
@@ -11106,7 +11270,7 @@
       </p:sp>
       <p:sp>
         <p:nvSpPr>
-          <p:cNvPr id="6" name="Footer Placeholder 5"/>
+          <p:cNvPr id="6" name="Footer Placeholder 21"/>
           <p:cNvSpPr>
             <a:spLocks noGrp="1"/>
           </p:cNvSpPr>
@@ -11117,15 +11281,22 @@
         <p:spPr/>
         <p:txBody>
           <a:bodyPr/>
-          <a:lstStyle/>
-          <a:p>
+          <a:lstStyle>
+            <a:lvl1pPr>
+              <a:defRPr/>
+            </a:lvl1pPr>
+          </a:lstStyle>
+          <a:p>
+            <a:pPr>
+              <a:defRPr/>
+            </a:pPr>
             <a:endParaRPr lang="en-US"/>
           </a:p>
         </p:txBody>
       </p:sp>
       <p:sp>
         <p:nvSpPr>
-          <p:cNvPr id="7" name="Slide Number Placeholder 6"/>
+          <p:cNvPr id="7" name="Slide Number Placeholder 17"/>
           <p:cNvSpPr>
             <a:spLocks noGrp="1"/>
           </p:cNvSpPr>
@@ -11136,11 +11307,20 @@
         <p:spPr/>
         <p:txBody>
           <a:bodyPr/>
-          <a:lstStyle/>
-          <a:p>
-            <a:fld id="{343A6E3F-7721-4838-B3F2-C6DA6FD77AEE}" type="slidenum">
-              <a:rPr lang="en-US" smtClean="0"/>
-              <a:pPr/>
+          <a:lstStyle>
+            <a:lvl1pPr>
+              <a:defRPr/>
+            </a:lvl1pPr>
+          </a:lstStyle>
+          <a:p>
+            <a:pPr>
+              <a:defRPr/>
+            </a:pPr>
+            <a:fld id="{A304C9B5-0B5D-42C1-9C16-A22030811906}" type="slidenum">
+              <a:rPr lang="en-US"/>
+              <a:pPr>
+                <a:defRPr/>
+              </a:pPr>
               <a:t>‹#›</a:t>
             </a:fld>
             <a:endParaRPr lang="en-US"/>
@@ -11189,7 +11369,7 @@
           </a:xfrm>
         </p:spPr>
         <p:txBody>
-          <a:bodyPr tIns="45720" anchor="b"/>
+          <a:bodyPr/>
           <a:lstStyle>
             <a:lvl1pPr>
               <a:defRPr/>
@@ -11197,10 +11377,10 @@
           </a:lstStyle>
           <a:p>
             <a:r>
-              <a:rPr kumimoji="0" lang="en-US" smtClean="0"/>
+              <a:rPr lang="en-US" smtClean="0"/>
               <a:t>Click to edit Master title style</a:t>
             </a:r>
-            <a:endParaRPr kumimoji="0" lang="en-US"/>
+            <a:endParaRPr lang="en-US"/>
           </a:p>
         </p:txBody>
       </p:sp>
@@ -11252,9 +11432,9 @@
             </a:lvl5pPr>
           </a:lstStyle>
           <a:p>
-            <a:pPr lvl="0" eaLnBrk="1" latinLnBrk="0" hangingPunct="1"/>
-            <a:r>
-              <a:rPr kumimoji="0" lang="en-US" smtClean="0"/>
+            <a:pPr lvl="0"/>
+            <a:r>
+              <a:rPr lang="en-US" smtClean="0"/>
               <a:t>Click to edit Master text styles</a:t>
             </a:r>
           </a:p>
@@ -11306,9 +11486,9 @@
             </a:lvl5pPr>
           </a:lstStyle>
           <a:p>
-            <a:pPr lvl="0" eaLnBrk="1" latinLnBrk="0" hangingPunct="1"/>
-            <a:r>
-              <a:rPr kumimoji="0" lang="en-US" smtClean="0"/>
+            <a:pPr lvl="0"/>
+            <a:r>
+              <a:rPr lang="en-US" smtClean="0"/>
               <a:t>Click to edit Master text styles</a:t>
             </a:r>
           </a:p>
@@ -11350,40 +11530,40 @@
             </a:lvl5pPr>
           </a:lstStyle>
           <a:p>
-            <a:pPr lvl="0" eaLnBrk="1" latinLnBrk="0" hangingPunct="1"/>
+            <a:pPr lvl="0"/>
             <a:r>
               <a:rPr lang="en-US" smtClean="0"/>
               <a:t>Click to edit Master text styles</a:t>
             </a:r>
           </a:p>
           <a:p>
-            <a:pPr lvl="1" eaLnBrk="1" latinLnBrk="0" hangingPunct="1"/>
+            <a:pPr lvl="1"/>
             <a:r>
               <a:rPr lang="en-US" smtClean="0"/>
               <a:t>Second level</a:t>
             </a:r>
           </a:p>
           <a:p>
-            <a:pPr lvl="2" eaLnBrk="1" latinLnBrk="0" hangingPunct="1"/>
+            <a:pPr lvl="2"/>
             <a:r>
               <a:rPr lang="en-US" smtClean="0"/>
               <a:t>Third level</a:t>
             </a:r>
           </a:p>
           <a:p>
-            <a:pPr lvl="3" eaLnBrk="1" latinLnBrk="0" hangingPunct="1"/>
+            <a:pPr lvl="3"/>
             <a:r>
               <a:rPr lang="en-US" smtClean="0"/>
               <a:t>Fourth level</a:t>
             </a:r>
           </a:p>
           <a:p>
-            <a:pPr lvl="4" eaLnBrk="1" latinLnBrk="0" hangingPunct="1"/>
+            <a:pPr lvl="4"/>
             <a:r>
               <a:rPr lang="en-US" smtClean="0"/>
               <a:t>Fifth level</a:t>
             </a:r>
-            <a:endParaRPr kumimoji="0" lang="en-US"/>
+            <a:endParaRPr lang="en-US"/>
           </a:p>
         </p:txBody>
       </p:sp>
@@ -11423,46 +11603,46 @@
             </a:lvl5pPr>
           </a:lstStyle>
           <a:p>
-            <a:pPr lvl="0" eaLnBrk="1" latinLnBrk="0" hangingPunct="1"/>
+            <a:pPr lvl="0"/>
             <a:r>
               <a:rPr lang="en-US" smtClean="0"/>
               <a:t>Click to edit Master text styles</a:t>
             </a:r>
           </a:p>
           <a:p>
-            <a:pPr lvl="1" eaLnBrk="1" latinLnBrk="0" hangingPunct="1"/>
+            <a:pPr lvl="1"/>
             <a:r>
               <a:rPr lang="en-US" smtClean="0"/>
               <a:t>Second level</a:t>
             </a:r>
           </a:p>
           <a:p>
-            <a:pPr lvl="2" eaLnBrk="1" latinLnBrk="0" hangingPunct="1"/>
+            <a:pPr lvl="2"/>
             <a:r>
               <a:rPr lang="en-US" smtClean="0"/>
               <a:t>Third level</a:t>
             </a:r>
           </a:p>
           <a:p>
-            <a:pPr lvl="3" eaLnBrk="1" latinLnBrk="0" hangingPunct="1"/>
+            <a:pPr lvl="3"/>
             <a:r>
               <a:rPr lang="en-US" smtClean="0"/>
               <a:t>Fourth level</a:t>
             </a:r>
           </a:p>
           <a:p>
-            <a:pPr lvl="4" eaLnBrk="1" latinLnBrk="0" hangingPunct="1"/>
+            <a:pPr lvl="4"/>
             <a:r>
               <a:rPr lang="en-US" smtClean="0"/>
               <a:t>Fifth level</a:t>
             </a:r>
-            <a:endParaRPr kumimoji="0" lang="en-US"/>
+            <a:endParaRPr lang="en-US"/>
           </a:p>
         </p:txBody>
       </p:sp>
       <p:sp>
         <p:nvSpPr>
-          <p:cNvPr id="7" name="Date Placeholder 6"/>
+          <p:cNvPr id="7" name="Date Placeholder 9"/>
           <p:cNvSpPr>
             <a:spLocks noGrp="1"/>
           </p:cNvSpPr>
@@ -11473,12 +11653,21 @@
         <p:spPr/>
         <p:txBody>
           <a:bodyPr/>
-          <a:lstStyle/>
-          <a:p>
-            <a:fld id="{28A3117F-9CA9-4F73-BDBF-A7DA5D1291E3}" type="datetimeFigureOut">
-              <a:rPr lang="en-US" smtClean="0"/>
-              <a:pPr/>
-              <a:t>3/18/2010</a:t>
+          <a:lstStyle>
+            <a:lvl1pPr>
+              <a:defRPr/>
+            </a:lvl1pPr>
+          </a:lstStyle>
+          <a:p>
+            <a:pPr>
+              <a:defRPr/>
+            </a:pPr>
+            <a:fld id="{4B8E0231-82C4-4EBB-9BE8-8DEB03B6F8C2}" type="datetimeFigureOut">
+              <a:rPr lang="en-US"/>
+              <a:pPr>
+                <a:defRPr/>
+              </a:pPr>
+              <a:t>3/19/2010</a:t>
             </a:fld>
             <a:endParaRPr lang="en-US"/>
           </a:p>
@@ -11486,7 +11675,7 @@
       </p:sp>
       <p:sp>
         <p:nvSpPr>
-          <p:cNvPr id="8" name="Footer Placeholder 7"/>
+          <p:cNvPr id="8" name="Footer Placeholder 21"/>
           <p:cNvSpPr>
             <a:spLocks noGrp="1"/>
           </p:cNvSpPr>
@@ -11497,15 +11686,22 @@
         <p:spPr/>
         <p:txBody>
           <a:bodyPr/>
-          <a:lstStyle/>
-          <a:p>
+          <a:lstStyle>
+            <a:lvl1pPr>
+              <a:defRPr/>
+            </a:lvl1pPr>
+          </a:lstStyle>
+          <a:p>
+            <a:pPr>
+              <a:defRPr/>
+            </a:pPr>
             <a:endParaRPr lang="en-US"/>
           </a:p>
         </p:txBody>
       </p:sp>
       <p:sp>
         <p:nvSpPr>
-          <p:cNvPr id="9" name="Slide Number Placeholder 8"/>
+          <p:cNvPr id="9" name="Slide Number Placeholder 17"/>
           <p:cNvSpPr>
             <a:spLocks noGrp="1"/>
           </p:cNvSpPr>
@@ -11516,11 +11712,20 @@
         <p:spPr/>
         <p:txBody>
           <a:bodyPr/>
-          <a:lstStyle/>
-          <a:p>
-            <a:fld id="{343A6E3F-7721-4838-B3F2-C6DA6FD77AEE}" type="slidenum">
-              <a:rPr lang="en-US" smtClean="0"/>
-              <a:pPr/>
+          <a:lstStyle>
+            <a:lvl1pPr>
+              <a:defRPr/>
+            </a:lvl1pPr>
+          </a:lstStyle>
+          <a:p>
+            <a:pPr>
+              <a:defRPr/>
+            </a:pPr>
+            <a:fld id="{3167DBE3-BF43-4C8A-B585-ECB2D655F4B6}" type="slidenum">
+              <a:rPr lang="en-US"/>
+              <a:pPr>
+                <a:defRPr/>
+              </a:pPr>
               <a:t>‹#›</a:t>
             </a:fld>
             <a:endParaRPr lang="en-US"/>
@@ -11569,7 +11774,7 @@
           </a:xfrm>
         </p:spPr>
         <p:txBody>
-          <a:bodyPr vert="horz" tIns="45720" bIns="0" anchor="b">
+          <a:bodyPr>
             <a:normAutofit/>
             <a:scene3d>
               <a:camera prst="orthographicFront"/>
@@ -11605,16 +11810,16 @@
           </a:lstStyle>
           <a:p>
             <a:r>
-              <a:rPr kumimoji="0" lang="en-US" smtClean="0"/>
+              <a:rPr lang="en-US" smtClean="0"/>
               <a:t>Click to edit Master title style</a:t>
             </a:r>
-            <a:endParaRPr kumimoji="0" lang="en-US"/>
+            <a:endParaRPr lang="en-US"/>
           </a:p>
         </p:txBody>
       </p:sp>
       <p:sp>
         <p:nvSpPr>
-          <p:cNvPr id="3" name="Date Placeholder 2"/>
+          <p:cNvPr id="3" name="Date Placeholder 9"/>
           <p:cNvSpPr>
             <a:spLocks noGrp="1"/>
           </p:cNvSpPr>
@@ -11625,12 +11830,21 @@
         <p:spPr/>
         <p:txBody>
           <a:bodyPr/>
-          <a:lstStyle/>
-          <a:p>
-            <a:fld id="{28A3117F-9CA9-4F73-BDBF-A7DA5D1291E3}" type="datetimeFigureOut">
-              <a:rPr lang="en-US" smtClean="0"/>
-              <a:pPr/>
-              <a:t>3/18/2010</a:t>
+          <a:lstStyle>
+            <a:lvl1pPr>
+              <a:defRPr/>
+            </a:lvl1pPr>
+          </a:lstStyle>
+          <a:p>
+            <a:pPr>
+              <a:defRPr/>
+            </a:pPr>
+            <a:fld id="{CA842522-D4DE-4B5E-8BBD-93643D738999}" type="datetimeFigureOut">
+              <a:rPr lang="en-US"/>
+              <a:pPr>
+                <a:defRPr/>
+              </a:pPr>
+              <a:t>3/19/2010</a:t>
             </a:fld>
             <a:endParaRPr lang="en-US"/>
           </a:p>
@@ -11638,7 +11852,7 @@
       </p:sp>
       <p:sp>
         <p:nvSpPr>
-          <p:cNvPr id="4" name="Footer Placeholder 3"/>
+          <p:cNvPr id="4" name="Footer Placeholder 21"/>
           <p:cNvSpPr>
             <a:spLocks noGrp="1"/>
           </p:cNvSpPr>
@@ -11649,15 +11863,22 @@
         <p:spPr/>
         <p:txBody>
           <a:bodyPr/>
-          <a:lstStyle/>
-          <a:p>
+          <a:lstStyle>
+            <a:lvl1pPr>
+              <a:defRPr/>
+            </a:lvl1pPr>
+          </a:lstStyle>
+          <a:p>
+            <a:pPr>
+              <a:defRPr/>
+            </a:pPr>
             <a:endParaRPr lang="en-US"/>
           </a:p>
         </p:txBody>
       </p:sp>
       <p:sp>
         <p:nvSpPr>
-          <p:cNvPr id="5" name="Slide Number Placeholder 4"/>
+          <p:cNvPr id="5" name="Slide Number Placeholder 17"/>
           <p:cNvSpPr>
             <a:spLocks noGrp="1"/>
           </p:cNvSpPr>
@@ -11668,11 +11889,20 @@
         <p:spPr/>
         <p:txBody>
           <a:bodyPr/>
-          <a:lstStyle/>
-          <a:p>
-            <a:fld id="{343A6E3F-7721-4838-B3F2-C6DA6FD77AEE}" type="slidenum">
-              <a:rPr lang="en-US" smtClean="0"/>
-              <a:pPr/>
+          <a:lstStyle>
+            <a:lvl1pPr>
+              <a:defRPr/>
+            </a:lvl1pPr>
+          </a:lstStyle>
+          <a:p>
+            <a:pPr>
+              <a:defRPr/>
+            </a:pPr>
+            <a:fld id="{145F8A1F-163B-4996-952F-C46F1027B81C}" type="slidenum">
+              <a:rPr lang="en-US"/>
+              <a:pPr>
+                <a:defRPr/>
+              </a:pPr>
               <a:t>‹#›</a:t>
             </a:fld>
             <a:endParaRPr lang="en-US"/>
@@ -11706,7 +11936,7 @@
       </p:grpSpPr>
       <p:sp>
         <p:nvSpPr>
-          <p:cNvPr id="2" name="Date Placeholder 1"/>
+          <p:cNvPr id="2" name="Date Placeholder 9"/>
           <p:cNvSpPr>
             <a:spLocks noGrp="1"/>
           </p:cNvSpPr>
@@ -11717,12 +11947,21 @@
         <p:spPr/>
         <p:txBody>
           <a:bodyPr/>
-          <a:lstStyle/>
-          <a:p>
-            <a:fld id="{28A3117F-9CA9-4F73-BDBF-A7DA5D1291E3}" type="datetimeFigureOut">
-              <a:rPr lang="en-US" smtClean="0"/>
-              <a:pPr/>
-              <a:t>3/18/2010</a:t>
+          <a:lstStyle>
+            <a:lvl1pPr>
+              <a:defRPr/>
+            </a:lvl1pPr>
+          </a:lstStyle>
+          <a:p>
+            <a:pPr>
+              <a:defRPr/>
+            </a:pPr>
+            <a:fld id="{6B5711C9-A68C-45E4-BEB1-4CBFB1813960}" type="datetimeFigureOut">
+              <a:rPr lang="en-US"/>
+              <a:pPr>
+                <a:defRPr/>
+              </a:pPr>
+              <a:t>3/19/2010</a:t>
             </a:fld>
             <a:endParaRPr lang="en-US"/>
           </a:p>
@@ -11730,7 +11969,7 @@
       </p:sp>
       <p:sp>
         <p:nvSpPr>
-          <p:cNvPr id="3" name="Footer Placeholder 2"/>
+          <p:cNvPr id="3" name="Footer Placeholder 21"/>
           <p:cNvSpPr>
             <a:spLocks noGrp="1"/>
           </p:cNvSpPr>
@@ -11741,15 +11980,22 @@
         <p:spPr/>
         <p:txBody>
           <a:bodyPr/>
-          <a:lstStyle/>
-          <a:p>
+          <a:lstStyle>
+            <a:lvl1pPr>
+              <a:defRPr/>
+            </a:lvl1pPr>
+          </a:lstStyle>
+          <a:p>
+            <a:pPr>
+              <a:defRPr/>
+            </a:pPr>
             <a:endParaRPr lang="en-US"/>
           </a:p>
         </p:txBody>
       </p:sp>
       <p:sp>
         <p:nvSpPr>
-          <p:cNvPr id="4" name="Slide Number Placeholder 3"/>
+          <p:cNvPr id="4" name="Slide Number Placeholder 17"/>
           <p:cNvSpPr>
             <a:spLocks noGrp="1"/>
           </p:cNvSpPr>
@@ -11760,11 +12006,20 @@
         <p:spPr/>
         <p:txBody>
           <a:bodyPr/>
-          <a:lstStyle/>
-          <a:p>
-            <a:fld id="{343A6E3F-7721-4838-B3F2-C6DA6FD77AEE}" type="slidenum">
-              <a:rPr lang="en-US" smtClean="0"/>
-              <a:pPr/>
+          <a:lstStyle>
+            <a:lvl1pPr>
+              <a:defRPr/>
+            </a:lvl1pPr>
+          </a:lstStyle>
+          <a:p>
+            <a:pPr>
+              <a:defRPr/>
+            </a:pPr>
+            <a:fld id="{B2994157-1FB5-4290-8180-03A2F2B5B4D6}" type="slidenum">
+              <a:rPr lang="en-US"/>
+              <a:pPr>
+                <a:defRPr/>
+              </a:pPr>
               <a:t>‹#›</a:t>
             </a:fld>
             <a:endParaRPr lang="en-US"/>
@@ -11813,7 +12068,7 @@
           </a:xfrm>
         </p:spPr>
         <p:txBody>
-          <a:bodyPr lIns="0" anchor="b">
+          <a:bodyPr>
             <a:noAutofit/>
           </a:bodyPr>
           <a:lstStyle>
@@ -11838,10 +12093,10 @@
           </a:lstStyle>
           <a:p>
             <a:r>
-              <a:rPr kumimoji="0" lang="en-US" smtClean="0"/>
+              <a:rPr lang="en-US" smtClean="0"/>
               <a:t>Click to edit Master title style</a:t>
             </a:r>
-            <a:endParaRPr kumimoji="0" lang="en-US"/>
+            <a:endParaRPr lang="en-US"/>
           </a:p>
         </p:txBody>
       </p:sp>
@@ -11886,9 +12141,9 @@
             </a:lvl5pPr>
           </a:lstStyle>
           <a:p>
-            <a:pPr lvl="0" eaLnBrk="1" latinLnBrk="0" hangingPunct="1"/>
-            <a:r>
-              <a:rPr kumimoji="0" lang="en-US" smtClean="0"/>
+            <a:pPr lvl="0"/>
+            <a:r>
+              <a:rPr lang="en-US" smtClean="0"/>
               <a:t>Click to edit Master text styles</a:t>
             </a:r>
           </a:p>
@@ -11930,46 +12185,46 @@
             </a:lvl5pPr>
           </a:lstStyle>
           <a:p>
-            <a:pPr lvl="0" eaLnBrk="1" latinLnBrk="0" hangingPunct="1"/>
+            <a:pPr lvl="0"/>
             <a:r>
               <a:rPr lang="en-US" smtClean="0"/>
               <a:t>Click to edit Master text styles</a:t>
             </a:r>
           </a:p>
           <a:p>
-            <a:pPr lvl="1" eaLnBrk="1" latinLnBrk="0" hangingPunct="1"/>
+            <a:pPr lvl="1"/>
             <a:r>
               <a:rPr lang="en-US" smtClean="0"/>
               <a:t>Second level</a:t>
             </a:r>
           </a:p>
           <a:p>
-            <a:pPr lvl="2" eaLnBrk="1" latinLnBrk="0" hangingPunct="1"/>
+            <a:pPr lvl="2"/>
             <a:r>
               <a:rPr lang="en-US" smtClean="0"/>
               <a:t>Third level</a:t>
             </a:r>
           </a:p>
           <a:p>
-            <a:pPr lvl="3" eaLnBrk="1" latinLnBrk="0" hangingPunct="1"/>
+            <a:pPr lvl="3"/>
             <a:r>
               <a:rPr lang="en-US" smtClean="0"/>
               <a:t>Fourth level</a:t>
             </a:r>
           </a:p>
           <a:p>
-            <a:pPr lvl="4" eaLnBrk="1" latinLnBrk="0" hangingPunct="1"/>
+            <a:pPr lvl="4"/>
             <a:r>
               <a:rPr lang="en-US" smtClean="0"/>
               <a:t>Fifth level</a:t>
             </a:r>
-            <a:endParaRPr kumimoji="0" lang="en-US"/>
+            <a:endParaRPr lang="en-US"/>
           </a:p>
         </p:txBody>
       </p:sp>
       <p:sp>
         <p:nvSpPr>
-          <p:cNvPr id="5" name="Date Placeholder 4"/>
+          <p:cNvPr id="5" name="Date Placeholder 9"/>
           <p:cNvSpPr>
             <a:spLocks noGrp="1"/>
           </p:cNvSpPr>
@@ -11980,12 +12235,21 @@
         <p:spPr/>
         <p:txBody>
           <a:bodyPr/>
-          <a:lstStyle/>
-          <a:p>
-            <a:fld id="{28A3117F-9CA9-4F73-BDBF-A7DA5D1291E3}" type="datetimeFigureOut">
-              <a:rPr lang="en-US" smtClean="0"/>
-              <a:pPr/>
-              <a:t>3/18/2010</a:t>
+          <a:lstStyle>
+            <a:lvl1pPr>
+              <a:defRPr/>
+            </a:lvl1pPr>
+          </a:lstStyle>
+          <a:p>
+            <a:pPr>
+              <a:defRPr/>
+            </a:pPr>
+            <a:fld id="{03FD6E98-A955-4199-8EC8-A3CB09732730}" type="datetimeFigureOut">
+              <a:rPr lang="en-US"/>
+              <a:pPr>
+                <a:defRPr/>
+              </a:pPr>
+              <a:t>3/19/2010</a:t>
             </a:fld>
             <a:endParaRPr lang="en-US"/>
           </a:p>
@@ -11993,7 +12257,7 @@
       </p:sp>
       <p:sp>
         <p:nvSpPr>
-          <p:cNvPr id="6" name="Footer Placeholder 5"/>
+          <p:cNvPr id="6" name="Footer Placeholder 21"/>
           <p:cNvSpPr>
             <a:spLocks noGrp="1"/>
           </p:cNvSpPr>
@@ -12004,15 +12268,22 @@
         <p:spPr/>
         <p:txBody>
           <a:bodyPr/>
-          <a:lstStyle/>
-          <a:p>
+          <a:lstStyle>
+            <a:lvl1pPr>
+              <a:defRPr/>
+            </a:lvl1pPr>
+          </a:lstStyle>
+          <a:p>
+            <a:pPr>
+              <a:defRPr/>
+            </a:pPr>
             <a:endParaRPr lang="en-US"/>
           </a:p>
         </p:txBody>
       </p:sp>
       <p:sp>
         <p:nvSpPr>
-          <p:cNvPr id="7" name="Slide Number Placeholder 6"/>
+          <p:cNvPr id="7" name="Slide Number Placeholder 17"/>
           <p:cNvSpPr>
             <a:spLocks noGrp="1"/>
           </p:cNvSpPr>
@@ -12023,11 +12294,20 @@
         <p:spPr/>
         <p:txBody>
           <a:bodyPr/>
-          <a:lstStyle/>
-          <a:p>
-            <a:fld id="{343A6E3F-7721-4838-B3F2-C6DA6FD77AEE}" type="slidenum">
-              <a:rPr lang="en-US" smtClean="0"/>
-              <a:pPr/>
+          <a:lstStyle>
+            <a:lvl1pPr>
+              <a:defRPr/>
+            </a:lvl1pPr>
+          </a:lstStyle>
+          <a:p>
+            <a:pPr>
+              <a:defRPr/>
+            </a:pPr>
+            <a:fld id="{19FE54BB-13D8-4336-A9C2-3AACBDEDB605}" type="slidenum">
+              <a:rPr lang="en-US"/>
+              <a:pPr>
+                <a:defRPr/>
+              </a:pPr>
               <a:t>‹#›</a:t>
             </a:fld>
             <a:endParaRPr lang="en-US"/>
@@ -12061,13 +12341,13 @@
       </p:grpSpPr>
       <p:sp>
         <p:nvSpPr>
-          <p:cNvPr id="9" name="Snip and Round Single Corner Rectangle 8"/>
+          <p:cNvPr id="5" name="Snip and Round Single Corner Rectangle 4"/>
           <p:cNvSpPr/>
           <p:nvPr/>
         </p:nvSpPr>
         <p:spPr>
           <a:xfrm rot="420000" flipV="1">
-            <a:off x="3165753" y="1108077"/>
+            <a:off x="3165475" y="1108075"/>
             <a:ext cx="5257800" cy="4114800"/>
           </a:xfrm>
           <a:prstGeom prst="snipRoundRect">
@@ -12108,24 +12388,32 @@
           </a:fontRef>
         </p:style>
         <p:txBody>
-          <a:bodyPr rtlCol="0" anchor="ctr"/>
+          <a:bodyPr anchor="ctr"/>
           <a:lstStyle/>
           <a:p>
-            <a:pPr algn="ctr" eaLnBrk="1" latinLnBrk="0" hangingPunct="1"/>
-            <a:endParaRPr kumimoji="0" lang="en-US"/>
+            <a:pPr algn="ctr" fontAlgn="auto">
+              <a:spcBef>
+                <a:spcPts val="0"/>
+              </a:spcBef>
+              <a:spcAft>
+                <a:spcPts val="0"/>
+              </a:spcAft>
+              <a:defRPr/>
+            </a:pPr>
+            <a:endParaRPr lang="en-US"/>
           </a:p>
         </p:txBody>
       </p:sp>
       <p:sp>
         <p:nvSpPr>
-          <p:cNvPr id="12" name="Right Triangle 11"/>
+          <p:cNvPr id="6" name="Right Triangle 5"/>
           <p:cNvSpPr/>
           <p:nvPr/>
         </p:nvSpPr>
         <p:spPr>
           <a:xfrm rot="420000" flipV="1">
-            <a:off x="8004134" y="5359769"/>
-            <a:ext cx="155448" cy="155448"/>
+            <a:off x="8004175" y="5359400"/>
+            <a:ext cx="155575" cy="155575"/>
           </a:xfrm>
           <a:prstGeom prst="rtTriangle">
             <a:avLst/>
@@ -12163,221 +12451,25 @@
           </a:fontRef>
         </p:style>
         <p:txBody>
-          <a:bodyPr rtlCol="0" anchor="ctr"/>
+          <a:bodyPr anchor="ctr"/>
           <a:lstStyle/>
           <a:p>
-            <a:pPr algn="ctr" eaLnBrk="1" latinLnBrk="0" hangingPunct="1"/>
-            <a:endParaRPr kumimoji="0" lang="en-US"/>
+            <a:pPr algn="ctr" fontAlgn="auto">
+              <a:spcBef>
+                <a:spcPts val="0"/>
+              </a:spcBef>
+              <a:spcAft>
+                <a:spcPts val="0"/>
+              </a:spcAft>
+              <a:defRPr/>
+            </a:pPr>
+            <a:endParaRPr lang="en-US"/>
           </a:p>
         </p:txBody>
       </p:sp>
       <p:sp>
         <p:nvSpPr>
-          <p:cNvPr id="2" name="Title 1"/>
-          <p:cNvSpPr>
-            <a:spLocks noGrp="1"/>
-          </p:cNvSpPr>
-          <p:nvPr>
-            <p:ph type="title"/>
-          </p:nvPr>
-        </p:nvSpPr>
-        <p:spPr>
-          <a:xfrm>
-            <a:off x="609600" y="1176996"/>
-            <a:ext cx="2212848" cy="1582621"/>
-          </a:xfrm>
-        </p:spPr>
-        <p:txBody>
-          <a:bodyPr vert="horz" lIns="45720" tIns="45720" rIns="45720" bIns="45720" anchor="b"/>
-          <a:lstStyle>
-            <a:lvl1pPr algn="l">
-              <a:buNone/>
-              <a:defRPr sz="2000" b="1">
-                <a:solidFill>
-                  <a:schemeClr val="tx2"/>
-                </a:solidFill>
-              </a:defRPr>
-            </a:lvl1pPr>
-          </a:lstStyle>
-          <a:p>
-            <a:r>
-              <a:rPr kumimoji="0" lang="en-US" smtClean="0"/>
-              <a:t>Click to edit Master title style</a:t>
-            </a:r>
-            <a:endParaRPr kumimoji="0" lang="en-US"/>
-          </a:p>
-        </p:txBody>
-      </p:sp>
-      <p:sp>
-        <p:nvSpPr>
-          <p:cNvPr id="4" name="Text Placeholder 3"/>
-          <p:cNvSpPr>
-            <a:spLocks noGrp="1"/>
-          </p:cNvSpPr>
-          <p:nvPr>
-            <p:ph type="body" sz="half" idx="2"/>
-          </p:nvPr>
-        </p:nvSpPr>
-        <p:spPr>
-          <a:xfrm>
-            <a:off x="609600" y="2828785"/>
-            <a:ext cx="2209800" cy="2179320"/>
-          </a:xfrm>
-        </p:spPr>
-        <p:txBody>
-          <a:bodyPr lIns="64008" rIns="45720" bIns="45720" anchor="t"/>
-          <a:lstStyle>
-            <a:lvl1pPr marL="0" indent="0" algn="l">
-              <a:spcBef>
-                <a:spcPts val="250"/>
-              </a:spcBef>
-              <a:buFontTx/>
-              <a:buNone/>
-              <a:defRPr sz="1300"/>
-            </a:lvl1pPr>
-            <a:lvl2pPr>
-              <a:defRPr sz="1200"/>
-            </a:lvl2pPr>
-            <a:lvl3pPr>
-              <a:defRPr sz="1000"/>
-            </a:lvl3pPr>
-            <a:lvl4pPr>
-              <a:defRPr sz="900"/>
-            </a:lvl4pPr>
-            <a:lvl5pPr>
-              <a:defRPr sz="900"/>
-            </a:lvl5pPr>
-          </a:lstStyle>
-          <a:p>
-            <a:pPr lvl="0" eaLnBrk="1" latinLnBrk="0" hangingPunct="1"/>
-            <a:r>
-              <a:rPr kumimoji="0" lang="en-US" smtClean="0"/>
-              <a:t>Click to edit Master text styles</a:t>
-            </a:r>
-          </a:p>
-        </p:txBody>
-      </p:sp>
-      <p:sp>
-        <p:nvSpPr>
-          <p:cNvPr id="5" name="Date Placeholder 4"/>
-          <p:cNvSpPr>
-            <a:spLocks noGrp="1"/>
-          </p:cNvSpPr>
-          <p:nvPr>
-            <p:ph type="dt" sz="half" idx="10"/>
-          </p:nvPr>
-        </p:nvSpPr>
-        <p:spPr/>
-        <p:txBody>
-          <a:bodyPr/>
-          <a:lstStyle/>
-          <a:p>
-            <a:fld id="{28A3117F-9CA9-4F73-BDBF-A7DA5D1291E3}" type="datetimeFigureOut">
-              <a:rPr lang="en-US" smtClean="0"/>
-              <a:pPr/>
-              <a:t>3/18/2010</a:t>
-            </a:fld>
-            <a:endParaRPr lang="en-US"/>
-          </a:p>
-        </p:txBody>
-      </p:sp>
-      <p:sp>
-        <p:nvSpPr>
-          <p:cNvPr id="6" name="Footer Placeholder 5"/>
-          <p:cNvSpPr>
-            <a:spLocks noGrp="1"/>
-          </p:cNvSpPr>
-          <p:nvPr>
-            <p:ph type="ftr" sz="quarter" idx="11"/>
-          </p:nvPr>
-        </p:nvSpPr>
-        <p:spPr/>
-        <p:txBody>
-          <a:bodyPr/>
-          <a:lstStyle/>
-          <a:p>
-            <a:endParaRPr lang="en-US"/>
-          </a:p>
-        </p:txBody>
-      </p:sp>
-      <p:sp>
-        <p:nvSpPr>
-          <p:cNvPr id="7" name="Slide Number Placeholder 6"/>
-          <p:cNvSpPr>
-            <a:spLocks noGrp="1"/>
-          </p:cNvSpPr>
-          <p:nvPr>
-            <p:ph type="sldNum" sz="quarter" idx="12"/>
-          </p:nvPr>
-        </p:nvSpPr>
-        <p:spPr>
-          <a:xfrm>
-            <a:off x="8077200" y="6356350"/>
-            <a:ext cx="609600" cy="365125"/>
-          </a:xfrm>
-        </p:spPr>
-        <p:txBody>
-          <a:bodyPr/>
-          <a:lstStyle/>
-          <a:p>
-            <a:fld id="{343A6E3F-7721-4838-B3F2-C6DA6FD77AEE}" type="slidenum">
-              <a:rPr lang="en-US" smtClean="0"/>
-              <a:pPr/>
-              <a:t>‹#›</a:t>
-            </a:fld>
-            <a:endParaRPr lang="en-US"/>
-          </a:p>
-        </p:txBody>
-      </p:sp>
-      <p:sp>
-        <p:nvSpPr>
-          <p:cNvPr id="3" name="Picture Placeholder 2"/>
-          <p:cNvSpPr>
-            <a:spLocks noGrp="1"/>
-          </p:cNvSpPr>
-          <p:nvPr>
-            <p:ph type="pic" idx="1"/>
-          </p:nvPr>
-        </p:nvSpPr>
-        <p:spPr>
-          <a:xfrm rot="420000">
-            <a:off x="3485793" y="1199517"/>
-            <a:ext cx="4617720" cy="3931920"/>
-          </a:xfrm>
-          <a:prstGeom prst="rect">
-            <a:avLst/>
-          </a:prstGeom>
-          <a:solidFill>
-            <a:schemeClr val="bg2"/>
-          </a:solidFill>
-          <a:ln w="3000" cap="rnd">
-            <a:solidFill>
-              <a:srgbClr val="C0C0C0"/>
-            </a:solidFill>
-            <a:round/>
-          </a:ln>
-          <a:effectLst/>
-        </p:spPr>
-        <p:txBody>
-          <a:bodyPr/>
-          <a:lstStyle>
-            <a:lvl1pPr marL="0" indent="0">
-              <a:buNone/>
-              <a:defRPr sz="3200"/>
-            </a:lvl1pPr>
-          </a:lstStyle>
-          <a:p>
-            <a:r>
-              <a:rPr kumimoji="0" lang="en-US" smtClean="0"/>
-              <a:t>Click icon to add picture</a:t>
-            </a:r>
-            <a:endParaRPr kumimoji="0" lang="en-US" dirty="0"/>
-          </a:p>
-        </p:txBody>
-      </p:sp>
-      <p:sp>
-        <p:nvSpPr>
-          <p:cNvPr id="10" name="Freeform 9"/>
+          <p:cNvPr id="7" name="Freeform 6"/>
           <p:cNvSpPr>
             <a:spLocks/>
           </p:cNvSpPr>
@@ -12503,16 +12595,20 @@
           <a:effectLst/>
         </p:spPr>
         <p:txBody>
-          <a:bodyPr vert="horz" wrap="square" lIns="91440" tIns="45720" rIns="91440" bIns="45720" anchor="t" compatLnSpc="1"/>
+          <a:bodyPr/>
           <a:lstStyle/>
           <a:p>
-            <a:pPr marL="0" algn="l" rtl="0" eaLnBrk="1" latinLnBrk="0" hangingPunct="1"/>
-            <a:endParaRPr kumimoji="0" lang="en-US">
-              <a:solidFill>
-                <a:schemeClr val="tx1"/>
-              </a:solidFill>
+            <a:pPr fontAlgn="auto">
+              <a:spcBef>
+                <a:spcPts val="0"/>
+              </a:spcBef>
+              <a:spcAft>
+                <a:spcPts val="0"/>
+              </a:spcAft>
+              <a:defRPr/>
+            </a:pPr>
+            <a:endParaRPr lang="en-US">
               <a:latin typeface="+mn-lt"/>
-              <a:ea typeface="+mn-ea"/>
               <a:cs typeface="+mn-cs"/>
             </a:endParaRPr>
           </a:p>
@@ -12520,7 +12616,7 @@
       </p:sp>
       <p:sp>
         <p:nvSpPr>
-          <p:cNvPr id="11" name="Freeform 10"/>
+          <p:cNvPr id="8" name="Freeform 7"/>
           <p:cNvSpPr>
             <a:spLocks/>
           </p:cNvSpPr>
@@ -12616,18 +12712,254 @@
           <a:effectLst/>
         </p:spPr>
         <p:txBody>
-          <a:bodyPr vert="horz" wrap="square" lIns="91440" tIns="45720" rIns="91440" bIns="45720" anchor="t" compatLnSpc="1"/>
+          <a:bodyPr/>
           <a:lstStyle/>
           <a:p>
-            <a:pPr marL="0" algn="l" rtl="0" eaLnBrk="1" latinLnBrk="0" hangingPunct="1"/>
-            <a:endParaRPr kumimoji="0" lang="en-US">
-              <a:solidFill>
-                <a:schemeClr val="tx1"/>
-              </a:solidFill>
+            <a:pPr fontAlgn="auto">
+              <a:spcBef>
+                <a:spcPts val="0"/>
+              </a:spcBef>
+              <a:spcAft>
+                <a:spcPts val="0"/>
+              </a:spcAft>
+              <a:defRPr/>
+            </a:pPr>
+            <a:endParaRPr lang="en-US">
               <a:latin typeface="+mn-lt"/>
-              <a:ea typeface="+mn-ea"/>
               <a:cs typeface="+mn-cs"/>
             </a:endParaRPr>
+          </a:p>
+        </p:txBody>
+      </p:sp>
+      <p:sp>
+        <p:nvSpPr>
+          <p:cNvPr id="2" name="Title 1"/>
+          <p:cNvSpPr>
+            <a:spLocks noGrp="1"/>
+          </p:cNvSpPr>
+          <p:nvPr>
+            <p:ph type="title"/>
+          </p:nvPr>
+        </p:nvSpPr>
+        <p:spPr>
+          <a:xfrm>
+            <a:off x="609600" y="1176996"/>
+            <a:ext cx="2212848" cy="1582621"/>
+          </a:xfrm>
+        </p:spPr>
+        <p:txBody>
+          <a:bodyPr lIns="45720" rIns="45720" bIns="45720"/>
+          <a:lstStyle>
+            <a:lvl1pPr algn="l">
+              <a:buNone/>
+              <a:defRPr sz="2000" b="1">
+                <a:solidFill>
+                  <a:schemeClr val="tx2"/>
+                </a:solidFill>
+              </a:defRPr>
+            </a:lvl1pPr>
+          </a:lstStyle>
+          <a:p>
+            <a:r>
+              <a:rPr lang="en-US" smtClean="0"/>
+              <a:t>Click to edit Master title style</a:t>
+            </a:r>
+            <a:endParaRPr lang="en-US"/>
+          </a:p>
+        </p:txBody>
+      </p:sp>
+      <p:sp>
+        <p:nvSpPr>
+          <p:cNvPr id="4" name="Text Placeholder 3"/>
+          <p:cNvSpPr>
+            <a:spLocks noGrp="1"/>
+          </p:cNvSpPr>
+          <p:nvPr>
+            <p:ph type="body" sz="half" idx="2"/>
+          </p:nvPr>
+        </p:nvSpPr>
+        <p:spPr>
+          <a:xfrm>
+            <a:off x="609600" y="2828785"/>
+            <a:ext cx="2209800" cy="2179320"/>
+          </a:xfrm>
+        </p:spPr>
+        <p:txBody>
+          <a:bodyPr lIns="64008" rIns="45720"/>
+          <a:lstStyle>
+            <a:lvl1pPr marL="0" indent="0" algn="l">
+              <a:spcBef>
+                <a:spcPts val="250"/>
+              </a:spcBef>
+              <a:buFontTx/>
+              <a:buNone/>
+              <a:defRPr sz="1300"/>
+            </a:lvl1pPr>
+            <a:lvl2pPr>
+              <a:defRPr sz="1200"/>
+            </a:lvl2pPr>
+            <a:lvl3pPr>
+              <a:defRPr sz="1000"/>
+            </a:lvl3pPr>
+            <a:lvl4pPr>
+              <a:defRPr sz="900"/>
+            </a:lvl4pPr>
+            <a:lvl5pPr>
+              <a:defRPr sz="900"/>
+            </a:lvl5pPr>
+          </a:lstStyle>
+          <a:p>
+            <a:pPr lvl="0"/>
+            <a:r>
+              <a:rPr lang="en-US" smtClean="0"/>
+              <a:t>Click to edit Master text styles</a:t>
+            </a:r>
+          </a:p>
+        </p:txBody>
+      </p:sp>
+      <p:sp>
+        <p:nvSpPr>
+          <p:cNvPr id="3" name="Picture Placeholder 2"/>
+          <p:cNvSpPr>
+            <a:spLocks noGrp="1"/>
+          </p:cNvSpPr>
+          <p:nvPr>
+            <p:ph type="pic" idx="1"/>
+          </p:nvPr>
+        </p:nvSpPr>
+        <p:spPr>
+          <a:xfrm rot="420000">
+            <a:off x="3485793" y="1199517"/>
+            <a:ext cx="4617720" cy="3931920"/>
+          </a:xfrm>
+          <a:prstGeom prst="rect">
+            <a:avLst/>
+          </a:prstGeom>
+          <a:solidFill>
+            <a:schemeClr val="bg2"/>
+          </a:solidFill>
+          <a:ln w="3000" cap="rnd">
+            <a:solidFill>
+              <a:srgbClr val="C0C0C0"/>
+            </a:solidFill>
+            <a:round/>
+          </a:ln>
+          <a:effectLst/>
+        </p:spPr>
+        <p:txBody>
+          <a:bodyPr>
+            <a:normAutofit/>
+          </a:bodyPr>
+          <a:lstStyle>
+            <a:lvl1pPr marL="0" indent="0">
+              <a:buNone/>
+              <a:defRPr sz="3200"/>
+            </a:lvl1pPr>
+          </a:lstStyle>
+          <a:p>
+            <a:pPr lvl="0"/>
+            <a:r>
+              <a:rPr lang="en-US" noProof="0" smtClean="0"/>
+              <a:t>Click icon to add picture</a:t>
+            </a:r>
+            <a:endParaRPr lang="en-US" noProof="0" dirty="0"/>
+          </a:p>
+        </p:txBody>
+      </p:sp>
+      <p:sp>
+        <p:nvSpPr>
+          <p:cNvPr id="9" name="Date Placeholder 4"/>
+          <p:cNvSpPr>
+            <a:spLocks noGrp="1"/>
+          </p:cNvSpPr>
+          <p:nvPr>
+            <p:ph type="dt" sz="half" idx="10"/>
+          </p:nvPr>
+        </p:nvSpPr>
+        <p:spPr/>
+        <p:txBody>
+          <a:bodyPr/>
+          <a:lstStyle>
+            <a:lvl1pPr>
+              <a:defRPr/>
+            </a:lvl1pPr>
+          </a:lstStyle>
+          <a:p>
+            <a:pPr>
+              <a:defRPr/>
+            </a:pPr>
+            <a:fld id="{69214624-2CF7-4F6A-B242-3561265945F9}" type="datetimeFigureOut">
+              <a:rPr lang="en-US"/>
+              <a:pPr>
+                <a:defRPr/>
+              </a:pPr>
+              <a:t>3/19/2010</a:t>
+            </a:fld>
+            <a:endParaRPr lang="en-US"/>
+          </a:p>
+        </p:txBody>
+      </p:sp>
+      <p:sp>
+        <p:nvSpPr>
+          <p:cNvPr id="10" name="Footer Placeholder 5"/>
+          <p:cNvSpPr>
+            <a:spLocks noGrp="1"/>
+          </p:cNvSpPr>
+          <p:nvPr>
+            <p:ph type="ftr" sz="quarter" idx="11"/>
+          </p:nvPr>
+        </p:nvSpPr>
+        <p:spPr/>
+        <p:txBody>
+          <a:bodyPr/>
+          <a:lstStyle>
+            <a:lvl1pPr>
+              <a:defRPr/>
+            </a:lvl1pPr>
+          </a:lstStyle>
+          <a:p>
+            <a:pPr>
+              <a:defRPr/>
+            </a:pPr>
+            <a:endParaRPr lang="en-US"/>
+          </a:p>
+        </p:txBody>
+      </p:sp>
+      <p:sp>
+        <p:nvSpPr>
+          <p:cNvPr id="11" name="Slide Number Placeholder 6"/>
+          <p:cNvSpPr>
+            <a:spLocks noGrp="1"/>
+          </p:cNvSpPr>
+          <p:nvPr>
+            <p:ph type="sldNum" sz="quarter" idx="12"/>
+          </p:nvPr>
+        </p:nvSpPr>
+        <p:spPr>
+          <a:xfrm>
+            <a:off x="8077200" y="6356350"/>
+            <a:ext cx="609600" cy="365125"/>
+          </a:xfrm>
+        </p:spPr>
+        <p:txBody>
+          <a:bodyPr/>
+          <a:lstStyle>
+            <a:lvl1pPr>
+              <a:defRPr/>
+            </a:lvl1pPr>
+          </a:lstStyle>
+          <a:p>
+            <a:pPr>
+              <a:defRPr/>
+            </a:pPr>
+            <a:fld id="{9544B3D3-8040-4422-98B9-996967C83BEF}" type="slidenum">
+              <a:rPr lang="en-US"/>
+              <a:pPr>
+                <a:defRPr/>
+              </a:pPr>
+              <a:t>‹#›</a:t>
+            </a:fld>
+            <a:endParaRPr lang="en-US"/>
           </a:p>
         </p:txBody>
       </p:sp>
@@ -12671,8 +13003,8 @@
         </p:nvSpPr>
         <p:spPr bwMode="auto">
           <a:xfrm>
-            <a:off x="-9525" y="-7144"/>
-            <a:ext cx="9163050" cy="1041400"/>
+            <a:off x="-9525" y="-7938"/>
+            <a:ext cx="9163050" cy="1041401"/>
           </a:xfrm>
           <a:custGeom>
             <a:avLst>
@@ -12789,16 +13121,20 @@
           <a:effectLst/>
         </p:spPr>
         <p:txBody>
-          <a:bodyPr vert="horz" wrap="square" lIns="91440" tIns="45720" rIns="91440" bIns="45720" anchor="t" compatLnSpc="1"/>
+          <a:bodyPr/>
           <a:lstStyle/>
           <a:p>
-            <a:pPr marL="0" algn="l" rtl="0" eaLnBrk="1" latinLnBrk="0" hangingPunct="1"/>
-            <a:endParaRPr kumimoji="0" lang="en-US">
-              <a:solidFill>
-                <a:schemeClr val="tx1"/>
-              </a:solidFill>
+            <a:pPr fontAlgn="auto">
+              <a:spcBef>
+                <a:spcPts val="0"/>
+              </a:spcBef>
+              <a:spcAft>
+                <a:spcPts val="0"/>
+              </a:spcAft>
+              <a:defRPr/>
+            </a:pPr>
+            <a:endParaRPr lang="en-US">
               <a:latin typeface="+mn-lt"/>
-              <a:ea typeface="+mn-ea"/>
               <a:cs typeface="+mn-cs"/>
             </a:endParaRPr>
           </a:p>
@@ -12814,8 +13150,8 @@
         </p:nvSpPr>
         <p:spPr bwMode="auto">
           <a:xfrm>
-            <a:off x="4381500" y="-7144"/>
-            <a:ext cx="4762500" cy="638175"/>
+            <a:off x="4381500" y="-7938"/>
+            <a:ext cx="4762500" cy="638176"/>
           </a:xfrm>
           <a:custGeom>
             <a:avLst>
@@ -12902,16 +13238,20 @@
           <a:effectLst/>
         </p:spPr>
         <p:txBody>
-          <a:bodyPr vert="horz" wrap="square" lIns="91440" tIns="45720" rIns="91440" bIns="45720" anchor="t" compatLnSpc="1"/>
+          <a:bodyPr/>
           <a:lstStyle/>
           <a:p>
-            <a:pPr marL="0" algn="l" rtl="0" eaLnBrk="1" latinLnBrk="0" hangingPunct="1"/>
-            <a:endParaRPr kumimoji="0" lang="en-US">
-              <a:solidFill>
-                <a:schemeClr val="tx1"/>
-              </a:solidFill>
+            <a:pPr fontAlgn="auto">
+              <a:spcBef>
+                <a:spcPts val="0"/>
+              </a:spcBef>
+              <a:spcAft>
+                <a:spcPts val="0"/>
+              </a:spcAft>
+              <a:defRPr/>
+            </a:pPr>
+            <a:endParaRPr lang="en-US">
               <a:latin typeface="+mn-lt"/>
-              <a:ea typeface="+mn-ea"/>
               <a:cs typeface="+mn-cs"/>
             </a:endParaRPr>
           </a:p>
@@ -12919,7 +13259,7 @@
       </p:sp>
       <p:sp>
         <p:nvSpPr>
-          <p:cNvPr id="9" name="Title Placeholder 8"/>
+          <p:cNvPr id="1028" name="Title Placeholder 8"/>
           <p:cNvSpPr>
             <a:spLocks noGrp="1"/>
           </p:cNvSpPr>
@@ -12927,32 +13267,41 @@
             <p:ph type="title"/>
           </p:nvPr>
         </p:nvSpPr>
-        <p:spPr>
+        <p:spPr bwMode="auto">
           <a:xfrm>
-            <a:off x="457200" y="704088"/>
+            <a:off x="457200" y="704850"/>
             <a:ext cx="8229600" cy="1143000"/>
           </a:xfrm>
           <a:prstGeom prst="rect">
             <a:avLst/>
           </a:prstGeom>
+          <a:noFill/>
+          <a:ln w="9525">
+            <a:noFill/>
+            <a:miter lim="800000"/>
+            <a:headEnd/>
+            <a:tailEnd/>
+          </a:ln>
         </p:spPr>
         <p:txBody>
-          <a:bodyPr vert="horz" lIns="0" rIns="0" bIns="0" anchor="b">
-            <a:normAutofit/>
+          <a:bodyPr vert="horz" wrap="square" lIns="0" tIns="45720" rIns="0" bIns="0" numCol="1" anchor="b" anchorCtr="0" compatLnSpc="1">
+            <a:prstTxWarp prst="textNoShape">
+              <a:avLst/>
+            </a:prstTxWarp>
           </a:bodyPr>
           <a:lstStyle/>
           <a:p>
-            <a:r>
-              <a:rPr kumimoji="0" lang="en-US" smtClean="0"/>
+            <a:pPr lvl="0"/>
+            <a:r>
+              <a:rPr lang="en-US" smtClean="0"/>
               <a:t>Click to edit Master title style</a:t>
             </a:r>
-            <a:endParaRPr kumimoji="0" lang="en-US"/>
           </a:p>
         </p:txBody>
       </p:sp>
       <p:sp>
         <p:nvSpPr>
-          <p:cNvPr id="30" name="Text Placeholder 29"/>
+          <p:cNvPr id="1029" name="Text Placeholder 29"/>
           <p:cNvSpPr>
             <a:spLocks noGrp="1"/>
           </p:cNvSpPr>
@@ -12960,55 +13309,63 @@
             <p:ph type="body" idx="1"/>
           </p:nvPr>
         </p:nvSpPr>
-        <p:spPr>
+        <p:spPr bwMode="auto">
           <a:xfrm>
-            <a:off x="457200" y="1935480"/>
-            <a:ext cx="8229600" cy="4389120"/>
+            <a:off x="457200" y="1935163"/>
+            <a:ext cx="8229600" cy="4389437"/>
           </a:xfrm>
           <a:prstGeom prst="rect">
             <a:avLst/>
           </a:prstGeom>
+          <a:noFill/>
+          <a:ln w="9525">
+            <a:noFill/>
+            <a:miter lim="800000"/>
+            <a:headEnd/>
+            <a:tailEnd/>
+          </a:ln>
         </p:spPr>
         <p:txBody>
-          <a:bodyPr vert="horz">
-            <a:normAutofit/>
+          <a:bodyPr vert="horz" wrap="square" lIns="91440" tIns="45720" rIns="91440" bIns="45720" numCol="1" anchor="t" anchorCtr="0" compatLnSpc="1">
+            <a:prstTxWarp prst="textNoShape">
+              <a:avLst/>
+            </a:prstTxWarp>
           </a:bodyPr>
           <a:lstStyle/>
           <a:p>
-            <a:pPr lvl="0" eaLnBrk="1" latinLnBrk="0" hangingPunct="1"/>
-            <a:r>
-              <a:rPr kumimoji="0" lang="en-US" smtClean="0"/>
+            <a:pPr lvl="0"/>
+            <a:r>
+              <a:rPr lang="en-US" smtClean="0"/>
               <a:t>Click to edit Master text styles</a:t>
             </a:r>
           </a:p>
           <a:p>
-            <a:pPr lvl="1" eaLnBrk="1" latinLnBrk="0" hangingPunct="1"/>
-            <a:r>
-              <a:rPr kumimoji="0" lang="en-US" smtClean="0"/>
+            <a:pPr lvl="1"/>
+            <a:r>
+              <a:rPr lang="en-US" smtClean="0"/>
               <a:t>Second level</a:t>
             </a:r>
           </a:p>
           <a:p>
-            <a:pPr lvl="2" eaLnBrk="1" latinLnBrk="0" hangingPunct="1"/>
-            <a:r>
-              <a:rPr kumimoji="0" lang="en-US" smtClean="0"/>
+            <a:pPr lvl="2"/>
+            <a:r>
+              <a:rPr lang="en-US" smtClean="0"/>
               <a:t>Third level</a:t>
             </a:r>
           </a:p>
           <a:p>
-            <a:pPr lvl="3" eaLnBrk="1" latinLnBrk="0" hangingPunct="1"/>
-            <a:r>
-              <a:rPr kumimoji="0" lang="en-US" smtClean="0"/>
+            <a:pPr lvl="3"/>
+            <a:r>
+              <a:rPr lang="en-US" smtClean="0"/>
               <a:t>Fourth level</a:t>
             </a:r>
           </a:p>
           <a:p>
-            <a:pPr lvl="4" eaLnBrk="1" latinLnBrk="0" hangingPunct="1"/>
-            <a:r>
-              <a:rPr kumimoji="0" lang="en-US" smtClean="0"/>
+            <a:pPr lvl="4"/>
+            <a:r>
+              <a:rPr lang="en-US" smtClean="0"/>
               <a:t>Fifth level</a:t>
             </a:r>
-            <a:endParaRPr kumimoji="0" lang="en-US"/>
           </a:p>
         </p:txBody>
       </p:sp>
@@ -13034,21 +13391,34 @@
         <p:txBody>
           <a:bodyPr vert="horz" lIns="0" tIns="0" rIns="0" bIns="0" anchor="b"/>
           <a:lstStyle>
-            <a:lvl1pPr algn="l" eaLnBrk="1" latinLnBrk="0" hangingPunct="1">
-              <a:defRPr kumimoji="0" sz="1200">
+            <a:lvl1pPr algn="l" eaLnBrk="1" fontAlgn="auto" latinLnBrk="0" hangingPunct="1">
+              <a:spcBef>
+                <a:spcPts val="0"/>
+              </a:spcBef>
+              <a:spcAft>
+                <a:spcPts val="0"/>
+              </a:spcAft>
+              <a:defRPr kumimoji="0" sz="1200" smtClean="0">
                 <a:solidFill>
                   <a:schemeClr val="tx2">
                     <a:shade val="90000"/>
                   </a:schemeClr>
                 </a:solidFill>
+                <a:latin typeface="+mn-lt"/>
+                <a:cs typeface="+mn-cs"/>
               </a:defRPr>
             </a:lvl1pPr>
           </a:lstStyle>
           <a:p>
-            <a:fld id="{28A3117F-9CA9-4F73-BDBF-A7DA5D1291E3}" type="datetimeFigureOut">
-              <a:rPr lang="en-US" smtClean="0"/>
-              <a:pPr/>
-              <a:t>3/18/2010</a:t>
+            <a:pPr>
+              <a:defRPr/>
+            </a:pPr>
+            <a:fld id="{85C8C131-BF88-4F29-B95A-A2D566185CC9}" type="datetimeFigureOut">
+              <a:rPr lang="en-US"/>
+              <a:pPr>
+                <a:defRPr/>
+              </a:pPr>
+              <a:t>3/19/2010</a:t>
             </a:fld>
             <a:endParaRPr lang="en-US"/>
           </a:p>
@@ -13076,17 +13446,28 @@
         <p:txBody>
           <a:bodyPr vert="horz" lIns="0" tIns="0" rIns="0" bIns="0" anchor="b"/>
           <a:lstStyle>
-            <a:lvl1pPr algn="l" eaLnBrk="1" latinLnBrk="0" hangingPunct="1">
+            <a:lvl1pPr algn="l" eaLnBrk="1" fontAlgn="auto" latinLnBrk="0" hangingPunct="1">
+              <a:spcBef>
+                <a:spcPts val="0"/>
+              </a:spcBef>
+              <a:spcAft>
+                <a:spcPts val="0"/>
+              </a:spcAft>
               <a:defRPr kumimoji="0" sz="1200">
                 <a:solidFill>
                   <a:schemeClr val="tx2">
                     <a:shade val="90000"/>
                   </a:schemeClr>
                 </a:solidFill>
+                <a:latin typeface="+mn-lt"/>
+                <a:cs typeface="+mn-cs"/>
               </a:defRPr>
             </a:lvl1pPr>
           </a:lstStyle>
           <a:p>
+            <a:pPr>
+              <a:defRPr/>
+            </a:pPr>
             <a:endParaRPr lang="en-US"/>
           </a:p>
         </p:txBody>
@@ -13113,20 +13494,33 @@
         <p:txBody>
           <a:bodyPr vert="horz" lIns="0" tIns="0" rIns="0" bIns="0" anchor="b"/>
           <a:lstStyle>
-            <a:lvl1pPr algn="r" eaLnBrk="1" latinLnBrk="0" hangingPunct="1">
-              <a:defRPr kumimoji="0" sz="1200">
+            <a:lvl1pPr algn="r" eaLnBrk="1" fontAlgn="auto" latinLnBrk="0" hangingPunct="1">
+              <a:spcBef>
+                <a:spcPts val="0"/>
+              </a:spcBef>
+              <a:spcAft>
+                <a:spcPts val="0"/>
+              </a:spcAft>
+              <a:defRPr kumimoji="0" sz="1200" smtClean="0">
                 <a:solidFill>
                   <a:schemeClr val="tx2">
                     <a:shade val="90000"/>
                   </a:schemeClr>
                 </a:solidFill>
+                <a:latin typeface="+mn-lt"/>
+                <a:cs typeface="+mn-cs"/>
               </a:defRPr>
             </a:lvl1pPr>
           </a:lstStyle>
           <a:p>
-            <a:fld id="{343A6E3F-7721-4838-B3F2-C6DA6FD77AEE}" type="slidenum">
-              <a:rPr lang="en-US" smtClean="0"/>
-              <a:pPr/>
+            <a:pPr>
+              <a:defRPr/>
+            </a:pPr>
+            <a:fld id="{6936F6C9-6FF6-4715-B0B0-440D5A5DEDDB}" type="slidenum">
+              <a:rPr lang="en-US"/>
+              <a:pPr>
+                <a:defRPr/>
+              </a:pPr>
               <a:t>‹#›</a:t>
             </a:fld>
             <a:endParaRPr lang="en-US"/>
@@ -13135,14 +13529,16 @@
       </p:sp>
       <p:grpSp>
         <p:nvGrpSpPr>
-          <p:cNvPr id="2" name="Group 1"/>
-          <p:cNvGrpSpPr/>
+          <p:cNvPr id="1033" name="Group 1"/>
+          <p:cNvGrpSpPr>
+            <a:grpSpLocks/>
+          </p:cNvGrpSpPr>
           <p:nvPr/>
         </p:nvGrpSpPr>
-        <p:grpSpPr>
+        <p:grpSpPr bwMode="auto">
           <a:xfrm>
-            <a:off x="-19017" y="202408"/>
-            <a:ext cx="9180548" cy="649224"/>
+            <a:off x="-19050" y="203200"/>
+            <a:ext cx="9180513" cy="647700"/>
             <a:chOff x="-19045" y="216550"/>
             <a:chExt cx="9180548" cy="649224"/>
           </a:xfrm>
@@ -13242,10 +13638,22 @@
             <a:effectLst/>
           </p:spPr>
           <p:txBody>
-            <a:bodyPr vert="horz" wrap="square" lIns="91440" tIns="45720" rIns="91440" bIns="45720" anchor="t" compatLnSpc="1"/>
+            <a:bodyPr/>
             <a:lstStyle/>
             <a:p>
-              <a:endParaRPr kumimoji="0" lang="en-US"/>
+              <a:pPr fontAlgn="auto">
+                <a:spcBef>
+                  <a:spcPts val="0"/>
+                </a:spcBef>
+                <a:spcAft>
+                  <a:spcPts val="0"/>
+                </a:spcAft>
+                <a:defRPr/>
+              </a:pPr>
+              <a:endParaRPr lang="en-US">
+                <a:latin typeface="+mn-lt"/>
+                <a:cs typeface="+mn-cs"/>
+              </a:endParaRPr>
             </a:p>
           </p:txBody>
         </p:sp>
@@ -13339,10 +13747,22 @@
             <a:effectLst/>
           </p:spPr>
           <p:txBody>
-            <a:bodyPr vert="horz" wrap="square" lIns="91440" tIns="45720" rIns="91440" bIns="45720" anchor="t" compatLnSpc="1"/>
+            <a:bodyPr/>
             <a:lstStyle/>
             <a:p>
-              <a:endParaRPr kumimoji="0" lang="en-US"/>
+              <a:pPr fontAlgn="auto">
+                <a:spcBef>
+                  <a:spcPts val="0"/>
+                </a:spcBef>
+                <a:spcAft>
+                  <a:spcPts val="0"/>
+                </a:spcAft>
+                <a:defRPr/>
+              </a:pPr>
+              <a:endParaRPr lang="en-US">
+                <a:latin typeface="+mn-lt"/>
+                <a:cs typeface="+mn-cs"/>
+              </a:endParaRPr>
             </a:p>
           </p:txBody>
         </p:sp>
@@ -13351,51 +13771,164 @@
   </p:cSld>
   <p:clrMap bg1="lt1" tx1="dk1" bg2="lt2" tx2="dk2" accent1="accent1" accent2="accent2" accent3="accent3" accent4="accent4" accent5="accent5" accent6="accent6" hlink="hlink" folHlink="folHlink"/>
   <p:sldLayoutIdLst>
-    <p:sldLayoutId id="2147483661" r:id="rId1"/>
-    <p:sldLayoutId id="2147483662" r:id="rId2"/>
-    <p:sldLayoutId id="2147483663" r:id="rId3"/>
-    <p:sldLayoutId id="2147483664" r:id="rId4"/>
-    <p:sldLayoutId id="2147483665" r:id="rId5"/>
-    <p:sldLayoutId id="2147483666" r:id="rId6"/>
-    <p:sldLayoutId id="2147483667" r:id="rId7"/>
-    <p:sldLayoutId id="2147483668" r:id="rId8"/>
-    <p:sldLayoutId id="2147483669" r:id="rId9"/>
-    <p:sldLayoutId id="2147483670" r:id="rId10"/>
-    <p:sldLayoutId id="2147483671" r:id="rId11"/>
+    <p:sldLayoutId id="2147483683" r:id="rId1"/>
+    <p:sldLayoutId id="2147483675" r:id="rId2"/>
+    <p:sldLayoutId id="2147483684" r:id="rId3"/>
+    <p:sldLayoutId id="2147483676" r:id="rId4"/>
+    <p:sldLayoutId id="2147483677" r:id="rId5"/>
+    <p:sldLayoutId id="2147483678" r:id="rId6"/>
+    <p:sldLayoutId id="2147483679" r:id="rId7"/>
+    <p:sldLayoutId id="2147483680" r:id="rId8"/>
+    <p:sldLayoutId id="2147483685" r:id="rId9"/>
+    <p:sldLayoutId id="2147483681" r:id="rId10"/>
+    <p:sldLayoutId id="2147483682" r:id="rId11"/>
   </p:sldLayoutIdLst>
   <p:txStyles>
     <p:titleStyle>
-      <a:lvl1pPr algn="l" rtl="0" eaLnBrk="1" latinLnBrk="0" hangingPunct="1">
+      <a:lvl1pPr algn="l" rtl="0" fontAlgn="base">
         <a:spcBef>
           <a:spcPct val="0"/>
         </a:spcBef>
-        <a:buNone/>
-        <a:defRPr kumimoji="0" sz="5000" b="0" kern="1200">
-          <a:ln>
-            <a:noFill/>
-          </a:ln>
+        <a:spcAft>
+          <a:spcPct val="0"/>
+        </a:spcAft>
+        <a:defRPr sz="5000" kern="1200">
           <a:solidFill>
             <a:schemeClr val="tx2"/>
           </a:solidFill>
-          <a:effectLst/>
           <a:latin typeface="+mj-lt"/>
           <a:ea typeface="+mj-ea"/>
           <a:cs typeface="+mj-cs"/>
         </a:defRPr>
       </a:lvl1pPr>
+      <a:lvl2pPr algn="l" rtl="0" fontAlgn="base">
+        <a:spcBef>
+          <a:spcPct val="0"/>
+        </a:spcBef>
+        <a:spcAft>
+          <a:spcPct val="0"/>
+        </a:spcAft>
+        <a:defRPr sz="5000">
+          <a:solidFill>
+            <a:schemeClr val="tx2"/>
+          </a:solidFill>
+          <a:latin typeface="Calibri" pitchFamily="34" charset="0"/>
+        </a:defRPr>
+      </a:lvl2pPr>
+      <a:lvl3pPr algn="l" rtl="0" fontAlgn="base">
+        <a:spcBef>
+          <a:spcPct val="0"/>
+        </a:spcBef>
+        <a:spcAft>
+          <a:spcPct val="0"/>
+        </a:spcAft>
+        <a:defRPr sz="5000">
+          <a:solidFill>
+            <a:schemeClr val="tx2"/>
+          </a:solidFill>
+          <a:latin typeface="Calibri" pitchFamily="34" charset="0"/>
+        </a:defRPr>
+      </a:lvl3pPr>
+      <a:lvl4pPr algn="l" rtl="0" fontAlgn="base">
+        <a:spcBef>
+          <a:spcPct val="0"/>
+        </a:spcBef>
+        <a:spcAft>
+          <a:spcPct val="0"/>
+        </a:spcAft>
+        <a:defRPr sz="5000">
+          <a:solidFill>
+            <a:schemeClr val="tx2"/>
+          </a:solidFill>
+          <a:latin typeface="Calibri" pitchFamily="34" charset="0"/>
+        </a:defRPr>
+      </a:lvl4pPr>
+      <a:lvl5pPr algn="l" rtl="0" fontAlgn="base">
+        <a:spcBef>
+          <a:spcPct val="0"/>
+        </a:spcBef>
+        <a:spcAft>
+          <a:spcPct val="0"/>
+        </a:spcAft>
+        <a:defRPr sz="5000">
+          <a:solidFill>
+            <a:schemeClr val="tx2"/>
+          </a:solidFill>
+          <a:latin typeface="Calibri" pitchFamily="34" charset="0"/>
+        </a:defRPr>
+      </a:lvl5pPr>
+      <a:lvl6pPr marL="457200" algn="l" rtl="0" fontAlgn="base">
+        <a:spcBef>
+          <a:spcPct val="0"/>
+        </a:spcBef>
+        <a:spcAft>
+          <a:spcPct val="0"/>
+        </a:spcAft>
+        <a:defRPr sz="5000">
+          <a:solidFill>
+            <a:schemeClr val="tx2"/>
+          </a:solidFill>
+          <a:latin typeface="Calibri" pitchFamily="34" charset="0"/>
+        </a:defRPr>
+      </a:lvl6pPr>
+      <a:lvl7pPr marL="914400" algn="l" rtl="0" fontAlgn="base">
+        <a:spcBef>
+          <a:spcPct val="0"/>
+        </a:spcBef>
+        <a:spcAft>
+          <a:spcPct val="0"/>
+        </a:spcAft>
+        <a:defRPr sz="5000">
+          <a:solidFill>
+            <a:schemeClr val="tx2"/>
+          </a:solidFill>
+          <a:latin typeface="Calibri" pitchFamily="34" charset="0"/>
+        </a:defRPr>
+      </a:lvl7pPr>
+      <a:lvl8pPr marL="1371600" algn="l" rtl="0" fontAlgn="base">
+        <a:spcBef>
+          <a:spcPct val="0"/>
+        </a:spcBef>
+        <a:spcAft>
+          <a:spcPct val="0"/>
+        </a:spcAft>
+        <a:defRPr sz="5000">
+          <a:solidFill>
+            <a:schemeClr val="tx2"/>
+          </a:solidFill>
+          <a:latin typeface="Calibri" pitchFamily="34" charset="0"/>
+        </a:defRPr>
+      </a:lvl8pPr>
+      <a:lvl9pPr marL="1828800" algn="l" rtl="0" fontAlgn="base">
+        <a:spcBef>
+          <a:spcPct val="0"/>
+        </a:spcBef>
+        <a:spcAft>
+          <a:spcPct val="0"/>
+        </a:spcAft>
+        <a:defRPr sz="5000">
+          <a:solidFill>
+            <a:schemeClr val="tx2"/>
+          </a:solidFill>
+          <a:latin typeface="Calibri" pitchFamily="34" charset="0"/>
+        </a:defRPr>
+      </a:lvl9pPr>
     </p:titleStyle>
     <p:bodyStyle>
-      <a:lvl1pPr marL="274320" indent="-274320" algn="l" rtl="0" eaLnBrk="1" latinLnBrk="0" hangingPunct="1">
+      <a:lvl1pPr marL="273050" indent="-273050" algn="l" rtl="0" fontAlgn="base">
         <a:spcBef>
           <a:spcPct val="20000"/>
         </a:spcBef>
+        <a:spcAft>
+          <a:spcPct val="0"/>
+        </a:spcAft>
         <a:buClr>
-          <a:schemeClr val="accent3"/>
+          <a:srgbClr val="0BD0D9"/>
         </a:buClr>
         <a:buSzPct val="95000"/>
-        <a:buFont typeface="Wingdings 2"/>
+        <a:buFont typeface="Wingdings 2" pitchFamily="18" charset="2"/>
         <a:buChar char=""/>
-        <a:defRPr kumimoji="0" sz="2600" kern="1200">
+        <a:defRPr sz="2600" kern="1200">
           <a:solidFill>
             <a:schemeClr val="tx1"/>
           </a:solidFill>
@@ -13404,17 +13937,20 @@
           <a:cs typeface="+mn-cs"/>
         </a:defRPr>
       </a:lvl1pPr>
-      <a:lvl2pPr marL="640080" indent="-246888" algn="l" rtl="0" eaLnBrk="1" latinLnBrk="0" hangingPunct="1">
+      <a:lvl2pPr marL="639763" indent="-246063" algn="l" rtl="0" fontAlgn="base">
         <a:spcBef>
           <a:spcPct val="20000"/>
         </a:spcBef>
+        <a:spcAft>
+          <a:spcPct val="0"/>
+        </a:spcAft>
         <a:buClr>
           <a:schemeClr val="accent1"/>
         </a:buClr>
         <a:buSzPct val="85000"/>
-        <a:buFont typeface="Wingdings 2"/>
+        <a:buFont typeface="Wingdings 2" pitchFamily="18" charset="2"/>
         <a:buChar char=""/>
-        <a:defRPr kumimoji="0" sz="2400" kern="1200">
+        <a:defRPr sz="2400" kern="1200">
           <a:solidFill>
             <a:schemeClr val="tx1"/>
           </a:solidFill>
@@ -13423,17 +13959,20 @@
           <a:cs typeface="+mn-cs"/>
         </a:defRPr>
       </a:lvl2pPr>
-      <a:lvl3pPr marL="914400" indent="-246888" algn="l" rtl="0" eaLnBrk="1" latinLnBrk="0" hangingPunct="1">
+      <a:lvl3pPr marL="914400" indent="-246063" algn="l" rtl="0" fontAlgn="base">
         <a:spcBef>
           <a:spcPct val="20000"/>
         </a:spcBef>
+        <a:spcAft>
+          <a:spcPct val="0"/>
+        </a:spcAft>
         <a:buClr>
           <a:schemeClr val="accent2"/>
         </a:buClr>
         <a:buSzPct val="70000"/>
-        <a:buFont typeface="Wingdings 2"/>
+        <a:buFont typeface="Wingdings 2" pitchFamily="18" charset="2"/>
         <a:buChar char=""/>
-        <a:defRPr kumimoji="0" sz="2100" kern="1200">
+        <a:defRPr sz="2100" kern="1200">
           <a:solidFill>
             <a:schemeClr val="tx1"/>
           </a:solidFill>
@@ -13442,17 +13981,20 @@
           <a:cs typeface="+mn-cs"/>
         </a:defRPr>
       </a:lvl3pPr>
-      <a:lvl4pPr marL="1188720" indent="-210312" algn="l" rtl="0" eaLnBrk="1" latinLnBrk="0" hangingPunct="1">
+      <a:lvl4pPr marL="1187450" indent="-209550" algn="l" rtl="0" fontAlgn="base">
         <a:spcBef>
           <a:spcPct val="20000"/>
         </a:spcBef>
+        <a:spcAft>
+          <a:spcPct val="0"/>
+        </a:spcAft>
         <a:buClr>
-          <a:schemeClr val="accent3"/>
+          <a:srgbClr val="0BD0D9"/>
         </a:buClr>
         <a:buSzPct val="65000"/>
-        <a:buFont typeface="Wingdings 2"/>
+        <a:buFont typeface="Wingdings 2" pitchFamily="18" charset="2"/>
         <a:buChar char=""/>
-        <a:defRPr kumimoji="0" sz="2000" kern="1200">
+        <a:defRPr sz="2000" kern="1200">
           <a:solidFill>
             <a:schemeClr val="tx1"/>
           </a:solidFill>
@@ -13461,17 +14003,20 @@
           <a:cs typeface="+mn-cs"/>
         </a:defRPr>
       </a:lvl4pPr>
-      <a:lvl5pPr marL="1463040" indent="-210312" algn="l" rtl="0" eaLnBrk="1" latinLnBrk="0" hangingPunct="1">
+      <a:lvl5pPr marL="1462088" indent="-209550" algn="l" rtl="0" fontAlgn="base">
         <a:spcBef>
           <a:spcPct val="20000"/>
         </a:spcBef>
+        <a:spcAft>
+          <a:spcPct val="0"/>
+        </a:spcAft>
         <a:buClr>
-          <a:schemeClr val="accent4"/>
+          <a:srgbClr val="10CF9B"/>
         </a:buClr>
         <a:buSzPct val="65000"/>
-        <a:buFont typeface="Wingdings 2"/>
+        <a:buFont typeface="Wingdings 2" pitchFamily="18" charset="2"/>
         <a:buChar char=""/>
-        <a:defRPr kumimoji="0" sz="2000" kern="1200">
+        <a:defRPr sz="2000" kern="1200">
           <a:solidFill>
             <a:schemeClr val="tx1"/>
           </a:solidFill>
@@ -13682,6 +14227,12 @@
           <a:bodyPr/>
           <a:lstStyle/>
           <a:p>
+            <a:pPr fontAlgn="auto">
+              <a:spcAft>
+                <a:spcPts val="0"/>
+              </a:spcAft>
+              <a:defRPr/>
+            </a:pPr>
             <a:r>
               <a:rPr lang="en-US" dirty="0" smtClean="0"/>
               <a:t>Google File System</a:t>
@@ -13692,7 +14243,7 @@
       </p:sp>
       <p:sp>
         <p:nvSpPr>
-          <p:cNvPr id="3" name="Subtitle 2"/>
+          <p:cNvPr id="5123" name="Subtitle 2"/>
           <p:cNvSpPr>
             <a:spLocks noGrp="1"/>
           </p:cNvSpPr>
@@ -13700,16 +14251,21 @@
             <p:ph type="subTitle" idx="1"/>
           </p:nvPr>
         </p:nvSpPr>
-        <p:spPr/>
+        <p:spPr>
+          <a:xfrm>
+            <a:off x="533400" y="3228975"/>
+            <a:ext cx="7854950" cy="1752600"/>
+          </a:xfrm>
+        </p:spPr>
         <p:txBody>
           <a:bodyPr/>
           <a:lstStyle/>
           <a:p>
-            <a:r>
-              <a:rPr lang="en-US" dirty="0" smtClean="0"/>
+            <a:pPr marR="0"/>
+            <a:r>
+              <a:rPr lang="en-US" smtClean="0"/>
               <a:t>Eduardo Gutarra Velez</a:t>
             </a:r>
-            <a:endParaRPr lang="en-US" dirty="0"/>
           </a:p>
         </p:txBody>
       </p:sp>
@@ -13747,7 +14303,7 @@
       </p:grpSpPr>
       <p:sp>
         <p:nvSpPr>
-          <p:cNvPr id="2" name="Title 1"/>
+          <p:cNvPr id="14338" name="Title 1"/>
           <p:cNvSpPr>
             <a:spLocks noGrp="1"/>
           </p:cNvSpPr>
@@ -13761,10 +14317,9 @@
           <a:lstStyle/>
           <a:p>
             <a:r>
-              <a:rPr lang="en-US" dirty="0" smtClean="0"/>
+              <a:rPr lang="en-US" smtClean="0"/>
               <a:t>Chunkservers</a:t>
             </a:r>
-            <a:endParaRPr lang="en-US" dirty="0"/>
           </a:p>
         </p:txBody>
       </p:sp>
@@ -13785,36 +14340,102 @@
           </a:bodyPr>
           <a:lstStyle/>
           <a:p>
+            <a:pPr marL="274320" indent="-274320" fontAlgn="auto">
+              <a:spcAft>
+                <a:spcPts val="0"/>
+              </a:spcAft>
+              <a:buClr>
+                <a:schemeClr val="accent3"/>
+              </a:buClr>
+              <a:buFont typeface="Wingdings 2"/>
+              <a:buChar char=""/>
+              <a:defRPr/>
+            </a:pPr>
             <a:r>
               <a:rPr lang="en-US" dirty="0" smtClean="0"/>
               <a:t>A chunkserver is typically a commodity Linux machine </a:t>
             </a:r>
           </a:p>
           <a:p>
+            <a:pPr marL="274320" indent="-274320" fontAlgn="auto">
+              <a:spcAft>
+                <a:spcPts val="0"/>
+              </a:spcAft>
+              <a:buClr>
+                <a:schemeClr val="accent3"/>
+              </a:buClr>
+              <a:buFont typeface="Wingdings 2"/>
+              <a:buChar char=""/>
+              <a:defRPr/>
+            </a:pPr>
             <a:r>
               <a:rPr lang="en-US" dirty="0" smtClean="0"/>
               <a:t>Files are divided into fixed size chunks.  (64 MB).</a:t>
             </a:r>
           </a:p>
           <a:p>
+            <a:pPr marL="274320" indent="-274320" fontAlgn="auto">
+              <a:spcAft>
+                <a:spcPts val="0"/>
+              </a:spcAft>
+              <a:buClr>
+                <a:schemeClr val="accent3"/>
+              </a:buClr>
+              <a:buFont typeface="Wingdings 2"/>
+              <a:buChar char=""/>
+              <a:defRPr/>
+            </a:pPr>
             <a:r>
               <a:rPr lang="en-US" dirty="0" smtClean="0"/>
               <a:t>Chunks are stored on local disks as Linux files.</a:t>
             </a:r>
           </a:p>
           <a:p>
+            <a:pPr marL="274320" indent="-274320" fontAlgn="auto">
+              <a:spcAft>
+                <a:spcPts val="0"/>
+              </a:spcAft>
+              <a:buClr>
+                <a:schemeClr val="accent3"/>
+              </a:buClr>
+              <a:buFont typeface="Wingdings 2"/>
+              <a:buChar char=""/>
+              <a:defRPr/>
+            </a:pPr>
             <a:r>
               <a:rPr lang="en-US" dirty="0" smtClean="0"/>
               <a:t>For reliability the chunks are replicated in multiple chunkservers. Each chunk is stored at least 3 times by default, but users may specify a higher number of replicas.</a:t>
             </a:r>
           </a:p>
           <a:p>
+            <a:pPr marL="274320" indent="-274320" fontAlgn="auto">
+              <a:spcAft>
+                <a:spcPts val="0"/>
+              </a:spcAft>
+              <a:buClr>
+                <a:schemeClr val="accent3"/>
+              </a:buClr>
+              <a:buFont typeface="Wingdings 2"/>
+              <a:buChar char=""/>
+              <a:defRPr/>
+            </a:pPr>
             <a:r>
               <a:rPr lang="en-US" dirty="0" smtClean="0"/>
               <a:t>Neither Chunkservers nor clients cache file data.</a:t>
             </a:r>
           </a:p>
           <a:p>
+            <a:pPr marL="274320" indent="-274320" fontAlgn="auto">
+              <a:spcAft>
+                <a:spcPts val="0"/>
+              </a:spcAft>
+              <a:buClr>
+                <a:schemeClr val="accent3"/>
+              </a:buClr>
+              <a:buFont typeface="Wingdings 2"/>
+              <a:buChar char=""/>
+              <a:defRPr/>
+            </a:pPr>
             <a:r>
               <a:rPr lang="en-US" dirty="0" smtClean="0"/>
               <a:t>Chunkservers rely on the </a:t>
@@ -13829,6 +14450,17 @@
             </a:r>
           </a:p>
           <a:p>
+            <a:pPr marL="274320" indent="-274320" fontAlgn="auto">
+              <a:spcAft>
+                <a:spcPts val="0"/>
+              </a:spcAft>
+              <a:buClr>
+                <a:schemeClr val="accent3"/>
+              </a:buClr>
+              <a:buFont typeface="Wingdings 2"/>
+              <a:buChar char=""/>
+              <a:defRPr/>
+            </a:pPr>
             <a:endParaRPr lang="en-US" dirty="0"/>
           </a:p>
         </p:txBody>
@@ -13867,7 +14499,7 @@
       </p:grpSpPr>
       <p:sp>
         <p:nvSpPr>
-          <p:cNvPr id="2" name="Title 1"/>
+          <p:cNvPr id="15362" name="Title 1"/>
           <p:cNvSpPr>
             <a:spLocks noGrp="1"/>
           </p:cNvSpPr>
@@ -13881,10 +14513,9 @@
           <a:lstStyle/>
           <a:p>
             <a:r>
-              <a:rPr lang="en-US" dirty="0" smtClean="0"/>
+              <a:rPr lang="en-US" smtClean="0"/>
               <a:t>GFS Master</a:t>
             </a:r>
-            <a:endParaRPr lang="en-US" dirty="0"/>
           </a:p>
         </p:txBody>
       </p:sp>
@@ -13900,8 +14531,8 @@
         </p:nvSpPr>
         <p:spPr>
           <a:xfrm>
-            <a:off x="457200" y="1935480"/>
-            <a:ext cx="8229600" cy="2026920"/>
+            <a:off x="457200" y="1935163"/>
+            <a:ext cx="8229600" cy="2027237"/>
           </a:xfrm>
         </p:spPr>
         <p:txBody>
@@ -13910,48 +14541,94 @@
           </a:bodyPr>
           <a:lstStyle/>
           <a:p>
+            <a:pPr marL="274320" indent="-274320" fontAlgn="auto">
+              <a:spcAft>
+                <a:spcPts val="0"/>
+              </a:spcAft>
+              <a:buClr>
+                <a:schemeClr val="accent3"/>
+              </a:buClr>
+              <a:buFont typeface="Wingdings 2"/>
+              <a:buChar char=""/>
+              <a:defRPr/>
+            </a:pPr>
             <a:r>
               <a:rPr lang="en-US" dirty="0" smtClean="0"/>
               <a:t>Maintains all the file system metadata:</a:t>
             </a:r>
           </a:p>
           <a:p>
-            <a:pPr lvl="1"/>
+            <a:pPr marL="640080" lvl="1" indent="-246888" fontAlgn="auto">
+              <a:spcAft>
+                <a:spcPts val="0"/>
+              </a:spcAft>
+              <a:buFont typeface="Wingdings 2"/>
+              <a:buChar char=""/>
+              <a:defRPr/>
+            </a:pPr>
             <a:r>
               <a:rPr lang="en-US" dirty="0" smtClean="0"/>
               <a:t>Namespaces (Hierarchy)</a:t>
             </a:r>
           </a:p>
           <a:p>
-            <a:pPr lvl="1"/>
+            <a:pPr marL="640080" lvl="1" indent="-246888" fontAlgn="auto">
+              <a:spcAft>
+                <a:spcPts val="0"/>
+              </a:spcAft>
+              <a:buFont typeface="Wingdings 2"/>
+              <a:buChar char=""/>
+              <a:defRPr/>
+            </a:pPr>
             <a:r>
               <a:rPr lang="en-US" dirty="0" smtClean="0"/>
               <a:t>Access Control Information (Read-write)</a:t>
             </a:r>
           </a:p>
           <a:p>
-            <a:pPr lvl="1"/>
+            <a:pPr marL="640080" lvl="1" indent="-246888" fontAlgn="auto">
+              <a:spcAft>
+                <a:spcPts val="0"/>
+              </a:spcAft>
+              <a:buFont typeface="Wingdings 2"/>
+              <a:buChar char=""/>
+              <a:defRPr/>
+            </a:pPr>
             <a:r>
               <a:rPr lang="en-US" dirty="0" smtClean="0"/>
               <a:t>Mapping from files to chunks.</a:t>
             </a:r>
           </a:p>
           <a:p>
-            <a:pPr lvl="1"/>
+            <a:pPr marL="640080" lvl="1" indent="-246888" fontAlgn="auto">
+              <a:spcAft>
+                <a:spcPts val="0"/>
+              </a:spcAft>
+              <a:buFont typeface="Wingdings 2"/>
+              <a:buChar char=""/>
+              <a:defRPr/>
+            </a:pPr>
             <a:r>
               <a:rPr lang="en-US" dirty="0" smtClean="0"/>
               <a:t>Chunkservers where a chunk is located.</a:t>
             </a:r>
           </a:p>
           <a:p>
-            <a:pPr lvl="1"/>
+            <a:pPr marL="640080" lvl="1" indent="-246888" fontAlgn="auto">
+              <a:spcAft>
+                <a:spcPts val="0"/>
+              </a:spcAft>
+              <a:buFont typeface="Wingdings 2"/>
+              <a:buChar char=""/>
+              <a:defRPr/>
+            </a:pPr>
             <a:endParaRPr lang="en-US" dirty="0" smtClean="0"/>
           </a:p>
         </p:txBody>
       </p:sp>
       <p:pic>
         <p:nvPicPr>
-          <p:cNvPr id="4" name="Picture 2"/>
+          <p:cNvPr id="15364" name="Picture 2"/>
           <p:cNvPicPr>
             <a:picLocks noChangeAspect="1" noChangeArrowheads="1"/>
           </p:cNvPicPr>
@@ -13967,7 +14644,7 @@
         <p:spPr bwMode="auto">
           <a:xfrm>
             <a:off x="1447800" y="3962400"/>
-            <a:ext cx="5055925" cy="2475705"/>
+            <a:ext cx="5056188" cy="2474913"/>
           </a:xfrm>
           <a:prstGeom prst="rect">
             <a:avLst/>
@@ -13979,7 +14656,6 @@
             <a:headEnd/>
             <a:tailEnd/>
           </a:ln>
-          <a:effectLst/>
         </p:spPr>
       </p:pic>
       <p:graphicFrame>
@@ -13991,7 +14667,7 @@
           <p:nvPr/>
         </p:nvGraphicFramePr>
         <p:xfrm>
-          <a:off x="6276975" y="4533105"/>
+          <a:off x="6276975" y="4532313"/>
           <a:ext cx="1066800" cy="381000"/>
         </p:xfrm>
         <a:graphic>
@@ -14070,73 +14746,81 @@
       </p:graphicFrame>
       <p:sp>
         <p:nvSpPr>
-          <p:cNvPr id="6" name="TextBox 5"/>
-          <p:cNvSpPr txBox="1"/>
+          <p:cNvPr id="15377" name="TextBox 5"/>
+          <p:cNvSpPr txBox="1">
+            <a:spLocks noChangeArrowheads="1"/>
+          </p:cNvSpPr>
           <p:nvPr/>
         </p:nvSpPr>
-        <p:spPr>
+        <p:spPr bwMode="auto">
           <a:xfrm>
-            <a:off x="4676775" y="4925773"/>
-            <a:ext cx="1449436" cy="369332"/>
+            <a:off x="4676775" y="4926013"/>
+            <a:ext cx="1449388" cy="368300"/>
           </a:xfrm>
           <a:prstGeom prst="rect">
             <a:avLst/>
           </a:prstGeom>
           <a:noFill/>
+          <a:ln w="9525">
+            <a:noFill/>
+            <a:miter lim="800000"/>
+            <a:headEnd/>
+            <a:tailEnd/>
+          </a:ln>
         </p:spPr>
         <p:txBody>
-          <a:bodyPr wrap="none" rtlCol="0">
+          <a:bodyPr wrap="none">
             <a:spAutoFit/>
           </a:bodyPr>
           <a:lstStyle/>
           <a:p>
             <a:r>
-              <a:rPr lang="en-US" dirty="0" smtClean="0">
+              <a:rPr lang="en-US">
                 <a:latin typeface="Times New Roman" pitchFamily="18" charset="0"/>
                 <a:cs typeface="Times New Roman" pitchFamily="18" charset="0"/>
               </a:rPr>
               <a:t>Chunk    31ef</a:t>
             </a:r>
-            <a:endParaRPr lang="en-US" dirty="0">
-              <a:latin typeface="Times New Roman" pitchFamily="18" charset="0"/>
-              <a:cs typeface="Times New Roman" pitchFamily="18" charset="0"/>
-            </a:endParaRPr>
           </a:p>
         </p:txBody>
       </p:sp>
       <p:sp>
         <p:nvSpPr>
-          <p:cNvPr id="7" name="TextBox 6"/>
-          <p:cNvSpPr txBox="1"/>
+          <p:cNvPr id="15378" name="TextBox 6"/>
+          <p:cNvSpPr txBox="1">
+            <a:spLocks noChangeArrowheads="1"/>
+          </p:cNvSpPr>
           <p:nvPr/>
         </p:nvSpPr>
-        <p:spPr>
+        <p:spPr bwMode="auto">
           <a:xfrm>
-            <a:off x="4676775" y="5306773"/>
-            <a:ext cx="1492716" cy="369332"/>
+            <a:off x="4676775" y="5307013"/>
+            <a:ext cx="1492250" cy="368300"/>
           </a:xfrm>
           <a:prstGeom prst="rect">
             <a:avLst/>
           </a:prstGeom>
           <a:noFill/>
+          <a:ln w="9525">
+            <a:noFill/>
+            <a:miter lim="800000"/>
+            <a:headEnd/>
+            <a:tailEnd/>
+          </a:ln>
         </p:spPr>
         <p:txBody>
-          <a:bodyPr wrap="none" rtlCol="0">
+          <a:bodyPr wrap="none">
             <a:spAutoFit/>
           </a:bodyPr>
           <a:lstStyle/>
           <a:p>
             <a:r>
-              <a:rPr lang="en-US" dirty="0" smtClean="0">
+              <a:rPr lang="en-US">
                 <a:latin typeface="Times New Roman" pitchFamily="18" charset="0"/>
                 <a:cs typeface="Times New Roman" pitchFamily="18" charset="0"/>
               </a:rPr>
               <a:t>Chunk    451d</a:t>
             </a:r>
-            <a:endParaRPr lang="en-US" dirty="0">
-              <a:latin typeface="Times New Roman" pitchFamily="18" charset="0"/>
-              <a:cs typeface="Times New Roman" pitchFamily="18" charset="0"/>
-            </a:endParaRPr>
           </a:p>
         </p:txBody>
       </p:sp>
@@ -14149,7 +14833,7 @@
           <p:nvPr/>
         </p:nvGraphicFramePr>
         <p:xfrm>
-          <a:off x="6276975" y="4939505"/>
+          <a:off x="6276975" y="4938713"/>
           <a:ext cx="1066800" cy="381000"/>
         </p:xfrm>
         <a:graphic>
@@ -14235,7 +14919,7 @@
           <p:nvPr/>
         </p:nvGraphicFramePr>
         <p:xfrm>
-          <a:off x="6276975" y="5364955"/>
+          <a:off x="6276975" y="5364163"/>
           <a:ext cx="1066800" cy="381000"/>
         </p:xfrm>
         <a:graphic>
@@ -14346,7 +15030,7 @@
       </p:grpSpPr>
       <p:sp>
         <p:nvSpPr>
-          <p:cNvPr id="2" name="Title 1"/>
+          <p:cNvPr id="16386" name="Title 1"/>
           <p:cNvSpPr>
             <a:spLocks noGrp="1"/>
           </p:cNvSpPr>
@@ -14360,16 +15044,15 @@
           <a:lstStyle/>
           <a:p>
             <a:r>
-              <a:rPr lang="en-US" dirty="0" smtClean="0"/>
+              <a:rPr lang="en-US" smtClean="0"/>
               <a:t>How would one read a file?</a:t>
             </a:r>
-            <a:endParaRPr lang="en-US" dirty="0"/>
           </a:p>
         </p:txBody>
       </p:sp>
       <p:pic>
         <p:nvPicPr>
-          <p:cNvPr id="1026" name="Picture 2"/>
+          <p:cNvPr id="16387" name="Picture 2"/>
           <p:cNvPicPr>
             <a:picLocks noGrp="1" noChangeAspect="1" noChangeArrowheads="1"/>
           </p:cNvPicPr>
@@ -14379,26 +15062,16 @@
         </p:nvPicPr>
         <p:blipFill>
           <a:blip r:embed="rId2"/>
+          <a:srcRect/>
           <a:stretch>
             <a:fillRect/>
           </a:stretch>
         </p:blipFill>
-        <p:spPr bwMode="auto">
+        <p:spPr>
           <a:xfrm>
-            <a:off x="457200" y="2257148"/>
-            <a:ext cx="8229600" cy="3745467"/>
+            <a:off x="457200" y="2257425"/>
+            <a:ext cx="8229600" cy="3744913"/>
           </a:xfrm>
-          <a:prstGeom prst="rect">
-            <a:avLst/>
-          </a:prstGeom>
-          <a:noFill/>
-          <a:ln w="9525">
-            <a:noFill/>
-            <a:miter lim="800000"/>
-            <a:headEnd/>
-            <a:tailEnd/>
-          </a:ln>
-          <a:effectLst/>
         </p:spPr>
       </p:pic>
     </p:spTree>
@@ -14435,7 +15108,7 @@
       </p:grpSpPr>
       <p:sp>
         <p:nvSpPr>
-          <p:cNvPr id="2" name="Title 1"/>
+          <p:cNvPr id="17410" name="Title 1"/>
           <p:cNvSpPr>
             <a:spLocks noGrp="1"/>
           </p:cNvSpPr>
@@ -14449,10 +15122,9 @@
           <a:lstStyle/>
           <a:p>
             <a:r>
-              <a:rPr lang="en-US" dirty="0" smtClean="0"/>
+              <a:rPr lang="en-US" smtClean="0"/>
               <a:t>The Metadata</a:t>
             </a:r>
-            <a:endParaRPr lang="en-US" dirty="0"/>
           </a:p>
         </p:txBody>
       </p:sp>
@@ -14473,39 +15145,102 @@
           </a:bodyPr>
           <a:lstStyle/>
           <a:p>
+            <a:pPr marL="274320" indent="-274320" fontAlgn="auto">
+              <a:spcAft>
+                <a:spcPts val="0"/>
+              </a:spcAft>
+              <a:buClr>
+                <a:schemeClr val="accent3"/>
+              </a:buClr>
+              <a:buFont typeface="Wingdings 2"/>
+              <a:buChar char=""/>
+              <a:defRPr/>
+            </a:pPr>
             <a:r>
               <a:rPr lang="en-US" dirty="0" smtClean="0"/>
               <a:t>Metadata is kept in the master’s memory.</a:t>
             </a:r>
           </a:p>
           <a:p>
+            <a:pPr marL="274320" indent="-274320" fontAlgn="auto">
+              <a:spcAft>
+                <a:spcPts val="0"/>
+              </a:spcAft>
+              <a:buClr>
+                <a:schemeClr val="accent3"/>
+              </a:buClr>
+              <a:buFont typeface="Wingdings 2"/>
+              <a:buChar char=""/>
+              <a:defRPr/>
+            </a:pPr>
             <a:r>
               <a:rPr lang="en-US" dirty="0" smtClean="0"/>
               <a:t>Metadata is also kept minimal so that the number of chunks, does not affect to much the amount of memory the master has to use.</a:t>
             </a:r>
           </a:p>
           <a:p>
+            <a:pPr marL="274320" indent="-274320" fontAlgn="auto">
+              <a:spcAft>
+                <a:spcPts val="0"/>
+              </a:spcAft>
+              <a:buClr>
+                <a:schemeClr val="accent3"/>
+              </a:buClr>
+              <a:buFont typeface="Wingdings 2"/>
+              <a:buChar char=""/>
+              <a:defRPr/>
+            </a:pPr>
             <a:r>
               <a:rPr lang="en-US" dirty="0" smtClean="0"/>
               <a:t>File namespace data and filenames are kept compressed using prefix compression. (64 bytes per file).</a:t>
             </a:r>
           </a:p>
           <a:p>
-            <a:pPr algn="just"/>
+            <a:pPr marL="274320" indent="-274320" algn="just" fontAlgn="auto">
+              <a:spcAft>
+                <a:spcPts val="0"/>
+              </a:spcAft>
+              <a:buClr>
+                <a:schemeClr val="accent3"/>
+              </a:buClr>
+              <a:buFont typeface="Wingdings 2"/>
+              <a:buChar char=""/>
+              <a:defRPr/>
+            </a:pPr>
             <a:r>
               <a:rPr lang="en-US" dirty="0" smtClean="0"/>
               <a:t>Namespaces, and  mapping from files to chunks are also kept persistent.</a:t>
             </a:r>
           </a:p>
           <a:p>
-            <a:pPr algn="just"/>
+            <a:pPr marL="274320" indent="-274320" algn="just" fontAlgn="auto">
+              <a:spcAft>
+                <a:spcPts val="0"/>
+              </a:spcAft>
+              <a:buClr>
+                <a:schemeClr val="accent3"/>
+              </a:buClr>
+              <a:buFont typeface="Wingdings 2"/>
+              <a:buChar char=""/>
+              <a:defRPr/>
+            </a:pPr>
             <a:r>
               <a:rPr lang="en-US" dirty="0" smtClean="0"/>
               <a:t>Modifications to these are written in an operations log which is stored in the master’s local disk.</a:t>
             </a:r>
           </a:p>
           <a:p>
-            <a:pPr algn="just"/>
+            <a:pPr marL="274320" indent="-274320" algn="just" fontAlgn="auto">
+              <a:spcAft>
+                <a:spcPts val="0"/>
+              </a:spcAft>
+              <a:buClr>
+                <a:schemeClr val="accent3"/>
+              </a:buClr>
+              <a:buFont typeface="Wingdings 2"/>
+              <a:buChar char=""/>
+              <a:defRPr/>
+            </a:pPr>
             <a:r>
               <a:rPr lang="en-US" dirty="0" smtClean="0"/>
               <a:t>These changes are also replicated through the log on remote machines called </a:t>
@@ -14520,7 +15255,17 @@
             </a:r>
           </a:p>
           <a:p>
-            <a:pPr algn="just"/>
+            <a:pPr marL="274320" indent="-274320" algn="just" fontAlgn="auto">
+              <a:spcAft>
+                <a:spcPts val="0"/>
+              </a:spcAft>
+              <a:buClr>
+                <a:schemeClr val="accent3"/>
+              </a:buClr>
+              <a:buFont typeface="Wingdings 2"/>
+              <a:buChar char=""/>
+              <a:defRPr/>
+            </a:pPr>
             <a:endParaRPr lang="en-US" dirty="0"/>
           </a:p>
         </p:txBody>
@@ -14574,6 +15319,12 @@
           </a:bodyPr>
           <a:lstStyle/>
           <a:p>
+            <a:pPr fontAlgn="auto">
+              <a:spcAft>
+                <a:spcPts val="0"/>
+              </a:spcAft>
+              <a:defRPr/>
+            </a:pPr>
             <a:r>
               <a:rPr lang="en-US" dirty="0" smtClean="0"/>
               <a:t>The Operations Log</a:t>
@@ -14607,19 +15358,37 @@
           </a:bodyPr>
           <a:lstStyle/>
           <a:p>
+            <a:pPr marL="274320" indent="-274320" fontAlgn="auto">
+              <a:spcAft>
+                <a:spcPts val="0"/>
+              </a:spcAft>
+              <a:buClr>
+                <a:schemeClr val="accent3"/>
+              </a:buClr>
+              <a:buFont typeface="Wingdings 2"/>
+              <a:buChar char=""/>
+              <a:defRPr/>
+            </a:pPr>
             <a:r>
               <a:rPr lang="en-US" dirty="0" smtClean="0"/>
               <a:t>The operation log allows the updates to the master’s state to be performed simply, and reliably without risking inconsistencies due to events like when the master  crashes.</a:t>
             </a:r>
           </a:p>
           <a:p>
+            <a:pPr marL="274320" indent="-274320" fontAlgn="auto">
+              <a:spcAft>
+                <a:spcPts val="0"/>
+              </a:spcAft>
+              <a:buClr>
+                <a:schemeClr val="accent3"/>
+              </a:buClr>
+              <a:buFont typeface="Wingdings 2"/>
+              <a:buChar char=""/>
+              <a:defRPr/>
+            </a:pPr>
             <a:r>
               <a:rPr lang="en-US" dirty="0" smtClean="0"/>
-              <a:t>If </a:t>
-            </a:r>
-            <a:r>
-              <a:rPr lang="en-US" dirty="0" smtClean="0"/>
-              <a:t>it gets too large, a checkpoint is made and a new log is created.</a:t>
+              <a:t>If it gets too large, a checkpoint is made and a new log is created.</a:t>
             </a:r>
             <a:endParaRPr lang="en-US" dirty="0"/>
           </a:p>
@@ -14627,11 +15396,13 @@
       </p:sp>
       <p:grpSp>
         <p:nvGrpSpPr>
-          <p:cNvPr id="11" name="Group 10"/>
-          <p:cNvGrpSpPr/>
+          <p:cNvPr id="18436" name="Group 10"/>
+          <p:cNvGrpSpPr>
+            <a:grpSpLocks/>
+          </p:cNvGrpSpPr>
           <p:nvPr/>
         </p:nvGrpSpPr>
-        <p:grpSpPr>
+        <p:grpSpPr bwMode="auto">
           <a:xfrm>
             <a:off x="1371600" y="3810000"/>
             <a:ext cx="2209800" cy="2209800"/>
@@ -14641,11 +15412,13 @@
         </p:grpSpPr>
         <p:grpSp>
           <p:nvGrpSpPr>
-            <p:cNvPr id="9" name="Group 8"/>
-            <p:cNvGrpSpPr/>
+            <p:cNvPr id="18447" name="Group 8"/>
+            <p:cNvGrpSpPr>
+              <a:grpSpLocks/>
+            </p:cNvGrpSpPr>
             <p:nvPr/>
           </p:nvGrpSpPr>
-          <p:grpSpPr>
+          <p:grpSpPr bwMode="auto">
             <a:xfrm>
               <a:off x="838200" y="2514600"/>
               <a:ext cx="1905000" cy="1752600"/>
@@ -14684,21 +15457,31 @@
               </a:fontRef>
             </p:style>
             <p:txBody>
-              <a:bodyPr rtlCol="0" anchor="ctr"/>
+              <a:bodyPr anchor="ctr"/>
               <a:lstStyle/>
               <a:p>
-                <a:pPr algn="ctr"/>
+                <a:pPr algn="ctr" fontAlgn="auto">
+                  <a:spcBef>
+                    <a:spcPts val="0"/>
+                  </a:spcBef>
+                  <a:spcAft>
+                    <a:spcPts val="0"/>
+                  </a:spcAft>
+                  <a:defRPr/>
+                </a:pPr>
                 <a:endParaRPr lang="en-US"/>
               </a:p>
             </p:txBody>
           </p:sp>
           <p:sp>
             <p:nvSpPr>
-              <p:cNvPr id="4" name="TextBox 3"/>
-              <p:cNvSpPr txBox="1"/>
+              <p:cNvPr id="18452" name="TextBox 3"/>
+              <p:cNvSpPr txBox="1">
+                <a:spLocks noChangeArrowheads="1"/>
+              </p:cNvSpPr>
               <p:nvPr/>
             </p:nvSpPr>
-            <p:spPr>
+            <p:spPr bwMode="auto">
               <a:xfrm>
                 <a:off x="646176" y="3686505"/>
                 <a:ext cx="1795272" cy="1614236"/>
@@ -14707,47 +15490,62 @@
                 <a:avLst/>
               </a:prstGeom>
               <a:noFill/>
+              <a:ln w="9525">
+                <a:noFill/>
+                <a:miter lim="800000"/>
+                <a:headEnd/>
+                <a:tailEnd/>
+              </a:ln>
             </p:spPr>
             <p:txBody>
-              <a:bodyPr wrap="square" rtlCol="0">
+              <a:bodyPr>
                 <a:spAutoFit/>
               </a:bodyPr>
               <a:lstStyle/>
               <a:p>
                 <a:r>
-                  <a:rPr lang="en-US" dirty="0" smtClean="0"/>
+                  <a:rPr lang="en-US">
+                    <a:latin typeface="Constantia" pitchFamily="18" charset="0"/>
+                  </a:rPr>
                   <a:t>Start</a:t>
                 </a:r>
               </a:p>
               <a:p>
                 <a:r>
-                  <a:rPr lang="en-US" dirty="0" smtClean="0"/>
+                  <a:rPr lang="en-US">
+                    <a:latin typeface="Constantia" pitchFamily="18" charset="0"/>
+                  </a:rPr>
                   <a:t>X</a:t>
                 </a:r>
               </a:p>
               <a:p>
                 <a:r>
-                  <a:rPr lang="en-US" dirty="0" smtClean="0"/>
+                  <a:rPr lang="en-US">
+                    <a:latin typeface="Constantia" pitchFamily="18" charset="0"/>
+                  </a:rPr>
                   <a:t>Y</a:t>
                 </a:r>
               </a:p>
               <a:p>
                 <a:r>
-                  <a:rPr lang="en-US" dirty="0" smtClean="0"/>
+                  <a:rPr lang="en-US">
+                    <a:latin typeface="Constantia" pitchFamily="18" charset="0"/>
+                  </a:rPr>
                   <a:t>END</a:t>
                 </a:r>
-                <a:endParaRPr lang="en-US" dirty="0"/>
               </a:p>
             </p:txBody>
           </p:sp>
         </p:grpSp>
         <p:sp>
           <p:nvSpPr>
-            <p:cNvPr id="10" name="TextBox 9"/>
-            <p:cNvSpPr txBox="1"/>
+            <p:cNvPr id="18448" name="TextBox 9"/>
+            <p:cNvSpPr txBox="1">
+              <a:spLocks noChangeArrowheads="1"/>
+            </p:cNvSpPr>
             <p:nvPr/>
           </p:nvSpPr>
-          <p:spPr>
+          <p:spPr bwMode="auto">
             <a:xfrm>
               <a:off x="838200" y="2057400"/>
               <a:ext cx="2209800" cy="369332"/>
@@ -14756,29 +15554,38 @@
               <a:avLst/>
             </a:prstGeom>
             <a:noFill/>
+            <a:ln w="9525">
+              <a:noFill/>
+              <a:miter lim="800000"/>
+              <a:headEnd/>
+              <a:tailEnd/>
+            </a:ln>
           </p:spPr>
           <p:txBody>
-            <a:bodyPr wrap="square" rtlCol="0">
+            <a:bodyPr>
               <a:spAutoFit/>
             </a:bodyPr>
             <a:lstStyle/>
             <a:p>
               <a:r>
-                <a:rPr lang="en-US" dirty="0" smtClean="0"/>
+                <a:rPr lang="en-US">
+                  <a:latin typeface="Constantia" pitchFamily="18" charset="0"/>
+                </a:rPr>
                 <a:t>Operations Log</a:t>
               </a:r>
-              <a:endParaRPr lang="en-US" dirty="0"/>
             </a:p>
           </p:txBody>
         </p:sp>
       </p:grpSp>
       <p:grpSp>
         <p:nvGrpSpPr>
-          <p:cNvPr id="21" name="Group 20"/>
-          <p:cNvGrpSpPr/>
+          <p:cNvPr id="18437" name="Group 20"/>
+          <p:cNvGrpSpPr>
+            <a:grpSpLocks/>
+          </p:cNvGrpSpPr>
           <p:nvPr/>
         </p:nvGrpSpPr>
-        <p:grpSpPr>
+        <p:grpSpPr bwMode="auto">
           <a:xfrm>
             <a:off x="3657600" y="3657600"/>
             <a:ext cx="4419600" cy="2514600"/>
@@ -14788,11 +15595,13 @@
         </p:grpSpPr>
         <p:grpSp>
           <p:nvGrpSpPr>
-            <p:cNvPr id="15" name="Group 14"/>
-            <p:cNvGrpSpPr/>
+            <p:cNvPr id="18438" name="Group 14"/>
+            <p:cNvGrpSpPr>
+              <a:grpSpLocks/>
+            </p:cNvGrpSpPr>
             <p:nvPr/>
           </p:nvGrpSpPr>
-          <p:grpSpPr>
+          <p:grpSpPr bwMode="auto">
             <a:xfrm>
               <a:off x="5867400" y="3276600"/>
               <a:ext cx="2209800" cy="2514600"/>
@@ -14830,21 +15639,31 @@
               </a:fontRef>
             </p:style>
             <p:txBody>
-              <a:bodyPr rtlCol="0" anchor="ctr"/>
+              <a:bodyPr anchor="ctr"/>
               <a:lstStyle/>
               <a:p>
-                <a:pPr algn="ctr"/>
+                <a:pPr algn="ctr" fontAlgn="auto">
+                  <a:spcBef>
+                    <a:spcPts val="0"/>
+                  </a:spcBef>
+                  <a:spcAft>
+                    <a:spcPts val="0"/>
+                  </a:spcAft>
+                  <a:defRPr/>
+                </a:pPr>
                 <a:endParaRPr lang="en-US" dirty="0"/>
               </a:p>
             </p:txBody>
           </p:sp>
           <p:sp>
             <p:nvSpPr>
-              <p:cNvPr id="14" name="TextBox 13"/>
-              <p:cNvSpPr txBox="1"/>
+              <p:cNvPr id="18446" name="TextBox 13"/>
+              <p:cNvSpPr txBox="1">
+                <a:spLocks noChangeArrowheads="1"/>
+              </p:cNvSpPr>
               <p:nvPr/>
             </p:nvSpPr>
-            <p:spPr>
+            <p:spPr bwMode="auto">
               <a:xfrm>
                 <a:off x="4953000" y="3276600"/>
                 <a:ext cx="2209800" cy="369332"/>
@@ -14853,29 +15672,38 @@
                 <a:avLst/>
               </a:prstGeom>
               <a:noFill/>
+              <a:ln w="9525">
+                <a:noFill/>
+                <a:miter lim="800000"/>
+                <a:headEnd/>
+                <a:tailEnd/>
+              </a:ln>
             </p:spPr>
             <p:txBody>
-              <a:bodyPr wrap="square" rtlCol="0">
+              <a:bodyPr>
                 <a:spAutoFit/>
               </a:bodyPr>
               <a:lstStyle/>
               <a:p>
                 <a:r>
-                  <a:rPr lang="en-US" dirty="0" smtClean="0"/>
+                  <a:rPr lang="en-US">
+                    <a:latin typeface="Constantia" pitchFamily="18" charset="0"/>
+                  </a:rPr>
                   <a:t>Metadata</a:t>
                 </a:r>
-                <a:endParaRPr lang="en-US" dirty="0"/>
               </a:p>
             </p:txBody>
           </p:sp>
         </p:grpSp>
         <p:sp>
           <p:nvSpPr>
-            <p:cNvPr id="16" name="TextBox 15"/>
-            <p:cNvSpPr txBox="1"/>
+            <p:cNvPr id="18439" name="TextBox 15"/>
+            <p:cNvSpPr txBox="1">
+              <a:spLocks noChangeArrowheads="1"/>
+            </p:cNvSpPr>
             <p:nvPr/>
           </p:nvSpPr>
-          <p:spPr>
+          <p:spPr bwMode="auto">
             <a:xfrm>
               <a:off x="3657600" y="3745468"/>
               <a:ext cx="1950021" cy="369332"/>
@@ -14884,28 +15712,37 @@
               <a:avLst/>
             </a:prstGeom>
             <a:noFill/>
+            <a:ln w="9525">
+              <a:noFill/>
+              <a:miter lim="800000"/>
+              <a:headEnd/>
+              <a:tailEnd/>
+            </a:ln>
           </p:spPr>
           <p:txBody>
-            <a:bodyPr wrap="none" rtlCol="0">
+            <a:bodyPr wrap="none">
               <a:spAutoFit/>
             </a:bodyPr>
             <a:lstStyle/>
             <a:p>
               <a:r>
-                <a:rPr lang="en-US" dirty="0" smtClean="0"/>
+                <a:rPr lang="en-US">
+                  <a:latin typeface="Constantia" pitchFamily="18" charset="0"/>
+                </a:rPr>
                 <a:t>Perform change X</a:t>
               </a:r>
-              <a:endParaRPr lang="en-US" dirty="0"/>
             </a:p>
           </p:txBody>
         </p:sp>
         <p:sp>
           <p:nvSpPr>
-            <p:cNvPr id="17" name="TextBox 16"/>
-            <p:cNvSpPr txBox="1"/>
+            <p:cNvPr id="18440" name="TextBox 16"/>
+            <p:cNvSpPr txBox="1">
+              <a:spLocks noChangeArrowheads="1"/>
+            </p:cNvSpPr>
             <p:nvPr/>
           </p:nvSpPr>
-          <p:spPr>
+          <p:spPr bwMode="auto">
             <a:xfrm>
               <a:off x="3657600" y="4191000"/>
               <a:ext cx="2209800" cy="369332"/>
@@ -14914,18 +15751,25 @@
               <a:avLst/>
             </a:prstGeom>
             <a:noFill/>
+            <a:ln w="9525">
+              <a:noFill/>
+              <a:miter lim="800000"/>
+              <a:headEnd/>
+              <a:tailEnd/>
+            </a:ln>
           </p:spPr>
           <p:txBody>
-            <a:bodyPr wrap="square" rtlCol="0">
+            <a:bodyPr>
               <a:spAutoFit/>
             </a:bodyPr>
             <a:lstStyle/>
             <a:p>
               <a:r>
-                <a:rPr lang="en-US" dirty="0" smtClean="0"/>
+                <a:rPr lang="en-US">
+                  <a:latin typeface="Constantia" pitchFamily="18" charset="0"/>
+                </a:rPr>
                 <a:t>Perform change Y</a:t>
               </a:r>
-              <a:endParaRPr lang="en-US" dirty="0"/>
             </a:p>
           </p:txBody>
         </p:sp>
@@ -14937,8 +15781,8 @@
           </p:nvCxnSpPr>
           <p:spPr>
             <a:xfrm>
-              <a:off x="5638800" y="4418012"/>
-              <a:ext cx="533400" cy="1588"/>
+              <a:off x="5638800" y="4418013"/>
+              <a:ext cx="533400" cy="1587"/>
             </a:xfrm>
             <a:prstGeom prst="straightConnector1">
               <a:avLst/>
@@ -14970,8 +15814,8 @@
           </p:nvCxnSpPr>
           <p:spPr>
             <a:xfrm>
-              <a:off x="5638800" y="3960812"/>
-              <a:ext cx="533400" cy="1588"/>
+              <a:off x="5638800" y="3960813"/>
+              <a:ext cx="533400" cy="1587"/>
             </a:xfrm>
             <a:prstGeom prst="straightConnector1">
               <a:avLst/>
@@ -15030,7 +15874,7 @@
       </p:grpSpPr>
       <p:sp>
         <p:nvSpPr>
-          <p:cNvPr id="2" name="Title 1"/>
+          <p:cNvPr id="19458" name="Title 1"/>
           <p:cNvSpPr>
             <a:spLocks noGrp="1"/>
           </p:cNvSpPr>
@@ -15044,16 +15888,15 @@
           <a:lstStyle/>
           <a:p>
             <a:r>
-              <a:rPr lang="en-US" dirty="0" smtClean="0"/>
+              <a:rPr lang="en-US" smtClean="0"/>
               <a:t>Chunk Locations.</a:t>
             </a:r>
-            <a:endParaRPr lang="en-US" dirty="0"/>
           </a:p>
         </p:txBody>
       </p:sp>
       <p:sp>
         <p:nvSpPr>
-          <p:cNvPr id="3" name="Content Placeholder 2"/>
+          <p:cNvPr id="19459" name="Content Placeholder 2"/>
           <p:cNvSpPr>
             <a:spLocks noGrp="1"/>
           </p:cNvSpPr>
@@ -15067,25 +15910,25 @@
           <a:lstStyle/>
           <a:p>
             <a:r>
-              <a:rPr lang="en-US" dirty="0" smtClean="0"/>
+              <a:rPr lang="en-US" smtClean="0"/>
               <a:t>Master does not keep a persistent record of what chunkservers have a replica of a given chunk.</a:t>
             </a:r>
           </a:p>
           <a:p>
             <a:r>
-              <a:rPr lang="en-US" dirty="0" smtClean="0"/>
+              <a:rPr lang="en-US" smtClean="0"/>
               <a:t>Instead they always poll this information at startup</a:t>
             </a:r>
           </a:p>
           <a:p>
             <a:r>
-              <a:rPr lang="en-US" dirty="0" smtClean="0"/>
+              <a:rPr lang="en-US" smtClean="0"/>
               <a:t>The information is kept updated by periodically polling for this information.</a:t>
             </a:r>
           </a:p>
           <a:p>
             <a:r>
-              <a:rPr lang="en-US" dirty="0" smtClean="0"/>
+              <a:rPr lang="en-US" smtClean="0"/>
               <a:t>Why? Easier to maintain the information this way. Chunkservers will often join, leave, change names, fail restart , etc…</a:t>
             </a:r>
           </a:p>
@@ -15125,7 +15968,7 @@
       </p:grpSpPr>
       <p:sp>
         <p:nvSpPr>
-          <p:cNvPr id="2" name="Title 1"/>
+          <p:cNvPr id="20482" name="Title 1"/>
           <p:cNvSpPr>
             <a:spLocks noGrp="1"/>
           </p:cNvSpPr>
@@ -15139,16 +15982,15 @@
           <a:lstStyle/>
           <a:p>
             <a:r>
-              <a:rPr lang="en-US" dirty="0" smtClean="0"/>
+              <a:rPr lang="en-US" smtClean="0"/>
               <a:t>GFS Master</a:t>
             </a:r>
-            <a:endParaRPr lang="en-US" dirty="0"/>
           </a:p>
         </p:txBody>
       </p:sp>
       <p:sp>
         <p:nvSpPr>
-          <p:cNvPr id="3" name="Content Placeholder 2"/>
+          <p:cNvPr id="20483" name="Content Placeholder 2"/>
           <p:cNvSpPr>
             <a:spLocks noGrp="1"/>
           </p:cNvSpPr>
@@ -15158,67 +16000,65 @@
         </p:nvSpPr>
         <p:spPr/>
         <p:txBody>
-          <a:bodyPr>
-            <a:normAutofit/>
-          </a:bodyPr>
+          <a:bodyPr/>
           <a:lstStyle/>
           <a:p>
             <a:r>
-              <a:rPr lang="en-US" dirty="0" smtClean="0"/>
+              <a:rPr lang="en-US" smtClean="0"/>
               <a:t>Periodic scans in the background are made in order to keep the information up to date</a:t>
             </a:r>
           </a:p>
           <a:p>
             <a:r>
-              <a:rPr lang="en-US" dirty="0" smtClean="0"/>
+              <a:rPr lang="en-US" smtClean="0"/>
               <a:t>Controls System-Wide activities. </a:t>
             </a:r>
           </a:p>
           <a:p>
             <a:pPr lvl="1"/>
             <a:r>
-              <a:rPr lang="en-US" u="sng" dirty="0" smtClean="0"/>
+              <a:rPr lang="en-US" u="sng" smtClean="0"/>
               <a:t>Chunk lease management</a:t>
             </a:r>
             <a:r>
-              <a:rPr lang="en-US" dirty="0" smtClean="0"/>
+              <a:rPr lang="en-US" smtClean="0"/>
               <a:t> -- Writing to files.</a:t>
             </a:r>
           </a:p>
           <a:p>
             <a:pPr lvl="1"/>
             <a:r>
-              <a:rPr lang="en-US" u="sng" dirty="0" smtClean="0"/>
+              <a:rPr lang="en-US" u="sng" smtClean="0"/>
               <a:t>Chunk garbage collection</a:t>
             </a:r>
             <a:r>
-              <a:rPr lang="en-US" dirty="0" smtClean="0"/>
+              <a:rPr lang="en-US" smtClean="0"/>
               <a:t> -- Deleting files</a:t>
             </a:r>
           </a:p>
           <a:p>
             <a:pPr lvl="1"/>
             <a:r>
-              <a:rPr lang="en-US" dirty="0" smtClean="0"/>
+              <a:rPr lang="en-US" smtClean="0"/>
               <a:t>Re-replication in the presence of chunkserver failures.</a:t>
             </a:r>
           </a:p>
           <a:p>
             <a:pPr lvl="1"/>
             <a:r>
-              <a:rPr lang="en-US" dirty="0" smtClean="0"/>
+              <a:rPr lang="en-US" smtClean="0"/>
               <a:t>Chunk migration to balance load and disk space.</a:t>
             </a:r>
           </a:p>
           <a:p>
             <a:pPr lvl="1"/>
             <a:r>
-              <a:rPr lang="en-US" dirty="0" smtClean="0"/>
+              <a:rPr lang="en-US" smtClean="0"/>
               <a:t>Finding Stale Replica -- Collecting chunkservers’ state</a:t>
             </a:r>
           </a:p>
           <a:p>
-            <a:endParaRPr lang="en-US" dirty="0"/>
+            <a:endParaRPr lang="en-US" smtClean="0"/>
           </a:p>
         </p:txBody>
       </p:sp>
@@ -15256,7 +16096,7 @@
       </p:grpSpPr>
       <p:sp>
         <p:nvSpPr>
-          <p:cNvPr id="2" name="Title 1"/>
+          <p:cNvPr id="21506" name="Title 1"/>
           <p:cNvSpPr>
             <a:spLocks noGrp="1"/>
           </p:cNvSpPr>
@@ -15270,16 +16110,15 @@
           <a:lstStyle/>
           <a:p>
             <a:r>
-              <a:rPr lang="en-US" dirty="0" smtClean="0"/>
+              <a:rPr lang="en-US" smtClean="0"/>
               <a:t>Outline</a:t>
             </a:r>
-            <a:endParaRPr lang="en-US" dirty="0"/>
           </a:p>
         </p:txBody>
       </p:sp>
       <p:sp>
         <p:nvSpPr>
-          <p:cNvPr id="3" name="Content Placeholder 2"/>
+          <p:cNvPr id="21507" name="Content Placeholder 2"/>
           <p:cNvSpPr>
             <a:spLocks noGrp="1"/>
           </p:cNvSpPr>
@@ -15289,45 +16128,43 @@
         </p:nvSpPr>
         <p:spPr/>
         <p:txBody>
-          <a:bodyPr>
-            <a:normAutofit/>
-          </a:bodyPr>
+          <a:bodyPr/>
           <a:lstStyle/>
           <a:p>
             <a:r>
-              <a:rPr lang="en-US" dirty="0" smtClean="0"/>
+              <a:rPr lang="en-US" smtClean="0"/>
               <a:t>Distributed Filesystems</a:t>
             </a:r>
           </a:p>
           <a:p>
             <a:r>
-              <a:rPr lang="en-US" dirty="0" smtClean="0"/>
+              <a:rPr lang="en-US" smtClean="0"/>
               <a:t>Motivation</a:t>
             </a:r>
           </a:p>
           <a:p>
             <a:r>
-              <a:rPr lang="en-US" dirty="0" smtClean="0"/>
+              <a:rPr lang="en-US" smtClean="0"/>
               <a:t>Google Filesystem Architecture</a:t>
             </a:r>
           </a:p>
           <a:p>
             <a:pPr lvl="1"/>
             <a:r>
-              <a:rPr lang="en-US" dirty="0" smtClean="0"/>
+              <a:rPr lang="en-US" smtClean="0"/>
               <a:t>Chunkservers</a:t>
             </a:r>
           </a:p>
           <a:p>
             <a:pPr lvl="1"/>
             <a:r>
-              <a:rPr lang="en-US" dirty="0" smtClean="0"/>
+              <a:rPr lang="en-US" smtClean="0"/>
               <a:t>Master</a:t>
             </a:r>
           </a:p>
           <a:p>
             <a:r>
-              <a:rPr lang="en-US" dirty="0" smtClean="0">
+              <a:rPr lang="en-US" smtClean="0">
                 <a:solidFill>
                   <a:srgbClr val="FF0000"/>
                 </a:solidFill>
@@ -15337,16 +16174,16 @@
           </a:p>
           <a:p>
             <a:r>
-              <a:rPr lang="en-US" dirty="0" smtClean="0"/>
+              <a:rPr lang="en-US" smtClean="0"/>
               <a:t>File Mutation</a:t>
             </a:r>
           </a:p>
           <a:p>
             <a:r>
-              <a:rPr lang="en-US" dirty="0" smtClean="0"/>
+              <a:rPr lang="en-US" smtClean="0"/>
               <a:t>Garbage Collection</a:t>
             </a:r>
-            <a:endParaRPr lang="en-US" b="1" dirty="0" smtClean="0"/>
+            <a:endParaRPr lang="en-US" b="1" smtClean="0"/>
           </a:p>
         </p:txBody>
       </p:sp>
@@ -15399,6 +16236,12 @@
           </a:bodyPr>
           <a:lstStyle/>
           <a:p>
+            <a:pPr fontAlgn="auto">
+              <a:spcAft>
+                <a:spcPts val="0"/>
+              </a:spcAft>
+              <a:defRPr/>
+            </a:pPr>
             <a:r>
               <a:rPr lang="en-US" dirty="0" smtClean="0"/>
               <a:t>Consistency Model .:.</a:t>
@@ -15416,11 +16259,13 @@
       </p:sp>
       <p:grpSp>
         <p:nvGrpSpPr>
-          <p:cNvPr id="3" name="Group 79"/>
-          <p:cNvGrpSpPr/>
+          <p:cNvPr id="22531" name="Group 79"/>
+          <p:cNvGrpSpPr>
+            <a:grpSpLocks/>
+          </p:cNvGrpSpPr>
           <p:nvPr/>
         </p:nvGrpSpPr>
-        <p:grpSpPr>
+        <p:grpSpPr bwMode="auto">
           <a:xfrm>
             <a:off x="685800" y="2057400"/>
             <a:ext cx="7696200" cy="4343400"/>
@@ -15446,11 +16291,13 @@
         </p:graphicFrame>
         <p:sp>
           <p:nvSpPr>
-            <p:cNvPr id="78" name="TextBox 77"/>
-            <p:cNvSpPr txBox="1"/>
+            <p:cNvPr id="22533" name="TextBox 77"/>
+            <p:cNvSpPr txBox="1">
+              <a:spLocks noChangeArrowheads="1"/>
+            </p:cNvSpPr>
             <p:nvPr/>
           </p:nvSpPr>
-          <p:spPr>
+          <p:spPr bwMode="auto">
             <a:xfrm>
               <a:off x="2105420" y="2069068"/>
               <a:ext cx="1094980" cy="369332"/>
@@ -15459,28 +16306,37 @@
               <a:avLst/>
             </a:prstGeom>
             <a:noFill/>
+            <a:ln w="9525">
+              <a:noFill/>
+              <a:miter lim="800000"/>
+              <a:headEnd/>
+              <a:tailEnd/>
+            </a:ln>
           </p:spPr>
           <p:txBody>
-            <a:bodyPr wrap="none" rtlCol="0">
+            <a:bodyPr wrap="none">
               <a:spAutoFit/>
             </a:bodyPr>
             <a:lstStyle/>
             <a:p>
               <a:r>
-                <a:rPr lang="en-US" dirty="0" smtClean="0"/>
+                <a:rPr lang="en-US">
+                  <a:latin typeface="Constantia" pitchFamily="18" charset="0"/>
+                </a:rPr>
                 <a:t>Intended</a:t>
               </a:r>
-              <a:endParaRPr lang="en-US" dirty="0"/>
             </a:p>
           </p:txBody>
         </p:sp>
         <p:sp>
           <p:nvSpPr>
-            <p:cNvPr id="79" name="TextBox 78"/>
-            <p:cNvSpPr txBox="1"/>
+            <p:cNvPr id="22534" name="TextBox 78"/>
+            <p:cNvSpPr txBox="1">
+              <a:spLocks noChangeArrowheads="1"/>
+            </p:cNvSpPr>
             <p:nvPr/>
           </p:nvSpPr>
-          <p:spPr>
+          <p:spPr bwMode="auto">
             <a:xfrm>
               <a:off x="5698786" y="2057400"/>
               <a:ext cx="1006814" cy="369332"/>
@@ -15489,18 +16345,25 @@
               <a:avLst/>
             </a:prstGeom>
             <a:noFill/>
+            <a:ln w="9525">
+              <a:noFill/>
+              <a:miter lim="800000"/>
+              <a:headEnd/>
+              <a:tailEnd/>
+            </a:ln>
           </p:spPr>
           <p:txBody>
-            <a:bodyPr wrap="none" rtlCol="0">
+            <a:bodyPr wrap="none">
               <a:spAutoFit/>
             </a:bodyPr>
             <a:lstStyle/>
             <a:p>
               <a:r>
-                <a:rPr lang="en-US" dirty="0" smtClean="0"/>
+                <a:rPr lang="en-US">
+                  <a:latin typeface="Constantia" pitchFamily="18" charset="0"/>
+                </a:rPr>
                 <a:t>Replicas</a:t>
               </a:r>
-              <a:endParaRPr lang="en-US" dirty="0"/>
             </a:p>
           </p:txBody>
         </p:sp>
@@ -15539,7 +16402,7 @@
       </p:grpSpPr>
       <p:sp>
         <p:nvSpPr>
-          <p:cNvPr id="2" name="Title 1"/>
+          <p:cNvPr id="23554" name="Title 1"/>
           <p:cNvSpPr>
             <a:spLocks noGrp="1"/>
           </p:cNvSpPr>
@@ -15553,16 +16416,15 @@
           <a:lstStyle/>
           <a:p>
             <a:r>
-              <a:rPr lang="en-US" dirty="0" smtClean="0"/>
+              <a:rPr lang="en-US" smtClean="0"/>
               <a:t>Consistency Model</a:t>
             </a:r>
-            <a:endParaRPr lang="en-US" dirty="0"/>
           </a:p>
         </p:txBody>
       </p:sp>
       <p:sp>
         <p:nvSpPr>
-          <p:cNvPr id="3" name="Content Placeholder 2"/>
+          <p:cNvPr id="23555" name="Content Placeholder 2"/>
           <p:cNvSpPr>
             <a:spLocks noGrp="1"/>
           </p:cNvSpPr>
@@ -15576,24 +16438,24 @@
           <a:lstStyle/>
           <a:p>
             <a:r>
-              <a:rPr lang="en-US" dirty="0" smtClean="0"/>
+              <a:rPr lang="en-US" smtClean="0"/>
               <a:t>File namespace mutations (e.g., file creation) are kept atomic. (locking guarantees atomicity and correctness, and the operation log defines the correct order).</a:t>
             </a:r>
           </a:p>
           <a:p>
             <a:r>
-              <a:rPr lang="en-US" dirty="0" smtClean="0"/>
+              <a:rPr lang="en-US" smtClean="0"/>
               <a:t>Data operations in the chunkservers can have the 3 different region states after a file region is modified.</a:t>
             </a:r>
           </a:p>
           <a:p>
-            <a:endParaRPr lang="en-US" dirty="0"/>
+            <a:endParaRPr lang="en-US" smtClean="0"/>
           </a:p>
         </p:txBody>
       </p:sp>
       <p:pic>
         <p:nvPicPr>
-          <p:cNvPr id="4" name="Picture 2"/>
+          <p:cNvPr id="23556" name="Picture 2"/>
           <p:cNvPicPr>
             <a:picLocks noChangeAspect="1" noChangeArrowheads="1"/>
           </p:cNvPicPr>
@@ -15609,7 +16471,7 @@
         <p:spPr bwMode="auto">
           <a:xfrm>
             <a:off x="2362200" y="4038600"/>
-            <a:ext cx="6019800" cy="2505131"/>
+            <a:ext cx="6019800" cy="2505075"/>
           </a:xfrm>
           <a:prstGeom prst="rect">
             <a:avLst/>
@@ -15621,7 +16483,6 @@
             <a:headEnd/>
             <a:tailEnd/>
           </a:ln>
-          <a:effectLst/>
         </p:spPr>
       </p:pic>
     </p:spTree>
@@ -15658,7 +16519,7 @@
       </p:grpSpPr>
       <p:sp>
         <p:nvSpPr>
-          <p:cNvPr id="2" name="Title 1"/>
+          <p:cNvPr id="6146" name="Title 1"/>
           <p:cNvSpPr>
             <a:spLocks noGrp="1"/>
           </p:cNvSpPr>
@@ -15672,16 +16533,15 @@
           <a:lstStyle/>
           <a:p>
             <a:r>
-              <a:rPr lang="en-US" dirty="0" smtClean="0"/>
+              <a:rPr lang="en-US" smtClean="0"/>
               <a:t>Outline</a:t>
             </a:r>
-            <a:endParaRPr lang="en-US" dirty="0"/>
           </a:p>
         </p:txBody>
       </p:sp>
       <p:sp>
         <p:nvSpPr>
-          <p:cNvPr id="3" name="Content Placeholder 2"/>
+          <p:cNvPr id="6147" name="Content Placeholder 2"/>
           <p:cNvSpPr>
             <a:spLocks noGrp="1"/>
           </p:cNvSpPr>
@@ -15691,13 +16551,11 @@
         </p:nvSpPr>
         <p:spPr/>
         <p:txBody>
-          <a:bodyPr>
-            <a:normAutofit/>
-          </a:bodyPr>
+          <a:bodyPr/>
           <a:lstStyle/>
           <a:p>
             <a:r>
-              <a:rPr lang="en-US" dirty="0" smtClean="0">
+              <a:rPr lang="en-US" smtClean="0">
                 <a:solidFill>
                   <a:srgbClr val="FF0000"/>
                 </a:solidFill>
@@ -15707,45 +16565,45 @@
           </a:p>
           <a:p>
             <a:r>
-              <a:rPr lang="en-US" dirty="0" smtClean="0"/>
+              <a:rPr lang="en-US" smtClean="0"/>
               <a:t>Motivation</a:t>
             </a:r>
           </a:p>
           <a:p>
             <a:r>
-              <a:rPr lang="en-US" dirty="0" smtClean="0"/>
+              <a:rPr lang="en-US" smtClean="0"/>
               <a:t>Google Filesystem Architecture</a:t>
             </a:r>
           </a:p>
           <a:p>
             <a:pPr lvl="1"/>
             <a:r>
-              <a:rPr lang="en-US" dirty="0" smtClean="0"/>
+              <a:rPr lang="en-US" smtClean="0"/>
               <a:t>Chunkservers</a:t>
             </a:r>
           </a:p>
           <a:p>
             <a:pPr lvl="1"/>
             <a:r>
-              <a:rPr lang="en-US" dirty="0" smtClean="0"/>
+              <a:rPr lang="en-US" smtClean="0"/>
               <a:t>Master</a:t>
             </a:r>
           </a:p>
           <a:p>
             <a:r>
-              <a:rPr lang="en-US" dirty="0" smtClean="0"/>
+              <a:rPr lang="en-US" smtClean="0"/>
               <a:t>Consistency Model</a:t>
             </a:r>
           </a:p>
           <a:p>
             <a:r>
-              <a:rPr lang="en-US" dirty="0" smtClean="0"/>
+              <a:rPr lang="en-US" smtClean="0"/>
               <a:t>File Mutation</a:t>
             </a:r>
           </a:p>
           <a:p>
             <a:r>
-              <a:rPr lang="en-US" dirty="0" smtClean="0"/>
+              <a:rPr lang="en-US" smtClean="0"/>
               <a:t>Garbage Collection</a:t>
             </a:r>
           </a:p>
@@ -15800,6 +16658,12 @@
           </a:bodyPr>
           <a:lstStyle/>
           <a:p>
+            <a:pPr fontAlgn="auto">
+              <a:spcAft>
+                <a:spcPts val="0"/>
+              </a:spcAft>
+              <a:defRPr/>
+            </a:pPr>
             <a:r>
               <a:rPr lang="en-US" dirty="0" smtClean="0"/>
               <a:t>Implications for GFS Applications</a:t>
@@ -15810,7 +16674,7 @@
       </p:sp>
       <p:sp>
         <p:nvSpPr>
-          <p:cNvPr id="3" name="Content Placeholder 2"/>
+          <p:cNvPr id="24579" name="Content Placeholder 2"/>
           <p:cNvSpPr>
             <a:spLocks noGrp="1"/>
           </p:cNvSpPr>
@@ -15824,30 +16688,30 @@
           <a:lstStyle/>
           <a:p>
             <a:r>
-              <a:rPr lang="en-US" dirty="0" smtClean="0"/>
+              <a:rPr lang="en-US" smtClean="0"/>
               <a:t>GFS applications can accommodate the relaxed consistency model with a few simple techniques already needed for other purposes: </a:t>
             </a:r>
           </a:p>
           <a:p>
             <a:r>
-              <a:rPr lang="en-US" dirty="0" smtClean="0"/>
+              <a:rPr lang="en-US" smtClean="0"/>
               <a:t>Self-validating (checksums)</a:t>
             </a:r>
           </a:p>
           <a:p>
             <a:r>
-              <a:rPr lang="en-US" dirty="0" smtClean="0"/>
+              <a:rPr lang="en-US" smtClean="0"/>
               <a:t>Self-identifying records (for duplicates).</a:t>
             </a:r>
           </a:p>
           <a:p>
             <a:r>
-              <a:rPr lang="en-US" dirty="0" smtClean="0"/>
+              <a:rPr lang="en-US" smtClean="0"/>
               <a:t>Relying on appends rather than overwrites</a:t>
             </a:r>
           </a:p>
           <a:p>
-            <a:endParaRPr lang="en-US" dirty="0"/>
+            <a:endParaRPr lang="en-US" smtClean="0"/>
           </a:p>
         </p:txBody>
       </p:sp>
@@ -15885,7 +16749,7 @@
       </p:grpSpPr>
       <p:sp>
         <p:nvSpPr>
-          <p:cNvPr id="2" name="Title 1"/>
+          <p:cNvPr id="25602" name="Title 1"/>
           <p:cNvSpPr>
             <a:spLocks noGrp="1"/>
           </p:cNvSpPr>
@@ -15899,16 +16763,15 @@
           <a:lstStyle/>
           <a:p>
             <a:r>
-              <a:rPr lang="en-US" dirty="0" smtClean="0"/>
+              <a:rPr lang="en-US" smtClean="0"/>
               <a:t>Outline</a:t>
             </a:r>
-            <a:endParaRPr lang="en-US" dirty="0"/>
           </a:p>
         </p:txBody>
       </p:sp>
       <p:sp>
         <p:nvSpPr>
-          <p:cNvPr id="3" name="Content Placeholder 2"/>
+          <p:cNvPr id="25603" name="Content Placeholder 2"/>
           <p:cNvSpPr>
             <a:spLocks noGrp="1"/>
           </p:cNvSpPr>
@@ -15918,51 +16781,49 @@
         </p:nvSpPr>
         <p:spPr/>
         <p:txBody>
-          <a:bodyPr>
-            <a:normAutofit/>
-          </a:bodyPr>
+          <a:bodyPr/>
           <a:lstStyle/>
           <a:p>
             <a:r>
-              <a:rPr lang="en-US" dirty="0" smtClean="0"/>
+              <a:rPr lang="en-US" smtClean="0"/>
               <a:t>Distributed Filesystems</a:t>
             </a:r>
           </a:p>
           <a:p>
             <a:r>
-              <a:rPr lang="en-US" dirty="0" smtClean="0"/>
+              <a:rPr lang="en-US" smtClean="0"/>
               <a:t>Motivation</a:t>
             </a:r>
           </a:p>
           <a:p>
             <a:r>
-              <a:rPr lang="en-US" dirty="0" smtClean="0"/>
+              <a:rPr lang="en-US" smtClean="0"/>
               <a:t>Google Filesystem Architecture</a:t>
             </a:r>
           </a:p>
           <a:p>
             <a:pPr lvl="1"/>
             <a:r>
-              <a:rPr lang="en-US" dirty="0" smtClean="0"/>
+              <a:rPr lang="en-US" smtClean="0"/>
               <a:t>Chunkservers</a:t>
             </a:r>
           </a:p>
           <a:p>
             <a:pPr lvl="1"/>
             <a:r>
-              <a:rPr lang="en-US" dirty="0" smtClean="0"/>
+              <a:rPr lang="en-US" smtClean="0"/>
               <a:t>Master</a:t>
             </a:r>
           </a:p>
           <a:p>
             <a:r>
-              <a:rPr lang="en-US" dirty="0" smtClean="0"/>
+              <a:rPr lang="en-US" smtClean="0"/>
               <a:t>Consistency Model</a:t>
             </a:r>
           </a:p>
           <a:p>
             <a:r>
-              <a:rPr lang="en-US" dirty="0" smtClean="0">
+              <a:rPr lang="en-US" smtClean="0">
                 <a:solidFill>
                   <a:srgbClr val="FF0000"/>
                 </a:solidFill>
@@ -15972,10 +16833,10 @@
           </a:p>
           <a:p>
             <a:r>
-              <a:rPr lang="en-US" dirty="0" smtClean="0"/>
+              <a:rPr lang="en-US" smtClean="0"/>
               <a:t>Garbage Collection</a:t>
             </a:r>
-            <a:endParaRPr lang="en-US" b="1" dirty="0" smtClean="0"/>
+            <a:endParaRPr lang="en-US" b="1" smtClean="0"/>
           </a:p>
         </p:txBody>
       </p:sp>
@@ -16013,7 +16874,7 @@
       </p:grpSpPr>
       <p:sp>
         <p:nvSpPr>
-          <p:cNvPr id="2" name="Title 1"/>
+          <p:cNvPr id="26626" name="Title 1"/>
           <p:cNvSpPr>
             <a:spLocks noGrp="1"/>
           </p:cNvSpPr>
@@ -16023,22 +16884,19 @@
         </p:nvSpPr>
         <p:spPr/>
         <p:txBody>
-          <a:bodyPr>
-            <a:normAutofit/>
-          </a:bodyPr>
+          <a:bodyPr/>
           <a:lstStyle/>
           <a:p>
             <a:r>
-              <a:rPr lang="en-US" dirty="0" smtClean="0"/>
+              <a:rPr lang="en-US" smtClean="0"/>
               <a:t>Leases and Mutation Order</a:t>
             </a:r>
-            <a:endParaRPr lang="en-US" dirty="0"/>
           </a:p>
         </p:txBody>
       </p:sp>
       <p:sp>
         <p:nvSpPr>
-          <p:cNvPr id="4" name="Content Placeholder 3"/>
+          <p:cNvPr id="26627" name="Content Placeholder 3"/>
           <p:cNvSpPr>
             <a:spLocks noGrp="1"/>
           </p:cNvSpPr>
@@ -16052,38 +16910,21 @@
           <a:lstStyle/>
           <a:p>
             <a:r>
-              <a:rPr lang="en-US" dirty="0" smtClean="0"/>
-              <a:t>Mutation is an operation that changes the contents </a:t>
-            </a:r>
-            <a:r>
-              <a:rPr lang="en-US" dirty="0" smtClean="0"/>
-              <a:t>of </a:t>
-            </a:r>
-            <a:r>
-              <a:rPr lang="en-US" dirty="0" smtClean="0"/>
-              <a:t>a chunk. </a:t>
-            </a:r>
-          </a:p>
-          <a:p>
-            <a:r>
-              <a:rPr lang="en-US" dirty="0" smtClean="0"/>
-              <a:t>Mutation must </a:t>
-            </a:r>
-            <a:r>
-              <a:rPr lang="en-US" dirty="0" smtClean="0"/>
-              <a:t>be performed at all the chunk’s replicas.</a:t>
-            </a:r>
-          </a:p>
-          <a:p>
-            <a:r>
-              <a:rPr lang="en-US" dirty="0" smtClean="0"/>
-              <a:t>The master grants lease to one of the replicas, which is promoted as primary copy</a:t>
-            </a:r>
-            <a:r>
-              <a:rPr lang="en-US" dirty="0" smtClean="0"/>
-              <a:t>.</a:t>
-            </a:r>
-            <a:endParaRPr lang="en-US" dirty="0" smtClean="0"/>
+              <a:rPr lang="en-US" smtClean="0"/>
+              <a:t>Mutation is an operation that changes the contents of a chunk. </a:t>
+            </a:r>
+          </a:p>
+          <a:p>
+            <a:r>
+              <a:rPr lang="en-US" smtClean="0"/>
+              <a:t>Mutation must be performed at all the chunk’s replicas.</a:t>
+            </a:r>
+          </a:p>
+          <a:p>
+            <a:r>
+              <a:rPr lang="en-US" smtClean="0"/>
+              <a:t>The master grants lease to one of the replicas, which is promoted as primary copy.</a:t>
+            </a:r>
           </a:p>
         </p:txBody>
       </p:sp>
@@ -16121,7 +16962,7 @@
       </p:grpSpPr>
       <p:sp>
         <p:nvSpPr>
-          <p:cNvPr id="2" name="Title 1"/>
+          <p:cNvPr id="27650" name="Title 1"/>
           <p:cNvSpPr>
             <a:spLocks noGrp="1"/>
           </p:cNvSpPr>
@@ -16135,10 +16976,9 @@
           <a:lstStyle/>
           <a:p>
             <a:r>
-              <a:rPr lang="en-US" dirty="0" smtClean="0"/>
+              <a:rPr lang="en-US" smtClean="0"/>
               <a:t>Steps to perform a mutation.</a:t>
             </a:r>
-            <a:endParaRPr lang="en-US" dirty="0"/>
           </a:p>
         </p:txBody>
       </p:sp>
@@ -16196,7 +17036,7 @@
       </p:grpSpPr>
       <p:sp>
         <p:nvSpPr>
-          <p:cNvPr id="2" name="Title 1"/>
+          <p:cNvPr id="28674" name="Title 1"/>
           <p:cNvSpPr>
             <a:spLocks noGrp="1"/>
           </p:cNvSpPr>
@@ -16210,16 +17050,15 @@
           <a:lstStyle/>
           <a:p>
             <a:r>
-              <a:rPr lang="en-US" dirty="0" smtClean="0"/>
+              <a:rPr lang="en-US" smtClean="0"/>
               <a:t>Leases and Mutation Order</a:t>
             </a:r>
-            <a:endParaRPr lang="en-US" dirty="0"/>
           </a:p>
         </p:txBody>
       </p:sp>
       <p:pic>
         <p:nvPicPr>
-          <p:cNvPr id="2050" name="Picture 2"/>
+          <p:cNvPr id="28675" name="Picture 2"/>
           <p:cNvPicPr>
             <a:picLocks noGrp="1" noChangeAspect="1" noChangeArrowheads="1"/>
           </p:cNvPicPr>
@@ -16234,22 +17073,11 @@
             <a:fillRect/>
           </a:stretch>
         </p:blipFill>
-        <p:spPr bwMode="auto">
+        <p:spPr>
           <a:xfrm>
-            <a:off x="2237193" y="1935163"/>
-            <a:ext cx="4669614" cy="4389437"/>
+            <a:off x="2236788" y="1935163"/>
+            <a:ext cx="4670425" cy="4389437"/>
           </a:xfrm>
-          <a:prstGeom prst="rect">
-            <a:avLst/>
-          </a:prstGeom>
-          <a:noFill/>
-          <a:ln w="9525">
-            <a:noFill/>
-            <a:miter lim="800000"/>
-            <a:headEnd/>
-            <a:tailEnd/>
-          </a:ln>
-          <a:effectLst/>
         </p:spPr>
       </p:pic>
     </p:spTree>
@@ -16286,7 +17114,7 @@
       </p:grpSpPr>
       <p:sp>
         <p:nvSpPr>
-          <p:cNvPr id="2" name="Title 1"/>
+          <p:cNvPr id="29698" name="Title 1"/>
           <p:cNvSpPr>
             <a:spLocks noGrp="1"/>
           </p:cNvSpPr>
@@ -16300,10 +17128,9 @@
           <a:lstStyle/>
           <a:p>
             <a:r>
-              <a:rPr lang="en-US" dirty="0" smtClean="0"/>
+              <a:rPr lang="en-US" smtClean="0"/>
               <a:t>Steps to perform a mutation.</a:t>
             </a:r>
-            <a:endParaRPr lang="en-US" dirty="0"/>
           </a:p>
         </p:txBody>
       </p:sp>
@@ -16361,7 +17188,7 @@
       </p:grpSpPr>
       <p:sp>
         <p:nvSpPr>
-          <p:cNvPr id="2" name="Title 1"/>
+          <p:cNvPr id="30722" name="Title 1"/>
           <p:cNvSpPr>
             <a:spLocks noGrp="1"/>
           </p:cNvSpPr>
@@ -16375,16 +17202,15 @@
           <a:lstStyle/>
           <a:p>
             <a:r>
-              <a:rPr lang="en-US" dirty="0" smtClean="0"/>
+              <a:rPr lang="en-US" smtClean="0"/>
               <a:t>Leases and Mutation Order</a:t>
             </a:r>
-            <a:endParaRPr lang="en-US" dirty="0"/>
           </a:p>
         </p:txBody>
       </p:sp>
       <p:pic>
         <p:nvPicPr>
-          <p:cNvPr id="2050" name="Picture 2"/>
+          <p:cNvPr id="30723" name="Picture 2"/>
           <p:cNvPicPr>
             <a:picLocks noGrp="1" noChangeAspect="1" noChangeArrowheads="1"/>
           </p:cNvPicPr>
@@ -16399,22 +17225,11 @@
             <a:fillRect/>
           </a:stretch>
         </p:blipFill>
-        <p:spPr bwMode="auto">
+        <p:spPr>
           <a:xfrm>
-            <a:off x="2237193" y="1935163"/>
-            <a:ext cx="4669614" cy="4389437"/>
+            <a:off x="2236788" y="1935163"/>
+            <a:ext cx="4670425" cy="4389437"/>
           </a:xfrm>
-          <a:prstGeom prst="rect">
-            <a:avLst/>
-          </a:prstGeom>
-          <a:noFill/>
-          <a:ln w="9525">
-            <a:noFill/>
-            <a:miter lim="800000"/>
-            <a:headEnd/>
-            <a:tailEnd/>
-          </a:ln>
-          <a:effectLst/>
         </p:spPr>
       </p:pic>
     </p:spTree>
@@ -16451,7 +17266,7 @@
       </p:grpSpPr>
       <p:sp>
         <p:nvSpPr>
-          <p:cNvPr id="2" name="Title 1"/>
+          <p:cNvPr id="31746" name="Title 1"/>
           <p:cNvSpPr>
             <a:spLocks noGrp="1"/>
           </p:cNvSpPr>
@@ -16465,10 +17280,9 @@
           <a:lstStyle/>
           <a:p>
             <a:r>
-              <a:rPr lang="en-US" dirty="0" smtClean="0"/>
+              <a:rPr lang="en-US" smtClean="0"/>
               <a:t>Steps to perform a mutation.</a:t>
             </a:r>
-            <a:endParaRPr lang="en-US" dirty="0"/>
           </a:p>
         </p:txBody>
       </p:sp>
@@ -16526,7 +17340,7 @@
       </p:grpSpPr>
       <p:sp>
         <p:nvSpPr>
-          <p:cNvPr id="2" name="Title 1"/>
+          <p:cNvPr id="32770" name="Title 1"/>
           <p:cNvSpPr>
             <a:spLocks noGrp="1"/>
           </p:cNvSpPr>
@@ -16540,16 +17354,15 @@
           <a:lstStyle/>
           <a:p>
             <a:r>
-              <a:rPr lang="en-US" dirty="0" smtClean="0"/>
+              <a:rPr lang="en-US" smtClean="0"/>
               <a:t>Leases and Mutation Order</a:t>
             </a:r>
-            <a:endParaRPr lang="en-US" dirty="0"/>
           </a:p>
         </p:txBody>
       </p:sp>
       <p:pic>
         <p:nvPicPr>
-          <p:cNvPr id="2050" name="Picture 2"/>
+          <p:cNvPr id="32771" name="Picture 2"/>
           <p:cNvPicPr>
             <a:picLocks noGrp="1" noChangeAspect="1" noChangeArrowheads="1"/>
           </p:cNvPicPr>
@@ -16564,22 +17377,11 @@
             <a:fillRect/>
           </a:stretch>
         </p:blipFill>
-        <p:spPr bwMode="auto">
+        <p:spPr>
           <a:xfrm>
-            <a:off x="2237193" y="1935163"/>
-            <a:ext cx="4669614" cy="4389437"/>
+            <a:off x="2236788" y="1935163"/>
+            <a:ext cx="4670425" cy="4389437"/>
           </a:xfrm>
-          <a:prstGeom prst="rect">
-            <a:avLst/>
-          </a:prstGeom>
-          <a:noFill/>
-          <a:ln w="9525">
-            <a:noFill/>
-            <a:miter lim="800000"/>
-            <a:headEnd/>
-            <a:tailEnd/>
-          </a:ln>
-          <a:effectLst/>
         </p:spPr>
       </p:pic>
     </p:spTree>
@@ -16616,7 +17418,7 @@
       </p:grpSpPr>
       <p:sp>
         <p:nvSpPr>
-          <p:cNvPr id="2" name="Title 1"/>
+          <p:cNvPr id="33794" name="Title 1"/>
           <p:cNvSpPr>
             <a:spLocks noGrp="1"/>
           </p:cNvSpPr>
@@ -16630,16 +17432,15 @@
           <a:lstStyle/>
           <a:p>
             <a:r>
-              <a:rPr lang="en-US" dirty="0" smtClean="0"/>
+              <a:rPr lang="en-US" smtClean="0"/>
               <a:t>Atomic Record Appends</a:t>
             </a:r>
-            <a:endParaRPr lang="en-US" dirty="0"/>
           </a:p>
         </p:txBody>
       </p:sp>
       <p:sp>
         <p:nvSpPr>
-          <p:cNvPr id="3" name="Content Placeholder 2"/>
+          <p:cNvPr id="33795" name="Content Placeholder 2"/>
           <p:cNvSpPr>
             <a:spLocks noGrp="1"/>
           </p:cNvSpPr>
@@ -16653,39 +17454,30 @@
           <a:lstStyle/>
           <a:p>
             <a:r>
-              <a:rPr lang="en-US" dirty="0" smtClean="0"/>
-              <a:t>In write operations the client specifies the </a:t>
-            </a:r>
-            <a:r>
-              <a:rPr lang="en-US" dirty="0" smtClean="0"/>
-              <a:t>offset</a:t>
-            </a:r>
-          </a:p>
-          <a:p>
-            <a:r>
-              <a:rPr lang="en-US" dirty="0" smtClean="0"/>
-              <a:t>It does the same function as O_APPEND mode in Unix except it handles the race conditions when there are multiple writers</a:t>
-            </a:r>
-            <a:r>
-              <a:rPr lang="en-US" dirty="0" smtClean="0"/>
-              <a:t>.</a:t>
-            </a:r>
-            <a:endParaRPr lang="en-US" dirty="0" smtClean="0"/>
-          </a:p>
-          <a:p>
-            <a:r>
-              <a:rPr lang="en-US" dirty="0" smtClean="0"/>
+              <a:rPr lang="en-US" smtClean="0"/>
+              <a:t>In write operations the client specifies the offset</a:t>
+            </a:r>
+          </a:p>
+          <a:p>
+            <a:r>
+              <a:rPr lang="en-US" smtClean="0"/>
+              <a:t>It does the same function as O_APPEND mode in Unix except it handles the race conditions when there are multiple writers.</a:t>
+            </a:r>
+          </a:p>
+          <a:p>
+            <a:r>
+              <a:rPr lang="en-US" smtClean="0"/>
               <a:t>In this operation GFS chooses the offset.</a:t>
             </a:r>
           </a:p>
           <a:p>
             <a:r>
-              <a:rPr lang="en-US" dirty="0" smtClean="0"/>
+              <a:rPr lang="en-US" smtClean="0"/>
               <a:t>GFS will append a record at least once atomically.</a:t>
             </a:r>
           </a:p>
           <a:p>
-            <a:endParaRPr lang="en-US" dirty="0"/>
+            <a:endParaRPr lang="en-US" smtClean="0"/>
           </a:p>
         </p:txBody>
       </p:sp>
@@ -16723,7 +17515,7 @@
       </p:grpSpPr>
       <p:sp>
         <p:nvSpPr>
-          <p:cNvPr id="15" name="Title 14"/>
+          <p:cNvPr id="7170" name="Title 14"/>
           <p:cNvSpPr>
             <a:spLocks noGrp="1"/>
           </p:cNvSpPr>
@@ -16737,16 +17529,15 @@
           <a:lstStyle/>
           <a:p>
             <a:r>
-              <a:rPr lang="en-US" dirty="0" smtClean="0"/>
+              <a:rPr lang="en-US" smtClean="0"/>
               <a:t>Distributed File system</a:t>
             </a:r>
-            <a:endParaRPr lang="en-US" dirty="0"/>
           </a:p>
         </p:txBody>
       </p:sp>
       <p:sp>
         <p:nvSpPr>
-          <p:cNvPr id="16" name="Content Placeholder 15"/>
+          <p:cNvPr id="7171" name="Content Placeholder 15"/>
           <p:cNvSpPr>
             <a:spLocks noGrp="1"/>
           </p:cNvSpPr>
@@ -16756,42 +17547,40 @@
         </p:nvSpPr>
         <p:spPr/>
         <p:txBody>
-          <a:bodyPr>
-            <a:normAutofit/>
-          </a:bodyPr>
+          <a:bodyPr/>
           <a:lstStyle/>
           <a:p>
             <a:r>
-              <a:rPr lang="en-US" dirty="0" smtClean="0"/>
+              <a:rPr lang="en-US" smtClean="0"/>
               <a:t>Allow access to files from multiple hosts shared via a computer network.</a:t>
             </a:r>
           </a:p>
           <a:p>
             <a:r>
-              <a:rPr lang="en-US" dirty="0" smtClean="0"/>
+              <a:rPr lang="en-US" smtClean="0"/>
               <a:t>Provides an API that allows it to be accessible over the network.</a:t>
             </a:r>
           </a:p>
           <a:p>
             <a:r>
-              <a:rPr lang="en-US" dirty="0" smtClean="0"/>
+              <a:rPr lang="en-US" smtClean="0"/>
               <a:t>They are layered on top of other filesystems.</a:t>
             </a:r>
           </a:p>
           <a:p>
             <a:r>
-              <a:rPr lang="en-US" dirty="0" smtClean="0"/>
+              <a:rPr lang="en-US" smtClean="0"/>
               <a:t>Distributed filesystems are not concerned with how the data is actually stored.</a:t>
             </a:r>
           </a:p>
           <a:p>
             <a:r>
-              <a:rPr lang="en-US" dirty="0" smtClean="0"/>
+              <a:rPr lang="en-US" smtClean="0"/>
               <a:t>They are more concerned with things such as concurrent access to files and replication of data.</a:t>
             </a:r>
           </a:p>
           <a:p>
-            <a:endParaRPr lang="en-US" dirty="0"/>
+            <a:endParaRPr lang="en-US" smtClean="0"/>
           </a:p>
         </p:txBody>
       </p:sp>
@@ -16829,7 +17618,7 @@
       </p:grpSpPr>
       <p:sp>
         <p:nvSpPr>
-          <p:cNvPr id="2" name="Title 1"/>
+          <p:cNvPr id="34818" name="Title 1"/>
           <p:cNvSpPr>
             <a:spLocks noGrp="1"/>
           </p:cNvSpPr>
@@ -16843,16 +17632,15 @@
           <a:lstStyle/>
           <a:p>
             <a:r>
-              <a:rPr lang="en-US" dirty="0" smtClean="0"/>
+              <a:rPr lang="en-US" smtClean="0"/>
               <a:t>Outline</a:t>
             </a:r>
-            <a:endParaRPr lang="en-US" dirty="0"/>
           </a:p>
         </p:txBody>
       </p:sp>
       <p:sp>
         <p:nvSpPr>
-          <p:cNvPr id="3" name="Content Placeholder 2"/>
+          <p:cNvPr id="34819" name="Content Placeholder 2"/>
           <p:cNvSpPr>
             <a:spLocks noGrp="1"/>
           </p:cNvSpPr>
@@ -16862,64 +17650,62 @@
         </p:nvSpPr>
         <p:spPr/>
         <p:txBody>
-          <a:bodyPr>
-            <a:normAutofit/>
-          </a:bodyPr>
+          <a:bodyPr/>
           <a:lstStyle/>
           <a:p>
             <a:r>
-              <a:rPr lang="en-US" dirty="0" smtClean="0"/>
+              <a:rPr lang="en-US" smtClean="0"/>
               <a:t>Distributed Filesystems</a:t>
             </a:r>
           </a:p>
           <a:p>
             <a:r>
-              <a:rPr lang="en-US" dirty="0" smtClean="0"/>
+              <a:rPr lang="en-US" smtClean="0"/>
               <a:t>Motivation</a:t>
             </a:r>
           </a:p>
           <a:p>
             <a:r>
-              <a:rPr lang="en-US" dirty="0" smtClean="0"/>
+              <a:rPr lang="en-US" smtClean="0"/>
               <a:t>Google Filesystem Architecture</a:t>
             </a:r>
           </a:p>
           <a:p>
             <a:pPr lvl="1"/>
             <a:r>
-              <a:rPr lang="en-US" dirty="0" smtClean="0"/>
+              <a:rPr lang="en-US" smtClean="0"/>
               <a:t>Chunkservers</a:t>
             </a:r>
           </a:p>
           <a:p>
             <a:pPr lvl="1"/>
             <a:r>
-              <a:rPr lang="en-US" dirty="0" smtClean="0"/>
+              <a:rPr lang="en-US" smtClean="0"/>
               <a:t>Master</a:t>
             </a:r>
           </a:p>
           <a:p>
             <a:r>
-              <a:rPr lang="en-US" dirty="0" smtClean="0"/>
+              <a:rPr lang="en-US" smtClean="0"/>
               <a:t>Consistency Model</a:t>
             </a:r>
           </a:p>
           <a:p>
             <a:r>
-              <a:rPr lang="en-US" dirty="0" smtClean="0"/>
+              <a:rPr lang="en-US" smtClean="0"/>
               <a:t>File Mutation</a:t>
             </a:r>
           </a:p>
           <a:p>
             <a:r>
-              <a:rPr lang="en-US" dirty="0" smtClean="0">
+              <a:rPr lang="en-US" smtClean="0">
                 <a:solidFill>
                   <a:srgbClr val="FF0000"/>
                 </a:solidFill>
               </a:rPr>
               <a:t>Garbage Collection</a:t>
             </a:r>
-            <a:endParaRPr lang="en-US" b="1" dirty="0" smtClean="0">
+            <a:endParaRPr lang="en-US" b="1" smtClean="0">
               <a:solidFill>
                 <a:srgbClr val="FF0000"/>
               </a:solidFill>
@@ -16961,7 +17747,7 @@
       </p:grpSpPr>
       <p:sp>
         <p:nvSpPr>
-          <p:cNvPr id="2" name="Title 1"/>
+          <p:cNvPr id="35842" name="Title 1"/>
           <p:cNvSpPr>
             <a:spLocks noGrp="1"/>
           </p:cNvSpPr>
@@ -16975,10 +17761,9 @@
           <a:lstStyle/>
           <a:p>
             <a:r>
-              <a:rPr lang="en-US" dirty="0" smtClean="0"/>
+              <a:rPr lang="en-US" smtClean="0"/>
               <a:t>Garbage collection</a:t>
             </a:r>
-            <a:endParaRPr lang="en-US" dirty="0"/>
           </a:p>
         </p:txBody>
       </p:sp>
@@ -16992,42 +17777,92 @@
             <p:ph idx="1"/>
           </p:nvPr>
         </p:nvSpPr>
-        <p:spPr>
-          <a:xfrm>
-            <a:off x="457200" y="1935480"/>
-            <a:ext cx="8229600" cy="4389120"/>
-          </a:xfrm>
-        </p:spPr>
+        <p:spPr/>
         <p:txBody>
           <a:bodyPr>
             <a:normAutofit fontScale="92500" lnSpcReduction="10000"/>
           </a:bodyPr>
           <a:lstStyle/>
           <a:p>
+            <a:pPr marL="274320" indent="-274320" fontAlgn="auto">
+              <a:spcAft>
+                <a:spcPts val="0"/>
+              </a:spcAft>
+              <a:buClr>
+                <a:schemeClr val="accent3"/>
+              </a:buClr>
+              <a:buFont typeface="Wingdings 2"/>
+              <a:buChar char=""/>
+              <a:defRPr/>
+            </a:pPr>
             <a:r>
               <a:rPr lang="en-US" dirty="0" smtClean="0"/>
               <a:t>When a file is deleted GFS does not remove it from the filesystem immediately, it renames it to a hidden name and gives it a timestamp.</a:t>
             </a:r>
           </a:p>
           <a:p>
+            <a:pPr marL="274320" indent="-274320" fontAlgn="auto">
+              <a:spcAft>
+                <a:spcPts val="0"/>
+              </a:spcAft>
+              <a:buClr>
+                <a:schemeClr val="accent3"/>
+              </a:buClr>
+              <a:buFont typeface="Wingdings 2"/>
+              <a:buChar char=""/>
+              <a:defRPr/>
+            </a:pPr>
             <a:r>
               <a:rPr lang="en-US" dirty="0" smtClean="0"/>
               <a:t>During the master’s scan of the filesystem namespace, it removes files that have been renamed and are at least 3 days old (interval is configurable).</a:t>
             </a:r>
           </a:p>
           <a:p>
+            <a:pPr marL="274320" indent="-274320" fontAlgn="auto">
+              <a:spcAft>
+                <a:spcPts val="0"/>
+              </a:spcAft>
+              <a:buClr>
+                <a:schemeClr val="accent3"/>
+              </a:buClr>
+              <a:buFont typeface="Wingdings 2"/>
+              <a:buChar char=""/>
+              <a:defRPr/>
+            </a:pPr>
             <a:r>
               <a:rPr lang="en-US" dirty="0" smtClean="0"/>
               <a:t>This erases the metadata associated to those chunks, and the chunks become orphaned.</a:t>
             </a:r>
           </a:p>
           <a:p>
+            <a:pPr marL="274320" indent="-274320" fontAlgn="auto">
+              <a:spcAft>
+                <a:spcPts val="0"/>
+              </a:spcAft>
+              <a:buClr>
+                <a:schemeClr val="accent3"/>
+              </a:buClr>
+              <a:buFont typeface="Wingdings 2"/>
+              <a:buChar char=""/>
+              <a:defRPr/>
+            </a:pPr>
             <a:r>
               <a:rPr lang="en-US" dirty="0" smtClean="0"/>
               <a:t>To identify this chunks the master server sends a requests a list of chunks from a chunkserver, and responds with a list of chunks that are not associated to any file.</a:t>
             </a:r>
           </a:p>
           <a:p>
+            <a:pPr marL="274320" indent="-274320" fontAlgn="auto">
+              <a:spcAft>
+                <a:spcPts val="0"/>
+              </a:spcAft>
+              <a:buClr>
+                <a:schemeClr val="accent3"/>
+              </a:buClr>
+              <a:buFont typeface="Wingdings 2"/>
+              <a:buChar char=""/>
+              <a:defRPr/>
+            </a:pPr>
             <a:r>
               <a:rPr lang="en-US" dirty="0" smtClean="0"/>
               <a:t>The chunkserver then is free to delete those chunks.</a:t>
@@ -17051,6 +17886,249 @@
 </file>
 
 <file path=ppt/slides/slide32.xml><?xml version="1.0" encoding="utf-8"?>
+<p:sld xmlns:a="http://schemas.openxmlformats.org/drawingml/2006/main" xmlns:r="http://schemas.openxmlformats.org/officeDocument/2006/relationships" xmlns:p="http://schemas.openxmlformats.org/presentationml/2006/main">
+  <p:cSld>
+    <p:spTree>
+      <p:nvGrpSpPr>
+        <p:cNvPr id="1" name=""/>
+        <p:cNvGrpSpPr/>
+        <p:nvPr/>
+      </p:nvGrpSpPr>
+      <p:grpSpPr>
+        <a:xfrm>
+          <a:off x="0" y="0"/>
+          <a:ext cx="0" cy="0"/>
+          <a:chOff x="0" y="0"/>
+          <a:chExt cx="0" cy="0"/>
+        </a:xfrm>
+      </p:grpSpPr>
+      <p:sp>
+        <p:nvSpPr>
+          <p:cNvPr id="39938" name="Title 1"/>
+          <p:cNvSpPr>
+            <a:spLocks noGrp="1"/>
+          </p:cNvSpPr>
+          <p:nvPr>
+            <p:ph type="title"/>
+          </p:nvPr>
+        </p:nvSpPr>
+        <p:spPr/>
+        <p:txBody>
+          <a:bodyPr/>
+          <a:lstStyle/>
+          <a:p>
+            <a:r>
+              <a:rPr lang="en-US" smtClean="0"/>
+              <a:t>References</a:t>
+            </a:r>
+          </a:p>
+        </p:txBody>
+      </p:sp>
+      <p:sp>
+        <p:nvSpPr>
+          <p:cNvPr id="39939" name="Content Placeholder 2"/>
+          <p:cNvSpPr>
+            <a:spLocks noGrp="1"/>
+          </p:cNvSpPr>
+          <p:nvPr>
+            <p:ph idx="1"/>
+          </p:nvPr>
+        </p:nvSpPr>
+        <p:spPr/>
+        <p:txBody>
+          <a:bodyPr/>
+          <a:lstStyle/>
+          <a:p>
+            <a:r>
+              <a:rPr lang="en-US" smtClean="0"/>
+              <a:t>Sanjay Ghemawat, Howard Gobioff, and Shun-Tak Leung. </a:t>
+            </a:r>
+            <a:r>
+              <a:rPr lang="en-US" smtClean="0">
+                <a:hlinkClick r:id="rId2"/>
+              </a:rPr>
+              <a:t>The Google file system</a:t>
+            </a:r>
+            <a:r>
+              <a:rPr lang="en-US" smtClean="0"/>
+              <a:t>. In </a:t>
+            </a:r>
+            <a:r>
+              <a:rPr lang="en-US" i="1" smtClean="0"/>
+              <a:t>19th Symposium on Operating Systems Principles</a:t>
+            </a:r>
+            <a:r>
+              <a:rPr lang="en-US" smtClean="0"/>
+              <a:t>, pages 29-43, Lake George, New York, 2003.</a:t>
+            </a:r>
+          </a:p>
+        </p:txBody>
+      </p:sp>
+    </p:spTree>
+  </p:cSld>
+  <p:clrMapOvr>
+    <a:masterClrMapping/>
+  </p:clrMapOvr>
+  <p:timing>
+    <p:tnLst>
+      <p:par>
+        <p:cTn id="1" dur="indefinite" restart="never" nodeType="tmRoot"/>
+      </p:par>
+    </p:tnLst>
+  </p:timing>
+</p:sld>
+</file>
+
+<file path=ppt/slides/slide33.xml><?xml version="1.0" encoding="utf-8"?>
+<p:sld xmlns:a="http://schemas.openxmlformats.org/drawingml/2006/main" xmlns:r="http://schemas.openxmlformats.org/officeDocument/2006/relationships" xmlns:p="http://schemas.openxmlformats.org/presentationml/2006/main">
+  <p:cSld>
+    <p:spTree>
+      <p:nvGrpSpPr>
+        <p:cNvPr id="1" name=""/>
+        <p:cNvGrpSpPr/>
+        <p:nvPr/>
+      </p:nvGrpSpPr>
+      <p:grpSpPr>
+        <a:xfrm>
+          <a:off x="0" y="0"/>
+          <a:ext cx="0" cy="0"/>
+          <a:chOff x="0" y="0"/>
+          <a:chExt cx="0" cy="0"/>
+        </a:xfrm>
+      </p:grpSpPr>
+      <p:sp>
+        <p:nvSpPr>
+          <p:cNvPr id="4" name="Title 3"/>
+          <p:cNvSpPr>
+            <a:spLocks noGrp="1"/>
+          </p:cNvSpPr>
+          <p:nvPr>
+            <p:ph type="title"/>
+          </p:nvPr>
+        </p:nvSpPr>
+        <p:spPr/>
+        <p:txBody>
+          <a:bodyPr/>
+          <a:lstStyle/>
+          <a:p>
+            <a:pPr fontAlgn="auto">
+              <a:spcAft>
+                <a:spcPts val="0"/>
+              </a:spcAft>
+              <a:defRPr/>
+            </a:pPr>
+            <a:r>
+              <a:rPr smtClean="0"/>
+              <a:t>Thank You!</a:t>
+            </a:r>
+            <a:endParaRPr/>
+          </a:p>
+        </p:txBody>
+      </p:sp>
+      <p:sp>
+        <p:nvSpPr>
+          <p:cNvPr id="6" name="Title 3"/>
+          <p:cNvSpPr txBox="1">
+            <a:spLocks/>
+          </p:cNvSpPr>
+          <p:nvPr/>
+        </p:nvSpPr>
+        <p:spPr>
+          <a:xfrm>
+            <a:off x="533400" y="4038600"/>
+            <a:ext cx="7772400" cy="1362456"/>
+          </a:xfrm>
+          <a:prstGeom prst="rect">
+            <a:avLst/>
+          </a:prstGeom>
+          <a:ln>
+            <a:noFill/>
+          </a:ln>
+        </p:spPr>
+        <p:txBody>
+          <a:bodyPr lIns="0" tIns="0" rIns="0" bIns="0" anchor="b">
+            <a:scene3d>
+              <a:camera prst="orthographicFront"/>
+              <a:lightRig rig="freezing" dir="t">
+                <a:rot lat="0" lon="0" rev="5640000"/>
+              </a:lightRig>
+            </a:scene3d>
+            <a:sp3d prstMaterial="flat">
+              <a:bevelT w="38100" h="38100"/>
+            </a:sp3d>
+          </a:bodyPr>
+          <a:lstStyle/>
+          <a:p>
+            <a:pPr algn="r" fontAlgn="auto">
+              <a:spcAft>
+                <a:spcPts val="0"/>
+              </a:spcAft>
+              <a:defRPr/>
+            </a:pPr>
+            <a:r>
+              <a:rPr lang="en-US" sz="5600" b="1" dirty="0">
+                <a:ln w="635">
+                  <a:noFill/>
+                </a:ln>
+                <a:solidFill>
+                  <a:schemeClr val="accent4">
+                    <a:tint val="90000"/>
+                    <a:satMod val="125000"/>
+                  </a:schemeClr>
+                </a:solidFill>
+                <a:effectLst>
+                  <a:outerShdw blurRad="38100" dist="25400" dir="5400000" algn="tl" rotWithShape="0">
+                    <a:srgbClr val="000000">
+                      <a:alpha val="43000"/>
+                    </a:srgbClr>
+                  </a:outerShdw>
+                </a:effectLst>
+                <a:latin typeface="+mj-lt"/>
+                <a:ea typeface="+mj-ea"/>
+                <a:cs typeface="+mj-cs"/>
+              </a:rPr>
+              <a:t>Questions?</a:t>
+            </a:r>
+            <a:endParaRPr lang="en-US" sz="5600" b="1" dirty="0">
+              <a:ln w="635">
+                <a:noFill/>
+              </a:ln>
+              <a:solidFill>
+                <a:schemeClr val="accent4">
+                  <a:tint val="90000"/>
+                  <a:satMod val="125000"/>
+                </a:schemeClr>
+              </a:solidFill>
+              <a:effectLst>
+                <a:outerShdw blurRad="38100" dist="25400" dir="5400000" algn="tl" rotWithShape="0">
+                  <a:srgbClr val="000000">
+                    <a:alpha val="43000"/>
+                  </a:srgbClr>
+                </a:outerShdw>
+              </a:effectLst>
+              <a:latin typeface="+mj-lt"/>
+              <a:ea typeface="+mj-ea"/>
+              <a:cs typeface="+mj-cs"/>
+            </a:endParaRPr>
+          </a:p>
+        </p:txBody>
+      </p:sp>
+    </p:spTree>
+  </p:cSld>
+  <p:clrMapOvr>
+    <a:masterClrMapping/>
+  </p:clrMapOvr>
+  <p:timing>
+    <p:tnLst>
+      <p:par>
+        <p:cTn id="1" dur="indefinite" restart="never" nodeType="tmRoot"/>
+      </p:par>
+    </p:tnLst>
+  </p:timing>
+</p:sld>
+</file>
+
+<file path=ppt/slides/slide34.xml><?xml version="1.0" encoding="utf-8"?>
 <p:sld xmlns:a="http://schemas.openxmlformats.org/drawingml/2006/main" xmlns:r="http://schemas.openxmlformats.org/officeDocument/2006/relationships" xmlns:p="http://schemas.openxmlformats.org/presentationml/2006/main" show="0">
   <p:cSld>
     <p:spTree>
@@ -17069,7 +18147,7 @@
       </p:grpSpPr>
       <p:sp>
         <p:nvSpPr>
-          <p:cNvPr id="2" name="Title 1"/>
+          <p:cNvPr id="36866" name="Title 1"/>
           <p:cNvSpPr>
             <a:spLocks noGrp="1"/>
           </p:cNvSpPr>
@@ -17083,10 +18161,9 @@
           <a:lstStyle/>
           <a:p>
             <a:r>
-              <a:rPr lang="en-US" dirty="0" smtClean="0"/>
+              <a:rPr lang="en-US" smtClean="0"/>
               <a:t>Master Operation</a:t>
             </a:r>
-            <a:endParaRPr lang="en-US" dirty="0"/>
           </a:p>
         </p:txBody>
       </p:sp>
@@ -17107,47 +18184,104 @@
           </a:bodyPr>
           <a:lstStyle/>
           <a:p>
+            <a:pPr marL="274320" indent="-274320" fontAlgn="auto">
+              <a:spcAft>
+                <a:spcPts val="0"/>
+              </a:spcAft>
+              <a:buClr>
+                <a:schemeClr val="accent3"/>
+              </a:buClr>
+              <a:buFont typeface="Wingdings 2"/>
+              <a:buChar char=""/>
+              <a:defRPr/>
+            </a:pPr>
             <a:r>
               <a:rPr lang="en-US" dirty="0" smtClean="0"/>
               <a:t>Namespace Management</a:t>
             </a:r>
           </a:p>
           <a:p>
-            <a:pPr lvl="1"/>
+            <a:pPr marL="640080" lvl="1" indent="-246888" fontAlgn="auto">
+              <a:spcAft>
+                <a:spcPts val="0"/>
+              </a:spcAft>
+              <a:buFont typeface="Wingdings 2"/>
+              <a:buChar char=""/>
+              <a:defRPr/>
+            </a:pPr>
             <a:r>
               <a:rPr lang="en-US" dirty="0" smtClean="0"/>
               <a:t>Unlike many traditional file systems, GFS does not have a per-directory data structure that lists all the files in that directory. </a:t>
             </a:r>
           </a:p>
           <a:p>
-            <a:pPr lvl="1"/>
+            <a:pPr marL="640080" lvl="1" indent="-246888" fontAlgn="auto">
+              <a:spcAft>
+                <a:spcPts val="0"/>
+              </a:spcAft>
+              <a:buFont typeface="Wingdings 2"/>
+              <a:buChar char=""/>
+              <a:defRPr/>
+            </a:pPr>
             <a:r>
               <a:rPr lang="en-US" dirty="0" smtClean="0"/>
               <a:t>It logically represents its namespace as a lookup table mapping full pathnames to metadata.</a:t>
             </a:r>
           </a:p>
           <a:p>
-            <a:pPr lvl="1"/>
+            <a:pPr marL="640080" lvl="1" indent="-246888" fontAlgn="auto">
+              <a:spcAft>
+                <a:spcPts val="0"/>
+              </a:spcAft>
+              <a:buFont typeface="Wingdings 2"/>
+              <a:buChar char=""/>
+              <a:defRPr/>
+            </a:pPr>
             <a:r>
               <a:rPr lang="en-US" dirty="0" smtClean="0"/>
               <a:t>Uses prefix Compression.</a:t>
             </a:r>
           </a:p>
           <a:p>
+            <a:pPr marL="274320" indent="-274320" fontAlgn="auto">
+              <a:spcAft>
+                <a:spcPts val="0"/>
+              </a:spcAft>
+              <a:buClr>
+                <a:schemeClr val="accent3"/>
+              </a:buClr>
+              <a:buFont typeface="Wingdings 2"/>
+              <a:buChar char=""/>
+              <a:defRPr/>
+            </a:pPr>
             <a:r>
               <a:rPr lang="en-US" dirty="0" smtClean="0"/>
               <a:t>Locking</a:t>
             </a:r>
           </a:p>
           <a:p>
-            <a:pPr lvl="1"/>
+            <a:pPr marL="640080" lvl="1" indent="-246888" fontAlgn="auto">
+              <a:spcAft>
+                <a:spcPts val="0"/>
+              </a:spcAft>
+              <a:buFont typeface="Wingdings 2"/>
+              <a:buChar char=""/>
+              <a:defRPr/>
+            </a:pPr>
             <a:r>
               <a:rPr lang="en-US" dirty="0" smtClean="0"/>
               <a:t>Each node in the namespace tree (either an absolute file name or an absolute directory name) has an associated read-write lock</a:t>
             </a:r>
           </a:p>
           <a:p>
-            <a:pPr lvl="1"/>
+            <a:pPr marL="640080" lvl="1" indent="-246888" fontAlgn="auto">
+              <a:spcAft>
+                <a:spcPts val="0"/>
+              </a:spcAft>
+              <a:buFont typeface="Wingdings 2"/>
+              <a:buChar char=""/>
+              <a:defRPr/>
+            </a:pPr>
             <a:r>
               <a:rPr lang="en-US" dirty="0" smtClean="0"/>
               <a:t>File creation does not require a write lock on the parent directory because there is no “directory”.</a:t>
@@ -17171,7 +18305,7 @@
 </p:sld>
 </file>
 
-<file path=ppt/slides/slide33.xml><?xml version="1.0" encoding="utf-8"?>
+<file path=ppt/slides/slide35.xml><?xml version="1.0" encoding="utf-8"?>
 <p:sld xmlns:a="http://schemas.openxmlformats.org/drawingml/2006/main" xmlns:r="http://schemas.openxmlformats.org/officeDocument/2006/relationships" xmlns:p="http://schemas.openxmlformats.org/presentationml/2006/main" show="0">
   <p:cSld>
     <p:spTree>
@@ -17190,7 +18324,7 @@
       </p:grpSpPr>
       <p:sp>
         <p:nvSpPr>
-          <p:cNvPr id="2" name="Title 1"/>
+          <p:cNvPr id="37890" name="Title 1"/>
           <p:cNvSpPr>
             <a:spLocks noGrp="1"/>
           </p:cNvSpPr>
@@ -17204,16 +18338,15 @@
           <a:lstStyle/>
           <a:p>
             <a:r>
-              <a:rPr lang="en-US" dirty="0" smtClean="0"/>
+              <a:rPr lang="en-US" smtClean="0"/>
               <a:t>A short example.</a:t>
             </a:r>
-            <a:endParaRPr lang="en-US" dirty="0"/>
           </a:p>
         </p:txBody>
       </p:sp>
       <p:sp>
         <p:nvSpPr>
-          <p:cNvPr id="3" name="Content Placeholder 2"/>
+          <p:cNvPr id="37891" name="Content Placeholder 2"/>
           <p:cNvSpPr>
             <a:spLocks noGrp="1"/>
           </p:cNvSpPr>
@@ -17227,75 +18360,52 @@
           <a:lstStyle/>
           <a:p>
             <a:r>
-              <a:rPr lang="en-US" dirty="0" smtClean="0"/>
-              <a:t>Create file /home/user/</a:t>
-            </a:r>
-            <a:r>
-              <a:rPr lang="en-US" dirty="0" err="1" smtClean="0"/>
-              <a:t>foo</a:t>
-            </a:r>
-            <a:endParaRPr lang="en-US" dirty="0" smtClean="0"/>
-          </a:p>
-          <a:p>
-            <a:r>
-              <a:rPr lang="en-US" dirty="0" smtClean="0"/>
-              <a:t>Create file /home/user/</a:t>
-            </a:r>
-            <a:r>
-              <a:rPr lang="en-US" dirty="0" err="1" smtClean="0"/>
-              <a:t>baz</a:t>
-            </a:r>
-            <a:r>
-              <a:rPr lang="en-US" dirty="0" smtClean="0"/>
-              <a:t>.</a:t>
+              <a:rPr lang="en-US" smtClean="0"/>
+              <a:t>Create file /home/user/foo</a:t>
+            </a:r>
+          </a:p>
+          <a:p>
+            <a:r>
+              <a:rPr lang="en-US" smtClean="0"/>
+              <a:t>Create file /home/user/baz.</a:t>
             </a:r>
           </a:p>
           <a:p>
             <a:pPr lvl="1"/>
             <a:r>
-              <a:rPr lang="en-US" dirty="0" smtClean="0"/>
+              <a:rPr lang="en-US" smtClean="0"/>
               <a:t>Acquire read lock on /home</a:t>
             </a:r>
           </a:p>
           <a:p>
             <a:pPr lvl="1"/>
             <a:r>
-              <a:rPr lang="en-US" dirty="0" smtClean="0"/>
+              <a:rPr lang="en-US" smtClean="0"/>
               <a:t>Acquire read lock on /home/user</a:t>
             </a:r>
           </a:p>
           <a:p>
             <a:pPr lvl="1"/>
             <a:r>
-              <a:rPr lang="en-US" dirty="0" smtClean="0"/>
-              <a:t>Acquire write lock on /home/user/</a:t>
-            </a:r>
-            <a:r>
-              <a:rPr lang="en-US" dirty="0" err="1" smtClean="0"/>
-              <a:t>foo</a:t>
-            </a:r>
-            <a:endParaRPr lang="en-US" dirty="0" smtClean="0"/>
+              <a:rPr lang="en-US" smtClean="0"/>
+              <a:t>Acquire write lock on /home/user/foo</a:t>
+            </a:r>
           </a:p>
           <a:p>
             <a:pPr lvl="1"/>
             <a:r>
-              <a:rPr lang="en-US" dirty="0" smtClean="0"/>
-              <a:t>Acquire write lock on /home/user/</a:t>
-            </a:r>
-            <a:r>
-              <a:rPr lang="en-US" dirty="0" err="1" smtClean="0"/>
-              <a:t>baz</a:t>
-            </a:r>
-            <a:endParaRPr lang="en-US" dirty="0" smtClean="0"/>
-          </a:p>
-          <a:p>
-            <a:endParaRPr lang="en-US" dirty="0" smtClean="0"/>
-          </a:p>
-          <a:p>
-            <a:endParaRPr lang="en-US" dirty="0" smtClean="0"/>
-          </a:p>
-          <a:p>
-            <a:endParaRPr lang="en-US" dirty="0"/>
+              <a:rPr lang="en-US" smtClean="0"/>
+              <a:t>Acquire write lock on /home/user/baz</a:t>
+            </a:r>
+          </a:p>
+          <a:p>
+            <a:endParaRPr lang="en-US" smtClean="0"/>
+          </a:p>
+          <a:p>
+            <a:endParaRPr lang="en-US" smtClean="0"/>
+          </a:p>
+          <a:p>
+            <a:endParaRPr lang="en-US" smtClean="0"/>
           </a:p>
         </p:txBody>
       </p:sp>
@@ -17315,7 +18425,7 @@
 </p:sld>
 </file>
 
-<file path=ppt/slides/slide34.xml><?xml version="1.0" encoding="utf-8"?>
+<file path=ppt/slides/slide36.xml><?xml version="1.0" encoding="utf-8"?>
 <p:sld xmlns:a="http://schemas.openxmlformats.org/drawingml/2006/main" xmlns:r="http://schemas.openxmlformats.org/officeDocument/2006/relationships" xmlns:p="http://schemas.openxmlformats.org/presentationml/2006/main" show="0">
   <p:cSld>
     <p:spTree>
@@ -17349,6 +18459,12 @@
           </a:bodyPr>
           <a:lstStyle/>
           <a:p>
+            <a:pPr fontAlgn="auto">
+              <a:spcAft>
+                <a:spcPts val="0"/>
+              </a:spcAft>
+              <a:defRPr/>
+            </a:pPr>
             <a:r>
               <a:rPr lang="en-US" dirty="0" smtClean="0"/>
               <a:t>Master Operation</a:t>
@@ -17382,6 +18498,17 @@
           </a:bodyPr>
           <a:lstStyle/>
           <a:p>
+            <a:pPr marL="274320" indent="-274320" fontAlgn="auto">
+              <a:spcAft>
+                <a:spcPts val="0"/>
+              </a:spcAft>
+              <a:buClr>
+                <a:schemeClr val="accent3"/>
+              </a:buClr>
+              <a:buFont typeface="Wingdings 2"/>
+              <a:buChar char=""/>
+              <a:defRPr/>
+            </a:pPr>
             <a:r>
               <a:rPr lang="en-US" u="sng" dirty="0" smtClean="0"/>
               <a:t>Creation:</a:t>
@@ -17392,27 +18519,59 @@
             </a:r>
           </a:p>
           <a:p>
-            <a:pPr lvl="1"/>
+            <a:pPr marL="640080" lvl="1" indent="-246888" fontAlgn="auto">
+              <a:spcAft>
+                <a:spcPts val="0"/>
+              </a:spcAft>
+              <a:buFont typeface="Wingdings 2"/>
+              <a:buChar char=""/>
+              <a:defRPr/>
+            </a:pPr>
             <a:r>
               <a:rPr lang="en-US" dirty="0" smtClean="0"/>
               <a:t>Chunkservers with below-average disk space utilization</a:t>
             </a:r>
           </a:p>
           <a:p>
-            <a:pPr lvl="1"/>
+            <a:pPr marL="640080" lvl="1" indent="-246888" fontAlgn="auto">
+              <a:spcAft>
+                <a:spcPts val="0"/>
+              </a:spcAft>
+              <a:buFont typeface="Wingdings 2"/>
+              <a:buChar char=""/>
+              <a:defRPr/>
+            </a:pPr>
             <a:r>
               <a:rPr lang="en-US" dirty="0" smtClean="0"/>
               <a:t>We want to limit the number of “recent” creations on each chunkserver.</a:t>
             </a:r>
           </a:p>
           <a:p>
-            <a:pPr lvl="1"/>
+            <a:pPr marL="640080" lvl="1" indent="-246888" fontAlgn="auto">
+              <a:spcAft>
+                <a:spcPts val="0"/>
+              </a:spcAft>
+              <a:buFont typeface="Wingdings 2"/>
+              <a:buChar char=""/>
+              <a:defRPr/>
+            </a:pPr>
             <a:r>
               <a:rPr lang="en-US" dirty="0" smtClean="0"/>
               <a:t>Spread replicas of a chunk across racks.</a:t>
             </a:r>
           </a:p>
           <a:p>
+            <a:pPr marL="274320" indent="-274320" fontAlgn="auto">
+              <a:spcAft>
+                <a:spcPts val="0"/>
+              </a:spcAft>
+              <a:buClr>
+                <a:schemeClr val="accent3"/>
+              </a:buClr>
+              <a:buFont typeface="Wingdings 2"/>
+              <a:buChar char=""/>
+              <a:defRPr/>
+            </a:pPr>
             <a:r>
               <a:rPr lang="en-US" u="sng" dirty="0" smtClean="0"/>
               <a:t>Re-replication</a:t>
@@ -17423,13 +18582,31 @@
             </a:r>
           </a:p>
           <a:p>
-            <a:pPr lvl="1"/>
+            <a:pPr marL="640080" lvl="1" indent="-246888" fontAlgn="auto">
+              <a:spcAft>
+                <a:spcPts val="0"/>
+              </a:spcAft>
+              <a:buFont typeface="Wingdings 2"/>
+              <a:buChar char=""/>
+              <a:defRPr/>
+            </a:pPr>
             <a:r>
               <a:rPr lang="en-US" dirty="0" smtClean="0"/>
               <a:t>Highest priority given to chunks blocking client progress</a:t>
             </a:r>
           </a:p>
           <a:p>
+            <a:pPr marL="274320" indent="-274320" fontAlgn="auto">
+              <a:spcAft>
+                <a:spcPts val="0"/>
+              </a:spcAft>
+              <a:buClr>
+                <a:schemeClr val="accent3"/>
+              </a:buClr>
+              <a:buFont typeface="Wingdings 2"/>
+              <a:buChar char=""/>
+              <a:defRPr/>
+            </a:pPr>
             <a:r>
               <a:rPr lang="en-US" u="sng" dirty="0" smtClean="0"/>
               <a:t>Rebalancing:</a:t>
@@ -17440,10 +18617,28 @@
             </a:r>
           </a:p>
           <a:p>
+            <a:pPr marL="274320" indent="-274320" fontAlgn="auto">
+              <a:spcAft>
+                <a:spcPts val="0"/>
+              </a:spcAft>
+              <a:buClr>
+                <a:schemeClr val="accent3"/>
+              </a:buClr>
+              <a:buFont typeface="Wingdings 2"/>
+              <a:buChar char=""/>
+              <a:defRPr/>
+            </a:pPr>
             <a:endParaRPr lang="en-US" dirty="0" smtClean="0"/>
           </a:p>
           <a:p>
-            <a:pPr lvl="1"/>
+            <a:pPr marL="640080" lvl="1" indent="-246888" fontAlgn="auto">
+              <a:spcAft>
+                <a:spcPts val="0"/>
+              </a:spcAft>
+              <a:buFont typeface="Wingdings 2"/>
+              <a:buChar char=""/>
+              <a:defRPr/>
+            </a:pPr>
             <a:endParaRPr lang="en-US" dirty="0"/>
           </a:p>
         </p:txBody>
@@ -17454,285 +18649,6 @@
     <a:masterClrMapping/>
   </p:clrMapOvr>
   <p:transition/>
-  <p:timing>
-    <p:tnLst>
-      <p:par>
-        <p:cTn id="1" dur="indefinite" restart="never" nodeType="tmRoot"/>
-      </p:par>
-    </p:tnLst>
-  </p:timing>
-</p:sld>
-</file>
-
-<file path=ppt/slides/slide35.xml><?xml version="1.0" encoding="utf-8"?>
-<p:sld xmlns:a="http://schemas.openxmlformats.org/drawingml/2006/main" xmlns:r="http://schemas.openxmlformats.org/officeDocument/2006/relationships" xmlns:p="http://schemas.openxmlformats.org/presentationml/2006/main">
-  <p:cSld>
-    <p:spTree>
-      <p:nvGrpSpPr>
-        <p:cNvPr id="1" name=""/>
-        <p:cNvGrpSpPr/>
-        <p:nvPr/>
-      </p:nvGrpSpPr>
-      <p:grpSpPr>
-        <a:xfrm>
-          <a:off x="0" y="0"/>
-          <a:ext cx="0" cy="0"/>
-          <a:chOff x="0" y="0"/>
-          <a:chExt cx="0" cy="0"/>
-        </a:xfrm>
-      </p:grpSpPr>
-      <p:sp>
-        <p:nvSpPr>
-          <p:cNvPr id="2" name="Title 1"/>
-          <p:cNvSpPr>
-            <a:spLocks noGrp="1"/>
-          </p:cNvSpPr>
-          <p:nvPr>
-            <p:ph type="title"/>
-          </p:nvPr>
-        </p:nvSpPr>
-        <p:spPr/>
-        <p:txBody>
-          <a:bodyPr/>
-          <a:lstStyle/>
-          <a:p>
-            <a:r>
-              <a:rPr lang="en-US" dirty="0" smtClean="0"/>
-              <a:t>References</a:t>
-            </a:r>
-            <a:endParaRPr lang="en-US" dirty="0"/>
-          </a:p>
-        </p:txBody>
-      </p:sp>
-      <p:sp>
-        <p:nvSpPr>
-          <p:cNvPr id="3" name="Content Placeholder 2"/>
-          <p:cNvSpPr>
-            <a:spLocks noGrp="1"/>
-          </p:cNvSpPr>
-          <p:nvPr>
-            <p:ph idx="1"/>
-          </p:nvPr>
-        </p:nvSpPr>
-        <p:spPr/>
-        <p:txBody>
-          <a:bodyPr/>
-          <a:lstStyle/>
-          <a:p>
-            <a:r>
-              <a:rPr lang="en-US" dirty="0" smtClean="0"/>
-              <a:t>Sanjay </a:t>
-            </a:r>
-            <a:r>
-              <a:rPr lang="en-US" dirty="0" err="1" smtClean="0"/>
-              <a:t>Ghemawat</a:t>
-            </a:r>
-            <a:r>
-              <a:rPr lang="en-US" dirty="0" smtClean="0"/>
-              <a:t>, Howard </a:t>
-            </a:r>
-            <a:r>
-              <a:rPr lang="en-US" dirty="0" err="1" smtClean="0"/>
-              <a:t>Gobioff</a:t>
-            </a:r>
-            <a:r>
-              <a:rPr lang="en-US" dirty="0" smtClean="0"/>
-              <a:t>, and Shun-</a:t>
-            </a:r>
-            <a:r>
-              <a:rPr lang="en-US" dirty="0" err="1" smtClean="0"/>
-              <a:t>Tak</a:t>
-            </a:r>
-            <a:r>
-              <a:rPr lang="en-US" dirty="0" smtClean="0"/>
-              <a:t> Leung. </a:t>
-            </a:r>
-            <a:r>
-              <a:rPr lang="en-US" dirty="0" smtClean="0">
-                <a:hlinkClick r:id="rId2"/>
-              </a:rPr>
-              <a:t>The Google file system</a:t>
-            </a:r>
-            <a:r>
-              <a:rPr lang="en-US" dirty="0" smtClean="0"/>
-              <a:t>. In </a:t>
-            </a:r>
-            <a:r>
-              <a:rPr lang="en-US" i="1" dirty="0" smtClean="0"/>
-              <a:t>19th Symposium on Operating Systems Principles</a:t>
-            </a:r>
-            <a:r>
-              <a:rPr lang="en-US" dirty="0" smtClean="0"/>
-              <a:t>, pages 29-43, Lake George, New York, 2003.</a:t>
-            </a:r>
-            <a:endParaRPr lang="en-US" dirty="0"/>
-          </a:p>
-        </p:txBody>
-      </p:sp>
-    </p:spTree>
-  </p:cSld>
-  <p:clrMapOvr>
-    <a:masterClrMapping/>
-  </p:clrMapOvr>
-  <p:timing>
-    <p:tnLst>
-      <p:par>
-        <p:cTn id="1" dur="indefinite" restart="never" nodeType="tmRoot"/>
-      </p:par>
-    </p:tnLst>
-  </p:timing>
-</p:sld>
-</file>
-
-<file path=ppt/slides/slide36.xml><?xml version="1.0" encoding="utf-8"?>
-<p:sld xmlns:a="http://schemas.openxmlformats.org/drawingml/2006/main" xmlns:r="http://schemas.openxmlformats.org/officeDocument/2006/relationships" xmlns:p="http://schemas.openxmlformats.org/presentationml/2006/main">
-  <p:cSld>
-    <p:spTree>
-      <p:nvGrpSpPr>
-        <p:cNvPr id="1" name=""/>
-        <p:cNvGrpSpPr/>
-        <p:nvPr/>
-      </p:nvGrpSpPr>
-      <p:grpSpPr>
-        <a:xfrm>
-          <a:off x="0" y="0"/>
-          <a:ext cx="0" cy="0"/>
-          <a:chOff x="0" y="0"/>
-          <a:chExt cx="0" cy="0"/>
-        </a:xfrm>
-      </p:grpSpPr>
-      <p:sp>
-        <p:nvSpPr>
-          <p:cNvPr id="4" name="Title 3"/>
-          <p:cNvSpPr>
-            <a:spLocks noGrp="1"/>
-          </p:cNvSpPr>
-          <p:nvPr>
-            <p:ph type="title"/>
-          </p:nvPr>
-        </p:nvSpPr>
-        <p:spPr/>
-        <p:txBody>
-          <a:bodyPr/>
-          <a:lstStyle/>
-          <a:p>
-            <a:r>
-              <a:rPr smtClean="0"/>
-              <a:t>Thank You!</a:t>
-            </a:r>
-            <a:endParaRPr lang="en-US" dirty="0"/>
-          </a:p>
-        </p:txBody>
-      </p:sp>
-      <p:sp>
-        <p:nvSpPr>
-          <p:cNvPr id="6" name="Title 3"/>
-          <p:cNvSpPr txBox="1">
-            <a:spLocks/>
-          </p:cNvSpPr>
-          <p:nvPr/>
-        </p:nvSpPr>
-        <p:spPr>
-          <a:xfrm>
-            <a:off x="533400" y="4038600"/>
-            <a:ext cx="7772400" cy="1362456"/>
-          </a:xfrm>
-          <a:prstGeom prst="rect">
-            <a:avLst/>
-          </a:prstGeom>
-          <a:ln>
-            <a:noFill/>
-          </a:ln>
-        </p:spPr>
-        <p:txBody>
-          <a:bodyPr vert="horz" lIns="0" tIns="0" rIns="0" bIns="0" anchor="b">
-            <a:noAutofit/>
-            <a:scene3d>
-              <a:camera prst="orthographicFront"/>
-              <a:lightRig rig="freezing" dir="t">
-                <a:rot lat="0" lon="0" rev="5640000"/>
-              </a:lightRig>
-            </a:scene3d>
-            <a:sp3d prstMaterial="flat">
-              <a:bevelT w="38100" h="38100"/>
-            </a:sp3d>
-          </a:bodyPr>
-          <a:lstStyle/>
-          <a:p>
-            <a:pPr marL="0" marR="0" lvl="0" indent="0" algn="r" defTabSz="914400" rtl="0" eaLnBrk="1" fontAlgn="auto" latinLnBrk="0" hangingPunct="1">
-              <a:lnSpc>
-                <a:spcPct val="100000"/>
-              </a:lnSpc>
-              <a:spcBef>
-                <a:spcPct val="0"/>
-              </a:spcBef>
-              <a:spcAft>
-                <a:spcPts val="0"/>
-              </a:spcAft>
-              <a:buClrTx/>
-              <a:buSzTx/>
-              <a:buFontTx/>
-              <a:buNone/>
-              <a:tabLst/>
-              <a:defRPr/>
-            </a:pPr>
-            <a:r>
-              <a:rPr kumimoji="0" lang="en-US" sz="5600" b="1" i="0" u="none" strike="noStrike" kern="1200" cap="none" spc="0" normalizeH="0" baseline="0" noProof="0" dirty="0" smtClean="0">
-                <a:ln w="635">
-                  <a:noFill/>
-                </a:ln>
-                <a:solidFill>
-                  <a:schemeClr val="accent4">
-                    <a:tint val="90000"/>
-                    <a:satMod val="125000"/>
-                  </a:schemeClr>
-                </a:solidFill>
-                <a:effectLst>
-                  <a:outerShdw blurRad="38100" dist="25400" dir="5400000" algn="tl" rotWithShape="0">
-                    <a:srgbClr val="000000">
-                      <a:alpha val="43000"/>
-                    </a:srgbClr>
-                  </a:outerShdw>
-                </a:effectLst>
-                <a:uLnTx/>
-                <a:uFillTx/>
-                <a:latin typeface="+mj-lt"/>
-                <a:ea typeface="+mj-ea"/>
-                <a:cs typeface="+mj-cs"/>
-              </a:rPr>
-              <a:t>Questions?</a:t>
-            </a:r>
-            <a:endParaRPr kumimoji="0" lang="en-US" sz="5600" b="1" i="0" u="none" strike="noStrike" kern="1200" cap="none" spc="0" normalizeH="0" baseline="0" noProof="0" dirty="0">
-              <a:ln w="635">
-                <a:noFill/>
-              </a:ln>
-              <a:solidFill>
-                <a:schemeClr val="accent4">
-                  <a:tint val="90000"/>
-                  <a:satMod val="125000"/>
-                </a:schemeClr>
-              </a:solidFill>
-              <a:effectLst>
-                <a:outerShdw blurRad="38100" dist="25400" dir="5400000" algn="tl" rotWithShape="0">
-                  <a:srgbClr val="000000">
-                    <a:alpha val="43000"/>
-                  </a:srgbClr>
-                </a:outerShdw>
-              </a:effectLst>
-              <a:uLnTx/>
-              <a:uFillTx/>
-              <a:latin typeface="+mj-lt"/>
-              <a:ea typeface="+mj-ea"/>
-              <a:cs typeface="+mj-cs"/>
-            </a:endParaRPr>
-          </a:p>
-        </p:txBody>
-      </p:sp>
-    </p:spTree>
-  </p:cSld>
-  <p:clrMapOvr>
-    <a:masterClrMapping/>
-  </p:clrMapOvr>
   <p:timing>
     <p:tnLst>
       <p:par>
@@ -17762,7 +18678,7 @@
       </p:grpSpPr>
       <p:sp>
         <p:nvSpPr>
-          <p:cNvPr id="2" name="Title 1"/>
+          <p:cNvPr id="41986" name="Title 1"/>
           <p:cNvSpPr>
             <a:spLocks noGrp="1"/>
           </p:cNvSpPr>
@@ -17775,13 +18691,13 @@
           <a:bodyPr/>
           <a:lstStyle/>
           <a:p>
-            <a:endParaRPr lang="en-US"/>
+            <a:endParaRPr lang="en-US" smtClean="0"/>
           </a:p>
         </p:txBody>
       </p:sp>
       <p:sp>
         <p:nvSpPr>
-          <p:cNvPr id="3" name="Content Placeholder 2"/>
+          <p:cNvPr id="41987" name="Content Placeholder 2"/>
           <p:cNvSpPr>
             <a:spLocks noGrp="1"/>
           </p:cNvSpPr>
@@ -17794,17 +18710,19 @@
           <a:bodyPr/>
           <a:lstStyle/>
           <a:p>
-            <a:endParaRPr lang="en-US" dirty="0"/>
+            <a:endParaRPr lang="en-US" smtClean="0"/>
           </a:p>
         </p:txBody>
       </p:sp>
       <p:grpSp>
         <p:nvGrpSpPr>
-          <p:cNvPr id="4" name="Group 3"/>
-          <p:cNvGrpSpPr/>
+          <p:cNvPr id="41988" name="Group 3"/>
+          <p:cNvGrpSpPr>
+            <a:grpSpLocks/>
+          </p:cNvGrpSpPr>
           <p:nvPr/>
         </p:nvGrpSpPr>
-        <p:grpSpPr>
+        <p:grpSpPr bwMode="auto">
           <a:xfrm>
             <a:off x="2514600" y="3276600"/>
             <a:ext cx="5638800" cy="685800"/>
@@ -17814,11 +18732,13 @@
         </p:grpSpPr>
         <p:grpSp>
           <p:nvGrpSpPr>
-            <p:cNvPr id="5" name="Group 31"/>
-            <p:cNvGrpSpPr/>
+            <p:cNvPr id="42018" name="Group 31"/>
+            <p:cNvGrpSpPr>
+              <a:grpSpLocks/>
+            </p:cNvGrpSpPr>
             <p:nvPr/>
           </p:nvGrpSpPr>
-          <p:grpSpPr>
+          <p:grpSpPr bwMode="auto">
             <a:xfrm>
               <a:off x="2514600" y="3276600"/>
               <a:ext cx="1143000" cy="685800"/>
@@ -17858,10 +18778,18 @@
               </a:fontRef>
             </p:style>
             <p:txBody>
-              <a:bodyPr rtlCol="0" anchor="ctr"/>
+              <a:bodyPr anchor="ctr"/>
               <a:lstStyle/>
               <a:p>
-                <a:pPr algn="ctr"/>
+                <a:pPr algn="ctr" fontAlgn="auto">
+                  <a:spcBef>
+                    <a:spcPts val="0"/>
+                  </a:spcBef>
+                  <a:spcAft>
+                    <a:spcPts val="0"/>
+                  </a:spcAft>
+                  <a:defRPr/>
+                </a:pPr>
                 <a:endParaRPr lang="en-US"/>
               </a:p>
             </p:txBody>
@@ -17898,10 +18826,18 @@
               </a:fontRef>
             </p:style>
             <p:txBody>
-              <a:bodyPr rtlCol="0" anchor="ctr"/>
+              <a:bodyPr anchor="ctr"/>
               <a:lstStyle/>
               <a:p>
-                <a:pPr algn="ctr"/>
+                <a:pPr algn="ctr" fontAlgn="auto">
+                  <a:spcBef>
+                    <a:spcPts val="0"/>
+                  </a:spcBef>
+                  <a:spcAft>
+                    <a:spcPts val="0"/>
+                  </a:spcAft>
+                  <a:defRPr/>
+                </a:pPr>
                 <a:endParaRPr lang="en-US"/>
               </a:p>
             </p:txBody>
@@ -17938,10 +18874,18 @@
               </a:fontRef>
             </p:style>
             <p:txBody>
-              <a:bodyPr rtlCol="0" anchor="ctr"/>
+              <a:bodyPr anchor="ctr"/>
               <a:lstStyle/>
               <a:p>
-                <a:pPr algn="ctr"/>
+                <a:pPr algn="ctr" fontAlgn="auto">
+                  <a:spcBef>
+                    <a:spcPts val="0"/>
+                  </a:spcBef>
+                  <a:spcAft>
+                    <a:spcPts val="0"/>
+                  </a:spcAft>
+                  <a:defRPr/>
+                </a:pPr>
                 <a:endParaRPr lang="en-US" b="1" dirty="0"/>
               </a:p>
             </p:txBody>
@@ -17949,11 +18893,13 @@
         </p:grpSp>
         <p:grpSp>
           <p:nvGrpSpPr>
-            <p:cNvPr id="6" name="Group 39"/>
-            <p:cNvGrpSpPr/>
+            <p:cNvPr id="42019" name="Group 39"/>
+            <p:cNvGrpSpPr>
+              <a:grpSpLocks/>
+            </p:cNvGrpSpPr>
             <p:nvPr/>
           </p:nvGrpSpPr>
-          <p:grpSpPr>
+          <p:grpSpPr bwMode="auto">
             <a:xfrm>
               <a:off x="4419600" y="3276600"/>
               <a:ext cx="1143000" cy="685800"/>
@@ -17993,10 +18939,18 @@
               </a:fontRef>
             </p:style>
             <p:txBody>
-              <a:bodyPr rtlCol="0" anchor="ctr"/>
+              <a:bodyPr anchor="ctr"/>
               <a:lstStyle/>
               <a:p>
-                <a:pPr algn="ctr"/>
+                <a:pPr algn="ctr" fontAlgn="auto">
+                  <a:spcBef>
+                    <a:spcPts val="0"/>
+                  </a:spcBef>
+                  <a:spcAft>
+                    <a:spcPts val="0"/>
+                  </a:spcAft>
+                  <a:defRPr/>
+                </a:pPr>
                 <a:endParaRPr lang="en-US"/>
               </a:p>
             </p:txBody>
@@ -18033,10 +18987,18 @@
               </a:fontRef>
             </p:style>
             <p:txBody>
-              <a:bodyPr rtlCol="0" anchor="ctr"/>
+              <a:bodyPr anchor="ctr"/>
               <a:lstStyle/>
               <a:p>
-                <a:pPr algn="ctr"/>
+                <a:pPr algn="ctr" fontAlgn="auto">
+                  <a:spcBef>
+                    <a:spcPts val="0"/>
+                  </a:spcBef>
+                  <a:spcAft>
+                    <a:spcPts val="0"/>
+                  </a:spcAft>
+                  <a:defRPr/>
+                </a:pPr>
                 <a:endParaRPr lang="en-US"/>
               </a:p>
             </p:txBody>
@@ -18073,10 +19035,18 @@
               </a:fontRef>
             </p:style>
             <p:txBody>
-              <a:bodyPr rtlCol="0" anchor="ctr"/>
+              <a:bodyPr anchor="ctr"/>
               <a:lstStyle/>
               <a:p>
-                <a:pPr algn="ctr"/>
+                <a:pPr algn="ctr" fontAlgn="auto">
+                  <a:spcBef>
+                    <a:spcPts val="0"/>
+                  </a:spcBef>
+                  <a:spcAft>
+                    <a:spcPts val="0"/>
+                  </a:spcAft>
+                  <a:defRPr/>
+                </a:pPr>
                 <a:endParaRPr lang="en-US" b="1" dirty="0"/>
               </a:p>
             </p:txBody>
@@ -18084,11 +19054,13 @@
         </p:grpSp>
         <p:grpSp>
           <p:nvGrpSpPr>
-            <p:cNvPr id="7" name="Group 40"/>
-            <p:cNvGrpSpPr/>
+            <p:cNvPr id="42020" name="Group 40"/>
+            <p:cNvGrpSpPr>
+              <a:grpSpLocks/>
+            </p:cNvGrpSpPr>
             <p:nvPr/>
           </p:nvGrpSpPr>
-          <p:grpSpPr>
+          <p:grpSpPr bwMode="auto">
             <a:xfrm>
               <a:off x="5715000" y="3276600"/>
               <a:ext cx="1143000" cy="685800"/>
@@ -18128,10 +19100,18 @@
               </a:fontRef>
             </p:style>
             <p:txBody>
-              <a:bodyPr rtlCol="0" anchor="ctr"/>
+              <a:bodyPr anchor="ctr"/>
               <a:lstStyle/>
               <a:p>
-                <a:pPr algn="ctr"/>
+                <a:pPr algn="ctr" fontAlgn="auto">
+                  <a:spcBef>
+                    <a:spcPts val="0"/>
+                  </a:spcBef>
+                  <a:spcAft>
+                    <a:spcPts val="0"/>
+                  </a:spcAft>
+                  <a:defRPr/>
+                </a:pPr>
                 <a:endParaRPr lang="en-US"/>
               </a:p>
             </p:txBody>
@@ -18168,10 +19148,18 @@
               </a:fontRef>
             </p:style>
             <p:txBody>
-              <a:bodyPr rtlCol="0" anchor="ctr"/>
+              <a:bodyPr anchor="ctr"/>
               <a:lstStyle/>
               <a:p>
-                <a:pPr algn="ctr"/>
+                <a:pPr algn="ctr" fontAlgn="auto">
+                  <a:spcBef>
+                    <a:spcPts val="0"/>
+                  </a:spcBef>
+                  <a:spcAft>
+                    <a:spcPts val="0"/>
+                  </a:spcAft>
+                  <a:defRPr/>
+                </a:pPr>
                 <a:endParaRPr lang="en-US"/>
               </a:p>
             </p:txBody>
@@ -18208,10 +19196,18 @@
               </a:fontRef>
             </p:style>
             <p:txBody>
-              <a:bodyPr rtlCol="0" anchor="ctr"/>
+              <a:bodyPr anchor="ctr"/>
               <a:lstStyle/>
               <a:p>
-                <a:pPr algn="ctr"/>
+                <a:pPr algn="ctr" fontAlgn="auto">
+                  <a:spcBef>
+                    <a:spcPts val="0"/>
+                  </a:spcBef>
+                  <a:spcAft>
+                    <a:spcPts val="0"/>
+                  </a:spcAft>
+                  <a:defRPr/>
+                </a:pPr>
                 <a:endParaRPr lang="en-US" b="1" dirty="0"/>
               </a:p>
             </p:txBody>
@@ -18219,11 +19215,13 @@
         </p:grpSp>
         <p:grpSp>
           <p:nvGrpSpPr>
-            <p:cNvPr id="8" name="Group 44"/>
-            <p:cNvGrpSpPr/>
+            <p:cNvPr id="42021" name="Group 44"/>
+            <p:cNvGrpSpPr>
+              <a:grpSpLocks/>
+            </p:cNvGrpSpPr>
             <p:nvPr/>
           </p:nvGrpSpPr>
-          <p:grpSpPr>
+          <p:grpSpPr bwMode="auto">
             <a:xfrm>
               <a:off x="7010400" y="3276600"/>
               <a:ext cx="1143000" cy="685800"/>
@@ -18263,10 +19261,18 @@
               </a:fontRef>
             </p:style>
             <p:txBody>
-              <a:bodyPr rtlCol="0" anchor="ctr"/>
+              <a:bodyPr anchor="ctr"/>
               <a:lstStyle/>
               <a:p>
-                <a:pPr algn="ctr"/>
+                <a:pPr algn="ctr" fontAlgn="auto">
+                  <a:spcBef>
+                    <a:spcPts val="0"/>
+                  </a:spcBef>
+                  <a:spcAft>
+                    <a:spcPts val="0"/>
+                  </a:spcAft>
+                  <a:defRPr/>
+                </a:pPr>
                 <a:endParaRPr lang="en-US"/>
               </a:p>
             </p:txBody>
@@ -18303,10 +19309,18 @@
               </a:fontRef>
             </p:style>
             <p:txBody>
-              <a:bodyPr rtlCol="0" anchor="ctr"/>
+              <a:bodyPr anchor="ctr"/>
               <a:lstStyle/>
               <a:p>
-                <a:pPr algn="ctr"/>
+                <a:pPr algn="ctr" fontAlgn="auto">
+                  <a:spcBef>
+                    <a:spcPts val="0"/>
+                  </a:spcBef>
+                  <a:spcAft>
+                    <a:spcPts val="0"/>
+                  </a:spcAft>
+                  <a:defRPr/>
+                </a:pPr>
                 <a:endParaRPr lang="en-US"/>
               </a:p>
             </p:txBody>
@@ -18343,10 +19357,18 @@
               </a:fontRef>
             </p:style>
             <p:txBody>
-              <a:bodyPr rtlCol="0" anchor="ctr"/>
+              <a:bodyPr anchor="ctr"/>
               <a:lstStyle/>
               <a:p>
-                <a:pPr algn="ctr"/>
+                <a:pPr algn="ctr" fontAlgn="auto">
+                  <a:spcBef>
+                    <a:spcPts val="0"/>
+                  </a:spcBef>
+                  <a:spcAft>
+                    <a:spcPts val="0"/>
+                  </a:spcAft>
+                  <a:defRPr/>
+                </a:pPr>
                 <a:endParaRPr lang="en-US" b="1" dirty="0"/>
               </a:p>
             </p:txBody>
@@ -18385,10 +19407,18 @@
           </a:fontRef>
         </p:style>
         <p:txBody>
-          <a:bodyPr rtlCol="0" anchor="ctr"/>
+          <a:bodyPr anchor="ctr"/>
           <a:lstStyle/>
           <a:p>
-            <a:pPr algn="ctr"/>
+            <a:pPr algn="ctr" fontAlgn="auto">
+              <a:spcBef>
+                <a:spcPts val="0"/>
+              </a:spcBef>
+              <a:spcAft>
+                <a:spcPts val="0"/>
+              </a:spcAft>
+              <a:defRPr/>
+            </a:pPr>
             <a:endParaRPr lang="en-US"/>
           </a:p>
         </p:txBody>
@@ -18425,10 +19455,18 @@
           </a:fontRef>
         </p:style>
         <p:txBody>
-          <a:bodyPr rtlCol="0" anchor="ctr"/>
+          <a:bodyPr anchor="ctr"/>
           <a:lstStyle/>
           <a:p>
-            <a:pPr algn="ctr"/>
+            <a:pPr algn="ctr" fontAlgn="auto">
+              <a:spcBef>
+                <a:spcPts val="0"/>
+              </a:spcBef>
+              <a:spcAft>
+                <a:spcPts val="0"/>
+              </a:spcAft>
+              <a:defRPr/>
+            </a:pPr>
             <a:endParaRPr lang="en-US"/>
           </a:p>
         </p:txBody>
@@ -18468,10 +19506,18 @@
           </a:fontRef>
         </p:style>
         <p:txBody>
-          <a:bodyPr rtlCol="0" anchor="ctr"/>
+          <a:bodyPr anchor="ctr"/>
           <a:lstStyle/>
           <a:p>
-            <a:pPr algn="ctr"/>
+            <a:pPr algn="ctr" fontAlgn="auto">
+              <a:spcBef>
+                <a:spcPts val="0"/>
+              </a:spcBef>
+              <a:spcAft>
+                <a:spcPts val="0"/>
+              </a:spcAft>
+              <a:defRPr/>
+            </a:pPr>
             <a:endParaRPr lang="en-US" b="1" dirty="0"/>
           </a:p>
         </p:txBody>
@@ -18508,10 +19554,18 @@
           </a:fontRef>
         </p:style>
         <p:txBody>
-          <a:bodyPr rtlCol="0" anchor="ctr"/>
+          <a:bodyPr anchor="ctr"/>
           <a:lstStyle/>
           <a:p>
-            <a:pPr algn="ctr"/>
+            <a:pPr algn="ctr" fontAlgn="auto">
+              <a:spcBef>
+                <a:spcPts val="0"/>
+              </a:spcBef>
+              <a:spcAft>
+                <a:spcPts val="0"/>
+              </a:spcAft>
+              <a:defRPr/>
+            </a:pPr>
             <a:endParaRPr lang="en-US"/>
           </a:p>
         </p:txBody>
@@ -18548,10 +19602,18 @@
           </a:fontRef>
         </p:style>
         <p:txBody>
-          <a:bodyPr rtlCol="0" anchor="ctr"/>
+          <a:bodyPr anchor="ctr"/>
           <a:lstStyle/>
           <a:p>
-            <a:pPr algn="ctr"/>
+            <a:pPr algn="ctr" fontAlgn="auto">
+              <a:spcBef>
+                <a:spcPts val="0"/>
+              </a:spcBef>
+              <a:spcAft>
+                <a:spcPts val="0"/>
+              </a:spcAft>
+              <a:defRPr/>
+            </a:pPr>
             <a:endParaRPr lang="en-US"/>
           </a:p>
         </p:txBody>
@@ -18588,21 +19650,31 @@
           </a:fontRef>
         </p:style>
         <p:txBody>
-          <a:bodyPr rtlCol="0" anchor="ctr"/>
+          <a:bodyPr anchor="ctr"/>
           <a:lstStyle/>
           <a:p>
-            <a:pPr algn="ctr"/>
+            <a:pPr algn="ctr" fontAlgn="auto">
+              <a:spcBef>
+                <a:spcPts val="0"/>
+              </a:spcBef>
+              <a:spcAft>
+                <a:spcPts val="0"/>
+              </a:spcAft>
+              <a:defRPr/>
+            </a:pPr>
             <a:endParaRPr lang="en-US" b="1" dirty="0"/>
           </a:p>
         </p:txBody>
       </p:sp>
       <p:grpSp>
         <p:nvGrpSpPr>
-          <p:cNvPr id="24" name="Group 48"/>
-          <p:cNvGrpSpPr/>
+          <p:cNvPr id="41995" name="Group 48"/>
+          <p:cNvGrpSpPr>
+            <a:grpSpLocks/>
+          </p:cNvGrpSpPr>
           <p:nvPr/>
         </p:nvGrpSpPr>
-        <p:grpSpPr>
+        <p:grpSpPr bwMode="auto">
           <a:xfrm>
             <a:off x="5715000" y="2286000"/>
             <a:ext cx="1143000" cy="685800"/>
@@ -18642,10 +19714,18 @@
             </a:fontRef>
           </p:style>
           <p:txBody>
-            <a:bodyPr rtlCol="0" anchor="ctr"/>
+            <a:bodyPr anchor="ctr"/>
             <a:lstStyle/>
             <a:p>
-              <a:pPr algn="ctr"/>
+              <a:pPr algn="ctr" fontAlgn="auto">
+                <a:spcBef>
+                  <a:spcPts val="0"/>
+                </a:spcBef>
+                <a:spcAft>
+                  <a:spcPts val="0"/>
+                </a:spcAft>
+                <a:defRPr/>
+              </a:pPr>
               <a:endParaRPr lang="en-US"/>
             </a:p>
           </p:txBody>
@@ -18682,10 +19762,18 @@
             </a:fontRef>
           </p:style>
           <p:txBody>
-            <a:bodyPr rtlCol="0" anchor="ctr"/>
+            <a:bodyPr anchor="ctr"/>
             <a:lstStyle/>
             <a:p>
-              <a:pPr algn="ctr"/>
+              <a:pPr algn="ctr" fontAlgn="auto">
+                <a:spcBef>
+                  <a:spcPts val="0"/>
+                </a:spcBef>
+                <a:spcAft>
+                  <a:spcPts val="0"/>
+                </a:spcAft>
+                <a:defRPr/>
+              </a:pPr>
               <a:endParaRPr lang="en-US"/>
             </a:p>
           </p:txBody>
@@ -18722,10 +19810,18 @@
             </a:fontRef>
           </p:style>
           <p:txBody>
-            <a:bodyPr rtlCol="0" anchor="ctr"/>
+            <a:bodyPr anchor="ctr"/>
             <a:lstStyle/>
             <a:p>
-              <a:pPr algn="ctr"/>
+              <a:pPr algn="ctr" fontAlgn="auto">
+                <a:spcBef>
+                  <a:spcPts val="0"/>
+                </a:spcBef>
+                <a:spcAft>
+                  <a:spcPts val="0"/>
+                </a:spcAft>
+                <a:defRPr/>
+              </a:pPr>
               <a:endParaRPr lang="en-US" b="1" dirty="0"/>
             </a:p>
           </p:txBody>
@@ -18733,11 +19829,13 @@
       </p:grpSp>
       <p:grpSp>
         <p:nvGrpSpPr>
-          <p:cNvPr id="25" name="Group 52"/>
-          <p:cNvGrpSpPr/>
+          <p:cNvPr id="41996" name="Group 52"/>
+          <p:cNvGrpSpPr>
+            <a:grpSpLocks/>
+          </p:cNvGrpSpPr>
           <p:nvPr/>
         </p:nvGrpSpPr>
-        <p:grpSpPr>
+        <p:grpSpPr bwMode="auto">
           <a:xfrm>
             <a:off x="7010400" y="2286000"/>
             <a:ext cx="1143000" cy="685800"/>
@@ -18777,10 +19875,18 @@
             </a:fontRef>
           </p:style>
           <p:txBody>
-            <a:bodyPr rtlCol="0" anchor="ctr"/>
+            <a:bodyPr anchor="ctr"/>
             <a:lstStyle/>
             <a:p>
-              <a:pPr algn="ctr"/>
+              <a:pPr algn="ctr" fontAlgn="auto">
+                <a:spcBef>
+                  <a:spcPts val="0"/>
+                </a:spcBef>
+                <a:spcAft>
+                  <a:spcPts val="0"/>
+                </a:spcAft>
+                <a:defRPr/>
+              </a:pPr>
               <a:endParaRPr lang="en-US"/>
             </a:p>
           </p:txBody>
@@ -18817,10 +19923,18 @@
             </a:fontRef>
           </p:style>
           <p:txBody>
-            <a:bodyPr rtlCol="0" anchor="ctr"/>
+            <a:bodyPr anchor="ctr"/>
             <a:lstStyle/>
             <a:p>
-              <a:pPr algn="ctr"/>
+              <a:pPr algn="ctr" fontAlgn="auto">
+                <a:spcBef>
+                  <a:spcPts val="0"/>
+                </a:spcBef>
+                <a:spcAft>
+                  <a:spcPts val="0"/>
+                </a:spcAft>
+                <a:defRPr/>
+              </a:pPr>
               <a:endParaRPr lang="en-US"/>
             </a:p>
           </p:txBody>
@@ -18857,10 +19971,18 @@
             </a:fontRef>
           </p:style>
           <p:txBody>
-            <a:bodyPr rtlCol="0" anchor="ctr"/>
+            <a:bodyPr anchor="ctr"/>
             <a:lstStyle/>
             <a:p>
-              <a:pPr algn="ctr"/>
+              <a:pPr algn="ctr" fontAlgn="auto">
+                <a:spcBef>
+                  <a:spcPts val="0"/>
+                </a:spcBef>
+                <a:spcAft>
+                  <a:spcPts val="0"/>
+                </a:spcAft>
+                <a:defRPr/>
+              </a:pPr>
               <a:endParaRPr lang="en-US" b="1" dirty="0"/>
             </a:p>
           </p:txBody>
@@ -18868,11 +19990,13 @@
       </p:grpSp>
       <p:grpSp>
         <p:nvGrpSpPr>
-          <p:cNvPr id="38" name="Group 37"/>
-          <p:cNvGrpSpPr/>
+          <p:cNvPr id="41997" name="Group 37"/>
+          <p:cNvGrpSpPr>
+            <a:grpSpLocks/>
+          </p:cNvGrpSpPr>
           <p:nvPr/>
         </p:nvGrpSpPr>
-        <p:grpSpPr>
+        <p:grpSpPr bwMode="auto">
           <a:xfrm>
             <a:off x="2514600" y="4343400"/>
             <a:ext cx="5638800" cy="685800"/>
@@ -18882,11 +20006,13 @@
         </p:grpSpPr>
         <p:grpSp>
           <p:nvGrpSpPr>
-            <p:cNvPr id="39" name="Group 31"/>
-            <p:cNvGrpSpPr/>
+            <p:cNvPr id="41998" name="Group 31"/>
+            <p:cNvGrpSpPr>
+              <a:grpSpLocks/>
+            </p:cNvGrpSpPr>
             <p:nvPr/>
           </p:nvGrpSpPr>
-          <p:grpSpPr>
+          <p:grpSpPr bwMode="auto">
             <a:xfrm>
               <a:off x="2514600" y="4343400"/>
               <a:ext cx="1143000" cy="685800"/>
@@ -18926,10 +20052,18 @@
               </a:fontRef>
             </p:style>
             <p:txBody>
-              <a:bodyPr rtlCol="0" anchor="ctr"/>
+              <a:bodyPr anchor="ctr"/>
               <a:lstStyle/>
               <a:p>
-                <a:pPr algn="ctr"/>
+                <a:pPr algn="ctr" fontAlgn="auto">
+                  <a:spcBef>
+                    <a:spcPts val="0"/>
+                  </a:spcBef>
+                  <a:spcAft>
+                    <a:spcPts val="0"/>
+                  </a:spcAft>
+                  <a:defRPr/>
+                </a:pPr>
                 <a:endParaRPr lang="en-US"/>
               </a:p>
             </p:txBody>
@@ -18966,10 +20100,18 @@
               </a:fontRef>
             </p:style>
             <p:txBody>
-              <a:bodyPr rtlCol="0" anchor="ctr"/>
+              <a:bodyPr anchor="ctr"/>
               <a:lstStyle/>
               <a:p>
-                <a:pPr algn="ctr"/>
+                <a:pPr algn="ctr" fontAlgn="auto">
+                  <a:spcBef>
+                    <a:spcPts val="0"/>
+                  </a:spcBef>
+                  <a:spcAft>
+                    <a:spcPts val="0"/>
+                  </a:spcAft>
+                  <a:defRPr/>
+                </a:pPr>
                 <a:endParaRPr lang="en-US"/>
               </a:p>
             </p:txBody>
@@ -19006,10 +20148,18 @@
               </a:fontRef>
             </p:style>
             <p:txBody>
-              <a:bodyPr rtlCol="0" anchor="ctr"/>
+              <a:bodyPr anchor="ctr"/>
               <a:lstStyle/>
               <a:p>
-                <a:pPr algn="ctr"/>
+                <a:pPr algn="ctr" fontAlgn="auto">
+                  <a:spcBef>
+                    <a:spcPts val="0"/>
+                  </a:spcBef>
+                  <a:spcAft>
+                    <a:spcPts val="0"/>
+                  </a:spcAft>
+                  <a:defRPr/>
+                </a:pPr>
                 <a:endParaRPr lang="en-US" b="1" dirty="0"/>
               </a:p>
             </p:txBody>
@@ -19047,10 +20197,18 @@
             </a:fontRef>
           </p:style>
           <p:txBody>
-            <a:bodyPr rtlCol="0" anchor="ctr"/>
+            <a:bodyPr anchor="ctr"/>
             <a:lstStyle/>
             <a:p>
-              <a:pPr algn="ctr"/>
+              <a:pPr algn="ctr" fontAlgn="auto">
+                <a:spcBef>
+                  <a:spcPts val="0"/>
+                </a:spcBef>
+                <a:spcAft>
+                  <a:spcPts val="0"/>
+                </a:spcAft>
+                <a:defRPr/>
+              </a:pPr>
               <a:endParaRPr lang="en-US"/>
             </a:p>
           </p:txBody>
@@ -19087,10 +20245,18 @@
             </a:fontRef>
           </p:style>
           <p:txBody>
-            <a:bodyPr rtlCol="0" anchor="ctr"/>
+            <a:bodyPr anchor="ctr"/>
             <a:lstStyle/>
             <a:p>
-              <a:pPr algn="ctr"/>
+              <a:pPr algn="ctr" fontAlgn="auto">
+                <a:spcBef>
+                  <a:spcPts val="0"/>
+                </a:spcBef>
+                <a:spcAft>
+                  <a:spcPts val="0"/>
+                </a:spcAft>
+                <a:defRPr/>
+              </a:pPr>
               <a:endParaRPr lang="en-US"/>
             </a:p>
           </p:txBody>
@@ -19127,10 +20293,18 @@
             </a:fontRef>
           </p:style>
           <p:txBody>
-            <a:bodyPr rtlCol="0" anchor="ctr"/>
+            <a:bodyPr anchor="ctr"/>
             <a:lstStyle/>
             <a:p>
-              <a:pPr algn="ctr"/>
+              <a:pPr algn="ctr" fontAlgn="auto">
+                <a:spcBef>
+                  <a:spcPts val="0"/>
+                </a:spcBef>
+                <a:spcAft>
+                  <a:spcPts val="0"/>
+                </a:spcAft>
+                <a:defRPr/>
+              </a:pPr>
               <a:endParaRPr lang="en-US" b="1" dirty="0"/>
             </a:p>
           </p:txBody>
@@ -19167,10 +20341,18 @@
             </a:fontRef>
           </p:style>
           <p:txBody>
-            <a:bodyPr rtlCol="0" anchor="ctr"/>
+            <a:bodyPr anchor="ctr"/>
             <a:lstStyle/>
             <a:p>
-              <a:pPr algn="ctr"/>
+              <a:pPr algn="ctr" fontAlgn="auto">
+                <a:spcBef>
+                  <a:spcPts val="0"/>
+                </a:spcBef>
+                <a:spcAft>
+                  <a:spcPts val="0"/>
+                </a:spcAft>
+                <a:defRPr/>
+              </a:pPr>
               <a:endParaRPr lang="en-US"/>
             </a:p>
           </p:txBody>
@@ -19207,10 +20389,18 @@
             </a:fontRef>
           </p:style>
           <p:txBody>
-            <a:bodyPr rtlCol="0" anchor="ctr"/>
+            <a:bodyPr anchor="ctr"/>
             <a:lstStyle/>
             <a:p>
-              <a:pPr algn="ctr"/>
+              <a:pPr algn="ctr" fontAlgn="auto">
+                <a:spcBef>
+                  <a:spcPts val="0"/>
+                </a:spcBef>
+                <a:spcAft>
+                  <a:spcPts val="0"/>
+                </a:spcAft>
+                <a:defRPr/>
+              </a:pPr>
               <a:endParaRPr lang="en-US"/>
             </a:p>
           </p:txBody>
@@ -19247,21 +20437,31 @@
             </a:fontRef>
           </p:style>
           <p:txBody>
-            <a:bodyPr rtlCol="0" anchor="ctr"/>
+            <a:bodyPr anchor="ctr"/>
             <a:lstStyle/>
             <a:p>
-              <a:pPr algn="ctr"/>
+              <a:pPr algn="ctr" fontAlgn="auto">
+                <a:spcBef>
+                  <a:spcPts val="0"/>
+                </a:spcBef>
+                <a:spcAft>
+                  <a:spcPts val="0"/>
+                </a:spcAft>
+                <a:defRPr/>
+              </a:pPr>
               <a:endParaRPr lang="en-US" b="1" dirty="0"/>
             </a:p>
           </p:txBody>
         </p:sp>
         <p:grpSp>
           <p:nvGrpSpPr>
-            <p:cNvPr id="46" name="Group 45"/>
-            <p:cNvGrpSpPr/>
+            <p:cNvPr id="42005" name="Group 45"/>
+            <p:cNvGrpSpPr>
+              <a:grpSpLocks/>
+            </p:cNvGrpSpPr>
             <p:nvPr/>
           </p:nvGrpSpPr>
-          <p:grpSpPr>
+          <p:grpSpPr bwMode="auto">
             <a:xfrm>
               <a:off x="7010400" y="4343400"/>
               <a:ext cx="1143000" cy="685800"/>
@@ -19301,10 +20501,18 @@
               </a:fontRef>
             </p:style>
             <p:txBody>
-              <a:bodyPr rtlCol="0" anchor="ctr"/>
+              <a:bodyPr anchor="ctr"/>
               <a:lstStyle/>
               <a:p>
-                <a:pPr algn="ctr"/>
+                <a:pPr algn="ctr" fontAlgn="auto">
+                  <a:spcBef>
+                    <a:spcPts val="0"/>
+                  </a:spcBef>
+                  <a:spcAft>
+                    <a:spcPts val="0"/>
+                  </a:spcAft>
+                  <a:defRPr/>
+                </a:pPr>
                 <a:endParaRPr lang="en-US"/>
               </a:p>
             </p:txBody>
@@ -19341,10 +20549,18 @@
               </a:fontRef>
             </p:style>
             <p:txBody>
-              <a:bodyPr rtlCol="0" anchor="ctr"/>
+              <a:bodyPr anchor="ctr"/>
               <a:lstStyle/>
               <a:p>
-                <a:pPr algn="ctr"/>
+                <a:pPr algn="ctr" fontAlgn="auto">
+                  <a:spcBef>
+                    <a:spcPts val="0"/>
+                  </a:spcBef>
+                  <a:spcAft>
+                    <a:spcPts val="0"/>
+                  </a:spcAft>
+                  <a:defRPr/>
+                </a:pPr>
                 <a:endParaRPr lang="en-US"/>
               </a:p>
             </p:txBody>
@@ -19381,10 +20597,18 @@
               </a:fontRef>
             </p:style>
             <p:txBody>
-              <a:bodyPr rtlCol="0" anchor="ctr"/>
+              <a:bodyPr anchor="ctr"/>
               <a:lstStyle/>
               <a:p>
-                <a:pPr algn="ctr"/>
+                <a:pPr algn="ctr" fontAlgn="auto">
+                  <a:spcBef>
+                    <a:spcPts val="0"/>
+                  </a:spcBef>
+                  <a:spcAft>
+                    <a:spcPts val="0"/>
+                  </a:spcAft>
+                  <a:defRPr/>
+                </a:pPr>
                 <a:endParaRPr lang="en-US" b="1" dirty="0"/>
               </a:p>
             </p:txBody>
@@ -19441,6 +20665,12 @@
           </a:bodyPr>
           <a:lstStyle/>
           <a:p>
+            <a:pPr fontAlgn="auto">
+              <a:spcAft>
+                <a:spcPts val="0"/>
+              </a:spcAft>
+              <a:defRPr/>
+            </a:pPr>
             <a:r>
               <a:rPr lang="en-US" dirty="0" smtClean="0"/>
               <a:t>Distributed Filesystem</a:t>
@@ -19454,11 +20684,13 @@
       </p:sp>
       <p:grpSp>
         <p:nvGrpSpPr>
-          <p:cNvPr id="16" name="Group 15"/>
-          <p:cNvGrpSpPr/>
+          <p:cNvPr id="8195" name="Group 15"/>
+          <p:cNvGrpSpPr>
+            <a:grpSpLocks/>
+          </p:cNvGrpSpPr>
           <p:nvPr/>
         </p:nvGrpSpPr>
-        <p:grpSpPr>
+        <p:grpSpPr bwMode="auto">
           <a:xfrm>
             <a:off x="4953000" y="3733800"/>
             <a:ext cx="3733800" cy="2362200"/>
@@ -19496,17 +20728,25 @@
             </a:fontRef>
           </p:style>
           <p:txBody>
-            <a:bodyPr rtlCol="0" anchor="ctr"/>
+            <a:bodyPr anchor="ctr"/>
             <a:lstStyle/>
             <a:p>
-              <a:pPr algn="ctr"/>
+              <a:pPr algn="ctr" fontAlgn="auto">
+                <a:spcBef>
+                  <a:spcPts val="0"/>
+                </a:spcBef>
+                <a:spcAft>
+                  <a:spcPts val="0"/>
+                </a:spcAft>
+                <a:defRPr/>
+              </a:pPr>
               <a:endParaRPr lang="en-US"/>
             </a:p>
           </p:txBody>
         </p:sp>
         <p:pic>
           <p:nvPicPr>
-            <p:cNvPr id="14" name="Picture 3"/>
+            <p:cNvPr id="8211" name="Picture 3"/>
             <p:cNvPicPr>
               <a:picLocks noChangeAspect="1" noChangeArrowheads="1"/>
             </p:cNvPicPr>
@@ -19534,16 +20774,17 @@
               <a:headEnd/>
               <a:tailEnd/>
             </a:ln>
-            <a:effectLst/>
           </p:spPr>
         </p:pic>
         <p:sp>
           <p:nvSpPr>
-            <p:cNvPr id="15" name="TextBox 14"/>
-            <p:cNvSpPr txBox="1"/>
+            <p:cNvPr id="8212" name="TextBox 14"/>
+            <p:cNvSpPr txBox="1">
+              <a:spLocks noChangeArrowheads="1"/>
+            </p:cNvSpPr>
             <p:nvPr/>
           </p:nvSpPr>
-          <p:spPr>
+          <p:spPr bwMode="auto">
             <a:xfrm>
               <a:off x="5486400" y="4191000"/>
               <a:ext cx="2590800" cy="369332"/>
@@ -19552,37 +20793,41 @@
               <a:avLst/>
             </a:prstGeom>
             <a:noFill/>
+            <a:ln w="9525">
+              <a:noFill/>
+              <a:miter lim="800000"/>
+              <a:headEnd/>
+              <a:tailEnd/>
+            </a:ln>
           </p:spPr>
           <p:txBody>
-            <a:bodyPr wrap="square" rtlCol="0">
+            <a:bodyPr>
               <a:spAutoFit/>
             </a:bodyPr>
             <a:lstStyle/>
             <a:p>
               <a:r>
-                <a:rPr lang="en-US" dirty="0" smtClean="0">
+                <a:rPr lang="en-US">
                   <a:solidFill>
                     <a:schemeClr val="bg1"/>
                   </a:solidFill>
+                  <a:latin typeface="Constantia" pitchFamily="18" charset="0"/>
                 </a:rPr>
                 <a:t>Machine N</a:t>
               </a:r>
-              <a:endParaRPr lang="en-US" dirty="0">
-                <a:solidFill>
-                  <a:schemeClr val="bg1"/>
-                </a:solidFill>
-              </a:endParaRPr>
             </a:p>
           </p:txBody>
         </p:sp>
       </p:grpSp>
       <p:grpSp>
         <p:nvGrpSpPr>
-          <p:cNvPr id="21" name="Group 20"/>
-          <p:cNvGrpSpPr/>
+          <p:cNvPr id="8196" name="Group 20"/>
+          <p:cNvGrpSpPr>
+            <a:grpSpLocks/>
+          </p:cNvGrpSpPr>
           <p:nvPr/>
         </p:nvGrpSpPr>
-        <p:grpSpPr>
+        <p:grpSpPr bwMode="auto">
           <a:xfrm>
             <a:off x="457200" y="3733800"/>
             <a:ext cx="3733800" cy="2362200"/>
@@ -19620,17 +20865,25 @@
             </a:fontRef>
           </p:style>
           <p:txBody>
-            <a:bodyPr rtlCol="0" anchor="ctr"/>
+            <a:bodyPr anchor="ctr"/>
             <a:lstStyle/>
             <a:p>
-              <a:pPr algn="ctr"/>
+              <a:pPr algn="ctr" fontAlgn="auto">
+                <a:spcBef>
+                  <a:spcPts val="0"/>
+                </a:spcBef>
+                <a:spcAft>
+                  <a:spcPts val="0"/>
+                </a:spcAft>
+                <a:defRPr/>
+              </a:pPr>
               <a:endParaRPr lang="en-US"/>
             </a:p>
           </p:txBody>
         </p:sp>
         <p:pic>
           <p:nvPicPr>
-            <p:cNvPr id="23" name="Picture 3"/>
+            <p:cNvPr id="8206" name="Picture 3"/>
             <p:cNvPicPr>
               <a:picLocks noChangeAspect="1" noChangeArrowheads="1"/>
             </p:cNvPicPr>
@@ -19658,16 +20911,17 @@
               <a:headEnd/>
               <a:tailEnd/>
             </a:ln>
-            <a:effectLst/>
           </p:spPr>
         </p:pic>
         <p:sp>
           <p:nvSpPr>
-            <p:cNvPr id="24" name="TextBox 23"/>
-            <p:cNvSpPr txBox="1"/>
+            <p:cNvPr id="8207" name="TextBox 23"/>
+            <p:cNvSpPr txBox="1">
+              <a:spLocks noChangeArrowheads="1"/>
+            </p:cNvSpPr>
             <p:nvPr/>
           </p:nvSpPr>
-          <p:spPr>
+          <p:spPr bwMode="auto">
             <a:xfrm>
               <a:off x="5486400" y="4191000"/>
               <a:ext cx="2590800" cy="369332"/>
@@ -19676,26 +20930,28 @@
               <a:avLst/>
             </a:prstGeom>
             <a:noFill/>
+            <a:ln w="9525">
+              <a:noFill/>
+              <a:miter lim="800000"/>
+              <a:headEnd/>
+              <a:tailEnd/>
+            </a:ln>
           </p:spPr>
           <p:txBody>
-            <a:bodyPr wrap="square" rtlCol="0">
+            <a:bodyPr>
               <a:spAutoFit/>
             </a:bodyPr>
             <a:lstStyle/>
             <a:p>
               <a:r>
-                <a:rPr lang="en-US" dirty="0" smtClean="0">
+                <a:rPr lang="en-US">
                   <a:solidFill>
                     <a:schemeClr val="bg1"/>
                   </a:solidFill>
+                  <a:latin typeface="Constantia" pitchFamily="18" charset="0"/>
                 </a:rPr>
                 <a:t>Machine 1</a:t>
               </a:r>
-              <a:endParaRPr lang="en-US" dirty="0">
-                <a:solidFill>
-                  <a:schemeClr val="bg1"/>
-                </a:solidFill>
-              </a:endParaRPr>
             </a:p>
           </p:txBody>
         </p:sp>
@@ -19753,12 +21009,20 @@
           </a:fontRef>
         </p:style>
         <p:txBody>
-          <a:bodyPr rtlCol="0" anchor="ctr"/>
+          <a:bodyPr anchor="ctr"/>
           <a:lstStyle/>
           <a:p>
-            <a:pPr algn="ctr"/>
-            <a:r>
-              <a:rPr lang="en-US" sz="2400" b="1" spc="300" dirty="0" smtClean="0"/>
+            <a:pPr algn="ctr" fontAlgn="auto">
+              <a:spcBef>
+                <a:spcPts val="0"/>
+              </a:spcBef>
+              <a:spcAft>
+                <a:spcPts val="0"/>
+              </a:spcAft>
+              <a:defRPr/>
+            </a:pPr>
+            <a:r>
+              <a:rPr lang="en-US" sz="2400" b="1" spc="300" dirty="0"/>
               <a:t>Distributed    Filesystem</a:t>
             </a:r>
             <a:endParaRPr lang="en-US" sz="2400" b="1" spc="300" dirty="0"/>
@@ -19773,8 +21037,8 @@
         </p:nvCxnSpPr>
         <p:spPr>
           <a:xfrm rot="5400000">
-            <a:off x="2781300" y="3543300"/>
-            <a:ext cx="381000" cy="1588"/>
+            <a:off x="2781301" y="3543300"/>
+            <a:ext cx="381000" cy="3175"/>
           </a:xfrm>
           <a:prstGeom prst="line">
             <a:avLst/>
@@ -19827,7 +21091,7 @@
       </p:cxnSp>
       <p:pic>
         <p:nvPicPr>
-          <p:cNvPr id="1028" name="Picture 4"/>
+          <p:cNvPr id="8202" name="Picture 4"/>
           <p:cNvPicPr>
             <a:picLocks noChangeAspect="1" noChangeArrowheads="1"/>
           </p:cNvPicPr>
@@ -19855,7 +21119,6 @@
             <a:headEnd/>
             <a:tailEnd/>
           </a:ln>
-          <a:effectLst/>
         </p:spPr>
       </p:pic>
     </p:spTree>
@@ -19892,7 +21155,7 @@
       </p:grpSpPr>
       <p:sp>
         <p:nvSpPr>
-          <p:cNvPr id="2" name="Title 1"/>
+          <p:cNvPr id="9218" name="Title 1"/>
           <p:cNvSpPr>
             <a:spLocks noGrp="1"/>
           </p:cNvSpPr>
@@ -19906,16 +21169,15 @@
           <a:lstStyle/>
           <a:p>
             <a:r>
-              <a:rPr lang="en-US" dirty="0" smtClean="0"/>
+              <a:rPr lang="en-US" smtClean="0"/>
               <a:t>Outline</a:t>
             </a:r>
-            <a:endParaRPr lang="en-US" dirty="0"/>
           </a:p>
         </p:txBody>
       </p:sp>
       <p:sp>
         <p:nvSpPr>
-          <p:cNvPr id="3" name="Content Placeholder 2"/>
+          <p:cNvPr id="9219" name="Content Placeholder 2"/>
           <p:cNvSpPr>
             <a:spLocks noGrp="1"/>
           </p:cNvSpPr>
@@ -19925,19 +21187,17 @@
         </p:nvSpPr>
         <p:spPr/>
         <p:txBody>
-          <a:bodyPr>
-            <a:normAutofit/>
-          </a:bodyPr>
+          <a:bodyPr/>
           <a:lstStyle/>
           <a:p>
             <a:r>
-              <a:rPr lang="en-US" dirty="0" smtClean="0"/>
+              <a:rPr lang="en-US" smtClean="0"/>
               <a:t>Distributed Filesystems</a:t>
             </a:r>
           </a:p>
           <a:p>
             <a:r>
-              <a:rPr lang="en-US" dirty="0" smtClean="0">
+              <a:rPr lang="en-US" smtClean="0">
                 <a:solidFill>
                   <a:srgbClr val="FF0000"/>
                 </a:solidFill>
@@ -19947,39 +21207,39 @@
           </a:p>
           <a:p>
             <a:r>
-              <a:rPr lang="en-US" dirty="0" smtClean="0"/>
+              <a:rPr lang="en-US" smtClean="0"/>
               <a:t>Google Filesystem Architecture</a:t>
             </a:r>
           </a:p>
           <a:p>
             <a:pPr lvl="1"/>
             <a:r>
-              <a:rPr lang="en-US" dirty="0" smtClean="0"/>
+              <a:rPr lang="en-US" smtClean="0"/>
               <a:t>Chunkservers</a:t>
             </a:r>
           </a:p>
           <a:p>
             <a:pPr lvl="1"/>
             <a:r>
-              <a:rPr lang="en-US" dirty="0" smtClean="0"/>
+              <a:rPr lang="en-US" smtClean="0"/>
               <a:t>Master</a:t>
             </a:r>
           </a:p>
           <a:p>
             <a:r>
-              <a:rPr lang="en-US" dirty="0" smtClean="0"/>
+              <a:rPr lang="en-US" smtClean="0"/>
               <a:t>Consistency Model</a:t>
             </a:r>
           </a:p>
           <a:p>
             <a:r>
-              <a:rPr lang="en-US" dirty="0" smtClean="0"/>
+              <a:rPr lang="en-US" smtClean="0"/>
               <a:t>File Mutation</a:t>
             </a:r>
           </a:p>
           <a:p>
             <a:r>
-              <a:rPr lang="en-US" dirty="0" smtClean="0"/>
+              <a:rPr lang="en-US" smtClean="0"/>
               <a:t>Garbage Collection</a:t>
             </a:r>
           </a:p>
@@ -20019,7 +21279,7 @@
       </p:grpSpPr>
       <p:sp>
         <p:nvSpPr>
-          <p:cNvPr id="2" name="Title 1"/>
+          <p:cNvPr id="10242" name="Title 1"/>
           <p:cNvSpPr>
             <a:spLocks noGrp="1"/>
           </p:cNvSpPr>
@@ -20033,16 +21293,15 @@
           <a:lstStyle/>
           <a:p>
             <a:r>
-              <a:rPr lang="en-US" dirty="0" smtClean="0"/>
+              <a:rPr lang="en-US" smtClean="0"/>
               <a:t>Motivation</a:t>
             </a:r>
-            <a:endParaRPr lang="en-US" dirty="0"/>
           </a:p>
         </p:txBody>
       </p:sp>
       <p:sp>
         <p:nvSpPr>
-          <p:cNvPr id="3" name="Content Placeholder 2"/>
+          <p:cNvPr id="10243" name="Content Placeholder 2"/>
           <p:cNvSpPr>
             <a:spLocks noGrp="1"/>
           </p:cNvSpPr>
@@ -20052,31 +21311,29 @@
         </p:nvSpPr>
         <p:spPr/>
         <p:txBody>
-          <a:bodyPr>
-            <a:normAutofit/>
-          </a:bodyPr>
+          <a:bodyPr/>
           <a:lstStyle/>
           <a:p>
             <a:r>
-              <a:rPr lang="en-US" dirty="0" smtClean="0"/>
+              <a:rPr lang="en-US" smtClean="0"/>
               <a:t>Component failures are the norm rather than the exception.</a:t>
             </a:r>
           </a:p>
           <a:p>
             <a:r>
-              <a:rPr lang="en-US" dirty="0" smtClean="0"/>
+              <a:rPr lang="en-US" smtClean="0"/>
               <a:t>Files are huge by traditional standards. </a:t>
             </a:r>
           </a:p>
           <a:p>
             <a:r>
-              <a:rPr lang="en-US" dirty="0" smtClean="0"/>
+              <a:rPr lang="en-US" smtClean="0"/>
               <a:t>Google Client Applications seldom overwrite the files. Most often they read from them, or write at the end of the file. (append)</a:t>
             </a:r>
           </a:p>
           <a:p>
             <a:r>
-              <a:rPr lang="en-US" dirty="0" smtClean="0"/>
+              <a:rPr lang="en-US" smtClean="0"/>
               <a:t>Co-designing the applications and the filesystem API benefits the overall system. Primitives can be created specific to the Google applications.</a:t>
             </a:r>
           </a:p>
@@ -20116,7 +21373,7 @@
       </p:grpSpPr>
       <p:sp>
         <p:nvSpPr>
-          <p:cNvPr id="2" name="Title 1"/>
+          <p:cNvPr id="11266" name="Title 1"/>
           <p:cNvSpPr>
             <a:spLocks noGrp="1"/>
           </p:cNvSpPr>
@@ -20130,16 +21387,15 @@
           <a:lstStyle/>
           <a:p>
             <a:r>
-              <a:rPr lang="en-US" dirty="0" smtClean="0"/>
+              <a:rPr lang="en-US" smtClean="0"/>
               <a:t>Outline</a:t>
             </a:r>
-            <a:endParaRPr lang="en-US" dirty="0"/>
           </a:p>
         </p:txBody>
       </p:sp>
       <p:sp>
         <p:nvSpPr>
-          <p:cNvPr id="3" name="Content Placeholder 2"/>
+          <p:cNvPr id="11267" name="Content Placeholder 2"/>
           <p:cNvSpPr>
             <a:spLocks noGrp="1"/>
           </p:cNvSpPr>
@@ -20149,25 +21405,23 @@
         </p:nvSpPr>
         <p:spPr/>
         <p:txBody>
-          <a:bodyPr>
-            <a:normAutofit/>
-          </a:bodyPr>
+          <a:bodyPr/>
           <a:lstStyle/>
           <a:p>
             <a:r>
-              <a:rPr lang="en-US" dirty="0" smtClean="0"/>
+              <a:rPr lang="en-US" smtClean="0"/>
               <a:t>Distributed Filesystems</a:t>
             </a:r>
           </a:p>
           <a:p>
             <a:r>
-              <a:rPr lang="en-US" dirty="0" smtClean="0"/>
+              <a:rPr lang="en-US" smtClean="0"/>
               <a:t>Motivation</a:t>
             </a:r>
           </a:p>
           <a:p>
             <a:r>
-              <a:rPr lang="en-US" dirty="0" smtClean="0">
+              <a:rPr lang="en-US" smtClean="0">
                 <a:solidFill>
                   <a:srgbClr val="FF0000"/>
                 </a:solidFill>
@@ -20178,39 +21432,39 @@
           <a:p>
             <a:pPr lvl="1"/>
             <a:r>
-              <a:rPr lang="en-US" dirty="0" smtClean="0"/>
+              <a:rPr lang="en-US" smtClean="0"/>
               <a:t>Chunkservers</a:t>
             </a:r>
           </a:p>
           <a:p>
             <a:pPr lvl="1"/>
             <a:r>
-              <a:rPr lang="en-US" dirty="0" smtClean="0"/>
+              <a:rPr lang="en-US" smtClean="0"/>
               <a:t>Master</a:t>
             </a:r>
           </a:p>
           <a:p>
             <a:r>
-              <a:rPr lang="en-US" dirty="0" smtClean="0"/>
+              <a:rPr lang="en-US" smtClean="0"/>
               <a:t>Consistency Model</a:t>
             </a:r>
           </a:p>
           <a:p>
             <a:r>
-              <a:rPr lang="en-US" dirty="0" smtClean="0"/>
+              <a:rPr lang="en-US" smtClean="0"/>
               <a:t>File Mutation</a:t>
             </a:r>
           </a:p>
           <a:p>
             <a:r>
-              <a:rPr lang="en-US" dirty="0" smtClean="0"/>
+              <a:rPr lang="en-US" smtClean="0"/>
               <a:t>Garbage Collection</a:t>
             </a:r>
-            <a:endParaRPr lang="en-US" b="1" dirty="0" smtClean="0"/>
-          </a:p>
-          <a:p>
-            <a:r>
-              <a:rPr lang="en-US" dirty="0" smtClean="0"/>
+            <a:endParaRPr lang="en-US" b="1" smtClean="0"/>
+          </a:p>
+          <a:p>
+            <a:r>
+              <a:rPr lang="en-US" smtClean="0"/>
               <a:t>Conclusions</a:t>
             </a:r>
           </a:p>
@@ -20250,7 +21504,7 @@
       </p:grpSpPr>
       <p:sp>
         <p:nvSpPr>
-          <p:cNvPr id="2" name="Title 1"/>
+          <p:cNvPr id="12290" name="Title 1"/>
           <p:cNvSpPr>
             <a:spLocks noGrp="1"/>
           </p:cNvSpPr>
@@ -20264,16 +21518,15 @@
           <a:lstStyle/>
           <a:p>
             <a:r>
-              <a:rPr lang="en-US" dirty="0" smtClean="0"/>
+              <a:rPr lang="en-US" smtClean="0"/>
               <a:t>Google Filesystem Architecture</a:t>
             </a:r>
-            <a:endParaRPr lang="en-US" dirty="0"/>
           </a:p>
         </p:txBody>
       </p:sp>
       <p:sp>
         <p:nvSpPr>
-          <p:cNvPr id="3" name="Content Placeholder 2"/>
+          <p:cNvPr id="12291" name="Content Placeholder 2"/>
           <p:cNvSpPr>
             <a:spLocks noGrp="1"/>
           </p:cNvSpPr>
@@ -20283,46 +21536,44 @@
         </p:nvSpPr>
         <p:spPr/>
         <p:txBody>
-          <a:bodyPr>
-            <a:normAutofit/>
-          </a:bodyPr>
+          <a:bodyPr/>
           <a:lstStyle/>
           <a:p>
             <a:r>
-              <a:rPr lang="en-US" dirty="0" smtClean="0"/>
+              <a:rPr lang="en-US" smtClean="0"/>
               <a:t>Consists of a </a:t>
             </a:r>
             <a:r>
-              <a:rPr lang="en-US" u="sng" dirty="0" smtClean="0"/>
+              <a:rPr lang="en-US" u="sng" smtClean="0"/>
               <a:t>single master </a:t>
             </a:r>
             <a:r>
-              <a:rPr lang="en-US" dirty="0" smtClean="0"/>
+              <a:rPr lang="en-US" smtClean="0"/>
               <a:t>and multiple </a:t>
             </a:r>
             <a:r>
-              <a:rPr lang="en-US" u="sng" dirty="0" smtClean="0"/>
+              <a:rPr lang="en-US" u="sng" smtClean="0"/>
               <a:t>chunkservers</a:t>
             </a:r>
             <a:r>
-              <a:rPr lang="en-US" dirty="0" smtClean="0"/>
+              <a:rPr lang="en-US" smtClean="0"/>
               <a:t>. </a:t>
             </a:r>
           </a:p>
           <a:p>
             <a:r>
-              <a:rPr lang="en-US" dirty="0" smtClean="0"/>
+              <a:rPr lang="en-US" smtClean="0"/>
               <a:t>Multiple Clients access this architecture at once.</a:t>
             </a:r>
           </a:p>
           <a:p>
             <a:r>
-              <a:rPr lang="en-US" dirty="0" smtClean="0"/>
+              <a:rPr lang="en-US" smtClean="0"/>
               <a:t>A machine can act both as a client of the filesystem architecture, and as a chunkserver.</a:t>
             </a:r>
           </a:p>
           <a:p>
-            <a:endParaRPr lang="en-US" dirty="0"/>
+            <a:endParaRPr lang="en-US" smtClean="0"/>
           </a:p>
         </p:txBody>
       </p:sp>
@@ -20360,7 +21611,7 @@
       </p:grpSpPr>
       <p:sp>
         <p:nvSpPr>
-          <p:cNvPr id="2" name="Title 1"/>
+          <p:cNvPr id="13314" name="Title 1"/>
           <p:cNvSpPr>
             <a:spLocks noGrp="1"/>
           </p:cNvSpPr>
@@ -20374,16 +21625,15 @@
           <a:lstStyle/>
           <a:p>
             <a:r>
-              <a:rPr lang="en-US" dirty="0" smtClean="0"/>
+              <a:rPr lang="en-US" smtClean="0"/>
               <a:t>Google Filesystem Architecture</a:t>
             </a:r>
-            <a:endParaRPr lang="en-US" dirty="0"/>
           </a:p>
         </p:txBody>
       </p:sp>
       <p:pic>
         <p:nvPicPr>
-          <p:cNvPr id="1026" name="Picture 2"/>
+          <p:cNvPr id="13315" name="Picture 2"/>
           <p:cNvPicPr>
             <a:picLocks noGrp="1" noChangeAspect="1" noChangeArrowheads="1"/>
           </p:cNvPicPr>
@@ -20393,26 +21643,16 @@
         </p:nvPicPr>
         <p:blipFill>
           <a:blip r:embed="rId2"/>
+          <a:srcRect/>
           <a:stretch>
             <a:fillRect/>
           </a:stretch>
         </p:blipFill>
-        <p:spPr bwMode="auto">
+        <p:spPr>
           <a:xfrm>
-            <a:off x="457200" y="2257148"/>
-            <a:ext cx="8229600" cy="3745467"/>
+            <a:off x="457200" y="2257425"/>
+            <a:ext cx="8229600" cy="3744913"/>
           </a:xfrm>
-          <a:prstGeom prst="rect">
-            <a:avLst/>
-          </a:prstGeom>
-          <a:noFill/>
-          <a:ln w="9525">
-            <a:noFill/>
-            <a:miter lim="800000"/>
-            <a:headEnd/>
-            <a:tailEnd/>
-          </a:ln>
-          <a:effectLst/>
         </p:spPr>
       </p:pic>
     </p:spTree>
@@ -20723,4 +21963,90 @@
   <a:objectDefaults/>
   <a:extraClrSchemeLst/>
 </a:theme>
+</file>
+
+<file path=ppt/theme/themeOverride1.xml><?xml version="1.0" encoding="utf-8"?>
+<a:themeOverride xmlns:a="http://schemas.openxmlformats.org/drawingml/2006/main">
+  <a:clrScheme name="Flow">
+    <a:dk1>
+      <a:sysClr val="windowText" lastClr="000000"/>
+    </a:dk1>
+    <a:lt1>
+      <a:sysClr val="window" lastClr="FFFFFF"/>
+    </a:lt1>
+    <a:dk2>
+      <a:srgbClr val="04617B"/>
+    </a:dk2>
+    <a:lt2>
+      <a:srgbClr val="DBF5F9"/>
+    </a:lt2>
+    <a:accent1>
+      <a:srgbClr val="0F6FC6"/>
+    </a:accent1>
+    <a:accent2>
+      <a:srgbClr val="009DD9"/>
+    </a:accent2>
+    <a:accent3>
+      <a:srgbClr val="0BD0D9"/>
+    </a:accent3>
+    <a:accent4>
+      <a:srgbClr val="10CF9B"/>
+    </a:accent4>
+    <a:accent5>
+      <a:srgbClr val="7CCA62"/>
+    </a:accent5>
+    <a:accent6>
+      <a:srgbClr val="A5C249"/>
+    </a:accent6>
+    <a:hlink>
+      <a:srgbClr val="E2D700"/>
+    </a:hlink>
+    <a:folHlink>
+      <a:srgbClr val="85DFD0"/>
+    </a:folHlink>
+  </a:clrScheme>
+</a:themeOverride>
+</file>
+
+<file path=ppt/theme/themeOverride2.xml><?xml version="1.0" encoding="utf-8"?>
+<a:themeOverride xmlns:a="http://schemas.openxmlformats.org/drawingml/2006/main">
+  <a:clrScheme name="Flow">
+    <a:dk1>
+      <a:sysClr val="windowText" lastClr="000000"/>
+    </a:dk1>
+    <a:lt1>
+      <a:sysClr val="window" lastClr="FFFFFF"/>
+    </a:lt1>
+    <a:dk2>
+      <a:srgbClr val="04617B"/>
+    </a:dk2>
+    <a:lt2>
+      <a:srgbClr val="DBF5F9"/>
+    </a:lt2>
+    <a:accent1>
+      <a:srgbClr val="0F6FC6"/>
+    </a:accent1>
+    <a:accent2>
+      <a:srgbClr val="009DD9"/>
+    </a:accent2>
+    <a:accent3>
+      <a:srgbClr val="0BD0D9"/>
+    </a:accent3>
+    <a:accent4>
+      <a:srgbClr val="10CF9B"/>
+    </a:accent4>
+    <a:accent5>
+      <a:srgbClr val="7CCA62"/>
+    </a:accent5>
+    <a:accent6>
+      <a:srgbClr val="A5C249"/>
+    </a:accent6>
+    <a:hlink>
+      <a:srgbClr val="E2D700"/>
+    </a:hlink>
+    <a:folHlink>
+      <a:srgbClr val="85DFD0"/>
+    </a:folHlink>
+  </a:clrScheme>
+</a:themeOverride>
 </file>